--- a/2 - Gitting Started/GittingStarted.pptx
+++ b/2 - Gitting Started/GittingStarted.pptx
@@ -5,39 +5,40 @@
     <p:sldMasterId id="2147483659" r:id="rId1"/>
   </p:sldMasterIdLst>
   <p:notesMasterIdLst>
-    <p:notesMasterId r:id="rId8"/>
+    <p:notesMasterId r:id="rId9"/>
   </p:notesMasterIdLst>
   <p:sldIdLst>
     <p:sldId id="256" r:id="rId2"/>
     <p:sldId id="280" r:id="rId3"/>
     <p:sldId id="281" r:id="rId4"/>
     <p:sldId id="282" r:id="rId5"/>
-    <p:sldId id="279" r:id="rId6"/>
-    <p:sldId id="278" r:id="rId7"/>
+    <p:sldId id="283" r:id="rId6"/>
+    <p:sldId id="279" r:id="rId7"/>
+    <p:sldId id="278" r:id="rId8"/>
   </p:sldIdLst>
   <p:sldSz cx="9144000" cy="5143500" type="screen16x9"/>
   <p:notesSz cx="6858000" cy="9144000"/>
   <p:embeddedFontLst>
     <p:embeddedFont>
       <p:font typeface="Consolas" panose="020B0609020204030204" pitchFamily="49" charset="0"/>
-      <p:regular r:id="rId9"/>
-      <p:bold r:id="rId10"/>
-      <p:italic r:id="rId11"/>
-      <p:boldItalic r:id="rId12"/>
+      <p:regular r:id="rId10"/>
+      <p:bold r:id="rId11"/>
+      <p:italic r:id="rId12"/>
+      <p:boldItalic r:id="rId13"/>
     </p:embeddedFont>
     <p:embeddedFont>
       <p:font typeface="Lato" panose="020B0604020202020204" charset="0"/>
-      <p:regular r:id="rId13"/>
-      <p:bold r:id="rId14"/>
-      <p:italic r:id="rId15"/>
-      <p:boldItalic r:id="rId16"/>
+      <p:regular r:id="rId14"/>
+      <p:bold r:id="rId15"/>
+      <p:italic r:id="rId16"/>
+      <p:boldItalic r:id="rId17"/>
     </p:embeddedFont>
     <p:embeddedFont>
       <p:font typeface="Raleway" panose="020B0003030101060003" pitchFamily="34" charset="0"/>
-      <p:regular r:id="rId17"/>
-      <p:bold r:id="rId18"/>
-      <p:italic r:id="rId19"/>
-      <p:boldItalic r:id="rId20"/>
+      <p:regular r:id="rId18"/>
+      <p:bold r:id="rId19"/>
+      <p:italic r:id="rId20"/>
+      <p:boldItalic r:id="rId21"/>
     </p:embeddedFont>
   </p:embeddedFontLst>
   <p:defaultTextStyle>
@@ -15347,6 +15348,66 @@
           <a:chExt cx="0" cy="0"/>
         </a:xfrm>
       </p:grpSpPr>
+      <p:pic>
+        <p:nvPicPr>
+          <p:cNvPr id="4" name="Picture 3">
+            <a:extLst>
+              <a:ext uri="{FF2B5EF4-FFF2-40B4-BE49-F238E27FC236}">
+                <a16:creationId xmlns:a16="http://schemas.microsoft.com/office/drawing/2014/main" id="{816B17DF-74F2-4830-813B-2EDE015D4FDA}"/>
+              </a:ext>
+            </a:extLst>
+          </p:cNvPr>
+          <p:cNvPicPr>
+            <a:picLocks noChangeAspect="1"/>
+          </p:cNvPicPr>
+          <p:nvPr/>
+        </p:nvPicPr>
+        <p:blipFill>
+          <a:blip r:embed="rId2"/>
+          <a:stretch>
+            <a:fillRect/>
+          </a:stretch>
+        </p:blipFill>
+        <p:spPr>
+          <a:xfrm>
+            <a:off x="1006855" y="0"/>
+            <a:ext cx="7130289" cy="5143500"/>
+          </a:xfrm>
+          <a:prstGeom prst="rect">
+            <a:avLst/>
+          </a:prstGeom>
+        </p:spPr>
+      </p:pic>
+    </p:spTree>
+    <p:extLst>
+      <p:ext uri="{BB962C8B-B14F-4D97-AF65-F5344CB8AC3E}">
+        <p14:creationId xmlns:p14="http://schemas.microsoft.com/office/powerpoint/2010/main" val="3500721091"/>
+      </p:ext>
+    </p:extLst>
+  </p:cSld>
+  <p:clrMapOvr>
+    <a:masterClrMapping/>
+  </p:clrMapOvr>
+</p:sld>
+</file>
+
+<file path=ppt/slides/slide6.xml><?xml version="1.0" encoding="utf-8"?>
+<p:sld xmlns:a="http://schemas.openxmlformats.org/drawingml/2006/main" xmlns:r="http://schemas.openxmlformats.org/officeDocument/2006/relationships" xmlns:p="http://schemas.openxmlformats.org/presentationml/2006/main">
+  <p:cSld>
+    <p:spTree>
+      <p:nvGrpSpPr>
+        <p:cNvPr id="1" name=""/>
+        <p:cNvGrpSpPr/>
+        <p:nvPr/>
+      </p:nvGrpSpPr>
+      <p:grpSpPr>
+        <a:xfrm>
+          <a:off x="0" y="0"/>
+          <a:ext cx="0" cy="0"/>
+          <a:chOff x="0" y="0"/>
+          <a:chExt cx="0" cy="0"/>
+        </a:xfrm>
+      </p:grpSpPr>
       <p:sp>
         <p:nvSpPr>
           <p:cNvPr id="2" name="Title 1">
@@ -15416,7 +15477,7 @@
 </p:sld>
 </file>
 
-<file path=ppt/slides/slide6.xml><?xml version="1.0" encoding="utf-8"?>
+<file path=ppt/slides/slide7.xml><?xml version="1.0" encoding="utf-8"?>
 <p:sld xmlns:a="http://schemas.openxmlformats.org/drawingml/2006/main" xmlns:r="http://schemas.openxmlformats.org/officeDocument/2006/relationships" xmlns:p="http://schemas.openxmlformats.org/presentationml/2006/main">
   <p:cSld>
     <p:spTree>

--- a/2 - Gitting Started/GittingStarted.pptx
+++ b/2 - Gitting Started/GittingStarted.pptx
@@ -34,7 +34,7 @@
       <p:boldItalic r:id="rId17"/>
     </p:embeddedFont>
     <p:embeddedFont>
-      <p:font typeface="Raleway" panose="020B0003030101060003" pitchFamily="34" charset="0"/>
+      <p:font typeface="Raleway" panose="020B0604020202020204" charset="0"/>
       <p:regular r:id="rId18"/>
       <p:bold r:id="rId19"/>
       <p:italic r:id="rId20"/>

--- a/2 - Gitting Started/GittingStarted.pptx
+++ b/2 - Gitting Started/GittingStarted.pptx
@@ -5,40 +5,37 @@
     <p:sldMasterId id="2147483659" r:id="rId1"/>
   </p:sldMasterIdLst>
   <p:notesMasterIdLst>
-    <p:notesMasterId r:id="rId9"/>
+    <p:notesMasterId r:id="rId6"/>
   </p:notesMasterIdLst>
   <p:sldIdLst>
     <p:sldId id="256" r:id="rId2"/>
     <p:sldId id="280" r:id="rId3"/>
     <p:sldId id="281" r:id="rId4"/>
     <p:sldId id="282" r:id="rId5"/>
-    <p:sldId id="283" r:id="rId6"/>
-    <p:sldId id="279" r:id="rId7"/>
-    <p:sldId id="278" r:id="rId8"/>
   </p:sldIdLst>
   <p:sldSz cx="9144000" cy="5143500" type="screen16x9"/>
   <p:notesSz cx="6858000" cy="9144000"/>
   <p:embeddedFontLst>
     <p:embeddedFont>
       <p:font typeface="Consolas" panose="020B0609020204030204" pitchFamily="49" charset="0"/>
-      <p:regular r:id="rId10"/>
-      <p:bold r:id="rId11"/>
-      <p:italic r:id="rId12"/>
-      <p:boldItalic r:id="rId13"/>
+      <p:regular r:id="rId7"/>
+      <p:bold r:id="rId8"/>
+      <p:italic r:id="rId9"/>
+      <p:boldItalic r:id="rId10"/>
     </p:embeddedFont>
     <p:embeddedFont>
-      <p:font typeface="Lato" panose="020B0604020202020204" charset="0"/>
-      <p:regular r:id="rId14"/>
-      <p:bold r:id="rId15"/>
-      <p:italic r:id="rId16"/>
-      <p:boldItalic r:id="rId17"/>
+      <p:font typeface="Lato" panose="020F0502020204030203" pitchFamily="34" charset="0"/>
+      <p:regular r:id="rId11"/>
+      <p:bold r:id="rId12"/>
+      <p:italic r:id="rId13"/>
+      <p:boldItalic r:id="rId14"/>
     </p:embeddedFont>
     <p:embeddedFont>
-      <p:font typeface="Raleway" panose="020B0604020202020204" charset="0"/>
-      <p:regular r:id="rId18"/>
-      <p:bold r:id="rId19"/>
-      <p:italic r:id="rId20"/>
-      <p:boldItalic r:id="rId21"/>
+      <p:font typeface="Raleway" panose="020B0503030101060003" pitchFamily="34" charset="77"/>
+      <p:regular r:id="rId15"/>
+      <p:bold r:id="rId16"/>
+      <p:italic r:id="rId17"/>
+      <p:boldItalic r:id="rId18"/>
     </p:embeddedFont>
   </p:embeddedFontLst>
   <p:defaultTextStyle>
@@ -1060,788 +1057,6 @@
 </dgm:colorsDef>
 </file>
 
-<file path=ppt/diagrams/colors2.xml><?xml version="1.0" encoding="utf-8"?>
-<dgm:colorsDef xmlns:dgm="http://schemas.openxmlformats.org/drawingml/2006/diagram" xmlns:a="http://schemas.openxmlformats.org/drawingml/2006/main" uniqueId="urn:microsoft.com/office/officeart/2005/8/colors/colorful4">
-  <dgm:title val=""/>
-  <dgm:desc val=""/>
-  <dgm:catLst>
-    <dgm:cat type="colorful" pri="10400"/>
-  </dgm:catLst>
-  <dgm:styleLbl name="node0">
-    <dgm:fillClrLst meth="repeat">
-      <a:schemeClr val="accent3"/>
-    </dgm:fillClrLst>
-    <dgm:linClrLst meth="repeat">
-      <a:schemeClr val="lt1"/>
-    </dgm:linClrLst>
-    <dgm:effectClrLst/>
-    <dgm:txLinClrLst/>
-    <dgm:txFillClrLst/>
-    <dgm:txEffectClrLst/>
-  </dgm:styleLbl>
-  <dgm:styleLbl name="node1">
-    <dgm:fillClrLst>
-      <a:schemeClr val="accent4"/>
-      <a:schemeClr val="accent5"/>
-    </dgm:fillClrLst>
-    <dgm:linClrLst meth="repeat">
-      <a:schemeClr val="lt1"/>
-    </dgm:linClrLst>
-    <dgm:effectClrLst/>
-    <dgm:txLinClrLst/>
-    <dgm:txFillClrLst/>
-    <dgm:txEffectClrLst/>
-  </dgm:styleLbl>
-  <dgm:styleLbl name="alignNode1">
-    <dgm:fillClrLst>
-      <a:schemeClr val="accent4"/>
-      <a:schemeClr val="accent5"/>
-    </dgm:fillClrLst>
-    <dgm:linClrLst>
-      <a:schemeClr val="accent4"/>
-      <a:schemeClr val="accent5"/>
-    </dgm:linClrLst>
-    <dgm:effectClrLst/>
-    <dgm:txLinClrLst/>
-    <dgm:txFillClrLst/>
-    <dgm:txEffectClrLst/>
-  </dgm:styleLbl>
-  <dgm:styleLbl name="lnNode1">
-    <dgm:fillClrLst>
-      <a:schemeClr val="accent4"/>
-      <a:schemeClr val="accent5"/>
-    </dgm:fillClrLst>
-    <dgm:linClrLst meth="repeat">
-      <a:schemeClr val="lt1"/>
-    </dgm:linClrLst>
-    <dgm:effectClrLst/>
-    <dgm:txLinClrLst/>
-    <dgm:txFillClrLst/>
-    <dgm:txEffectClrLst/>
-  </dgm:styleLbl>
-  <dgm:styleLbl name="vennNode1">
-    <dgm:fillClrLst>
-      <a:schemeClr val="accent4">
-        <a:alpha val="50000"/>
-      </a:schemeClr>
-      <a:schemeClr val="accent5">
-        <a:alpha val="50000"/>
-      </a:schemeClr>
-    </dgm:fillClrLst>
-    <dgm:linClrLst meth="repeat">
-      <a:schemeClr val="lt1"/>
-    </dgm:linClrLst>
-    <dgm:effectClrLst/>
-    <dgm:txLinClrLst/>
-    <dgm:txFillClrLst/>
-    <dgm:txEffectClrLst/>
-  </dgm:styleLbl>
-  <dgm:styleLbl name="node2">
-    <dgm:fillClrLst>
-      <a:schemeClr val="accent5"/>
-    </dgm:fillClrLst>
-    <dgm:linClrLst meth="repeat">
-      <a:schemeClr val="lt1"/>
-    </dgm:linClrLst>
-    <dgm:effectClrLst/>
-    <dgm:txLinClrLst/>
-    <dgm:txFillClrLst/>
-    <dgm:txEffectClrLst/>
-  </dgm:styleLbl>
-  <dgm:styleLbl name="node3">
-    <dgm:fillClrLst>
-      <a:schemeClr val="accent6"/>
-    </dgm:fillClrLst>
-    <dgm:linClrLst meth="repeat">
-      <a:schemeClr val="lt1"/>
-    </dgm:linClrLst>
-    <dgm:effectClrLst/>
-    <dgm:txLinClrLst/>
-    <dgm:txFillClrLst/>
-    <dgm:txEffectClrLst/>
-  </dgm:styleLbl>
-  <dgm:styleLbl name="node4">
-    <dgm:fillClrLst>
-      <a:schemeClr val="accent1"/>
-    </dgm:fillClrLst>
-    <dgm:linClrLst meth="repeat">
-      <a:schemeClr val="lt1"/>
-    </dgm:linClrLst>
-    <dgm:effectClrLst/>
-    <dgm:txLinClrLst/>
-    <dgm:txFillClrLst/>
-    <dgm:txEffectClrLst/>
-  </dgm:styleLbl>
-  <dgm:styleLbl name="fgImgPlace1">
-    <dgm:fillClrLst>
-      <a:schemeClr val="accent4">
-        <a:tint val="50000"/>
-      </a:schemeClr>
-      <a:schemeClr val="accent5">
-        <a:tint val="50000"/>
-      </a:schemeClr>
-    </dgm:fillClrLst>
-    <dgm:linClrLst meth="repeat">
-      <a:schemeClr val="lt1"/>
-    </dgm:linClrLst>
-    <dgm:effectClrLst/>
-    <dgm:txLinClrLst/>
-    <dgm:txFillClrLst meth="repeat">
-      <a:schemeClr val="lt1"/>
-    </dgm:txFillClrLst>
-    <dgm:txEffectClrLst/>
-  </dgm:styleLbl>
-  <dgm:styleLbl name="alignImgPlace1">
-    <dgm:fillClrLst>
-      <a:schemeClr val="accent4">
-        <a:tint val="50000"/>
-      </a:schemeClr>
-      <a:schemeClr val="accent5">
-        <a:tint val="20000"/>
-      </a:schemeClr>
-    </dgm:fillClrLst>
-    <dgm:linClrLst meth="repeat">
-      <a:schemeClr val="lt1"/>
-    </dgm:linClrLst>
-    <dgm:effectClrLst/>
-    <dgm:txLinClrLst/>
-    <dgm:txFillClrLst meth="repeat">
-      <a:schemeClr val="lt1"/>
-    </dgm:txFillClrLst>
-    <dgm:txEffectClrLst/>
-  </dgm:styleLbl>
-  <dgm:styleLbl name="bgImgPlace1">
-    <dgm:fillClrLst>
-      <a:schemeClr val="accent4">
-        <a:tint val="50000"/>
-      </a:schemeClr>
-      <a:schemeClr val="accent5">
-        <a:tint val="20000"/>
-      </a:schemeClr>
-    </dgm:fillClrLst>
-    <dgm:linClrLst meth="repeat">
-      <a:schemeClr val="lt1"/>
-    </dgm:linClrLst>
-    <dgm:effectClrLst/>
-    <dgm:txLinClrLst/>
-    <dgm:txFillClrLst meth="repeat">
-      <a:schemeClr val="lt1"/>
-    </dgm:txFillClrLst>
-    <dgm:txEffectClrLst/>
-  </dgm:styleLbl>
-  <dgm:styleLbl name="sibTrans2D1">
-    <dgm:fillClrLst>
-      <a:schemeClr val="accent4"/>
-      <a:schemeClr val="accent5"/>
-    </dgm:fillClrLst>
-    <dgm:linClrLst meth="repeat">
-      <a:schemeClr val="lt1"/>
-    </dgm:linClrLst>
-    <dgm:effectClrLst/>
-    <dgm:txLinClrLst/>
-    <dgm:txFillClrLst/>
-    <dgm:txEffectClrLst/>
-  </dgm:styleLbl>
-  <dgm:styleLbl name="fgSibTrans2D1">
-    <dgm:fillClrLst>
-      <a:schemeClr val="accent4"/>
-      <a:schemeClr val="accent5"/>
-    </dgm:fillClrLst>
-    <dgm:linClrLst meth="repeat">
-      <a:schemeClr val="lt1"/>
-    </dgm:linClrLst>
-    <dgm:effectClrLst/>
-    <dgm:txLinClrLst/>
-    <dgm:txFillClrLst meth="repeat">
-      <a:schemeClr val="lt1"/>
-    </dgm:txFillClrLst>
-    <dgm:txEffectClrLst/>
-  </dgm:styleLbl>
-  <dgm:styleLbl name="bgSibTrans2D1">
-    <dgm:fillClrLst>
-      <a:schemeClr val="accent4"/>
-      <a:schemeClr val="accent5"/>
-    </dgm:fillClrLst>
-    <dgm:linClrLst meth="repeat">
-      <a:schemeClr val="lt1"/>
-    </dgm:linClrLst>
-    <dgm:effectClrLst/>
-    <dgm:txLinClrLst/>
-    <dgm:txFillClrLst meth="repeat">
-      <a:schemeClr val="lt1"/>
-    </dgm:txFillClrLst>
-    <dgm:txEffectClrLst/>
-  </dgm:styleLbl>
-  <dgm:styleLbl name="sibTrans1D1">
-    <dgm:fillClrLst/>
-    <dgm:linClrLst>
-      <a:schemeClr val="accent4"/>
-      <a:schemeClr val="accent5"/>
-    </dgm:linClrLst>
-    <dgm:effectClrLst/>
-    <dgm:txLinClrLst/>
-    <dgm:txFillClrLst meth="repeat">
-      <a:schemeClr val="tx1"/>
-    </dgm:txFillClrLst>
-    <dgm:txEffectClrLst/>
-  </dgm:styleLbl>
-  <dgm:styleLbl name="callout">
-    <dgm:fillClrLst meth="repeat">
-      <a:schemeClr val="accent4"/>
-    </dgm:fillClrLst>
-    <dgm:linClrLst meth="repeat">
-      <a:schemeClr val="accent4">
-        <a:tint val="50000"/>
-      </a:schemeClr>
-    </dgm:linClrLst>
-    <dgm:effectClrLst/>
-    <dgm:txLinClrLst/>
-    <dgm:txFillClrLst meth="repeat">
-      <a:schemeClr val="tx1"/>
-    </dgm:txFillClrLst>
-    <dgm:txEffectClrLst/>
-  </dgm:styleLbl>
-  <dgm:styleLbl name="asst0">
-    <dgm:fillClrLst meth="repeat">
-      <a:schemeClr val="accent4"/>
-    </dgm:fillClrLst>
-    <dgm:linClrLst meth="repeat">
-      <a:schemeClr val="lt1">
-        <a:shade val="80000"/>
-      </a:schemeClr>
-    </dgm:linClrLst>
-    <dgm:effectClrLst/>
-    <dgm:txLinClrLst/>
-    <dgm:txFillClrLst/>
-    <dgm:txEffectClrLst/>
-  </dgm:styleLbl>
-  <dgm:styleLbl name="asst1">
-    <dgm:fillClrLst meth="repeat">
-      <a:schemeClr val="accent5"/>
-    </dgm:fillClrLst>
-    <dgm:linClrLst meth="repeat">
-      <a:schemeClr val="lt1">
-        <a:shade val="80000"/>
-      </a:schemeClr>
-    </dgm:linClrLst>
-    <dgm:effectClrLst/>
-    <dgm:txLinClrLst/>
-    <dgm:txFillClrLst/>
-    <dgm:txEffectClrLst/>
-  </dgm:styleLbl>
-  <dgm:styleLbl name="asst2">
-    <dgm:fillClrLst>
-      <a:schemeClr val="accent6"/>
-    </dgm:fillClrLst>
-    <dgm:linClrLst meth="repeat">
-      <a:schemeClr val="lt1"/>
-    </dgm:linClrLst>
-    <dgm:effectClrLst/>
-    <dgm:txLinClrLst/>
-    <dgm:txFillClrLst/>
-    <dgm:txEffectClrLst/>
-  </dgm:styleLbl>
-  <dgm:styleLbl name="asst3">
-    <dgm:fillClrLst>
-      <a:schemeClr val="accent1"/>
-    </dgm:fillClrLst>
-    <dgm:linClrLst meth="repeat">
-      <a:schemeClr val="lt1"/>
-    </dgm:linClrLst>
-    <dgm:effectClrLst/>
-    <dgm:txLinClrLst/>
-    <dgm:txFillClrLst/>
-    <dgm:txEffectClrLst/>
-  </dgm:styleLbl>
-  <dgm:styleLbl name="asst4">
-    <dgm:fillClrLst>
-      <a:schemeClr val="accent2"/>
-    </dgm:fillClrLst>
-    <dgm:linClrLst meth="repeat">
-      <a:schemeClr val="lt1"/>
-    </dgm:linClrLst>
-    <dgm:effectClrLst/>
-    <dgm:txLinClrLst/>
-    <dgm:txFillClrLst/>
-    <dgm:txEffectClrLst/>
-  </dgm:styleLbl>
-  <dgm:styleLbl name="parChTrans2D1">
-    <dgm:fillClrLst meth="repeat">
-      <a:schemeClr val="accent4"/>
-    </dgm:fillClrLst>
-    <dgm:linClrLst meth="repeat">
-      <a:schemeClr val="lt1"/>
-    </dgm:linClrLst>
-    <dgm:effectClrLst/>
-    <dgm:txLinClrLst/>
-    <dgm:txFillClrLst meth="repeat">
-      <a:schemeClr val="lt1"/>
-    </dgm:txFillClrLst>
-    <dgm:txEffectClrLst/>
-  </dgm:styleLbl>
-  <dgm:styleLbl name="parChTrans2D2">
-    <dgm:fillClrLst meth="repeat">
-      <a:schemeClr val="accent5"/>
-    </dgm:fillClrLst>
-    <dgm:linClrLst meth="repeat">
-      <a:schemeClr val="lt1"/>
-    </dgm:linClrLst>
-    <dgm:effectClrLst/>
-    <dgm:txLinClrLst/>
-    <dgm:txFillClrLst/>
-    <dgm:txEffectClrLst/>
-  </dgm:styleLbl>
-  <dgm:styleLbl name="parChTrans2D3">
-    <dgm:fillClrLst meth="repeat">
-      <a:schemeClr val="accent5"/>
-    </dgm:fillClrLst>
-    <dgm:linClrLst meth="repeat">
-      <a:schemeClr val="lt1"/>
-    </dgm:linClrLst>
-    <dgm:effectClrLst/>
-    <dgm:txLinClrLst/>
-    <dgm:txFillClrLst/>
-    <dgm:txEffectClrLst/>
-  </dgm:styleLbl>
-  <dgm:styleLbl name="parChTrans2D4">
-    <dgm:fillClrLst meth="repeat">
-      <a:schemeClr val="accent6"/>
-    </dgm:fillClrLst>
-    <dgm:linClrLst meth="repeat">
-      <a:schemeClr val="lt1"/>
-    </dgm:linClrLst>
-    <dgm:effectClrLst/>
-    <dgm:txLinClrLst/>
-    <dgm:txFillClrLst meth="repeat">
-      <a:schemeClr val="lt1"/>
-    </dgm:txFillClrLst>
-    <dgm:txEffectClrLst/>
-  </dgm:styleLbl>
-  <dgm:styleLbl name="parChTrans1D1">
-    <dgm:fillClrLst meth="repeat">
-      <a:schemeClr val="accent4"/>
-    </dgm:fillClrLst>
-    <dgm:linClrLst meth="repeat">
-      <a:schemeClr val="accent4"/>
-    </dgm:linClrLst>
-    <dgm:effectClrLst/>
-    <dgm:txLinClrLst/>
-    <dgm:txFillClrLst meth="repeat">
-      <a:schemeClr val="tx1"/>
-    </dgm:txFillClrLst>
-    <dgm:txEffectClrLst/>
-  </dgm:styleLbl>
-  <dgm:styleLbl name="parChTrans1D2">
-    <dgm:fillClrLst meth="repeat">
-      <a:schemeClr val="accent4">
-        <a:tint val="90000"/>
-      </a:schemeClr>
-    </dgm:fillClrLst>
-    <dgm:linClrLst meth="repeat">
-      <a:schemeClr val="accent5"/>
-    </dgm:linClrLst>
-    <dgm:effectClrLst/>
-    <dgm:txLinClrLst/>
-    <dgm:txFillClrLst meth="repeat">
-      <a:schemeClr val="tx1"/>
-    </dgm:txFillClrLst>
-    <dgm:txEffectClrLst/>
-  </dgm:styleLbl>
-  <dgm:styleLbl name="parChTrans1D3">
-    <dgm:fillClrLst meth="repeat">
-      <a:schemeClr val="accent4">
-        <a:tint val="70000"/>
-      </a:schemeClr>
-    </dgm:fillClrLst>
-    <dgm:linClrLst meth="repeat">
-      <a:schemeClr val="accent6"/>
-    </dgm:linClrLst>
-    <dgm:effectClrLst/>
-    <dgm:txLinClrLst/>
-    <dgm:txFillClrLst meth="repeat">
-      <a:schemeClr val="tx1"/>
-    </dgm:txFillClrLst>
-    <dgm:txEffectClrLst/>
-  </dgm:styleLbl>
-  <dgm:styleLbl name="parChTrans1D4">
-    <dgm:fillClrLst meth="repeat">
-      <a:schemeClr val="accent4">
-        <a:tint val="50000"/>
-      </a:schemeClr>
-    </dgm:fillClrLst>
-    <dgm:linClrLst meth="repeat">
-      <a:schemeClr val="accent1"/>
-    </dgm:linClrLst>
-    <dgm:effectClrLst/>
-    <dgm:txLinClrLst/>
-    <dgm:txFillClrLst meth="repeat">
-      <a:schemeClr val="tx1"/>
-    </dgm:txFillClrLst>
-    <dgm:txEffectClrLst/>
-  </dgm:styleLbl>
-  <dgm:styleLbl name="fgAcc1">
-    <dgm:fillClrLst meth="repeat">
-      <a:schemeClr val="lt1">
-        <a:alpha val="90000"/>
-      </a:schemeClr>
-    </dgm:fillClrLst>
-    <dgm:linClrLst>
-      <a:schemeClr val="accent4"/>
-      <a:schemeClr val="accent5"/>
-    </dgm:linClrLst>
-    <dgm:effectClrLst/>
-    <dgm:txLinClrLst/>
-    <dgm:txFillClrLst meth="repeat">
-      <a:schemeClr val="dk1"/>
-    </dgm:txFillClrLst>
-    <dgm:txEffectClrLst/>
-  </dgm:styleLbl>
-  <dgm:styleLbl name="conFgAcc1">
-    <dgm:fillClrLst meth="repeat">
-      <a:schemeClr val="lt1">
-        <a:alpha val="90000"/>
-      </a:schemeClr>
-    </dgm:fillClrLst>
-    <dgm:linClrLst>
-      <a:schemeClr val="accent4"/>
-      <a:schemeClr val="accent5"/>
-    </dgm:linClrLst>
-    <dgm:effectClrLst/>
-    <dgm:txLinClrLst/>
-    <dgm:txFillClrLst meth="repeat">
-      <a:schemeClr val="dk1"/>
-    </dgm:txFillClrLst>
-    <dgm:txEffectClrLst/>
-  </dgm:styleLbl>
-  <dgm:styleLbl name="alignAcc1">
-    <dgm:fillClrLst meth="repeat">
-      <a:schemeClr val="lt1">
-        <a:alpha val="90000"/>
-      </a:schemeClr>
-    </dgm:fillClrLst>
-    <dgm:linClrLst>
-      <a:schemeClr val="accent4"/>
-      <a:schemeClr val="accent5"/>
-    </dgm:linClrLst>
-    <dgm:effectClrLst/>
-    <dgm:txLinClrLst/>
-    <dgm:txFillClrLst meth="repeat">
-      <a:schemeClr val="dk1"/>
-    </dgm:txFillClrLst>
-    <dgm:txEffectClrLst/>
-  </dgm:styleLbl>
-  <dgm:styleLbl name="trAlignAcc1">
-    <dgm:fillClrLst meth="repeat">
-      <a:schemeClr val="lt1">
-        <a:alpha val="40000"/>
-      </a:schemeClr>
-    </dgm:fillClrLst>
-    <dgm:linClrLst meth="repeat">
-      <a:schemeClr val="accent4"/>
-    </dgm:linClrLst>
-    <dgm:effectClrLst/>
-    <dgm:txLinClrLst/>
-    <dgm:txFillClrLst meth="repeat">
-      <a:schemeClr val="dk1"/>
-    </dgm:txFillClrLst>
-    <dgm:txEffectClrLst/>
-  </dgm:styleLbl>
-  <dgm:styleLbl name="bgAcc1">
-    <dgm:fillClrLst meth="repeat">
-      <a:schemeClr val="lt1">
-        <a:alpha val="90000"/>
-      </a:schemeClr>
-    </dgm:fillClrLst>
-    <dgm:linClrLst>
-      <a:schemeClr val="accent4"/>
-      <a:schemeClr val="accent5"/>
-    </dgm:linClrLst>
-    <dgm:effectClrLst/>
-    <dgm:txLinClrLst/>
-    <dgm:txFillClrLst meth="repeat">
-      <a:schemeClr val="dk1"/>
-    </dgm:txFillClrLst>
-    <dgm:txEffectClrLst/>
-  </dgm:styleLbl>
-  <dgm:styleLbl name="solidFgAcc1">
-    <dgm:fillClrLst meth="repeat">
-      <a:schemeClr val="lt1"/>
-    </dgm:fillClrLst>
-    <dgm:linClrLst>
-      <a:schemeClr val="accent4"/>
-      <a:schemeClr val="accent5"/>
-    </dgm:linClrLst>
-    <dgm:effectClrLst/>
-    <dgm:txLinClrLst/>
-    <dgm:txFillClrLst meth="repeat">
-      <a:schemeClr val="dk1"/>
-    </dgm:txFillClrLst>
-    <dgm:txEffectClrLst/>
-  </dgm:styleLbl>
-  <dgm:styleLbl name="solidAlignAcc1">
-    <dgm:fillClrLst meth="repeat">
-      <a:schemeClr val="lt1"/>
-    </dgm:fillClrLst>
-    <dgm:linClrLst>
-      <a:schemeClr val="accent4"/>
-      <a:schemeClr val="accent5"/>
-    </dgm:linClrLst>
-    <dgm:effectClrLst/>
-    <dgm:txLinClrLst/>
-    <dgm:txFillClrLst meth="repeat">
-      <a:schemeClr val="dk1"/>
-    </dgm:txFillClrLst>
-    <dgm:txEffectClrLst/>
-  </dgm:styleLbl>
-  <dgm:styleLbl name="solidBgAcc1">
-    <dgm:fillClrLst meth="repeat">
-      <a:schemeClr val="lt1"/>
-    </dgm:fillClrLst>
-    <dgm:linClrLst>
-      <a:schemeClr val="accent4"/>
-      <a:schemeClr val="accent5"/>
-    </dgm:linClrLst>
-    <dgm:effectClrLst/>
-    <dgm:txLinClrLst/>
-    <dgm:txFillClrLst meth="repeat">
-      <a:schemeClr val="dk1"/>
-    </dgm:txFillClrLst>
-    <dgm:txEffectClrLst/>
-  </dgm:styleLbl>
-  <dgm:styleLbl name="fgAccFollowNode1">
-    <dgm:fillClrLst>
-      <a:schemeClr val="accent4">
-        <a:tint val="40000"/>
-        <a:alpha val="90000"/>
-      </a:schemeClr>
-      <a:schemeClr val="accent5">
-        <a:tint val="40000"/>
-        <a:alpha val="90000"/>
-      </a:schemeClr>
-    </dgm:fillClrLst>
-    <dgm:linClrLst>
-      <a:schemeClr val="accent4">
-        <a:tint val="40000"/>
-        <a:alpha val="90000"/>
-      </a:schemeClr>
-      <a:schemeClr val="accent5">
-        <a:tint val="40000"/>
-        <a:alpha val="90000"/>
-      </a:schemeClr>
-    </dgm:linClrLst>
-    <dgm:effectClrLst/>
-    <dgm:txLinClrLst/>
-    <dgm:txFillClrLst meth="repeat">
-      <a:schemeClr val="dk1"/>
-    </dgm:txFillClrLst>
-    <dgm:txEffectClrLst/>
-  </dgm:styleLbl>
-  <dgm:styleLbl name="alignAccFollowNode1">
-    <dgm:fillClrLst>
-      <a:schemeClr val="accent4">
-        <a:tint val="40000"/>
-        <a:alpha val="90000"/>
-      </a:schemeClr>
-      <a:schemeClr val="accent5">
-        <a:tint val="40000"/>
-        <a:alpha val="90000"/>
-      </a:schemeClr>
-    </dgm:fillClrLst>
-    <dgm:linClrLst>
-      <a:schemeClr val="accent4">
-        <a:tint val="40000"/>
-        <a:alpha val="90000"/>
-      </a:schemeClr>
-      <a:schemeClr val="accent5">
-        <a:tint val="40000"/>
-        <a:alpha val="90000"/>
-      </a:schemeClr>
-    </dgm:linClrLst>
-    <dgm:effectClrLst/>
-    <dgm:txLinClrLst/>
-    <dgm:txFillClrLst meth="repeat">
-      <a:schemeClr val="dk1"/>
-    </dgm:txFillClrLst>
-    <dgm:txEffectClrLst/>
-  </dgm:styleLbl>
-  <dgm:styleLbl name="bgAccFollowNode1">
-    <dgm:fillClrLst>
-      <a:schemeClr val="accent4">
-        <a:tint val="40000"/>
-        <a:alpha val="90000"/>
-      </a:schemeClr>
-      <a:schemeClr val="accent5">
-        <a:tint val="40000"/>
-        <a:alpha val="90000"/>
-      </a:schemeClr>
-    </dgm:fillClrLst>
-    <dgm:linClrLst>
-      <a:schemeClr val="accent4">
-        <a:tint val="40000"/>
-        <a:alpha val="90000"/>
-      </a:schemeClr>
-      <a:schemeClr val="accent5">
-        <a:tint val="40000"/>
-        <a:alpha val="90000"/>
-      </a:schemeClr>
-    </dgm:linClrLst>
-    <dgm:effectClrLst/>
-    <dgm:txLinClrLst/>
-    <dgm:txFillClrLst meth="repeat">
-      <a:schemeClr val="dk1"/>
-    </dgm:txFillClrLst>
-    <dgm:txEffectClrLst/>
-  </dgm:styleLbl>
-  <dgm:styleLbl name="fgAcc0">
-    <dgm:fillClrLst meth="repeat">
-      <a:schemeClr val="lt1">
-        <a:alpha val="90000"/>
-      </a:schemeClr>
-    </dgm:fillClrLst>
-    <dgm:linClrLst>
-      <a:schemeClr val="accent3"/>
-    </dgm:linClrLst>
-    <dgm:effectClrLst/>
-    <dgm:txLinClrLst/>
-    <dgm:txFillClrLst meth="repeat">
-      <a:schemeClr val="dk1"/>
-    </dgm:txFillClrLst>
-    <dgm:txEffectClrLst/>
-  </dgm:styleLbl>
-  <dgm:styleLbl name="fgAcc2">
-    <dgm:fillClrLst meth="repeat">
-      <a:schemeClr val="lt1">
-        <a:alpha val="90000"/>
-      </a:schemeClr>
-    </dgm:fillClrLst>
-    <dgm:linClrLst>
-      <a:schemeClr val="accent5"/>
-    </dgm:linClrLst>
-    <dgm:effectClrLst/>
-    <dgm:txLinClrLst/>
-    <dgm:txFillClrLst meth="repeat">
-      <a:schemeClr val="dk1"/>
-    </dgm:txFillClrLst>
-    <dgm:txEffectClrLst/>
-  </dgm:styleLbl>
-  <dgm:styleLbl name="fgAcc3">
-    <dgm:fillClrLst meth="repeat">
-      <a:schemeClr val="lt1">
-        <a:alpha val="90000"/>
-      </a:schemeClr>
-    </dgm:fillClrLst>
-    <dgm:linClrLst>
-      <a:schemeClr val="accent6"/>
-    </dgm:linClrLst>
-    <dgm:effectClrLst/>
-    <dgm:txLinClrLst/>
-    <dgm:txFillClrLst meth="repeat">
-      <a:schemeClr val="dk1"/>
-    </dgm:txFillClrLst>
-    <dgm:txEffectClrLst/>
-  </dgm:styleLbl>
-  <dgm:styleLbl name="fgAcc4">
-    <dgm:fillClrLst meth="repeat">
-      <a:schemeClr val="lt1">
-        <a:alpha val="90000"/>
-      </a:schemeClr>
-    </dgm:fillClrLst>
-    <dgm:linClrLst>
-      <a:schemeClr val="accent1"/>
-    </dgm:linClrLst>
-    <dgm:effectClrLst/>
-    <dgm:txLinClrLst/>
-    <dgm:txFillClrLst meth="repeat">
-      <a:schemeClr val="dk1"/>
-    </dgm:txFillClrLst>
-    <dgm:txEffectClrLst/>
-  </dgm:styleLbl>
-  <dgm:styleLbl name="bgShp">
-    <dgm:fillClrLst meth="repeat">
-      <a:schemeClr val="accent4">
-        <a:tint val="40000"/>
-      </a:schemeClr>
-    </dgm:fillClrLst>
-    <dgm:linClrLst meth="repeat">
-      <a:schemeClr val="dk1"/>
-    </dgm:linClrLst>
-    <dgm:effectClrLst/>
-    <dgm:txLinClrLst/>
-    <dgm:txFillClrLst meth="repeat">
-      <a:schemeClr val="dk1"/>
-    </dgm:txFillClrLst>
-    <dgm:txEffectClrLst/>
-  </dgm:styleLbl>
-  <dgm:styleLbl name="dkBgShp">
-    <dgm:fillClrLst meth="repeat">
-      <a:schemeClr val="accent4">
-        <a:shade val="90000"/>
-      </a:schemeClr>
-    </dgm:fillClrLst>
-    <dgm:linClrLst meth="repeat">
-      <a:schemeClr val="dk1"/>
-    </dgm:linClrLst>
-    <dgm:effectClrLst/>
-    <dgm:txLinClrLst/>
-    <dgm:txFillClrLst meth="repeat">
-      <a:schemeClr val="lt1"/>
-    </dgm:txFillClrLst>
-    <dgm:txEffectClrLst/>
-  </dgm:styleLbl>
-  <dgm:styleLbl name="trBgShp">
-    <dgm:fillClrLst meth="repeat">
-      <a:schemeClr val="accent4">
-        <a:tint val="50000"/>
-        <a:alpha val="40000"/>
-      </a:schemeClr>
-    </dgm:fillClrLst>
-    <dgm:linClrLst meth="repeat">
-      <a:schemeClr val="accent4"/>
-    </dgm:linClrLst>
-    <dgm:effectClrLst/>
-    <dgm:txLinClrLst/>
-    <dgm:txFillClrLst meth="repeat">
-      <a:schemeClr val="lt1"/>
-    </dgm:txFillClrLst>
-    <dgm:txEffectClrLst/>
-  </dgm:styleLbl>
-  <dgm:styleLbl name="fgShp">
-    <dgm:fillClrLst meth="repeat">
-      <a:schemeClr val="accent4">
-        <a:tint val="40000"/>
-      </a:schemeClr>
-    </dgm:fillClrLst>
-    <dgm:linClrLst meth="repeat">
-      <a:schemeClr val="lt1"/>
-    </dgm:linClrLst>
-    <dgm:effectClrLst/>
-    <dgm:txLinClrLst/>
-    <dgm:txFillClrLst meth="repeat">
-      <a:schemeClr val="dk1"/>
-    </dgm:txFillClrLst>
-    <dgm:txEffectClrLst/>
-  </dgm:styleLbl>
-  <dgm:styleLbl name="revTx">
-    <dgm:fillClrLst meth="repeat">
-      <a:schemeClr val="lt1">
-        <a:alpha val="0"/>
-      </a:schemeClr>
-    </dgm:fillClrLst>
-    <dgm:linClrLst meth="repeat">
-      <a:schemeClr val="dk1">
-        <a:alpha val="0"/>
-      </a:schemeClr>
-    </dgm:linClrLst>
-    <dgm:effectClrLst/>
-    <dgm:txLinClrLst/>
-    <dgm:txFillClrLst meth="repeat">
-      <a:schemeClr val="tx1"/>
-    </dgm:txFillClrLst>
-    <dgm:txEffectClrLst/>
-  </dgm:styleLbl>
-</dgm:colorsDef>
-</file>
-
 <file path=ppt/diagrams/data1.xml><?xml version="1.0" encoding="utf-8"?>
 <dgm:dataModel xmlns:dgm="http://schemas.openxmlformats.org/drawingml/2006/diagram" xmlns:a="http://schemas.openxmlformats.org/drawingml/2006/main">
   <dgm:ptLst>
@@ -2753,10 +1968,10 @@
     <dgm:cxn modelId="{C9730F30-0CC6-44AB-9210-B28177E5E784}" srcId="{FF691525-3BA8-4440-8D42-2A04FF5CBDC8}" destId="{342F6C1D-DA72-44FB-8C24-0AB254B4B953}" srcOrd="0" destOrd="0" parTransId="{F3E89010-4DE4-4821-B8FA-928FC7E12050}" sibTransId="{5C65D5A6-7F0C-49F6-A1DC-7C4E7E6E8EA1}"/>
     <dgm:cxn modelId="{6F1BEC31-8B18-440B-913F-10DE1A196281}" type="presOf" srcId="{BC7EFEF1-2A2B-4AFE-9B89-BD266864E592}" destId="{84E058B7-D423-41F9-99E3-C76472626B91}" srcOrd="0" destOrd="0" presId="urn:microsoft.com/office/officeart/2005/8/layout/vList5"/>
     <dgm:cxn modelId="{EC9A1133-2F96-40CE-8E71-F92939B9EEAE}" type="presOf" srcId="{6774D6CC-D08F-41B6-8C1F-C020AB656E97}" destId="{A120AF14-FB27-49E6-BD56-F96DF1C2F478}" srcOrd="0" destOrd="0" presId="urn:microsoft.com/office/officeart/2005/8/layout/vList5"/>
-    <dgm:cxn modelId="{5035E261-2D62-4F8D-B6C0-762ECF411F1C}" type="presOf" srcId="{6698A7A3-3D51-41A2-9FFB-336CF5F184C7}" destId="{1A1533F1-B6EF-4DC4-9804-99FECDE4497E}" srcOrd="0" destOrd="0" presId="urn:microsoft.com/office/officeart/2005/8/layout/vList5"/>
     <dgm:cxn modelId="{5FE50347-7661-4684-BF8B-B54F8558F059}" srcId="{6774D6CC-D08F-41B6-8C1F-C020AB656E97}" destId="{6698A7A3-3D51-41A2-9FFB-336CF5F184C7}" srcOrd="2" destOrd="0" parTransId="{3E0BC0A8-E014-4465-AF26-73E5456A92B7}" sibTransId="{17F197BF-B87E-4B31-B30F-B9F5D979179E}"/>
     <dgm:cxn modelId="{2E7C8C49-A5B6-4420-B0C5-461235E1951D}" srcId="{01610EED-88B6-448D-BD26-8C8B7D10E964}" destId="{F38FDD3D-7F03-4077-ADF8-580BBEB61C52}" srcOrd="0" destOrd="0" parTransId="{AC2E7939-4D1F-46FC-9EEE-91E6400DD3F0}" sibTransId="{D06A0D9D-0198-4BD7-9880-C5672D7218D3}"/>
     <dgm:cxn modelId="{F391274C-1DCA-4A17-AD61-EBCE8994BB90}" type="presOf" srcId="{FF691525-3BA8-4440-8D42-2A04FF5CBDC8}" destId="{7894D1E9-801C-467A-B853-11CE2E29E21E}" srcOrd="0" destOrd="0" presId="urn:microsoft.com/office/officeart/2005/8/layout/vList5"/>
+    <dgm:cxn modelId="{5035E261-2D62-4F8D-B6C0-762ECF411F1C}" type="presOf" srcId="{6698A7A3-3D51-41A2-9FFB-336CF5F184C7}" destId="{1A1533F1-B6EF-4DC4-9804-99FECDE4497E}" srcOrd="0" destOrd="0" presId="urn:microsoft.com/office/officeart/2005/8/layout/vList5"/>
     <dgm:cxn modelId="{BC39356C-3D05-4B22-840D-A6AE856C27B2}" type="presOf" srcId="{3E913E07-91EF-4934-B184-8101BA92CA17}" destId="{E7FECA51-2E31-4BB2-BA21-598AA0635CFE}" srcOrd="0" destOrd="0" presId="urn:microsoft.com/office/officeart/2005/8/layout/vList5"/>
     <dgm:cxn modelId="{D254F971-676B-429B-80ED-1EAC8737A243}" type="presOf" srcId="{D2048CD0-C784-4B90-A0BD-73DF3C1F7D69}" destId="{7D7181C3-79D2-42C9-BE6D-B368A3308A35}" srcOrd="0" destOrd="0" presId="urn:microsoft.com/office/officeart/2005/8/layout/vList5"/>
     <dgm:cxn modelId="{27F5DB7A-AFBC-454F-BDB3-C94355CC1DE6}" srcId="{6774D6CC-D08F-41B6-8C1F-C020AB656E97}" destId="{01610EED-88B6-448D-BD26-8C8B7D10E964}" srcOrd="7" destOrd="0" parTransId="{F7558672-D1AB-425B-B1FA-456358430C0B}" sibTransId="{D50611C8-8559-4AFB-A653-AF522565E8B7}"/>
@@ -2816,2324 +2031,6 @@
   <dgm:extLst>
     <a:ext uri="http://schemas.microsoft.com/office/drawing/2008/diagram">
       <dsp:dataModelExt xmlns:dsp="http://schemas.microsoft.com/office/drawing/2008/diagram" relId="rId7" minVer="http://schemas.openxmlformats.org/drawingml/2006/diagram"/>
-    </a:ext>
-  </dgm:extLst>
-</dgm:dataModel>
-</file>
-
-<file path=ppt/diagrams/data2.xml><?xml version="1.0" encoding="utf-8"?>
-<dgm:dataModel xmlns:dgm="http://schemas.openxmlformats.org/drawingml/2006/diagram" xmlns:a="http://schemas.openxmlformats.org/drawingml/2006/main">
-  <dgm:ptLst>
-    <dgm:pt modelId="{4B8044F3-CD35-479A-A373-C6697B089B1B}" type="doc">
-      <dgm:prSet loTypeId="urn:microsoft.com/office/officeart/2005/8/layout/hList1" loCatId="list" qsTypeId="urn:microsoft.com/office/officeart/2005/8/quickstyle/simple1" qsCatId="simple" csTypeId="urn:microsoft.com/office/officeart/2005/8/colors/colorful4" csCatId="colorful" phldr="1"/>
-      <dgm:spPr/>
-      <dgm:t>
-        <a:bodyPr/>
-        <a:lstStyle/>
-        <a:p>
-          <a:endParaRPr lang="en-US"/>
-        </a:p>
-      </dgm:t>
-    </dgm:pt>
-    <dgm:pt modelId="{336ACAE0-BA1A-4DC2-B0C1-1CF885F4C42E}">
-      <dgm:prSet phldrT="[Text]"/>
-      <dgm:spPr>
-        <a:solidFill>
-          <a:srgbClr val="F8B620"/>
-        </a:solidFill>
-        <a:ln>
-          <a:noFill/>
-        </a:ln>
-      </dgm:spPr>
-      <dgm:t>
-        <a:bodyPr/>
-        <a:lstStyle/>
-        <a:p>
-          <a:r>
-            <a:rPr lang="el-GR" dirty="0">
-              <a:latin typeface="Arial" panose="020B0604020202020204" pitchFamily="34" charset="0"/>
-              <a:cs typeface="Arial" panose="020B0604020202020204" pitchFamily="34" charset="0"/>
-            </a:rPr>
-            <a:t>α</a:t>
-          </a:r>
-          <a:endParaRPr lang="en-US" dirty="0"/>
-        </a:p>
-      </dgm:t>
-    </dgm:pt>
-    <dgm:pt modelId="{B9D4CCF1-8294-4052-95B4-F2116E35E2B2}" type="parTrans" cxnId="{F4059F20-712E-435E-9BE7-456E44737C2D}">
-      <dgm:prSet/>
-      <dgm:spPr/>
-      <dgm:t>
-        <a:bodyPr/>
-        <a:lstStyle/>
-        <a:p>
-          <a:endParaRPr lang="en-US"/>
-        </a:p>
-      </dgm:t>
-    </dgm:pt>
-    <dgm:pt modelId="{AACFEBC3-994F-4C17-9579-1111C81F5FC7}" type="sibTrans" cxnId="{F4059F20-712E-435E-9BE7-456E44737C2D}">
-      <dgm:prSet/>
-      <dgm:spPr/>
-      <dgm:t>
-        <a:bodyPr/>
-        <a:lstStyle/>
-        <a:p>
-          <a:endParaRPr lang="en-US"/>
-        </a:p>
-      </dgm:t>
-    </dgm:pt>
-    <dgm:pt modelId="{11E72B1A-E553-4542-BE6B-21365445D99C}">
-      <dgm:prSet phldrT="[Text]"/>
-      <dgm:spPr>
-        <a:solidFill>
-          <a:srgbClr val="57A337"/>
-        </a:solidFill>
-        <a:ln>
-          <a:noFill/>
-        </a:ln>
-      </dgm:spPr>
-      <dgm:t>
-        <a:bodyPr/>
-        <a:lstStyle/>
-        <a:p>
-          <a:r>
-            <a:rPr lang="el-GR" dirty="0">
-              <a:latin typeface="Arial" panose="020B0604020202020204" pitchFamily="34" charset="0"/>
-              <a:cs typeface="Arial" panose="020B0604020202020204" pitchFamily="34" charset="0"/>
-            </a:rPr>
-            <a:t>β</a:t>
-          </a:r>
-          <a:endParaRPr lang="en-US" dirty="0"/>
-        </a:p>
-      </dgm:t>
-    </dgm:pt>
-    <dgm:pt modelId="{A10C0C07-0606-4E1C-90AF-AF762CEF28D9}" type="parTrans" cxnId="{5856E88B-AF12-48D3-A0E2-15C2A8654028}">
-      <dgm:prSet/>
-      <dgm:spPr/>
-      <dgm:t>
-        <a:bodyPr/>
-        <a:lstStyle/>
-        <a:p>
-          <a:endParaRPr lang="en-US"/>
-        </a:p>
-      </dgm:t>
-    </dgm:pt>
-    <dgm:pt modelId="{1A25B44E-4D2F-4365-A3A3-35229C59545E}" type="sibTrans" cxnId="{5856E88B-AF12-48D3-A0E2-15C2A8654028}">
-      <dgm:prSet/>
-      <dgm:spPr/>
-      <dgm:t>
-        <a:bodyPr/>
-        <a:lstStyle/>
-        <a:p>
-          <a:endParaRPr lang="en-US"/>
-        </a:p>
-      </dgm:t>
-    </dgm:pt>
-    <dgm:pt modelId="{8E7D9E13-633C-4FCF-8AF6-6623CD8CCD97}">
-      <dgm:prSet phldrT="[Text]"/>
-      <dgm:spPr>
-        <a:solidFill>
-          <a:srgbClr val="21B087"/>
-        </a:solidFill>
-        <a:ln>
-          <a:noFill/>
-        </a:ln>
-      </dgm:spPr>
-      <dgm:t>
-        <a:bodyPr/>
-        <a:lstStyle/>
-        <a:p>
-          <a:r>
-            <a:rPr lang="el-GR" dirty="0">
-              <a:latin typeface="Arial" panose="020B0604020202020204" pitchFamily="34" charset="0"/>
-              <a:cs typeface="Arial" panose="020B0604020202020204" pitchFamily="34" charset="0"/>
-            </a:rPr>
-            <a:t>γ</a:t>
-          </a:r>
-          <a:endParaRPr lang="en-US" dirty="0"/>
-        </a:p>
-      </dgm:t>
-    </dgm:pt>
-    <dgm:pt modelId="{D84FB5FF-E421-4505-A93D-8A4B71CBD663}" type="parTrans" cxnId="{00D62695-FE7F-4408-97B8-43863ADEB6F7}">
-      <dgm:prSet/>
-      <dgm:spPr/>
-      <dgm:t>
-        <a:bodyPr/>
-        <a:lstStyle/>
-        <a:p>
-          <a:endParaRPr lang="en-US"/>
-        </a:p>
-      </dgm:t>
-    </dgm:pt>
-    <dgm:pt modelId="{FBFAB953-43C2-4E27-BC19-C35103CF2F73}" type="sibTrans" cxnId="{00D62695-FE7F-4408-97B8-43863ADEB6F7}">
-      <dgm:prSet/>
-      <dgm:spPr/>
-      <dgm:t>
-        <a:bodyPr/>
-        <a:lstStyle/>
-        <a:p>
-          <a:endParaRPr lang="en-US"/>
-        </a:p>
-      </dgm:t>
-    </dgm:pt>
-    <dgm:pt modelId="{00471D14-6476-48EE-A1B4-4CFC3AD92E25}">
-      <dgm:prSet phldrT="[Text]"/>
-      <dgm:spPr>
-        <a:solidFill>
-          <a:srgbClr val="1BA3C6"/>
-        </a:solidFill>
-        <a:ln>
-          <a:noFill/>
-        </a:ln>
-      </dgm:spPr>
-      <dgm:t>
-        <a:bodyPr/>
-        <a:lstStyle/>
-        <a:p>
-          <a:r>
-            <a:rPr lang="el-GR" dirty="0">
-              <a:latin typeface="Arial" panose="020B0604020202020204" pitchFamily="34" charset="0"/>
-              <a:cs typeface="Arial" panose="020B0604020202020204" pitchFamily="34" charset="0"/>
-            </a:rPr>
-            <a:t>δ</a:t>
-          </a:r>
-          <a:endParaRPr lang="en-US" dirty="0"/>
-        </a:p>
-      </dgm:t>
-    </dgm:pt>
-    <dgm:pt modelId="{FE426ECB-195B-43CA-808B-7740DECEA430}" type="parTrans" cxnId="{EC565707-AE6B-4ED2-80AE-97D83845C3A4}">
-      <dgm:prSet/>
-      <dgm:spPr/>
-      <dgm:t>
-        <a:bodyPr/>
-        <a:lstStyle/>
-        <a:p>
-          <a:endParaRPr lang="en-US"/>
-        </a:p>
-      </dgm:t>
-    </dgm:pt>
-    <dgm:pt modelId="{19657034-478A-44DF-83D8-6E3FCD614D97}" type="sibTrans" cxnId="{EC565707-AE6B-4ED2-80AE-97D83845C3A4}">
-      <dgm:prSet/>
-      <dgm:spPr/>
-      <dgm:t>
-        <a:bodyPr/>
-        <a:lstStyle/>
-        <a:p>
-          <a:endParaRPr lang="en-US"/>
-        </a:p>
-      </dgm:t>
-    </dgm:pt>
-    <dgm:pt modelId="{BADA3647-C8C8-4C7D-B5FA-13805DA26F03}">
-      <dgm:prSet phldrT="[Text]"/>
-      <dgm:spPr>
-        <a:solidFill>
-          <a:srgbClr val="A26DC2"/>
-        </a:solidFill>
-        <a:ln>
-          <a:noFill/>
-        </a:ln>
-      </dgm:spPr>
-      <dgm:t>
-        <a:bodyPr/>
-        <a:lstStyle/>
-        <a:p>
-          <a:r>
-            <a:rPr lang="el-GR" dirty="0">
-              <a:latin typeface="Arial" panose="020B0604020202020204" pitchFamily="34" charset="0"/>
-              <a:cs typeface="Arial" panose="020B0604020202020204" pitchFamily="34" charset="0"/>
-            </a:rPr>
-            <a:t>ε</a:t>
-          </a:r>
-          <a:endParaRPr lang="en-US" dirty="0"/>
-        </a:p>
-      </dgm:t>
-    </dgm:pt>
-    <dgm:pt modelId="{CD6059D3-B5AB-421B-A14D-708C23E64449}" type="parTrans" cxnId="{1C8EB971-93F2-4EDA-B97B-AE68B091425F}">
-      <dgm:prSet/>
-      <dgm:spPr/>
-      <dgm:t>
-        <a:bodyPr/>
-        <a:lstStyle/>
-        <a:p>
-          <a:endParaRPr lang="en-US"/>
-        </a:p>
-      </dgm:t>
-    </dgm:pt>
-    <dgm:pt modelId="{50B7490E-3CD0-4B27-9FE0-DB707E8E4DD2}" type="sibTrans" cxnId="{1C8EB971-93F2-4EDA-B97B-AE68B091425F}">
-      <dgm:prSet/>
-      <dgm:spPr/>
-      <dgm:t>
-        <a:bodyPr/>
-        <a:lstStyle/>
-        <a:p>
-          <a:endParaRPr lang="en-US"/>
-        </a:p>
-      </dgm:t>
-    </dgm:pt>
-    <dgm:pt modelId="{6E262F86-1AA1-4382-9DF1-02E036360AE6}">
-      <dgm:prSet phldrT="[Text]"/>
-      <dgm:spPr>
-        <a:solidFill>
-          <a:srgbClr val="FC719E"/>
-        </a:solidFill>
-        <a:ln>
-          <a:noFill/>
-        </a:ln>
-      </dgm:spPr>
-      <dgm:t>
-        <a:bodyPr/>
-        <a:lstStyle/>
-        <a:p>
-          <a:r>
-            <a:rPr lang="el-GR" dirty="0">
-              <a:latin typeface="Arial" panose="020B0604020202020204" pitchFamily="34" charset="0"/>
-              <a:cs typeface="Arial" panose="020B0604020202020204" pitchFamily="34" charset="0"/>
-            </a:rPr>
-            <a:t>ζ</a:t>
-          </a:r>
-          <a:endParaRPr lang="en-US" dirty="0"/>
-        </a:p>
-      </dgm:t>
-    </dgm:pt>
-    <dgm:pt modelId="{DC288B33-C9A9-49CE-A213-45DC209E912F}" type="parTrans" cxnId="{E9CE0145-D386-4AD9-A2A9-63CF9AA68010}">
-      <dgm:prSet/>
-      <dgm:spPr/>
-      <dgm:t>
-        <a:bodyPr/>
-        <a:lstStyle/>
-        <a:p>
-          <a:endParaRPr lang="en-US"/>
-        </a:p>
-      </dgm:t>
-    </dgm:pt>
-    <dgm:pt modelId="{14B132AB-CDED-4F61-8F6A-D55655D756D4}" type="sibTrans" cxnId="{E9CE0145-D386-4AD9-A2A9-63CF9AA68010}">
-      <dgm:prSet/>
-      <dgm:spPr/>
-      <dgm:t>
-        <a:bodyPr/>
-        <a:lstStyle/>
-        <a:p>
-          <a:endParaRPr lang="en-US"/>
-        </a:p>
-      </dgm:t>
-    </dgm:pt>
-    <dgm:pt modelId="{30D880B2-2CCF-49DE-A703-26C02AA0BC23}">
-      <dgm:prSet phldrT="[Text]" custT="1"/>
-      <dgm:spPr>
-        <a:solidFill>
-          <a:schemeClr val="bg1">
-            <a:lumMod val="85000"/>
-          </a:schemeClr>
-        </a:solidFill>
-        <a:ln>
-          <a:noFill/>
-        </a:ln>
-      </dgm:spPr>
-      <dgm:t>
-        <a:bodyPr/>
-        <a:lstStyle/>
-        <a:p>
-          <a:r>
-            <a:rPr lang="en-US" sz="900" u="none" dirty="0">
-              <a:solidFill>
-                <a:schemeClr val="bg2"/>
-              </a:solidFill>
-            </a:rPr>
-            <a:t>Xia, Chunqiu</a:t>
-          </a:r>
-        </a:p>
-      </dgm:t>
-    </dgm:pt>
-    <dgm:pt modelId="{2115BA1D-5BAD-4834-A6D2-7E8D8CF49F51}" type="parTrans" cxnId="{62562C6C-2AED-4AF4-AB60-8601EB74AE7F}">
-      <dgm:prSet/>
-      <dgm:spPr/>
-      <dgm:t>
-        <a:bodyPr/>
-        <a:lstStyle/>
-        <a:p>
-          <a:endParaRPr lang="en-US"/>
-        </a:p>
-      </dgm:t>
-    </dgm:pt>
-    <dgm:pt modelId="{A7FB355C-22E7-4D5D-BBC0-D17AFBA233A7}" type="sibTrans" cxnId="{62562C6C-2AED-4AF4-AB60-8601EB74AE7F}">
-      <dgm:prSet/>
-      <dgm:spPr/>
-      <dgm:t>
-        <a:bodyPr/>
-        <a:lstStyle/>
-        <a:p>
-          <a:endParaRPr lang="en-US"/>
-        </a:p>
-      </dgm:t>
-    </dgm:pt>
-    <dgm:pt modelId="{EA9880E0-3FB9-4DEC-88D9-A727194863B8}">
-      <dgm:prSet custT="1"/>
-      <dgm:spPr>
-        <a:solidFill>
-          <a:schemeClr val="bg1">
-            <a:lumMod val="85000"/>
-          </a:schemeClr>
-        </a:solidFill>
-        <a:ln>
-          <a:noFill/>
-        </a:ln>
-      </dgm:spPr>
-      <dgm:t>
-        <a:bodyPr/>
-        <a:lstStyle/>
-        <a:p>
-          <a:r>
-            <a:rPr lang="en-US" sz="900" u="none" dirty="0">
-              <a:solidFill>
-                <a:schemeClr val="bg2"/>
-              </a:solidFill>
-            </a:rPr>
-            <a:t>Xiao, Diwen</a:t>
-          </a:r>
-        </a:p>
-      </dgm:t>
-    </dgm:pt>
-    <dgm:pt modelId="{F3ECEF44-A86A-4B24-B90F-9CF153EDCC7D}" type="parTrans" cxnId="{643264EE-A0A0-4154-A855-143F47C912AF}">
-      <dgm:prSet/>
-      <dgm:spPr/>
-      <dgm:t>
-        <a:bodyPr/>
-        <a:lstStyle/>
-        <a:p>
-          <a:endParaRPr lang="en-US"/>
-        </a:p>
-      </dgm:t>
-    </dgm:pt>
-    <dgm:pt modelId="{26377AE1-8AF4-41F9-B84E-589590E2762F}" type="sibTrans" cxnId="{643264EE-A0A0-4154-A855-143F47C912AF}">
-      <dgm:prSet/>
-      <dgm:spPr/>
-      <dgm:t>
-        <a:bodyPr/>
-        <a:lstStyle/>
-        <a:p>
-          <a:endParaRPr lang="en-US"/>
-        </a:p>
-      </dgm:t>
-    </dgm:pt>
-    <dgm:pt modelId="{AB63E24E-55E5-45F2-9C71-FD43FFC8E155}">
-      <dgm:prSet custT="1"/>
-      <dgm:spPr>
-        <a:solidFill>
-          <a:schemeClr val="bg1">
-            <a:lumMod val="85000"/>
-          </a:schemeClr>
-        </a:solidFill>
-      </dgm:spPr>
-      <dgm:t>
-        <a:bodyPr/>
-        <a:lstStyle/>
-        <a:p>
-          <a:r>
-            <a:rPr lang="en-US" sz="900" u="none" dirty="0">
-              <a:solidFill>
-                <a:schemeClr val="bg2"/>
-              </a:solidFill>
-            </a:rPr>
-            <a:t>Jiang, Jiang</a:t>
-          </a:r>
-        </a:p>
-      </dgm:t>
-    </dgm:pt>
-    <dgm:pt modelId="{4F13C33D-4227-47AE-B56D-4BC84CFE3AC9}" type="parTrans" cxnId="{0608A390-FE5E-408B-9831-523F9A73F77D}">
-      <dgm:prSet/>
-      <dgm:spPr/>
-      <dgm:t>
-        <a:bodyPr/>
-        <a:lstStyle/>
-        <a:p>
-          <a:endParaRPr lang="en-US"/>
-        </a:p>
-      </dgm:t>
-    </dgm:pt>
-    <dgm:pt modelId="{5FCDCE54-9AC1-4B0B-A15E-2D8277C0C124}" type="sibTrans" cxnId="{0608A390-FE5E-408B-9831-523F9A73F77D}">
-      <dgm:prSet/>
-      <dgm:spPr/>
-      <dgm:t>
-        <a:bodyPr/>
-        <a:lstStyle/>
-        <a:p>
-          <a:endParaRPr lang="en-US"/>
-        </a:p>
-      </dgm:t>
-    </dgm:pt>
-    <dgm:pt modelId="{4274C3A5-CD8E-4916-9A32-079C0372776E}">
-      <dgm:prSet custT="1"/>
-      <dgm:spPr>
-        <a:solidFill>
-          <a:schemeClr val="bg1">
-            <a:lumMod val="85000"/>
-          </a:schemeClr>
-        </a:solidFill>
-      </dgm:spPr>
-      <dgm:t>
-        <a:bodyPr/>
-        <a:lstStyle/>
-        <a:p>
-          <a:r>
-            <a:rPr lang="en-US" sz="900" u="none" dirty="0">
-              <a:solidFill>
-                <a:schemeClr val="bg2"/>
-              </a:solidFill>
-            </a:rPr>
-            <a:t>Kamtam, Nivedita</a:t>
-          </a:r>
-        </a:p>
-      </dgm:t>
-    </dgm:pt>
-    <dgm:pt modelId="{B8A85C2A-E1E4-4635-9BA5-21DC39551AEB}" type="parTrans" cxnId="{7A624F6D-A601-4C74-8530-CD3CA7A3E7D8}">
-      <dgm:prSet/>
-      <dgm:spPr/>
-      <dgm:t>
-        <a:bodyPr/>
-        <a:lstStyle/>
-        <a:p>
-          <a:endParaRPr lang="en-US"/>
-        </a:p>
-      </dgm:t>
-    </dgm:pt>
-    <dgm:pt modelId="{29F69F13-B3FA-475F-84FD-CA0F64C60C2B}" type="sibTrans" cxnId="{7A624F6D-A601-4C74-8530-CD3CA7A3E7D8}">
-      <dgm:prSet/>
-      <dgm:spPr/>
-      <dgm:t>
-        <a:bodyPr/>
-        <a:lstStyle/>
-        <a:p>
-          <a:endParaRPr lang="en-US"/>
-        </a:p>
-      </dgm:t>
-    </dgm:pt>
-    <dgm:pt modelId="{3E1519E0-A8AD-4350-AF24-3A5054E4E480}">
-      <dgm:prSet custT="1"/>
-      <dgm:spPr>
-        <a:solidFill>
-          <a:schemeClr val="bg1">
-            <a:lumMod val="85000"/>
-          </a:schemeClr>
-        </a:solidFill>
-      </dgm:spPr>
-      <dgm:t>
-        <a:bodyPr/>
-        <a:lstStyle/>
-        <a:p>
-          <a:r>
-            <a:rPr lang="en-US" sz="900" u="none" dirty="0">
-              <a:solidFill>
-                <a:schemeClr val="bg2"/>
-              </a:solidFill>
-            </a:rPr>
-            <a:t>Vavilala, Srivan</a:t>
-          </a:r>
-        </a:p>
-      </dgm:t>
-    </dgm:pt>
-    <dgm:pt modelId="{2D7BB3CC-5FF9-47E7-9DF7-3A4966E810D6}" type="parTrans" cxnId="{61E551DA-2BDF-45E0-95C0-28F2CA30BE12}">
-      <dgm:prSet/>
-      <dgm:spPr/>
-      <dgm:t>
-        <a:bodyPr/>
-        <a:lstStyle/>
-        <a:p>
-          <a:endParaRPr lang="en-US"/>
-        </a:p>
-      </dgm:t>
-    </dgm:pt>
-    <dgm:pt modelId="{40F2811B-4A6E-4C61-9B08-6DEEC8380042}" type="sibTrans" cxnId="{61E551DA-2BDF-45E0-95C0-28F2CA30BE12}">
-      <dgm:prSet/>
-      <dgm:spPr/>
-      <dgm:t>
-        <a:bodyPr/>
-        <a:lstStyle/>
-        <a:p>
-          <a:endParaRPr lang="en-US"/>
-        </a:p>
-      </dgm:t>
-    </dgm:pt>
-    <dgm:pt modelId="{EC2A0235-BD80-4EF4-92D7-071279A4E41E}">
-      <dgm:prSet custT="1"/>
-      <dgm:spPr>
-        <a:solidFill>
-          <a:schemeClr val="bg1">
-            <a:lumMod val="85000"/>
-          </a:schemeClr>
-        </a:solidFill>
-      </dgm:spPr>
-      <dgm:t>
-        <a:bodyPr/>
-        <a:lstStyle/>
-        <a:p>
-          <a:r>
-            <a:rPr lang="en-US" sz="900" u="none" dirty="0">
-              <a:solidFill>
-                <a:schemeClr val="bg2"/>
-              </a:solidFill>
-            </a:rPr>
-            <a:t>Lai, Xinxin</a:t>
-          </a:r>
-        </a:p>
-      </dgm:t>
-    </dgm:pt>
-    <dgm:pt modelId="{577DC454-7924-420D-BC29-B3F90CE138E4}" type="parTrans" cxnId="{5A56312A-F9AB-480D-8409-CA99F0C981AD}">
-      <dgm:prSet/>
-      <dgm:spPr/>
-      <dgm:t>
-        <a:bodyPr/>
-        <a:lstStyle/>
-        <a:p>
-          <a:endParaRPr lang="en-US"/>
-        </a:p>
-      </dgm:t>
-    </dgm:pt>
-    <dgm:pt modelId="{516CE34E-E4C5-4330-B22B-35DA8516990C}" type="sibTrans" cxnId="{5A56312A-F9AB-480D-8409-CA99F0C981AD}">
-      <dgm:prSet/>
-      <dgm:spPr/>
-      <dgm:t>
-        <a:bodyPr/>
-        <a:lstStyle/>
-        <a:p>
-          <a:endParaRPr lang="en-US"/>
-        </a:p>
-      </dgm:t>
-    </dgm:pt>
-    <dgm:pt modelId="{A497DB76-2181-4375-A260-6D4957610602}">
-      <dgm:prSet phldrT="[Text]" custT="1"/>
-      <dgm:spPr>
-        <a:solidFill>
-          <a:schemeClr val="bg1">
-            <a:lumMod val="85000"/>
-          </a:schemeClr>
-        </a:solidFill>
-        <a:ln>
-          <a:noFill/>
-        </a:ln>
-      </dgm:spPr>
-      <dgm:t>
-        <a:bodyPr/>
-        <a:lstStyle/>
-        <a:p>
-          <a:r>
-            <a:rPr lang="en-US" sz="900" u="none" dirty="0">
-              <a:solidFill>
-                <a:schemeClr val="bg2"/>
-              </a:solidFill>
-            </a:rPr>
-            <a:t>Gulley, Alexander J.</a:t>
-          </a:r>
-        </a:p>
-      </dgm:t>
-    </dgm:pt>
-    <dgm:pt modelId="{BB53F544-9696-445A-AD2A-2E3A4D78DD4D}" type="parTrans" cxnId="{756667AB-72AC-4622-A061-F5B45A286032}">
-      <dgm:prSet/>
-      <dgm:spPr/>
-      <dgm:t>
-        <a:bodyPr/>
-        <a:lstStyle/>
-        <a:p>
-          <a:endParaRPr lang="en-US"/>
-        </a:p>
-      </dgm:t>
-    </dgm:pt>
-    <dgm:pt modelId="{68A99BF1-950F-43A6-A8D8-35F5678AB6C9}" type="sibTrans" cxnId="{756667AB-72AC-4622-A061-F5B45A286032}">
-      <dgm:prSet/>
-      <dgm:spPr/>
-      <dgm:t>
-        <a:bodyPr/>
-        <a:lstStyle/>
-        <a:p>
-          <a:endParaRPr lang="en-US"/>
-        </a:p>
-      </dgm:t>
-    </dgm:pt>
-    <dgm:pt modelId="{DCD0EF43-2640-4A71-B651-4055A4061320}">
-      <dgm:prSet custT="1"/>
-      <dgm:spPr>
-        <a:solidFill>
-          <a:schemeClr val="bg1">
-            <a:lumMod val="85000"/>
-          </a:schemeClr>
-        </a:solidFill>
-        <a:ln>
-          <a:noFill/>
-        </a:ln>
-      </dgm:spPr>
-      <dgm:t>
-        <a:bodyPr/>
-        <a:lstStyle/>
-        <a:p>
-          <a:r>
-            <a:rPr lang="en-US" sz="900" u="none" dirty="0">
-              <a:solidFill>
-                <a:schemeClr val="bg2"/>
-              </a:solidFill>
-            </a:rPr>
-            <a:t>Kuppusamy, Balavigneswaran</a:t>
-          </a:r>
-        </a:p>
-      </dgm:t>
-    </dgm:pt>
-    <dgm:pt modelId="{85223FEB-A110-4C69-9809-3EA1E92126C9}" type="parTrans" cxnId="{86E20E4B-5BFF-45C7-8219-93307E5ED77D}">
-      <dgm:prSet/>
-      <dgm:spPr/>
-      <dgm:t>
-        <a:bodyPr/>
-        <a:lstStyle/>
-        <a:p>
-          <a:endParaRPr lang="en-US"/>
-        </a:p>
-      </dgm:t>
-    </dgm:pt>
-    <dgm:pt modelId="{26DC9994-A629-4A42-B8F3-72898D2AFCDF}" type="sibTrans" cxnId="{86E20E4B-5BFF-45C7-8219-93307E5ED77D}">
-      <dgm:prSet/>
-      <dgm:spPr/>
-      <dgm:t>
-        <a:bodyPr/>
-        <a:lstStyle/>
-        <a:p>
-          <a:endParaRPr lang="en-US"/>
-        </a:p>
-      </dgm:t>
-    </dgm:pt>
-    <dgm:pt modelId="{52CD6E9A-32B7-4DBD-B5EC-131E11A754F1}">
-      <dgm:prSet custT="1"/>
-      <dgm:spPr>
-        <a:solidFill>
-          <a:schemeClr val="bg1">
-            <a:lumMod val="85000"/>
-          </a:schemeClr>
-        </a:solidFill>
-      </dgm:spPr>
-      <dgm:t>
-        <a:bodyPr/>
-        <a:lstStyle/>
-        <a:p>
-          <a:r>
-            <a:rPr lang="en-US" sz="900" u="none" dirty="0">
-              <a:solidFill>
-                <a:schemeClr val="bg2"/>
-              </a:solidFill>
-            </a:rPr>
-            <a:t>Sheng, Haomin</a:t>
-          </a:r>
-        </a:p>
-      </dgm:t>
-    </dgm:pt>
-    <dgm:pt modelId="{91581C13-7A62-41B1-B270-09FEE9AFF436}" type="parTrans" cxnId="{283C6095-A192-4549-B833-C8D38EA70D66}">
-      <dgm:prSet/>
-      <dgm:spPr/>
-      <dgm:t>
-        <a:bodyPr/>
-        <a:lstStyle/>
-        <a:p>
-          <a:endParaRPr lang="en-US"/>
-        </a:p>
-      </dgm:t>
-    </dgm:pt>
-    <dgm:pt modelId="{4709CDB0-26F9-46F5-AAA7-1868F8FD20D5}" type="sibTrans" cxnId="{283C6095-A192-4549-B833-C8D38EA70D66}">
-      <dgm:prSet/>
-      <dgm:spPr/>
-      <dgm:t>
-        <a:bodyPr/>
-        <a:lstStyle/>
-        <a:p>
-          <a:endParaRPr lang="en-US"/>
-        </a:p>
-      </dgm:t>
-    </dgm:pt>
-    <dgm:pt modelId="{F7FE4892-BEAD-47D4-AEFB-F867F3B43825}">
-      <dgm:prSet custT="1"/>
-      <dgm:spPr>
-        <a:solidFill>
-          <a:schemeClr val="bg1">
-            <a:lumMod val="85000"/>
-          </a:schemeClr>
-        </a:solidFill>
-      </dgm:spPr>
-      <dgm:t>
-        <a:bodyPr/>
-        <a:lstStyle/>
-        <a:p>
-          <a:r>
-            <a:rPr lang="en-US" sz="900" u="none" dirty="0">
-              <a:solidFill>
-                <a:schemeClr val="bg2"/>
-              </a:solidFill>
-            </a:rPr>
-            <a:t>Lei, Jiamin</a:t>
-          </a:r>
-        </a:p>
-      </dgm:t>
-    </dgm:pt>
-    <dgm:pt modelId="{EB9FFF8D-8FEC-4601-8222-2506865B8B6F}" type="parTrans" cxnId="{8314D984-C3BA-4454-B1C7-76B3A3FC5607}">
-      <dgm:prSet/>
-      <dgm:spPr/>
-      <dgm:t>
-        <a:bodyPr/>
-        <a:lstStyle/>
-        <a:p>
-          <a:endParaRPr lang="en-US"/>
-        </a:p>
-      </dgm:t>
-    </dgm:pt>
-    <dgm:pt modelId="{E8FCD218-C699-49B8-B64B-AF5C3C5D9AD4}" type="sibTrans" cxnId="{8314D984-C3BA-4454-B1C7-76B3A3FC5607}">
-      <dgm:prSet/>
-      <dgm:spPr/>
-      <dgm:t>
-        <a:bodyPr/>
-        <a:lstStyle/>
-        <a:p>
-          <a:endParaRPr lang="en-US"/>
-        </a:p>
-      </dgm:t>
-    </dgm:pt>
-    <dgm:pt modelId="{FCD22513-8142-4E57-A21E-D186BFCDC210}">
-      <dgm:prSet custT="1"/>
-      <dgm:spPr>
-        <a:solidFill>
-          <a:schemeClr val="bg1">
-            <a:lumMod val="85000"/>
-          </a:schemeClr>
-        </a:solidFill>
-      </dgm:spPr>
-      <dgm:t>
-        <a:bodyPr/>
-        <a:lstStyle/>
-        <a:p>
-          <a:r>
-            <a:rPr lang="en-US" sz="900" u="none" dirty="0">
-              <a:solidFill>
-                <a:schemeClr val="bg2"/>
-              </a:solidFill>
-            </a:rPr>
-            <a:t>Huang, Lei</a:t>
-          </a:r>
-        </a:p>
-      </dgm:t>
-    </dgm:pt>
-    <dgm:pt modelId="{9BE9EBD4-D525-4CA0-B3F0-CD318F9AD39F}" type="parTrans" cxnId="{148E0FC6-9E9B-4235-8B43-72DB7C171848}">
-      <dgm:prSet/>
-      <dgm:spPr/>
-      <dgm:t>
-        <a:bodyPr/>
-        <a:lstStyle/>
-        <a:p>
-          <a:endParaRPr lang="en-US"/>
-        </a:p>
-      </dgm:t>
-    </dgm:pt>
-    <dgm:pt modelId="{9F901DC0-065E-4524-A00F-0AE37B9D7128}" type="sibTrans" cxnId="{148E0FC6-9E9B-4235-8B43-72DB7C171848}">
-      <dgm:prSet/>
-      <dgm:spPr/>
-      <dgm:t>
-        <a:bodyPr/>
-        <a:lstStyle/>
-        <a:p>
-          <a:endParaRPr lang="en-US"/>
-        </a:p>
-      </dgm:t>
-    </dgm:pt>
-    <dgm:pt modelId="{F31454C2-3079-44FA-9912-749BCD7AF6D1}">
-      <dgm:prSet custT="1"/>
-      <dgm:spPr>
-        <a:solidFill>
-          <a:schemeClr val="bg1">
-            <a:lumMod val="85000"/>
-          </a:schemeClr>
-        </a:solidFill>
-      </dgm:spPr>
-      <dgm:t>
-        <a:bodyPr/>
-        <a:lstStyle/>
-        <a:p>
-          <a:r>
-            <a:rPr lang="en-US" sz="900" u="none" dirty="0">
-              <a:solidFill>
-                <a:schemeClr val="bg2"/>
-              </a:solidFill>
-            </a:rPr>
-            <a:t>Zheng, Wen</a:t>
-          </a:r>
-        </a:p>
-      </dgm:t>
-    </dgm:pt>
-    <dgm:pt modelId="{5C4BFB71-5C6B-44D2-B987-693A87BADF5C}" type="parTrans" cxnId="{C138F6DC-B542-4E2E-8018-59258649FE56}">
-      <dgm:prSet/>
-      <dgm:spPr/>
-      <dgm:t>
-        <a:bodyPr/>
-        <a:lstStyle/>
-        <a:p>
-          <a:endParaRPr lang="en-US"/>
-        </a:p>
-      </dgm:t>
-    </dgm:pt>
-    <dgm:pt modelId="{656FC3CF-C1BF-4014-A67D-2D2AADD4B89C}" type="sibTrans" cxnId="{C138F6DC-B542-4E2E-8018-59258649FE56}">
-      <dgm:prSet/>
-      <dgm:spPr/>
-      <dgm:t>
-        <a:bodyPr/>
-        <a:lstStyle/>
-        <a:p>
-          <a:endParaRPr lang="en-US"/>
-        </a:p>
-      </dgm:t>
-    </dgm:pt>
-    <dgm:pt modelId="{B2CC09E2-1E9B-4B6E-B4F1-FF73D2979F18}">
-      <dgm:prSet phldrT="[Text]" custT="1"/>
-      <dgm:spPr>
-        <a:solidFill>
-          <a:schemeClr val="bg1">
-            <a:lumMod val="85000"/>
-          </a:schemeClr>
-        </a:solidFill>
-        <a:ln>
-          <a:noFill/>
-        </a:ln>
-      </dgm:spPr>
-      <dgm:t>
-        <a:bodyPr/>
-        <a:lstStyle/>
-        <a:p>
-          <a:r>
-            <a:rPr lang="en-US" sz="900" u="none" dirty="0" err="1">
-              <a:solidFill>
-                <a:schemeClr val="bg2"/>
-              </a:solidFill>
-            </a:rPr>
-            <a:t>Kanumuri</a:t>
-          </a:r>
-          <a:r>
-            <a:rPr lang="en-US" sz="900" u="none" dirty="0">
-              <a:solidFill>
-                <a:schemeClr val="bg2"/>
-              </a:solidFill>
-            </a:rPr>
-            <a:t>, </a:t>
-          </a:r>
-          <a:r>
-            <a:rPr lang="en-US" sz="900" u="none" dirty="0" err="1">
-              <a:solidFill>
-                <a:schemeClr val="bg2"/>
-              </a:solidFill>
-            </a:rPr>
-            <a:t>Akshata</a:t>
-          </a:r>
-          <a:r>
-            <a:rPr lang="en-US" sz="900" u="none" dirty="0">
-              <a:solidFill>
-                <a:schemeClr val="bg2"/>
-              </a:solidFill>
-            </a:rPr>
-            <a:t> L.</a:t>
-          </a:r>
-        </a:p>
-      </dgm:t>
-    </dgm:pt>
-    <dgm:pt modelId="{04328728-D8DC-43DC-A179-DB22A0B40E7A}" type="parTrans" cxnId="{32667680-022C-4D89-A96D-81DEBD9FC164}">
-      <dgm:prSet/>
-      <dgm:spPr/>
-      <dgm:t>
-        <a:bodyPr/>
-        <a:lstStyle/>
-        <a:p>
-          <a:endParaRPr lang="en-US"/>
-        </a:p>
-      </dgm:t>
-    </dgm:pt>
-    <dgm:pt modelId="{FC36FB56-445A-46EA-B4C9-76B5794CE257}" type="sibTrans" cxnId="{32667680-022C-4D89-A96D-81DEBD9FC164}">
-      <dgm:prSet/>
-      <dgm:spPr/>
-      <dgm:t>
-        <a:bodyPr/>
-        <a:lstStyle/>
-        <a:p>
-          <a:endParaRPr lang="en-US"/>
-        </a:p>
-      </dgm:t>
-    </dgm:pt>
-    <dgm:pt modelId="{5ED32A80-93AE-4327-8AAE-ABF3393BAB39}">
-      <dgm:prSet custT="1"/>
-      <dgm:spPr>
-        <a:solidFill>
-          <a:schemeClr val="bg1">
-            <a:lumMod val="85000"/>
-          </a:schemeClr>
-        </a:solidFill>
-        <a:ln>
-          <a:noFill/>
-        </a:ln>
-      </dgm:spPr>
-      <dgm:t>
-        <a:bodyPr/>
-        <a:lstStyle/>
-        <a:p>
-          <a:r>
-            <a:rPr lang="en-US" sz="900" u="none">
-              <a:solidFill>
-                <a:schemeClr val="bg2"/>
-              </a:solidFill>
-            </a:rPr>
-            <a:t>Vellore Prabhakar, Krithika</a:t>
-          </a:r>
-        </a:p>
-      </dgm:t>
-    </dgm:pt>
-    <dgm:pt modelId="{D7E4E119-7B0A-422E-A62E-6108B6EF5E88}" type="parTrans" cxnId="{3ABF2F99-521E-46EC-98F6-F54B1A7890E3}">
-      <dgm:prSet/>
-      <dgm:spPr/>
-      <dgm:t>
-        <a:bodyPr/>
-        <a:lstStyle/>
-        <a:p>
-          <a:endParaRPr lang="en-US"/>
-        </a:p>
-      </dgm:t>
-    </dgm:pt>
-    <dgm:pt modelId="{A4268648-173B-4645-BEBC-9AC070C30E53}" type="sibTrans" cxnId="{3ABF2F99-521E-46EC-98F6-F54B1A7890E3}">
-      <dgm:prSet/>
-      <dgm:spPr/>
-      <dgm:t>
-        <a:bodyPr/>
-        <a:lstStyle/>
-        <a:p>
-          <a:endParaRPr lang="en-US"/>
-        </a:p>
-      </dgm:t>
-    </dgm:pt>
-    <dgm:pt modelId="{1B362B26-A887-4C03-A2B1-6DAF2C476E2E}">
-      <dgm:prSet custT="1"/>
-      <dgm:spPr>
-        <a:solidFill>
-          <a:schemeClr val="bg1">
-            <a:lumMod val="85000"/>
-          </a:schemeClr>
-        </a:solidFill>
-      </dgm:spPr>
-      <dgm:t>
-        <a:bodyPr/>
-        <a:lstStyle/>
-        <a:p>
-          <a:r>
-            <a:rPr lang="en-US" sz="900" u="none">
-              <a:solidFill>
-                <a:schemeClr val="bg2"/>
-              </a:solidFill>
-            </a:rPr>
-            <a:t>Singaravel, Muralidharan</a:t>
-          </a:r>
-        </a:p>
-      </dgm:t>
-    </dgm:pt>
-    <dgm:pt modelId="{65718AA5-AD1D-40E4-A164-540A335C4809}" type="parTrans" cxnId="{7D11D552-0D5A-48A0-8909-3A540F1B7DCA}">
-      <dgm:prSet/>
-      <dgm:spPr/>
-      <dgm:t>
-        <a:bodyPr/>
-        <a:lstStyle/>
-        <a:p>
-          <a:endParaRPr lang="en-US"/>
-        </a:p>
-      </dgm:t>
-    </dgm:pt>
-    <dgm:pt modelId="{8B6AC99F-5114-47A7-BB94-3596D94718A1}" type="sibTrans" cxnId="{7D11D552-0D5A-48A0-8909-3A540F1B7DCA}">
-      <dgm:prSet/>
-      <dgm:spPr/>
-      <dgm:t>
-        <a:bodyPr/>
-        <a:lstStyle/>
-        <a:p>
-          <a:endParaRPr lang="en-US"/>
-        </a:p>
-      </dgm:t>
-    </dgm:pt>
-    <dgm:pt modelId="{30860CBD-A389-4C29-B92D-14FC32F39586}">
-      <dgm:prSet custT="1"/>
-      <dgm:spPr>
-        <a:solidFill>
-          <a:schemeClr val="bg1">
-            <a:lumMod val="85000"/>
-          </a:schemeClr>
-        </a:solidFill>
-      </dgm:spPr>
-      <dgm:t>
-        <a:bodyPr/>
-        <a:lstStyle/>
-        <a:p>
-          <a:r>
-            <a:rPr lang="en-US" sz="900" u="none">
-              <a:solidFill>
-                <a:schemeClr val="bg2"/>
-              </a:solidFill>
-            </a:rPr>
-            <a:t>Ramakrishnan, Sthanu Subramanian</a:t>
-          </a:r>
-        </a:p>
-      </dgm:t>
-    </dgm:pt>
-    <dgm:pt modelId="{31D94D4D-509F-43EE-9828-0A7E4751B4D6}" type="parTrans" cxnId="{8044FBF2-8BFB-460A-833B-66E72507E763}">
-      <dgm:prSet/>
-      <dgm:spPr/>
-      <dgm:t>
-        <a:bodyPr/>
-        <a:lstStyle/>
-        <a:p>
-          <a:endParaRPr lang="en-US"/>
-        </a:p>
-      </dgm:t>
-    </dgm:pt>
-    <dgm:pt modelId="{71961249-A048-451E-A97F-E7B08D761B53}" type="sibTrans" cxnId="{8044FBF2-8BFB-460A-833B-66E72507E763}">
-      <dgm:prSet/>
-      <dgm:spPr/>
-      <dgm:t>
-        <a:bodyPr/>
-        <a:lstStyle/>
-        <a:p>
-          <a:endParaRPr lang="en-US"/>
-        </a:p>
-      </dgm:t>
-    </dgm:pt>
-    <dgm:pt modelId="{C31515A2-A444-4FB9-B792-C9849BA7C6CD}">
-      <dgm:prSet custT="1"/>
-      <dgm:spPr>
-        <a:solidFill>
-          <a:schemeClr val="bg1">
-            <a:lumMod val="85000"/>
-          </a:schemeClr>
-        </a:solidFill>
-      </dgm:spPr>
-      <dgm:t>
-        <a:bodyPr/>
-        <a:lstStyle/>
-        <a:p>
-          <a:r>
-            <a:rPr lang="en-US" sz="900" u="none">
-              <a:solidFill>
-                <a:schemeClr val="bg2"/>
-              </a:solidFill>
-            </a:rPr>
-            <a:t>Sharma, Tarun</a:t>
-          </a:r>
-        </a:p>
-      </dgm:t>
-    </dgm:pt>
-    <dgm:pt modelId="{327133FB-359C-4C18-9024-CCF9D2BD63FC}" type="parTrans" cxnId="{2F65B03A-71C4-425D-92E6-86EFDA1DD13F}">
-      <dgm:prSet/>
-      <dgm:spPr/>
-      <dgm:t>
-        <a:bodyPr/>
-        <a:lstStyle/>
-        <a:p>
-          <a:endParaRPr lang="en-US"/>
-        </a:p>
-      </dgm:t>
-    </dgm:pt>
-    <dgm:pt modelId="{E0CE44D4-4C62-4637-A647-F4FF10E38F31}" type="sibTrans" cxnId="{2F65B03A-71C4-425D-92E6-86EFDA1DD13F}">
-      <dgm:prSet/>
-      <dgm:spPr/>
-      <dgm:t>
-        <a:bodyPr/>
-        <a:lstStyle/>
-        <a:p>
-          <a:endParaRPr lang="en-US"/>
-        </a:p>
-      </dgm:t>
-    </dgm:pt>
-    <dgm:pt modelId="{A3DE7E57-949B-4157-95CE-F602C37403FC}">
-      <dgm:prSet phldrT="[Text]" custT="1"/>
-      <dgm:spPr>
-        <a:solidFill>
-          <a:schemeClr val="bg1">
-            <a:lumMod val="85000"/>
-          </a:schemeClr>
-        </a:solidFill>
-        <a:ln>
-          <a:noFill/>
-        </a:ln>
-      </dgm:spPr>
-      <dgm:t>
-        <a:bodyPr/>
-        <a:lstStyle/>
-        <a:p>
-          <a:r>
-            <a:rPr lang="en-US" sz="900" u="none">
-              <a:solidFill>
-                <a:schemeClr val="bg2"/>
-              </a:solidFill>
-            </a:rPr>
-            <a:t>Osei-Fosu, Augustine K.</a:t>
-          </a:r>
-          <a:endParaRPr lang="en-US" sz="900" u="none" dirty="0">
-            <a:solidFill>
-              <a:schemeClr val="bg2"/>
-            </a:solidFill>
-          </a:endParaRPr>
-        </a:p>
-      </dgm:t>
-    </dgm:pt>
-    <dgm:pt modelId="{7DBC3CD2-C641-4558-863C-114F186F2BCA}" type="parTrans" cxnId="{2EF66309-177A-41F8-9B04-4A22F5361FF3}">
-      <dgm:prSet/>
-      <dgm:spPr/>
-      <dgm:t>
-        <a:bodyPr/>
-        <a:lstStyle/>
-        <a:p>
-          <a:endParaRPr lang="en-US"/>
-        </a:p>
-      </dgm:t>
-    </dgm:pt>
-    <dgm:pt modelId="{8A97971C-26BA-4234-BA53-6DD8FC171AE2}" type="sibTrans" cxnId="{2EF66309-177A-41F8-9B04-4A22F5361FF3}">
-      <dgm:prSet/>
-      <dgm:spPr/>
-      <dgm:t>
-        <a:bodyPr/>
-        <a:lstStyle/>
-        <a:p>
-          <a:endParaRPr lang="en-US"/>
-        </a:p>
-      </dgm:t>
-    </dgm:pt>
-    <dgm:pt modelId="{1DE58521-31CD-4950-A4FB-971B21DE3B6D}">
-      <dgm:prSet custT="1"/>
-      <dgm:spPr>
-        <a:solidFill>
-          <a:schemeClr val="bg1">
-            <a:lumMod val="85000"/>
-          </a:schemeClr>
-        </a:solidFill>
-        <a:ln>
-          <a:noFill/>
-        </a:ln>
-      </dgm:spPr>
-      <dgm:t>
-        <a:bodyPr/>
-        <a:lstStyle/>
-        <a:p>
-          <a:r>
-            <a:rPr lang="en-US" sz="900" u="none">
-              <a:solidFill>
-                <a:schemeClr val="bg2"/>
-              </a:solidFill>
-            </a:rPr>
-            <a:t>Cope, Blake W.</a:t>
-          </a:r>
-        </a:p>
-      </dgm:t>
-    </dgm:pt>
-    <dgm:pt modelId="{389AC2D7-D760-447F-94BE-BE00332D61E3}" type="parTrans" cxnId="{D5DFCC65-C934-41A2-B27B-B8A1EF60558C}">
-      <dgm:prSet/>
-      <dgm:spPr/>
-      <dgm:t>
-        <a:bodyPr/>
-        <a:lstStyle/>
-        <a:p>
-          <a:endParaRPr lang="en-US"/>
-        </a:p>
-      </dgm:t>
-    </dgm:pt>
-    <dgm:pt modelId="{BB081286-BD05-4EB2-8B7C-AE1BC1BBD309}" type="sibTrans" cxnId="{D5DFCC65-C934-41A2-B27B-B8A1EF60558C}">
-      <dgm:prSet/>
-      <dgm:spPr/>
-      <dgm:t>
-        <a:bodyPr/>
-        <a:lstStyle/>
-        <a:p>
-          <a:endParaRPr lang="en-US"/>
-        </a:p>
-      </dgm:t>
-    </dgm:pt>
-    <dgm:pt modelId="{CDA5072B-13EF-4CCD-81C8-28BE0ABD583D}">
-      <dgm:prSet custT="1"/>
-      <dgm:spPr>
-        <a:solidFill>
-          <a:schemeClr val="bg1">
-            <a:lumMod val="85000"/>
-          </a:schemeClr>
-        </a:solidFill>
-      </dgm:spPr>
-      <dgm:t>
-        <a:bodyPr/>
-        <a:lstStyle/>
-        <a:p>
-          <a:r>
-            <a:rPr lang="en-US" sz="900" u="none">
-              <a:solidFill>
-                <a:schemeClr val="bg2"/>
-              </a:solidFill>
-            </a:rPr>
-            <a:t>Helfrich, Eric</a:t>
-          </a:r>
-        </a:p>
-      </dgm:t>
-    </dgm:pt>
-    <dgm:pt modelId="{7DAE83BE-CEBC-46D4-A727-08F0E161C48A}" type="parTrans" cxnId="{DD66D07A-8206-4DA7-88ED-3F2AA7BB9111}">
-      <dgm:prSet/>
-      <dgm:spPr/>
-      <dgm:t>
-        <a:bodyPr/>
-        <a:lstStyle/>
-        <a:p>
-          <a:endParaRPr lang="en-US"/>
-        </a:p>
-      </dgm:t>
-    </dgm:pt>
-    <dgm:pt modelId="{C0E4CF00-FECA-4DD7-8FFE-AFE3B1EEA686}" type="sibTrans" cxnId="{DD66D07A-8206-4DA7-88ED-3F2AA7BB9111}">
-      <dgm:prSet/>
-      <dgm:spPr/>
-      <dgm:t>
-        <a:bodyPr/>
-        <a:lstStyle/>
-        <a:p>
-          <a:endParaRPr lang="en-US"/>
-        </a:p>
-      </dgm:t>
-    </dgm:pt>
-    <dgm:pt modelId="{59DDFFFF-B664-4B52-A35C-CBC6AB445FFA}">
-      <dgm:prSet custT="1"/>
-      <dgm:spPr>
-        <a:solidFill>
-          <a:schemeClr val="bg1">
-            <a:lumMod val="85000"/>
-          </a:schemeClr>
-        </a:solidFill>
-      </dgm:spPr>
-      <dgm:t>
-        <a:bodyPr/>
-        <a:lstStyle/>
-        <a:p>
-          <a:r>
-            <a:rPr lang="en-US" sz="900" u="none">
-              <a:solidFill>
-                <a:schemeClr val="bg2"/>
-              </a:solidFill>
-            </a:rPr>
-            <a:t>Ranjbar, Layla P.</a:t>
-          </a:r>
-        </a:p>
-      </dgm:t>
-    </dgm:pt>
-    <dgm:pt modelId="{40CF9485-F6A8-43DC-8B0D-28E616BA4344}" type="parTrans" cxnId="{1F1B6A48-2970-45EA-83B4-B153945DF908}">
-      <dgm:prSet/>
-      <dgm:spPr/>
-      <dgm:t>
-        <a:bodyPr/>
-        <a:lstStyle/>
-        <a:p>
-          <a:endParaRPr lang="en-US"/>
-        </a:p>
-      </dgm:t>
-    </dgm:pt>
-    <dgm:pt modelId="{61440A41-3416-4E59-8285-3AC8315F61BF}" type="sibTrans" cxnId="{1F1B6A48-2970-45EA-83B4-B153945DF908}">
-      <dgm:prSet/>
-      <dgm:spPr/>
-      <dgm:t>
-        <a:bodyPr/>
-        <a:lstStyle/>
-        <a:p>
-          <a:endParaRPr lang="en-US"/>
-        </a:p>
-      </dgm:t>
-    </dgm:pt>
-    <dgm:pt modelId="{A4A2B8F6-9F0D-4F61-B5E2-926C196AF5B2}">
-      <dgm:prSet custT="1"/>
-      <dgm:spPr>
-        <a:solidFill>
-          <a:schemeClr val="bg1">
-            <a:lumMod val="85000"/>
-          </a:schemeClr>
-        </a:solidFill>
-      </dgm:spPr>
-      <dgm:t>
-        <a:bodyPr/>
-        <a:lstStyle/>
-        <a:p>
-          <a:r>
-            <a:rPr lang="en-US" sz="900" u="none">
-              <a:solidFill>
-                <a:schemeClr val="bg2"/>
-              </a:solidFill>
-            </a:rPr>
-            <a:t>Joy, Noble</a:t>
-          </a:r>
-        </a:p>
-      </dgm:t>
-    </dgm:pt>
-    <dgm:pt modelId="{84513D0F-7B61-4C99-A994-E71A7DE963E9}" type="parTrans" cxnId="{0EC5F380-9E87-47B6-8D1A-3547061A3510}">
-      <dgm:prSet/>
-      <dgm:spPr/>
-      <dgm:t>
-        <a:bodyPr/>
-        <a:lstStyle/>
-        <a:p>
-          <a:endParaRPr lang="en-US"/>
-        </a:p>
-      </dgm:t>
-    </dgm:pt>
-    <dgm:pt modelId="{61194A35-10C4-427F-9267-63CA3DF0D37C}" type="sibTrans" cxnId="{0EC5F380-9E87-47B6-8D1A-3547061A3510}">
-      <dgm:prSet/>
-      <dgm:spPr/>
-      <dgm:t>
-        <a:bodyPr/>
-        <a:lstStyle/>
-        <a:p>
-          <a:endParaRPr lang="en-US"/>
-        </a:p>
-      </dgm:t>
-    </dgm:pt>
-    <dgm:pt modelId="{64700B90-7842-440F-803D-7B892D723652}">
-      <dgm:prSet custT="1"/>
-      <dgm:spPr>
-        <a:solidFill>
-          <a:schemeClr val="bg1">
-            <a:lumMod val="85000"/>
-          </a:schemeClr>
-        </a:solidFill>
-      </dgm:spPr>
-      <dgm:t>
-        <a:bodyPr/>
-        <a:lstStyle/>
-        <a:p>
-          <a:r>
-            <a:rPr lang="en-US" sz="900" u="none">
-              <a:solidFill>
-                <a:schemeClr val="bg2"/>
-              </a:solidFill>
-            </a:rPr>
-            <a:t>Thomas, Philip</a:t>
-          </a:r>
-        </a:p>
-      </dgm:t>
-    </dgm:pt>
-    <dgm:pt modelId="{BF8843DB-DF63-4CF6-B5EA-D72AD442A710}" type="parTrans" cxnId="{1B2862E8-4114-4D82-9DBD-90708A8FE7E4}">
-      <dgm:prSet/>
-      <dgm:spPr/>
-      <dgm:t>
-        <a:bodyPr/>
-        <a:lstStyle/>
-        <a:p>
-          <a:endParaRPr lang="en-US"/>
-        </a:p>
-      </dgm:t>
-    </dgm:pt>
-    <dgm:pt modelId="{6AD65F04-7EF1-4C6D-8020-CFABA1E0431F}" type="sibTrans" cxnId="{1B2862E8-4114-4D82-9DBD-90708A8FE7E4}">
-      <dgm:prSet/>
-      <dgm:spPr/>
-      <dgm:t>
-        <a:bodyPr/>
-        <a:lstStyle/>
-        <a:p>
-          <a:endParaRPr lang="en-US"/>
-        </a:p>
-      </dgm:t>
-    </dgm:pt>
-    <dgm:pt modelId="{A0AF13C9-4C87-40B9-85B3-287F062EE9DC}">
-      <dgm:prSet phldrT="[Text]" custT="1"/>
-      <dgm:spPr>
-        <a:solidFill>
-          <a:schemeClr val="bg1">
-            <a:lumMod val="85000"/>
-          </a:schemeClr>
-        </a:solidFill>
-        <a:ln>
-          <a:noFill/>
-        </a:ln>
-      </dgm:spPr>
-      <dgm:t>
-        <a:bodyPr/>
-        <a:lstStyle/>
-        <a:p>
-          <a:r>
-            <a:rPr lang="en-US" sz="900" u="none">
-              <a:solidFill>
-                <a:schemeClr val="bg2"/>
-              </a:solidFill>
-            </a:rPr>
-            <a:t>Garg, Divya</a:t>
-          </a:r>
-          <a:endParaRPr lang="en-US" sz="900" u="none" dirty="0">
-            <a:solidFill>
-              <a:schemeClr val="bg2"/>
-            </a:solidFill>
-          </a:endParaRPr>
-        </a:p>
-      </dgm:t>
-    </dgm:pt>
-    <dgm:pt modelId="{F1D31867-2095-4A88-825F-888899D262C9}" type="parTrans" cxnId="{72680846-98EF-40CD-A305-7CE3245C90CE}">
-      <dgm:prSet/>
-      <dgm:spPr/>
-      <dgm:t>
-        <a:bodyPr/>
-        <a:lstStyle/>
-        <a:p>
-          <a:endParaRPr lang="en-US"/>
-        </a:p>
-      </dgm:t>
-    </dgm:pt>
-    <dgm:pt modelId="{75DC3A94-7307-4F21-95C5-87E1CD2FC91D}" type="sibTrans" cxnId="{72680846-98EF-40CD-A305-7CE3245C90CE}">
-      <dgm:prSet/>
-      <dgm:spPr/>
-      <dgm:t>
-        <a:bodyPr/>
-        <a:lstStyle/>
-        <a:p>
-          <a:endParaRPr lang="en-US"/>
-        </a:p>
-      </dgm:t>
-    </dgm:pt>
-    <dgm:pt modelId="{33BC6716-82AA-4C80-992C-B00430DFBE54}">
-      <dgm:prSet custT="1"/>
-      <dgm:spPr>
-        <a:solidFill>
-          <a:schemeClr val="bg1">
-            <a:lumMod val="85000"/>
-          </a:schemeClr>
-        </a:solidFill>
-        <a:ln>
-          <a:noFill/>
-        </a:ln>
-      </dgm:spPr>
-      <dgm:t>
-        <a:bodyPr/>
-        <a:lstStyle/>
-        <a:p>
-          <a:r>
-            <a:rPr lang="en-US" sz="900" u="none">
-              <a:solidFill>
-                <a:schemeClr val="bg2"/>
-              </a:solidFill>
-            </a:rPr>
-            <a:t>Chavan, Kshitija</a:t>
-          </a:r>
-        </a:p>
-      </dgm:t>
-    </dgm:pt>
-    <dgm:pt modelId="{08F99552-B22A-48BD-9206-BCA380921A46}" type="parTrans" cxnId="{223B7538-3E95-4858-94F8-248A0CE714CD}">
-      <dgm:prSet/>
-      <dgm:spPr/>
-      <dgm:t>
-        <a:bodyPr/>
-        <a:lstStyle/>
-        <a:p>
-          <a:endParaRPr lang="en-US"/>
-        </a:p>
-      </dgm:t>
-    </dgm:pt>
-    <dgm:pt modelId="{EA2E41EE-1F85-4B3E-A678-BC14C895B6B4}" type="sibTrans" cxnId="{223B7538-3E95-4858-94F8-248A0CE714CD}">
-      <dgm:prSet/>
-      <dgm:spPr/>
-      <dgm:t>
-        <a:bodyPr/>
-        <a:lstStyle/>
-        <a:p>
-          <a:endParaRPr lang="en-US"/>
-        </a:p>
-      </dgm:t>
-    </dgm:pt>
-    <dgm:pt modelId="{26300399-591E-49E3-B99E-21A54179A978}">
-      <dgm:prSet custT="1"/>
-      <dgm:spPr>
-        <a:solidFill>
-          <a:schemeClr val="bg1">
-            <a:lumMod val="85000"/>
-          </a:schemeClr>
-        </a:solidFill>
-      </dgm:spPr>
-      <dgm:t>
-        <a:bodyPr/>
-        <a:lstStyle/>
-        <a:p>
-          <a:r>
-            <a:rPr lang="en-US" sz="900" u="none" dirty="0" err="1">
-              <a:solidFill>
-                <a:schemeClr val="bg2"/>
-              </a:solidFill>
-            </a:rPr>
-            <a:t>Kurundachalam</a:t>
-          </a:r>
-          <a:r>
-            <a:rPr lang="en-US" sz="900" u="none" dirty="0">
-              <a:solidFill>
-                <a:schemeClr val="bg2"/>
-              </a:solidFill>
-            </a:rPr>
-            <a:t>, </a:t>
-          </a:r>
-          <a:r>
-            <a:rPr lang="en-US" sz="900" u="none" dirty="0" err="1">
-              <a:solidFill>
-                <a:schemeClr val="bg2"/>
-              </a:solidFill>
-            </a:rPr>
-            <a:t>Muraleetharan</a:t>
-          </a:r>
-          <a:endParaRPr lang="en-US" sz="900" u="none" dirty="0">
-            <a:solidFill>
-              <a:schemeClr val="bg2"/>
-            </a:solidFill>
-          </a:endParaRPr>
-        </a:p>
-      </dgm:t>
-    </dgm:pt>
-    <dgm:pt modelId="{149AB3F9-EE0D-4813-9028-9B948DD627E2}" type="parTrans" cxnId="{A5FAF7A7-8A97-4B5C-A4D0-1C7166741B01}">
-      <dgm:prSet/>
-      <dgm:spPr/>
-      <dgm:t>
-        <a:bodyPr/>
-        <a:lstStyle/>
-        <a:p>
-          <a:endParaRPr lang="en-US"/>
-        </a:p>
-      </dgm:t>
-    </dgm:pt>
-    <dgm:pt modelId="{92201CFA-BEA3-48E7-B92A-0F37E22789A1}" type="sibTrans" cxnId="{A5FAF7A7-8A97-4B5C-A4D0-1C7166741B01}">
-      <dgm:prSet/>
-      <dgm:spPr/>
-      <dgm:t>
-        <a:bodyPr/>
-        <a:lstStyle/>
-        <a:p>
-          <a:endParaRPr lang="en-US"/>
-        </a:p>
-      </dgm:t>
-    </dgm:pt>
-    <dgm:pt modelId="{100F2141-B243-4044-B8E3-1E0BEE4E1D56}">
-      <dgm:prSet custT="1"/>
-      <dgm:spPr>
-        <a:solidFill>
-          <a:schemeClr val="bg1">
-            <a:lumMod val="85000"/>
-          </a:schemeClr>
-        </a:solidFill>
-      </dgm:spPr>
-      <dgm:t>
-        <a:bodyPr/>
-        <a:lstStyle/>
-        <a:p>
-          <a:r>
-            <a:rPr lang="en-US" sz="900" u="none">
-              <a:solidFill>
-                <a:schemeClr val="bg2"/>
-              </a:solidFill>
-            </a:rPr>
-            <a:t>Nottath, Ramkumar</a:t>
-          </a:r>
-        </a:p>
-      </dgm:t>
-    </dgm:pt>
-    <dgm:pt modelId="{FB189029-4E0E-484F-BE32-25CDF4517DA8}" type="parTrans" cxnId="{BC360FB7-3748-494E-B3D1-E8998BE8E417}">
-      <dgm:prSet/>
-      <dgm:spPr/>
-      <dgm:t>
-        <a:bodyPr/>
-        <a:lstStyle/>
-        <a:p>
-          <a:endParaRPr lang="en-US"/>
-        </a:p>
-      </dgm:t>
-    </dgm:pt>
-    <dgm:pt modelId="{B8E459E9-474D-400D-91F0-5F617BDA3BC4}" type="sibTrans" cxnId="{BC360FB7-3748-494E-B3D1-E8998BE8E417}">
-      <dgm:prSet/>
-      <dgm:spPr/>
-      <dgm:t>
-        <a:bodyPr/>
-        <a:lstStyle/>
-        <a:p>
-          <a:endParaRPr lang="en-US"/>
-        </a:p>
-      </dgm:t>
-    </dgm:pt>
-    <dgm:pt modelId="{C5AB8773-FB73-416E-A6A1-FADAF5A5B305}">
-      <dgm:prSet custT="1"/>
-      <dgm:spPr>
-        <a:solidFill>
-          <a:schemeClr val="bg1">
-            <a:lumMod val="85000"/>
-          </a:schemeClr>
-        </a:solidFill>
-      </dgm:spPr>
-      <dgm:t>
-        <a:bodyPr/>
-        <a:lstStyle/>
-        <a:p>
-          <a:r>
-            <a:rPr lang="en-US" sz="900" u="none">
-              <a:solidFill>
-                <a:schemeClr val="bg2"/>
-              </a:solidFill>
-            </a:rPr>
-            <a:t>Agrawal, Shruti</a:t>
-          </a:r>
-        </a:p>
-      </dgm:t>
-    </dgm:pt>
-    <dgm:pt modelId="{E392614C-993D-43AB-AB6A-AF093AD953F7}" type="parTrans" cxnId="{0FF66AF4-BB4D-48CD-8549-DAB1623E223A}">
-      <dgm:prSet/>
-      <dgm:spPr/>
-      <dgm:t>
-        <a:bodyPr/>
-        <a:lstStyle/>
-        <a:p>
-          <a:endParaRPr lang="en-US"/>
-        </a:p>
-      </dgm:t>
-    </dgm:pt>
-    <dgm:pt modelId="{3E5FBDCF-E7D4-4534-9EE1-27A4F413A582}" type="sibTrans" cxnId="{0FF66AF4-BB4D-48CD-8549-DAB1623E223A}">
-      <dgm:prSet/>
-      <dgm:spPr/>
-      <dgm:t>
-        <a:bodyPr/>
-        <a:lstStyle/>
-        <a:p>
-          <a:endParaRPr lang="en-US"/>
-        </a:p>
-      </dgm:t>
-    </dgm:pt>
-    <dgm:pt modelId="{F47F5F78-616B-40D7-9E7E-20AEEC7143FF}">
-      <dgm:prSet phldrT="[Text]" custT="1"/>
-      <dgm:spPr>
-        <a:solidFill>
-          <a:schemeClr val="bg1">
-            <a:lumMod val="85000"/>
-          </a:schemeClr>
-        </a:solidFill>
-        <a:ln>
-          <a:noFill/>
-        </a:ln>
-      </dgm:spPr>
-      <dgm:t>
-        <a:bodyPr/>
-        <a:lstStyle/>
-        <a:p>
-          <a:r>
-            <a:rPr lang="en-US" sz="900" u="none" dirty="0">
-              <a:solidFill>
-                <a:schemeClr val="bg2"/>
-              </a:solidFill>
-            </a:rPr>
-            <a:t>Bapat, Anjali</a:t>
-          </a:r>
-        </a:p>
-      </dgm:t>
-    </dgm:pt>
-    <dgm:pt modelId="{7A46737F-6C09-4ECB-A634-A7CF463052C9}" type="parTrans" cxnId="{BBAC7242-EDDA-4FCD-BB2B-7225FBEB5652}">
-      <dgm:prSet/>
-      <dgm:spPr/>
-      <dgm:t>
-        <a:bodyPr/>
-        <a:lstStyle/>
-        <a:p>
-          <a:endParaRPr lang="en-US"/>
-        </a:p>
-      </dgm:t>
-    </dgm:pt>
-    <dgm:pt modelId="{3AA72C98-FBB9-4420-8BB8-69B6A96A8242}" type="sibTrans" cxnId="{BBAC7242-EDDA-4FCD-BB2B-7225FBEB5652}">
-      <dgm:prSet/>
-      <dgm:spPr/>
-      <dgm:t>
-        <a:bodyPr/>
-        <a:lstStyle/>
-        <a:p>
-          <a:endParaRPr lang="en-US"/>
-        </a:p>
-      </dgm:t>
-    </dgm:pt>
-    <dgm:pt modelId="{91372AB2-3291-4200-A0C7-BAA8D6902732}">
-      <dgm:prSet custT="1"/>
-      <dgm:spPr>
-        <a:solidFill>
-          <a:schemeClr val="bg1">
-            <a:lumMod val="85000"/>
-          </a:schemeClr>
-        </a:solidFill>
-        <a:ln>
-          <a:noFill/>
-        </a:ln>
-      </dgm:spPr>
-      <dgm:t>
-        <a:bodyPr/>
-        <a:lstStyle/>
-        <a:p>
-          <a:r>
-            <a:rPr lang="en-US" sz="900" u="none" dirty="0">
-              <a:solidFill>
-                <a:schemeClr val="bg2"/>
-              </a:solidFill>
-            </a:rPr>
-            <a:t>Cardenas, Arturo</a:t>
-          </a:r>
-        </a:p>
-      </dgm:t>
-    </dgm:pt>
-    <dgm:pt modelId="{A867005D-57C0-4274-8091-F98E9B19ADF5}" type="parTrans" cxnId="{34D2ECDA-008A-4390-9102-B79CDDA0D987}">
-      <dgm:prSet/>
-      <dgm:spPr/>
-      <dgm:t>
-        <a:bodyPr/>
-        <a:lstStyle/>
-        <a:p>
-          <a:endParaRPr lang="en-US"/>
-        </a:p>
-      </dgm:t>
-    </dgm:pt>
-    <dgm:pt modelId="{644C89F5-D9C2-4E65-98DE-E960B8AA426F}" type="sibTrans" cxnId="{34D2ECDA-008A-4390-9102-B79CDDA0D987}">
-      <dgm:prSet/>
-      <dgm:spPr/>
-      <dgm:t>
-        <a:bodyPr/>
-        <a:lstStyle/>
-        <a:p>
-          <a:endParaRPr lang="en-US"/>
-        </a:p>
-      </dgm:t>
-    </dgm:pt>
-    <dgm:pt modelId="{DB6ECA6D-8237-4A26-BC1B-E66E908AE47D}">
-      <dgm:prSet custT="1"/>
-      <dgm:spPr>
-        <a:solidFill>
-          <a:schemeClr val="bg1">
-            <a:lumMod val="85000"/>
-          </a:schemeClr>
-        </a:solidFill>
-      </dgm:spPr>
-      <dgm:t>
-        <a:bodyPr/>
-        <a:lstStyle/>
-        <a:p>
-          <a:r>
-            <a:rPr lang="en-US" sz="900" u="none">
-              <a:solidFill>
-                <a:schemeClr val="bg2"/>
-              </a:solidFill>
-            </a:rPr>
-            <a:t>Demir, Elif</a:t>
-          </a:r>
-        </a:p>
-      </dgm:t>
-    </dgm:pt>
-    <dgm:pt modelId="{2AE080F1-4AFB-4C0D-BD79-C92BABA39E13}" type="parTrans" cxnId="{AC6F18C6-1A60-4E49-A78E-CAD177BD4C2F}">
-      <dgm:prSet/>
-      <dgm:spPr/>
-      <dgm:t>
-        <a:bodyPr/>
-        <a:lstStyle/>
-        <a:p>
-          <a:endParaRPr lang="en-US"/>
-        </a:p>
-      </dgm:t>
-    </dgm:pt>
-    <dgm:pt modelId="{DAE65A95-9BE9-4F46-93C6-740A18542507}" type="sibTrans" cxnId="{AC6F18C6-1A60-4E49-A78E-CAD177BD4C2F}">
-      <dgm:prSet/>
-      <dgm:spPr/>
-      <dgm:t>
-        <a:bodyPr/>
-        <a:lstStyle/>
-        <a:p>
-          <a:endParaRPr lang="en-US"/>
-        </a:p>
-      </dgm:t>
-    </dgm:pt>
-    <dgm:pt modelId="{A042366C-DA87-4D53-9712-EFC7E48DE158}">
-      <dgm:prSet custT="1"/>
-      <dgm:spPr>
-        <a:solidFill>
-          <a:schemeClr val="bg1">
-            <a:lumMod val="85000"/>
-          </a:schemeClr>
-        </a:solidFill>
-      </dgm:spPr>
-      <dgm:t>
-        <a:bodyPr/>
-        <a:lstStyle/>
-        <a:p>
-          <a:r>
-            <a:rPr lang="en-US" sz="900" u="none">
-              <a:solidFill>
-                <a:schemeClr val="bg2"/>
-              </a:solidFill>
-            </a:rPr>
-            <a:t>Hoertt, Jacob P.</a:t>
-          </a:r>
-        </a:p>
-      </dgm:t>
-    </dgm:pt>
-    <dgm:pt modelId="{07B5953D-AFA1-44A1-88F6-559233EECCBA}" type="parTrans" cxnId="{3B9834DA-FAD2-455C-82B3-7D87845229E4}">
-      <dgm:prSet/>
-      <dgm:spPr/>
-      <dgm:t>
-        <a:bodyPr/>
-        <a:lstStyle/>
-        <a:p>
-          <a:endParaRPr lang="en-US"/>
-        </a:p>
-      </dgm:t>
-    </dgm:pt>
-    <dgm:pt modelId="{78721675-2C1F-4D0C-93A9-9D5F4EB4365C}" type="sibTrans" cxnId="{3B9834DA-FAD2-455C-82B3-7D87845229E4}">
-      <dgm:prSet/>
-      <dgm:spPr/>
-      <dgm:t>
-        <a:bodyPr/>
-        <a:lstStyle/>
-        <a:p>
-          <a:endParaRPr lang="en-US"/>
-        </a:p>
-      </dgm:t>
-    </dgm:pt>
-    <dgm:pt modelId="{508EEC58-A63B-4B5D-A44E-19DE65EFB6F6}">
-      <dgm:prSet custT="1"/>
-      <dgm:spPr>
-        <a:solidFill>
-          <a:schemeClr val="bg1">
-            <a:lumMod val="85000"/>
-          </a:schemeClr>
-        </a:solidFill>
-      </dgm:spPr>
-      <dgm:t>
-        <a:bodyPr/>
-        <a:lstStyle/>
-        <a:p>
-          <a:r>
-            <a:rPr lang="en-US" sz="900" u="none" dirty="0" err="1">
-              <a:solidFill>
-                <a:schemeClr val="bg2"/>
-              </a:solidFill>
-            </a:rPr>
-            <a:t>Mucha</a:t>
-          </a:r>
-          <a:r>
-            <a:rPr lang="en-US" sz="900" u="none" dirty="0">
-              <a:solidFill>
-                <a:schemeClr val="bg2"/>
-              </a:solidFill>
-            </a:rPr>
-            <a:t>, Julian R.</a:t>
-          </a:r>
-        </a:p>
-      </dgm:t>
-    </dgm:pt>
-    <dgm:pt modelId="{2B529BEA-3C11-4F68-99AD-9A235F11F8E0}" type="parTrans" cxnId="{4EA63E65-0D18-4C7B-9E2D-B4FD39056896}">
-      <dgm:prSet/>
-      <dgm:spPr/>
-      <dgm:t>
-        <a:bodyPr/>
-        <a:lstStyle/>
-        <a:p>
-          <a:endParaRPr lang="en-US"/>
-        </a:p>
-      </dgm:t>
-    </dgm:pt>
-    <dgm:pt modelId="{1207E92B-7C91-4558-B62A-FC84E4FB6827}" type="sibTrans" cxnId="{4EA63E65-0D18-4C7B-9E2D-B4FD39056896}">
-      <dgm:prSet/>
-      <dgm:spPr/>
-      <dgm:t>
-        <a:bodyPr/>
-        <a:lstStyle/>
-        <a:p>
-          <a:endParaRPr lang="en-US"/>
-        </a:p>
-      </dgm:t>
-    </dgm:pt>
-    <dgm:pt modelId="{E3F25649-B198-4B86-8AEF-BB41143239C8}">
-      <dgm:prSet custT="1"/>
-      <dgm:spPr>
-        <a:solidFill>
-          <a:schemeClr val="bg1">
-            <a:lumMod val="85000"/>
-          </a:schemeClr>
-        </a:solidFill>
-      </dgm:spPr>
-      <dgm:t>
-        <a:bodyPr/>
-        <a:lstStyle/>
-        <a:p>
-          <a:r>
-            <a:rPr lang="en-US" sz="900" u="none" dirty="0" err="1">
-              <a:solidFill>
-                <a:schemeClr val="bg2"/>
-              </a:solidFill>
-            </a:rPr>
-            <a:t>Penmatha</a:t>
-          </a:r>
-          <a:r>
-            <a:rPr lang="en-US" sz="900" u="none" dirty="0">
-              <a:solidFill>
-                <a:schemeClr val="bg2"/>
-              </a:solidFill>
-            </a:rPr>
-            <a:t>, </a:t>
-          </a:r>
-          <a:r>
-            <a:rPr lang="en-US" sz="900" u="none" dirty="0" err="1">
-              <a:solidFill>
-                <a:schemeClr val="bg2"/>
-              </a:solidFill>
-            </a:rPr>
-            <a:t>Manideep</a:t>
-          </a:r>
-          <a:r>
-            <a:rPr lang="en-US" sz="900" u="none" dirty="0">
-              <a:solidFill>
-                <a:schemeClr val="bg2"/>
-              </a:solidFill>
-            </a:rPr>
-            <a:t> Varma</a:t>
-          </a:r>
-        </a:p>
-      </dgm:t>
-    </dgm:pt>
-    <dgm:pt modelId="{19A517A2-6BF0-43A7-B5E7-CB7FFEF06A55}" type="parTrans" cxnId="{20D324A0-463C-4313-8201-6F9F8E7F51DD}">
-      <dgm:prSet/>
-      <dgm:spPr/>
-      <dgm:t>
-        <a:bodyPr/>
-        <a:lstStyle/>
-        <a:p>
-          <a:endParaRPr lang="en-US"/>
-        </a:p>
-      </dgm:t>
-    </dgm:pt>
-    <dgm:pt modelId="{81AB9DE3-F630-4A47-AC6A-E376A4CC33C6}" type="sibTrans" cxnId="{20D324A0-463C-4313-8201-6F9F8E7F51DD}">
-      <dgm:prSet/>
-      <dgm:spPr/>
-      <dgm:t>
-        <a:bodyPr/>
-        <a:lstStyle/>
-        <a:p>
-          <a:endParaRPr lang="en-US"/>
-        </a:p>
-      </dgm:t>
-    </dgm:pt>
-    <dgm:pt modelId="{BFD2A8FD-053C-4343-8A69-EB3564F2AB02}">
-      <dgm:prSet custT="1"/>
-      <dgm:spPr>
-        <a:solidFill>
-          <a:schemeClr val="bg1">
-            <a:lumMod val="85000"/>
-          </a:schemeClr>
-        </a:solidFill>
-      </dgm:spPr>
-      <dgm:t>
-        <a:bodyPr/>
-        <a:lstStyle/>
-        <a:p>
-          <a:r>
-            <a:rPr lang="en-US" sz="900" u="none" dirty="0" err="1">
-              <a:solidFill>
-                <a:schemeClr val="bg2"/>
-              </a:solidFill>
-            </a:rPr>
-            <a:t>Almasri</a:t>
-          </a:r>
-          <a:r>
-            <a:rPr lang="en-US" sz="900" u="none" dirty="0">
-              <a:solidFill>
-                <a:schemeClr val="bg2"/>
-              </a:solidFill>
-            </a:rPr>
-            <a:t>, Osama</a:t>
-          </a:r>
-        </a:p>
-      </dgm:t>
-    </dgm:pt>
-    <dgm:pt modelId="{026E7D76-571E-44DF-8480-BC40365FAECF}" type="parTrans" cxnId="{E2E9F536-F8ED-45E7-8B63-727CAFCA67AC}">
-      <dgm:prSet/>
-      <dgm:spPr/>
-      <dgm:t>
-        <a:bodyPr/>
-        <a:lstStyle/>
-        <a:p>
-          <a:endParaRPr lang="en-US"/>
-        </a:p>
-      </dgm:t>
-    </dgm:pt>
-    <dgm:pt modelId="{83BC57C0-7999-47FC-9038-963ECC57580C}" type="sibTrans" cxnId="{E2E9F536-F8ED-45E7-8B63-727CAFCA67AC}">
-      <dgm:prSet/>
-      <dgm:spPr/>
-      <dgm:t>
-        <a:bodyPr/>
-        <a:lstStyle/>
-        <a:p>
-          <a:endParaRPr lang="en-US"/>
-        </a:p>
-      </dgm:t>
-    </dgm:pt>
-    <dgm:pt modelId="{88FEBF79-531F-466C-B244-1B6BF5913E19}" type="pres">
-      <dgm:prSet presAssocID="{4B8044F3-CD35-479A-A373-C6697B089B1B}" presName="Name0" presStyleCnt="0">
-        <dgm:presLayoutVars>
-          <dgm:dir/>
-          <dgm:animLvl val="lvl"/>
-          <dgm:resizeHandles val="exact"/>
-        </dgm:presLayoutVars>
-      </dgm:prSet>
-      <dgm:spPr/>
-    </dgm:pt>
-    <dgm:pt modelId="{8D990286-1083-4BE3-865D-C8503AE47F1A}" type="pres">
-      <dgm:prSet presAssocID="{336ACAE0-BA1A-4DC2-B0C1-1CF885F4C42E}" presName="composite" presStyleCnt="0"/>
-      <dgm:spPr/>
-    </dgm:pt>
-    <dgm:pt modelId="{4400043D-669B-46D3-9E10-9F5C4438B9E7}" type="pres">
-      <dgm:prSet presAssocID="{336ACAE0-BA1A-4DC2-B0C1-1CF885F4C42E}" presName="parTx" presStyleLbl="alignNode1" presStyleIdx="0" presStyleCnt="6">
-        <dgm:presLayoutVars>
-          <dgm:chMax val="0"/>
-          <dgm:chPref val="0"/>
-          <dgm:bulletEnabled val="1"/>
-        </dgm:presLayoutVars>
-      </dgm:prSet>
-      <dgm:spPr/>
-    </dgm:pt>
-    <dgm:pt modelId="{590B61DD-AE10-4CEE-BF63-58B494273960}" type="pres">
-      <dgm:prSet presAssocID="{336ACAE0-BA1A-4DC2-B0C1-1CF885F4C42E}" presName="desTx" presStyleLbl="alignAccFollowNode1" presStyleIdx="0" presStyleCnt="6">
-        <dgm:presLayoutVars>
-          <dgm:bulletEnabled val="1"/>
-        </dgm:presLayoutVars>
-      </dgm:prSet>
-      <dgm:spPr/>
-    </dgm:pt>
-    <dgm:pt modelId="{A9E949A6-C08E-4447-8422-A5A0E496B57B}" type="pres">
-      <dgm:prSet presAssocID="{AACFEBC3-994F-4C17-9579-1111C81F5FC7}" presName="space" presStyleCnt="0"/>
-      <dgm:spPr/>
-    </dgm:pt>
-    <dgm:pt modelId="{983E2899-9594-41F9-8C2A-D6498003B6EB}" type="pres">
-      <dgm:prSet presAssocID="{11E72B1A-E553-4542-BE6B-21365445D99C}" presName="composite" presStyleCnt="0"/>
-      <dgm:spPr/>
-    </dgm:pt>
-    <dgm:pt modelId="{E13F4923-CF18-44B1-905B-BC432DBEC217}" type="pres">
-      <dgm:prSet presAssocID="{11E72B1A-E553-4542-BE6B-21365445D99C}" presName="parTx" presStyleLbl="alignNode1" presStyleIdx="1" presStyleCnt="6">
-        <dgm:presLayoutVars>
-          <dgm:chMax val="0"/>
-          <dgm:chPref val="0"/>
-          <dgm:bulletEnabled val="1"/>
-        </dgm:presLayoutVars>
-      </dgm:prSet>
-      <dgm:spPr/>
-    </dgm:pt>
-    <dgm:pt modelId="{05252447-74B7-41C2-BF07-F2B1CBCB0AF5}" type="pres">
-      <dgm:prSet presAssocID="{11E72B1A-E553-4542-BE6B-21365445D99C}" presName="desTx" presStyleLbl="alignAccFollowNode1" presStyleIdx="1" presStyleCnt="6">
-        <dgm:presLayoutVars>
-          <dgm:bulletEnabled val="1"/>
-        </dgm:presLayoutVars>
-      </dgm:prSet>
-      <dgm:spPr/>
-    </dgm:pt>
-    <dgm:pt modelId="{CC277757-FDAA-4892-A6DF-886558DD6A6D}" type="pres">
-      <dgm:prSet presAssocID="{1A25B44E-4D2F-4365-A3A3-35229C59545E}" presName="space" presStyleCnt="0"/>
-      <dgm:spPr/>
-    </dgm:pt>
-    <dgm:pt modelId="{3938A07A-DA40-428D-99F7-AB8A1368EB67}" type="pres">
-      <dgm:prSet presAssocID="{8E7D9E13-633C-4FCF-8AF6-6623CD8CCD97}" presName="composite" presStyleCnt="0"/>
-      <dgm:spPr/>
-    </dgm:pt>
-    <dgm:pt modelId="{6DEBCD8C-A6E4-41CD-8168-392DF4CA4522}" type="pres">
-      <dgm:prSet presAssocID="{8E7D9E13-633C-4FCF-8AF6-6623CD8CCD97}" presName="parTx" presStyleLbl="alignNode1" presStyleIdx="2" presStyleCnt="6">
-        <dgm:presLayoutVars>
-          <dgm:chMax val="0"/>
-          <dgm:chPref val="0"/>
-          <dgm:bulletEnabled val="1"/>
-        </dgm:presLayoutVars>
-      </dgm:prSet>
-      <dgm:spPr/>
-    </dgm:pt>
-    <dgm:pt modelId="{513AA8AA-21E8-43AE-8ECE-7E0ADD6CDC21}" type="pres">
-      <dgm:prSet presAssocID="{8E7D9E13-633C-4FCF-8AF6-6623CD8CCD97}" presName="desTx" presStyleLbl="alignAccFollowNode1" presStyleIdx="2" presStyleCnt="6">
-        <dgm:presLayoutVars>
-          <dgm:bulletEnabled val="1"/>
-        </dgm:presLayoutVars>
-      </dgm:prSet>
-      <dgm:spPr/>
-    </dgm:pt>
-    <dgm:pt modelId="{167D9974-FEAD-4F05-888C-5FC4F22DCAB8}" type="pres">
-      <dgm:prSet presAssocID="{FBFAB953-43C2-4E27-BC19-C35103CF2F73}" presName="space" presStyleCnt="0"/>
-      <dgm:spPr/>
-    </dgm:pt>
-    <dgm:pt modelId="{91B112D1-121B-468F-A11D-8797F84178E4}" type="pres">
-      <dgm:prSet presAssocID="{00471D14-6476-48EE-A1B4-4CFC3AD92E25}" presName="composite" presStyleCnt="0"/>
-      <dgm:spPr/>
-    </dgm:pt>
-    <dgm:pt modelId="{68E83615-2307-4DE7-AE11-DF061590090C}" type="pres">
-      <dgm:prSet presAssocID="{00471D14-6476-48EE-A1B4-4CFC3AD92E25}" presName="parTx" presStyleLbl="alignNode1" presStyleIdx="3" presStyleCnt="6">
-        <dgm:presLayoutVars>
-          <dgm:chMax val="0"/>
-          <dgm:chPref val="0"/>
-          <dgm:bulletEnabled val="1"/>
-        </dgm:presLayoutVars>
-      </dgm:prSet>
-      <dgm:spPr/>
-    </dgm:pt>
-    <dgm:pt modelId="{AD9AFA8B-4E5D-421F-8B0C-CA365C16DA1E}" type="pres">
-      <dgm:prSet presAssocID="{00471D14-6476-48EE-A1B4-4CFC3AD92E25}" presName="desTx" presStyleLbl="alignAccFollowNode1" presStyleIdx="3" presStyleCnt="6">
-        <dgm:presLayoutVars>
-          <dgm:bulletEnabled val="1"/>
-        </dgm:presLayoutVars>
-      </dgm:prSet>
-      <dgm:spPr/>
-    </dgm:pt>
-    <dgm:pt modelId="{CBB96139-D31A-44AE-8700-B4A5B5BDB1DF}" type="pres">
-      <dgm:prSet presAssocID="{19657034-478A-44DF-83D8-6E3FCD614D97}" presName="space" presStyleCnt="0"/>
-      <dgm:spPr/>
-    </dgm:pt>
-    <dgm:pt modelId="{1945F25B-19E8-4E35-B760-9A2B2E4524CD}" type="pres">
-      <dgm:prSet presAssocID="{BADA3647-C8C8-4C7D-B5FA-13805DA26F03}" presName="composite" presStyleCnt="0"/>
-      <dgm:spPr/>
-    </dgm:pt>
-    <dgm:pt modelId="{5C256E35-3BD2-44C8-929B-E59C85B7C175}" type="pres">
-      <dgm:prSet presAssocID="{BADA3647-C8C8-4C7D-B5FA-13805DA26F03}" presName="parTx" presStyleLbl="alignNode1" presStyleIdx="4" presStyleCnt="6">
-        <dgm:presLayoutVars>
-          <dgm:chMax val="0"/>
-          <dgm:chPref val="0"/>
-          <dgm:bulletEnabled val="1"/>
-        </dgm:presLayoutVars>
-      </dgm:prSet>
-      <dgm:spPr/>
-    </dgm:pt>
-    <dgm:pt modelId="{4E5830D2-F8E5-4969-982F-FC8E7B831586}" type="pres">
-      <dgm:prSet presAssocID="{BADA3647-C8C8-4C7D-B5FA-13805DA26F03}" presName="desTx" presStyleLbl="alignAccFollowNode1" presStyleIdx="4" presStyleCnt="6">
-        <dgm:presLayoutVars>
-          <dgm:bulletEnabled val="1"/>
-        </dgm:presLayoutVars>
-      </dgm:prSet>
-      <dgm:spPr/>
-    </dgm:pt>
-    <dgm:pt modelId="{CFF609A8-7908-43E4-85B1-A9CE46AC3ABF}" type="pres">
-      <dgm:prSet presAssocID="{50B7490E-3CD0-4B27-9FE0-DB707E8E4DD2}" presName="space" presStyleCnt="0"/>
-      <dgm:spPr/>
-    </dgm:pt>
-    <dgm:pt modelId="{EF3802A7-85CB-43BB-9561-202603174C23}" type="pres">
-      <dgm:prSet presAssocID="{6E262F86-1AA1-4382-9DF1-02E036360AE6}" presName="composite" presStyleCnt="0"/>
-      <dgm:spPr/>
-    </dgm:pt>
-    <dgm:pt modelId="{A6202FD0-2F52-49E9-A75F-4DA32EE17456}" type="pres">
-      <dgm:prSet presAssocID="{6E262F86-1AA1-4382-9DF1-02E036360AE6}" presName="parTx" presStyleLbl="alignNode1" presStyleIdx="5" presStyleCnt="6">
-        <dgm:presLayoutVars>
-          <dgm:chMax val="0"/>
-          <dgm:chPref val="0"/>
-          <dgm:bulletEnabled val="1"/>
-        </dgm:presLayoutVars>
-      </dgm:prSet>
-      <dgm:spPr/>
-    </dgm:pt>
-    <dgm:pt modelId="{7D835161-4226-4479-B0C1-83C9A3E8DFD9}" type="pres">
-      <dgm:prSet presAssocID="{6E262F86-1AA1-4382-9DF1-02E036360AE6}" presName="desTx" presStyleLbl="alignAccFollowNode1" presStyleIdx="5" presStyleCnt="6">
-        <dgm:presLayoutVars>
-          <dgm:bulletEnabled val="1"/>
-        </dgm:presLayoutVars>
-      </dgm:prSet>
-      <dgm:spPr/>
-    </dgm:pt>
-  </dgm:ptLst>
-  <dgm:cxnLst>
-    <dgm:cxn modelId="{72969300-B2AA-433D-AF81-4270BFE4F94F}" type="presOf" srcId="{11E72B1A-E553-4542-BE6B-21365445D99C}" destId="{E13F4923-CF18-44B1-905B-BC432DBEC217}" srcOrd="0" destOrd="0" presId="urn:microsoft.com/office/officeart/2005/8/layout/hList1"/>
-    <dgm:cxn modelId="{8E32AB00-61E7-41D8-84C3-C2210BD06F9C}" type="presOf" srcId="{64700B90-7842-440F-803D-7B892D723652}" destId="{AD9AFA8B-4E5D-421F-8B0C-CA365C16DA1E}" srcOrd="0" destOrd="5" presId="urn:microsoft.com/office/officeart/2005/8/layout/hList1"/>
-    <dgm:cxn modelId="{9D037E03-39B6-45D1-A8A1-24D4EB4E9A36}" type="presOf" srcId="{508EEC58-A63B-4B5D-A44E-19DE65EFB6F6}" destId="{7D835161-4226-4479-B0C1-83C9A3E8DFD9}" srcOrd="0" destOrd="4" presId="urn:microsoft.com/office/officeart/2005/8/layout/hList1"/>
-    <dgm:cxn modelId="{EC565707-AE6B-4ED2-80AE-97D83845C3A4}" srcId="{4B8044F3-CD35-479A-A373-C6697B089B1B}" destId="{00471D14-6476-48EE-A1B4-4CFC3AD92E25}" srcOrd="3" destOrd="0" parTransId="{FE426ECB-195B-43CA-808B-7740DECEA430}" sibTransId="{19657034-478A-44DF-83D8-6E3FCD614D97}"/>
-    <dgm:cxn modelId="{2EF66309-177A-41F8-9B04-4A22F5361FF3}" srcId="{00471D14-6476-48EE-A1B4-4CFC3AD92E25}" destId="{A3DE7E57-949B-4157-95CE-F602C37403FC}" srcOrd="0" destOrd="0" parTransId="{7DBC3CD2-C641-4558-863C-114F186F2BCA}" sibTransId="{8A97971C-26BA-4234-BA53-6DD8FC171AE2}"/>
-    <dgm:cxn modelId="{B7001512-C32D-4203-98ED-EE8754B7DA5D}" type="presOf" srcId="{4274C3A5-CD8E-4916-9A32-079C0372776E}" destId="{590B61DD-AE10-4CEE-BF63-58B494273960}" srcOrd="0" destOrd="3" presId="urn:microsoft.com/office/officeart/2005/8/layout/hList1"/>
-    <dgm:cxn modelId="{F5B5E01C-BBBD-4357-A761-F9E044DD4873}" type="presOf" srcId="{26300399-591E-49E3-B99E-21A54179A978}" destId="{4E5830D2-F8E5-4969-982F-FC8E7B831586}" srcOrd="0" destOrd="2" presId="urn:microsoft.com/office/officeart/2005/8/layout/hList1"/>
-    <dgm:cxn modelId="{F4059F20-712E-435E-9BE7-456E44737C2D}" srcId="{4B8044F3-CD35-479A-A373-C6697B089B1B}" destId="{336ACAE0-BA1A-4DC2-B0C1-1CF885F4C42E}" srcOrd="0" destOrd="0" parTransId="{B9D4CCF1-8294-4052-95B4-F2116E35E2B2}" sibTransId="{AACFEBC3-994F-4C17-9579-1111C81F5FC7}"/>
-    <dgm:cxn modelId="{371F1622-9585-4947-8045-8973FF2306B4}" type="presOf" srcId="{DB6ECA6D-8237-4A26-BC1B-E66E908AE47D}" destId="{7D835161-4226-4479-B0C1-83C9A3E8DFD9}" srcOrd="0" destOrd="2" presId="urn:microsoft.com/office/officeart/2005/8/layout/hList1"/>
-    <dgm:cxn modelId="{5A56312A-F9AB-480D-8409-CA99F0C981AD}" srcId="{336ACAE0-BA1A-4DC2-B0C1-1CF885F4C42E}" destId="{EC2A0235-BD80-4EF4-92D7-071279A4E41E}" srcOrd="5" destOrd="0" parTransId="{577DC454-7924-420D-BC29-B3F90CE138E4}" sibTransId="{516CE34E-E4C5-4330-B22B-35DA8516990C}"/>
-    <dgm:cxn modelId="{15C19332-7EEB-4B3F-A890-40B2AF2D1043}" type="presOf" srcId="{C5AB8773-FB73-416E-A6A1-FADAF5A5B305}" destId="{4E5830D2-F8E5-4969-982F-FC8E7B831586}" srcOrd="0" destOrd="5" presId="urn:microsoft.com/office/officeart/2005/8/layout/hList1"/>
-    <dgm:cxn modelId="{2532ED34-8EA7-4756-B010-A0EDDAEE6121}" type="presOf" srcId="{BADA3647-C8C8-4C7D-B5FA-13805DA26F03}" destId="{5C256E35-3BD2-44C8-929B-E59C85B7C175}" srcOrd="0" destOrd="0" presId="urn:microsoft.com/office/officeart/2005/8/layout/hList1"/>
-    <dgm:cxn modelId="{2696CC36-4FD4-4BD3-B1E0-EC4D432BF87F}" type="presOf" srcId="{A497DB76-2181-4375-A260-6D4957610602}" destId="{05252447-74B7-41C2-BF07-F2B1CBCB0AF5}" srcOrd="0" destOrd="0" presId="urn:microsoft.com/office/officeart/2005/8/layout/hList1"/>
-    <dgm:cxn modelId="{E2E9F536-F8ED-45E7-8B63-727CAFCA67AC}" srcId="{BADA3647-C8C8-4C7D-B5FA-13805DA26F03}" destId="{BFD2A8FD-053C-4343-8A69-EB3564F2AB02}" srcOrd="3" destOrd="0" parTransId="{026E7D76-571E-44DF-8480-BC40365FAECF}" sibTransId="{83BC57C0-7999-47FC-9038-963ECC57580C}"/>
-    <dgm:cxn modelId="{223B7538-3E95-4858-94F8-248A0CE714CD}" srcId="{BADA3647-C8C8-4C7D-B5FA-13805DA26F03}" destId="{33BC6716-82AA-4C80-992C-B00430DFBE54}" srcOrd="1" destOrd="0" parTransId="{08F99552-B22A-48BD-9206-BCA380921A46}" sibTransId="{EA2E41EE-1F85-4B3E-A678-BC14C895B6B4}"/>
-    <dgm:cxn modelId="{2F65B03A-71C4-425D-92E6-86EFDA1DD13F}" srcId="{8E7D9E13-633C-4FCF-8AF6-6623CD8CCD97}" destId="{C31515A2-A444-4FB9-B792-C9849BA7C6CD}" srcOrd="4" destOrd="0" parTransId="{327133FB-359C-4C18-9024-CCF9D2BD63FC}" sibTransId="{E0CE44D4-4C62-4637-A647-F4FF10E38F31}"/>
-    <dgm:cxn modelId="{C9BBF53F-AB71-4F4B-BE73-5CFB77EB9116}" type="presOf" srcId="{A042366C-DA87-4D53-9712-EFC7E48DE158}" destId="{7D835161-4226-4479-B0C1-83C9A3E8DFD9}" srcOrd="0" destOrd="3" presId="urn:microsoft.com/office/officeart/2005/8/layout/hList1"/>
-    <dgm:cxn modelId="{BBAC7242-EDDA-4FCD-BB2B-7225FBEB5652}" srcId="{6E262F86-1AA1-4382-9DF1-02E036360AE6}" destId="{F47F5F78-616B-40D7-9E7E-20AEEC7143FF}" srcOrd="0" destOrd="0" parTransId="{7A46737F-6C09-4ECB-A634-A7CF463052C9}" sibTransId="{3AA72C98-FBB9-4420-8BB8-69B6A96A8242}"/>
-    <dgm:cxn modelId="{221A7442-5A7B-4D73-86B2-400722ED7F20}" type="presOf" srcId="{336ACAE0-BA1A-4DC2-B0C1-1CF885F4C42E}" destId="{4400043D-669B-46D3-9E10-9F5C4438B9E7}" srcOrd="0" destOrd="0" presId="urn:microsoft.com/office/officeart/2005/8/layout/hList1"/>
-    <dgm:cxn modelId="{B72FD142-8108-40B5-82C2-CD3D31DA47B4}" type="presOf" srcId="{91372AB2-3291-4200-A0C7-BAA8D6902732}" destId="{7D835161-4226-4479-B0C1-83C9A3E8DFD9}" srcOrd="0" destOrd="1" presId="urn:microsoft.com/office/officeart/2005/8/layout/hList1"/>
-    <dgm:cxn modelId="{E9CE0145-D386-4AD9-A2A9-63CF9AA68010}" srcId="{4B8044F3-CD35-479A-A373-C6697B089B1B}" destId="{6E262F86-1AA1-4382-9DF1-02E036360AE6}" srcOrd="5" destOrd="0" parTransId="{DC288B33-C9A9-49CE-A213-45DC209E912F}" sibTransId="{14B132AB-CDED-4F61-8F6A-D55655D756D4}"/>
-    <dgm:cxn modelId="{B96D1765-479E-4F9D-92D8-C74311B406C7}" type="presOf" srcId="{E3F25649-B198-4B86-8AEF-BB41143239C8}" destId="{7D835161-4226-4479-B0C1-83C9A3E8DFD9}" srcOrd="0" destOrd="5" presId="urn:microsoft.com/office/officeart/2005/8/layout/hList1"/>
-    <dgm:cxn modelId="{4EA63E65-0D18-4C7B-9E2D-B4FD39056896}" srcId="{6E262F86-1AA1-4382-9DF1-02E036360AE6}" destId="{508EEC58-A63B-4B5D-A44E-19DE65EFB6F6}" srcOrd="4" destOrd="0" parTransId="{2B529BEA-3C11-4F68-99AD-9A235F11F8E0}" sibTransId="{1207E92B-7C91-4558-B62A-FC84E4FB6827}"/>
-    <dgm:cxn modelId="{D5DFCC65-C934-41A2-B27B-B8A1EF60558C}" srcId="{00471D14-6476-48EE-A1B4-4CFC3AD92E25}" destId="{1DE58521-31CD-4950-A4FB-971B21DE3B6D}" srcOrd="1" destOrd="0" parTransId="{389AC2D7-D760-447F-94BE-BE00332D61E3}" sibTransId="{BB081286-BD05-4EB2-8B7C-AE1BC1BBD309}"/>
-    <dgm:cxn modelId="{72680846-98EF-40CD-A305-7CE3245C90CE}" srcId="{BADA3647-C8C8-4C7D-B5FA-13805DA26F03}" destId="{A0AF13C9-4C87-40B9-85B3-287F062EE9DC}" srcOrd="0" destOrd="0" parTransId="{F1D31867-2095-4A88-825F-888899D262C9}" sibTransId="{75DC3A94-7307-4F21-95C5-87E1CD2FC91D}"/>
-    <dgm:cxn modelId="{1F1B6A48-2970-45EA-83B4-B153945DF908}" srcId="{00471D14-6476-48EE-A1B4-4CFC3AD92E25}" destId="{59DDFFFF-B664-4B52-A35C-CBC6AB445FFA}" srcOrd="3" destOrd="0" parTransId="{40CF9485-F6A8-43DC-8B0D-28E616BA4344}" sibTransId="{61440A41-3416-4E59-8285-3AC8315F61BF}"/>
-    <dgm:cxn modelId="{B0FB9568-8A7F-4214-8A86-631BCC0741C2}" type="presOf" srcId="{30860CBD-A389-4C29-B92D-14FC32F39586}" destId="{513AA8AA-21E8-43AE-8ECE-7E0ADD6CDC21}" srcOrd="0" destOrd="3" presId="urn:microsoft.com/office/officeart/2005/8/layout/hList1"/>
-    <dgm:cxn modelId="{86E20E4B-5BFF-45C7-8219-93307E5ED77D}" srcId="{11E72B1A-E553-4542-BE6B-21365445D99C}" destId="{DCD0EF43-2640-4A71-B651-4055A4061320}" srcOrd="1" destOrd="0" parTransId="{85223FEB-A110-4C69-9809-3EA1E92126C9}" sibTransId="{26DC9994-A629-4A42-B8F3-72898D2AFCDF}"/>
-    <dgm:cxn modelId="{62562C6C-2AED-4AF4-AB60-8601EB74AE7F}" srcId="{336ACAE0-BA1A-4DC2-B0C1-1CF885F4C42E}" destId="{30D880B2-2CCF-49DE-A703-26C02AA0BC23}" srcOrd="0" destOrd="0" parTransId="{2115BA1D-5BAD-4834-A6D2-7E8D8CF49F51}" sibTransId="{A7FB355C-22E7-4D5D-BBC0-D17AFBA233A7}"/>
-    <dgm:cxn modelId="{68C11C6D-AC4A-475F-98F5-8B7CA1DFF6E4}" type="presOf" srcId="{FCD22513-8142-4E57-A21E-D186BFCDC210}" destId="{05252447-74B7-41C2-BF07-F2B1CBCB0AF5}" srcOrd="0" destOrd="4" presId="urn:microsoft.com/office/officeart/2005/8/layout/hList1"/>
-    <dgm:cxn modelId="{7A624F6D-A601-4C74-8530-CD3CA7A3E7D8}" srcId="{336ACAE0-BA1A-4DC2-B0C1-1CF885F4C42E}" destId="{4274C3A5-CD8E-4916-9A32-079C0372776E}" srcOrd="3" destOrd="0" parTransId="{B8A85C2A-E1E4-4635-9BA5-21DC39551AEB}" sibTransId="{29F69F13-B3FA-475F-84FD-CA0F64C60C2B}"/>
-    <dgm:cxn modelId="{76958D6D-256A-4DB1-B898-085FE072DB2A}" type="presOf" srcId="{EC2A0235-BD80-4EF4-92D7-071279A4E41E}" destId="{590B61DD-AE10-4CEE-BF63-58B494273960}" srcOrd="0" destOrd="5" presId="urn:microsoft.com/office/officeart/2005/8/layout/hList1"/>
-    <dgm:cxn modelId="{EBD86450-CC97-4F98-B0B0-971DDAC7E6F6}" type="presOf" srcId="{33BC6716-82AA-4C80-992C-B00430DFBE54}" destId="{4E5830D2-F8E5-4969-982F-FC8E7B831586}" srcOrd="0" destOrd="1" presId="urn:microsoft.com/office/officeart/2005/8/layout/hList1"/>
-    <dgm:cxn modelId="{1C8EB971-93F2-4EDA-B97B-AE68B091425F}" srcId="{4B8044F3-CD35-479A-A373-C6697B089B1B}" destId="{BADA3647-C8C8-4C7D-B5FA-13805DA26F03}" srcOrd="4" destOrd="0" parTransId="{CD6059D3-B5AB-421B-A14D-708C23E64449}" sibTransId="{50B7490E-3CD0-4B27-9FE0-DB707E8E4DD2}"/>
-    <dgm:cxn modelId="{7D11D552-0D5A-48A0-8909-3A540F1B7DCA}" srcId="{8E7D9E13-633C-4FCF-8AF6-6623CD8CCD97}" destId="{1B362B26-A887-4C03-A2B1-6DAF2C476E2E}" srcOrd="2" destOrd="0" parTransId="{65718AA5-AD1D-40E4-A164-540A335C4809}" sibTransId="{8B6AC99F-5114-47A7-BB94-3596D94718A1}"/>
-    <dgm:cxn modelId="{528EAD56-A20B-41EC-8DF9-38353207D163}" type="presOf" srcId="{5ED32A80-93AE-4327-8AAE-ABF3393BAB39}" destId="{513AA8AA-21E8-43AE-8ECE-7E0ADD6CDC21}" srcOrd="0" destOrd="1" presId="urn:microsoft.com/office/officeart/2005/8/layout/hList1"/>
-    <dgm:cxn modelId="{6B6B7C79-C2F3-41BE-9251-C267318CADAE}" type="presOf" srcId="{1B362B26-A887-4C03-A2B1-6DAF2C476E2E}" destId="{513AA8AA-21E8-43AE-8ECE-7E0ADD6CDC21}" srcOrd="0" destOrd="2" presId="urn:microsoft.com/office/officeart/2005/8/layout/hList1"/>
-    <dgm:cxn modelId="{DD66D07A-8206-4DA7-88ED-3F2AA7BB9111}" srcId="{00471D14-6476-48EE-A1B4-4CFC3AD92E25}" destId="{CDA5072B-13EF-4CCD-81C8-28BE0ABD583D}" srcOrd="2" destOrd="0" parTransId="{7DAE83BE-CEBC-46D4-A727-08F0E161C48A}" sibTransId="{C0E4CF00-FECA-4DD7-8FFE-AFE3B1EEA686}"/>
-    <dgm:cxn modelId="{F665037C-893E-4D09-9DD0-6354498E2BFD}" type="presOf" srcId="{52CD6E9A-32B7-4DBD-B5EC-131E11A754F1}" destId="{05252447-74B7-41C2-BF07-F2B1CBCB0AF5}" srcOrd="0" destOrd="2" presId="urn:microsoft.com/office/officeart/2005/8/layout/hList1"/>
-    <dgm:cxn modelId="{32667680-022C-4D89-A96D-81DEBD9FC164}" srcId="{8E7D9E13-633C-4FCF-8AF6-6623CD8CCD97}" destId="{B2CC09E2-1E9B-4B6E-B4F1-FF73D2979F18}" srcOrd="0" destOrd="0" parTransId="{04328728-D8DC-43DC-A179-DB22A0B40E7A}" sibTransId="{FC36FB56-445A-46EA-B4C9-76B5794CE257}"/>
-    <dgm:cxn modelId="{0EC5F380-9E87-47B6-8D1A-3547061A3510}" srcId="{00471D14-6476-48EE-A1B4-4CFC3AD92E25}" destId="{A4A2B8F6-9F0D-4F61-B5E2-926C196AF5B2}" srcOrd="4" destOrd="0" parTransId="{84513D0F-7B61-4C99-A994-E71A7DE963E9}" sibTransId="{61194A35-10C4-427F-9267-63CA3DF0D37C}"/>
-    <dgm:cxn modelId="{8314D984-C3BA-4454-B1C7-76B3A3FC5607}" srcId="{11E72B1A-E553-4542-BE6B-21365445D99C}" destId="{F7FE4892-BEAD-47D4-AEFB-F867F3B43825}" srcOrd="3" destOrd="0" parTransId="{EB9FFF8D-8FEC-4601-8222-2506865B8B6F}" sibTransId="{E8FCD218-C699-49B8-B64B-AF5C3C5D9AD4}"/>
-    <dgm:cxn modelId="{5856E88B-AF12-48D3-A0E2-15C2A8654028}" srcId="{4B8044F3-CD35-479A-A373-C6697B089B1B}" destId="{11E72B1A-E553-4542-BE6B-21365445D99C}" srcOrd="1" destOrd="0" parTransId="{A10C0C07-0606-4E1C-90AF-AF762CEF28D9}" sibTransId="{1A25B44E-4D2F-4365-A3A3-35229C59545E}"/>
-    <dgm:cxn modelId="{0608A390-FE5E-408B-9831-523F9A73F77D}" srcId="{336ACAE0-BA1A-4DC2-B0C1-1CF885F4C42E}" destId="{AB63E24E-55E5-45F2-9C71-FD43FFC8E155}" srcOrd="2" destOrd="0" parTransId="{4F13C33D-4227-47AE-B56D-4BC84CFE3AC9}" sibTransId="{5FCDCE54-9AC1-4B0B-A15E-2D8277C0C124}"/>
-    <dgm:cxn modelId="{F5402494-6E1B-4F82-9838-5F5E9BB19905}" type="presOf" srcId="{A3DE7E57-949B-4157-95CE-F602C37403FC}" destId="{AD9AFA8B-4E5D-421F-8B0C-CA365C16DA1E}" srcOrd="0" destOrd="0" presId="urn:microsoft.com/office/officeart/2005/8/layout/hList1"/>
-    <dgm:cxn modelId="{00D62695-FE7F-4408-97B8-43863ADEB6F7}" srcId="{4B8044F3-CD35-479A-A373-C6697B089B1B}" destId="{8E7D9E13-633C-4FCF-8AF6-6623CD8CCD97}" srcOrd="2" destOrd="0" parTransId="{D84FB5FF-E421-4505-A93D-8A4B71CBD663}" sibTransId="{FBFAB953-43C2-4E27-BC19-C35103CF2F73}"/>
-    <dgm:cxn modelId="{283C6095-A192-4549-B833-C8D38EA70D66}" srcId="{11E72B1A-E553-4542-BE6B-21365445D99C}" destId="{52CD6E9A-32B7-4DBD-B5EC-131E11A754F1}" srcOrd="2" destOrd="0" parTransId="{91581C13-7A62-41B1-B270-09FEE9AFF436}" sibTransId="{4709CDB0-26F9-46F5-AAA7-1868F8FD20D5}"/>
-    <dgm:cxn modelId="{3ABF2F99-521E-46EC-98F6-F54B1A7890E3}" srcId="{8E7D9E13-633C-4FCF-8AF6-6623CD8CCD97}" destId="{5ED32A80-93AE-4327-8AAE-ABF3393BAB39}" srcOrd="1" destOrd="0" parTransId="{D7E4E119-7B0A-422E-A62E-6108B6EF5E88}" sibTransId="{A4268648-173B-4645-BEBC-9AC070C30E53}"/>
-    <dgm:cxn modelId="{9A9A4C99-4E5E-4E46-A6A4-1C0181BF30CF}" type="presOf" srcId="{4B8044F3-CD35-479A-A373-C6697B089B1B}" destId="{88FEBF79-531F-466C-B244-1B6BF5913E19}" srcOrd="0" destOrd="0" presId="urn:microsoft.com/office/officeart/2005/8/layout/hList1"/>
-    <dgm:cxn modelId="{20D324A0-463C-4313-8201-6F9F8E7F51DD}" srcId="{6E262F86-1AA1-4382-9DF1-02E036360AE6}" destId="{E3F25649-B198-4B86-8AEF-BB41143239C8}" srcOrd="5" destOrd="0" parTransId="{19A517A2-6BF0-43A7-B5E7-CB7FFEF06A55}" sibTransId="{81AB9DE3-F630-4A47-AC6A-E376A4CC33C6}"/>
-    <dgm:cxn modelId="{012030A2-A53F-4056-813A-E7B73F4F54D7}" type="presOf" srcId="{AB63E24E-55E5-45F2-9C71-FD43FFC8E155}" destId="{590B61DD-AE10-4CEE-BF63-58B494273960}" srcOrd="0" destOrd="2" presId="urn:microsoft.com/office/officeart/2005/8/layout/hList1"/>
-    <dgm:cxn modelId="{C9AB65A2-E19F-41D4-BDA6-78CA7ABA20AD}" type="presOf" srcId="{A4A2B8F6-9F0D-4F61-B5E2-926C196AF5B2}" destId="{AD9AFA8B-4E5D-421F-8B0C-CA365C16DA1E}" srcOrd="0" destOrd="4" presId="urn:microsoft.com/office/officeart/2005/8/layout/hList1"/>
-    <dgm:cxn modelId="{A5FAF7A7-8A97-4B5C-A4D0-1C7166741B01}" srcId="{BADA3647-C8C8-4C7D-B5FA-13805DA26F03}" destId="{26300399-591E-49E3-B99E-21A54179A978}" srcOrd="2" destOrd="0" parTransId="{149AB3F9-EE0D-4813-9028-9B948DD627E2}" sibTransId="{92201CFA-BEA3-48E7-B92A-0F37E22789A1}"/>
-    <dgm:cxn modelId="{34925AAA-A2F0-414E-ADE7-75214ED1535D}" type="presOf" srcId="{F31454C2-3079-44FA-9912-749BCD7AF6D1}" destId="{05252447-74B7-41C2-BF07-F2B1CBCB0AF5}" srcOrd="0" destOrd="5" presId="urn:microsoft.com/office/officeart/2005/8/layout/hList1"/>
-    <dgm:cxn modelId="{756667AB-72AC-4622-A061-F5B45A286032}" srcId="{11E72B1A-E553-4542-BE6B-21365445D99C}" destId="{A497DB76-2181-4375-A260-6D4957610602}" srcOrd="0" destOrd="0" parTransId="{BB53F544-9696-445A-AD2A-2E3A4D78DD4D}" sibTransId="{68A99BF1-950F-43A6-A8D8-35F5678AB6C9}"/>
-    <dgm:cxn modelId="{92B849AC-2D22-4D8B-B62D-C692FF85C054}" type="presOf" srcId="{B2CC09E2-1E9B-4B6E-B4F1-FF73D2979F18}" destId="{513AA8AA-21E8-43AE-8ECE-7E0ADD6CDC21}" srcOrd="0" destOrd="0" presId="urn:microsoft.com/office/officeart/2005/8/layout/hList1"/>
-    <dgm:cxn modelId="{8DB62CB3-4378-4E19-A85B-F64478F9CC7E}" type="presOf" srcId="{BFD2A8FD-053C-4343-8A69-EB3564F2AB02}" destId="{4E5830D2-F8E5-4969-982F-FC8E7B831586}" srcOrd="0" destOrd="3" presId="urn:microsoft.com/office/officeart/2005/8/layout/hList1"/>
-    <dgm:cxn modelId="{BC360FB7-3748-494E-B3D1-E8998BE8E417}" srcId="{BADA3647-C8C8-4C7D-B5FA-13805DA26F03}" destId="{100F2141-B243-4044-B8E3-1E0BEE4E1D56}" srcOrd="4" destOrd="0" parTransId="{FB189029-4E0E-484F-BE32-25CDF4517DA8}" sibTransId="{B8E459E9-474D-400D-91F0-5F617BDA3BC4}"/>
-    <dgm:cxn modelId="{ED0E38BA-0913-4764-A6A5-709991492358}" type="presOf" srcId="{30D880B2-2CCF-49DE-A703-26C02AA0BC23}" destId="{590B61DD-AE10-4CEE-BF63-58B494273960}" srcOrd="0" destOrd="0" presId="urn:microsoft.com/office/officeart/2005/8/layout/hList1"/>
-    <dgm:cxn modelId="{2609BBC1-7A77-4FCD-8915-0DCD45DB910A}" type="presOf" srcId="{100F2141-B243-4044-B8E3-1E0BEE4E1D56}" destId="{4E5830D2-F8E5-4969-982F-FC8E7B831586}" srcOrd="0" destOrd="4" presId="urn:microsoft.com/office/officeart/2005/8/layout/hList1"/>
-    <dgm:cxn modelId="{5AAE34C3-96F2-4C7B-824E-60B9A3E0E5C1}" type="presOf" srcId="{CDA5072B-13EF-4CCD-81C8-28BE0ABD583D}" destId="{AD9AFA8B-4E5D-421F-8B0C-CA365C16DA1E}" srcOrd="0" destOrd="2" presId="urn:microsoft.com/office/officeart/2005/8/layout/hList1"/>
-    <dgm:cxn modelId="{148E0FC6-9E9B-4235-8B43-72DB7C171848}" srcId="{11E72B1A-E553-4542-BE6B-21365445D99C}" destId="{FCD22513-8142-4E57-A21E-D186BFCDC210}" srcOrd="4" destOrd="0" parTransId="{9BE9EBD4-D525-4CA0-B3F0-CD318F9AD39F}" sibTransId="{9F901DC0-065E-4524-A00F-0AE37B9D7128}"/>
-    <dgm:cxn modelId="{AC6F18C6-1A60-4E49-A78E-CAD177BD4C2F}" srcId="{6E262F86-1AA1-4382-9DF1-02E036360AE6}" destId="{DB6ECA6D-8237-4A26-BC1B-E66E908AE47D}" srcOrd="2" destOrd="0" parTransId="{2AE080F1-4AFB-4C0D-BD79-C92BABA39E13}" sibTransId="{DAE65A95-9BE9-4F46-93C6-740A18542507}"/>
-    <dgm:cxn modelId="{03CCB3C6-8B91-4ECA-9A96-768317231DB3}" type="presOf" srcId="{C31515A2-A444-4FB9-B792-C9849BA7C6CD}" destId="{513AA8AA-21E8-43AE-8ECE-7E0ADD6CDC21}" srcOrd="0" destOrd="4" presId="urn:microsoft.com/office/officeart/2005/8/layout/hList1"/>
-    <dgm:cxn modelId="{716299CA-7E90-4CFE-A631-51AA9AE0DE57}" type="presOf" srcId="{1DE58521-31CD-4950-A4FB-971B21DE3B6D}" destId="{AD9AFA8B-4E5D-421F-8B0C-CA365C16DA1E}" srcOrd="0" destOrd="1" presId="urn:microsoft.com/office/officeart/2005/8/layout/hList1"/>
-    <dgm:cxn modelId="{DBB8C9CC-BBBA-4ECC-BDB0-F358468A8AC2}" type="presOf" srcId="{DCD0EF43-2640-4A71-B651-4055A4061320}" destId="{05252447-74B7-41C2-BF07-F2B1CBCB0AF5}" srcOrd="0" destOrd="1" presId="urn:microsoft.com/office/officeart/2005/8/layout/hList1"/>
-    <dgm:cxn modelId="{25E8FBD1-5765-4733-935B-EA1359754666}" type="presOf" srcId="{F7FE4892-BEAD-47D4-AEFB-F867F3B43825}" destId="{05252447-74B7-41C2-BF07-F2B1CBCB0AF5}" srcOrd="0" destOrd="3" presId="urn:microsoft.com/office/officeart/2005/8/layout/hList1"/>
-    <dgm:cxn modelId="{91AA61D2-B919-4841-BDCA-2480F9BD9019}" type="presOf" srcId="{6E262F86-1AA1-4382-9DF1-02E036360AE6}" destId="{A6202FD0-2F52-49E9-A75F-4DA32EE17456}" srcOrd="0" destOrd="0" presId="urn:microsoft.com/office/officeart/2005/8/layout/hList1"/>
-    <dgm:cxn modelId="{CCA357D8-BE8F-40F2-A7A1-341CE06FCCFA}" type="presOf" srcId="{A0AF13C9-4C87-40B9-85B3-287F062EE9DC}" destId="{4E5830D2-F8E5-4969-982F-FC8E7B831586}" srcOrd="0" destOrd="0" presId="urn:microsoft.com/office/officeart/2005/8/layout/hList1"/>
-    <dgm:cxn modelId="{3B9834DA-FAD2-455C-82B3-7D87845229E4}" srcId="{6E262F86-1AA1-4382-9DF1-02E036360AE6}" destId="{A042366C-DA87-4D53-9712-EFC7E48DE158}" srcOrd="3" destOrd="0" parTransId="{07B5953D-AFA1-44A1-88F6-559233EECCBA}" sibTransId="{78721675-2C1F-4D0C-93A9-9D5F4EB4365C}"/>
-    <dgm:cxn modelId="{61E551DA-2BDF-45E0-95C0-28F2CA30BE12}" srcId="{336ACAE0-BA1A-4DC2-B0C1-1CF885F4C42E}" destId="{3E1519E0-A8AD-4350-AF24-3A5054E4E480}" srcOrd="4" destOrd="0" parTransId="{2D7BB3CC-5FF9-47E7-9DF7-3A4966E810D6}" sibTransId="{40F2811B-4A6E-4C61-9B08-6DEEC8380042}"/>
-    <dgm:cxn modelId="{34D2ECDA-008A-4390-9102-B79CDDA0D987}" srcId="{6E262F86-1AA1-4382-9DF1-02E036360AE6}" destId="{91372AB2-3291-4200-A0C7-BAA8D6902732}" srcOrd="1" destOrd="0" parTransId="{A867005D-57C0-4274-8091-F98E9B19ADF5}" sibTransId="{644C89F5-D9C2-4E65-98DE-E960B8AA426F}"/>
-    <dgm:cxn modelId="{C138F6DC-B542-4E2E-8018-59258649FE56}" srcId="{11E72B1A-E553-4542-BE6B-21365445D99C}" destId="{F31454C2-3079-44FA-9912-749BCD7AF6D1}" srcOrd="5" destOrd="0" parTransId="{5C4BFB71-5C6B-44D2-B987-693A87BADF5C}" sibTransId="{656FC3CF-C1BF-4014-A67D-2D2AADD4B89C}"/>
-    <dgm:cxn modelId="{876CB8E0-CCF1-46DC-944F-771F271D59F5}" type="presOf" srcId="{F47F5F78-616B-40D7-9E7E-20AEEC7143FF}" destId="{7D835161-4226-4479-B0C1-83C9A3E8DFD9}" srcOrd="0" destOrd="0" presId="urn:microsoft.com/office/officeart/2005/8/layout/hList1"/>
-    <dgm:cxn modelId="{0EF365E1-A7C7-4C5F-BEF7-9A89D67BDC86}" type="presOf" srcId="{3E1519E0-A8AD-4350-AF24-3A5054E4E480}" destId="{590B61DD-AE10-4CEE-BF63-58B494273960}" srcOrd="0" destOrd="4" presId="urn:microsoft.com/office/officeart/2005/8/layout/hList1"/>
-    <dgm:cxn modelId="{702B41E4-1CA7-4F78-9CE3-A7E5CCCBFECA}" type="presOf" srcId="{00471D14-6476-48EE-A1B4-4CFC3AD92E25}" destId="{68E83615-2307-4DE7-AE11-DF061590090C}" srcOrd="0" destOrd="0" presId="urn:microsoft.com/office/officeart/2005/8/layout/hList1"/>
-    <dgm:cxn modelId="{1B2862E8-4114-4D82-9DBD-90708A8FE7E4}" srcId="{00471D14-6476-48EE-A1B4-4CFC3AD92E25}" destId="{64700B90-7842-440F-803D-7B892D723652}" srcOrd="5" destOrd="0" parTransId="{BF8843DB-DF63-4CF6-B5EA-D72AD442A710}" sibTransId="{6AD65F04-7EF1-4C6D-8020-CFABA1E0431F}"/>
-    <dgm:cxn modelId="{643264EE-A0A0-4154-A855-143F47C912AF}" srcId="{336ACAE0-BA1A-4DC2-B0C1-1CF885F4C42E}" destId="{EA9880E0-3FB9-4DEC-88D9-A727194863B8}" srcOrd="1" destOrd="0" parTransId="{F3ECEF44-A86A-4B24-B90F-9CF153EDCC7D}" sibTransId="{26377AE1-8AF4-41F9-B84E-589590E2762F}"/>
-    <dgm:cxn modelId="{8044FBF2-8BFB-460A-833B-66E72507E763}" srcId="{8E7D9E13-633C-4FCF-8AF6-6623CD8CCD97}" destId="{30860CBD-A389-4C29-B92D-14FC32F39586}" srcOrd="3" destOrd="0" parTransId="{31D94D4D-509F-43EE-9828-0A7E4751B4D6}" sibTransId="{71961249-A048-451E-A97F-E7B08D761B53}"/>
-    <dgm:cxn modelId="{9C9747F4-4994-4D5E-A77B-9FA883434C98}" type="presOf" srcId="{EA9880E0-3FB9-4DEC-88D9-A727194863B8}" destId="{590B61DD-AE10-4CEE-BF63-58B494273960}" srcOrd="0" destOrd="1" presId="urn:microsoft.com/office/officeart/2005/8/layout/hList1"/>
-    <dgm:cxn modelId="{0FF66AF4-BB4D-48CD-8549-DAB1623E223A}" srcId="{BADA3647-C8C8-4C7D-B5FA-13805DA26F03}" destId="{C5AB8773-FB73-416E-A6A1-FADAF5A5B305}" srcOrd="5" destOrd="0" parTransId="{E392614C-993D-43AB-AB6A-AF093AD953F7}" sibTransId="{3E5FBDCF-E7D4-4534-9EE1-27A4F413A582}"/>
-    <dgm:cxn modelId="{20AC51FB-AEAA-483B-BC71-4D92B13C58D1}" type="presOf" srcId="{8E7D9E13-633C-4FCF-8AF6-6623CD8CCD97}" destId="{6DEBCD8C-A6E4-41CD-8168-392DF4CA4522}" srcOrd="0" destOrd="0" presId="urn:microsoft.com/office/officeart/2005/8/layout/hList1"/>
-    <dgm:cxn modelId="{4CA1B3FD-8DAB-4265-A08F-17CE64ADD50A}" type="presOf" srcId="{59DDFFFF-B664-4B52-A35C-CBC6AB445FFA}" destId="{AD9AFA8B-4E5D-421F-8B0C-CA365C16DA1E}" srcOrd="0" destOrd="3" presId="urn:microsoft.com/office/officeart/2005/8/layout/hList1"/>
-    <dgm:cxn modelId="{27657FDC-416F-45C0-9922-DC344C92055C}" type="presParOf" srcId="{88FEBF79-531F-466C-B244-1B6BF5913E19}" destId="{8D990286-1083-4BE3-865D-C8503AE47F1A}" srcOrd="0" destOrd="0" presId="urn:microsoft.com/office/officeart/2005/8/layout/hList1"/>
-    <dgm:cxn modelId="{674C7724-F226-42C4-B043-28659B6FE4AD}" type="presParOf" srcId="{8D990286-1083-4BE3-865D-C8503AE47F1A}" destId="{4400043D-669B-46D3-9E10-9F5C4438B9E7}" srcOrd="0" destOrd="0" presId="urn:microsoft.com/office/officeart/2005/8/layout/hList1"/>
-    <dgm:cxn modelId="{FBCBB79E-7CFF-4C20-B3DA-43BF9F8EF374}" type="presParOf" srcId="{8D990286-1083-4BE3-865D-C8503AE47F1A}" destId="{590B61DD-AE10-4CEE-BF63-58B494273960}" srcOrd="1" destOrd="0" presId="urn:microsoft.com/office/officeart/2005/8/layout/hList1"/>
-    <dgm:cxn modelId="{E5EE06FE-60AA-422A-89F2-031948857A78}" type="presParOf" srcId="{88FEBF79-531F-466C-B244-1B6BF5913E19}" destId="{A9E949A6-C08E-4447-8422-A5A0E496B57B}" srcOrd="1" destOrd="0" presId="urn:microsoft.com/office/officeart/2005/8/layout/hList1"/>
-    <dgm:cxn modelId="{B89BE6DB-DE47-4336-8FE3-D802C1EF0DFB}" type="presParOf" srcId="{88FEBF79-531F-466C-B244-1B6BF5913E19}" destId="{983E2899-9594-41F9-8C2A-D6498003B6EB}" srcOrd="2" destOrd="0" presId="urn:microsoft.com/office/officeart/2005/8/layout/hList1"/>
-    <dgm:cxn modelId="{B7C5EA31-3A81-416A-BA07-54C5C244C17E}" type="presParOf" srcId="{983E2899-9594-41F9-8C2A-D6498003B6EB}" destId="{E13F4923-CF18-44B1-905B-BC432DBEC217}" srcOrd="0" destOrd="0" presId="urn:microsoft.com/office/officeart/2005/8/layout/hList1"/>
-    <dgm:cxn modelId="{25492F5B-B68E-4B33-B84A-E4025F980747}" type="presParOf" srcId="{983E2899-9594-41F9-8C2A-D6498003B6EB}" destId="{05252447-74B7-41C2-BF07-F2B1CBCB0AF5}" srcOrd="1" destOrd="0" presId="urn:microsoft.com/office/officeart/2005/8/layout/hList1"/>
-    <dgm:cxn modelId="{637B95AD-FBFA-47A6-A784-6B2A8259C1CB}" type="presParOf" srcId="{88FEBF79-531F-466C-B244-1B6BF5913E19}" destId="{CC277757-FDAA-4892-A6DF-886558DD6A6D}" srcOrd="3" destOrd="0" presId="urn:microsoft.com/office/officeart/2005/8/layout/hList1"/>
-    <dgm:cxn modelId="{F820D72B-C49A-4950-928F-D030B70F9627}" type="presParOf" srcId="{88FEBF79-531F-466C-B244-1B6BF5913E19}" destId="{3938A07A-DA40-428D-99F7-AB8A1368EB67}" srcOrd="4" destOrd="0" presId="urn:microsoft.com/office/officeart/2005/8/layout/hList1"/>
-    <dgm:cxn modelId="{55247484-2ABA-4126-9CCF-56C2C81EA5A2}" type="presParOf" srcId="{3938A07A-DA40-428D-99F7-AB8A1368EB67}" destId="{6DEBCD8C-A6E4-41CD-8168-392DF4CA4522}" srcOrd="0" destOrd="0" presId="urn:microsoft.com/office/officeart/2005/8/layout/hList1"/>
-    <dgm:cxn modelId="{E2542C3D-9F25-4D66-B56C-6E78B11BD222}" type="presParOf" srcId="{3938A07A-DA40-428D-99F7-AB8A1368EB67}" destId="{513AA8AA-21E8-43AE-8ECE-7E0ADD6CDC21}" srcOrd="1" destOrd="0" presId="urn:microsoft.com/office/officeart/2005/8/layout/hList1"/>
-    <dgm:cxn modelId="{26E1AD9F-E012-4ACA-874D-8A4FB16B8962}" type="presParOf" srcId="{88FEBF79-531F-466C-B244-1B6BF5913E19}" destId="{167D9974-FEAD-4F05-888C-5FC4F22DCAB8}" srcOrd="5" destOrd="0" presId="urn:microsoft.com/office/officeart/2005/8/layout/hList1"/>
-    <dgm:cxn modelId="{2C828621-6C0B-4CCB-962D-766671D728FD}" type="presParOf" srcId="{88FEBF79-531F-466C-B244-1B6BF5913E19}" destId="{91B112D1-121B-468F-A11D-8797F84178E4}" srcOrd="6" destOrd="0" presId="urn:microsoft.com/office/officeart/2005/8/layout/hList1"/>
-    <dgm:cxn modelId="{FACCA704-560C-4F95-A694-C8AAAFE3D806}" type="presParOf" srcId="{91B112D1-121B-468F-A11D-8797F84178E4}" destId="{68E83615-2307-4DE7-AE11-DF061590090C}" srcOrd="0" destOrd="0" presId="urn:microsoft.com/office/officeart/2005/8/layout/hList1"/>
-    <dgm:cxn modelId="{2B775171-8815-4DC1-A25C-948E450B9C4D}" type="presParOf" srcId="{91B112D1-121B-468F-A11D-8797F84178E4}" destId="{AD9AFA8B-4E5D-421F-8B0C-CA365C16DA1E}" srcOrd="1" destOrd="0" presId="urn:microsoft.com/office/officeart/2005/8/layout/hList1"/>
-    <dgm:cxn modelId="{C6AC707C-7611-4264-91B3-FC40C5920B01}" type="presParOf" srcId="{88FEBF79-531F-466C-B244-1B6BF5913E19}" destId="{CBB96139-D31A-44AE-8700-B4A5B5BDB1DF}" srcOrd="7" destOrd="0" presId="urn:microsoft.com/office/officeart/2005/8/layout/hList1"/>
-    <dgm:cxn modelId="{79EA1FFD-5CF9-4D34-873C-06BC0BE9B1BA}" type="presParOf" srcId="{88FEBF79-531F-466C-B244-1B6BF5913E19}" destId="{1945F25B-19E8-4E35-B760-9A2B2E4524CD}" srcOrd="8" destOrd="0" presId="urn:microsoft.com/office/officeart/2005/8/layout/hList1"/>
-    <dgm:cxn modelId="{E68EE576-E5A9-46E2-A812-D442CADFD8D4}" type="presParOf" srcId="{1945F25B-19E8-4E35-B760-9A2B2E4524CD}" destId="{5C256E35-3BD2-44C8-929B-E59C85B7C175}" srcOrd="0" destOrd="0" presId="urn:microsoft.com/office/officeart/2005/8/layout/hList1"/>
-    <dgm:cxn modelId="{FDA87F63-5BCD-4272-AF7F-E7A682CF94EC}" type="presParOf" srcId="{1945F25B-19E8-4E35-B760-9A2B2E4524CD}" destId="{4E5830D2-F8E5-4969-982F-FC8E7B831586}" srcOrd="1" destOrd="0" presId="urn:microsoft.com/office/officeart/2005/8/layout/hList1"/>
-    <dgm:cxn modelId="{07435C0E-70B7-4837-B2C8-91D1868B4A49}" type="presParOf" srcId="{88FEBF79-531F-466C-B244-1B6BF5913E19}" destId="{CFF609A8-7908-43E4-85B1-A9CE46AC3ABF}" srcOrd="9" destOrd="0" presId="urn:microsoft.com/office/officeart/2005/8/layout/hList1"/>
-    <dgm:cxn modelId="{11D21510-06DF-4196-994C-31385BC27A6D}" type="presParOf" srcId="{88FEBF79-531F-466C-B244-1B6BF5913E19}" destId="{EF3802A7-85CB-43BB-9561-202603174C23}" srcOrd="10" destOrd="0" presId="urn:microsoft.com/office/officeart/2005/8/layout/hList1"/>
-    <dgm:cxn modelId="{DB6375B2-9812-4E60-B8AD-7A8F45BC7B20}" type="presParOf" srcId="{EF3802A7-85CB-43BB-9561-202603174C23}" destId="{A6202FD0-2F52-49E9-A75F-4DA32EE17456}" srcOrd="0" destOrd="0" presId="urn:microsoft.com/office/officeart/2005/8/layout/hList1"/>
-    <dgm:cxn modelId="{D982A61B-DC0B-4210-BC5A-313FC8514BA9}" type="presParOf" srcId="{EF3802A7-85CB-43BB-9561-202603174C23}" destId="{7D835161-4226-4479-B0C1-83C9A3E8DFD9}" srcOrd="1" destOrd="0" presId="urn:microsoft.com/office/officeart/2005/8/layout/hList1"/>
-  </dgm:cxnLst>
-  <dgm:bg/>
-  <dgm:whole/>
-  <dgm:extLst>
-    <a:ext uri="http://schemas.microsoft.com/office/drawing/2008/diagram">
-      <dsp:dataModelExt xmlns:dsp="http://schemas.microsoft.com/office/drawing/2008/diagram" relId="rId6" minVer="http://schemas.openxmlformats.org/drawingml/2006/diagram"/>
     </a:ext>
   </dgm:extLst>
 </dgm:dataModel>
@@ -6457,1579 +3354,6 @@
 </dsp:drawing>
 </file>
 
-<file path=ppt/diagrams/drawing2.xml><?xml version="1.0" encoding="utf-8"?>
-<dsp:drawing xmlns:dgm="http://schemas.openxmlformats.org/drawingml/2006/diagram" xmlns:dsp="http://schemas.microsoft.com/office/drawing/2008/diagram" xmlns:a="http://schemas.openxmlformats.org/drawingml/2006/main">
-  <dsp:spTree>
-    <dsp:nvGrpSpPr>
-      <dsp:cNvPr id="0" name=""/>
-      <dsp:cNvGrpSpPr/>
-    </dsp:nvGrpSpPr>
-    <dsp:grpSpPr/>
-    <dsp:sp modelId="{4400043D-669B-46D3-9E10-9F5C4438B9E7}">
-      <dsp:nvSpPr>
-        <dsp:cNvPr id="0" name=""/>
-        <dsp:cNvSpPr/>
-      </dsp:nvSpPr>
-      <dsp:spPr>
-        <a:xfrm>
-          <a:off x="2330" y="1080037"/>
-          <a:ext cx="1238065" cy="495226"/>
-        </a:xfrm>
-        <a:prstGeom prst="rect">
-          <a:avLst/>
-        </a:prstGeom>
-        <a:solidFill>
-          <a:srgbClr val="F8B620"/>
-        </a:solidFill>
-        <a:ln w="25400" cap="flat" cmpd="sng" algn="ctr">
-          <a:noFill/>
-          <a:prstDash val="solid"/>
-        </a:ln>
-        <a:effectLst/>
-      </dsp:spPr>
-      <dsp:style>
-        <a:lnRef idx="2">
-          <a:scrgbClr r="0" g="0" b="0"/>
-        </a:lnRef>
-        <a:fillRef idx="1">
-          <a:scrgbClr r="0" g="0" b="0"/>
-        </a:fillRef>
-        <a:effectRef idx="0">
-          <a:scrgbClr r="0" g="0" b="0"/>
-        </a:effectRef>
-        <a:fontRef idx="minor">
-          <a:schemeClr val="lt1"/>
-        </a:fontRef>
-      </dsp:style>
-      <dsp:txBody>
-        <a:bodyPr spcFirstLastPara="0" vert="horz" wrap="square" lIns="163576" tIns="93472" rIns="163576" bIns="93472" numCol="1" spcCol="1270" anchor="ctr" anchorCtr="0">
-          <a:noAutofit/>
-        </a:bodyPr>
-        <a:lstStyle/>
-        <a:p>
-          <a:pPr marL="0" lvl="0" indent="0" algn="ctr" defTabSz="1022350">
-            <a:lnSpc>
-              <a:spcPct val="90000"/>
-            </a:lnSpc>
-            <a:spcBef>
-              <a:spcPct val="0"/>
-            </a:spcBef>
-            <a:spcAft>
-              <a:spcPct val="35000"/>
-            </a:spcAft>
-            <a:buNone/>
-          </a:pPr>
-          <a:r>
-            <a:rPr lang="el-GR" sz="2300" kern="1200" dirty="0">
-              <a:latin typeface="Arial" panose="020B0604020202020204" pitchFamily="34" charset="0"/>
-              <a:cs typeface="Arial" panose="020B0604020202020204" pitchFamily="34" charset="0"/>
-            </a:rPr>
-            <a:t>α</a:t>
-          </a:r>
-          <a:endParaRPr lang="en-US" sz="2300" kern="1200" dirty="0"/>
-        </a:p>
-      </dsp:txBody>
-      <dsp:txXfrm>
-        <a:off x="2330" y="1080037"/>
-        <a:ext cx="1238065" cy="495226"/>
-      </dsp:txXfrm>
-    </dsp:sp>
-    <dsp:sp modelId="{590B61DD-AE10-4CEE-BF63-58B494273960}">
-      <dsp:nvSpPr>
-        <dsp:cNvPr id="0" name=""/>
-        <dsp:cNvSpPr/>
-      </dsp:nvSpPr>
-      <dsp:spPr>
-        <a:xfrm>
-          <a:off x="2330" y="1575263"/>
-          <a:ext cx="1238065" cy="1408699"/>
-        </a:xfrm>
-        <a:prstGeom prst="rect">
-          <a:avLst/>
-        </a:prstGeom>
-        <a:solidFill>
-          <a:schemeClr val="bg1">
-            <a:lumMod val="85000"/>
-          </a:schemeClr>
-        </a:solidFill>
-        <a:ln w="25400" cap="flat" cmpd="sng" algn="ctr">
-          <a:noFill/>
-          <a:prstDash val="solid"/>
-        </a:ln>
-        <a:effectLst/>
-      </dsp:spPr>
-      <dsp:style>
-        <a:lnRef idx="2">
-          <a:scrgbClr r="0" g="0" b="0"/>
-        </a:lnRef>
-        <a:fillRef idx="1">
-          <a:scrgbClr r="0" g="0" b="0"/>
-        </a:fillRef>
-        <a:effectRef idx="0">
-          <a:scrgbClr r="0" g="0" b="0"/>
-        </a:effectRef>
-        <a:fontRef idx="minor"/>
-      </dsp:style>
-      <dsp:txBody>
-        <a:bodyPr spcFirstLastPara="0" vert="horz" wrap="square" lIns="48006" tIns="48006" rIns="64008" bIns="72009" numCol="1" spcCol="1270" anchor="t" anchorCtr="0">
-          <a:noAutofit/>
-        </a:bodyPr>
-        <a:lstStyle/>
-        <a:p>
-          <a:pPr marL="57150" lvl="1" indent="-57150" algn="l" defTabSz="400050">
-            <a:lnSpc>
-              <a:spcPct val="90000"/>
-            </a:lnSpc>
-            <a:spcBef>
-              <a:spcPct val="0"/>
-            </a:spcBef>
-            <a:spcAft>
-              <a:spcPct val="15000"/>
-            </a:spcAft>
-            <a:buChar char="•"/>
-          </a:pPr>
-          <a:r>
-            <a:rPr lang="en-US" sz="900" u="none" kern="1200" dirty="0">
-              <a:solidFill>
-                <a:schemeClr val="bg2"/>
-              </a:solidFill>
-            </a:rPr>
-            <a:t>Xia, Chunqiu</a:t>
-          </a:r>
-        </a:p>
-        <a:p>
-          <a:pPr marL="57150" lvl="1" indent="-57150" algn="l" defTabSz="400050">
-            <a:lnSpc>
-              <a:spcPct val="90000"/>
-            </a:lnSpc>
-            <a:spcBef>
-              <a:spcPct val="0"/>
-            </a:spcBef>
-            <a:spcAft>
-              <a:spcPct val="15000"/>
-            </a:spcAft>
-            <a:buChar char="•"/>
-          </a:pPr>
-          <a:r>
-            <a:rPr lang="en-US" sz="900" u="none" kern="1200" dirty="0">
-              <a:solidFill>
-                <a:schemeClr val="bg2"/>
-              </a:solidFill>
-            </a:rPr>
-            <a:t>Xiao, Diwen</a:t>
-          </a:r>
-        </a:p>
-        <a:p>
-          <a:pPr marL="57150" lvl="1" indent="-57150" algn="l" defTabSz="400050">
-            <a:lnSpc>
-              <a:spcPct val="90000"/>
-            </a:lnSpc>
-            <a:spcBef>
-              <a:spcPct val="0"/>
-            </a:spcBef>
-            <a:spcAft>
-              <a:spcPct val="15000"/>
-            </a:spcAft>
-            <a:buChar char="•"/>
-          </a:pPr>
-          <a:r>
-            <a:rPr lang="en-US" sz="900" u="none" kern="1200" dirty="0">
-              <a:solidFill>
-                <a:schemeClr val="bg2"/>
-              </a:solidFill>
-            </a:rPr>
-            <a:t>Jiang, Jiang</a:t>
-          </a:r>
-        </a:p>
-        <a:p>
-          <a:pPr marL="57150" lvl="1" indent="-57150" algn="l" defTabSz="400050">
-            <a:lnSpc>
-              <a:spcPct val="90000"/>
-            </a:lnSpc>
-            <a:spcBef>
-              <a:spcPct val="0"/>
-            </a:spcBef>
-            <a:spcAft>
-              <a:spcPct val="15000"/>
-            </a:spcAft>
-            <a:buChar char="•"/>
-          </a:pPr>
-          <a:r>
-            <a:rPr lang="en-US" sz="900" u="none" kern="1200" dirty="0">
-              <a:solidFill>
-                <a:schemeClr val="bg2"/>
-              </a:solidFill>
-            </a:rPr>
-            <a:t>Kamtam, Nivedita</a:t>
-          </a:r>
-        </a:p>
-        <a:p>
-          <a:pPr marL="57150" lvl="1" indent="-57150" algn="l" defTabSz="400050">
-            <a:lnSpc>
-              <a:spcPct val="90000"/>
-            </a:lnSpc>
-            <a:spcBef>
-              <a:spcPct val="0"/>
-            </a:spcBef>
-            <a:spcAft>
-              <a:spcPct val="15000"/>
-            </a:spcAft>
-            <a:buChar char="•"/>
-          </a:pPr>
-          <a:r>
-            <a:rPr lang="en-US" sz="900" u="none" kern="1200" dirty="0">
-              <a:solidFill>
-                <a:schemeClr val="bg2"/>
-              </a:solidFill>
-            </a:rPr>
-            <a:t>Vavilala, Srivan</a:t>
-          </a:r>
-        </a:p>
-        <a:p>
-          <a:pPr marL="57150" lvl="1" indent="-57150" algn="l" defTabSz="400050">
-            <a:lnSpc>
-              <a:spcPct val="90000"/>
-            </a:lnSpc>
-            <a:spcBef>
-              <a:spcPct val="0"/>
-            </a:spcBef>
-            <a:spcAft>
-              <a:spcPct val="15000"/>
-            </a:spcAft>
-            <a:buChar char="•"/>
-          </a:pPr>
-          <a:r>
-            <a:rPr lang="en-US" sz="900" u="none" kern="1200" dirty="0">
-              <a:solidFill>
-                <a:schemeClr val="bg2"/>
-              </a:solidFill>
-            </a:rPr>
-            <a:t>Lai, Xinxin</a:t>
-          </a:r>
-        </a:p>
-      </dsp:txBody>
-      <dsp:txXfrm>
-        <a:off x="2330" y="1575263"/>
-        <a:ext cx="1238065" cy="1408699"/>
-      </dsp:txXfrm>
-    </dsp:sp>
-    <dsp:sp modelId="{E13F4923-CF18-44B1-905B-BC432DBEC217}">
-      <dsp:nvSpPr>
-        <dsp:cNvPr id="0" name=""/>
-        <dsp:cNvSpPr/>
-      </dsp:nvSpPr>
-      <dsp:spPr>
-        <a:xfrm>
-          <a:off x="1413725" y="1080037"/>
-          <a:ext cx="1238065" cy="495226"/>
-        </a:xfrm>
-        <a:prstGeom prst="rect">
-          <a:avLst/>
-        </a:prstGeom>
-        <a:solidFill>
-          <a:srgbClr val="57A337"/>
-        </a:solidFill>
-        <a:ln w="25400" cap="flat" cmpd="sng" algn="ctr">
-          <a:noFill/>
-          <a:prstDash val="solid"/>
-        </a:ln>
-        <a:effectLst/>
-      </dsp:spPr>
-      <dsp:style>
-        <a:lnRef idx="2">
-          <a:scrgbClr r="0" g="0" b="0"/>
-        </a:lnRef>
-        <a:fillRef idx="1">
-          <a:scrgbClr r="0" g="0" b="0"/>
-        </a:fillRef>
-        <a:effectRef idx="0">
-          <a:scrgbClr r="0" g="0" b="0"/>
-        </a:effectRef>
-        <a:fontRef idx="minor">
-          <a:schemeClr val="lt1"/>
-        </a:fontRef>
-      </dsp:style>
-      <dsp:txBody>
-        <a:bodyPr spcFirstLastPara="0" vert="horz" wrap="square" lIns="163576" tIns="93472" rIns="163576" bIns="93472" numCol="1" spcCol="1270" anchor="ctr" anchorCtr="0">
-          <a:noAutofit/>
-        </a:bodyPr>
-        <a:lstStyle/>
-        <a:p>
-          <a:pPr marL="0" lvl="0" indent="0" algn="ctr" defTabSz="1022350">
-            <a:lnSpc>
-              <a:spcPct val="90000"/>
-            </a:lnSpc>
-            <a:spcBef>
-              <a:spcPct val="0"/>
-            </a:spcBef>
-            <a:spcAft>
-              <a:spcPct val="35000"/>
-            </a:spcAft>
-            <a:buNone/>
-          </a:pPr>
-          <a:r>
-            <a:rPr lang="el-GR" sz="2300" kern="1200" dirty="0">
-              <a:latin typeface="Arial" panose="020B0604020202020204" pitchFamily="34" charset="0"/>
-              <a:cs typeface="Arial" panose="020B0604020202020204" pitchFamily="34" charset="0"/>
-            </a:rPr>
-            <a:t>β</a:t>
-          </a:r>
-          <a:endParaRPr lang="en-US" sz="2300" kern="1200" dirty="0"/>
-        </a:p>
-      </dsp:txBody>
-      <dsp:txXfrm>
-        <a:off x="1413725" y="1080037"/>
-        <a:ext cx="1238065" cy="495226"/>
-      </dsp:txXfrm>
-    </dsp:sp>
-    <dsp:sp modelId="{05252447-74B7-41C2-BF07-F2B1CBCB0AF5}">
-      <dsp:nvSpPr>
-        <dsp:cNvPr id="0" name=""/>
-        <dsp:cNvSpPr/>
-      </dsp:nvSpPr>
-      <dsp:spPr>
-        <a:xfrm>
-          <a:off x="1413725" y="1575263"/>
-          <a:ext cx="1238065" cy="1408699"/>
-        </a:xfrm>
-        <a:prstGeom prst="rect">
-          <a:avLst/>
-        </a:prstGeom>
-        <a:solidFill>
-          <a:schemeClr val="bg1">
-            <a:lumMod val="85000"/>
-          </a:schemeClr>
-        </a:solidFill>
-        <a:ln w="25400" cap="flat" cmpd="sng" algn="ctr">
-          <a:noFill/>
-          <a:prstDash val="solid"/>
-        </a:ln>
-        <a:effectLst/>
-      </dsp:spPr>
-      <dsp:style>
-        <a:lnRef idx="2">
-          <a:scrgbClr r="0" g="0" b="0"/>
-        </a:lnRef>
-        <a:fillRef idx="1">
-          <a:scrgbClr r="0" g="0" b="0"/>
-        </a:fillRef>
-        <a:effectRef idx="0">
-          <a:scrgbClr r="0" g="0" b="0"/>
-        </a:effectRef>
-        <a:fontRef idx="minor"/>
-      </dsp:style>
-      <dsp:txBody>
-        <a:bodyPr spcFirstLastPara="0" vert="horz" wrap="square" lIns="48006" tIns="48006" rIns="64008" bIns="72009" numCol="1" spcCol="1270" anchor="t" anchorCtr="0">
-          <a:noAutofit/>
-        </a:bodyPr>
-        <a:lstStyle/>
-        <a:p>
-          <a:pPr marL="57150" lvl="1" indent="-57150" algn="l" defTabSz="400050">
-            <a:lnSpc>
-              <a:spcPct val="90000"/>
-            </a:lnSpc>
-            <a:spcBef>
-              <a:spcPct val="0"/>
-            </a:spcBef>
-            <a:spcAft>
-              <a:spcPct val="15000"/>
-            </a:spcAft>
-            <a:buChar char="•"/>
-          </a:pPr>
-          <a:r>
-            <a:rPr lang="en-US" sz="900" u="none" kern="1200" dirty="0">
-              <a:solidFill>
-                <a:schemeClr val="bg2"/>
-              </a:solidFill>
-            </a:rPr>
-            <a:t>Gulley, Alexander J.</a:t>
-          </a:r>
-        </a:p>
-        <a:p>
-          <a:pPr marL="57150" lvl="1" indent="-57150" algn="l" defTabSz="400050">
-            <a:lnSpc>
-              <a:spcPct val="90000"/>
-            </a:lnSpc>
-            <a:spcBef>
-              <a:spcPct val="0"/>
-            </a:spcBef>
-            <a:spcAft>
-              <a:spcPct val="15000"/>
-            </a:spcAft>
-            <a:buChar char="•"/>
-          </a:pPr>
-          <a:r>
-            <a:rPr lang="en-US" sz="900" u="none" kern="1200" dirty="0">
-              <a:solidFill>
-                <a:schemeClr val="bg2"/>
-              </a:solidFill>
-            </a:rPr>
-            <a:t>Kuppusamy, Balavigneswaran</a:t>
-          </a:r>
-        </a:p>
-        <a:p>
-          <a:pPr marL="57150" lvl="1" indent="-57150" algn="l" defTabSz="400050">
-            <a:lnSpc>
-              <a:spcPct val="90000"/>
-            </a:lnSpc>
-            <a:spcBef>
-              <a:spcPct val="0"/>
-            </a:spcBef>
-            <a:spcAft>
-              <a:spcPct val="15000"/>
-            </a:spcAft>
-            <a:buChar char="•"/>
-          </a:pPr>
-          <a:r>
-            <a:rPr lang="en-US" sz="900" u="none" kern="1200" dirty="0">
-              <a:solidFill>
-                <a:schemeClr val="bg2"/>
-              </a:solidFill>
-            </a:rPr>
-            <a:t>Sheng, Haomin</a:t>
-          </a:r>
-        </a:p>
-        <a:p>
-          <a:pPr marL="57150" lvl="1" indent="-57150" algn="l" defTabSz="400050">
-            <a:lnSpc>
-              <a:spcPct val="90000"/>
-            </a:lnSpc>
-            <a:spcBef>
-              <a:spcPct val="0"/>
-            </a:spcBef>
-            <a:spcAft>
-              <a:spcPct val="15000"/>
-            </a:spcAft>
-            <a:buChar char="•"/>
-          </a:pPr>
-          <a:r>
-            <a:rPr lang="en-US" sz="900" u="none" kern="1200" dirty="0">
-              <a:solidFill>
-                <a:schemeClr val="bg2"/>
-              </a:solidFill>
-            </a:rPr>
-            <a:t>Lei, Jiamin</a:t>
-          </a:r>
-        </a:p>
-        <a:p>
-          <a:pPr marL="57150" lvl="1" indent="-57150" algn="l" defTabSz="400050">
-            <a:lnSpc>
-              <a:spcPct val="90000"/>
-            </a:lnSpc>
-            <a:spcBef>
-              <a:spcPct val="0"/>
-            </a:spcBef>
-            <a:spcAft>
-              <a:spcPct val="15000"/>
-            </a:spcAft>
-            <a:buChar char="•"/>
-          </a:pPr>
-          <a:r>
-            <a:rPr lang="en-US" sz="900" u="none" kern="1200" dirty="0">
-              <a:solidFill>
-                <a:schemeClr val="bg2"/>
-              </a:solidFill>
-            </a:rPr>
-            <a:t>Huang, Lei</a:t>
-          </a:r>
-        </a:p>
-        <a:p>
-          <a:pPr marL="57150" lvl="1" indent="-57150" algn="l" defTabSz="400050">
-            <a:lnSpc>
-              <a:spcPct val="90000"/>
-            </a:lnSpc>
-            <a:spcBef>
-              <a:spcPct val="0"/>
-            </a:spcBef>
-            <a:spcAft>
-              <a:spcPct val="15000"/>
-            </a:spcAft>
-            <a:buChar char="•"/>
-          </a:pPr>
-          <a:r>
-            <a:rPr lang="en-US" sz="900" u="none" kern="1200" dirty="0">
-              <a:solidFill>
-                <a:schemeClr val="bg2"/>
-              </a:solidFill>
-            </a:rPr>
-            <a:t>Zheng, Wen</a:t>
-          </a:r>
-        </a:p>
-      </dsp:txBody>
-      <dsp:txXfrm>
-        <a:off x="1413725" y="1575263"/>
-        <a:ext cx="1238065" cy="1408699"/>
-      </dsp:txXfrm>
-    </dsp:sp>
-    <dsp:sp modelId="{6DEBCD8C-A6E4-41CD-8168-392DF4CA4522}">
-      <dsp:nvSpPr>
-        <dsp:cNvPr id="0" name=""/>
-        <dsp:cNvSpPr/>
-      </dsp:nvSpPr>
-      <dsp:spPr>
-        <a:xfrm>
-          <a:off x="2825119" y="1080037"/>
-          <a:ext cx="1238065" cy="495226"/>
-        </a:xfrm>
-        <a:prstGeom prst="rect">
-          <a:avLst/>
-        </a:prstGeom>
-        <a:solidFill>
-          <a:srgbClr val="21B087"/>
-        </a:solidFill>
-        <a:ln w="25400" cap="flat" cmpd="sng" algn="ctr">
-          <a:noFill/>
-          <a:prstDash val="solid"/>
-        </a:ln>
-        <a:effectLst/>
-      </dsp:spPr>
-      <dsp:style>
-        <a:lnRef idx="2">
-          <a:scrgbClr r="0" g="0" b="0"/>
-        </a:lnRef>
-        <a:fillRef idx="1">
-          <a:scrgbClr r="0" g="0" b="0"/>
-        </a:fillRef>
-        <a:effectRef idx="0">
-          <a:scrgbClr r="0" g="0" b="0"/>
-        </a:effectRef>
-        <a:fontRef idx="minor">
-          <a:schemeClr val="lt1"/>
-        </a:fontRef>
-      </dsp:style>
-      <dsp:txBody>
-        <a:bodyPr spcFirstLastPara="0" vert="horz" wrap="square" lIns="163576" tIns="93472" rIns="163576" bIns="93472" numCol="1" spcCol="1270" anchor="ctr" anchorCtr="0">
-          <a:noAutofit/>
-        </a:bodyPr>
-        <a:lstStyle/>
-        <a:p>
-          <a:pPr marL="0" lvl="0" indent="0" algn="ctr" defTabSz="1022350">
-            <a:lnSpc>
-              <a:spcPct val="90000"/>
-            </a:lnSpc>
-            <a:spcBef>
-              <a:spcPct val="0"/>
-            </a:spcBef>
-            <a:spcAft>
-              <a:spcPct val="35000"/>
-            </a:spcAft>
-            <a:buNone/>
-          </a:pPr>
-          <a:r>
-            <a:rPr lang="el-GR" sz="2300" kern="1200" dirty="0">
-              <a:latin typeface="Arial" panose="020B0604020202020204" pitchFamily="34" charset="0"/>
-              <a:cs typeface="Arial" panose="020B0604020202020204" pitchFamily="34" charset="0"/>
-            </a:rPr>
-            <a:t>γ</a:t>
-          </a:r>
-          <a:endParaRPr lang="en-US" sz="2300" kern="1200" dirty="0"/>
-        </a:p>
-      </dsp:txBody>
-      <dsp:txXfrm>
-        <a:off x="2825119" y="1080037"/>
-        <a:ext cx="1238065" cy="495226"/>
-      </dsp:txXfrm>
-    </dsp:sp>
-    <dsp:sp modelId="{513AA8AA-21E8-43AE-8ECE-7E0ADD6CDC21}">
-      <dsp:nvSpPr>
-        <dsp:cNvPr id="0" name=""/>
-        <dsp:cNvSpPr/>
-      </dsp:nvSpPr>
-      <dsp:spPr>
-        <a:xfrm>
-          <a:off x="2825119" y="1575263"/>
-          <a:ext cx="1238065" cy="1408699"/>
-        </a:xfrm>
-        <a:prstGeom prst="rect">
-          <a:avLst/>
-        </a:prstGeom>
-        <a:solidFill>
-          <a:schemeClr val="bg1">
-            <a:lumMod val="85000"/>
-          </a:schemeClr>
-        </a:solidFill>
-        <a:ln w="25400" cap="flat" cmpd="sng" algn="ctr">
-          <a:noFill/>
-          <a:prstDash val="solid"/>
-        </a:ln>
-        <a:effectLst/>
-      </dsp:spPr>
-      <dsp:style>
-        <a:lnRef idx="2">
-          <a:scrgbClr r="0" g="0" b="0"/>
-        </a:lnRef>
-        <a:fillRef idx="1">
-          <a:scrgbClr r="0" g="0" b="0"/>
-        </a:fillRef>
-        <a:effectRef idx="0">
-          <a:scrgbClr r="0" g="0" b="0"/>
-        </a:effectRef>
-        <a:fontRef idx="minor"/>
-      </dsp:style>
-      <dsp:txBody>
-        <a:bodyPr spcFirstLastPara="0" vert="horz" wrap="square" lIns="48006" tIns="48006" rIns="64008" bIns="72009" numCol="1" spcCol="1270" anchor="t" anchorCtr="0">
-          <a:noAutofit/>
-        </a:bodyPr>
-        <a:lstStyle/>
-        <a:p>
-          <a:pPr marL="57150" lvl="1" indent="-57150" algn="l" defTabSz="400050">
-            <a:lnSpc>
-              <a:spcPct val="90000"/>
-            </a:lnSpc>
-            <a:spcBef>
-              <a:spcPct val="0"/>
-            </a:spcBef>
-            <a:spcAft>
-              <a:spcPct val="15000"/>
-            </a:spcAft>
-            <a:buChar char="•"/>
-          </a:pPr>
-          <a:r>
-            <a:rPr lang="en-US" sz="900" u="none" kern="1200" dirty="0" err="1">
-              <a:solidFill>
-                <a:schemeClr val="bg2"/>
-              </a:solidFill>
-            </a:rPr>
-            <a:t>Kanumuri</a:t>
-          </a:r>
-          <a:r>
-            <a:rPr lang="en-US" sz="900" u="none" kern="1200" dirty="0">
-              <a:solidFill>
-                <a:schemeClr val="bg2"/>
-              </a:solidFill>
-            </a:rPr>
-            <a:t>, </a:t>
-          </a:r>
-          <a:r>
-            <a:rPr lang="en-US" sz="900" u="none" kern="1200" dirty="0" err="1">
-              <a:solidFill>
-                <a:schemeClr val="bg2"/>
-              </a:solidFill>
-            </a:rPr>
-            <a:t>Akshata</a:t>
-          </a:r>
-          <a:r>
-            <a:rPr lang="en-US" sz="900" u="none" kern="1200" dirty="0">
-              <a:solidFill>
-                <a:schemeClr val="bg2"/>
-              </a:solidFill>
-            </a:rPr>
-            <a:t> L.</a:t>
-          </a:r>
-        </a:p>
-        <a:p>
-          <a:pPr marL="57150" lvl="1" indent="-57150" algn="l" defTabSz="400050">
-            <a:lnSpc>
-              <a:spcPct val="90000"/>
-            </a:lnSpc>
-            <a:spcBef>
-              <a:spcPct val="0"/>
-            </a:spcBef>
-            <a:spcAft>
-              <a:spcPct val="15000"/>
-            </a:spcAft>
-            <a:buChar char="•"/>
-          </a:pPr>
-          <a:r>
-            <a:rPr lang="en-US" sz="900" u="none" kern="1200">
-              <a:solidFill>
-                <a:schemeClr val="bg2"/>
-              </a:solidFill>
-            </a:rPr>
-            <a:t>Vellore Prabhakar, Krithika</a:t>
-          </a:r>
-        </a:p>
-        <a:p>
-          <a:pPr marL="57150" lvl="1" indent="-57150" algn="l" defTabSz="400050">
-            <a:lnSpc>
-              <a:spcPct val="90000"/>
-            </a:lnSpc>
-            <a:spcBef>
-              <a:spcPct val="0"/>
-            </a:spcBef>
-            <a:spcAft>
-              <a:spcPct val="15000"/>
-            </a:spcAft>
-            <a:buChar char="•"/>
-          </a:pPr>
-          <a:r>
-            <a:rPr lang="en-US" sz="900" u="none" kern="1200">
-              <a:solidFill>
-                <a:schemeClr val="bg2"/>
-              </a:solidFill>
-            </a:rPr>
-            <a:t>Singaravel, Muralidharan</a:t>
-          </a:r>
-        </a:p>
-        <a:p>
-          <a:pPr marL="57150" lvl="1" indent="-57150" algn="l" defTabSz="400050">
-            <a:lnSpc>
-              <a:spcPct val="90000"/>
-            </a:lnSpc>
-            <a:spcBef>
-              <a:spcPct val="0"/>
-            </a:spcBef>
-            <a:spcAft>
-              <a:spcPct val="15000"/>
-            </a:spcAft>
-            <a:buChar char="•"/>
-          </a:pPr>
-          <a:r>
-            <a:rPr lang="en-US" sz="900" u="none" kern="1200">
-              <a:solidFill>
-                <a:schemeClr val="bg2"/>
-              </a:solidFill>
-            </a:rPr>
-            <a:t>Ramakrishnan, Sthanu Subramanian</a:t>
-          </a:r>
-        </a:p>
-        <a:p>
-          <a:pPr marL="57150" lvl="1" indent="-57150" algn="l" defTabSz="400050">
-            <a:lnSpc>
-              <a:spcPct val="90000"/>
-            </a:lnSpc>
-            <a:spcBef>
-              <a:spcPct val="0"/>
-            </a:spcBef>
-            <a:spcAft>
-              <a:spcPct val="15000"/>
-            </a:spcAft>
-            <a:buChar char="•"/>
-          </a:pPr>
-          <a:r>
-            <a:rPr lang="en-US" sz="900" u="none" kern="1200">
-              <a:solidFill>
-                <a:schemeClr val="bg2"/>
-              </a:solidFill>
-            </a:rPr>
-            <a:t>Sharma, Tarun</a:t>
-          </a:r>
-        </a:p>
-      </dsp:txBody>
-      <dsp:txXfrm>
-        <a:off x="2825119" y="1575263"/>
-        <a:ext cx="1238065" cy="1408699"/>
-      </dsp:txXfrm>
-    </dsp:sp>
-    <dsp:sp modelId="{68E83615-2307-4DE7-AE11-DF061590090C}">
-      <dsp:nvSpPr>
-        <dsp:cNvPr id="0" name=""/>
-        <dsp:cNvSpPr/>
-      </dsp:nvSpPr>
-      <dsp:spPr>
-        <a:xfrm>
-          <a:off x="4236514" y="1080037"/>
-          <a:ext cx="1238065" cy="495226"/>
-        </a:xfrm>
-        <a:prstGeom prst="rect">
-          <a:avLst/>
-        </a:prstGeom>
-        <a:solidFill>
-          <a:srgbClr val="1BA3C6"/>
-        </a:solidFill>
-        <a:ln w="25400" cap="flat" cmpd="sng" algn="ctr">
-          <a:noFill/>
-          <a:prstDash val="solid"/>
-        </a:ln>
-        <a:effectLst/>
-      </dsp:spPr>
-      <dsp:style>
-        <a:lnRef idx="2">
-          <a:scrgbClr r="0" g="0" b="0"/>
-        </a:lnRef>
-        <a:fillRef idx="1">
-          <a:scrgbClr r="0" g="0" b="0"/>
-        </a:fillRef>
-        <a:effectRef idx="0">
-          <a:scrgbClr r="0" g="0" b="0"/>
-        </a:effectRef>
-        <a:fontRef idx="minor">
-          <a:schemeClr val="lt1"/>
-        </a:fontRef>
-      </dsp:style>
-      <dsp:txBody>
-        <a:bodyPr spcFirstLastPara="0" vert="horz" wrap="square" lIns="163576" tIns="93472" rIns="163576" bIns="93472" numCol="1" spcCol="1270" anchor="ctr" anchorCtr="0">
-          <a:noAutofit/>
-        </a:bodyPr>
-        <a:lstStyle/>
-        <a:p>
-          <a:pPr marL="0" lvl="0" indent="0" algn="ctr" defTabSz="1022350">
-            <a:lnSpc>
-              <a:spcPct val="90000"/>
-            </a:lnSpc>
-            <a:spcBef>
-              <a:spcPct val="0"/>
-            </a:spcBef>
-            <a:spcAft>
-              <a:spcPct val="35000"/>
-            </a:spcAft>
-            <a:buNone/>
-          </a:pPr>
-          <a:r>
-            <a:rPr lang="el-GR" sz="2300" kern="1200" dirty="0">
-              <a:latin typeface="Arial" panose="020B0604020202020204" pitchFamily="34" charset="0"/>
-              <a:cs typeface="Arial" panose="020B0604020202020204" pitchFamily="34" charset="0"/>
-            </a:rPr>
-            <a:t>δ</a:t>
-          </a:r>
-          <a:endParaRPr lang="en-US" sz="2300" kern="1200" dirty="0"/>
-        </a:p>
-      </dsp:txBody>
-      <dsp:txXfrm>
-        <a:off x="4236514" y="1080037"/>
-        <a:ext cx="1238065" cy="495226"/>
-      </dsp:txXfrm>
-    </dsp:sp>
-    <dsp:sp modelId="{AD9AFA8B-4E5D-421F-8B0C-CA365C16DA1E}">
-      <dsp:nvSpPr>
-        <dsp:cNvPr id="0" name=""/>
-        <dsp:cNvSpPr/>
-      </dsp:nvSpPr>
-      <dsp:spPr>
-        <a:xfrm>
-          <a:off x="4236514" y="1575263"/>
-          <a:ext cx="1238065" cy="1408699"/>
-        </a:xfrm>
-        <a:prstGeom prst="rect">
-          <a:avLst/>
-        </a:prstGeom>
-        <a:solidFill>
-          <a:schemeClr val="bg1">
-            <a:lumMod val="85000"/>
-          </a:schemeClr>
-        </a:solidFill>
-        <a:ln w="25400" cap="flat" cmpd="sng" algn="ctr">
-          <a:noFill/>
-          <a:prstDash val="solid"/>
-        </a:ln>
-        <a:effectLst/>
-      </dsp:spPr>
-      <dsp:style>
-        <a:lnRef idx="2">
-          <a:scrgbClr r="0" g="0" b="0"/>
-        </a:lnRef>
-        <a:fillRef idx="1">
-          <a:scrgbClr r="0" g="0" b="0"/>
-        </a:fillRef>
-        <a:effectRef idx="0">
-          <a:scrgbClr r="0" g="0" b="0"/>
-        </a:effectRef>
-        <a:fontRef idx="minor"/>
-      </dsp:style>
-      <dsp:txBody>
-        <a:bodyPr spcFirstLastPara="0" vert="horz" wrap="square" lIns="48006" tIns="48006" rIns="64008" bIns="72009" numCol="1" spcCol="1270" anchor="t" anchorCtr="0">
-          <a:noAutofit/>
-        </a:bodyPr>
-        <a:lstStyle/>
-        <a:p>
-          <a:pPr marL="57150" lvl="1" indent="-57150" algn="l" defTabSz="400050">
-            <a:lnSpc>
-              <a:spcPct val="90000"/>
-            </a:lnSpc>
-            <a:spcBef>
-              <a:spcPct val="0"/>
-            </a:spcBef>
-            <a:spcAft>
-              <a:spcPct val="15000"/>
-            </a:spcAft>
-            <a:buChar char="•"/>
-          </a:pPr>
-          <a:r>
-            <a:rPr lang="en-US" sz="900" u="none" kern="1200">
-              <a:solidFill>
-                <a:schemeClr val="bg2"/>
-              </a:solidFill>
-            </a:rPr>
-            <a:t>Osei-Fosu, Augustine K.</a:t>
-          </a:r>
-          <a:endParaRPr lang="en-US" sz="900" u="none" kern="1200" dirty="0">
-            <a:solidFill>
-              <a:schemeClr val="bg2"/>
-            </a:solidFill>
-          </a:endParaRPr>
-        </a:p>
-        <a:p>
-          <a:pPr marL="57150" lvl="1" indent="-57150" algn="l" defTabSz="400050">
-            <a:lnSpc>
-              <a:spcPct val="90000"/>
-            </a:lnSpc>
-            <a:spcBef>
-              <a:spcPct val="0"/>
-            </a:spcBef>
-            <a:spcAft>
-              <a:spcPct val="15000"/>
-            </a:spcAft>
-            <a:buChar char="•"/>
-          </a:pPr>
-          <a:r>
-            <a:rPr lang="en-US" sz="900" u="none" kern="1200">
-              <a:solidFill>
-                <a:schemeClr val="bg2"/>
-              </a:solidFill>
-            </a:rPr>
-            <a:t>Cope, Blake W.</a:t>
-          </a:r>
-        </a:p>
-        <a:p>
-          <a:pPr marL="57150" lvl="1" indent="-57150" algn="l" defTabSz="400050">
-            <a:lnSpc>
-              <a:spcPct val="90000"/>
-            </a:lnSpc>
-            <a:spcBef>
-              <a:spcPct val="0"/>
-            </a:spcBef>
-            <a:spcAft>
-              <a:spcPct val="15000"/>
-            </a:spcAft>
-            <a:buChar char="•"/>
-          </a:pPr>
-          <a:r>
-            <a:rPr lang="en-US" sz="900" u="none" kern="1200">
-              <a:solidFill>
-                <a:schemeClr val="bg2"/>
-              </a:solidFill>
-            </a:rPr>
-            <a:t>Helfrich, Eric</a:t>
-          </a:r>
-        </a:p>
-        <a:p>
-          <a:pPr marL="57150" lvl="1" indent="-57150" algn="l" defTabSz="400050">
-            <a:lnSpc>
-              <a:spcPct val="90000"/>
-            </a:lnSpc>
-            <a:spcBef>
-              <a:spcPct val="0"/>
-            </a:spcBef>
-            <a:spcAft>
-              <a:spcPct val="15000"/>
-            </a:spcAft>
-            <a:buChar char="•"/>
-          </a:pPr>
-          <a:r>
-            <a:rPr lang="en-US" sz="900" u="none" kern="1200">
-              <a:solidFill>
-                <a:schemeClr val="bg2"/>
-              </a:solidFill>
-            </a:rPr>
-            <a:t>Ranjbar, Layla P.</a:t>
-          </a:r>
-        </a:p>
-        <a:p>
-          <a:pPr marL="57150" lvl="1" indent="-57150" algn="l" defTabSz="400050">
-            <a:lnSpc>
-              <a:spcPct val="90000"/>
-            </a:lnSpc>
-            <a:spcBef>
-              <a:spcPct val="0"/>
-            </a:spcBef>
-            <a:spcAft>
-              <a:spcPct val="15000"/>
-            </a:spcAft>
-            <a:buChar char="•"/>
-          </a:pPr>
-          <a:r>
-            <a:rPr lang="en-US" sz="900" u="none" kern="1200">
-              <a:solidFill>
-                <a:schemeClr val="bg2"/>
-              </a:solidFill>
-            </a:rPr>
-            <a:t>Joy, Noble</a:t>
-          </a:r>
-        </a:p>
-        <a:p>
-          <a:pPr marL="57150" lvl="1" indent="-57150" algn="l" defTabSz="400050">
-            <a:lnSpc>
-              <a:spcPct val="90000"/>
-            </a:lnSpc>
-            <a:spcBef>
-              <a:spcPct val="0"/>
-            </a:spcBef>
-            <a:spcAft>
-              <a:spcPct val="15000"/>
-            </a:spcAft>
-            <a:buChar char="•"/>
-          </a:pPr>
-          <a:r>
-            <a:rPr lang="en-US" sz="900" u="none" kern="1200">
-              <a:solidFill>
-                <a:schemeClr val="bg2"/>
-              </a:solidFill>
-            </a:rPr>
-            <a:t>Thomas, Philip</a:t>
-          </a:r>
-        </a:p>
-      </dsp:txBody>
-      <dsp:txXfrm>
-        <a:off x="4236514" y="1575263"/>
-        <a:ext cx="1238065" cy="1408699"/>
-      </dsp:txXfrm>
-    </dsp:sp>
-    <dsp:sp modelId="{5C256E35-3BD2-44C8-929B-E59C85B7C175}">
-      <dsp:nvSpPr>
-        <dsp:cNvPr id="0" name=""/>
-        <dsp:cNvSpPr/>
-      </dsp:nvSpPr>
-      <dsp:spPr>
-        <a:xfrm>
-          <a:off x="5647909" y="1080037"/>
-          <a:ext cx="1238065" cy="495226"/>
-        </a:xfrm>
-        <a:prstGeom prst="rect">
-          <a:avLst/>
-        </a:prstGeom>
-        <a:solidFill>
-          <a:srgbClr val="A26DC2"/>
-        </a:solidFill>
-        <a:ln w="25400" cap="flat" cmpd="sng" algn="ctr">
-          <a:noFill/>
-          <a:prstDash val="solid"/>
-        </a:ln>
-        <a:effectLst/>
-      </dsp:spPr>
-      <dsp:style>
-        <a:lnRef idx="2">
-          <a:scrgbClr r="0" g="0" b="0"/>
-        </a:lnRef>
-        <a:fillRef idx="1">
-          <a:scrgbClr r="0" g="0" b="0"/>
-        </a:fillRef>
-        <a:effectRef idx="0">
-          <a:scrgbClr r="0" g="0" b="0"/>
-        </a:effectRef>
-        <a:fontRef idx="minor">
-          <a:schemeClr val="lt1"/>
-        </a:fontRef>
-      </dsp:style>
-      <dsp:txBody>
-        <a:bodyPr spcFirstLastPara="0" vert="horz" wrap="square" lIns="163576" tIns="93472" rIns="163576" bIns="93472" numCol="1" spcCol="1270" anchor="ctr" anchorCtr="0">
-          <a:noAutofit/>
-        </a:bodyPr>
-        <a:lstStyle/>
-        <a:p>
-          <a:pPr marL="0" lvl="0" indent="0" algn="ctr" defTabSz="1022350">
-            <a:lnSpc>
-              <a:spcPct val="90000"/>
-            </a:lnSpc>
-            <a:spcBef>
-              <a:spcPct val="0"/>
-            </a:spcBef>
-            <a:spcAft>
-              <a:spcPct val="35000"/>
-            </a:spcAft>
-            <a:buNone/>
-          </a:pPr>
-          <a:r>
-            <a:rPr lang="el-GR" sz="2300" kern="1200" dirty="0">
-              <a:latin typeface="Arial" panose="020B0604020202020204" pitchFamily="34" charset="0"/>
-              <a:cs typeface="Arial" panose="020B0604020202020204" pitchFamily="34" charset="0"/>
-            </a:rPr>
-            <a:t>ε</a:t>
-          </a:r>
-          <a:endParaRPr lang="en-US" sz="2300" kern="1200" dirty="0"/>
-        </a:p>
-      </dsp:txBody>
-      <dsp:txXfrm>
-        <a:off x="5647909" y="1080037"/>
-        <a:ext cx="1238065" cy="495226"/>
-      </dsp:txXfrm>
-    </dsp:sp>
-    <dsp:sp modelId="{4E5830D2-F8E5-4969-982F-FC8E7B831586}">
-      <dsp:nvSpPr>
-        <dsp:cNvPr id="0" name=""/>
-        <dsp:cNvSpPr/>
-      </dsp:nvSpPr>
-      <dsp:spPr>
-        <a:xfrm>
-          <a:off x="5647909" y="1575263"/>
-          <a:ext cx="1238065" cy="1408699"/>
-        </a:xfrm>
-        <a:prstGeom prst="rect">
-          <a:avLst/>
-        </a:prstGeom>
-        <a:solidFill>
-          <a:schemeClr val="bg1">
-            <a:lumMod val="85000"/>
-          </a:schemeClr>
-        </a:solidFill>
-        <a:ln w="25400" cap="flat" cmpd="sng" algn="ctr">
-          <a:noFill/>
-          <a:prstDash val="solid"/>
-        </a:ln>
-        <a:effectLst/>
-      </dsp:spPr>
-      <dsp:style>
-        <a:lnRef idx="2">
-          <a:scrgbClr r="0" g="0" b="0"/>
-        </a:lnRef>
-        <a:fillRef idx="1">
-          <a:scrgbClr r="0" g="0" b="0"/>
-        </a:fillRef>
-        <a:effectRef idx="0">
-          <a:scrgbClr r="0" g="0" b="0"/>
-        </a:effectRef>
-        <a:fontRef idx="minor"/>
-      </dsp:style>
-      <dsp:txBody>
-        <a:bodyPr spcFirstLastPara="0" vert="horz" wrap="square" lIns="48006" tIns="48006" rIns="64008" bIns="72009" numCol="1" spcCol="1270" anchor="t" anchorCtr="0">
-          <a:noAutofit/>
-        </a:bodyPr>
-        <a:lstStyle/>
-        <a:p>
-          <a:pPr marL="57150" lvl="1" indent="-57150" algn="l" defTabSz="400050">
-            <a:lnSpc>
-              <a:spcPct val="90000"/>
-            </a:lnSpc>
-            <a:spcBef>
-              <a:spcPct val="0"/>
-            </a:spcBef>
-            <a:spcAft>
-              <a:spcPct val="15000"/>
-            </a:spcAft>
-            <a:buChar char="•"/>
-          </a:pPr>
-          <a:r>
-            <a:rPr lang="en-US" sz="900" u="none" kern="1200">
-              <a:solidFill>
-                <a:schemeClr val="bg2"/>
-              </a:solidFill>
-            </a:rPr>
-            <a:t>Garg, Divya</a:t>
-          </a:r>
-          <a:endParaRPr lang="en-US" sz="900" u="none" kern="1200" dirty="0">
-            <a:solidFill>
-              <a:schemeClr val="bg2"/>
-            </a:solidFill>
-          </a:endParaRPr>
-        </a:p>
-        <a:p>
-          <a:pPr marL="57150" lvl="1" indent="-57150" algn="l" defTabSz="400050">
-            <a:lnSpc>
-              <a:spcPct val="90000"/>
-            </a:lnSpc>
-            <a:spcBef>
-              <a:spcPct val="0"/>
-            </a:spcBef>
-            <a:spcAft>
-              <a:spcPct val="15000"/>
-            </a:spcAft>
-            <a:buChar char="•"/>
-          </a:pPr>
-          <a:r>
-            <a:rPr lang="en-US" sz="900" u="none" kern="1200">
-              <a:solidFill>
-                <a:schemeClr val="bg2"/>
-              </a:solidFill>
-            </a:rPr>
-            <a:t>Chavan, Kshitija</a:t>
-          </a:r>
-        </a:p>
-        <a:p>
-          <a:pPr marL="57150" lvl="1" indent="-57150" algn="l" defTabSz="400050">
-            <a:lnSpc>
-              <a:spcPct val="90000"/>
-            </a:lnSpc>
-            <a:spcBef>
-              <a:spcPct val="0"/>
-            </a:spcBef>
-            <a:spcAft>
-              <a:spcPct val="15000"/>
-            </a:spcAft>
-            <a:buChar char="•"/>
-          </a:pPr>
-          <a:r>
-            <a:rPr lang="en-US" sz="900" u="none" kern="1200" dirty="0" err="1">
-              <a:solidFill>
-                <a:schemeClr val="bg2"/>
-              </a:solidFill>
-            </a:rPr>
-            <a:t>Kurundachalam</a:t>
-          </a:r>
-          <a:r>
-            <a:rPr lang="en-US" sz="900" u="none" kern="1200" dirty="0">
-              <a:solidFill>
-                <a:schemeClr val="bg2"/>
-              </a:solidFill>
-            </a:rPr>
-            <a:t>, </a:t>
-          </a:r>
-          <a:r>
-            <a:rPr lang="en-US" sz="900" u="none" kern="1200" dirty="0" err="1">
-              <a:solidFill>
-                <a:schemeClr val="bg2"/>
-              </a:solidFill>
-            </a:rPr>
-            <a:t>Muraleetharan</a:t>
-          </a:r>
-          <a:endParaRPr lang="en-US" sz="900" u="none" kern="1200" dirty="0">
-            <a:solidFill>
-              <a:schemeClr val="bg2"/>
-            </a:solidFill>
-          </a:endParaRPr>
-        </a:p>
-        <a:p>
-          <a:pPr marL="57150" lvl="1" indent="-57150" algn="l" defTabSz="400050">
-            <a:lnSpc>
-              <a:spcPct val="90000"/>
-            </a:lnSpc>
-            <a:spcBef>
-              <a:spcPct val="0"/>
-            </a:spcBef>
-            <a:spcAft>
-              <a:spcPct val="15000"/>
-            </a:spcAft>
-            <a:buChar char="•"/>
-          </a:pPr>
-          <a:r>
-            <a:rPr lang="en-US" sz="900" u="none" kern="1200" dirty="0" err="1">
-              <a:solidFill>
-                <a:schemeClr val="bg2"/>
-              </a:solidFill>
-            </a:rPr>
-            <a:t>Almasri</a:t>
-          </a:r>
-          <a:r>
-            <a:rPr lang="en-US" sz="900" u="none" kern="1200" dirty="0">
-              <a:solidFill>
-                <a:schemeClr val="bg2"/>
-              </a:solidFill>
-            </a:rPr>
-            <a:t>, Osama</a:t>
-          </a:r>
-        </a:p>
-        <a:p>
-          <a:pPr marL="57150" lvl="1" indent="-57150" algn="l" defTabSz="400050">
-            <a:lnSpc>
-              <a:spcPct val="90000"/>
-            </a:lnSpc>
-            <a:spcBef>
-              <a:spcPct val="0"/>
-            </a:spcBef>
-            <a:spcAft>
-              <a:spcPct val="15000"/>
-            </a:spcAft>
-            <a:buChar char="•"/>
-          </a:pPr>
-          <a:r>
-            <a:rPr lang="en-US" sz="900" u="none" kern="1200">
-              <a:solidFill>
-                <a:schemeClr val="bg2"/>
-              </a:solidFill>
-            </a:rPr>
-            <a:t>Nottath, Ramkumar</a:t>
-          </a:r>
-        </a:p>
-        <a:p>
-          <a:pPr marL="57150" lvl="1" indent="-57150" algn="l" defTabSz="400050">
-            <a:lnSpc>
-              <a:spcPct val="90000"/>
-            </a:lnSpc>
-            <a:spcBef>
-              <a:spcPct val="0"/>
-            </a:spcBef>
-            <a:spcAft>
-              <a:spcPct val="15000"/>
-            </a:spcAft>
-            <a:buChar char="•"/>
-          </a:pPr>
-          <a:r>
-            <a:rPr lang="en-US" sz="900" u="none" kern="1200">
-              <a:solidFill>
-                <a:schemeClr val="bg2"/>
-              </a:solidFill>
-            </a:rPr>
-            <a:t>Agrawal, Shruti</a:t>
-          </a:r>
-        </a:p>
-      </dsp:txBody>
-      <dsp:txXfrm>
-        <a:off x="5647909" y="1575263"/>
-        <a:ext cx="1238065" cy="1408699"/>
-      </dsp:txXfrm>
-    </dsp:sp>
-    <dsp:sp modelId="{A6202FD0-2F52-49E9-A75F-4DA32EE17456}">
-      <dsp:nvSpPr>
-        <dsp:cNvPr id="0" name=""/>
-        <dsp:cNvSpPr/>
-      </dsp:nvSpPr>
-      <dsp:spPr>
-        <a:xfrm>
-          <a:off x="7059304" y="1080037"/>
-          <a:ext cx="1238065" cy="495226"/>
-        </a:xfrm>
-        <a:prstGeom prst="rect">
-          <a:avLst/>
-        </a:prstGeom>
-        <a:solidFill>
-          <a:srgbClr val="FC719E"/>
-        </a:solidFill>
-        <a:ln w="25400" cap="flat" cmpd="sng" algn="ctr">
-          <a:noFill/>
-          <a:prstDash val="solid"/>
-        </a:ln>
-        <a:effectLst/>
-      </dsp:spPr>
-      <dsp:style>
-        <a:lnRef idx="2">
-          <a:scrgbClr r="0" g="0" b="0"/>
-        </a:lnRef>
-        <a:fillRef idx="1">
-          <a:scrgbClr r="0" g="0" b="0"/>
-        </a:fillRef>
-        <a:effectRef idx="0">
-          <a:scrgbClr r="0" g="0" b="0"/>
-        </a:effectRef>
-        <a:fontRef idx="minor">
-          <a:schemeClr val="lt1"/>
-        </a:fontRef>
-      </dsp:style>
-      <dsp:txBody>
-        <a:bodyPr spcFirstLastPara="0" vert="horz" wrap="square" lIns="163576" tIns="93472" rIns="163576" bIns="93472" numCol="1" spcCol="1270" anchor="ctr" anchorCtr="0">
-          <a:noAutofit/>
-        </a:bodyPr>
-        <a:lstStyle/>
-        <a:p>
-          <a:pPr marL="0" lvl="0" indent="0" algn="ctr" defTabSz="1022350">
-            <a:lnSpc>
-              <a:spcPct val="90000"/>
-            </a:lnSpc>
-            <a:spcBef>
-              <a:spcPct val="0"/>
-            </a:spcBef>
-            <a:spcAft>
-              <a:spcPct val="35000"/>
-            </a:spcAft>
-            <a:buNone/>
-          </a:pPr>
-          <a:r>
-            <a:rPr lang="el-GR" sz="2300" kern="1200" dirty="0">
-              <a:latin typeface="Arial" panose="020B0604020202020204" pitchFamily="34" charset="0"/>
-              <a:cs typeface="Arial" panose="020B0604020202020204" pitchFamily="34" charset="0"/>
-            </a:rPr>
-            <a:t>ζ</a:t>
-          </a:r>
-          <a:endParaRPr lang="en-US" sz="2300" kern="1200" dirty="0"/>
-        </a:p>
-      </dsp:txBody>
-      <dsp:txXfrm>
-        <a:off x="7059304" y="1080037"/>
-        <a:ext cx="1238065" cy="495226"/>
-      </dsp:txXfrm>
-    </dsp:sp>
-    <dsp:sp modelId="{7D835161-4226-4479-B0C1-83C9A3E8DFD9}">
-      <dsp:nvSpPr>
-        <dsp:cNvPr id="0" name=""/>
-        <dsp:cNvSpPr/>
-      </dsp:nvSpPr>
-      <dsp:spPr>
-        <a:xfrm>
-          <a:off x="7059304" y="1575263"/>
-          <a:ext cx="1238065" cy="1408699"/>
-        </a:xfrm>
-        <a:prstGeom prst="rect">
-          <a:avLst/>
-        </a:prstGeom>
-        <a:solidFill>
-          <a:schemeClr val="bg1">
-            <a:lumMod val="85000"/>
-          </a:schemeClr>
-        </a:solidFill>
-        <a:ln w="25400" cap="flat" cmpd="sng" algn="ctr">
-          <a:noFill/>
-          <a:prstDash val="solid"/>
-        </a:ln>
-        <a:effectLst/>
-      </dsp:spPr>
-      <dsp:style>
-        <a:lnRef idx="2">
-          <a:scrgbClr r="0" g="0" b="0"/>
-        </a:lnRef>
-        <a:fillRef idx="1">
-          <a:scrgbClr r="0" g="0" b="0"/>
-        </a:fillRef>
-        <a:effectRef idx="0">
-          <a:scrgbClr r="0" g="0" b="0"/>
-        </a:effectRef>
-        <a:fontRef idx="minor"/>
-      </dsp:style>
-      <dsp:txBody>
-        <a:bodyPr spcFirstLastPara="0" vert="horz" wrap="square" lIns="48006" tIns="48006" rIns="64008" bIns="72009" numCol="1" spcCol="1270" anchor="t" anchorCtr="0">
-          <a:noAutofit/>
-        </a:bodyPr>
-        <a:lstStyle/>
-        <a:p>
-          <a:pPr marL="57150" lvl="1" indent="-57150" algn="l" defTabSz="400050">
-            <a:lnSpc>
-              <a:spcPct val="90000"/>
-            </a:lnSpc>
-            <a:spcBef>
-              <a:spcPct val="0"/>
-            </a:spcBef>
-            <a:spcAft>
-              <a:spcPct val="15000"/>
-            </a:spcAft>
-            <a:buChar char="•"/>
-          </a:pPr>
-          <a:r>
-            <a:rPr lang="en-US" sz="900" u="none" kern="1200" dirty="0">
-              <a:solidFill>
-                <a:schemeClr val="bg2"/>
-              </a:solidFill>
-            </a:rPr>
-            <a:t>Bapat, Anjali</a:t>
-          </a:r>
-        </a:p>
-        <a:p>
-          <a:pPr marL="57150" lvl="1" indent="-57150" algn="l" defTabSz="400050">
-            <a:lnSpc>
-              <a:spcPct val="90000"/>
-            </a:lnSpc>
-            <a:spcBef>
-              <a:spcPct val="0"/>
-            </a:spcBef>
-            <a:spcAft>
-              <a:spcPct val="15000"/>
-            </a:spcAft>
-            <a:buChar char="•"/>
-          </a:pPr>
-          <a:r>
-            <a:rPr lang="en-US" sz="900" u="none" kern="1200" dirty="0">
-              <a:solidFill>
-                <a:schemeClr val="bg2"/>
-              </a:solidFill>
-            </a:rPr>
-            <a:t>Cardenas, Arturo</a:t>
-          </a:r>
-        </a:p>
-        <a:p>
-          <a:pPr marL="57150" lvl="1" indent="-57150" algn="l" defTabSz="400050">
-            <a:lnSpc>
-              <a:spcPct val="90000"/>
-            </a:lnSpc>
-            <a:spcBef>
-              <a:spcPct val="0"/>
-            </a:spcBef>
-            <a:spcAft>
-              <a:spcPct val="15000"/>
-            </a:spcAft>
-            <a:buChar char="•"/>
-          </a:pPr>
-          <a:r>
-            <a:rPr lang="en-US" sz="900" u="none" kern="1200">
-              <a:solidFill>
-                <a:schemeClr val="bg2"/>
-              </a:solidFill>
-            </a:rPr>
-            <a:t>Demir, Elif</a:t>
-          </a:r>
-        </a:p>
-        <a:p>
-          <a:pPr marL="57150" lvl="1" indent="-57150" algn="l" defTabSz="400050">
-            <a:lnSpc>
-              <a:spcPct val="90000"/>
-            </a:lnSpc>
-            <a:spcBef>
-              <a:spcPct val="0"/>
-            </a:spcBef>
-            <a:spcAft>
-              <a:spcPct val="15000"/>
-            </a:spcAft>
-            <a:buChar char="•"/>
-          </a:pPr>
-          <a:r>
-            <a:rPr lang="en-US" sz="900" u="none" kern="1200">
-              <a:solidFill>
-                <a:schemeClr val="bg2"/>
-              </a:solidFill>
-            </a:rPr>
-            <a:t>Hoertt, Jacob P.</a:t>
-          </a:r>
-        </a:p>
-        <a:p>
-          <a:pPr marL="57150" lvl="1" indent="-57150" algn="l" defTabSz="400050">
-            <a:lnSpc>
-              <a:spcPct val="90000"/>
-            </a:lnSpc>
-            <a:spcBef>
-              <a:spcPct val="0"/>
-            </a:spcBef>
-            <a:spcAft>
-              <a:spcPct val="15000"/>
-            </a:spcAft>
-            <a:buChar char="•"/>
-          </a:pPr>
-          <a:r>
-            <a:rPr lang="en-US" sz="900" u="none" kern="1200" dirty="0" err="1">
-              <a:solidFill>
-                <a:schemeClr val="bg2"/>
-              </a:solidFill>
-            </a:rPr>
-            <a:t>Mucha</a:t>
-          </a:r>
-          <a:r>
-            <a:rPr lang="en-US" sz="900" u="none" kern="1200" dirty="0">
-              <a:solidFill>
-                <a:schemeClr val="bg2"/>
-              </a:solidFill>
-            </a:rPr>
-            <a:t>, Julian R.</a:t>
-          </a:r>
-        </a:p>
-        <a:p>
-          <a:pPr marL="57150" lvl="1" indent="-57150" algn="l" defTabSz="400050">
-            <a:lnSpc>
-              <a:spcPct val="90000"/>
-            </a:lnSpc>
-            <a:spcBef>
-              <a:spcPct val="0"/>
-            </a:spcBef>
-            <a:spcAft>
-              <a:spcPct val="15000"/>
-            </a:spcAft>
-            <a:buChar char="•"/>
-          </a:pPr>
-          <a:r>
-            <a:rPr lang="en-US" sz="900" u="none" kern="1200" dirty="0" err="1">
-              <a:solidFill>
-                <a:schemeClr val="bg2"/>
-              </a:solidFill>
-            </a:rPr>
-            <a:t>Penmatha</a:t>
-          </a:r>
-          <a:r>
-            <a:rPr lang="en-US" sz="900" u="none" kern="1200" dirty="0">
-              <a:solidFill>
-                <a:schemeClr val="bg2"/>
-              </a:solidFill>
-            </a:rPr>
-            <a:t>, </a:t>
-          </a:r>
-          <a:r>
-            <a:rPr lang="en-US" sz="900" u="none" kern="1200" dirty="0" err="1">
-              <a:solidFill>
-                <a:schemeClr val="bg2"/>
-              </a:solidFill>
-            </a:rPr>
-            <a:t>Manideep</a:t>
-          </a:r>
-          <a:r>
-            <a:rPr lang="en-US" sz="900" u="none" kern="1200" dirty="0">
-              <a:solidFill>
-                <a:schemeClr val="bg2"/>
-              </a:solidFill>
-            </a:rPr>
-            <a:t> Varma</a:t>
-          </a:r>
-        </a:p>
-      </dsp:txBody>
-      <dsp:txXfrm>
-        <a:off x="7059304" y="1575263"/>
-        <a:ext cx="1238065" cy="1408699"/>
-      </dsp:txXfrm>
-    </dsp:sp>
-  </dsp:spTree>
-</dsp:drawing>
-</file>
-
 <file path=ppt/diagrams/layout1.xml><?xml version="1.0" encoding="utf-8"?>
 <dgm:layoutDef xmlns:dgm="http://schemas.openxmlformats.org/drawingml/2006/diagram" xmlns:a="http://schemas.openxmlformats.org/drawingml/2006/main" uniqueId="urn:microsoft.com/office/officeart/2005/8/layout/vList5">
   <dgm:title val=""/>
@@ -8263,1258 +3587,7 @@
 </dgm:layoutDef>
 </file>
 
-<file path=ppt/diagrams/layout2.xml><?xml version="1.0" encoding="utf-8"?>
-<dgm:layoutDef xmlns:dgm="http://schemas.openxmlformats.org/drawingml/2006/diagram" xmlns:a="http://schemas.openxmlformats.org/drawingml/2006/main" uniqueId="urn:microsoft.com/office/officeart/2005/8/layout/hList1">
-  <dgm:title val=""/>
-  <dgm:desc val=""/>
-  <dgm:catLst>
-    <dgm:cat type="list" pri="5000"/>
-    <dgm:cat type="convert" pri="5000"/>
-  </dgm:catLst>
-  <dgm:sampData>
-    <dgm:dataModel>
-      <dgm:ptLst>
-        <dgm:pt modelId="0" type="doc"/>
-        <dgm:pt modelId="1">
-          <dgm:prSet phldr="1"/>
-        </dgm:pt>
-        <dgm:pt modelId="11">
-          <dgm:prSet phldr="1"/>
-        </dgm:pt>
-        <dgm:pt modelId="12">
-          <dgm:prSet phldr="1"/>
-        </dgm:pt>
-        <dgm:pt modelId="2">
-          <dgm:prSet phldr="1"/>
-        </dgm:pt>
-        <dgm:pt modelId="21">
-          <dgm:prSet phldr="1"/>
-        </dgm:pt>
-        <dgm:pt modelId="22">
-          <dgm:prSet phldr="1"/>
-        </dgm:pt>
-        <dgm:pt modelId="3">
-          <dgm:prSet phldr="1"/>
-        </dgm:pt>
-        <dgm:pt modelId="31">
-          <dgm:prSet phldr="1"/>
-        </dgm:pt>
-        <dgm:pt modelId="32">
-          <dgm:prSet phldr="1"/>
-        </dgm:pt>
-      </dgm:ptLst>
-      <dgm:cxnLst>
-        <dgm:cxn modelId="4" srcId="0" destId="1" srcOrd="0" destOrd="0"/>
-        <dgm:cxn modelId="5" srcId="0" destId="2" srcOrd="1" destOrd="0"/>
-        <dgm:cxn modelId="6" srcId="0" destId="3" srcOrd="2" destOrd="0"/>
-        <dgm:cxn modelId="13" srcId="1" destId="11" srcOrd="0" destOrd="0"/>
-        <dgm:cxn modelId="14" srcId="1" destId="12" srcOrd="1" destOrd="0"/>
-        <dgm:cxn modelId="23" srcId="2" destId="21" srcOrd="0" destOrd="0"/>
-        <dgm:cxn modelId="24" srcId="2" destId="22" srcOrd="1" destOrd="0"/>
-        <dgm:cxn modelId="33" srcId="3" destId="31" srcOrd="0" destOrd="0"/>
-        <dgm:cxn modelId="34" srcId="3" destId="32" srcOrd="1" destOrd="0"/>
-      </dgm:cxnLst>
-      <dgm:bg/>
-      <dgm:whole/>
-    </dgm:dataModel>
-  </dgm:sampData>
-  <dgm:styleData>
-    <dgm:dataModel>
-      <dgm:ptLst>
-        <dgm:pt modelId="0" type="doc"/>
-        <dgm:pt modelId="1">
-          <dgm:prSet phldr="1"/>
-        </dgm:pt>
-        <dgm:pt modelId="2">
-          <dgm:prSet phldr="1"/>
-        </dgm:pt>
-      </dgm:ptLst>
-      <dgm:cxnLst>
-        <dgm:cxn modelId="3" srcId="0" destId="1" srcOrd="0" destOrd="0"/>
-        <dgm:cxn modelId="4" srcId="0" destId="2" srcOrd="1" destOrd="0"/>
-      </dgm:cxnLst>
-      <dgm:bg/>
-      <dgm:whole/>
-    </dgm:dataModel>
-  </dgm:styleData>
-  <dgm:clrData>
-    <dgm:dataModel>
-      <dgm:ptLst>
-        <dgm:pt modelId="0" type="doc"/>
-        <dgm:pt modelId="1">
-          <dgm:prSet phldr="1"/>
-        </dgm:pt>
-        <dgm:pt modelId="2">
-          <dgm:prSet phldr="1"/>
-        </dgm:pt>
-        <dgm:pt modelId="3">
-          <dgm:prSet phldr="1"/>
-        </dgm:pt>
-        <dgm:pt modelId="4">
-          <dgm:prSet phldr="1"/>
-        </dgm:pt>
-      </dgm:ptLst>
-      <dgm:cxnLst>
-        <dgm:cxn modelId="5" srcId="0" destId="1" srcOrd="0" destOrd="0"/>
-        <dgm:cxn modelId="6" srcId="0" destId="2" srcOrd="1" destOrd="0"/>
-        <dgm:cxn modelId="7" srcId="0" destId="3" srcOrd="2" destOrd="0"/>
-        <dgm:cxn modelId="8" srcId="0" destId="4" srcOrd="3" destOrd="0"/>
-      </dgm:cxnLst>
-      <dgm:bg/>
-      <dgm:whole/>
-    </dgm:dataModel>
-  </dgm:clrData>
-  <dgm:layoutNode name="Name0">
-    <dgm:varLst>
-      <dgm:dir/>
-      <dgm:animLvl val="lvl"/>
-      <dgm:resizeHandles val="exact"/>
-    </dgm:varLst>
-    <dgm:choose name="Name1">
-      <dgm:if name="Name2" func="var" arg="dir" op="equ" val="norm">
-        <dgm:alg type="lin"/>
-      </dgm:if>
-      <dgm:else name="Name3">
-        <dgm:alg type="lin">
-          <dgm:param type="linDir" val="fromR"/>
-        </dgm:alg>
-      </dgm:else>
-    </dgm:choose>
-    <dgm:shape xmlns:r="http://schemas.openxmlformats.org/officeDocument/2006/relationships" r:blip="">
-      <dgm:adjLst/>
-    </dgm:shape>
-    <dgm:presOf/>
-    <dgm:constrLst>
-      <dgm:constr type="h" for="ch" forName="composite" refType="h"/>
-      <dgm:constr type="w" for="ch" forName="composite" refType="w"/>
-      <dgm:constr type="w" for="des" forName="parTx"/>
-      <dgm:constr type="h" for="des" forName="parTx" op="equ"/>
-      <dgm:constr type="w" for="des" forName="desTx"/>
-      <dgm:constr type="h" for="des" forName="desTx" op="equ"/>
-      <dgm:constr type="primFontSz" for="des" forName="parTx" val="65"/>
-      <dgm:constr type="secFontSz" for="des" forName="desTx" refType="primFontSz" refFor="des" refForName="parTx" op="equ"/>
-      <dgm:constr type="h" for="des" forName="parTx" refType="primFontSz" refFor="des" refForName="parTx" fact="0.8"/>
-      <dgm:constr type="h" for="des" forName="desTx" refType="primFontSz" refFor="des" refForName="parTx" fact="1.22"/>
-      <dgm:constr type="w" for="ch" forName="space" refType="w" refFor="ch" refForName="composite" op="equ" fact="0.14"/>
-    </dgm:constrLst>
-    <dgm:ruleLst>
-      <dgm:rule type="w" for="ch" forName="composite" val="0" fact="NaN" max="NaN"/>
-      <dgm:rule type="primFontSz" for="des" forName="parTx" val="5" fact="NaN" max="NaN"/>
-    </dgm:ruleLst>
-    <dgm:forEach name="Name4" axis="ch" ptType="node">
-      <dgm:layoutNode name="composite">
-        <dgm:alg type="composite"/>
-        <dgm:shape xmlns:r="http://schemas.openxmlformats.org/officeDocument/2006/relationships" r:blip="">
-          <dgm:adjLst/>
-        </dgm:shape>
-        <dgm:presOf/>
-        <dgm:constrLst>
-          <dgm:constr type="l" for="ch" forName="parTx"/>
-          <dgm:constr type="w" for="ch" forName="parTx" refType="w"/>
-          <dgm:constr type="t" for="ch" forName="parTx"/>
-          <dgm:constr type="l" for="ch" forName="desTx"/>
-          <dgm:constr type="w" for="ch" forName="desTx" refType="w" refFor="ch" refForName="parTx"/>
-          <dgm:constr type="t" for="ch" forName="desTx" refType="h" refFor="ch" refForName="parTx"/>
-        </dgm:constrLst>
-        <dgm:ruleLst>
-          <dgm:rule type="h" val="INF" fact="NaN" max="NaN"/>
-        </dgm:ruleLst>
-        <dgm:layoutNode name="parTx" styleLbl="alignNode1">
-          <dgm:varLst>
-            <dgm:chMax val="0"/>
-            <dgm:chPref val="0"/>
-            <dgm:bulletEnabled val="1"/>
-          </dgm:varLst>
-          <dgm:alg type="tx"/>
-          <dgm:shape xmlns:r="http://schemas.openxmlformats.org/officeDocument/2006/relationships" type="rect" r:blip="">
-            <dgm:adjLst/>
-          </dgm:shape>
-          <dgm:presOf axis="self" ptType="node"/>
-          <dgm:constrLst>
-            <dgm:constr type="h" refType="w" op="lte" fact="0.4"/>
-            <dgm:constr type="h"/>
-            <dgm:constr type="tMarg" refType="primFontSz" fact="0.32"/>
-            <dgm:constr type="bMarg" refType="primFontSz" fact="0.32"/>
-          </dgm:constrLst>
-          <dgm:ruleLst>
-            <dgm:rule type="h" val="INF" fact="NaN" max="NaN"/>
-          </dgm:ruleLst>
-        </dgm:layoutNode>
-        <dgm:layoutNode name="desTx" styleLbl="alignAccFollowNode1">
-          <dgm:varLst>
-            <dgm:bulletEnabled val="1"/>
-          </dgm:varLst>
-          <dgm:alg type="tx">
-            <dgm:param type="stBulletLvl" val="1"/>
-          </dgm:alg>
-          <dgm:shape xmlns:r="http://schemas.openxmlformats.org/officeDocument/2006/relationships" type="rect" r:blip="">
-            <dgm:adjLst/>
-          </dgm:shape>
-          <dgm:presOf axis="des" ptType="node"/>
-          <dgm:constrLst>
-            <dgm:constr type="secFontSz" val="65"/>
-            <dgm:constr type="primFontSz" refType="secFontSz"/>
-            <dgm:constr type="h"/>
-            <dgm:constr type="lMarg" refType="primFontSz" fact="0.42"/>
-            <dgm:constr type="tMarg" refType="primFontSz" fact="0.42"/>
-            <dgm:constr type="bMarg" refType="primFontSz" fact="0.63"/>
-          </dgm:constrLst>
-          <dgm:ruleLst>
-            <dgm:rule type="h" val="INF" fact="NaN" max="NaN"/>
-          </dgm:ruleLst>
-        </dgm:layoutNode>
-      </dgm:layoutNode>
-      <dgm:forEach name="Name5" axis="followSib" ptType="sibTrans" cnt="1">
-        <dgm:layoutNode name="space">
-          <dgm:alg type="sp"/>
-          <dgm:shape xmlns:r="http://schemas.openxmlformats.org/officeDocument/2006/relationships" r:blip="">
-            <dgm:adjLst/>
-          </dgm:shape>
-          <dgm:presOf/>
-          <dgm:constrLst/>
-          <dgm:ruleLst/>
-        </dgm:layoutNode>
-      </dgm:forEach>
-    </dgm:forEach>
-  </dgm:layoutNode>
-</dgm:layoutDef>
-</file>
-
 <file path=ppt/diagrams/quickStyle1.xml><?xml version="1.0" encoding="utf-8"?>
-<dgm:styleDef xmlns:dgm="http://schemas.openxmlformats.org/drawingml/2006/diagram" xmlns:a="http://schemas.openxmlformats.org/drawingml/2006/main" uniqueId="urn:microsoft.com/office/officeart/2005/8/quickstyle/simple1">
-  <dgm:title val=""/>
-  <dgm:desc val=""/>
-  <dgm:catLst>
-    <dgm:cat type="simple" pri="10100"/>
-  </dgm:catLst>
-  <dgm:scene3d>
-    <a:camera prst="orthographicFront"/>
-    <a:lightRig rig="threePt" dir="t"/>
-  </dgm:scene3d>
-  <dgm:styleLbl name="node0">
-    <dgm:scene3d>
-      <a:camera prst="orthographicFront"/>
-      <a:lightRig rig="threePt" dir="t"/>
-    </dgm:scene3d>
-    <dgm:sp3d/>
-    <dgm:txPr/>
-    <dgm:style>
-      <a:lnRef idx="2">
-        <a:scrgbClr r="0" g="0" b="0"/>
-      </a:lnRef>
-      <a:fillRef idx="1">
-        <a:scrgbClr r="0" g="0" b="0"/>
-      </a:fillRef>
-      <a:effectRef idx="0">
-        <a:scrgbClr r="0" g="0" b="0"/>
-      </a:effectRef>
-      <a:fontRef idx="minor">
-        <a:schemeClr val="lt1"/>
-      </a:fontRef>
-    </dgm:style>
-  </dgm:styleLbl>
-  <dgm:styleLbl name="lnNode1">
-    <dgm:scene3d>
-      <a:camera prst="orthographicFront"/>
-      <a:lightRig rig="threePt" dir="t"/>
-    </dgm:scene3d>
-    <dgm:sp3d/>
-    <dgm:txPr/>
-    <dgm:style>
-      <a:lnRef idx="2">
-        <a:scrgbClr r="0" g="0" b="0"/>
-      </a:lnRef>
-      <a:fillRef idx="1">
-        <a:scrgbClr r="0" g="0" b="0"/>
-      </a:fillRef>
-      <a:effectRef idx="0">
-        <a:scrgbClr r="0" g="0" b="0"/>
-      </a:effectRef>
-      <a:fontRef idx="minor">
-        <a:schemeClr val="lt1"/>
-      </a:fontRef>
-    </dgm:style>
-  </dgm:styleLbl>
-  <dgm:styleLbl name="vennNode1">
-    <dgm:scene3d>
-      <a:camera prst="orthographicFront"/>
-      <a:lightRig rig="threePt" dir="t"/>
-    </dgm:scene3d>
-    <dgm:sp3d/>
-    <dgm:txPr/>
-    <dgm:style>
-      <a:lnRef idx="2">
-        <a:scrgbClr r="0" g="0" b="0"/>
-      </a:lnRef>
-      <a:fillRef idx="1">
-        <a:scrgbClr r="0" g="0" b="0"/>
-      </a:fillRef>
-      <a:effectRef idx="0">
-        <a:scrgbClr r="0" g="0" b="0"/>
-      </a:effectRef>
-      <a:fontRef idx="minor">
-        <a:schemeClr val="tx1"/>
-      </a:fontRef>
-    </dgm:style>
-  </dgm:styleLbl>
-  <dgm:styleLbl name="alignNode1">
-    <dgm:scene3d>
-      <a:camera prst="orthographicFront"/>
-      <a:lightRig rig="threePt" dir="t"/>
-    </dgm:scene3d>
-    <dgm:sp3d/>
-    <dgm:txPr/>
-    <dgm:style>
-      <a:lnRef idx="2">
-        <a:scrgbClr r="0" g="0" b="0"/>
-      </a:lnRef>
-      <a:fillRef idx="1">
-        <a:scrgbClr r="0" g="0" b="0"/>
-      </a:fillRef>
-      <a:effectRef idx="0">
-        <a:scrgbClr r="0" g="0" b="0"/>
-      </a:effectRef>
-      <a:fontRef idx="minor">
-        <a:schemeClr val="lt1"/>
-      </a:fontRef>
-    </dgm:style>
-  </dgm:styleLbl>
-  <dgm:styleLbl name="node1">
-    <dgm:scene3d>
-      <a:camera prst="orthographicFront"/>
-      <a:lightRig rig="threePt" dir="t"/>
-    </dgm:scene3d>
-    <dgm:sp3d/>
-    <dgm:txPr/>
-    <dgm:style>
-      <a:lnRef idx="2">
-        <a:scrgbClr r="0" g="0" b="0"/>
-      </a:lnRef>
-      <a:fillRef idx="1">
-        <a:scrgbClr r="0" g="0" b="0"/>
-      </a:fillRef>
-      <a:effectRef idx="0">
-        <a:scrgbClr r="0" g="0" b="0"/>
-      </a:effectRef>
-      <a:fontRef idx="minor">
-        <a:schemeClr val="lt1"/>
-      </a:fontRef>
-    </dgm:style>
-  </dgm:styleLbl>
-  <dgm:styleLbl name="node2">
-    <dgm:scene3d>
-      <a:camera prst="orthographicFront"/>
-      <a:lightRig rig="threePt" dir="t"/>
-    </dgm:scene3d>
-    <dgm:sp3d/>
-    <dgm:txPr/>
-    <dgm:style>
-      <a:lnRef idx="2">
-        <a:scrgbClr r="0" g="0" b="0"/>
-      </a:lnRef>
-      <a:fillRef idx="1">
-        <a:scrgbClr r="0" g="0" b="0"/>
-      </a:fillRef>
-      <a:effectRef idx="0">
-        <a:scrgbClr r="0" g="0" b="0"/>
-      </a:effectRef>
-      <a:fontRef idx="minor">
-        <a:schemeClr val="lt1"/>
-      </a:fontRef>
-    </dgm:style>
-  </dgm:styleLbl>
-  <dgm:styleLbl name="node3">
-    <dgm:scene3d>
-      <a:camera prst="orthographicFront"/>
-      <a:lightRig rig="threePt" dir="t"/>
-    </dgm:scene3d>
-    <dgm:sp3d/>
-    <dgm:txPr/>
-    <dgm:style>
-      <a:lnRef idx="2">
-        <a:scrgbClr r="0" g="0" b="0"/>
-      </a:lnRef>
-      <a:fillRef idx="1">
-        <a:scrgbClr r="0" g="0" b="0"/>
-      </a:fillRef>
-      <a:effectRef idx="0">
-        <a:scrgbClr r="0" g="0" b="0"/>
-      </a:effectRef>
-      <a:fontRef idx="minor">
-        <a:schemeClr val="lt1"/>
-      </a:fontRef>
-    </dgm:style>
-  </dgm:styleLbl>
-  <dgm:styleLbl name="node4">
-    <dgm:scene3d>
-      <a:camera prst="orthographicFront"/>
-      <a:lightRig rig="threePt" dir="t"/>
-    </dgm:scene3d>
-    <dgm:sp3d/>
-    <dgm:txPr/>
-    <dgm:style>
-      <a:lnRef idx="2">
-        <a:scrgbClr r="0" g="0" b="0"/>
-      </a:lnRef>
-      <a:fillRef idx="1">
-        <a:scrgbClr r="0" g="0" b="0"/>
-      </a:fillRef>
-      <a:effectRef idx="0">
-        <a:scrgbClr r="0" g="0" b="0"/>
-      </a:effectRef>
-      <a:fontRef idx="minor">
-        <a:schemeClr val="lt1"/>
-      </a:fontRef>
-    </dgm:style>
-  </dgm:styleLbl>
-  <dgm:styleLbl name="fgImgPlace1">
-    <dgm:scene3d>
-      <a:camera prst="orthographicFront"/>
-      <a:lightRig rig="threePt" dir="t"/>
-    </dgm:scene3d>
-    <dgm:sp3d/>
-    <dgm:txPr/>
-    <dgm:style>
-      <a:lnRef idx="2">
-        <a:scrgbClr r="0" g="0" b="0"/>
-      </a:lnRef>
-      <a:fillRef idx="1">
-        <a:scrgbClr r="0" g="0" b="0"/>
-      </a:fillRef>
-      <a:effectRef idx="0">
-        <a:scrgbClr r="0" g="0" b="0"/>
-      </a:effectRef>
-      <a:fontRef idx="minor"/>
-    </dgm:style>
-  </dgm:styleLbl>
-  <dgm:styleLbl name="alignImgPlace1">
-    <dgm:scene3d>
-      <a:camera prst="orthographicFront"/>
-      <a:lightRig rig="threePt" dir="t"/>
-    </dgm:scene3d>
-    <dgm:sp3d/>
-    <dgm:txPr/>
-    <dgm:style>
-      <a:lnRef idx="2">
-        <a:scrgbClr r="0" g="0" b="0"/>
-      </a:lnRef>
-      <a:fillRef idx="1">
-        <a:scrgbClr r="0" g="0" b="0"/>
-      </a:fillRef>
-      <a:effectRef idx="0">
-        <a:scrgbClr r="0" g="0" b="0"/>
-      </a:effectRef>
-      <a:fontRef idx="minor"/>
-    </dgm:style>
-  </dgm:styleLbl>
-  <dgm:styleLbl name="bgImgPlace1">
-    <dgm:scene3d>
-      <a:camera prst="orthographicFront"/>
-      <a:lightRig rig="threePt" dir="t"/>
-    </dgm:scene3d>
-    <dgm:sp3d/>
-    <dgm:txPr/>
-    <dgm:style>
-      <a:lnRef idx="2">
-        <a:scrgbClr r="0" g="0" b="0"/>
-      </a:lnRef>
-      <a:fillRef idx="1">
-        <a:scrgbClr r="0" g="0" b="0"/>
-      </a:fillRef>
-      <a:effectRef idx="0">
-        <a:scrgbClr r="0" g="0" b="0"/>
-      </a:effectRef>
-      <a:fontRef idx="minor"/>
-    </dgm:style>
-  </dgm:styleLbl>
-  <dgm:styleLbl name="sibTrans2D1">
-    <dgm:scene3d>
-      <a:camera prst="orthographicFront"/>
-      <a:lightRig rig="threePt" dir="t"/>
-    </dgm:scene3d>
-    <dgm:sp3d/>
-    <dgm:txPr/>
-    <dgm:style>
-      <a:lnRef idx="0">
-        <a:scrgbClr r="0" g="0" b="0"/>
-      </a:lnRef>
-      <a:fillRef idx="1">
-        <a:scrgbClr r="0" g="0" b="0"/>
-      </a:fillRef>
-      <a:effectRef idx="0">
-        <a:scrgbClr r="0" g="0" b="0"/>
-      </a:effectRef>
-      <a:fontRef idx="minor">
-        <a:schemeClr val="lt1"/>
-      </a:fontRef>
-    </dgm:style>
-  </dgm:styleLbl>
-  <dgm:styleLbl name="fgSibTrans2D1">
-    <dgm:scene3d>
-      <a:camera prst="orthographicFront"/>
-      <a:lightRig rig="threePt" dir="t"/>
-    </dgm:scene3d>
-    <dgm:sp3d/>
-    <dgm:txPr/>
-    <dgm:style>
-      <a:lnRef idx="0">
-        <a:scrgbClr r="0" g="0" b="0"/>
-      </a:lnRef>
-      <a:fillRef idx="1">
-        <a:scrgbClr r="0" g="0" b="0"/>
-      </a:fillRef>
-      <a:effectRef idx="0">
-        <a:scrgbClr r="0" g="0" b="0"/>
-      </a:effectRef>
-      <a:fontRef idx="minor">
-        <a:schemeClr val="lt1"/>
-      </a:fontRef>
-    </dgm:style>
-  </dgm:styleLbl>
-  <dgm:styleLbl name="bgSibTrans2D1">
-    <dgm:scene3d>
-      <a:camera prst="orthographicFront"/>
-      <a:lightRig rig="threePt" dir="t"/>
-    </dgm:scene3d>
-    <dgm:sp3d/>
-    <dgm:txPr/>
-    <dgm:style>
-      <a:lnRef idx="0">
-        <a:scrgbClr r="0" g="0" b="0"/>
-      </a:lnRef>
-      <a:fillRef idx="1">
-        <a:scrgbClr r="0" g="0" b="0"/>
-      </a:fillRef>
-      <a:effectRef idx="0">
-        <a:scrgbClr r="0" g="0" b="0"/>
-      </a:effectRef>
-      <a:fontRef idx="minor">
-        <a:schemeClr val="lt1"/>
-      </a:fontRef>
-    </dgm:style>
-  </dgm:styleLbl>
-  <dgm:styleLbl name="sibTrans1D1">
-    <dgm:scene3d>
-      <a:camera prst="orthographicFront"/>
-      <a:lightRig rig="threePt" dir="t"/>
-    </dgm:scene3d>
-    <dgm:sp3d/>
-    <dgm:txPr/>
-    <dgm:style>
-      <a:lnRef idx="1">
-        <a:scrgbClr r="0" g="0" b="0"/>
-      </a:lnRef>
-      <a:fillRef idx="0">
-        <a:scrgbClr r="0" g="0" b="0"/>
-      </a:fillRef>
-      <a:effectRef idx="0">
-        <a:scrgbClr r="0" g="0" b="0"/>
-      </a:effectRef>
-      <a:fontRef idx="minor"/>
-    </dgm:style>
-  </dgm:styleLbl>
-  <dgm:styleLbl name="callout">
-    <dgm:scene3d>
-      <a:camera prst="orthographicFront"/>
-      <a:lightRig rig="threePt" dir="t"/>
-    </dgm:scene3d>
-    <dgm:sp3d/>
-    <dgm:txPr/>
-    <dgm:style>
-      <a:lnRef idx="2">
-        <a:scrgbClr r="0" g="0" b="0"/>
-      </a:lnRef>
-      <a:fillRef idx="1">
-        <a:scrgbClr r="0" g="0" b="0"/>
-      </a:fillRef>
-      <a:effectRef idx="0">
-        <a:scrgbClr r="0" g="0" b="0"/>
-      </a:effectRef>
-      <a:fontRef idx="minor"/>
-    </dgm:style>
-  </dgm:styleLbl>
-  <dgm:styleLbl name="asst0">
-    <dgm:scene3d>
-      <a:camera prst="orthographicFront"/>
-      <a:lightRig rig="threePt" dir="t"/>
-    </dgm:scene3d>
-    <dgm:sp3d/>
-    <dgm:txPr/>
-    <dgm:style>
-      <a:lnRef idx="2">
-        <a:scrgbClr r="0" g="0" b="0"/>
-      </a:lnRef>
-      <a:fillRef idx="1">
-        <a:scrgbClr r="0" g="0" b="0"/>
-      </a:fillRef>
-      <a:effectRef idx="0">
-        <a:scrgbClr r="0" g="0" b="0"/>
-      </a:effectRef>
-      <a:fontRef idx="minor">
-        <a:schemeClr val="lt1"/>
-      </a:fontRef>
-    </dgm:style>
-  </dgm:styleLbl>
-  <dgm:styleLbl name="asst1">
-    <dgm:scene3d>
-      <a:camera prst="orthographicFront"/>
-      <a:lightRig rig="threePt" dir="t"/>
-    </dgm:scene3d>
-    <dgm:sp3d/>
-    <dgm:txPr/>
-    <dgm:style>
-      <a:lnRef idx="2">
-        <a:scrgbClr r="0" g="0" b="0"/>
-      </a:lnRef>
-      <a:fillRef idx="1">
-        <a:scrgbClr r="0" g="0" b="0"/>
-      </a:fillRef>
-      <a:effectRef idx="0">
-        <a:scrgbClr r="0" g="0" b="0"/>
-      </a:effectRef>
-      <a:fontRef idx="minor">
-        <a:schemeClr val="lt1"/>
-      </a:fontRef>
-    </dgm:style>
-  </dgm:styleLbl>
-  <dgm:styleLbl name="asst2">
-    <dgm:scene3d>
-      <a:camera prst="orthographicFront"/>
-      <a:lightRig rig="threePt" dir="t"/>
-    </dgm:scene3d>
-    <dgm:sp3d/>
-    <dgm:txPr/>
-    <dgm:style>
-      <a:lnRef idx="2">
-        <a:scrgbClr r="0" g="0" b="0"/>
-      </a:lnRef>
-      <a:fillRef idx="1">
-        <a:scrgbClr r="0" g="0" b="0"/>
-      </a:fillRef>
-      <a:effectRef idx="0">
-        <a:scrgbClr r="0" g="0" b="0"/>
-      </a:effectRef>
-      <a:fontRef idx="minor">
-        <a:schemeClr val="lt1"/>
-      </a:fontRef>
-    </dgm:style>
-  </dgm:styleLbl>
-  <dgm:styleLbl name="asst3">
-    <dgm:scene3d>
-      <a:camera prst="orthographicFront"/>
-      <a:lightRig rig="threePt" dir="t"/>
-    </dgm:scene3d>
-    <dgm:sp3d/>
-    <dgm:txPr/>
-    <dgm:style>
-      <a:lnRef idx="2">
-        <a:scrgbClr r="0" g="0" b="0"/>
-      </a:lnRef>
-      <a:fillRef idx="1">
-        <a:scrgbClr r="0" g="0" b="0"/>
-      </a:fillRef>
-      <a:effectRef idx="0">
-        <a:scrgbClr r="0" g="0" b="0"/>
-      </a:effectRef>
-      <a:fontRef idx="minor">
-        <a:schemeClr val="lt1"/>
-      </a:fontRef>
-    </dgm:style>
-  </dgm:styleLbl>
-  <dgm:styleLbl name="asst4">
-    <dgm:scene3d>
-      <a:camera prst="orthographicFront"/>
-      <a:lightRig rig="threePt" dir="t"/>
-    </dgm:scene3d>
-    <dgm:sp3d/>
-    <dgm:txPr/>
-    <dgm:style>
-      <a:lnRef idx="2">
-        <a:scrgbClr r="0" g="0" b="0"/>
-      </a:lnRef>
-      <a:fillRef idx="1">
-        <a:scrgbClr r="0" g="0" b="0"/>
-      </a:fillRef>
-      <a:effectRef idx="0">
-        <a:scrgbClr r="0" g="0" b="0"/>
-      </a:effectRef>
-      <a:fontRef idx="minor">
-        <a:schemeClr val="lt1"/>
-      </a:fontRef>
-    </dgm:style>
-  </dgm:styleLbl>
-  <dgm:styleLbl name="parChTrans2D1">
-    <dgm:scene3d>
-      <a:camera prst="orthographicFront"/>
-      <a:lightRig rig="threePt" dir="t"/>
-    </dgm:scene3d>
-    <dgm:sp3d/>
-    <dgm:txPr/>
-    <dgm:style>
-      <a:lnRef idx="2">
-        <a:scrgbClr r="0" g="0" b="0"/>
-      </a:lnRef>
-      <a:fillRef idx="1">
-        <a:scrgbClr r="0" g="0" b="0"/>
-      </a:fillRef>
-      <a:effectRef idx="0">
-        <a:scrgbClr r="0" g="0" b="0"/>
-      </a:effectRef>
-      <a:fontRef idx="minor">
-        <a:schemeClr val="lt1"/>
-      </a:fontRef>
-    </dgm:style>
-  </dgm:styleLbl>
-  <dgm:styleLbl name="parChTrans2D2">
-    <dgm:scene3d>
-      <a:camera prst="orthographicFront"/>
-      <a:lightRig rig="threePt" dir="t"/>
-    </dgm:scene3d>
-    <dgm:sp3d/>
-    <dgm:txPr/>
-    <dgm:style>
-      <a:lnRef idx="2">
-        <a:scrgbClr r="0" g="0" b="0"/>
-      </a:lnRef>
-      <a:fillRef idx="1">
-        <a:scrgbClr r="0" g="0" b="0"/>
-      </a:fillRef>
-      <a:effectRef idx="0">
-        <a:scrgbClr r="0" g="0" b="0"/>
-      </a:effectRef>
-      <a:fontRef idx="minor">
-        <a:schemeClr val="lt1"/>
-      </a:fontRef>
-    </dgm:style>
-  </dgm:styleLbl>
-  <dgm:styleLbl name="parChTrans2D3">
-    <dgm:scene3d>
-      <a:camera prst="orthographicFront"/>
-      <a:lightRig rig="threePt" dir="t"/>
-    </dgm:scene3d>
-    <dgm:sp3d/>
-    <dgm:txPr/>
-    <dgm:style>
-      <a:lnRef idx="2">
-        <a:scrgbClr r="0" g="0" b="0"/>
-      </a:lnRef>
-      <a:fillRef idx="1">
-        <a:scrgbClr r="0" g="0" b="0"/>
-      </a:fillRef>
-      <a:effectRef idx="0">
-        <a:scrgbClr r="0" g="0" b="0"/>
-      </a:effectRef>
-      <a:fontRef idx="minor">
-        <a:schemeClr val="lt1"/>
-      </a:fontRef>
-    </dgm:style>
-  </dgm:styleLbl>
-  <dgm:styleLbl name="parChTrans2D4">
-    <dgm:scene3d>
-      <a:camera prst="orthographicFront"/>
-      <a:lightRig rig="threePt" dir="t"/>
-    </dgm:scene3d>
-    <dgm:sp3d/>
-    <dgm:txPr/>
-    <dgm:style>
-      <a:lnRef idx="2">
-        <a:scrgbClr r="0" g="0" b="0"/>
-      </a:lnRef>
-      <a:fillRef idx="1">
-        <a:scrgbClr r="0" g="0" b="0"/>
-      </a:fillRef>
-      <a:effectRef idx="0">
-        <a:scrgbClr r="0" g="0" b="0"/>
-      </a:effectRef>
-      <a:fontRef idx="minor">
-        <a:schemeClr val="lt1"/>
-      </a:fontRef>
-    </dgm:style>
-  </dgm:styleLbl>
-  <dgm:styleLbl name="parChTrans1D1">
-    <dgm:scene3d>
-      <a:camera prst="orthographicFront"/>
-      <a:lightRig rig="threePt" dir="t"/>
-    </dgm:scene3d>
-    <dgm:sp3d/>
-    <dgm:txPr/>
-    <dgm:style>
-      <a:lnRef idx="2">
-        <a:scrgbClr r="0" g="0" b="0"/>
-      </a:lnRef>
-      <a:fillRef idx="0">
-        <a:scrgbClr r="0" g="0" b="0"/>
-      </a:fillRef>
-      <a:effectRef idx="0">
-        <a:scrgbClr r="0" g="0" b="0"/>
-      </a:effectRef>
-      <a:fontRef idx="minor"/>
-    </dgm:style>
-  </dgm:styleLbl>
-  <dgm:styleLbl name="parChTrans1D2">
-    <dgm:scene3d>
-      <a:camera prst="orthographicFront"/>
-      <a:lightRig rig="threePt" dir="t"/>
-    </dgm:scene3d>
-    <dgm:sp3d/>
-    <dgm:txPr/>
-    <dgm:style>
-      <a:lnRef idx="2">
-        <a:scrgbClr r="0" g="0" b="0"/>
-      </a:lnRef>
-      <a:fillRef idx="0">
-        <a:scrgbClr r="0" g="0" b="0"/>
-      </a:fillRef>
-      <a:effectRef idx="0">
-        <a:scrgbClr r="0" g="0" b="0"/>
-      </a:effectRef>
-      <a:fontRef idx="minor"/>
-    </dgm:style>
-  </dgm:styleLbl>
-  <dgm:styleLbl name="parChTrans1D3">
-    <dgm:scene3d>
-      <a:camera prst="orthographicFront"/>
-      <a:lightRig rig="threePt" dir="t"/>
-    </dgm:scene3d>
-    <dgm:sp3d/>
-    <dgm:txPr/>
-    <dgm:style>
-      <a:lnRef idx="2">
-        <a:scrgbClr r="0" g="0" b="0"/>
-      </a:lnRef>
-      <a:fillRef idx="0">
-        <a:scrgbClr r="0" g="0" b="0"/>
-      </a:fillRef>
-      <a:effectRef idx="0">
-        <a:scrgbClr r="0" g="0" b="0"/>
-      </a:effectRef>
-      <a:fontRef idx="minor"/>
-    </dgm:style>
-  </dgm:styleLbl>
-  <dgm:styleLbl name="parChTrans1D4">
-    <dgm:scene3d>
-      <a:camera prst="orthographicFront"/>
-      <a:lightRig rig="threePt" dir="t"/>
-    </dgm:scene3d>
-    <dgm:sp3d/>
-    <dgm:txPr/>
-    <dgm:style>
-      <a:lnRef idx="2">
-        <a:scrgbClr r="0" g="0" b="0"/>
-      </a:lnRef>
-      <a:fillRef idx="0">
-        <a:scrgbClr r="0" g="0" b="0"/>
-      </a:fillRef>
-      <a:effectRef idx="0">
-        <a:scrgbClr r="0" g="0" b="0"/>
-      </a:effectRef>
-      <a:fontRef idx="minor"/>
-    </dgm:style>
-  </dgm:styleLbl>
-  <dgm:styleLbl name="fgAcc1">
-    <dgm:scene3d>
-      <a:camera prst="orthographicFront"/>
-      <a:lightRig rig="threePt" dir="t"/>
-    </dgm:scene3d>
-    <dgm:sp3d/>
-    <dgm:txPr/>
-    <dgm:style>
-      <a:lnRef idx="2">
-        <a:scrgbClr r="0" g="0" b="0"/>
-      </a:lnRef>
-      <a:fillRef idx="1">
-        <a:scrgbClr r="0" g="0" b="0"/>
-      </a:fillRef>
-      <a:effectRef idx="0">
-        <a:scrgbClr r="0" g="0" b="0"/>
-      </a:effectRef>
-      <a:fontRef idx="minor"/>
-    </dgm:style>
-  </dgm:styleLbl>
-  <dgm:styleLbl name="conFgAcc1">
-    <dgm:scene3d>
-      <a:camera prst="orthographicFront"/>
-      <a:lightRig rig="threePt" dir="t"/>
-    </dgm:scene3d>
-    <dgm:sp3d/>
-    <dgm:txPr/>
-    <dgm:style>
-      <a:lnRef idx="2">
-        <a:scrgbClr r="0" g="0" b="0"/>
-      </a:lnRef>
-      <a:fillRef idx="1">
-        <a:scrgbClr r="0" g="0" b="0"/>
-      </a:fillRef>
-      <a:effectRef idx="0">
-        <a:scrgbClr r="0" g="0" b="0"/>
-      </a:effectRef>
-      <a:fontRef idx="minor"/>
-    </dgm:style>
-  </dgm:styleLbl>
-  <dgm:styleLbl name="alignAcc1">
-    <dgm:scene3d>
-      <a:camera prst="orthographicFront"/>
-      <a:lightRig rig="threePt" dir="t"/>
-    </dgm:scene3d>
-    <dgm:sp3d/>
-    <dgm:txPr/>
-    <dgm:style>
-      <a:lnRef idx="2">
-        <a:scrgbClr r="0" g="0" b="0"/>
-      </a:lnRef>
-      <a:fillRef idx="1">
-        <a:scrgbClr r="0" g="0" b="0"/>
-      </a:fillRef>
-      <a:effectRef idx="0">
-        <a:scrgbClr r="0" g="0" b="0"/>
-      </a:effectRef>
-      <a:fontRef idx="minor"/>
-    </dgm:style>
-  </dgm:styleLbl>
-  <dgm:styleLbl name="trAlignAcc1">
-    <dgm:scene3d>
-      <a:camera prst="orthographicFront"/>
-      <a:lightRig rig="threePt" dir="t"/>
-    </dgm:scene3d>
-    <dgm:sp3d/>
-    <dgm:txPr/>
-    <dgm:style>
-      <a:lnRef idx="1">
-        <a:scrgbClr r="0" g="0" b="0"/>
-      </a:lnRef>
-      <a:fillRef idx="1">
-        <a:scrgbClr r="0" g="0" b="0"/>
-      </a:fillRef>
-      <a:effectRef idx="0">
-        <a:scrgbClr r="0" g="0" b="0"/>
-      </a:effectRef>
-      <a:fontRef idx="minor"/>
-    </dgm:style>
-  </dgm:styleLbl>
-  <dgm:styleLbl name="bgAcc1">
-    <dgm:scene3d>
-      <a:camera prst="orthographicFront"/>
-      <a:lightRig rig="threePt" dir="t"/>
-    </dgm:scene3d>
-    <dgm:sp3d/>
-    <dgm:txPr/>
-    <dgm:style>
-      <a:lnRef idx="2">
-        <a:scrgbClr r="0" g="0" b="0"/>
-      </a:lnRef>
-      <a:fillRef idx="1">
-        <a:scrgbClr r="0" g="0" b="0"/>
-      </a:fillRef>
-      <a:effectRef idx="0">
-        <a:scrgbClr r="0" g="0" b="0"/>
-      </a:effectRef>
-      <a:fontRef idx="minor"/>
-    </dgm:style>
-  </dgm:styleLbl>
-  <dgm:styleLbl name="solidFgAcc1">
-    <dgm:scene3d>
-      <a:camera prst="orthographicFront"/>
-      <a:lightRig rig="threePt" dir="t"/>
-    </dgm:scene3d>
-    <dgm:sp3d/>
-    <dgm:txPr/>
-    <dgm:style>
-      <a:lnRef idx="2">
-        <a:scrgbClr r="0" g="0" b="0"/>
-      </a:lnRef>
-      <a:fillRef idx="1">
-        <a:scrgbClr r="0" g="0" b="0"/>
-      </a:fillRef>
-      <a:effectRef idx="0">
-        <a:scrgbClr r="0" g="0" b="0"/>
-      </a:effectRef>
-      <a:fontRef idx="minor"/>
-    </dgm:style>
-  </dgm:styleLbl>
-  <dgm:styleLbl name="solidAlignAcc1">
-    <dgm:scene3d>
-      <a:camera prst="orthographicFront"/>
-      <a:lightRig rig="threePt" dir="t"/>
-    </dgm:scene3d>
-    <dgm:sp3d/>
-    <dgm:txPr/>
-    <dgm:style>
-      <a:lnRef idx="2">
-        <a:scrgbClr r="0" g="0" b="0"/>
-      </a:lnRef>
-      <a:fillRef idx="1">
-        <a:scrgbClr r="0" g="0" b="0"/>
-      </a:fillRef>
-      <a:effectRef idx="0">
-        <a:scrgbClr r="0" g="0" b="0"/>
-      </a:effectRef>
-      <a:fontRef idx="minor"/>
-    </dgm:style>
-  </dgm:styleLbl>
-  <dgm:styleLbl name="solidBgAcc1">
-    <dgm:scene3d>
-      <a:camera prst="orthographicFront"/>
-      <a:lightRig rig="threePt" dir="t"/>
-    </dgm:scene3d>
-    <dgm:sp3d/>
-    <dgm:txPr/>
-    <dgm:style>
-      <a:lnRef idx="2">
-        <a:scrgbClr r="0" g="0" b="0"/>
-      </a:lnRef>
-      <a:fillRef idx="1">
-        <a:scrgbClr r="0" g="0" b="0"/>
-      </a:fillRef>
-      <a:effectRef idx="0">
-        <a:scrgbClr r="0" g="0" b="0"/>
-      </a:effectRef>
-      <a:fontRef idx="minor"/>
-    </dgm:style>
-  </dgm:styleLbl>
-  <dgm:styleLbl name="fgAccFollowNode1">
-    <dgm:scene3d>
-      <a:camera prst="orthographicFront"/>
-      <a:lightRig rig="threePt" dir="t"/>
-    </dgm:scene3d>
-    <dgm:sp3d/>
-    <dgm:txPr/>
-    <dgm:style>
-      <a:lnRef idx="2">
-        <a:scrgbClr r="0" g="0" b="0"/>
-      </a:lnRef>
-      <a:fillRef idx="1">
-        <a:scrgbClr r="0" g="0" b="0"/>
-      </a:fillRef>
-      <a:effectRef idx="0">
-        <a:scrgbClr r="0" g="0" b="0"/>
-      </a:effectRef>
-      <a:fontRef idx="minor"/>
-    </dgm:style>
-  </dgm:styleLbl>
-  <dgm:styleLbl name="alignAccFollowNode1">
-    <dgm:scene3d>
-      <a:camera prst="orthographicFront"/>
-      <a:lightRig rig="threePt" dir="t"/>
-    </dgm:scene3d>
-    <dgm:sp3d/>
-    <dgm:txPr/>
-    <dgm:style>
-      <a:lnRef idx="2">
-        <a:scrgbClr r="0" g="0" b="0"/>
-      </a:lnRef>
-      <a:fillRef idx="1">
-        <a:scrgbClr r="0" g="0" b="0"/>
-      </a:fillRef>
-      <a:effectRef idx="0">
-        <a:scrgbClr r="0" g="0" b="0"/>
-      </a:effectRef>
-      <a:fontRef idx="minor"/>
-    </dgm:style>
-  </dgm:styleLbl>
-  <dgm:styleLbl name="bgAccFollowNode1">
-    <dgm:scene3d>
-      <a:camera prst="orthographicFront"/>
-      <a:lightRig rig="threePt" dir="t"/>
-    </dgm:scene3d>
-    <dgm:sp3d/>
-    <dgm:txPr/>
-    <dgm:style>
-      <a:lnRef idx="2">
-        <a:scrgbClr r="0" g="0" b="0"/>
-      </a:lnRef>
-      <a:fillRef idx="1">
-        <a:scrgbClr r="0" g="0" b="0"/>
-      </a:fillRef>
-      <a:effectRef idx="0">
-        <a:scrgbClr r="0" g="0" b="0"/>
-      </a:effectRef>
-      <a:fontRef idx="minor"/>
-    </dgm:style>
-  </dgm:styleLbl>
-  <dgm:styleLbl name="fgAcc0">
-    <dgm:scene3d>
-      <a:camera prst="orthographicFront"/>
-      <a:lightRig rig="threePt" dir="t"/>
-    </dgm:scene3d>
-    <dgm:sp3d/>
-    <dgm:txPr/>
-    <dgm:style>
-      <a:lnRef idx="2">
-        <a:scrgbClr r="0" g="0" b="0"/>
-      </a:lnRef>
-      <a:fillRef idx="1">
-        <a:scrgbClr r="0" g="0" b="0"/>
-      </a:fillRef>
-      <a:effectRef idx="0">
-        <a:scrgbClr r="0" g="0" b="0"/>
-      </a:effectRef>
-      <a:fontRef idx="minor"/>
-    </dgm:style>
-  </dgm:styleLbl>
-  <dgm:styleLbl name="fgAcc2">
-    <dgm:scene3d>
-      <a:camera prst="orthographicFront"/>
-      <a:lightRig rig="threePt" dir="t"/>
-    </dgm:scene3d>
-    <dgm:sp3d/>
-    <dgm:txPr/>
-    <dgm:style>
-      <a:lnRef idx="2">
-        <a:scrgbClr r="0" g="0" b="0"/>
-      </a:lnRef>
-      <a:fillRef idx="1">
-        <a:scrgbClr r="0" g="0" b="0"/>
-      </a:fillRef>
-      <a:effectRef idx="0">
-        <a:scrgbClr r="0" g="0" b="0"/>
-      </a:effectRef>
-      <a:fontRef idx="minor"/>
-    </dgm:style>
-  </dgm:styleLbl>
-  <dgm:styleLbl name="fgAcc3">
-    <dgm:scene3d>
-      <a:camera prst="orthographicFront"/>
-      <a:lightRig rig="threePt" dir="t"/>
-    </dgm:scene3d>
-    <dgm:sp3d/>
-    <dgm:txPr/>
-    <dgm:style>
-      <a:lnRef idx="2">
-        <a:scrgbClr r="0" g="0" b="0"/>
-      </a:lnRef>
-      <a:fillRef idx="1">
-        <a:scrgbClr r="0" g="0" b="0"/>
-      </a:fillRef>
-      <a:effectRef idx="0">
-        <a:scrgbClr r="0" g="0" b="0"/>
-      </a:effectRef>
-      <a:fontRef idx="minor"/>
-    </dgm:style>
-  </dgm:styleLbl>
-  <dgm:styleLbl name="fgAcc4">
-    <dgm:scene3d>
-      <a:camera prst="orthographicFront"/>
-      <a:lightRig rig="threePt" dir="t"/>
-    </dgm:scene3d>
-    <dgm:sp3d/>
-    <dgm:txPr/>
-    <dgm:style>
-      <a:lnRef idx="2">
-        <a:scrgbClr r="0" g="0" b="0"/>
-      </a:lnRef>
-      <a:fillRef idx="1">
-        <a:scrgbClr r="0" g="0" b="0"/>
-      </a:fillRef>
-      <a:effectRef idx="0">
-        <a:scrgbClr r="0" g="0" b="0"/>
-      </a:effectRef>
-      <a:fontRef idx="minor"/>
-    </dgm:style>
-  </dgm:styleLbl>
-  <dgm:styleLbl name="bgShp">
-    <dgm:scene3d>
-      <a:camera prst="orthographicFront"/>
-      <a:lightRig rig="threePt" dir="t"/>
-    </dgm:scene3d>
-    <dgm:sp3d/>
-    <dgm:txPr/>
-    <dgm:style>
-      <a:lnRef idx="0">
-        <a:scrgbClr r="0" g="0" b="0"/>
-      </a:lnRef>
-      <a:fillRef idx="1">
-        <a:scrgbClr r="0" g="0" b="0"/>
-      </a:fillRef>
-      <a:effectRef idx="0">
-        <a:scrgbClr r="0" g="0" b="0"/>
-      </a:effectRef>
-      <a:fontRef idx="minor"/>
-    </dgm:style>
-  </dgm:styleLbl>
-  <dgm:styleLbl name="dkBgShp">
-    <dgm:scene3d>
-      <a:camera prst="orthographicFront"/>
-      <a:lightRig rig="threePt" dir="t"/>
-    </dgm:scene3d>
-    <dgm:sp3d/>
-    <dgm:txPr/>
-    <dgm:style>
-      <a:lnRef idx="0">
-        <a:scrgbClr r="0" g="0" b="0"/>
-      </a:lnRef>
-      <a:fillRef idx="1">
-        <a:scrgbClr r="0" g="0" b="0"/>
-      </a:fillRef>
-      <a:effectRef idx="0">
-        <a:scrgbClr r="0" g="0" b="0"/>
-      </a:effectRef>
-      <a:fontRef idx="minor"/>
-    </dgm:style>
-  </dgm:styleLbl>
-  <dgm:styleLbl name="trBgShp">
-    <dgm:scene3d>
-      <a:camera prst="orthographicFront"/>
-      <a:lightRig rig="threePt" dir="t"/>
-    </dgm:scene3d>
-    <dgm:sp3d/>
-    <dgm:txPr/>
-    <dgm:style>
-      <a:lnRef idx="0">
-        <a:scrgbClr r="0" g="0" b="0"/>
-      </a:lnRef>
-      <a:fillRef idx="1">
-        <a:scrgbClr r="0" g="0" b="0"/>
-      </a:fillRef>
-      <a:effectRef idx="0">
-        <a:scrgbClr r="0" g="0" b="0"/>
-      </a:effectRef>
-      <a:fontRef idx="minor"/>
-    </dgm:style>
-  </dgm:styleLbl>
-  <dgm:styleLbl name="fgShp">
-    <dgm:scene3d>
-      <a:camera prst="orthographicFront"/>
-      <a:lightRig rig="threePt" dir="t"/>
-    </dgm:scene3d>
-    <dgm:sp3d/>
-    <dgm:txPr/>
-    <dgm:style>
-      <a:lnRef idx="2">
-        <a:scrgbClr r="0" g="0" b="0"/>
-      </a:lnRef>
-      <a:fillRef idx="1">
-        <a:scrgbClr r="0" g="0" b="0"/>
-      </a:fillRef>
-      <a:effectRef idx="0">
-        <a:scrgbClr r="0" g="0" b="0"/>
-      </a:effectRef>
-      <a:fontRef idx="minor"/>
-    </dgm:style>
-  </dgm:styleLbl>
-  <dgm:styleLbl name="revTx">
-    <dgm:scene3d>
-      <a:camera prst="orthographicFront"/>
-      <a:lightRig rig="threePt" dir="t"/>
-    </dgm:scene3d>
-    <dgm:sp3d/>
-    <dgm:txPr/>
-    <dgm:style>
-      <a:lnRef idx="0">
-        <a:scrgbClr r="0" g="0" b="0"/>
-      </a:lnRef>
-      <a:fillRef idx="0">
-        <a:scrgbClr r="0" g="0" b="0"/>
-      </a:fillRef>
-      <a:effectRef idx="0">
-        <a:scrgbClr r="0" g="0" b="0"/>
-      </a:effectRef>
-      <a:fontRef idx="minor"/>
-    </dgm:style>
-  </dgm:styleLbl>
-</dgm:styleDef>
-</file>
-
-<file path=ppt/diagrams/quickStyle2.xml><?xml version="1.0" encoding="utf-8"?>
 <dgm:styleDef xmlns:dgm="http://schemas.openxmlformats.org/drawingml/2006/diagram" xmlns:a="http://schemas.openxmlformats.org/drawingml/2006/main" uniqueId="urn:microsoft.com/office/officeart/2005/8/quickstyle/simple1">
   <dgm:title val=""/>
   <dgm:desc val=""/>
@@ -15331,212 +9404,6 @@
 </p:sld>
 </file>
 
-<file path=ppt/slides/slide5.xml><?xml version="1.0" encoding="utf-8"?>
-<p:sld xmlns:a="http://schemas.openxmlformats.org/drawingml/2006/main" xmlns:r="http://schemas.openxmlformats.org/officeDocument/2006/relationships" xmlns:p="http://schemas.openxmlformats.org/presentationml/2006/main">
-  <p:cSld>
-    <p:spTree>
-      <p:nvGrpSpPr>
-        <p:cNvPr id="1" name=""/>
-        <p:cNvGrpSpPr/>
-        <p:nvPr/>
-      </p:nvGrpSpPr>
-      <p:grpSpPr>
-        <a:xfrm>
-          <a:off x="0" y="0"/>
-          <a:ext cx="0" cy="0"/>
-          <a:chOff x="0" y="0"/>
-          <a:chExt cx="0" cy="0"/>
-        </a:xfrm>
-      </p:grpSpPr>
-      <p:pic>
-        <p:nvPicPr>
-          <p:cNvPr id="4" name="Picture 3">
-            <a:extLst>
-              <a:ext uri="{FF2B5EF4-FFF2-40B4-BE49-F238E27FC236}">
-                <a16:creationId xmlns:a16="http://schemas.microsoft.com/office/drawing/2014/main" id="{816B17DF-74F2-4830-813B-2EDE015D4FDA}"/>
-              </a:ext>
-            </a:extLst>
-          </p:cNvPr>
-          <p:cNvPicPr>
-            <a:picLocks noChangeAspect="1"/>
-          </p:cNvPicPr>
-          <p:nvPr/>
-        </p:nvPicPr>
-        <p:blipFill>
-          <a:blip r:embed="rId2"/>
-          <a:stretch>
-            <a:fillRect/>
-          </a:stretch>
-        </p:blipFill>
-        <p:spPr>
-          <a:xfrm>
-            <a:off x="1006855" y="0"/>
-            <a:ext cx="7130289" cy="5143500"/>
-          </a:xfrm>
-          <a:prstGeom prst="rect">
-            <a:avLst/>
-          </a:prstGeom>
-        </p:spPr>
-      </p:pic>
-    </p:spTree>
-    <p:extLst>
-      <p:ext uri="{BB962C8B-B14F-4D97-AF65-F5344CB8AC3E}">
-        <p14:creationId xmlns:p14="http://schemas.microsoft.com/office/powerpoint/2010/main" val="3500721091"/>
-      </p:ext>
-    </p:extLst>
-  </p:cSld>
-  <p:clrMapOvr>
-    <a:masterClrMapping/>
-  </p:clrMapOvr>
-</p:sld>
-</file>
-
-<file path=ppt/slides/slide6.xml><?xml version="1.0" encoding="utf-8"?>
-<p:sld xmlns:a="http://schemas.openxmlformats.org/drawingml/2006/main" xmlns:r="http://schemas.openxmlformats.org/officeDocument/2006/relationships" xmlns:p="http://schemas.openxmlformats.org/presentationml/2006/main">
-  <p:cSld>
-    <p:spTree>
-      <p:nvGrpSpPr>
-        <p:cNvPr id="1" name=""/>
-        <p:cNvGrpSpPr/>
-        <p:nvPr/>
-      </p:nvGrpSpPr>
-      <p:grpSpPr>
-        <a:xfrm>
-          <a:off x="0" y="0"/>
-          <a:ext cx="0" cy="0"/>
-          <a:chOff x="0" y="0"/>
-          <a:chExt cx="0" cy="0"/>
-        </a:xfrm>
-      </p:grpSpPr>
-      <p:sp>
-        <p:nvSpPr>
-          <p:cNvPr id="2" name="Title 1">
-            <a:extLst>
-              <a:ext uri="{FF2B5EF4-FFF2-40B4-BE49-F238E27FC236}">
-                <a16:creationId xmlns:a16="http://schemas.microsoft.com/office/drawing/2014/main" id="{0F4F9CC1-CC14-4166-B034-9CAD32EAE613}"/>
-              </a:ext>
-            </a:extLst>
-          </p:cNvPr>
-          <p:cNvSpPr>
-            <a:spLocks noGrp="1"/>
-          </p:cNvSpPr>
-          <p:nvPr>
-            <p:ph type="title"/>
-          </p:nvPr>
-        </p:nvSpPr>
-        <p:spPr/>
-        <p:txBody>
-          <a:bodyPr/>
-          <a:lstStyle/>
-          <a:p>
-            <a:r>
-              <a:rPr lang="en-US" dirty="0"/>
-              <a:t>Groups!</a:t>
-            </a:r>
-          </a:p>
-        </p:txBody>
-      </p:sp>
-      <p:graphicFrame>
-        <p:nvGraphicFramePr>
-          <p:cNvPr id="5" name="Diagram 4">
-            <a:extLst>
-              <a:ext uri="{FF2B5EF4-FFF2-40B4-BE49-F238E27FC236}">
-                <a16:creationId xmlns:a16="http://schemas.microsoft.com/office/drawing/2014/main" id="{C4075515-EC42-4D0F-B02E-6BEEF46F2FDD}"/>
-              </a:ext>
-            </a:extLst>
-          </p:cNvPr>
-          <p:cNvGraphicFramePr/>
-          <p:nvPr>
-            <p:extLst>
-              <p:ext uri="{D42A27DB-BD31-4B8C-83A1-F6EECF244321}">
-                <p14:modId xmlns:p14="http://schemas.microsoft.com/office/powerpoint/2010/main" val="377581408"/>
-              </p:ext>
-            </p:extLst>
-          </p:nvPr>
-        </p:nvGraphicFramePr>
-        <p:xfrm>
-          <a:off x="422150" y="539750"/>
-          <a:ext cx="8299700" cy="4064000"/>
-        </p:xfrm>
-        <a:graphic>
-          <a:graphicData uri="http://schemas.openxmlformats.org/drawingml/2006/diagram">
-            <dgm:relIds xmlns:dgm="http://schemas.openxmlformats.org/drawingml/2006/diagram" xmlns:r="http://schemas.openxmlformats.org/officeDocument/2006/relationships" r:dm="rId2" r:lo="rId3" r:qs="rId4" r:cs="rId5"/>
-          </a:graphicData>
-        </a:graphic>
-      </p:graphicFrame>
-    </p:spTree>
-    <p:extLst>
-      <p:ext uri="{BB962C8B-B14F-4D97-AF65-F5344CB8AC3E}">
-        <p14:creationId xmlns:p14="http://schemas.microsoft.com/office/powerpoint/2010/main" val="2516134348"/>
-      </p:ext>
-    </p:extLst>
-  </p:cSld>
-  <p:clrMapOvr>
-    <a:masterClrMapping/>
-  </p:clrMapOvr>
-</p:sld>
-</file>
-
-<file path=ppt/slides/slide7.xml><?xml version="1.0" encoding="utf-8"?>
-<p:sld xmlns:a="http://schemas.openxmlformats.org/drawingml/2006/main" xmlns:r="http://schemas.openxmlformats.org/officeDocument/2006/relationships" xmlns:p="http://schemas.openxmlformats.org/presentationml/2006/main">
-  <p:cSld>
-    <p:spTree>
-      <p:nvGrpSpPr>
-        <p:cNvPr id="1" name=""/>
-        <p:cNvGrpSpPr/>
-        <p:nvPr/>
-      </p:nvGrpSpPr>
-      <p:grpSpPr>
-        <a:xfrm>
-          <a:off x="0" y="0"/>
-          <a:ext cx="0" cy="0"/>
-          <a:chOff x="0" y="0"/>
-          <a:chExt cx="0" cy="0"/>
-        </a:xfrm>
-      </p:grpSpPr>
-      <p:pic>
-        <p:nvPicPr>
-          <p:cNvPr id="5" name="Picture 4" descr="A picture containing writing implement, stationary, pencil&#10;&#10;Description automatically generated">
-            <a:extLst>
-              <a:ext uri="{FF2B5EF4-FFF2-40B4-BE49-F238E27FC236}">
-                <a16:creationId xmlns:a16="http://schemas.microsoft.com/office/drawing/2014/main" id="{791220D6-BAE3-43C6-AE37-BC9D02AB99D4}"/>
-              </a:ext>
-            </a:extLst>
-          </p:cNvPr>
-          <p:cNvPicPr>
-            <a:picLocks noChangeAspect="1"/>
-          </p:cNvPicPr>
-          <p:nvPr/>
-        </p:nvPicPr>
-        <p:blipFill>
-          <a:blip r:embed="rId2"/>
-          <a:stretch>
-            <a:fillRect/>
-          </a:stretch>
-        </p:blipFill>
-        <p:spPr>
-          <a:xfrm>
-            <a:off x="0" y="285750"/>
-            <a:ext cx="9144000" cy="4572000"/>
-          </a:xfrm>
-          <a:prstGeom prst="rect">
-            <a:avLst/>
-          </a:prstGeom>
-        </p:spPr>
-      </p:pic>
-    </p:spTree>
-    <p:extLst>
-      <p:ext uri="{BB962C8B-B14F-4D97-AF65-F5344CB8AC3E}">
-        <p14:creationId xmlns:p14="http://schemas.microsoft.com/office/powerpoint/2010/main" val="1960995698"/>
-      </p:ext>
-    </p:extLst>
-  </p:cSld>
-  <p:clrMapOvr>
-    <a:masterClrMapping/>
-  </p:clrMapOvr>
-</p:sld>
-</file>
-
 <file path=ppt/theme/theme1.xml><?xml version="1.0" encoding="utf-8"?>
 <a:theme xmlns:a="http://schemas.openxmlformats.org/drawingml/2006/main" name="Swiss">
   <a:themeElements>

--- a/2 - Gitting Started/GittingStarted.pptx
+++ b/2 - Gitting Started/GittingStarted.pptx
@@ -5,37 +5,38 @@
     <p:sldMasterId id="2147483659" r:id="rId1"/>
   </p:sldMasterIdLst>
   <p:notesMasterIdLst>
-    <p:notesMasterId r:id="rId6"/>
+    <p:notesMasterId r:id="rId7"/>
   </p:notesMasterIdLst>
   <p:sldIdLst>
     <p:sldId id="256" r:id="rId2"/>
     <p:sldId id="280" r:id="rId3"/>
     <p:sldId id="281" r:id="rId4"/>
     <p:sldId id="282" r:id="rId5"/>
+    <p:sldId id="283" r:id="rId6"/>
   </p:sldIdLst>
   <p:sldSz cx="9144000" cy="5143500" type="screen16x9"/>
   <p:notesSz cx="6858000" cy="9144000"/>
   <p:embeddedFontLst>
     <p:embeddedFont>
       <p:font typeface="Consolas" panose="020B0609020204030204" pitchFamily="49" charset="0"/>
-      <p:regular r:id="rId7"/>
-      <p:bold r:id="rId8"/>
-      <p:italic r:id="rId9"/>
-      <p:boldItalic r:id="rId10"/>
+      <p:regular r:id="rId8"/>
+      <p:bold r:id="rId9"/>
+      <p:italic r:id="rId10"/>
+      <p:boldItalic r:id="rId11"/>
     </p:embeddedFont>
     <p:embeddedFont>
       <p:font typeface="Lato" panose="020F0502020204030203" pitchFamily="34" charset="0"/>
-      <p:regular r:id="rId11"/>
-      <p:bold r:id="rId12"/>
-      <p:italic r:id="rId13"/>
-      <p:boldItalic r:id="rId14"/>
+      <p:regular r:id="rId12"/>
+      <p:bold r:id="rId13"/>
+      <p:italic r:id="rId14"/>
+      <p:boldItalic r:id="rId15"/>
     </p:embeddedFont>
     <p:embeddedFont>
-      <p:font typeface="Raleway" panose="020B0503030101060003" pitchFamily="34" charset="77"/>
-      <p:regular r:id="rId15"/>
-      <p:bold r:id="rId16"/>
-      <p:italic r:id="rId17"/>
-      <p:boldItalic r:id="rId18"/>
+      <p:font typeface="Raleway" pitchFamily="2" charset="77"/>
+      <p:regular r:id="rId16"/>
+      <p:bold r:id="rId17"/>
+      <p:italic r:id="rId18"/>
+      <p:boldItalic r:id="rId19"/>
     </p:embeddedFont>
   </p:embeddedFontLst>
   <p:defaultTextStyle>
@@ -9404,6 +9405,226 @@
 </p:sld>
 </file>
 
+<file path=ppt/slides/slide5.xml><?xml version="1.0" encoding="utf-8"?>
+<p:sld xmlns:a="http://schemas.openxmlformats.org/drawingml/2006/main" xmlns:r="http://schemas.openxmlformats.org/officeDocument/2006/relationships" xmlns:p="http://schemas.openxmlformats.org/presentationml/2006/main">
+  <p:cSld>
+    <p:spTree>
+      <p:nvGrpSpPr>
+        <p:cNvPr id="1" name=""/>
+        <p:cNvGrpSpPr/>
+        <p:nvPr/>
+      </p:nvGrpSpPr>
+      <p:grpSpPr>
+        <a:xfrm>
+          <a:off x="0" y="0"/>
+          <a:ext cx="0" cy="0"/>
+          <a:chOff x="0" y="0"/>
+          <a:chExt cx="0" cy="0"/>
+        </a:xfrm>
+      </p:grpSpPr>
+      <p:sp>
+        <p:nvSpPr>
+          <p:cNvPr id="2" name="Title 1">
+            <a:extLst>
+              <a:ext uri="{FF2B5EF4-FFF2-40B4-BE49-F238E27FC236}">
+                <a16:creationId xmlns:a16="http://schemas.microsoft.com/office/drawing/2014/main" id="{F69A5A3A-9289-1E40-B744-45E60F565AAA}"/>
+              </a:ext>
+            </a:extLst>
+          </p:cNvPr>
+          <p:cNvSpPr>
+            <a:spLocks noGrp="1"/>
+          </p:cNvSpPr>
+          <p:nvPr>
+            <p:ph type="title"/>
+          </p:nvPr>
+        </p:nvSpPr>
+        <p:spPr/>
+        <p:txBody>
+          <a:bodyPr/>
+          <a:lstStyle/>
+          <a:p>
+            <a:r>
+              <a:rPr lang="en-US" dirty="0"/>
+              <a:t>Learning Resources</a:t>
+            </a:r>
+          </a:p>
+        </p:txBody>
+      </p:sp>
+      <p:pic>
+        <p:nvPicPr>
+          <p:cNvPr id="7" name="Picture 6">
+            <a:extLst>
+              <a:ext uri="{FF2B5EF4-FFF2-40B4-BE49-F238E27FC236}">
+                <a16:creationId xmlns:a16="http://schemas.microsoft.com/office/drawing/2014/main" id="{61914790-ACD0-BE4B-B7FA-F54732AB5750}"/>
+              </a:ext>
+            </a:extLst>
+          </p:cNvPr>
+          <p:cNvPicPr>
+            <a:picLocks noChangeAspect="1"/>
+          </p:cNvPicPr>
+          <p:nvPr/>
+        </p:nvPicPr>
+        <p:blipFill rotWithShape="1">
+          <a:blip r:embed="rId2"/>
+          <a:srcRect t="44081"/>
+          <a:stretch/>
+        </p:blipFill>
+        <p:spPr>
+          <a:xfrm>
+            <a:off x="894618" y="2485016"/>
+            <a:ext cx="3301998" cy="1805099"/>
+          </a:xfrm>
+          <a:prstGeom prst="rect">
+            <a:avLst/>
+          </a:prstGeom>
+        </p:spPr>
+      </p:pic>
+      <p:pic>
+        <p:nvPicPr>
+          <p:cNvPr id="9" name="Picture 8">
+            <a:extLst>
+              <a:ext uri="{FF2B5EF4-FFF2-40B4-BE49-F238E27FC236}">
+                <a16:creationId xmlns:a16="http://schemas.microsoft.com/office/drawing/2014/main" id="{B54E795A-8F51-C446-8363-E45B86217301}"/>
+              </a:ext>
+            </a:extLst>
+          </p:cNvPr>
+          <p:cNvPicPr>
+            <a:picLocks noChangeAspect="1"/>
+          </p:cNvPicPr>
+          <p:nvPr/>
+        </p:nvPicPr>
+        <p:blipFill>
+          <a:blip r:embed="rId3"/>
+          <a:stretch>
+            <a:fillRect/>
+          </a:stretch>
+        </p:blipFill>
+        <p:spPr>
+          <a:xfrm>
+            <a:off x="4726003" y="1928124"/>
+            <a:ext cx="3828321" cy="1287252"/>
+          </a:xfrm>
+          <a:prstGeom prst="rect">
+            <a:avLst/>
+          </a:prstGeom>
+        </p:spPr>
+      </p:pic>
+      <p:pic>
+        <p:nvPicPr>
+          <p:cNvPr id="10" name="Picture 9">
+            <a:extLst>
+              <a:ext uri="{FF2B5EF4-FFF2-40B4-BE49-F238E27FC236}">
+                <a16:creationId xmlns:a16="http://schemas.microsoft.com/office/drawing/2014/main" id="{BD01F1B6-5A70-3243-91AC-E076625BC4A0}"/>
+              </a:ext>
+            </a:extLst>
+          </p:cNvPr>
+          <p:cNvPicPr>
+            <a:picLocks noChangeAspect="1"/>
+          </p:cNvPicPr>
+          <p:nvPr/>
+        </p:nvPicPr>
+        <p:blipFill rotWithShape="1">
+          <a:blip r:embed="rId2"/>
+          <a:srcRect b="69287"/>
+          <a:stretch/>
+        </p:blipFill>
+        <p:spPr>
+          <a:xfrm>
+            <a:off x="894618" y="1493575"/>
+            <a:ext cx="3301998" cy="991441"/>
+          </a:xfrm>
+          <a:prstGeom prst="rect">
+            <a:avLst/>
+          </a:prstGeom>
+        </p:spPr>
+      </p:pic>
+      <p:sp>
+        <p:nvSpPr>
+          <p:cNvPr id="11" name="Rectangle 10">
+            <a:extLst>
+              <a:ext uri="{FF2B5EF4-FFF2-40B4-BE49-F238E27FC236}">
+                <a16:creationId xmlns:a16="http://schemas.microsoft.com/office/drawing/2014/main" id="{4A9D39AE-AA7F-E845-886A-E9646FF2B31E}"/>
+              </a:ext>
+            </a:extLst>
+          </p:cNvPr>
+          <p:cNvSpPr/>
+          <p:nvPr/>
+        </p:nvSpPr>
+        <p:spPr>
+          <a:xfrm>
+            <a:off x="1587467" y="4259773"/>
+            <a:ext cx="1935145" cy="307777"/>
+          </a:xfrm>
+          <a:prstGeom prst="rect">
+            <a:avLst/>
+          </a:prstGeom>
+        </p:spPr>
+        <p:txBody>
+          <a:bodyPr wrap="none">
+            <a:spAutoFit/>
+          </a:bodyPr>
+          <a:lstStyle/>
+          <a:p>
+            <a:r>
+              <a:rPr lang="en-US" dirty="0">
+                <a:hlinkClick r:id="rId4"/>
+              </a:rPr>
+              <a:t>https://lab.github.com/</a:t>
+            </a:r>
+            <a:endParaRPr lang="en-US" dirty="0"/>
+          </a:p>
+        </p:txBody>
+      </p:sp>
+      <p:sp>
+        <p:nvSpPr>
+          <p:cNvPr id="12" name="Rectangle 11">
+            <a:extLst>
+              <a:ext uri="{FF2B5EF4-FFF2-40B4-BE49-F238E27FC236}">
+                <a16:creationId xmlns:a16="http://schemas.microsoft.com/office/drawing/2014/main" id="{F17AF250-A115-3845-B37B-A70F68E3402A}"/>
+              </a:ext>
+            </a:extLst>
+          </p:cNvPr>
+          <p:cNvSpPr/>
+          <p:nvPr/>
+        </p:nvSpPr>
+        <p:spPr>
+          <a:xfrm>
+            <a:off x="4499192" y="3215376"/>
+            <a:ext cx="4281941" cy="307777"/>
+          </a:xfrm>
+          <a:prstGeom prst="rect">
+            <a:avLst/>
+          </a:prstGeom>
+        </p:spPr>
+        <p:txBody>
+          <a:bodyPr wrap="none">
+            <a:spAutoFit/>
+          </a:bodyPr>
+          <a:lstStyle/>
+          <a:p>
+            <a:r>
+              <a:rPr lang="en-US" dirty="0">
+                <a:hlinkClick r:id="rId5"/>
+              </a:rPr>
+              <a:t>https://guides.github.com/introduction/git-handbook/</a:t>
+            </a:r>
+            <a:endParaRPr lang="en-US" dirty="0"/>
+          </a:p>
+        </p:txBody>
+      </p:sp>
+    </p:spTree>
+    <p:extLst>
+      <p:ext uri="{BB962C8B-B14F-4D97-AF65-F5344CB8AC3E}">
+        <p14:creationId xmlns:p14="http://schemas.microsoft.com/office/powerpoint/2010/main" val="2175297295"/>
+      </p:ext>
+    </p:extLst>
+  </p:cSld>
+  <p:clrMapOvr>
+    <a:masterClrMapping/>
+  </p:clrMapOvr>
+</p:sld>
+</file>
+
 <file path=ppt/theme/theme1.xml><?xml version="1.0" encoding="utf-8"?>
 <a:theme xmlns:a="http://schemas.openxmlformats.org/drawingml/2006/main" name="Swiss">
   <a:themeElements>

--- a/2 - Gitting Started/GittingStarted.pptx
+++ b/2 - Gitting Started/GittingStarted.pptx
@@ -5,7 +5,7 @@
     <p:sldMasterId id="2147483659" r:id="rId1"/>
   </p:sldMasterIdLst>
   <p:notesMasterIdLst>
-    <p:notesMasterId r:id="rId7"/>
+    <p:notesMasterId r:id="rId8"/>
   </p:notesMasterIdLst>
   <p:sldIdLst>
     <p:sldId id="256" r:id="rId2"/>
@@ -13,30 +13,31 @@
     <p:sldId id="281" r:id="rId4"/>
     <p:sldId id="282" r:id="rId5"/>
     <p:sldId id="283" r:id="rId6"/>
+    <p:sldId id="284" r:id="rId7"/>
   </p:sldIdLst>
   <p:sldSz cx="9144000" cy="5143500" type="screen16x9"/>
   <p:notesSz cx="6858000" cy="9144000"/>
   <p:embeddedFontLst>
     <p:embeddedFont>
       <p:font typeface="Consolas" panose="020B0609020204030204" pitchFamily="49" charset="0"/>
-      <p:regular r:id="rId8"/>
-      <p:bold r:id="rId9"/>
-      <p:italic r:id="rId10"/>
-      <p:boldItalic r:id="rId11"/>
+      <p:regular r:id="rId9"/>
+      <p:bold r:id="rId10"/>
+      <p:italic r:id="rId11"/>
+      <p:boldItalic r:id="rId12"/>
     </p:embeddedFont>
     <p:embeddedFont>
       <p:font typeface="Lato" panose="020F0502020204030203" pitchFamily="34" charset="0"/>
-      <p:regular r:id="rId12"/>
-      <p:bold r:id="rId13"/>
-      <p:italic r:id="rId14"/>
-      <p:boldItalic r:id="rId15"/>
+      <p:regular r:id="rId13"/>
+      <p:bold r:id="rId14"/>
+      <p:italic r:id="rId15"/>
+      <p:boldItalic r:id="rId16"/>
     </p:embeddedFont>
     <p:embeddedFont>
       <p:font typeface="Raleway" pitchFamily="2" charset="77"/>
-      <p:regular r:id="rId16"/>
-      <p:bold r:id="rId17"/>
-      <p:italic r:id="rId18"/>
-      <p:boldItalic r:id="rId19"/>
+      <p:regular r:id="rId17"/>
+      <p:bold r:id="rId18"/>
+      <p:italic r:id="rId19"/>
+      <p:boldItalic r:id="rId20"/>
     </p:embeddedFont>
   </p:embeddedFontLst>
   <p:defaultTextStyle>
@@ -1024,6 +1025,788 @@
   <dgm:styleLbl name="fgShp">
     <dgm:fillClrLst meth="repeat">
       <a:schemeClr val="accent3">
+        <a:tint val="40000"/>
+      </a:schemeClr>
+    </dgm:fillClrLst>
+    <dgm:linClrLst meth="repeat">
+      <a:schemeClr val="lt1"/>
+    </dgm:linClrLst>
+    <dgm:effectClrLst/>
+    <dgm:txLinClrLst/>
+    <dgm:txFillClrLst meth="repeat">
+      <a:schemeClr val="dk1"/>
+    </dgm:txFillClrLst>
+    <dgm:txEffectClrLst/>
+  </dgm:styleLbl>
+  <dgm:styleLbl name="revTx">
+    <dgm:fillClrLst meth="repeat">
+      <a:schemeClr val="lt1">
+        <a:alpha val="0"/>
+      </a:schemeClr>
+    </dgm:fillClrLst>
+    <dgm:linClrLst meth="repeat">
+      <a:schemeClr val="dk1">
+        <a:alpha val="0"/>
+      </a:schemeClr>
+    </dgm:linClrLst>
+    <dgm:effectClrLst/>
+    <dgm:txLinClrLst/>
+    <dgm:txFillClrLst meth="repeat">
+      <a:schemeClr val="tx1"/>
+    </dgm:txFillClrLst>
+    <dgm:txEffectClrLst/>
+  </dgm:styleLbl>
+</dgm:colorsDef>
+</file>
+
+<file path=ppt/diagrams/colors2.xml><?xml version="1.0" encoding="utf-8"?>
+<dgm:colorsDef xmlns:dgm="http://schemas.openxmlformats.org/drawingml/2006/diagram" xmlns:a="http://schemas.openxmlformats.org/drawingml/2006/main" uniqueId="urn:microsoft.com/office/officeart/2005/8/colors/colorful2">
+  <dgm:title val=""/>
+  <dgm:desc val=""/>
+  <dgm:catLst>
+    <dgm:cat type="colorful" pri="10200"/>
+  </dgm:catLst>
+  <dgm:styleLbl name="node0">
+    <dgm:fillClrLst meth="repeat">
+      <a:schemeClr val="accent1"/>
+    </dgm:fillClrLst>
+    <dgm:linClrLst meth="repeat">
+      <a:schemeClr val="lt1"/>
+    </dgm:linClrLst>
+    <dgm:effectClrLst/>
+    <dgm:txLinClrLst/>
+    <dgm:txFillClrLst/>
+    <dgm:txEffectClrLst/>
+  </dgm:styleLbl>
+  <dgm:styleLbl name="node1">
+    <dgm:fillClrLst>
+      <a:schemeClr val="accent2"/>
+      <a:schemeClr val="accent3"/>
+    </dgm:fillClrLst>
+    <dgm:linClrLst meth="repeat">
+      <a:schemeClr val="lt1"/>
+    </dgm:linClrLst>
+    <dgm:effectClrLst/>
+    <dgm:txLinClrLst/>
+    <dgm:txFillClrLst/>
+    <dgm:txEffectClrLst/>
+  </dgm:styleLbl>
+  <dgm:styleLbl name="alignNode1">
+    <dgm:fillClrLst>
+      <a:schemeClr val="accent2"/>
+      <a:schemeClr val="accent3"/>
+    </dgm:fillClrLst>
+    <dgm:linClrLst>
+      <a:schemeClr val="accent2"/>
+      <a:schemeClr val="accent3"/>
+    </dgm:linClrLst>
+    <dgm:effectClrLst/>
+    <dgm:txLinClrLst/>
+    <dgm:txFillClrLst/>
+    <dgm:txEffectClrLst/>
+  </dgm:styleLbl>
+  <dgm:styleLbl name="lnNode1">
+    <dgm:fillClrLst>
+      <a:schemeClr val="accent2"/>
+      <a:schemeClr val="accent3"/>
+    </dgm:fillClrLst>
+    <dgm:linClrLst meth="repeat">
+      <a:schemeClr val="lt1"/>
+    </dgm:linClrLst>
+    <dgm:effectClrLst/>
+    <dgm:txLinClrLst/>
+    <dgm:txFillClrLst/>
+    <dgm:txEffectClrLst/>
+  </dgm:styleLbl>
+  <dgm:styleLbl name="vennNode1">
+    <dgm:fillClrLst>
+      <a:schemeClr val="accent2">
+        <a:alpha val="50000"/>
+      </a:schemeClr>
+      <a:schemeClr val="accent3">
+        <a:alpha val="50000"/>
+      </a:schemeClr>
+    </dgm:fillClrLst>
+    <dgm:linClrLst meth="repeat">
+      <a:schemeClr val="lt1"/>
+    </dgm:linClrLst>
+    <dgm:effectClrLst/>
+    <dgm:txLinClrLst/>
+    <dgm:txFillClrLst/>
+    <dgm:txEffectClrLst/>
+  </dgm:styleLbl>
+  <dgm:styleLbl name="node2">
+    <dgm:fillClrLst>
+      <a:schemeClr val="accent3"/>
+    </dgm:fillClrLst>
+    <dgm:linClrLst meth="repeat">
+      <a:schemeClr val="lt1"/>
+    </dgm:linClrLst>
+    <dgm:effectClrLst/>
+    <dgm:txLinClrLst/>
+    <dgm:txFillClrLst/>
+    <dgm:txEffectClrLst/>
+  </dgm:styleLbl>
+  <dgm:styleLbl name="node3">
+    <dgm:fillClrLst>
+      <a:schemeClr val="accent4"/>
+    </dgm:fillClrLst>
+    <dgm:linClrLst meth="repeat">
+      <a:schemeClr val="lt1"/>
+    </dgm:linClrLst>
+    <dgm:effectClrLst/>
+    <dgm:txLinClrLst/>
+    <dgm:txFillClrLst/>
+    <dgm:txEffectClrLst/>
+  </dgm:styleLbl>
+  <dgm:styleLbl name="node4">
+    <dgm:fillClrLst>
+      <a:schemeClr val="accent5"/>
+    </dgm:fillClrLst>
+    <dgm:linClrLst meth="repeat">
+      <a:schemeClr val="lt1"/>
+    </dgm:linClrLst>
+    <dgm:effectClrLst/>
+    <dgm:txLinClrLst/>
+    <dgm:txFillClrLst/>
+    <dgm:txEffectClrLst/>
+  </dgm:styleLbl>
+  <dgm:styleLbl name="fgImgPlace1">
+    <dgm:fillClrLst>
+      <a:schemeClr val="accent2">
+        <a:tint val="50000"/>
+      </a:schemeClr>
+      <a:schemeClr val="accent3">
+        <a:tint val="50000"/>
+      </a:schemeClr>
+    </dgm:fillClrLst>
+    <dgm:linClrLst meth="repeat">
+      <a:schemeClr val="lt1"/>
+    </dgm:linClrLst>
+    <dgm:effectClrLst/>
+    <dgm:txLinClrLst/>
+    <dgm:txFillClrLst meth="repeat">
+      <a:schemeClr val="lt1"/>
+    </dgm:txFillClrLst>
+    <dgm:txEffectClrLst/>
+  </dgm:styleLbl>
+  <dgm:styleLbl name="alignImgPlace1">
+    <dgm:fillClrLst>
+      <a:schemeClr val="accent2">
+        <a:tint val="50000"/>
+      </a:schemeClr>
+      <a:schemeClr val="accent3">
+        <a:tint val="20000"/>
+      </a:schemeClr>
+    </dgm:fillClrLst>
+    <dgm:linClrLst meth="repeat">
+      <a:schemeClr val="lt1"/>
+    </dgm:linClrLst>
+    <dgm:effectClrLst/>
+    <dgm:txLinClrLst/>
+    <dgm:txFillClrLst meth="repeat">
+      <a:schemeClr val="lt1"/>
+    </dgm:txFillClrLst>
+    <dgm:txEffectClrLst/>
+  </dgm:styleLbl>
+  <dgm:styleLbl name="bgImgPlace1">
+    <dgm:fillClrLst>
+      <a:schemeClr val="accent2">
+        <a:tint val="50000"/>
+      </a:schemeClr>
+      <a:schemeClr val="accent3">
+        <a:tint val="20000"/>
+      </a:schemeClr>
+    </dgm:fillClrLst>
+    <dgm:linClrLst meth="repeat">
+      <a:schemeClr val="lt1"/>
+    </dgm:linClrLst>
+    <dgm:effectClrLst/>
+    <dgm:txLinClrLst/>
+    <dgm:txFillClrLst meth="repeat">
+      <a:schemeClr val="lt1"/>
+    </dgm:txFillClrLst>
+    <dgm:txEffectClrLst/>
+  </dgm:styleLbl>
+  <dgm:styleLbl name="sibTrans2D1">
+    <dgm:fillClrLst>
+      <a:schemeClr val="accent2"/>
+      <a:schemeClr val="accent3"/>
+    </dgm:fillClrLst>
+    <dgm:linClrLst meth="repeat">
+      <a:schemeClr val="lt1"/>
+    </dgm:linClrLst>
+    <dgm:effectClrLst/>
+    <dgm:txLinClrLst/>
+    <dgm:txFillClrLst/>
+    <dgm:txEffectClrLst/>
+  </dgm:styleLbl>
+  <dgm:styleLbl name="fgSibTrans2D1">
+    <dgm:fillClrLst>
+      <a:schemeClr val="accent2"/>
+      <a:schemeClr val="accent3"/>
+    </dgm:fillClrLst>
+    <dgm:linClrLst meth="repeat">
+      <a:schemeClr val="lt1"/>
+    </dgm:linClrLst>
+    <dgm:effectClrLst/>
+    <dgm:txLinClrLst/>
+    <dgm:txFillClrLst meth="repeat">
+      <a:schemeClr val="lt1"/>
+    </dgm:txFillClrLst>
+    <dgm:txEffectClrLst/>
+  </dgm:styleLbl>
+  <dgm:styleLbl name="bgSibTrans2D1">
+    <dgm:fillClrLst>
+      <a:schemeClr val="accent2"/>
+      <a:schemeClr val="accent3"/>
+    </dgm:fillClrLst>
+    <dgm:linClrLst meth="repeat">
+      <a:schemeClr val="lt1"/>
+    </dgm:linClrLst>
+    <dgm:effectClrLst/>
+    <dgm:txLinClrLst/>
+    <dgm:txFillClrLst meth="repeat">
+      <a:schemeClr val="lt1"/>
+    </dgm:txFillClrLst>
+    <dgm:txEffectClrLst/>
+  </dgm:styleLbl>
+  <dgm:styleLbl name="sibTrans1D1">
+    <dgm:fillClrLst/>
+    <dgm:linClrLst>
+      <a:schemeClr val="accent2"/>
+      <a:schemeClr val="accent3"/>
+    </dgm:linClrLst>
+    <dgm:effectClrLst/>
+    <dgm:txLinClrLst/>
+    <dgm:txFillClrLst meth="repeat">
+      <a:schemeClr val="tx1"/>
+    </dgm:txFillClrLst>
+    <dgm:txEffectClrLst/>
+  </dgm:styleLbl>
+  <dgm:styleLbl name="callout">
+    <dgm:fillClrLst meth="repeat">
+      <a:schemeClr val="accent2"/>
+    </dgm:fillClrLst>
+    <dgm:linClrLst meth="repeat">
+      <a:schemeClr val="accent2">
+        <a:tint val="50000"/>
+      </a:schemeClr>
+    </dgm:linClrLst>
+    <dgm:effectClrLst/>
+    <dgm:txLinClrLst/>
+    <dgm:txFillClrLst meth="repeat">
+      <a:schemeClr val="tx1"/>
+    </dgm:txFillClrLst>
+    <dgm:txEffectClrLst/>
+  </dgm:styleLbl>
+  <dgm:styleLbl name="asst0">
+    <dgm:fillClrLst meth="repeat">
+      <a:schemeClr val="accent2"/>
+    </dgm:fillClrLst>
+    <dgm:linClrLst meth="repeat">
+      <a:schemeClr val="lt1">
+        <a:shade val="80000"/>
+      </a:schemeClr>
+    </dgm:linClrLst>
+    <dgm:effectClrLst/>
+    <dgm:txLinClrLst/>
+    <dgm:txFillClrLst/>
+    <dgm:txEffectClrLst/>
+  </dgm:styleLbl>
+  <dgm:styleLbl name="asst1">
+    <dgm:fillClrLst meth="repeat">
+      <a:schemeClr val="accent3"/>
+    </dgm:fillClrLst>
+    <dgm:linClrLst meth="repeat">
+      <a:schemeClr val="lt1">
+        <a:shade val="80000"/>
+      </a:schemeClr>
+    </dgm:linClrLst>
+    <dgm:effectClrLst/>
+    <dgm:txLinClrLst/>
+    <dgm:txFillClrLst/>
+    <dgm:txEffectClrLst/>
+  </dgm:styleLbl>
+  <dgm:styleLbl name="asst2">
+    <dgm:fillClrLst>
+      <a:schemeClr val="accent4"/>
+    </dgm:fillClrLst>
+    <dgm:linClrLst meth="repeat">
+      <a:schemeClr val="lt1"/>
+    </dgm:linClrLst>
+    <dgm:effectClrLst/>
+    <dgm:txLinClrLst/>
+    <dgm:txFillClrLst/>
+    <dgm:txEffectClrLst/>
+  </dgm:styleLbl>
+  <dgm:styleLbl name="asst3">
+    <dgm:fillClrLst>
+      <a:schemeClr val="accent5"/>
+    </dgm:fillClrLst>
+    <dgm:linClrLst meth="repeat">
+      <a:schemeClr val="lt1"/>
+    </dgm:linClrLst>
+    <dgm:effectClrLst/>
+    <dgm:txLinClrLst/>
+    <dgm:txFillClrLst/>
+    <dgm:txEffectClrLst/>
+  </dgm:styleLbl>
+  <dgm:styleLbl name="asst4">
+    <dgm:fillClrLst>
+      <a:schemeClr val="accent6"/>
+    </dgm:fillClrLst>
+    <dgm:linClrLst meth="repeat">
+      <a:schemeClr val="lt1"/>
+    </dgm:linClrLst>
+    <dgm:effectClrLst/>
+    <dgm:txLinClrLst/>
+    <dgm:txFillClrLst/>
+    <dgm:txEffectClrLst/>
+  </dgm:styleLbl>
+  <dgm:styleLbl name="parChTrans2D1">
+    <dgm:fillClrLst meth="repeat">
+      <a:schemeClr val="accent2"/>
+    </dgm:fillClrLst>
+    <dgm:linClrLst meth="repeat">
+      <a:schemeClr val="lt1"/>
+    </dgm:linClrLst>
+    <dgm:effectClrLst/>
+    <dgm:txLinClrLst/>
+    <dgm:txFillClrLst meth="repeat">
+      <a:schemeClr val="lt1"/>
+    </dgm:txFillClrLst>
+    <dgm:txEffectClrLst/>
+  </dgm:styleLbl>
+  <dgm:styleLbl name="parChTrans2D2">
+    <dgm:fillClrLst meth="repeat">
+      <a:schemeClr val="accent3"/>
+    </dgm:fillClrLst>
+    <dgm:linClrLst meth="repeat">
+      <a:schemeClr val="lt1"/>
+    </dgm:linClrLst>
+    <dgm:effectClrLst/>
+    <dgm:txLinClrLst/>
+    <dgm:txFillClrLst/>
+    <dgm:txEffectClrLst/>
+  </dgm:styleLbl>
+  <dgm:styleLbl name="parChTrans2D3">
+    <dgm:fillClrLst meth="repeat">
+      <a:schemeClr val="accent4"/>
+    </dgm:fillClrLst>
+    <dgm:linClrLst meth="repeat">
+      <a:schemeClr val="lt1"/>
+    </dgm:linClrLst>
+    <dgm:effectClrLst/>
+    <dgm:txLinClrLst/>
+    <dgm:txFillClrLst/>
+    <dgm:txEffectClrLst/>
+  </dgm:styleLbl>
+  <dgm:styleLbl name="parChTrans2D4">
+    <dgm:fillClrLst meth="repeat">
+      <a:schemeClr val="accent5"/>
+    </dgm:fillClrLst>
+    <dgm:linClrLst meth="repeat">
+      <a:schemeClr val="lt1"/>
+    </dgm:linClrLst>
+    <dgm:effectClrLst/>
+    <dgm:txLinClrLst/>
+    <dgm:txFillClrLst meth="repeat">
+      <a:schemeClr val="lt1"/>
+    </dgm:txFillClrLst>
+    <dgm:txEffectClrLst/>
+  </dgm:styleLbl>
+  <dgm:styleLbl name="parChTrans1D1">
+    <dgm:fillClrLst meth="repeat">
+      <a:schemeClr val="accent2"/>
+    </dgm:fillClrLst>
+    <dgm:linClrLst meth="repeat">
+      <a:schemeClr val="accent2"/>
+    </dgm:linClrLst>
+    <dgm:effectClrLst/>
+    <dgm:txLinClrLst/>
+    <dgm:txFillClrLst meth="repeat">
+      <a:schemeClr val="tx1"/>
+    </dgm:txFillClrLst>
+    <dgm:txEffectClrLst/>
+  </dgm:styleLbl>
+  <dgm:styleLbl name="parChTrans1D2">
+    <dgm:fillClrLst meth="repeat">
+      <a:schemeClr val="accent2">
+        <a:tint val="90000"/>
+      </a:schemeClr>
+    </dgm:fillClrLst>
+    <dgm:linClrLst meth="repeat">
+      <a:schemeClr val="accent3"/>
+    </dgm:linClrLst>
+    <dgm:effectClrLst/>
+    <dgm:txLinClrLst/>
+    <dgm:txFillClrLst meth="repeat">
+      <a:schemeClr val="tx1"/>
+    </dgm:txFillClrLst>
+    <dgm:txEffectClrLst/>
+  </dgm:styleLbl>
+  <dgm:styleLbl name="parChTrans1D3">
+    <dgm:fillClrLst meth="repeat">
+      <a:schemeClr val="accent2">
+        <a:tint val="70000"/>
+      </a:schemeClr>
+    </dgm:fillClrLst>
+    <dgm:linClrLst meth="repeat">
+      <a:schemeClr val="accent4"/>
+    </dgm:linClrLst>
+    <dgm:effectClrLst/>
+    <dgm:txLinClrLst/>
+    <dgm:txFillClrLst meth="repeat">
+      <a:schemeClr val="tx1"/>
+    </dgm:txFillClrLst>
+    <dgm:txEffectClrLst/>
+  </dgm:styleLbl>
+  <dgm:styleLbl name="parChTrans1D4">
+    <dgm:fillClrLst meth="repeat">
+      <a:schemeClr val="accent2">
+        <a:tint val="50000"/>
+      </a:schemeClr>
+    </dgm:fillClrLst>
+    <dgm:linClrLst meth="repeat">
+      <a:schemeClr val="accent5"/>
+    </dgm:linClrLst>
+    <dgm:effectClrLst/>
+    <dgm:txLinClrLst/>
+    <dgm:txFillClrLst meth="repeat">
+      <a:schemeClr val="tx1"/>
+    </dgm:txFillClrLst>
+    <dgm:txEffectClrLst/>
+  </dgm:styleLbl>
+  <dgm:styleLbl name="fgAcc1">
+    <dgm:fillClrLst meth="repeat">
+      <a:schemeClr val="lt1">
+        <a:alpha val="90000"/>
+      </a:schemeClr>
+    </dgm:fillClrLst>
+    <dgm:linClrLst>
+      <a:schemeClr val="accent2"/>
+      <a:schemeClr val="accent3"/>
+    </dgm:linClrLst>
+    <dgm:effectClrLst/>
+    <dgm:txLinClrLst/>
+    <dgm:txFillClrLst meth="repeat">
+      <a:schemeClr val="dk1"/>
+    </dgm:txFillClrLst>
+    <dgm:txEffectClrLst/>
+  </dgm:styleLbl>
+  <dgm:styleLbl name="conFgAcc1">
+    <dgm:fillClrLst meth="repeat">
+      <a:schemeClr val="lt1">
+        <a:alpha val="90000"/>
+      </a:schemeClr>
+    </dgm:fillClrLst>
+    <dgm:linClrLst>
+      <a:schemeClr val="accent2"/>
+      <a:schemeClr val="accent3"/>
+    </dgm:linClrLst>
+    <dgm:effectClrLst/>
+    <dgm:txLinClrLst/>
+    <dgm:txFillClrLst meth="repeat">
+      <a:schemeClr val="dk1"/>
+    </dgm:txFillClrLst>
+    <dgm:txEffectClrLst/>
+  </dgm:styleLbl>
+  <dgm:styleLbl name="alignAcc1">
+    <dgm:fillClrLst meth="repeat">
+      <a:schemeClr val="lt1">
+        <a:alpha val="90000"/>
+      </a:schemeClr>
+    </dgm:fillClrLst>
+    <dgm:linClrLst>
+      <a:schemeClr val="accent2"/>
+      <a:schemeClr val="accent3"/>
+    </dgm:linClrLst>
+    <dgm:effectClrLst/>
+    <dgm:txLinClrLst/>
+    <dgm:txFillClrLst meth="repeat">
+      <a:schemeClr val="dk1"/>
+    </dgm:txFillClrLst>
+    <dgm:txEffectClrLst/>
+  </dgm:styleLbl>
+  <dgm:styleLbl name="trAlignAcc1">
+    <dgm:fillClrLst meth="repeat">
+      <a:schemeClr val="lt1">
+        <a:alpha val="40000"/>
+      </a:schemeClr>
+    </dgm:fillClrLst>
+    <dgm:linClrLst meth="repeat">
+      <a:schemeClr val="accent2"/>
+    </dgm:linClrLst>
+    <dgm:effectClrLst/>
+    <dgm:txLinClrLst/>
+    <dgm:txFillClrLst meth="repeat">
+      <a:schemeClr val="dk1"/>
+    </dgm:txFillClrLst>
+    <dgm:txEffectClrLst/>
+  </dgm:styleLbl>
+  <dgm:styleLbl name="bgAcc1">
+    <dgm:fillClrLst meth="repeat">
+      <a:schemeClr val="lt1">
+        <a:alpha val="90000"/>
+      </a:schemeClr>
+    </dgm:fillClrLst>
+    <dgm:linClrLst>
+      <a:schemeClr val="accent2"/>
+      <a:schemeClr val="accent3"/>
+    </dgm:linClrLst>
+    <dgm:effectClrLst/>
+    <dgm:txLinClrLst/>
+    <dgm:txFillClrLst meth="repeat">
+      <a:schemeClr val="dk1"/>
+    </dgm:txFillClrLst>
+    <dgm:txEffectClrLst/>
+  </dgm:styleLbl>
+  <dgm:styleLbl name="solidFgAcc1">
+    <dgm:fillClrLst meth="repeat">
+      <a:schemeClr val="lt1"/>
+    </dgm:fillClrLst>
+    <dgm:linClrLst>
+      <a:schemeClr val="accent2"/>
+      <a:schemeClr val="accent3"/>
+    </dgm:linClrLst>
+    <dgm:effectClrLst/>
+    <dgm:txLinClrLst/>
+    <dgm:txFillClrLst meth="repeat">
+      <a:schemeClr val="dk1"/>
+    </dgm:txFillClrLst>
+    <dgm:txEffectClrLst/>
+  </dgm:styleLbl>
+  <dgm:styleLbl name="solidAlignAcc1">
+    <dgm:fillClrLst meth="repeat">
+      <a:schemeClr val="lt1"/>
+    </dgm:fillClrLst>
+    <dgm:linClrLst>
+      <a:schemeClr val="accent2"/>
+      <a:schemeClr val="accent3"/>
+    </dgm:linClrLst>
+    <dgm:effectClrLst/>
+    <dgm:txLinClrLst/>
+    <dgm:txFillClrLst meth="repeat">
+      <a:schemeClr val="dk1"/>
+    </dgm:txFillClrLst>
+    <dgm:txEffectClrLst/>
+  </dgm:styleLbl>
+  <dgm:styleLbl name="solidBgAcc1">
+    <dgm:fillClrLst meth="repeat">
+      <a:schemeClr val="lt1"/>
+    </dgm:fillClrLst>
+    <dgm:linClrLst>
+      <a:schemeClr val="accent2"/>
+      <a:schemeClr val="accent3"/>
+    </dgm:linClrLst>
+    <dgm:effectClrLst/>
+    <dgm:txLinClrLst/>
+    <dgm:txFillClrLst meth="repeat">
+      <a:schemeClr val="dk1"/>
+    </dgm:txFillClrLst>
+    <dgm:txEffectClrLst/>
+  </dgm:styleLbl>
+  <dgm:styleLbl name="fgAccFollowNode1">
+    <dgm:fillClrLst>
+      <a:schemeClr val="accent2">
+        <a:tint val="40000"/>
+        <a:alpha val="90000"/>
+      </a:schemeClr>
+      <a:schemeClr val="accent3">
+        <a:tint val="40000"/>
+        <a:alpha val="90000"/>
+      </a:schemeClr>
+    </dgm:fillClrLst>
+    <dgm:linClrLst>
+      <a:schemeClr val="accent2">
+        <a:tint val="40000"/>
+        <a:alpha val="90000"/>
+      </a:schemeClr>
+      <a:schemeClr val="accent3">
+        <a:tint val="40000"/>
+        <a:alpha val="90000"/>
+      </a:schemeClr>
+    </dgm:linClrLst>
+    <dgm:effectClrLst/>
+    <dgm:txLinClrLst/>
+    <dgm:txFillClrLst meth="repeat">
+      <a:schemeClr val="dk1"/>
+    </dgm:txFillClrLst>
+    <dgm:txEffectClrLst/>
+  </dgm:styleLbl>
+  <dgm:styleLbl name="alignAccFollowNode1">
+    <dgm:fillClrLst>
+      <a:schemeClr val="accent2">
+        <a:tint val="40000"/>
+        <a:alpha val="90000"/>
+      </a:schemeClr>
+      <a:schemeClr val="accent3">
+        <a:tint val="40000"/>
+        <a:alpha val="90000"/>
+      </a:schemeClr>
+    </dgm:fillClrLst>
+    <dgm:linClrLst>
+      <a:schemeClr val="accent2">
+        <a:tint val="40000"/>
+        <a:alpha val="90000"/>
+      </a:schemeClr>
+      <a:schemeClr val="accent3">
+        <a:tint val="40000"/>
+        <a:alpha val="90000"/>
+      </a:schemeClr>
+    </dgm:linClrLst>
+    <dgm:effectClrLst/>
+    <dgm:txLinClrLst/>
+    <dgm:txFillClrLst meth="repeat">
+      <a:schemeClr val="dk1"/>
+    </dgm:txFillClrLst>
+    <dgm:txEffectClrLst/>
+  </dgm:styleLbl>
+  <dgm:styleLbl name="bgAccFollowNode1">
+    <dgm:fillClrLst>
+      <a:schemeClr val="accent2">
+        <a:tint val="40000"/>
+        <a:alpha val="90000"/>
+      </a:schemeClr>
+      <a:schemeClr val="accent3">
+        <a:tint val="40000"/>
+        <a:alpha val="90000"/>
+      </a:schemeClr>
+    </dgm:fillClrLst>
+    <dgm:linClrLst>
+      <a:schemeClr val="accent2">
+        <a:tint val="40000"/>
+        <a:alpha val="90000"/>
+      </a:schemeClr>
+      <a:schemeClr val="accent3">
+        <a:tint val="40000"/>
+        <a:alpha val="90000"/>
+      </a:schemeClr>
+    </dgm:linClrLst>
+    <dgm:effectClrLst/>
+    <dgm:txLinClrLst/>
+    <dgm:txFillClrLst meth="repeat">
+      <a:schemeClr val="dk1"/>
+    </dgm:txFillClrLst>
+    <dgm:txEffectClrLst/>
+  </dgm:styleLbl>
+  <dgm:styleLbl name="fgAcc0">
+    <dgm:fillClrLst meth="repeat">
+      <a:schemeClr val="lt1">
+        <a:alpha val="90000"/>
+      </a:schemeClr>
+    </dgm:fillClrLst>
+    <dgm:linClrLst>
+      <a:schemeClr val="accent1"/>
+    </dgm:linClrLst>
+    <dgm:effectClrLst/>
+    <dgm:txLinClrLst/>
+    <dgm:txFillClrLst meth="repeat">
+      <a:schemeClr val="dk1"/>
+    </dgm:txFillClrLst>
+    <dgm:txEffectClrLst/>
+  </dgm:styleLbl>
+  <dgm:styleLbl name="fgAcc2">
+    <dgm:fillClrLst meth="repeat">
+      <a:schemeClr val="lt1">
+        <a:alpha val="90000"/>
+      </a:schemeClr>
+    </dgm:fillClrLst>
+    <dgm:linClrLst>
+      <a:schemeClr val="accent3"/>
+    </dgm:linClrLst>
+    <dgm:effectClrLst/>
+    <dgm:txLinClrLst/>
+    <dgm:txFillClrLst meth="repeat">
+      <a:schemeClr val="dk1"/>
+    </dgm:txFillClrLst>
+    <dgm:txEffectClrLst/>
+  </dgm:styleLbl>
+  <dgm:styleLbl name="fgAcc3">
+    <dgm:fillClrLst meth="repeat">
+      <a:schemeClr val="lt1">
+        <a:alpha val="90000"/>
+      </a:schemeClr>
+    </dgm:fillClrLst>
+    <dgm:linClrLst>
+      <a:schemeClr val="accent4"/>
+    </dgm:linClrLst>
+    <dgm:effectClrLst/>
+    <dgm:txLinClrLst/>
+    <dgm:txFillClrLst meth="repeat">
+      <a:schemeClr val="dk1"/>
+    </dgm:txFillClrLst>
+    <dgm:txEffectClrLst/>
+  </dgm:styleLbl>
+  <dgm:styleLbl name="fgAcc4">
+    <dgm:fillClrLst meth="repeat">
+      <a:schemeClr val="lt1">
+        <a:alpha val="90000"/>
+      </a:schemeClr>
+    </dgm:fillClrLst>
+    <dgm:linClrLst>
+      <a:schemeClr val="accent5"/>
+    </dgm:linClrLst>
+    <dgm:effectClrLst/>
+    <dgm:txLinClrLst/>
+    <dgm:txFillClrLst meth="repeat">
+      <a:schemeClr val="dk1"/>
+    </dgm:txFillClrLst>
+    <dgm:txEffectClrLst/>
+  </dgm:styleLbl>
+  <dgm:styleLbl name="bgShp">
+    <dgm:fillClrLst meth="repeat">
+      <a:schemeClr val="accent2">
+        <a:tint val="40000"/>
+      </a:schemeClr>
+    </dgm:fillClrLst>
+    <dgm:linClrLst meth="repeat">
+      <a:schemeClr val="dk1"/>
+    </dgm:linClrLst>
+    <dgm:effectClrLst/>
+    <dgm:txLinClrLst/>
+    <dgm:txFillClrLst meth="repeat">
+      <a:schemeClr val="dk1"/>
+    </dgm:txFillClrLst>
+    <dgm:txEffectClrLst/>
+  </dgm:styleLbl>
+  <dgm:styleLbl name="dkBgShp">
+    <dgm:fillClrLst meth="repeat">
+      <a:schemeClr val="accent2">
+        <a:shade val="90000"/>
+      </a:schemeClr>
+    </dgm:fillClrLst>
+    <dgm:linClrLst meth="repeat">
+      <a:schemeClr val="dk1"/>
+    </dgm:linClrLst>
+    <dgm:effectClrLst/>
+    <dgm:txLinClrLst/>
+    <dgm:txFillClrLst meth="repeat">
+      <a:schemeClr val="lt1"/>
+    </dgm:txFillClrLst>
+    <dgm:txEffectClrLst/>
+  </dgm:styleLbl>
+  <dgm:styleLbl name="trBgShp">
+    <dgm:fillClrLst meth="repeat">
+      <a:schemeClr val="accent2">
+        <a:tint val="50000"/>
+        <a:alpha val="40000"/>
+      </a:schemeClr>
+    </dgm:fillClrLst>
+    <dgm:linClrLst meth="repeat">
+      <a:schemeClr val="accent2"/>
+    </dgm:linClrLst>
+    <dgm:effectClrLst/>
+    <dgm:txLinClrLst/>
+    <dgm:txFillClrLst meth="repeat">
+      <a:schemeClr val="lt1"/>
+    </dgm:txFillClrLst>
+    <dgm:txEffectClrLst/>
+  </dgm:styleLbl>
+  <dgm:styleLbl name="fgShp">
+    <dgm:fillClrLst meth="repeat">
+      <a:schemeClr val="accent2">
         <a:tint val="40000"/>
       </a:schemeClr>
     </dgm:fillClrLst>
@@ -2026,6 +2809,795 @@
     <dgm:cxn modelId="{ECBCE226-FF6E-41AC-91ED-4038617F7EDC}" type="presParOf" srcId="{A120AF14-FB27-49E6-BD56-F96DF1C2F478}" destId="{6CEAC5A1-D4D5-4E3E-AFF4-FE5AF1173671}" srcOrd="14" destOrd="0" presId="urn:microsoft.com/office/officeart/2005/8/layout/vList5"/>
     <dgm:cxn modelId="{2A8389A6-A8D3-481C-9A24-7F833C868D0B}" type="presParOf" srcId="{6CEAC5A1-D4D5-4E3E-AFF4-FE5AF1173671}" destId="{8A43D587-55EA-4489-BABB-D21F00D0B445}" srcOrd="0" destOrd="0" presId="urn:microsoft.com/office/officeart/2005/8/layout/vList5"/>
     <dgm:cxn modelId="{9B00BDFD-E284-42CE-B41C-61706039CC01}" type="presParOf" srcId="{6CEAC5A1-D4D5-4E3E-AFF4-FE5AF1173671}" destId="{A718F9D1-B626-4505-BC3C-72F1A58196B3}" srcOrd="1" destOrd="0" presId="urn:microsoft.com/office/officeart/2005/8/layout/vList5"/>
+  </dgm:cxnLst>
+  <dgm:bg/>
+  <dgm:whole/>
+  <dgm:extLst>
+    <a:ext uri="http://schemas.microsoft.com/office/drawing/2008/diagram">
+      <dsp:dataModelExt xmlns:dsp="http://schemas.microsoft.com/office/drawing/2008/diagram" relId="rId7" minVer="http://schemas.openxmlformats.org/drawingml/2006/diagram"/>
+    </a:ext>
+  </dgm:extLst>
+</dgm:dataModel>
+</file>
+
+<file path=ppt/diagrams/data2.xml><?xml version="1.0" encoding="utf-8"?>
+<dgm:dataModel xmlns:dgm="http://schemas.openxmlformats.org/drawingml/2006/diagram" xmlns:a="http://schemas.openxmlformats.org/drawingml/2006/main">
+  <dgm:ptLst>
+    <dgm:pt modelId="{79C09E05-0E21-544C-84EB-6FEA59ACB7FC}" type="doc">
+      <dgm:prSet loTypeId="urn:microsoft.com/office/officeart/2009/3/layout/StepUpProcess" loCatId="" qsTypeId="urn:microsoft.com/office/officeart/2005/8/quickstyle/simple1" qsCatId="simple" csTypeId="urn:microsoft.com/office/officeart/2005/8/colors/colorful2" csCatId="colorful" phldr="1"/>
+      <dgm:spPr/>
+      <dgm:t>
+        <a:bodyPr/>
+        <a:lstStyle/>
+        <a:p>
+          <a:endParaRPr lang="en-US"/>
+        </a:p>
+      </dgm:t>
+    </dgm:pt>
+    <dgm:pt modelId="{A0E1F74A-6668-3B4F-8A5D-C1861ABCA842}">
+      <dgm:prSet phldrT="[Text]"/>
+      <dgm:spPr/>
+      <dgm:t>
+        <a:bodyPr/>
+        <a:lstStyle/>
+        <a:p>
+          <a:r>
+            <a:rPr lang="en-US" b="1" i="0" dirty="0">
+              <a:solidFill>
+                <a:schemeClr val="bg2"/>
+              </a:solidFill>
+              <a:hlinkClick xmlns:r="http://schemas.openxmlformats.org/officeDocument/2006/relationships" r:id="rId1">
+                <a:extLst>
+                  <a:ext uri="{A12FA001-AC4F-418D-AE19-62706E023703}">
+                    <ahyp:hlinkClr xmlns:ahyp="http://schemas.microsoft.com/office/drawing/2018/hyperlinkcolor" val="tx"/>
+                  </a:ext>
+                </a:extLst>
+              </a:hlinkClick>
+            </a:rPr>
+            <a:t>What is GitHub?</a:t>
+          </a:r>
+          <a:endParaRPr lang="en-US" dirty="0">
+            <a:solidFill>
+              <a:schemeClr val="bg2"/>
+            </a:solidFill>
+          </a:endParaRPr>
+        </a:p>
+      </dgm:t>
+    </dgm:pt>
+    <dgm:pt modelId="{F5F8D579-73EF-E448-B956-42AE444FD539}" type="parTrans" cxnId="{91FD6E39-AB46-7A40-B2D5-1194E7EFB97C}">
+      <dgm:prSet/>
+      <dgm:spPr/>
+      <dgm:t>
+        <a:bodyPr/>
+        <a:lstStyle/>
+        <a:p>
+          <a:endParaRPr lang="en-US">
+            <a:solidFill>
+              <a:schemeClr val="bg2"/>
+            </a:solidFill>
+          </a:endParaRPr>
+        </a:p>
+      </dgm:t>
+    </dgm:pt>
+    <dgm:pt modelId="{39D89BA2-2589-9A4A-A7CC-34AA5C18FFD4}" type="sibTrans" cxnId="{91FD6E39-AB46-7A40-B2D5-1194E7EFB97C}">
+      <dgm:prSet/>
+      <dgm:spPr/>
+      <dgm:t>
+        <a:bodyPr/>
+        <a:lstStyle/>
+        <a:p>
+          <a:endParaRPr lang="en-US">
+            <a:solidFill>
+              <a:schemeClr val="bg2"/>
+            </a:solidFill>
+          </a:endParaRPr>
+        </a:p>
+      </dgm:t>
+    </dgm:pt>
+    <dgm:pt modelId="{4FC43B00-13D7-F04F-B34C-059689C8D4C4}">
+      <dgm:prSet phldrT="[Text]"/>
+      <dgm:spPr/>
+      <dgm:t>
+        <a:bodyPr/>
+        <a:lstStyle/>
+        <a:p>
+          <a:r>
+            <a:rPr lang="en-US" b="0" i="0" dirty="0">
+              <a:solidFill>
+                <a:schemeClr val="bg2"/>
+              </a:solidFill>
+            </a:rPr>
+            <a:t>Hey, it's your first time here, so let's not take any chances. Check out this short video to understand why people use GitHub.</a:t>
+          </a:r>
+          <a:endParaRPr lang="en-US" dirty="0">
+            <a:solidFill>
+              <a:schemeClr val="bg2"/>
+            </a:solidFill>
+          </a:endParaRPr>
+        </a:p>
+      </dgm:t>
+    </dgm:pt>
+    <dgm:pt modelId="{7538C1F3-4458-5E4A-BD63-9681C324E845}" type="parTrans" cxnId="{9DB4CE5F-F471-A146-8593-E968839D8C69}">
+      <dgm:prSet/>
+      <dgm:spPr/>
+      <dgm:t>
+        <a:bodyPr/>
+        <a:lstStyle/>
+        <a:p>
+          <a:endParaRPr lang="en-US">
+            <a:solidFill>
+              <a:schemeClr val="bg2"/>
+            </a:solidFill>
+          </a:endParaRPr>
+        </a:p>
+      </dgm:t>
+    </dgm:pt>
+    <dgm:pt modelId="{20BDC820-E249-2F4B-946C-09B5214B5333}" type="sibTrans" cxnId="{9DB4CE5F-F471-A146-8593-E968839D8C69}">
+      <dgm:prSet/>
+      <dgm:spPr/>
+      <dgm:t>
+        <a:bodyPr/>
+        <a:lstStyle/>
+        <a:p>
+          <a:endParaRPr lang="en-US">
+            <a:solidFill>
+              <a:schemeClr val="bg2"/>
+            </a:solidFill>
+          </a:endParaRPr>
+        </a:p>
+      </dgm:t>
+    </dgm:pt>
+    <dgm:pt modelId="{6CA8D880-DB2F-BA4D-B070-2C960E2267ED}">
+      <dgm:prSet phldrT="[Text]"/>
+      <dgm:spPr/>
+      <dgm:t>
+        <a:bodyPr/>
+        <a:lstStyle/>
+        <a:p>
+          <a:r>
+            <a:rPr lang="en-US" b="1" i="0" dirty="0">
+              <a:solidFill>
+                <a:schemeClr val="bg2"/>
+              </a:solidFill>
+              <a:hlinkClick xmlns:r="http://schemas.openxmlformats.org/officeDocument/2006/relationships" r:id="rId2">
+                <a:extLst>
+                  <a:ext uri="{A12FA001-AC4F-418D-AE19-62706E023703}">
+                    <ahyp:hlinkClr xmlns:ahyp="http://schemas.microsoft.com/office/drawing/2018/hyperlinkcolor" val="tx"/>
+                  </a:ext>
+                </a:extLst>
+              </a:hlinkClick>
+            </a:rPr>
+            <a:t>Introduction to GitHub</a:t>
+          </a:r>
+          <a:endParaRPr lang="en-US" dirty="0">
+            <a:solidFill>
+              <a:schemeClr val="bg2"/>
+            </a:solidFill>
+          </a:endParaRPr>
+        </a:p>
+      </dgm:t>
+    </dgm:pt>
+    <dgm:pt modelId="{CF85FE1B-B9F7-824F-AC0C-4A9484C0C65F}" type="parTrans" cxnId="{C56F2B00-F3CC-DD43-9988-54DE11128F4A}">
+      <dgm:prSet/>
+      <dgm:spPr/>
+      <dgm:t>
+        <a:bodyPr/>
+        <a:lstStyle/>
+        <a:p>
+          <a:endParaRPr lang="en-US">
+            <a:solidFill>
+              <a:schemeClr val="bg2"/>
+            </a:solidFill>
+          </a:endParaRPr>
+        </a:p>
+      </dgm:t>
+    </dgm:pt>
+    <dgm:pt modelId="{68C645CA-0791-9B4B-A25A-0BFB3015FE61}" type="sibTrans" cxnId="{C56F2B00-F3CC-DD43-9988-54DE11128F4A}">
+      <dgm:prSet/>
+      <dgm:spPr/>
+      <dgm:t>
+        <a:bodyPr/>
+        <a:lstStyle/>
+        <a:p>
+          <a:endParaRPr lang="en-US">
+            <a:solidFill>
+              <a:schemeClr val="bg2"/>
+            </a:solidFill>
+          </a:endParaRPr>
+        </a:p>
+      </dgm:t>
+    </dgm:pt>
+    <dgm:pt modelId="{A6164380-DD13-A04D-989B-ED0C1D98869B}">
+      <dgm:prSet phldrT="[Text]"/>
+      <dgm:spPr/>
+      <dgm:t>
+        <a:bodyPr/>
+        <a:lstStyle/>
+        <a:p>
+          <a:r>
+            <a:rPr lang="en-US" b="0" i="0" dirty="0">
+              <a:solidFill>
+                <a:schemeClr val="bg2"/>
+              </a:solidFill>
+            </a:rPr>
+            <a:t>That video is pretty cool, right? If you want to learn how to use the workflow described in that video, take this course.</a:t>
+          </a:r>
+          <a:endParaRPr lang="en-US" dirty="0">
+            <a:solidFill>
+              <a:schemeClr val="bg2"/>
+            </a:solidFill>
+          </a:endParaRPr>
+        </a:p>
+      </dgm:t>
+    </dgm:pt>
+    <dgm:pt modelId="{BAB88857-ABFC-DF4C-B6D1-FD463BB999B9}" type="parTrans" cxnId="{DCD3FF2E-8DAF-7843-BB88-94208546899D}">
+      <dgm:prSet/>
+      <dgm:spPr/>
+      <dgm:t>
+        <a:bodyPr/>
+        <a:lstStyle/>
+        <a:p>
+          <a:endParaRPr lang="en-US">
+            <a:solidFill>
+              <a:schemeClr val="bg2"/>
+            </a:solidFill>
+          </a:endParaRPr>
+        </a:p>
+      </dgm:t>
+    </dgm:pt>
+    <dgm:pt modelId="{6FB8F6C7-8330-A84F-87F9-B2D53A104293}" type="sibTrans" cxnId="{DCD3FF2E-8DAF-7843-BB88-94208546899D}">
+      <dgm:prSet/>
+      <dgm:spPr/>
+      <dgm:t>
+        <a:bodyPr/>
+        <a:lstStyle/>
+        <a:p>
+          <a:endParaRPr lang="en-US">
+            <a:solidFill>
+              <a:schemeClr val="bg2"/>
+            </a:solidFill>
+          </a:endParaRPr>
+        </a:p>
+      </dgm:t>
+    </dgm:pt>
+    <dgm:pt modelId="{ACAD5A3E-AC7E-DB4B-9617-0F3F3CD87009}">
+      <dgm:prSet phldrT="[Text]"/>
+      <dgm:spPr/>
+      <dgm:t>
+        <a:bodyPr/>
+        <a:lstStyle/>
+        <a:p>
+          <a:r>
+            <a:rPr lang="en-US" b="1" i="0" dirty="0">
+              <a:solidFill>
+                <a:schemeClr val="bg2"/>
+              </a:solidFill>
+              <a:hlinkClick xmlns:r="http://schemas.openxmlformats.org/officeDocument/2006/relationships" r:id="rId3">
+                <a:extLst>
+                  <a:ext uri="{A12FA001-AC4F-418D-AE19-62706E023703}">
+                    <ahyp:hlinkClr xmlns:ahyp="http://schemas.microsoft.com/office/drawing/2018/hyperlinkcolor" val="tx"/>
+                  </a:ext>
+                </a:extLst>
+              </a:hlinkClick>
+            </a:rPr>
+            <a:t>Git Handbook</a:t>
+          </a:r>
+          <a:endParaRPr lang="en-US" dirty="0">
+            <a:solidFill>
+              <a:schemeClr val="bg2"/>
+            </a:solidFill>
+          </a:endParaRPr>
+        </a:p>
+      </dgm:t>
+    </dgm:pt>
+    <dgm:pt modelId="{91667E41-31FD-B344-8940-5BDD44B330E3}" type="parTrans" cxnId="{EACBF831-9D9B-D540-B327-FF9F99AB9435}">
+      <dgm:prSet/>
+      <dgm:spPr/>
+      <dgm:t>
+        <a:bodyPr/>
+        <a:lstStyle/>
+        <a:p>
+          <a:endParaRPr lang="en-US">
+            <a:solidFill>
+              <a:schemeClr val="bg2"/>
+            </a:solidFill>
+          </a:endParaRPr>
+        </a:p>
+      </dgm:t>
+    </dgm:pt>
+    <dgm:pt modelId="{B499DA69-0D24-2C42-A69D-86E427536E23}" type="sibTrans" cxnId="{EACBF831-9D9B-D540-B327-FF9F99AB9435}">
+      <dgm:prSet/>
+      <dgm:spPr/>
+      <dgm:t>
+        <a:bodyPr/>
+        <a:lstStyle/>
+        <a:p>
+          <a:endParaRPr lang="en-US">
+            <a:solidFill>
+              <a:schemeClr val="bg2"/>
+            </a:solidFill>
+          </a:endParaRPr>
+        </a:p>
+      </dgm:t>
+    </dgm:pt>
+    <dgm:pt modelId="{A2E0878F-6C6B-5B45-BEEB-1000AC22F905}">
+      <dgm:prSet phldrT="[Text]"/>
+      <dgm:spPr/>
+      <dgm:t>
+        <a:bodyPr/>
+        <a:lstStyle/>
+        <a:p>
+          <a:r>
+            <a:rPr lang="en-US" b="0" i="0" dirty="0">
+              <a:solidFill>
+                <a:schemeClr val="bg2"/>
+              </a:solidFill>
+            </a:rPr>
+            <a:t>By now you are probably wondering what a Git is and why it is important in writing code. We have you covered with this short article on version control with Git.</a:t>
+          </a:r>
+          <a:endParaRPr lang="en-US" dirty="0">
+            <a:solidFill>
+              <a:schemeClr val="bg2"/>
+            </a:solidFill>
+          </a:endParaRPr>
+        </a:p>
+      </dgm:t>
+    </dgm:pt>
+    <dgm:pt modelId="{019E0664-B0D3-A242-9A71-FF534CB254A0}" type="parTrans" cxnId="{0719EB9E-3097-0A4A-B13E-8547F6CEF0B5}">
+      <dgm:prSet/>
+      <dgm:spPr/>
+      <dgm:t>
+        <a:bodyPr/>
+        <a:lstStyle/>
+        <a:p>
+          <a:endParaRPr lang="en-US">
+            <a:solidFill>
+              <a:schemeClr val="bg2"/>
+            </a:solidFill>
+          </a:endParaRPr>
+        </a:p>
+      </dgm:t>
+    </dgm:pt>
+    <dgm:pt modelId="{EF4F5C87-EA39-8441-A6F8-E77C9251949B}" type="sibTrans" cxnId="{0719EB9E-3097-0A4A-B13E-8547F6CEF0B5}">
+      <dgm:prSet/>
+      <dgm:spPr/>
+      <dgm:t>
+        <a:bodyPr/>
+        <a:lstStyle/>
+        <a:p>
+          <a:endParaRPr lang="en-US">
+            <a:solidFill>
+              <a:schemeClr val="bg2"/>
+            </a:solidFill>
+          </a:endParaRPr>
+        </a:p>
+      </dgm:t>
+    </dgm:pt>
+    <dgm:pt modelId="{CE578F1E-F804-EB47-B4BF-E12F8560CA94}">
+      <dgm:prSet/>
+      <dgm:spPr/>
+      <dgm:t>
+        <a:bodyPr/>
+        <a:lstStyle/>
+        <a:p>
+          <a:r>
+            <a:rPr lang="en-US" b="1" i="0" dirty="0">
+              <a:solidFill>
+                <a:schemeClr val="bg2"/>
+              </a:solidFill>
+              <a:hlinkClick xmlns:r="http://schemas.openxmlformats.org/officeDocument/2006/relationships" r:id="rId4">
+                <a:extLst>
+                  <a:ext uri="{A12FA001-AC4F-418D-AE19-62706E023703}">
+                    <ahyp:hlinkClr xmlns:ahyp="http://schemas.microsoft.com/office/drawing/2018/hyperlinkcolor" val="tx"/>
+                  </a:ext>
+                </a:extLst>
+              </a:hlinkClick>
+            </a:rPr>
+            <a:t>Communicating using Markdown</a:t>
+          </a:r>
+          <a:endParaRPr lang="en-US" dirty="0">
+            <a:solidFill>
+              <a:schemeClr val="bg2"/>
+            </a:solidFill>
+          </a:endParaRPr>
+        </a:p>
+      </dgm:t>
+    </dgm:pt>
+    <dgm:pt modelId="{B10512AC-825B-B14C-AAAC-7C022050CE2B}" type="parTrans" cxnId="{B8414271-98E5-0C47-8DC1-A209661197A2}">
+      <dgm:prSet/>
+      <dgm:spPr/>
+      <dgm:t>
+        <a:bodyPr/>
+        <a:lstStyle/>
+        <a:p>
+          <a:endParaRPr lang="en-US">
+            <a:solidFill>
+              <a:schemeClr val="bg2"/>
+            </a:solidFill>
+          </a:endParaRPr>
+        </a:p>
+      </dgm:t>
+    </dgm:pt>
+    <dgm:pt modelId="{1A90DAD0-F65B-8541-AE80-91253B518D5F}" type="sibTrans" cxnId="{B8414271-98E5-0C47-8DC1-A209661197A2}">
+      <dgm:prSet/>
+      <dgm:spPr/>
+      <dgm:t>
+        <a:bodyPr/>
+        <a:lstStyle/>
+        <a:p>
+          <a:endParaRPr lang="en-US">
+            <a:solidFill>
+              <a:schemeClr val="bg2"/>
+            </a:solidFill>
+          </a:endParaRPr>
+        </a:p>
+      </dgm:t>
+    </dgm:pt>
+    <dgm:pt modelId="{3FE1F584-69B6-0A4B-B86C-BE3EA492F679}">
+      <dgm:prSet/>
+      <dgm:spPr/>
+      <dgm:t>
+        <a:bodyPr/>
+        <a:lstStyle/>
+        <a:p>
+          <a:r>
+            <a:rPr lang="en-US" b="1" i="0" dirty="0">
+              <a:solidFill>
+                <a:schemeClr val="bg2"/>
+              </a:solidFill>
+              <a:hlinkClick xmlns:r="http://schemas.openxmlformats.org/officeDocument/2006/relationships" r:id="rId5">
+                <a:extLst>
+                  <a:ext uri="{A12FA001-AC4F-418D-AE19-62706E023703}">
+                    <ahyp:hlinkClr xmlns:ahyp="http://schemas.microsoft.com/office/drawing/2018/hyperlinkcolor" val="tx"/>
+                  </a:ext>
+                </a:extLst>
+              </a:hlinkClick>
+            </a:rPr>
+            <a:t>Uploading your project to GitHub</a:t>
+          </a:r>
+          <a:endParaRPr lang="en-US" dirty="0">
+            <a:solidFill>
+              <a:schemeClr val="bg2"/>
+            </a:solidFill>
+          </a:endParaRPr>
+        </a:p>
+      </dgm:t>
+    </dgm:pt>
+    <dgm:pt modelId="{CAEBF328-67C1-E544-B678-DC46FE7F40DB}" type="parTrans" cxnId="{938A2647-F5E6-904E-8923-D06F906C8F00}">
+      <dgm:prSet/>
+      <dgm:spPr/>
+      <dgm:t>
+        <a:bodyPr/>
+        <a:lstStyle/>
+        <a:p>
+          <a:endParaRPr lang="en-US">
+            <a:solidFill>
+              <a:schemeClr val="bg2"/>
+            </a:solidFill>
+          </a:endParaRPr>
+        </a:p>
+      </dgm:t>
+    </dgm:pt>
+    <dgm:pt modelId="{F7665A07-C5C9-934B-A1F6-FB6F09F2A3E5}" type="sibTrans" cxnId="{938A2647-F5E6-904E-8923-D06F906C8F00}">
+      <dgm:prSet/>
+      <dgm:spPr/>
+      <dgm:t>
+        <a:bodyPr/>
+        <a:lstStyle/>
+        <a:p>
+          <a:endParaRPr lang="en-US">
+            <a:solidFill>
+              <a:schemeClr val="bg2"/>
+            </a:solidFill>
+          </a:endParaRPr>
+        </a:p>
+      </dgm:t>
+    </dgm:pt>
+    <dgm:pt modelId="{50A95A80-7D4A-3F45-B864-88DA88B89A92}">
+      <dgm:prSet/>
+      <dgm:spPr/>
+      <dgm:t>
+        <a:bodyPr/>
+        <a:lstStyle/>
+        <a:p>
+          <a:r>
+            <a:rPr lang="en-US" b="0" i="0" dirty="0">
+              <a:solidFill>
+                <a:schemeClr val="bg2"/>
+              </a:solidFill>
+            </a:rPr>
+            <a:t>GitHub is all about collaboration and we collaborate in issues in pull requests. Learn how to get your point across with the worlds easiest text formatting syntax.</a:t>
+          </a:r>
+          <a:endParaRPr lang="en-US" dirty="0">
+            <a:solidFill>
+              <a:schemeClr val="bg2"/>
+            </a:solidFill>
+          </a:endParaRPr>
+        </a:p>
+      </dgm:t>
+    </dgm:pt>
+    <dgm:pt modelId="{83D57DAB-801E-9245-A528-99799AE5DED0}" type="parTrans" cxnId="{AD39F601-5EF2-EF45-9B51-4B26D0FBD869}">
+      <dgm:prSet/>
+      <dgm:spPr/>
+      <dgm:t>
+        <a:bodyPr/>
+        <a:lstStyle/>
+        <a:p>
+          <a:endParaRPr lang="en-US">
+            <a:solidFill>
+              <a:schemeClr val="bg2"/>
+            </a:solidFill>
+          </a:endParaRPr>
+        </a:p>
+      </dgm:t>
+    </dgm:pt>
+    <dgm:pt modelId="{A59A275E-A5F8-AF42-B738-795833CC5D86}" type="sibTrans" cxnId="{AD39F601-5EF2-EF45-9B51-4B26D0FBD869}">
+      <dgm:prSet/>
+      <dgm:spPr/>
+      <dgm:t>
+        <a:bodyPr/>
+        <a:lstStyle/>
+        <a:p>
+          <a:endParaRPr lang="en-US">
+            <a:solidFill>
+              <a:schemeClr val="bg2"/>
+            </a:solidFill>
+          </a:endParaRPr>
+        </a:p>
+      </dgm:t>
+    </dgm:pt>
+    <dgm:pt modelId="{3A8C5C0C-422B-C647-8CC9-ADA926633962}">
+      <dgm:prSet/>
+      <dgm:spPr/>
+      <dgm:t>
+        <a:bodyPr/>
+        <a:lstStyle/>
+        <a:p>
+          <a:r>
+            <a:rPr lang="en-US" b="0" i="0" dirty="0">
+              <a:solidFill>
+                <a:schemeClr val="bg2"/>
+              </a:solidFill>
+            </a:rPr>
+            <a:t>Now that you know what GitHub does, I bet you're ready to move all of those projects off your local machine. This course will show you how.</a:t>
+          </a:r>
+          <a:endParaRPr lang="en-US" dirty="0">
+            <a:solidFill>
+              <a:schemeClr val="bg2"/>
+            </a:solidFill>
+          </a:endParaRPr>
+        </a:p>
+      </dgm:t>
+    </dgm:pt>
+    <dgm:pt modelId="{43B66224-EBB5-1D4D-B0A2-A49AFE1B1F3D}" type="parTrans" cxnId="{24948838-A2DC-734A-8313-E247682E22C1}">
+      <dgm:prSet/>
+      <dgm:spPr/>
+      <dgm:t>
+        <a:bodyPr/>
+        <a:lstStyle/>
+        <a:p>
+          <a:endParaRPr lang="en-US">
+            <a:solidFill>
+              <a:schemeClr val="bg2"/>
+            </a:solidFill>
+          </a:endParaRPr>
+        </a:p>
+      </dgm:t>
+    </dgm:pt>
+    <dgm:pt modelId="{E625DF66-343B-7444-822A-102EA2399089}" type="sibTrans" cxnId="{24948838-A2DC-734A-8313-E247682E22C1}">
+      <dgm:prSet/>
+      <dgm:spPr/>
+      <dgm:t>
+        <a:bodyPr/>
+        <a:lstStyle/>
+        <a:p>
+          <a:endParaRPr lang="en-US">
+            <a:solidFill>
+              <a:schemeClr val="bg2"/>
+            </a:solidFill>
+          </a:endParaRPr>
+        </a:p>
+      </dgm:t>
+    </dgm:pt>
+    <dgm:pt modelId="{B9CFA725-922F-154B-942D-C3C2EC9EA669}" type="pres">
+      <dgm:prSet presAssocID="{79C09E05-0E21-544C-84EB-6FEA59ACB7FC}" presName="rootnode" presStyleCnt="0">
+        <dgm:presLayoutVars>
+          <dgm:chMax/>
+          <dgm:chPref/>
+          <dgm:dir/>
+          <dgm:animLvl val="lvl"/>
+        </dgm:presLayoutVars>
+      </dgm:prSet>
+      <dgm:spPr/>
+    </dgm:pt>
+    <dgm:pt modelId="{7FE6FF6E-27B3-0341-9A3C-58BD82835870}" type="pres">
+      <dgm:prSet presAssocID="{A0E1F74A-6668-3B4F-8A5D-C1861ABCA842}" presName="composite" presStyleCnt="0"/>
+      <dgm:spPr/>
+    </dgm:pt>
+    <dgm:pt modelId="{AE593A00-9863-D845-8E14-4A8E8F25673A}" type="pres">
+      <dgm:prSet presAssocID="{A0E1F74A-6668-3B4F-8A5D-C1861ABCA842}" presName="LShape" presStyleLbl="alignNode1" presStyleIdx="0" presStyleCnt="9"/>
+      <dgm:spPr/>
+    </dgm:pt>
+    <dgm:pt modelId="{F495E8FC-70CC-8E46-B195-24F97D8758C6}" type="pres">
+      <dgm:prSet presAssocID="{A0E1F74A-6668-3B4F-8A5D-C1861ABCA842}" presName="ParentText" presStyleLbl="revTx" presStyleIdx="0" presStyleCnt="5">
+        <dgm:presLayoutVars>
+          <dgm:chMax val="0"/>
+          <dgm:chPref val="0"/>
+          <dgm:bulletEnabled val="1"/>
+        </dgm:presLayoutVars>
+      </dgm:prSet>
+      <dgm:spPr/>
+    </dgm:pt>
+    <dgm:pt modelId="{D59135BF-54FF-D840-A127-7A17213CB97F}" type="pres">
+      <dgm:prSet presAssocID="{A0E1F74A-6668-3B4F-8A5D-C1861ABCA842}" presName="Triangle" presStyleLbl="alignNode1" presStyleIdx="1" presStyleCnt="9"/>
+      <dgm:spPr/>
+    </dgm:pt>
+    <dgm:pt modelId="{8387E364-38E6-104E-8324-B340FA036BAE}" type="pres">
+      <dgm:prSet presAssocID="{39D89BA2-2589-9A4A-A7CC-34AA5C18FFD4}" presName="sibTrans" presStyleCnt="0"/>
+      <dgm:spPr/>
+    </dgm:pt>
+    <dgm:pt modelId="{27A4459B-122D-1F41-B0E9-81CB6366F8D1}" type="pres">
+      <dgm:prSet presAssocID="{39D89BA2-2589-9A4A-A7CC-34AA5C18FFD4}" presName="space" presStyleCnt="0"/>
+      <dgm:spPr/>
+    </dgm:pt>
+    <dgm:pt modelId="{F273808A-7CC3-A348-84C5-0E1CFD6E225E}" type="pres">
+      <dgm:prSet presAssocID="{6CA8D880-DB2F-BA4D-B070-2C960E2267ED}" presName="composite" presStyleCnt="0"/>
+      <dgm:spPr/>
+    </dgm:pt>
+    <dgm:pt modelId="{64C8D96F-8A51-DF4B-9816-B1A3270AF3CF}" type="pres">
+      <dgm:prSet presAssocID="{6CA8D880-DB2F-BA4D-B070-2C960E2267ED}" presName="LShape" presStyleLbl="alignNode1" presStyleIdx="2" presStyleCnt="9"/>
+      <dgm:spPr/>
+    </dgm:pt>
+    <dgm:pt modelId="{36A1AF03-4FAB-264D-8333-8BDD489C7585}" type="pres">
+      <dgm:prSet presAssocID="{6CA8D880-DB2F-BA4D-B070-2C960E2267ED}" presName="ParentText" presStyleLbl="revTx" presStyleIdx="1" presStyleCnt="5">
+        <dgm:presLayoutVars>
+          <dgm:chMax val="0"/>
+          <dgm:chPref val="0"/>
+          <dgm:bulletEnabled val="1"/>
+        </dgm:presLayoutVars>
+      </dgm:prSet>
+      <dgm:spPr/>
+    </dgm:pt>
+    <dgm:pt modelId="{4CD20873-2BEE-7F4C-B71E-1B93D6724220}" type="pres">
+      <dgm:prSet presAssocID="{6CA8D880-DB2F-BA4D-B070-2C960E2267ED}" presName="Triangle" presStyleLbl="alignNode1" presStyleIdx="3" presStyleCnt="9"/>
+      <dgm:spPr/>
+    </dgm:pt>
+    <dgm:pt modelId="{DB93F7A7-F31A-6C44-8FD5-D9C92007DA4C}" type="pres">
+      <dgm:prSet presAssocID="{68C645CA-0791-9B4B-A25A-0BFB3015FE61}" presName="sibTrans" presStyleCnt="0"/>
+      <dgm:spPr/>
+    </dgm:pt>
+    <dgm:pt modelId="{10AE44F9-EC3F-5844-81DF-0C86AA4BF46A}" type="pres">
+      <dgm:prSet presAssocID="{68C645CA-0791-9B4B-A25A-0BFB3015FE61}" presName="space" presStyleCnt="0"/>
+      <dgm:spPr/>
+    </dgm:pt>
+    <dgm:pt modelId="{E6B06850-4458-9844-BA01-9CE524AB2BAC}" type="pres">
+      <dgm:prSet presAssocID="{ACAD5A3E-AC7E-DB4B-9617-0F3F3CD87009}" presName="composite" presStyleCnt="0"/>
+      <dgm:spPr/>
+    </dgm:pt>
+    <dgm:pt modelId="{BE759972-BA44-AC4D-9CF3-9887388F6D2A}" type="pres">
+      <dgm:prSet presAssocID="{ACAD5A3E-AC7E-DB4B-9617-0F3F3CD87009}" presName="LShape" presStyleLbl="alignNode1" presStyleIdx="4" presStyleCnt="9"/>
+      <dgm:spPr/>
+    </dgm:pt>
+    <dgm:pt modelId="{ACC645DF-7DDC-CC43-ACA3-C9ED9DFB3DE9}" type="pres">
+      <dgm:prSet presAssocID="{ACAD5A3E-AC7E-DB4B-9617-0F3F3CD87009}" presName="ParentText" presStyleLbl="revTx" presStyleIdx="2" presStyleCnt="5">
+        <dgm:presLayoutVars>
+          <dgm:chMax val="0"/>
+          <dgm:chPref val="0"/>
+          <dgm:bulletEnabled val="1"/>
+        </dgm:presLayoutVars>
+      </dgm:prSet>
+      <dgm:spPr/>
+    </dgm:pt>
+    <dgm:pt modelId="{9FE8374F-D9A2-F344-8DE6-ED4EF4C8C9D5}" type="pres">
+      <dgm:prSet presAssocID="{ACAD5A3E-AC7E-DB4B-9617-0F3F3CD87009}" presName="Triangle" presStyleLbl="alignNode1" presStyleIdx="5" presStyleCnt="9"/>
+      <dgm:spPr/>
+    </dgm:pt>
+    <dgm:pt modelId="{2F494793-2C2D-2C48-B71A-82A37BFA8869}" type="pres">
+      <dgm:prSet presAssocID="{B499DA69-0D24-2C42-A69D-86E427536E23}" presName="sibTrans" presStyleCnt="0"/>
+      <dgm:spPr/>
+    </dgm:pt>
+    <dgm:pt modelId="{389051DE-94CD-A340-A7FB-38489A8A8BDD}" type="pres">
+      <dgm:prSet presAssocID="{B499DA69-0D24-2C42-A69D-86E427536E23}" presName="space" presStyleCnt="0"/>
+      <dgm:spPr/>
+    </dgm:pt>
+    <dgm:pt modelId="{9095CE74-9678-9E49-A6D8-002834653848}" type="pres">
+      <dgm:prSet presAssocID="{CE578F1E-F804-EB47-B4BF-E12F8560CA94}" presName="composite" presStyleCnt="0"/>
+      <dgm:spPr/>
+    </dgm:pt>
+    <dgm:pt modelId="{19E29F38-2029-6C4B-B3A0-7FED39B18E63}" type="pres">
+      <dgm:prSet presAssocID="{CE578F1E-F804-EB47-B4BF-E12F8560CA94}" presName="LShape" presStyleLbl="alignNode1" presStyleIdx="6" presStyleCnt="9"/>
+      <dgm:spPr/>
+    </dgm:pt>
+    <dgm:pt modelId="{8E24C747-9ECF-C54F-9BA4-B9EC1C73F63F}" type="pres">
+      <dgm:prSet presAssocID="{CE578F1E-F804-EB47-B4BF-E12F8560CA94}" presName="ParentText" presStyleLbl="revTx" presStyleIdx="3" presStyleCnt="5">
+        <dgm:presLayoutVars>
+          <dgm:chMax val="0"/>
+          <dgm:chPref val="0"/>
+          <dgm:bulletEnabled val="1"/>
+        </dgm:presLayoutVars>
+      </dgm:prSet>
+      <dgm:spPr/>
+    </dgm:pt>
+    <dgm:pt modelId="{00C23FED-AB4F-2D48-8653-F8699985A14A}" type="pres">
+      <dgm:prSet presAssocID="{CE578F1E-F804-EB47-B4BF-E12F8560CA94}" presName="Triangle" presStyleLbl="alignNode1" presStyleIdx="7" presStyleCnt="9"/>
+      <dgm:spPr/>
+    </dgm:pt>
+    <dgm:pt modelId="{4257A00D-1CB4-7246-BC65-5EC1E407E8BA}" type="pres">
+      <dgm:prSet presAssocID="{1A90DAD0-F65B-8541-AE80-91253B518D5F}" presName="sibTrans" presStyleCnt="0"/>
+      <dgm:spPr/>
+    </dgm:pt>
+    <dgm:pt modelId="{EB26F24E-50CC-184D-8B18-7549D76B4173}" type="pres">
+      <dgm:prSet presAssocID="{1A90DAD0-F65B-8541-AE80-91253B518D5F}" presName="space" presStyleCnt="0"/>
+      <dgm:spPr/>
+    </dgm:pt>
+    <dgm:pt modelId="{1240480D-B9B3-C740-A1C9-B0A7D602BDBD}" type="pres">
+      <dgm:prSet presAssocID="{3FE1F584-69B6-0A4B-B86C-BE3EA492F679}" presName="composite" presStyleCnt="0"/>
+      <dgm:spPr/>
+    </dgm:pt>
+    <dgm:pt modelId="{BE652F3C-E77B-8F42-B0E7-0DDA40DE354C}" type="pres">
+      <dgm:prSet presAssocID="{3FE1F584-69B6-0A4B-B86C-BE3EA492F679}" presName="LShape" presStyleLbl="alignNode1" presStyleIdx="8" presStyleCnt="9"/>
+      <dgm:spPr/>
+    </dgm:pt>
+    <dgm:pt modelId="{91BA60E9-D855-9D49-BA87-B52E4F4D1DB0}" type="pres">
+      <dgm:prSet presAssocID="{3FE1F584-69B6-0A4B-B86C-BE3EA492F679}" presName="ParentText" presStyleLbl="revTx" presStyleIdx="4" presStyleCnt="5">
+        <dgm:presLayoutVars>
+          <dgm:chMax val="0"/>
+          <dgm:chPref val="0"/>
+          <dgm:bulletEnabled val="1"/>
+        </dgm:presLayoutVars>
+      </dgm:prSet>
+      <dgm:spPr/>
+    </dgm:pt>
+  </dgm:ptLst>
+  <dgm:cxnLst>
+    <dgm:cxn modelId="{C56F2B00-F3CC-DD43-9988-54DE11128F4A}" srcId="{79C09E05-0E21-544C-84EB-6FEA59ACB7FC}" destId="{6CA8D880-DB2F-BA4D-B070-2C960E2267ED}" srcOrd="1" destOrd="0" parTransId="{CF85FE1B-B9F7-824F-AC0C-4A9484C0C65F}" sibTransId="{68C645CA-0791-9B4B-A25A-0BFB3015FE61}"/>
+    <dgm:cxn modelId="{AD39F601-5EF2-EF45-9B51-4B26D0FBD869}" srcId="{CE578F1E-F804-EB47-B4BF-E12F8560CA94}" destId="{50A95A80-7D4A-3F45-B864-88DA88B89A92}" srcOrd="0" destOrd="0" parTransId="{83D57DAB-801E-9245-A528-99799AE5DED0}" sibTransId="{A59A275E-A5F8-AF42-B738-795833CC5D86}"/>
+    <dgm:cxn modelId="{FD705C05-B4EE-C843-9859-436079B3CE06}" type="presOf" srcId="{6CA8D880-DB2F-BA4D-B070-2C960E2267ED}" destId="{36A1AF03-4FAB-264D-8333-8BDD489C7585}" srcOrd="0" destOrd="0" presId="urn:microsoft.com/office/officeart/2009/3/layout/StepUpProcess"/>
+    <dgm:cxn modelId="{DCD3FF2E-8DAF-7843-BB88-94208546899D}" srcId="{6CA8D880-DB2F-BA4D-B070-2C960E2267ED}" destId="{A6164380-DD13-A04D-989B-ED0C1D98869B}" srcOrd="0" destOrd="0" parTransId="{BAB88857-ABFC-DF4C-B6D1-FD463BB999B9}" sibTransId="{6FB8F6C7-8330-A84F-87F9-B2D53A104293}"/>
+    <dgm:cxn modelId="{EACBF831-9D9B-D540-B327-FF9F99AB9435}" srcId="{79C09E05-0E21-544C-84EB-6FEA59ACB7FC}" destId="{ACAD5A3E-AC7E-DB4B-9617-0F3F3CD87009}" srcOrd="2" destOrd="0" parTransId="{91667E41-31FD-B344-8940-5BDD44B330E3}" sibTransId="{B499DA69-0D24-2C42-A69D-86E427536E23}"/>
+    <dgm:cxn modelId="{24948838-A2DC-734A-8313-E247682E22C1}" srcId="{3FE1F584-69B6-0A4B-B86C-BE3EA492F679}" destId="{3A8C5C0C-422B-C647-8CC9-ADA926633962}" srcOrd="0" destOrd="0" parTransId="{43B66224-EBB5-1D4D-B0A2-A49AFE1B1F3D}" sibTransId="{E625DF66-343B-7444-822A-102EA2399089}"/>
+    <dgm:cxn modelId="{91FD6E39-AB46-7A40-B2D5-1194E7EFB97C}" srcId="{79C09E05-0E21-544C-84EB-6FEA59ACB7FC}" destId="{A0E1F74A-6668-3B4F-8A5D-C1861ABCA842}" srcOrd="0" destOrd="0" parTransId="{F5F8D579-73EF-E448-B956-42AE444FD539}" sibTransId="{39D89BA2-2589-9A4A-A7CC-34AA5C18FFD4}"/>
+    <dgm:cxn modelId="{938A2647-F5E6-904E-8923-D06F906C8F00}" srcId="{79C09E05-0E21-544C-84EB-6FEA59ACB7FC}" destId="{3FE1F584-69B6-0A4B-B86C-BE3EA492F679}" srcOrd="4" destOrd="0" parTransId="{CAEBF328-67C1-E544-B678-DC46FE7F40DB}" sibTransId="{F7665A07-C5C9-934B-A1F6-FB6F09F2A3E5}"/>
+    <dgm:cxn modelId="{9DB4CE5F-F471-A146-8593-E968839D8C69}" srcId="{A0E1F74A-6668-3B4F-8A5D-C1861ABCA842}" destId="{4FC43B00-13D7-F04F-B34C-059689C8D4C4}" srcOrd="0" destOrd="0" parTransId="{7538C1F3-4458-5E4A-BD63-9681C324E845}" sibTransId="{20BDC820-E249-2F4B-946C-09B5214B5333}"/>
+    <dgm:cxn modelId="{B5F9976E-D815-7645-B6B9-84015BA8A733}" type="presOf" srcId="{79C09E05-0E21-544C-84EB-6FEA59ACB7FC}" destId="{B9CFA725-922F-154B-942D-C3C2EC9EA669}" srcOrd="0" destOrd="0" presId="urn:microsoft.com/office/officeart/2009/3/layout/StepUpProcess"/>
+    <dgm:cxn modelId="{8783F76F-FC39-1349-86FF-20894746EFCF}" type="presOf" srcId="{4FC43B00-13D7-F04F-B34C-059689C8D4C4}" destId="{F495E8FC-70CC-8E46-B195-24F97D8758C6}" srcOrd="0" destOrd="1" presId="urn:microsoft.com/office/officeart/2009/3/layout/StepUpProcess"/>
+    <dgm:cxn modelId="{B8414271-98E5-0C47-8DC1-A209661197A2}" srcId="{79C09E05-0E21-544C-84EB-6FEA59ACB7FC}" destId="{CE578F1E-F804-EB47-B4BF-E12F8560CA94}" srcOrd="3" destOrd="0" parTransId="{B10512AC-825B-B14C-AAAC-7C022050CE2B}" sibTransId="{1A90DAD0-F65B-8541-AE80-91253B518D5F}"/>
+    <dgm:cxn modelId="{FC0E7F71-D641-9246-8123-190E5A5A3324}" type="presOf" srcId="{3FE1F584-69B6-0A4B-B86C-BE3EA492F679}" destId="{91BA60E9-D855-9D49-BA87-B52E4F4D1DB0}" srcOrd="0" destOrd="0" presId="urn:microsoft.com/office/officeart/2009/3/layout/StepUpProcess"/>
+    <dgm:cxn modelId="{CC35E676-2673-664A-AAB5-682939F88680}" type="presOf" srcId="{A2E0878F-6C6B-5B45-BEEB-1000AC22F905}" destId="{ACC645DF-7DDC-CC43-ACA3-C9ED9DFB3DE9}" srcOrd="0" destOrd="1" presId="urn:microsoft.com/office/officeart/2009/3/layout/StepUpProcess"/>
+    <dgm:cxn modelId="{D9E1E48D-B734-5E41-BDAE-E6568BDA8C1D}" type="presOf" srcId="{CE578F1E-F804-EB47-B4BF-E12F8560CA94}" destId="{8E24C747-9ECF-C54F-9BA4-B9EC1C73F63F}" srcOrd="0" destOrd="0" presId="urn:microsoft.com/office/officeart/2009/3/layout/StepUpProcess"/>
+    <dgm:cxn modelId="{90D89493-1AA1-5743-B01E-6B7494C56E08}" type="presOf" srcId="{ACAD5A3E-AC7E-DB4B-9617-0F3F3CD87009}" destId="{ACC645DF-7DDC-CC43-ACA3-C9ED9DFB3DE9}" srcOrd="0" destOrd="0" presId="urn:microsoft.com/office/officeart/2009/3/layout/StepUpProcess"/>
+    <dgm:cxn modelId="{81E66194-2525-6541-8648-0F194497B513}" type="presOf" srcId="{A6164380-DD13-A04D-989B-ED0C1D98869B}" destId="{36A1AF03-4FAB-264D-8333-8BDD489C7585}" srcOrd="0" destOrd="1" presId="urn:microsoft.com/office/officeart/2009/3/layout/StepUpProcess"/>
+    <dgm:cxn modelId="{0719EB9E-3097-0A4A-B13E-8547F6CEF0B5}" srcId="{ACAD5A3E-AC7E-DB4B-9617-0F3F3CD87009}" destId="{A2E0878F-6C6B-5B45-BEEB-1000AC22F905}" srcOrd="0" destOrd="0" parTransId="{019E0664-B0D3-A242-9A71-FF534CB254A0}" sibTransId="{EF4F5C87-EA39-8441-A6F8-E77C9251949B}"/>
+    <dgm:cxn modelId="{D609DBA5-D175-FC4E-A647-E2EB20E1CD98}" type="presOf" srcId="{3A8C5C0C-422B-C647-8CC9-ADA926633962}" destId="{91BA60E9-D855-9D49-BA87-B52E4F4D1DB0}" srcOrd="0" destOrd="1" presId="urn:microsoft.com/office/officeart/2009/3/layout/StepUpProcess"/>
+    <dgm:cxn modelId="{28DF89BA-BAB5-A54B-A976-9521125A6E44}" type="presOf" srcId="{A0E1F74A-6668-3B4F-8A5D-C1861ABCA842}" destId="{F495E8FC-70CC-8E46-B195-24F97D8758C6}" srcOrd="0" destOrd="0" presId="urn:microsoft.com/office/officeart/2009/3/layout/StepUpProcess"/>
+    <dgm:cxn modelId="{24E4F9EF-FF0C-D64B-BA77-A727B0789857}" type="presOf" srcId="{50A95A80-7D4A-3F45-B864-88DA88B89A92}" destId="{8E24C747-9ECF-C54F-9BA4-B9EC1C73F63F}" srcOrd="0" destOrd="1" presId="urn:microsoft.com/office/officeart/2009/3/layout/StepUpProcess"/>
+    <dgm:cxn modelId="{539A1A0F-3237-F448-91AF-89ED05B2F658}" type="presParOf" srcId="{B9CFA725-922F-154B-942D-C3C2EC9EA669}" destId="{7FE6FF6E-27B3-0341-9A3C-58BD82835870}" srcOrd="0" destOrd="0" presId="urn:microsoft.com/office/officeart/2009/3/layout/StepUpProcess"/>
+    <dgm:cxn modelId="{A0976F95-C346-C14D-8F41-A24EC4147E6A}" type="presParOf" srcId="{7FE6FF6E-27B3-0341-9A3C-58BD82835870}" destId="{AE593A00-9863-D845-8E14-4A8E8F25673A}" srcOrd="0" destOrd="0" presId="urn:microsoft.com/office/officeart/2009/3/layout/StepUpProcess"/>
+    <dgm:cxn modelId="{24C68B95-55F6-8846-B6E2-4E11217930C1}" type="presParOf" srcId="{7FE6FF6E-27B3-0341-9A3C-58BD82835870}" destId="{F495E8FC-70CC-8E46-B195-24F97D8758C6}" srcOrd="1" destOrd="0" presId="urn:microsoft.com/office/officeart/2009/3/layout/StepUpProcess"/>
+    <dgm:cxn modelId="{D789F503-952B-4F45-901A-6608B548655E}" type="presParOf" srcId="{7FE6FF6E-27B3-0341-9A3C-58BD82835870}" destId="{D59135BF-54FF-D840-A127-7A17213CB97F}" srcOrd="2" destOrd="0" presId="urn:microsoft.com/office/officeart/2009/3/layout/StepUpProcess"/>
+    <dgm:cxn modelId="{D261C021-903E-964C-A0F3-17BDB2010A2A}" type="presParOf" srcId="{B9CFA725-922F-154B-942D-C3C2EC9EA669}" destId="{8387E364-38E6-104E-8324-B340FA036BAE}" srcOrd="1" destOrd="0" presId="urn:microsoft.com/office/officeart/2009/3/layout/StepUpProcess"/>
+    <dgm:cxn modelId="{5477A032-8EA1-BC4B-B9D7-F7C64E34B8F5}" type="presParOf" srcId="{8387E364-38E6-104E-8324-B340FA036BAE}" destId="{27A4459B-122D-1F41-B0E9-81CB6366F8D1}" srcOrd="0" destOrd="0" presId="urn:microsoft.com/office/officeart/2009/3/layout/StepUpProcess"/>
+    <dgm:cxn modelId="{D5ACB313-E72D-0D46-B1EC-CC6ABA821C6A}" type="presParOf" srcId="{B9CFA725-922F-154B-942D-C3C2EC9EA669}" destId="{F273808A-7CC3-A348-84C5-0E1CFD6E225E}" srcOrd="2" destOrd="0" presId="urn:microsoft.com/office/officeart/2009/3/layout/StepUpProcess"/>
+    <dgm:cxn modelId="{E59E8031-1316-BA48-8B48-8A7F624DE13A}" type="presParOf" srcId="{F273808A-7CC3-A348-84C5-0E1CFD6E225E}" destId="{64C8D96F-8A51-DF4B-9816-B1A3270AF3CF}" srcOrd="0" destOrd="0" presId="urn:microsoft.com/office/officeart/2009/3/layout/StepUpProcess"/>
+    <dgm:cxn modelId="{C3D7FBA1-9609-B34D-A4CE-9FDDE69B6EE2}" type="presParOf" srcId="{F273808A-7CC3-A348-84C5-0E1CFD6E225E}" destId="{36A1AF03-4FAB-264D-8333-8BDD489C7585}" srcOrd="1" destOrd="0" presId="urn:microsoft.com/office/officeart/2009/3/layout/StepUpProcess"/>
+    <dgm:cxn modelId="{17F02CB0-2117-694A-8CDC-6BF74A6CF648}" type="presParOf" srcId="{F273808A-7CC3-A348-84C5-0E1CFD6E225E}" destId="{4CD20873-2BEE-7F4C-B71E-1B93D6724220}" srcOrd="2" destOrd="0" presId="urn:microsoft.com/office/officeart/2009/3/layout/StepUpProcess"/>
+    <dgm:cxn modelId="{4B16CFD8-CAF8-9D4E-B6ED-9711927246D9}" type="presParOf" srcId="{B9CFA725-922F-154B-942D-C3C2EC9EA669}" destId="{DB93F7A7-F31A-6C44-8FD5-D9C92007DA4C}" srcOrd="3" destOrd="0" presId="urn:microsoft.com/office/officeart/2009/3/layout/StepUpProcess"/>
+    <dgm:cxn modelId="{3D31AF1B-2937-8D45-B6A7-C017E92E5CBD}" type="presParOf" srcId="{DB93F7A7-F31A-6C44-8FD5-D9C92007DA4C}" destId="{10AE44F9-EC3F-5844-81DF-0C86AA4BF46A}" srcOrd="0" destOrd="0" presId="urn:microsoft.com/office/officeart/2009/3/layout/StepUpProcess"/>
+    <dgm:cxn modelId="{42956DE8-7E55-4844-8F6D-AF6CCB3F8EC7}" type="presParOf" srcId="{B9CFA725-922F-154B-942D-C3C2EC9EA669}" destId="{E6B06850-4458-9844-BA01-9CE524AB2BAC}" srcOrd="4" destOrd="0" presId="urn:microsoft.com/office/officeart/2009/3/layout/StepUpProcess"/>
+    <dgm:cxn modelId="{81F21172-DB92-8A4A-8BAF-461EEACB9790}" type="presParOf" srcId="{E6B06850-4458-9844-BA01-9CE524AB2BAC}" destId="{BE759972-BA44-AC4D-9CF3-9887388F6D2A}" srcOrd="0" destOrd="0" presId="urn:microsoft.com/office/officeart/2009/3/layout/StepUpProcess"/>
+    <dgm:cxn modelId="{622D4219-C869-C44E-BA50-748814E17780}" type="presParOf" srcId="{E6B06850-4458-9844-BA01-9CE524AB2BAC}" destId="{ACC645DF-7DDC-CC43-ACA3-C9ED9DFB3DE9}" srcOrd="1" destOrd="0" presId="urn:microsoft.com/office/officeart/2009/3/layout/StepUpProcess"/>
+    <dgm:cxn modelId="{A85FDE2E-8DBB-0C4C-891E-8082E0F2268A}" type="presParOf" srcId="{E6B06850-4458-9844-BA01-9CE524AB2BAC}" destId="{9FE8374F-D9A2-F344-8DE6-ED4EF4C8C9D5}" srcOrd="2" destOrd="0" presId="urn:microsoft.com/office/officeart/2009/3/layout/StepUpProcess"/>
+    <dgm:cxn modelId="{1EC64A1E-1078-B74A-82D6-E8D01D0F13F7}" type="presParOf" srcId="{B9CFA725-922F-154B-942D-C3C2EC9EA669}" destId="{2F494793-2C2D-2C48-B71A-82A37BFA8869}" srcOrd="5" destOrd="0" presId="urn:microsoft.com/office/officeart/2009/3/layout/StepUpProcess"/>
+    <dgm:cxn modelId="{796B4D6E-0C6F-CC44-8A11-E3BA06C37804}" type="presParOf" srcId="{2F494793-2C2D-2C48-B71A-82A37BFA8869}" destId="{389051DE-94CD-A340-A7FB-38489A8A8BDD}" srcOrd="0" destOrd="0" presId="urn:microsoft.com/office/officeart/2009/3/layout/StepUpProcess"/>
+    <dgm:cxn modelId="{C1273E06-9756-3749-8CBA-AF14CD67CB52}" type="presParOf" srcId="{B9CFA725-922F-154B-942D-C3C2EC9EA669}" destId="{9095CE74-9678-9E49-A6D8-002834653848}" srcOrd="6" destOrd="0" presId="urn:microsoft.com/office/officeart/2009/3/layout/StepUpProcess"/>
+    <dgm:cxn modelId="{3B9F6AF5-8A01-6D4D-B7E3-CE8ADA5FF66B}" type="presParOf" srcId="{9095CE74-9678-9E49-A6D8-002834653848}" destId="{19E29F38-2029-6C4B-B3A0-7FED39B18E63}" srcOrd="0" destOrd="0" presId="urn:microsoft.com/office/officeart/2009/3/layout/StepUpProcess"/>
+    <dgm:cxn modelId="{08811C88-3A59-5046-8F82-B7B7B0808EC4}" type="presParOf" srcId="{9095CE74-9678-9E49-A6D8-002834653848}" destId="{8E24C747-9ECF-C54F-9BA4-B9EC1C73F63F}" srcOrd="1" destOrd="0" presId="urn:microsoft.com/office/officeart/2009/3/layout/StepUpProcess"/>
+    <dgm:cxn modelId="{B51B816F-4A78-2647-8714-79FF32D34226}" type="presParOf" srcId="{9095CE74-9678-9E49-A6D8-002834653848}" destId="{00C23FED-AB4F-2D48-8653-F8699985A14A}" srcOrd="2" destOrd="0" presId="urn:microsoft.com/office/officeart/2009/3/layout/StepUpProcess"/>
+    <dgm:cxn modelId="{DDE33B7C-144C-2245-AB2F-326DA1AA27E1}" type="presParOf" srcId="{B9CFA725-922F-154B-942D-C3C2EC9EA669}" destId="{4257A00D-1CB4-7246-BC65-5EC1E407E8BA}" srcOrd="7" destOrd="0" presId="urn:microsoft.com/office/officeart/2009/3/layout/StepUpProcess"/>
+    <dgm:cxn modelId="{3B55EBC5-F5A0-F949-8C1A-B1DACDE04C37}" type="presParOf" srcId="{4257A00D-1CB4-7246-BC65-5EC1E407E8BA}" destId="{EB26F24E-50CC-184D-8B18-7549D76B4173}" srcOrd="0" destOrd="0" presId="urn:microsoft.com/office/officeart/2009/3/layout/StepUpProcess"/>
+    <dgm:cxn modelId="{4EAA18E3-76D0-5943-B360-0D71438454FF}" type="presParOf" srcId="{B9CFA725-922F-154B-942D-C3C2EC9EA669}" destId="{1240480D-B9B3-C740-A1C9-B0A7D602BDBD}" srcOrd="8" destOrd="0" presId="urn:microsoft.com/office/officeart/2009/3/layout/StepUpProcess"/>
+    <dgm:cxn modelId="{A280B137-0AAF-3E48-8A98-743D07A842C8}" type="presParOf" srcId="{1240480D-B9B3-C740-A1C9-B0A7D602BDBD}" destId="{BE652F3C-E77B-8F42-B0E7-0DDA40DE354C}" srcOrd="0" destOrd="0" presId="urn:microsoft.com/office/officeart/2009/3/layout/StepUpProcess"/>
+    <dgm:cxn modelId="{5AB3BC52-96A8-4E4E-B17F-86035E1394B4}" type="presParOf" srcId="{1240480D-B9B3-C740-A1C9-B0A7D602BDBD}" destId="{91BA60E9-D855-9D49-BA87-B52E4F4D1DB0}" srcOrd="1" destOrd="0" presId="urn:microsoft.com/office/officeart/2009/3/layout/StepUpProcess"/>
   </dgm:cxnLst>
   <dgm:bg/>
   <dgm:whole/>
@@ -3355,6 +4927,997 @@
 </dsp:drawing>
 </file>
 
+<file path=ppt/diagrams/drawing2.xml><?xml version="1.0" encoding="utf-8"?>
+<dsp:drawing xmlns:dgm="http://schemas.openxmlformats.org/drawingml/2006/diagram" xmlns:dsp="http://schemas.microsoft.com/office/drawing/2008/diagram" xmlns:a="http://schemas.openxmlformats.org/drawingml/2006/main">
+  <dsp:spTree>
+    <dsp:nvGrpSpPr>
+      <dsp:cNvPr id="0" name=""/>
+      <dsp:cNvGrpSpPr/>
+    </dsp:nvGrpSpPr>
+    <dsp:grpSpPr/>
+    <dsp:sp modelId="{AE593A00-9863-D845-8E14-4A8E8F25673A}">
+      <dsp:nvSpPr>
+        <dsp:cNvPr id="0" name=""/>
+        <dsp:cNvSpPr/>
+      </dsp:nvSpPr>
+      <dsp:spPr>
+        <a:xfrm rot="5400000">
+          <a:off x="307830" y="2417544"/>
+          <a:ext cx="919196" cy="1529522"/>
+        </a:xfrm>
+        <a:prstGeom prst="corner">
+          <a:avLst>
+            <a:gd name="adj1" fmla="val 16120"/>
+            <a:gd name="adj2" fmla="val 16110"/>
+          </a:avLst>
+        </a:prstGeom>
+        <a:solidFill>
+          <a:schemeClr val="accent2">
+            <a:hueOff val="0"/>
+            <a:satOff val="0"/>
+            <a:lumOff val="0"/>
+            <a:alphaOff val="0"/>
+          </a:schemeClr>
+        </a:solidFill>
+        <a:ln w="25400" cap="flat" cmpd="sng" algn="ctr">
+          <a:solidFill>
+            <a:schemeClr val="accent2">
+              <a:hueOff val="0"/>
+              <a:satOff val="0"/>
+              <a:lumOff val="0"/>
+              <a:alphaOff val="0"/>
+            </a:schemeClr>
+          </a:solidFill>
+          <a:prstDash val="solid"/>
+        </a:ln>
+        <a:effectLst/>
+      </dsp:spPr>
+      <dsp:style>
+        <a:lnRef idx="2">
+          <a:scrgbClr r="0" g="0" b="0"/>
+        </a:lnRef>
+        <a:fillRef idx="1">
+          <a:scrgbClr r="0" g="0" b="0"/>
+        </a:fillRef>
+        <a:effectRef idx="0">
+          <a:scrgbClr r="0" g="0" b="0"/>
+        </a:effectRef>
+        <a:fontRef idx="minor">
+          <a:schemeClr val="lt1"/>
+        </a:fontRef>
+      </dsp:style>
+    </dsp:sp>
+    <dsp:sp modelId="{F495E8FC-70CC-8E46-B195-24F97D8758C6}">
+      <dsp:nvSpPr>
+        <dsp:cNvPr id="0" name=""/>
+        <dsp:cNvSpPr/>
+      </dsp:nvSpPr>
+      <dsp:spPr>
+        <a:xfrm>
+          <a:off x="154394" y="2874542"/>
+          <a:ext cx="1380861" cy="1210406"/>
+        </a:xfrm>
+        <a:prstGeom prst="rect">
+          <a:avLst/>
+        </a:prstGeom>
+        <a:noFill/>
+        <a:ln>
+          <a:noFill/>
+        </a:ln>
+        <a:effectLst/>
+      </dsp:spPr>
+      <dsp:style>
+        <a:lnRef idx="0">
+          <a:scrgbClr r="0" g="0" b="0"/>
+        </a:lnRef>
+        <a:fillRef idx="0">
+          <a:scrgbClr r="0" g="0" b="0"/>
+        </a:fillRef>
+        <a:effectRef idx="0">
+          <a:scrgbClr r="0" g="0" b="0"/>
+        </a:effectRef>
+        <a:fontRef idx="minor"/>
+      </dsp:style>
+      <dsp:txBody>
+        <a:bodyPr spcFirstLastPara="0" vert="horz" wrap="square" lIns="38100" tIns="38100" rIns="38100" bIns="38100" numCol="1" spcCol="1270" anchor="t" anchorCtr="0">
+          <a:noAutofit/>
+        </a:bodyPr>
+        <a:lstStyle/>
+        <a:p>
+          <a:pPr marL="0" lvl="0" indent="0" algn="l" defTabSz="444500">
+            <a:lnSpc>
+              <a:spcPct val="90000"/>
+            </a:lnSpc>
+            <a:spcBef>
+              <a:spcPct val="0"/>
+            </a:spcBef>
+            <a:spcAft>
+              <a:spcPct val="35000"/>
+            </a:spcAft>
+            <a:buNone/>
+          </a:pPr>
+          <a:r>
+            <a:rPr lang="en-US" sz="1000" b="1" i="0" kern="1200" dirty="0">
+              <a:solidFill>
+                <a:schemeClr val="bg2"/>
+              </a:solidFill>
+              <a:hlinkClick xmlns:r="http://schemas.openxmlformats.org/officeDocument/2006/relationships" r:id="rId1">
+                <a:extLst>
+                  <a:ext uri="{A12FA001-AC4F-418D-AE19-62706E023703}">
+                    <ahyp:hlinkClr xmlns:ahyp="http://schemas.microsoft.com/office/drawing/2018/hyperlinkcolor" val="tx"/>
+                  </a:ext>
+                </a:extLst>
+              </a:hlinkClick>
+            </a:rPr>
+            <a:t>What is GitHub?</a:t>
+          </a:r>
+          <a:endParaRPr lang="en-US" sz="1000" kern="1200" dirty="0">
+            <a:solidFill>
+              <a:schemeClr val="bg2"/>
+            </a:solidFill>
+          </a:endParaRPr>
+        </a:p>
+        <a:p>
+          <a:pPr marL="57150" lvl="1" indent="-57150" algn="l" defTabSz="355600">
+            <a:lnSpc>
+              <a:spcPct val="90000"/>
+            </a:lnSpc>
+            <a:spcBef>
+              <a:spcPct val="0"/>
+            </a:spcBef>
+            <a:spcAft>
+              <a:spcPct val="15000"/>
+            </a:spcAft>
+            <a:buChar char="•"/>
+          </a:pPr>
+          <a:r>
+            <a:rPr lang="en-US" sz="800" b="0" i="0" kern="1200" dirty="0">
+              <a:solidFill>
+                <a:schemeClr val="bg2"/>
+              </a:solidFill>
+            </a:rPr>
+            <a:t>Hey, it's your first time here, so let's not take any chances. Check out this short video to understand why people use GitHub.</a:t>
+          </a:r>
+          <a:endParaRPr lang="en-US" sz="800" kern="1200" dirty="0">
+            <a:solidFill>
+              <a:schemeClr val="bg2"/>
+            </a:solidFill>
+          </a:endParaRPr>
+        </a:p>
+      </dsp:txBody>
+      <dsp:txXfrm>
+        <a:off x="154394" y="2874542"/>
+        <a:ext cx="1380861" cy="1210406"/>
+      </dsp:txXfrm>
+    </dsp:sp>
+    <dsp:sp modelId="{D59135BF-54FF-D840-A127-7A17213CB97F}">
+      <dsp:nvSpPr>
+        <dsp:cNvPr id="0" name=""/>
+        <dsp:cNvSpPr/>
+      </dsp:nvSpPr>
+      <dsp:spPr>
+        <a:xfrm>
+          <a:off x="1274715" y="2304939"/>
+          <a:ext cx="260539" cy="260539"/>
+        </a:xfrm>
+        <a:prstGeom prst="triangle">
+          <a:avLst>
+            <a:gd name="adj" fmla="val 100000"/>
+          </a:avLst>
+        </a:prstGeom>
+        <a:solidFill>
+          <a:schemeClr val="accent2">
+            <a:hueOff val="368443"/>
+            <a:satOff val="1691"/>
+            <a:lumOff val="2426"/>
+            <a:alphaOff val="0"/>
+          </a:schemeClr>
+        </a:solidFill>
+        <a:ln w="25400" cap="flat" cmpd="sng" algn="ctr">
+          <a:solidFill>
+            <a:schemeClr val="accent2">
+              <a:hueOff val="368443"/>
+              <a:satOff val="1691"/>
+              <a:lumOff val="2426"/>
+              <a:alphaOff val="0"/>
+            </a:schemeClr>
+          </a:solidFill>
+          <a:prstDash val="solid"/>
+        </a:ln>
+        <a:effectLst/>
+      </dsp:spPr>
+      <dsp:style>
+        <a:lnRef idx="2">
+          <a:scrgbClr r="0" g="0" b="0"/>
+        </a:lnRef>
+        <a:fillRef idx="1">
+          <a:scrgbClr r="0" g="0" b="0"/>
+        </a:fillRef>
+        <a:effectRef idx="0">
+          <a:scrgbClr r="0" g="0" b="0"/>
+        </a:effectRef>
+        <a:fontRef idx="minor">
+          <a:schemeClr val="lt1"/>
+        </a:fontRef>
+      </dsp:style>
+    </dsp:sp>
+    <dsp:sp modelId="{64C8D96F-8A51-DF4B-9816-B1A3270AF3CF}">
+      <dsp:nvSpPr>
+        <dsp:cNvPr id="0" name=""/>
+        <dsp:cNvSpPr/>
+      </dsp:nvSpPr>
+      <dsp:spPr>
+        <a:xfrm rot="5400000">
+          <a:off x="1998275" y="1999242"/>
+          <a:ext cx="919196" cy="1529522"/>
+        </a:xfrm>
+        <a:prstGeom prst="corner">
+          <a:avLst>
+            <a:gd name="adj1" fmla="val 16120"/>
+            <a:gd name="adj2" fmla="val 16110"/>
+          </a:avLst>
+        </a:prstGeom>
+        <a:solidFill>
+          <a:schemeClr val="accent2">
+            <a:hueOff val="736886"/>
+            <a:satOff val="3381"/>
+            <a:lumOff val="4853"/>
+            <a:alphaOff val="0"/>
+          </a:schemeClr>
+        </a:solidFill>
+        <a:ln w="25400" cap="flat" cmpd="sng" algn="ctr">
+          <a:solidFill>
+            <a:schemeClr val="accent2">
+              <a:hueOff val="736886"/>
+              <a:satOff val="3381"/>
+              <a:lumOff val="4853"/>
+              <a:alphaOff val="0"/>
+            </a:schemeClr>
+          </a:solidFill>
+          <a:prstDash val="solid"/>
+        </a:ln>
+        <a:effectLst/>
+      </dsp:spPr>
+      <dsp:style>
+        <a:lnRef idx="2">
+          <a:scrgbClr r="0" g="0" b="0"/>
+        </a:lnRef>
+        <a:fillRef idx="1">
+          <a:scrgbClr r="0" g="0" b="0"/>
+        </a:fillRef>
+        <a:effectRef idx="0">
+          <a:scrgbClr r="0" g="0" b="0"/>
+        </a:effectRef>
+        <a:fontRef idx="minor">
+          <a:schemeClr val="lt1"/>
+        </a:fontRef>
+      </dsp:style>
+    </dsp:sp>
+    <dsp:sp modelId="{36A1AF03-4FAB-264D-8333-8BDD489C7585}">
+      <dsp:nvSpPr>
+        <dsp:cNvPr id="0" name=""/>
+        <dsp:cNvSpPr/>
+      </dsp:nvSpPr>
+      <dsp:spPr>
+        <a:xfrm>
+          <a:off x="1844838" y="2456240"/>
+          <a:ext cx="1380861" cy="1210406"/>
+        </a:xfrm>
+        <a:prstGeom prst="rect">
+          <a:avLst/>
+        </a:prstGeom>
+        <a:noFill/>
+        <a:ln>
+          <a:noFill/>
+        </a:ln>
+        <a:effectLst/>
+      </dsp:spPr>
+      <dsp:style>
+        <a:lnRef idx="0">
+          <a:scrgbClr r="0" g="0" b="0"/>
+        </a:lnRef>
+        <a:fillRef idx="0">
+          <a:scrgbClr r="0" g="0" b="0"/>
+        </a:fillRef>
+        <a:effectRef idx="0">
+          <a:scrgbClr r="0" g="0" b="0"/>
+        </a:effectRef>
+        <a:fontRef idx="minor"/>
+      </dsp:style>
+      <dsp:txBody>
+        <a:bodyPr spcFirstLastPara="0" vert="horz" wrap="square" lIns="38100" tIns="38100" rIns="38100" bIns="38100" numCol="1" spcCol="1270" anchor="t" anchorCtr="0">
+          <a:noAutofit/>
+        </a:bodyPr>
+        <a:lstStyle/>
+        <a:p>
+          <a:pPr marL="0" lvl="0" indent="0" algn="l" defTabSz="444500">
+            <a:lnSpc>
+              <a:spcPct val="90000"/>
+            </a:lnSpc>
+            <a:spcBef>
+              <a:spcPct val="0"/>
+            </a:spcBef>
+            <a:spcAft>
+              <a:spcPct val="35000"/>
+            </a:spcAft>
+            <a:buNone/>
+          </a:pPr>
+          <a:r>
+            <a:rPr lang="en-US" sz="1000" b="1" i="0" kern="1200" dirty="0">
+              <a:solidFill>
+                <a:schemeClr val="bg2"/>
+              </a:solidFill>
+              <a:hlinkClick xmlns:r="http://schemas.openxmlformats.org/officeDocument/2006/relationships" r:id="rId2">
+                <a:extLst>
+                  <a:ext uri="{A12FA001-AC4F-418D-AE19-62706E023703}">
+                    <ahyp:hlinkClr xmlns:ahyp="http://schemas.microsoft.com/office/drawing/2018/hyperlinkcolor" val="tx"/>
+                  </a:ext>
+                </a:extLst>
+              </a:hlinkClick>
+            </a:rPr>
+            <a:t>Introduction to GitHub</a:t>
+          </a:r>
+          <a:endParaRPr lang="en-US" sz="1000" kern="1200" dirty="0">
+            <a:solidFill>
+              <a:schemeClr val="bg2"/>
+            </a:solidFill>
+          </a:endParaRPr>
+        </a:p>
+        <a:p>
+          <a:pPr marL="57150" lvl="1" indent="-57150" algn="l" defTabSz="355600">
+            <a:lnSpc>
+              <a:spcPct val="90000"/>
+            </a:lnSpc>
+            <a:spcBef>
+              <a:spcPct val="0"/>
+            </a:spcBef>
+            <a:spcAft>
+              <a:spcPct val="15000"/>
+            </a:spcAft>
+            <a:buChar char="•"/>
+          </a:pPr>
+          <a:r>
+            <a:rPr lang="en-US" sz="800" b="0" i="0" kern="1200" dirty="0">
+              <a:solidFill>
+                <a:schemeClr val="bg2"/>
+              </a:solidFill>
+            </a:rPr>
+            <a:t>That video is pretty cool, right? If you want to learn how to use the workflow described in that video, take this course.</a:t>
+          </a:r>
+          <a:endParaRPr lang="en-US" sz="800" kern="1200" dirty="0">
+            <a:solidFill>
+              <a:schemeClr val="bg2"/>
+            </a:solidFill>
+          </a:endParaRPr>
+        </a:p>
+      </dsp:txBody>
+      <dsp:txXfrm>
+        <a:off x="1844838" y="2456240"/>
+        <a:ext cx="1380861" cy="1210406"/>
+      </dsp:txXfrm>
+    </dsp:sp>
+    <dsp:sp modelId="{4CD20873-2BEE-7F4C-B71E-1B93D6724220}">
+      <dsp:nvSpPr>
+        <dsp:cNvPr id="0" name=""/>
+        <dsp:cNvSpPr/>
+      </dsp:nvSpPr>
+      <dsp:spPr>
+        <a:xfrm>
+          <a:off x="2965159" y="1886637"/>
+          <a:ext cx="260539" cy="260539"/>
+        </a:xfrm>
+        <a:prstGeom prst="triangle">
+          <a:avLst>
+            <a:gd name="adj" fmla="val 100000"/>
+          </a:avLst>
+        </a:prstGeom>
+        <a:solidFill>
+          <a:schemeClr val="accent2">
+            <a:hueOff val="1105328"/>
+            <a:satOff val="5072"/>
+            <a:lumOff val="7279"/>
+            <a:alphaOff val="0"/>
+          </a:schemeClr>
+        </a:solidFill>
+        <a:ln w="25400" cap="flat" cmpd="sng" algn="ctr">
+          <a:solidFill>
+            <a:schemeClr val="accent2">
+              <a:hueOff val="1105328"/>
+              <a:satOff val="5072"/>
+              <a:lumOff val="7279"/>
+              <a:alphaOff val="0"/>
+            </a:schemeClr>
+          </a:solidFill>
+          <a:prstDash val="solid"/>
+        </a:ln>
+        <a:effectLst/>
+      </dsp:spPr>
+      <dsp:style>
+        <a:lnRef idx="2">
+          <a:scrgbClr r="0" g="0" b="0"/>
+        </a:lnRef>
+        <a:fillRef idx="1">
+          <a:scrgbClr r="0" g="0" b="0"/>
+        </a:fillRef>
+        <a:effectRef idx="0">
+          <a:scrgbClr r="0" g="0" b="0"/>
+        </a:effectRef>
+        <a:fontRef idx="minor">
+          <a:schemeClr val="lt1"/>
+        </a:fontRef>
+      </dsp:style>
+    </dsp:sp>
+    <dsp:sp modelId="{BE759972-BA44-AC4D-9CF3-9887388F6D2A}">
+      <dsp:nvSpPr>
+        <dsp:cNvPr id="0" name=""/>
+        <dsp:cNvSpPr/>
+      </dsp:nvSpPr>
+      <dsp:spPr>
+        <a:xfrm rot="5400000">
+          <a:off x="3688719" y="1580940"/>
+          <a:ext cx="919196" cy="1529522"/>
+        </a:xfrm>
+        <a:prstGeom prst="corner">
+          <a:avLst>
+            <a:gd name="adj1" fmla="val 16120"/>
+            <a:gd name="adj2" fmla="val 16110"/>
+          </a:avLst>
+        </a:prstGeom>
+        <a:solidFill>
+          <a:schemeClr val="accent2">
+            <a:hueOff val="1473771"/>
+            <a:satOff val="6763"/>
+            <a:lumOff val="9706"/>
+            <a:alphaOff val="0"/>
+          </a:schemeClr>
+        </a:solidFill>
+        <a:ln w="25400" cap="flat" cmpd="sng" algn="ctr">
+          <a:solidFill>
+            <a:schemeClr val="accent2">
+              <a:hueOff val="1473771"/>
+              <a:satOff val="6763"/>
+              <a:lumOff val="9706"/>
+              <a:alphaOff val="0"/>
+            </a:schemeClr>
+          </a:solidFill>
+          <a:prstDash val="solid"/>
+        </a:ln>
+        <a:effectLst/>
+      </dsp:spPr>
+      <dsp:style>
+        <a:lnRef idx="2">
+          <a:scrgbClr r="0" g="0" b="0"/>
+        </a:lnRef>
+        <a:fillRef idx="1">
+          <a:scrgbClr r="0" g="0" b="0"/>
+        </a:fillRef>
+        <a:effectRef idx="0">
+          <a:scrgbClr r="0" g="0" b="0"/>
+        </a:effectRef>
+        <a:fontRef idx="minor">
+          <a:schemeClr val="lt1"/>
+        </a:fontRef>
+      </dsp:style>
+    </dsp:sp>
+    <dsp:sp modelId="{ACC645DF-7DDC-CC43-ACA3-C9ED9DFB3DE9}">
+      <dsp:nvSpPr>
+        <dsp:cNvPr id="0" name=""/>
+        <dsp:cNvSpPr/>
+      </dsp:nvSpPr>
+      <dsp:spPr>
+        <a:xfrm>
+          <a:off x="3535282" y="2037938"/>
+          <a:ext cx="1380861" cy="1210406"/>
+        </a:xfrm>
+        <a:prstGeom prst="rect">
+          <a:avLst/>
+        </a:prstGeom>
+        <a:noFill/>
+        <a:ln>
+          <a:noFill/>
+        </a:ln>
+        <a:effectLst/>
+      </dsp:spPr>
+      <dsp:style>
+        <a:lnRef idx="0">
+          <a:scrgbClr r="0" g="0" b="0"/>
+        </a:lnRef>
+        <a:fillRef idx="0">
+          <a:scrgbClr r="0" g="0" b="0"/>
+        </a:fillRef>
+        <a:effectRef idx="0">
+          <a:scrgbClr r="0" g="0" b="0"/>
+        </a:effectRef>
+        <a:fontRef idx="minor"/>
+      </dsp:style>
+      <dsp:txBody>
+        <a:bodyPr spcFirstLastPara="0" vert="horz" wrap="square" lIns="38100" tIns="38100" rIns="38100" bIns="38100" numCol="1" spcCol="1270" anchor="t" anchorCtr="0">
+          <a:noAutofit/>
+        </a:bodyPr>
+        <a:lstStyle/>
+        <a:p>
+          <a:pPr marL="0" lvl="0" indent="0" algn="l" defTabSz="444500">
+            <a:lnSpc>
+              <a:spcPct val="90000"/>
+            </a:lnSpc>
+            <a:spcBef>
+              <a:spcPct val="0"/>
+            </a:spcBef>
+            <a:spcAft>
+              <a:spcPct val="35000"/>
+            </a:spcAft>
+            <a:buNone/>
+          </a:pPr>
+          <a:r>
+            <a:rPr lang="en-US" sz="1000" b="1" i="0" kern="1200" dirty="0">
+              <a:solidFill>
+                <a:schemeClr val="bg2"/>
+              </a:solidFill>
+              <a:hlinkClick xmlns:r="http://schemas.openxmlformats.org/officeDocument/2006/relationships" r:id="rId3">
+                <a:extLst>
+                  <a:ext uri="{A12FA001-AC4F-418D-AE19-62706E023703}">
+                    <ahyp:hlinkClr xmlns:ahyp="http://schemas.microsoft.com/office/drawing/2018/hyperlinkcolor" val="tx"/>
+                  </a:ext>
+                </a:extLst>
+              </a:hlinkClick>
+            </a:rPr>
+            <a:t>Git Handbook</a:t>
+          </a:r>
+          <a:endParaRPr lang="en-US" sz="1000" kern="1200" dirty="0">
+            <a:solidFill>
+              <a:schemeClr val="bg2"/>
+            </a:solidFill>
+          </a:endParaRPr>
+        </a:p>
+        <a:p>
+          <a:pPr marL="57150" lvl="1" indent="-57150" algn="l" defTabSz="355600">
+            <a:lnSpc>
+              <a:spcPct val="90000"/>
+            </a:lnSpc>
+            <a:spcBef>
+              <a:spcPct val="0"/>
+            </a:spcBef>
+            <a:spcAft>
+              <a:spcPct val="15000"/>
+            </a:spcAft>
+            <a:buChar char="•"/>
+          </a:pPr>
+          <a:r>
+            <a:rPr lang="en-US" sz="800" b="0" i="0" kern="1200" dirty="0">
+              <a:solidFill>
+                <a:schemeClr val="bg2"/>
+              </a:solidFill>
+            </a:rPr>
+            <a:t>By now you are probably wondering what a Git is and why it is important in writing code. We have you covered with this short article on version control with Git.</a:t>
+          </a:r>
+          <a:endParaRPr lang="en-US" sz="800" kern="1200" dirty="0">
+            <a:solidFill>
+              <a:schemeClr val="bg2"/>
+            </a:solidFill>
+          </a:endParaRPr>
+        </a:p>
+      </dsp:txBody>
+      <dsp:txXfrm>
+        <a:off x="3535282" y="2037938"/>
+        <a:ext cx="1380861" cy="1210406"/>
+      </dsp:txXfrm>
+    </dsp:sp>
+    <dsp:sp modelId="{9FE8374F-D9A2-F344-8DE6-ED4EF4C8C9D5}">
+      <dsp:nvSpPr>
+        <dsp:cNvPr id="0" name=""/>
+        <dsp:cNvSpPr/>
+      </dsp:nvSpPr>
+      <dsp:spPr>
+        <a:xfrm>
+          <a:off x="4655603" y="1468335"/>
+          <a:ext cx="260539" cy="260539"/>
+        </a:xfrm>
+        <a:prstGeom prst="triangle">
+          <a:avLst>
+            <a:gd name="adj" fmla="val 100000"/>
+          </a:avLst>
+        </a:prstGeom>
+        <a:solidFill>
+          <a:schemeClr val="accent2">
+            <a:hueOff val="1842214"/>
+            <a:satOff val="8454"/>
+            <a:lumOff val="12132"/>
+            <a:alphaOff val="0"/>
+          </a:schemeClr>
+        </a:solidFill>
+        <a:ln w="25400" cap="flat" cmpd="sng" algn="ctr">
+          <a:solidFill>
+            <a:schemeClr val="accent2">
+              <a:hueOff val="1842214"/>
+              <a:satOff val="8454"/>
+              <a:lumOff val="12132"/>
+              <a:alphaOff val="0"/>
+            </a:schemeClr>
+          </a:solidFill>
+          <a:prstDash val="solid"/>
+        </a:ln>
+        <a:effectLst/>
+      </dsp:spPr>
+      <dsp:style>
+        <a:lnRef idx="2">
+          <a:scrgbClr r="0" g="0" b="0"/>
+        </a:lnRef>
+        <a:fillRef idx="1">
+          <a:scrgbClr r="0" g="0" b="0"/>
+        </a:fillRef>
+        <a:effectRef idx="0">
+          <a:scrgbClr r="0" g="0" b="0"/>
+        </a:effectRef>
+        <a:fontRef idx="minor">
+          <a:schemeClr val="lt1"/>
+        </a:fontRef>
+      </dsp:style>
+    </dsp:sp>
+    <dsp:sp modelId="{19E29F38-2029-6C4B-B3A0-7FED39B18E63}">
+      <dsp:nvSpPr>
+        <dsp:cNvPr id="0" name=""/>
+        <dsp:cNvSpPr/>
+      </dsp:nvSpPr>
+      <dsp:spPr>
+        <a:xfrm rot="5400000">
+          <a:off x="5379163" y="1162638"/>
+          <a:ext cx="919196" cy="1529522"/>
+        </a:xfrm>
+        <a:prstGeom prst="corner">
+          <a:avLst>
+            <a:gd name="adj1" fmla="val 16120"/>
+            <a:gd name="adj2" fmla="val 16110"/>
+          </a:avLst>
+        </a:prstGeom>
+        <a:solidFill>
+          <a:schemeClr val="accent2">
+            <a:hueOff val="2210657"/>
+            <a:satOff val="10144"/>
+            <a:lumOff val="14559"/>
+            <a:alphaOff val="0"/>
+          </a:schemeClr>
+        </a:solidFill>
+        <a:ln w="25400" cap="flat" cmpd="sng" algn="ctr">
+          <a:solidFill>
+            <a:schemeClr val="accent2">
+              <a:hueOff val="2210657"/>
+              <a:satOff val="10144"/>
+              <a:lumOff val="14559"/>
+              <a:alphaOff val="0"/>
+            </a:schemeClr>
+          </a:solidFill>
+          <a:prstDash val="solid"/>
+        </a:ln>
+        <a:effectLst/>
+      </dsp:spPr>
+      <dsp:style>
+        <a:lnRef idx="2">
+          <a:scrgbClr r="0" g="0" b="0"/>
+        </a:lnRef>
+        <a:fillRef idx="1">
+          <a:scrgbClr r="0" g="0" b="0"/>
+        </a:fillRef>
+        <a:effectRef idx="0">
+          <a:scrgbClr r="0" g="0" b="0"/>
+        </a:effectRef>
+        <a:fontRef idx="minor">
+          <a:schemeClr val="lt1"/>
+        </a:fontRef>
+      </dsp:style>
+    </dsp:sp>
+    <dsp:sp modelId="{8E24C747-9ECF-C54F-9BA4-B9EC1C73F63F}">
+      <dsp:nvSpPr>
+        <dsp:cNvPr id="0" name=""/>
+        <dsp:cNvSpPr/>
+      </dsp:nvSpPr>
+      <dsp:spPr>
+        <a:xfrm>
+          <a:off x="5225726" y="1619636"/>
+          <a:ext cx="1380861" cy="1210406"/>
+        </a:xfrm>
+        <a:prstGeom prst="rect">
+          <a:avLst/>
+        </a:prstGeom>
+        <a:noFill/>
+        <a:ln>
+          <a:noFill/>
+        </a:ln>
+        <a:effectLst/>
+      </dsp:spPr>
+      <dsp:style>
+        <a:lnRef idx="0">
+          <a:scrgbClr r="0" g="0" b="0"/>
+        </a:lnRef>
+        <a:fillRef idx="0">
+          <a:scrgbClr r="0" g="0" b="0"/>
+        </a:fillRef>
+        <a:effectRef idx="0">
+          <a:scrgbClr r="0" g="0" b="0"/>
+        </a:effectRef>
+        <a:fontRef idx="minor"/>
+      </dsp:style>
+      <dsp:txBody>
+        <a:bodyPr spcFirstLastPara="0" vert="horz" wrap="square" lIns="38100" tIns="38100" rIns="38100" bIns="38100" numCol="1" spcCol="1270" anchor="t" anchorCtr="0">
+          <a:noAutofit/>
+        </a:bodyPr>
+        <a:lstStyle/>
+        <a:p>
+          <a:pPr marL="0" lvl="0" indent="0" algn="l" defTabSz="444500">
+            <a:lnSpc>
+              <a:spcPct val="90000"/>
+            </a:lnSpc>
+            <a:spcBef>
+              <a:spcPct val="0"/>
+            </a:spcBef>
+            <a:spcAft>
+              <a:spcPct val="35000"/>
+            </a:spcAft>
+            <a:buNone/>
+          </a:pPr>
+          <a:r>
+            <a:rPr lang="en-US" sz="1000" b="1" i="0" kern="1200" dirty="0">
+              <a:solidFill>
+                <a:schemeClr val="bg2"/>
+              </a:solidFill>
+              <a:hlinkClick xmlns:r="http://schemas.openxmlformats.org/officeDocument/2006/relationships" r:id="rId4">
+                <a:extLst>
+                  <a:ext uri="{A12FA001-AC4F-418D-AE19-62706E023703}">
+                    <ahyp:hlinkClr xmlns:ahyp="http://schemas.microsoft.com/office/drawing/2018/hyperlinkcolor" val="tx"/>
+                  </a:ext>
+                </a:extLst>
+              </a:hlinkClick>
+            </a:rPr>
+            <a:t>Communicating using Markdown</a:t>
+          </a:r>
+          <a:endParaRPr lang="en-US" sz="1000" kern="1200" dirty="0">
+            <a:solidFill>
+              <a:schemeClr val="bg2"/>
+            </a:solidFill>
+          </a:endParaRPr>
+        </a:p>
+        <a:p>
+          <a:pPr marL="57150" lvl="1" indent="-57150" algn="l" defTabSz="355600">
+            <a:lnSpc>
+              <a:spcPct val="90000"/>
+            </a:lnSpc>
+            <a:spcBef>
+              <a:spcPct val="0"/>
+            </a:spcBef>
+            <a:spcAft>
+              <a:spcPct val="15000"/>
+            </a:spcAft>
+            <a:buChar char="•"/>
+          </a:pPr>
+          <a:r>
+            <a:rPr lang="en-US" sz="800" b="0" i="0" kern="1200" dirty="0">
+              <a:solidFill>
+                <a:schemeClr val="bg2"/>
+              </a:solidFill>
+            </a:rPr>
+            <a:t>GitHub is all about collaboration and we collaborate in issues in pull requests. Learn how to get your point across with the worlds easiest text formatting syntax.</a:t>
+          </a:r>
+          <a:endParaRPr lang="en-US" sz="800" kern="1200" dirty="0">
+            <a:solidFill>
+              <a:schemeClr val="bg2"/>
+            </a:solidFill>
+          </a:endParaRPr>
+        </a:p>
+      </dsp:txBody>
+      <dsp:txXfrm>
+        <a:off x="5225726" y="1619636"/>
+        <a:ext cx="1380861" cy="1210406"/>
+      </dsp:txXfrm>
+    </dsp:sp>
+    <dsp:sp modelId="{00C23FED-AB4F-2D48-8653-F8699985A14A}">
+      <dsp:nvSpPr>
+        <dsp:cNvPr id="0" name=""/>
+        <dsp:cNvSpPr/>
+      </dsp:nvSpPr>
+      <dsp:spPr>
+        <a:xfrm>
+          <a:off x="6346048" y="1050033"/>
+          <a:ext cx="260539" cy="260539"/>
+        </a:xfrm>
+        <a:prstGeom prst="triangle">
+          <a:avLst>
+            <a:gd name="adj" fmla="val 100000"/>
+          </a:avLst>
+        </a:prstGeom>
+        <a:solidFill>
+          <a:schemeClr val="accent2">
+            <a:hueOff val="2579099"/>
+            <a:satOff val="11835"/>
+            <a:lumOff val="16985"/>
+            <a:alphaOff val="0"/>
+          </a:schemeClr>
+        </a:solidFill>
+        <a:ln w="25400" cap="flat" cmpd="sng" algn="ctr">
+          <a:solidFill>
+            <a:schemeClr val="accent2">
+              <a:hueOff val="2579099"/>
+              <a:satOff val="11835"/>
+              <a:lumOff val="16985"/>
+              <a:alphaOff val="0"/>
+            </a:schemeClr>
+          </a:solidFill>
+          <a:prstDash val="solid"/>
+        </a:ln>
+        <a:effectLst/>
+      </dsp:spPr>
+      <dsp:style>
+        <a:lnRef idx="2">
+          <a:scrgbClr r="0" g="0" b="0"/>
+        </a:lnRef>
+        <a:fillRef idx="1">
+          <a:scrgbClr r="0" g="0" b="0"/>
+        </a:fillRef>
+        <a:effectRef idx="0">
+          <a:scrgbClr r="0" g="0" b="0"/>
+        </a:effectRef>
+        <a:fontRef idx="minor">
+          <a:schemeClr val="lt1"/>
+        </a:fontRef>
+      </dsp:style>
+    </dsp:sp>
+    <dsp:sp modelId="{BE652F3C-E77B-8F42-B0E7-0DDA40DE354C}">
+      <dsp:nvSpPr>
+        <dsp:cNvPr id="0" name=""/>
+        <dsp:cNvSpPr/>
+      </dsp:nvSpPr>
+      <dsp:spPr>
+        <a:xfrm rot="5400000">
+          <a:off x="7069607" y="744336"/>
+          <a:ext cx="919196" cy="1529522"/>
+        </a:xfrm>
+        <a:prstGeom prst="corner">
+          <a:avLst>
+            <a:gd name="adj1" fmla="val 16120"/>
+            <a:gd name="adj2" fmla="val 16110"/>
+          </a:avLst>
+        </a:prstGeom>
+        <a:solidFill>
+          <a:schemeClr val="accent2">
+            <a:hueOff val="2947542"/>
+            <a:satOff val="13526"/>
+            <a:lumOff val="19412"/>
+            <a:alphaOff val="0"/>
+          </a:schemeClr>
+        </a:solidFill>
+        <a:ln w="25400" cap="flat" cmpd="sng" algn="ctr">
+          <a:solidFill>
+            <a:schemeClr val="accent2">
+              <a:hueOff val="2947542"/>
+              <a:satOff val="13526"/>
+              <a:lumOff val="19412"/>
+              <a:alphaOff val="0"/>
+            </a:schemeClr>
+          </a:solidFill>
+          <a:prstDash val="solid"/>
+        </a:ln>
+        <a:effectLst/>
+      </dsp:spPr>
+      <dsp:style>
+        <a:lnRef idx="2">
+          <a:scrgbClr r="0" g="0" b="0"/>
+        </a:lnRef>
+        <a:fillRef idx="1">
+          <a:scrgbClr r="0" g="0" b="0"/>
+        </a:fillRef>
+        <a:effectRef idx="0">
+          <a:scrgbClr r="0" g="0" b="0"/>
+        </a:effectRef>
+        <a:fontRef idx="minor">
+          <a:schemeClr val="lt1"/>
+        </a:fontRef>
+      </dsp:style>
+    </dsp:sp>
+    <dsp:sp modelId="{91BA60E9-D855-9D49-BA87-B52E4F4D1DB0}">
+      <dsp:nvSpPr>
+        <dsp:cNvPr id="0" name=""/>
+        <dsp:cNvSpPr/>
+      </dsp:nvSpPr>
+      <dsp:spPr>
+        <a:xfrm>
+          <a:off x="6916170" y="1201334"/>
+          <a:ext cx="1380861" cy="1210406"/>
+        </a:xfrm>
+        <a:prstGeom prst="rect">
+          <a:avLst/>
+        </a:prstGeom>
+        <a:noFill/>
+        <a:ln>
+          <a:noFill/>
+        </a:ln>
+        <a:effectLst/>
+      </dsp:spPr>
+      <dsp:style>
+        <a:lnRef idx="0">
+          <a:scrgbClr r="0" g="0" b="0"/>
+        </a:lnRef>
+        <a:fillRef idx="0">
+          <a:scrgbClr r="0" g="0" b="0"/>
+        </a:fillRef>
+        <a:effectRef idx="0">
+          <a:scrgbClr r="0" g="0" b="0"/>
+        </a:effectRef>
+        <a:fontRef idx="minor"/>
+      </dsp:style>
+      <dsp:txBody>
+        <a:bodyPr spcFirstLastPara="0" vert="horz" wrap="square" lIns="38100" tIns="38100" rIns="38100" bIns="38100" numCol="1" spcCol="1270" anchor="t" anchorCtr="0">
+          <a:noAutofit/>
+        </a:bodyPr>
+        <a:lstStyle/>
+        <a:p>
+          <a:pPr marL="0" lvl="0" indent="0" algn="l" defTabSz="444500">
+            <a:lnSpc>
+              <a:spcPct val="90000"/>
+            </a:lnSpc>
+            <a:spcBef>
+              <a:spcPct val="0"/>
+            </a:spcBef>
+            <a:spcAft>
+              <a:spcPct val="35000"/>
+            </a:spcAft>
+            <a:buNone/>
+          </a:pPr>
+          <a:r>
+            <a:rPr lang="en-US" sz="1000" b="1" i="0" kern="1200" dirty="0">
+              <a:solidFill>
+                <a:schemeClr val="bg2"/>
+              </a:solidFill>
+              <a:hlinkClick xmlns:r="http://schemas.openxmlformats.org/officeDocument/2006/relationships" r:id="rId5">
+                <a:extLst>
+                  <a:ext uri="{A12FA001-AC4F-418D-AE19-62706E023703}">
+                    <ahyp:hlinkClr xmlns:ahyp="http://schemas.microsoft.com/office/drawing/2018/hyperlinkcolor" val="tx"/>
+                  </a:ext>
+                </a:extLst>
+              </a:hlinkClick>
+            </a:rPr>
+            <a:t>Uploading your project to GitHub</a:t>
+          </a:r>
+          <a:endParaRPr lang="en-US" sz="1000" kern="1200" dirty="0">
+            <a:solidFill>
+              <a:schemeClr val="bg2"/>
+            </a:solidFill>
+          </a:endParaRPr>
+        </a:p>
+        <a:p>
+          <a:pPr marL="57150" lvl="1" indent="-57150" algn="l" defTabSz="355600">
+            <a:lnSpc>
+              <a:spcPct val="90000"/>
+            </a:lnSpc>
+            <a:spcBef>
+              <a:spcPct val="0"/>
+            </a:spcBef>
+            <a:spcAft>
+              <a:spcPct val="15000"/>
+            </a:spcAft>
+            <a:buChar char="•"/>
+          </a:pPr>
+          <a:r>
+            <a:rPr lang="en-US" sz="800" b="0" i="0" kern="1200" dirty="0">
+              <a:solidFill>
+                <a:schemeClr val="bg2"/>
+              </a:solidFill>
+            </a:rPr>
+            <a:t>Now that you know what GitHub does, I bet you're ready to move all of those projects off your local machine. This course will show you how.</a:t>
+          </a:r>
+          <a:endParaRPr lang="en-US" sz="800" kern="1200" dirty="0">
+            <a:solidFill>
+              <a:schemeClr val="bg2"/>
+            </a:solidFill>
+          </a:endParaRPr>
+        </a:p>
+      </dsp:txBody>
+      <dsp:txXfrm>
+        <a:off x="6916170" y="1201334"/>
+        <a:ext cx="1380861" cy="1210406"/>
+      </dsp:txXfrm>
+    </dsp:sp>
+  </dsp:spTree>
+</dsp:drawing>
+</file>
+
 <file path=ppt/diagrams/layout1.xml><?xml version="1.0" encoding="utf-8"?>
 <dgm:layoutDef xmlns:dgm="http://schemas.openxmlformats.org/drawingml/2006/diagram" xmlns:a="http://schemas.openxmlformats.org/drawingml/2006/main" uniqueId="urn:microsoft.com/office/officeart/2005/8/layout/vList5">
   <dgm:title val=""/>
@@ -3588,7 +6151,1293 @@
 </dgm:layoutDef>
 </file>
 
+<file path=ppt/diagrams/layout2.xml><?xml version="1.0" encoding="utf-8"?>
+<dgm:layoutDef xmlns:dgm="http://schemas.openxmlformats.org/drawingml/2006/diagram" xmlns:a="http://schemas.openxmlformats.org/drawingml/2006/main" uniqueId="urn:microsoft.com/office/officeart/2009/3/layout/StepUpProcess">
+  <dgm:title val=""/>
+  <dgm:desc val=""/>
+  <dgm:catLst>
+    <dgm:cat type="process" pri="1300"/>
+  </dgm:catLst>
+  <dgm:sampData>
+    <dgm:dataModel>
+      <dgm:ptLst>
+        <dgm:pt modelId="0" type="doc"/>
+        <dgm:pt modelId="10">
+          <dgm:prSet phldr="1"/>
+        </dgm:pt>
+        <dgm:pt modelId="20">
+          <dgm:prSet phldr="1"/>
+        </dgm:pt>
+        <dgm:pt modelId="30">
+          <dgm:prSet phldr="1"/>
+        </dgm:pt>
+      </dgm:ptLst>
+      <dgm:cxnLst>
+        <dgm:cxn modelId="60" srcId="0" destId="10" srcOrd="0" destOrd="0"/>
+        <dgm:cxn modelId="70" srcId="0" destId="20" srcOrd="1" destOrd="0"/>
+        <dgm:cxn modelId="80" srcId="0" destId="30" srcOrd="2" destOrd="0"/>
+      </dgm:cxnLst>
+      <dgm:bg/>
+      <dgm:whole/>
+    </dgm:dataModel>
+  </dgm:sampData>
+  <dgm:styleData>
+    <dgm:dataModel>
+      <dgm:ptLst>
+        <dgm:pt modelId="0" type="doc"/>
+        <dgm:pt modelId="10">
+          <dgm:prSet phldr="1"/>
+        </dgm:pt>
+        <dgm:pt modelId="20">
+          <dgm:prSet phldr="1"/>
+        </dgm:pt>
+      </dgm:ptLst>
+      <dgm:cxnLst>
+        <dgm:cxn modelId="60" srcId="0" destId="10" srcOrd="0" destOrd="0"/>
+        <dgm:cxn modelId="70" srcId="0" destId="20" srcOrd="1" destOrd="0"/>
+      </dgm:cxnLst>
+      <dgm:bg/>
+      <dgm:whole/>
+    </dgm:dataModel>
+  </dgm:styleData>
+  <dgm:clrData>
+    <dgm:dataModel>
+      <dgm:ptLst>
+        <dgm:pt modelId="0" type="doc"/>
+        <dgm:pt modelId="10">
+          <dgm:prSet phldr="1"/>
+        </dgm:pt>
+        <dgm:pt modelId="20">
+          <dgm:prSet phldr="1"/>
+        </dgm:pt>
+        <dgm:pt modelId="30">
+          <dgm:prSet phldr="1"/>
+        </dgm:pt>
+        <dgm:pt modelId="40">
+          <dgm:prSet phldr="1"/>
+        </dgm:pt>
+      </dgm:ptLst>
+      <dgm:cxnLst>
+        <dgm:cxn modelId="60" srcId="0" destId="10" srcOrd="0" destOrd="0"/>
+        <dgm:cxn modelId="70" srcId="0" destId="20" srcOrd="1" destOrd="0"/>
+        <dgm:cxn modelId="80" srcId="0" destId="30" srcOrd="2" destOrd="0"/>
+        <dgm:cxn modelId="90" srcId="0" destId="40" srcOrd="3" destOrd="0"/>
+      </dgm:cxnLst>
+      <dgm:bg/>
+      <dgm:whole/>
+    </dgm:dataModel>
+  </dgm:clrData>
+  <dgm:layoutNode name="rootnode">
+    <dgm:varLst>
+      <dgm:chMax/>
+      <dgm:chPref/>
+      <dgm:dir/>
+      <dgm:animLvl val="lvl"/>
+    </dgm:varLst>
+    <dgm:choose name="Name0">
+      <dgm:if name="Name1" func="var" arg="dir" op="equ" val="norm">
+        <dgm:alg type="snake">
+          <dgm:param type="grDir" val="bL"/>
+          <dgm:param type="flowDir" val="row"/>
+          <dgm:param type="off" val="off"/>
+          <dgm:param type="bkpt" val="fixed"/>
+          <dgm:param type="bkPtFixedVal" val="1"/>
+        </dgm:alg>
+      </dgm:if>
+      <dgm:else name="Name2">
+        <dgm:alg type="snake">
+          <dgm:param type="grDir" val="bR"/>
+          <dgm:param type="flowDir" val="row"/>
+          <dgm:param type="off" val="off"/>
+          <dgm:param type="bkpt" val="fixed"/>
+          <dgm:param type="bkPtFixedVal" val="1"/>
+        </dgm:alg>
+      </dgm:else>
+    </dgm:choose>
+    <dgm:shape xmlns:r="http://schemas.openxmlformats.org/officeDocument/2006/relationships" r:blip="">
+      <dgm:adjLst/>
+    </dgm:shape>
+    <dgm:constrLst>
+      <dgm:constr type="alignOff" forName="rootnode" val="1"/>
+      <dgm:constr type="primFontSz" for="des" ptType="node" op="equ" val="65"/>
+      <dgm:constr type="w" for="ch" forName="composite" refType="w"/>
+      <dgm:constr type="h" for="ch" forName="composite" refType="h"/>
+      <dgm:constr type="sp" refType="h" refFor="ch" refForName="composite" op="equ" fact="-0.765"/>
+      <dgm:constr type="w" for="ch" forName="sibTrans" refType="w" fact="0.103"/>
+      <dgm:constr type="h" for="ch" forName="sibTrans" refType="h" fact="0.103"/>
+    </dgm:constrLst>
+    <dgm:forEach name="nodesForEach" axis="ch" ptType="node">
+      <dgm:layoutNode name="composite">
+        <dgm:alg type="composite">
+          <dgm:param type="ar" val="0.861"/>
+        </dgm:alg>
+        <dgm:shape xmlns:r="http://schemas.openxmlformats.org/officeDocument/2006/relationships" r:blip="">
+          <dgm:adjLst/>
+        </dgm:shape>
+        <dgm:choose name="Name3">
+          <dgm:if name="Name4" func="var" arg="dir" op="equ" val="norm">
+            <dgm:constrLst>
+              <dgm:constr type="l" for="ch" forName="LShape" refType="w" fact="0"/>
+              <dgm:constr type="t" for="ch" forName="LShape" refType="h" fact="0.2347"/>
+              <dgm:constr type="w" for="ch" forName="LShape" refType="w" fact="0.998"/>
+              <dgm:constr type="h" for="ch" forName="LShape" refType="h" fact="0.5164"/>
+              <dgm:constr type="r" for="ch" forName="ParentText" refType="w"/>
+              <dgm:constr type="t" for="ch" forName="ParentText" refType="h" fact="0.32"/>
+              <dgm:constr type="w" for="ch" forName="ParentText" refType="w" fact="0.901"/>
+              <dgm:constr type="h" for="ch" forName="ParentText" refType="h" fact="0.68"/>
+              <dgm:constr type="l" for="ch" forName="Triangle" refType="w" fact="0.83"/>
+              <dgm:constr type="t" for="ch" forName="Triangle" refType="h" fact="0"/>
+              <dgm:constr type="w" for="ch" forName="Triangle" refType="w" fact="0.17"/>
+              <dgm:constr type="h" for="ch" forName="Triangle" refType="w" refFor="ch" refForName="Triangle"/>
+            </dgm:constrLst>
+          </dgm:if>
+          <dgm:else name="Name5">
+            <dgm:constrLst>
+              <dgm:constr type="l" for="ch" forName="LShape" refType="w" fact="0.002"/>
+              <dgm:constr type="t" for="ch" forName="LShape" refType="h" fact="0.2347"/>
+              <dgm:constr type="w" for="ch" forName="LShape" refType="w"/>
+              <dgm:constr type="h" for="ch" forName="LShape" refType="h" fact="0.5164"/>
+              <dgm:constr type="l" for="ch" forName="ParentText" refType="w" fact="0"/>
+              <dgm:constr type="t" for="ch" forName="ParentText" refType="h" fact="0.32"/>
+              <dgm:constr type="w" for="ch" forName="ParentText" refType="w" fact="0.902"/>
+              <dgm:constr type="h" for="ch" forName="ParentText" refType="h" fact="0.68"/>
+              <dgm:constr type="l" for="ch" forName="Triangle" refType="w" fact="0"/>
+              <dgm:constr type="t" for="ch" forName="Triangle" refType="h" fact="0"/>
+              <dgm:constr type="w" for="ch" forName="Triangle" refType="w" fact="0.17"/>
+              <dgm:constr type="h" for="ch" forName="Triangle" refType="w" refFor="ch" refForName="Triangle"/>
+            </dgm:constrLst>
+          </dgm:else>
+        </dgm:choose>
+        <dgm:layoutNode name="LShape" styleLbl="alignNode1">
+          <dgm:alg type="sp"/>
+          <dgm:choose name="Name6">
+            <dgm:if name="Name7" func="var" arg="dir" op="equ" val="norm">
+              <dgm:shape xmlns:r="http://schemas.openxmlformats.org/officeDocument/2006/relationships" rot="90" type="corner" r:blip="">
+                <dgm:adjLst>
+                  <dgm:adj idx="1" val="0.1612"/>
+                  <dgm:adj idx="2" val="0.1611"/>
+                </dgm:adjLst>
+              </dgm:shape>
+            </dgm:if>
+            <dgm:else name="Name8">
+              <dgm:shape xmlns:r="http://schemas.openxmlformats.org/officeDocument/2006/relationships" rot="180" type="corner" r:blip="">
+                <dgm:adjLst>
+                  <dgm:adj idx="1" val="0.1612"/>
+                  <dgm:adj idx="2" val="0.1611"/>
+                </dgm:adjLst>
+              </dgm:shape>
+            </dgm:else>
+          </dgm:choose>
+          <dgm:presOf/>
+        </dgm:layoutNode>
+        <dgm:layoutNode name="ParentText" styleLbl="revTx">
+          <dgm:varLst>
+            <dgm:chMax val="0"/>
+            <dgm:chPref val="0"/>
+            <dgm:bulletEnabled val="1"/>
+          </dgm:varLst>
+          <dgm:alg type="tx">
+            <dgm:param type="parTxLTRAlign" val="l"/>
+            <dgm:param type="txAnchorVert" val="t"/>
+          </dgm:alg>
+          <dgm:shape xmlns:r="http://schemas.openxmlformats.org/officeDocument/2006/relationships" type="rect" r:blip="">
+            <dgm:adjLst/>
+          </dgm:shape>
+          <dgm:presOf axis="desOrSelf" ptType="node"/>
+          <dgm:constrLst>
+            <dgm:constr type="lMarg" refType="primFontSz" fact="0.3"/>
+            <dgm:constr type="rMarg" refType="primFontSz" fact="0.3"/>
+            <dgm:constr type="tMarg" refType="primFontSz" fact="0.3"/>
+            <dgm:constr type="bMarg" refType="primFontSz" fact="0.3"/>
+          </dgm:constrLst>
+          <dgm:ruleLst>
+            <dgm:rule type="primFontSz" val="5" fact="NaN" max="NaN"/>
+          </dgm:ruleLst>
+        </dgm:layoutNode>
+        <dgm:choose name="Name9">
+          <dgm:if name="Name10" axis="followSib" ptType="node" func="cnt" op="gte" val="1">
+            <dgm:layoutNode name="Triangle" styleLbl="alignNode1">
+              <dgm:alg type="sp"/>
+              <dgm:choose name="Name11">
+                <dgm:if name="Name12" func="var" arg="dir" op="equ" val="norm">
+                  <dgm:shape xmlns:r="http://schemas.openxmlformats.org/officeDocument/2006/relationships" type="triangle" r:blip="">
+                    <dgm:adjLst>
+                      <dgm:adj idx="1" val="1"/>
+                    </dgm:adjLst>
+                  </dgm:shape>
+                </dgm:if>
+                <dgm:else name="Name13">
+                  <dgm:shape xmlns:r="http://schemas.openxmlformats.org/officeDocument/2006/relationships" rot="90" type="triangle" r:blip="">
+                    <dgm:adjLst>
+                      <dgm:adj idx="1" val="1"/>
+                    </dgm:adjLst>
+                  </dgm:shape>
+                </dgm:else>
+              </dgm:choose>
+              <dgm:presOf/>
+            </dgm:layoutNode>
+          </dgm:if>
+          <dgm:else name="Name14"/>
+        </dgm:choose>
+      </dgm:layoutNode>
+      <dgm:forEach name="sibTransForEach" axis="followSib" ptType="sibTrans" cnt="1">
+        <dgm:layoutNode name="sibTrans">
+          <dgm:alg type="composite">
+            <dgm:param type="ar" val="0.861"/>
+          </dgm:alg>
+          <dgm:constrLst>
+            <dgm:constr type="w" for="ch" forName="space" refType="w"/>
+            <dgm:constr type="h" for="ch" forName="space" refType="w"/>
+          </dgm:constrLst>
+          <dgm:layoutNode name="space" styleLbl="alignNode1">
+            <dgm:alg type="sp"/>
+            <dgm:shape xmlns:r="http://schemas.openxmlformats.org/officeDocument/2006/relationships" r:blip="">
+              <dgm:adjLst/>
+            </dgm:shape>
+            <dgm:presOf/>
+          </dgm:layoutNode>
+        </dgm:layoutNode>
+      </dgm:forEach>
+    </dgm:forEach>
+  </dgm:layoutNode>
+</dgm:layoutDef>
+</file>
+
 <file path=ppt/diagrams/quickStyle1.xml><?xml version="1.0" encoding="utf-8"?>
+<dgm:styleDef xmlns:dgm="http://schemas.openxmlformats.org/drawingml/2006/diagram" xmlns:a="http://schemas.openxmlformats.org/drawingml/2006/main" uniqueId="urn:microsoft.com/office/officeart/2005/8/quickstyle/simple1">
+  <dgm:title val=""/>
+  <dgm:desc val=""/>
+  <dgm:catLst>
+    <dgm:cat type="simple" pri="10100"/>
+  </dgm:catLst>
+  <dgm:scene3d>
+    <a:camera prst="orthographicFront"/>
+    <a:lightRig rig="threePt" dir="t"/>
+  </dgm:scene3d>
+  <dgm:styleLbl name="node0">
+    <dgm:scene3d>
+      <a:camera prst="orthographicFront"/>
+      <a:lightRig rig="threePt" dir="t"/>
+    </dgm:scene3d>
+    <dgm:sp3d/>
+    <dgm:txPr/>
+    <dgm:style>
+      <a:lnRef idx="2">
+        <a:scrgbClr r="0" g="0" b="0"/>
+      </a:lnRef>
+      <a:fillRef idx="1">
+        <a:scrgbClr r="0" g="0" b="0"/>
+      </a:fillRef>
+      <a:effectRef idx="0">
+        <a:scrgbClr r="0" g="0" b="0"/>
+      </a:effectRef>
+      <a:fontRef idx="minor">
+        <a:schemeClr val="lt1"/>
+      </a:fontRef>
+    </dgm:style>
+  </dgm:styleLbl>
+  <dgm:styleLbl name="lnNode1">
+    <dgm:scene3d>
+      <a:camera prst="orthographicFront"/>
+      <a:lightRig rig="threePt" dir="t"/>
+    </dgm:scene3d>
+    <dgm:sp3d/>
+    <dgm:txPr/>
+    <dgm:style>
+      <a:lnRef idx="2">
+        <a:scrgbClr r="0" g="0" b="0"/>
+      </a:lnRef>
+      <a:fillRef idx="1">
+        <a:scrgbClr r="0" g="0" b="0"/>
+      </a:fillRef>
+      <a:effectRef idx="0">
+        <a:scrgbClr r="0" g="0" b="0"/>
+      </a:effectRef>
+      <a:fontRef idx="minor">
+        <a:schemeClr val="lt1"/>
+      </a:fontRef>
+    </dgm:style>
+  </dgm:styleLbl>
+  <dgm:styleLbl name="vennNode1">
+    <dgm:scene3d>
+      <a:camera prst="orthographicFront"/>
+      <a:lightRig rig="threePt" dir="t"/>
+    </dgm:scene3d>
+    <dgm:sp3d/>
+    <dgm:txPr/>
+    <dgm:style>
+      <a:lnRef idx="2">
+        <a:scrgbClr r="0" g="0" b="0"/>
+      </a:lnRef>
+      <a:fillRef idx="1">
+        <a:scrgbClr r="0" g="0" b="0"/>
+      </a:fillRef>
+      <a:effectRef idx="0">
+        <a:scrgbClr r="0" g="0" b="0"/>
+      </a:effectRef>
+      <a:fontRef idx="minor">
+        <a:schemeClr val="tx1"/>
+      </a:fontRef>
+    </dgm:style>
+  </dgm:styleLbl>
+  <dgm:styleLbl name="alignNode1">
+    <dgm:scene3d>
+      <a:camera prst="orthographicFront"/>
+      <a:lightRig rig="threePt" dir="t"/>
+    </dgm:scene3d>
+    <dgm:sp3d/>
+    <dgm:txPr/>
+    <dgm:style>
+      <a:lnRef idx="2">
+        <a:scrgbClr r="0" g="0" b="0"/>
+      </a:lnRef>
+      <a:fillRef idx="1">
+        <a:scrgbClr r="0" g="0" b="0"/>
+      </a:fillRef>
+      <a:effectRef idx="0">
+        <a:scrgbClr r="0" g="0" b="0"/>
+      </a:effectRef>
+      <a:fontRef idx="minor">
+        <a:schemeClr val="lt1"/>
+      </a:fontRef>
+    </dgm:style>
+  </dgm:styleLbl>
+  <dgm:styleLbl name="node1">
+    <dgm:scene3d>
+      <a:camera prst="orthographicFront"/>
+      <a:lightRig rig="threePt" dir="t"/>
+    </dgm:scene3d>
+    <dgm:sp3d/>
+    <dgm:txPr/>
+    <dgm:style>
+      <a:lnRef idx="2">
+        <a:scrgbClr r="0" g="0" b="0"/>
+      </a:lnRef>
+      <a:fillRef idx="1">
+        <a:scrgbClr r="0" g="0" b="0"/>
+      </a:fillRef>
+      <a:effectRef idx="0">
+        <a:scrgbClr r="0" g="0" b="0"/>
+      </a:effectRef>
+      <a:fontRef idx="minor">
+        <a:schemeClr val="lt1"/>
+      </a:fontRef>
+    </dgm:style>
+  </dgm:styleLbl>
+  <dgm:styleLbl name="node2">
+    <dgm:scene3d>
+      <a:camera prst="orthographicFront"/>
+      <a:lightRig rig="threePt" dir="t"/>
+    </dgm:scene3d>
+    <dgm:sp3d/>
+    <dgm:txPr/>
+    <dgm:style>
+      <a:lnRef idx="2">
+        <a:scrgbClr r="0" g="0" b="0"/>
+      </a:lnRef>
+      <a:fillRef idx="1">
+        <a:scrgbClr r="0" g="0" b="0"/>
+      </a:fillRef>
+      <a:effectRef idx="0">
+        <a:scrgbClr r="0" g="0" b="0"/>
+      </a:effectRef>
+      <a:fontRef idx="minor">
+        <a:schemeClr val="lt1"/>
+      </a:fontRef>
+    </dgm:style>
+  </dgm:styleLbl>
+  <dgm:styleLbl name="node3">
+    <dgm:scene3d>
+      <a:camera prst="orthographicFront"/>
+      <a:lightRig rig="threePt" dir="t"/>
+    </dgm:scene3d>
+    <dgm:sp3d/>
+    <dgm:txPr/>
+    <dgm:style>
+      <a:lnRef idx="2">
+        <a:scrgbClr r="0" g="0" b="0"/>
+      </a:lnRef>
+      <a:fillRef idx="1">
+        <a:scrgbClr r="0" g="0" b="0"/>
+      </a:fillRef>
+      <a:effectRef idx="0">
+        <a:scrgbClr r="0" g="0" b="0"/>
+      </a:effectRef>
+      <a:fontRef idx="minor">
+        <a:schemeClr val="lt1"/>
+      </a:fontRef>
+    </dgm:style>
+  </dgm:styleLbl>
+  <dgm:styleLbl name="node4">
+    <dgm:scene3d>
+      <a:camera prst="orthographicFront"/>
+      <a:lightRig rig="threePt" dir="t"/>
+    </dgm:scene3d>
+    <dgm:sp3d/>
+    <dgm:txPr/>
+    <dgm:style>
+      <a:lnRef idx="2">
+        <a:scrgbClr r="0" g="0" b="0"/>
+      </a:lnRef>
+      <a:fillRef idx="1">
+        <a:scrgbClr r="0" g="0" b="0"/>
+      </a:fillRef>
+      <a:effectRef idx="0">
+        <a:scrgbClr r="0" g="0" b="0"/>
+      </a:effectRef>
+      <a:fontRef idx="minor">
+        <a:schemeClr val="lt1"/>
+      </a:fontRef>
+    </dgm:style>
+  </dgm:styleLbl>
+  <dgm:styleLbl name="fgImgPlace1">
+    <dgm:scene3d>
+      <a:camera prst="orthographicFront"/>
+      <a:lightRig rig="threePt" dir="t"/>
+    </dgm:scene3d>
+    <dgm:sp3d/>
+    <dgm:txPr/>
+    <dgm:style>
+      <a:lnRef idx="2">
+        <a:scrgbClr r="0" g="0" b="0"/>
+      </a:lnRef>
+      <a:fillRef idx="1">
+        <a:scrgbClr r="0" g="0" b="0"/>
+      </a:fillRef>
+      <a:effectRef idx="0">
+        <a:scrgbClr r="0" g="0" b="0"/>
+      </a:effectRef>
+      <a:fontRef idx="minor"/>
+    </dgm:style>
+  </dgm:styleLbl>
+  <dgm:styleLbl name="alignImgPlace1">
+    <dgm:scene3d>
+      <a:camera prst="orthographicFront"/>
+      <a:lightRig rig="threePt" dir="t"/>
+    </dgm:scene3d>
+    <dgm:sp3d/>
+    <dgm:txPr/>
+    <dgm:style>
+      <a:lnRef idx="2">
+        <a:scrgbClr r="0" g="0" b="0"/>
+      </a:lnRef>
+      <a:fillRef idx="1">
+        <a:scrgbClr r="0" g="0" b="0"/>
+      </a:fillRef>
+      <a:effectRef idx="0">
+        <a:scrgbClr r="0" g="0" b="0"/>
+      </a:effectRef>
+      <a:fontRef idx="minor"/>
+    </dgm:style>
+  </dgm:styleLbl>
+  <dgm:styleLbl name="bgImgPlace1">
+    <dgm:scene3d>
+      <a:camera prst="orthographicFront"/>
+      <a:lightRig rig="threePt" dir="t"/>
+    </dgm:scene3d>
+    <dgm:sp3d/>
+    <dgm:txPr/>
+    <dgm:style>
+      <a:lnRef idx="2">
+        <a:scrgbClr r="0" g="0" b="0"/>
+      </a:lnRef>
+      <a:fillRef idx="1">
+        <a:scrgbClr r="0" g="0" b="0"/>
+      </a:fillRef>
+      <a:effectRef idx="0">
+        <a:scrgbClr r="0" g="0" b="0"/>
+      </a:effectRef>
+      <a:fontRef idx="minor"/>
+    </dgm:style>
+  </dgm:styleLbl>
+  <dgm:styleLbl name="sibTrans2D1">
+    <dgm:scene3d>
+      <a:camera prst="orthographicFront"/>
+      <a:lightRig rig="threePt" dir="t"/>
+    </dgm:scene3d>
+    <dgm:sp3d/>
+    <dgm:txPr/>
+    <dgm:style>
+      <a:lnRef idx="0">
+        <a:scrgbClr r="0" g="0" b="0"/>
+      </a:lnRef>
+      <a:fillRef idx="1">
+        <a:scrgbClr r="0" g="0" b="0"/>
+      </a:fillRef>
+      <a:effectRef idx="0">
+        <a:scrgbClr r="0" g="0" b="0"/>
+      </a:effectRef>
+      <a:fontRef idx="minor">
+        <a:schemeClr val="lt1"/>
+      </a:fontRef>
+    </dgm:style>
+  </dgm:styleLbl>
+  <dgm:styleLbl name="fgSibTrans2D1">
+    <dgm:scene3d>
+      <a:camera prst="orthographicFront"/>
+      <a:lightRig rig="threePt" dir="t"/>
+    </dgm:scene3d>
+    <dgm:sp3d/>
+    <dgm:txPr/>
+    <dgm:style>
+      <a:lnRef idx="0">
+        <a:scrgbClr r="0" g="0" b="0"/>
+      </a:lnRef>
+      <a:fillRef idx="1">
+        <a:scrgbClr r="0" g="0" b="0"/>
+      </a:fillRef>
+      <a:effectRef idx="0">
+        <a:scrgbClr r="0" g="0" b="0"/>
+      </a:effectRef>
+      <a:fontRef idx="minor">
+        <a:schemeClr val="lt1"/>
+      </a:fontRef>
+    </dgm:style>
+  </dgm:styleLbl>
+  <dgm:styleLbl name="bgSibTrans2D1">
+    <dgm:scene3d>
+      <a:camera prst="orthographicFront"/>
+      <a:lightRig rig="threePt" dir="t"/>
+    </dgm:scene3d>
+    <dgm:sp3d/>
+    <dgm:txPr/>
+    <dgm:style>
+      <a:lnRef idx="0">
+        <a:scrgbClr r="0" g="0" b="0"/>
+      </a:lnRef>
+      <a:fillRef idx="1">
+        <a:scrgbClr r="0" g="0" b="0"/>
+      </a:fillRef>
+      <a:effectRef idx="0">
+        <a:scrgbClr r="0" g="0" b="0"/>
+      </a:effectRef>
+      <a:fontRef idx="minor">
+        <a:schemeClr val="lt1"/>
+      </a:fontRef>
+    </dgm:style>
+  </dgm:styleLbl>
+  <dgm:styleLbl name="sibTrans1D1">
+    <dgm:scene3d>
+      <a:camera prst="orthographicFront"/>
+      <a:lightRig rig="threePt" dir="t"/>
+    </dgm:scene3d>
+    <dgm:sp3d/>
+    <dgm:txPr/>
+    <dgm:style>
+      <a:lnRef idx="1">
+        <a:scrgbClr r="0" g="0" b="0"/>
+      </a:lnRef>
+      <a:fillRef idx="0">
+        <a:scrgbClr r="0" g="0" b="0"/>
+      </a:fillRef>
+      <a:effectRef idx="0">
+        <a:scrgbClr r="0" g="0" b="0"/>
+      </a:effectRef>
+      <a:fontRef idx="minor"/>
+    </dgm:style>
+  </dgm:styleLbl>
+  <dgm:styleLbl name="callout">
+    <dgm:scene3d>
+      <a:camera prst="orthographicFront"/>
+      <a:lightRig rig="threePt" dir="t"/>
+    </dgm:scene3d>
+    <dgm:sp3d/>
+    <dgm:txPr/>
+    <dgm:style>
+      <a:lnRef idx="2">
+        <a:scrgbClr r="0" g="0" b="0"/>
+      </a:lnRef>
+      <a:fillRef idx="1">
+        <a:scrgbClr r="0" g="0" b="0"/>
+      </a:fillRef>
+      <a:effectRef idx="0">
+        <a:scrgbClr r="0" g="0" b="0"/>
+      </a:effectRef>
+      <a:fontRef idx="minor"/>
+    </dgm:style>
+  </dgm:styleLbl>
+  <dgm:styleLbl name="asst0">
+    <dgm:scene3d>
+      <a:camera prst="orthographicFront"/>
+      <a:lightRig rig="threePt" dir="t"/>
+    </dgm:scene3d>
+    <dgm:sp3d/>
+    <dgm:txPr/>
+    <dgm:style>
+      <a:lnRef idx="2">
+        <a:scrgbClr r="0" g="0" b="0"/>
+      </a:lnRef>
+      <a:fillRef idx="1">
+        <a:scrgbClr r="0" g="0" b="0"/>
+      </a:fillRef>
+      <a:effectRef idx="0">
+        <a:scrgbClr r="0" g="0" b="0"/>
+      </a:effectRef>
+      <a:fontRef idx="minor">
+        <a:schemeClr val="lt1"/>
+      </a:fontRef>
+    </dgm:style>
+  </dgm:styleLbl>
+  <dgm:styleLbl name="asst1">
+    <dgm:scene3d>
+      <a:camera prst="orthographicFront"/>
+      <a:lightRig rig="threePt" dir="t"/>
+    </dgm:scene3d>
+    <dgm:sp3d/>
+    <dgm:txPr/>
+    <dgm:style>
+      <a:lnRef idx="2">
+        <a:scrgbClr r="0" g="0" b="0"/>
+      </a:lnRef>
+      <a:fillRef idx="1">
+        <a:scrgbClr r="0" g="0" b="0"/>
+      </a:fillRef>
+      <a:effectRef idx="0">
+        <a:scrgbClr r="0" g="0" b="0"/>
+      </a:effectRef>
+      <a:fontRef idx="minor">
+        <a:schemeClr val="lt1"/>
+      </a:fontRef>
+    </dgm:style>
+  </dgm:styleLbl>
+  <dgm:styleLbl name="asst2">
+    <dgm:scene3d>
+      <a:camera prst="orthographicFront"/>
+      <a:lightRig rig="threePt" dir="t"/>
+    </dgm:scene3d>
+    <dgm:sp3d/>
+    <dgm:txPr/>
+    <dgm:style>
+      <a:lnRef idx="2">
+        <a:scrgbClr r="0" g="0" b="0"/>
+      </a:lnRef>
+      <a:fillRef idx="1">
+        <a:scrgbClr r="0" g="0" b="0"/>
+      </a:fillRef>
+      <a:effectRef idx="0">
+        <a:scrgbClr r="0" g="0" b="0"/>
+      </a:effectRef>
+      <a:fontRef idx="minor">
+        <a:schemeClr val="lt1"/>
+      </a:fontRef>
+    </dgm:style>
+  </dgm:styleLbl>
+  <dgm:styleLbl name="asst3">
+    <dgm:scene3d>
+      <a:camera prst="orthographicFront"/>
+      <a:lightRig rig="threePt" dir="t"/>
+    </dgm:scene3d>
+    <dgm:sp3d/>
+    <dgm:txPr/>
+    <dgm:style>
+      <a:lnRef idx="2">
+        <a:scrgbClr r="0" g="0" b="0"/>
+      </a:lnRef>
+      <a:fillRef idx="1">
+        <a:scrgbClr r="0" g="0" b="0"/>
+      </a:fillRef>
+      <a:effectRef idx="0">
+        <a:scrgbClr r="0" g="0" b="0"/>
+      </a:effectRef>
+      <a:fontRef idx="minor">
+        <a:schemeClr val="lt1"/>
+      </a:fontRef>
+    </dgm:style>
+  </dgm:styleLbl>
+  <dgm:styleLbl name="asst4">
+    <dgm:scene3d>
+      <a:camera prst="orthographicFront"/>
+      <a:lightRig rig="threePt" dir="t"/>
+    </dgm:scene3d>
+    <dgm:sp3d/>
+    <dgm:txPr/>
+    <dgm:style>
+      <a:lnRef idx="2">
+        <a:scrgbClr r="0" g="0" b="0"/>
+      </a:lnRef>
+      <a:fillRef idx="1">
+        <a:scrgbClr r="0" g="0" b="0"/>
+      </a:fillRef>
+      <a:effectRef idx="0">
+        <a:scrgbClr r="0" g="0" b="0"/>
+      </a:effectRef>
+      <a:fontRef idx="minor">
+        <a:schemeClr val="lt1"/>
+      </a:fontRef>
+    </dgm:style>
+  </dgm:styleLbl>
+  <dgm:styleLbl name="parChTrans2D1">
+    <dgm:scene3d>
+      <a:camera prst="orthographicFront"/>
+      <a:lightRig rig="threePt" dir="t"/>
+    </dgm:scene3d>
+    <dgm:sp3d/>
+    <dgm:txPr/>
+    <dgm:style>
+      <a:lnRef idx="2">
+        <a:scrgbClr r="0" g="0" b="0"/>
+      </a:lnRef>
+      <a:fillRef idx="1">
+        <a:scrgbClr r="0" g="0" b="0"/>
+      </a:fillRef>
+      <a:effectRef idx="0">
+        <a:scrgbClr r="0" g="0" b="0"/>
+      </a:effectRef>
+      <a:fontRef idx="minor">
+        <a:schemeClr val="lt1"/>
+      </a:fontRef>
+    </dgm:style>
+  </dgm:styleLbl>
+  <dgm:styleLbl name="parChTrans2D2">
+    <dgm:scene3d>
+      <a:camera prst="orthographicFront"/>
+      <a:lightRig rig="threePt" dir="t"/>
+    </dgm:scene3d>
+    <dgm:sp3d/>
+    <dgm:txPr/>
+    <dgm:style>
+      <a:lnRef idx="2">
+        <a:scrgbClr r="0" g="0" b="0"/>
+      </a:lnRef>
+      <a:fillRef idx="1">
+        <a:scrgbClr r="0" g="0" b="0"/>
+      </a:fillRef>
+      <a:effectRef idx="0">
+        <a:scrgbClr r="0" g="0" b="0"/>
+      </a:effectRef>
+      <a:fontRef idx="minor">
+        <a:schemeClr val="lt1"/>
+      </a:fontRef>
+    </dgm:style>
+  </dgm:styleLbl>
+  <dgm:styleLbl name="parChTrans2D3">
+    <dgm:scene3d>
+      <a:camera prst="orthographicFront"/>
+      <a:lightRig rig="threePt" dir="t"/>
+    </dgm:scene3d>
+    <dgm:sp3d/>
+    <dgm:txPr/>
+    <dgm:style>
+      <a:lnRef idx="2">
+        <a:scrgbClr r="0" g="0" b="0"/>
+      </a:lnRef>
+      <a:fillRef idx="1">
+        <a:scrgbClr r="0" g="0" b="0"/>
+      </a:fillRef>
+      <a:effectRef idx="0">
+        <a:scrgbClr r="0" g="0" b="0"/>
+      </a:effectRef>
+      <a:fontRef idx="minor">
+        <a:schemeClr val="lt1"/>
+      </a:fontRef>
+    </dgm:style>
+  </dgm:styleLbl>
+  <dgm:styleLbl name="parChTrans2D4">
+    <dgm:scene3d>
+      <a:camera prst="orthographicFront"/>
+      <a:lightRig rig="threePt" dir="t"/>
+    </dgm:scene3d>
+    <dgm:sp3d/>
+    <dgm:txPr/>
+    <dgm:style>
+      <a:lnRef idx="2">
+        <a:scrgbClr r="0" g="0" b="0"/>
+      </a:lnRef>
+      <a:fillRef idx="1">
+        <a:scrgbClr r="0" g="0" b="0"/>
+      </a:fillRef>
+      <a:effectRef idx="0">
+        <a:scrgbClr r="0" g="0" b="0"/>
+      </a:effectRef>
+      <a:fontRef idx="minor">
+        <a:schemeClr val="lt1"/>
+      </a:fontRef>
+    </dgm:style>
+  </dgm:styleLbl>
+  <dgm:styleLbl name="parChTrans1D1">
+    <dgm:scene3d>
+      <a:camera prst="orthographicFront"/>
+      <a:lightRig rig="threePt" dir="t"/>
+    </dgm:scene3d>
+    <dgm:sp3d/>
+    <dgm:txPr/>
+    <dgm:style>
+      <a:lnRef idx="2">
+        <a:scrgbClr r="0" g="0" b="0"/>
+      </a:lnRef>
+      <a:fillRef idx="0">
+        <a:scrgbClr r="0" g="0" b="0"/>
+      </a:fillRef>
+      <a:effectRef idx="0">
+        <a:scrgbClr r="0" g="0" b="0"/>
+      </a:effectRef>
+      <a:fontRef idx="minor"/>
+    </dgm:style>
+  </dgm:styleLbl>
+  <dgm:styleLbl name="parChTrans1D2">
+    <dgm:scene3d>
+      <a:camera prst="orthographicFront"/>
+      <a:lightRig rig="threePt" dir="t"/>
+    </dgm:scene3d>
+    <dgm:sp3d/>
+    <dgm:txPr/>
+    <dgm:style>
+      <a:lnRef idx="2">
+        <a:scrgbClr r="0" g="0" b="0"/>
+      </a:lnRef>
+      <a:fillRef idx="0">
+        <a:scrgbClr r="0" g="0" b="0"/>
+      </a:fillRef>
+      <a:effectRef idx="0">
+        <a:scrgbClr r="0" g="0" b="0"/>
+      </a:effectRef>
+      <a:fontRef idx="minor"/>
+    </dgm:style>
+  </dgm:styleLbl>
+  <dgm:styleLbl name="parChTrans1D3">
+    <dgm:scene3d>
+      <a:camera prst="orthographicFront"/>
+      <a:lightRig rig="threePt" dir="t"/>
+    </dgm:scene3d>
+    <dgm:sp3d/>
+    <dgm:txPr/>
+    <dgm:style>
+      <a:lnRef idx="2">
+        <a:scrgbClr r="0" g="0" b="0"/>
+      </a:lnRef>
+      <a:fillRef idx="0">
+        <a:scrgbClr r="0" g="0" b="0"/>
+      </a:fillRef>
+      <a:effectRef idx="0">
+        <a:scrgbClr r="0" g="0" b="0"/>
+      </a:effectRef>
+      <a:fontRef idx="minor"/>
+    </dgm:style>
+  </dgm:styleLbl>
+  <dgm:styleLbl name="parChTrans1D4">
+    <dgm:scene3d>
+      <a:camera prst="orthographicFront"/>
+      <a:lightRig rig="threePt" dir="t"/>
+    </dgm:scene3d>
+    <dgm:sp3d/>
+    <dgm:txPr/>
+    <dgm:style>
+      <a:lnRef idx="2">
+        <a:scrgbClr r="0" g="0" b="0"/>
+      </a:lnRef>
+      <a:fillRef idx="0">
+        <a:scrgbClr r="0" g="0" b="0"/>
+      </a:fillRef>
+      <a:effectRef idx="0">
+        <a:scrgbClr r="0" g="0" b="0"/>
+      </a:effectRef>
+      <a:fontRef idx="minor"/>
+    </dgm:style>
+  </dgm:styleLbl>
+  <dgm:styleLbl name="fgAcc1">
+    <dgm:scene3d>
+      <a:camera prst="orthographicFront"/>
+      <a:lightRig rig="threePt" dir="t"/>
+    </dgm:scene3d>
+    <dgm:sp3d/>
+    <dgm:txPr/>
+    <dgm:style>
+      <a:lnRef idx="2">
+        <a:scrgbClr r="0" g="0" b="0"/>
+      </a:lnRef>
+      <a:fillRef idx="1">
+        <a:scrgbClr r="0" g="0" b="0"/>
+      </a:fillRef>
+      <a:effectRef idx="0">
+        <a:scrgbClr r="0" g="0" b="0"/>
+      </a:effectRef>
+      <a:fontRef idx="minor"/>
+    </dgm:style>
+  </dgm:styleLbl>
+  <dgm:styleLbl name="conFgAcc1">
+    <dgm:scene3d>
+      <a:camera prst="orthographicFront"/>
+      <a:lightRig rig="threePt" dir="t"/>
+    </dgm:scene3d>
+    <dgm:sp3d/>
+    <dgm:txPr/>
+    <dgm:style>
+      <a:lnRef idx="2">
+        <a:scrgbClr r="0" g="0" b="0"/>
+      </a:lnRef>
+      <a:fillRef idx="1">
+        <a:scrgbClr r="0" g="0" b="0"/>
+      </a:fillRef>
+      <a:effectRef idx="0">
+        <a:scrgbClr r="0" g="0" b="0"/>
+      </a:effectRef>
+      <a:fontRef idx="minor"/>
+    </dgm:style>
+  </dgm:styleLbl>
+  <dgm:styleLbl name="alignAcc1">
+    <dgm:scene3d>
+      <a:camera prst="orthographicFront"/>
+      <a:lightRig rig="threePt" dir="t"/>
+    </dgm:scene3d>
+    <dgm:sp3d/>
+    <dgm:txPr/>
+    <dgm:style>
+      <a:lnRef idx="2">
+        <a:scrgbClr r="0" g="0" b="0"/>
+      </a:lnRef>
+      <a:fillRef idx="1">
+        <a:scrgbClr r="0" g="0" b="0"/>
+      </a:fillRef>
+      <a:effectRef idx="0">
+        <a:scrgbClr r="0" g="0" b="0"/>
+      </a:effectRef>
+      <a:fontRef idx="minor"/>
+    </dgm:style>
+  </dgm:styleLbl>
+  <dgm:styleLbl name="trAlignAcc1">
+    <dgm:scene3d>
+      <a:camera prst="orthographicFront"/>
+      <a:lightRig rig="threePt" dir="t"/>
+    </dgm:scene3d>
+    <dgm:sp3d/>
+    <dgm:txPr/>
+    <dgm:style>
+      <a:lnRef idx="1">
+        <a:scrgbClr r="0" g="0" b="0"/>
+      </a:lnRef>
+      <a:fillRef idx="1">
+        <a:scrgbClr r="0" g="0" b="0"/>
+      </a:fillRef>
+      <a:effectRef idx="0">
+        <a:scrgbClr r="0" g="0" b="0"/>
+      </a:effectRef>
+      <a:fontRef idx="minor"/>
+    </dgm:style>
+  </dgm:styleLbl>
+  <dgm:styleLbl name="bgAcc1">
+    <dgm:scene3d>
+      <a:camera prst="orthographicFront"/>
+      <a:lightRig rig="threePt" dir="t"/>
+    </dgm:scene3d>
+    <dgm:sp3d/>
+    <dgm:txPr/>
+    <dgm:style>
+      <a:lnRef idx="2">
+        <a:scrgbClr r="0" g="0" b="0"/>
+      </a:lnRef>
+      <a:fillRef idx="1">
+        <a:scrgbClr r="0" g="0" b="0"/>
+      </a:fillRef>
+      <a:effectRef idx="0">
+        <a:scrgbClr r="0" g="0" b="0"/>
+      </a:effectRef>
+      <a:fontRef idx="minor"/>
+    </dgm:style>
+  </dgm:styleLbl>
+  <dgm:styleLbl name="solidFgAcc1">
+    <dgm:scene3d>
+      <a:camera prst="orthographicFront"/>
+      <a:lightRig rig="threePt" dir="t"/>
+    </dgm:scene3d>
+    <dgm:sp3d/>
+    <dgm:txPr/>
+    <dgm:style>
+      <a:lnRef idx="2">
+        <a:scrgbClr r="0" g="0" b="0"/>
+      </a:lnRef>
+      <a:fillRef idx="1">
+        <a:scrgbClr r="0" g="0" b="0"/>
+      </a:fillRef>
+      <a:effectRef idx="0">
+        <a:scrgbClr r="0" g="0" b="0"/>
+      </a:effectRef>
+      <a:fontRef idx="minor"/>
+    </dgm:style>
+  </dgm:styleLbl>
+  <dgm:styleLbl name="solidAlignAcc1">
+    <dgm:scene3d>
+      <a:camera prst="orthographicFront"/>
+      <a:lightRig rig="threePt" dir="t"/>
+    </dgm:scene3d>
+    <dgm:sp3d/>
+    <dgm:txPr/>
+    <dgm:style>
+      <a:lnRef idx="2">
+        <a:scrgbClr r="0" g="0" b="0"/>
+      </a:lnRef>
+      <a:fillRef idx="1">
+        <a:scrgbClr r="0" g="0" b="0"/>
+      </a:fillRef>
+      <a:effectRef idx="0">
+        <a:scrgbClr r="0" g="0" b="0"/>
+      </a:effectRef>
+      <a:fontRef idx="minor"/>
+    </dgm:style>
+  </dgm:styleLbl>
+  <dgm:styleLbl name="solidBgAcc1">
+    <dgm:scene3d>
+      <a:camera prst="orthographicFront"/>
+      <a:lightRig rig="threePt" dir="t"/>
+    </dgm:scene3d>
+    <dgm:sp3d/>
+    <dgm:txPr/>
+    <dgm:style>
+      <a:lnRef idx="2">
+        <a:scrgbClr r="0" g="0" b="0"/>
+      </a:lnRef>
+      <a:fillRef idx="1">
+        <a:scrgbClr r="0" g="0" b="0"/>
+      </a:fillRef>
+      <a:effectRef idx="0">
+        <a:scrgbClr r="0" g="0" b="0"/>
+      </a:effectRef>
+      <a:fontRef idx="minor"/>
+    </dgm:style>
+  </dgm:styleLbl>
+  <dgm:styleLbl name="fgAccFollowNode1">
+    <dgm:scene3d>
+      <a:camera prst="orthographicFront"/>
+      <a:lightRig rig="threePt" dir="t"/>
+    </dgm:scene3d>
+    <dgm:sp3d/>
+    <dgm:txPr/>
+    <dgm:style>
+      <a:lnRef idx="2">
+        <a:scrgbClr r="0" g="0" b="0"/>
+      </a:lnRef>
+      <a:fillRef idx="1">
+        <a:scrgbClr r="0" g="0" b="0"/>
+      </a:fillRef>
+      <a:effectRef idx="0">
+        <a:scrgbClr r="0" g="0" b="0"/>
+      </a:effectRef>
+      <a:fontRef idx="minor"/>
+    </dgm:style>
+  </dgm:styleLbl>
+  <dgm:styleLbl name="alignAccFollowNode1">
+    <dgm:scene3d>
+      <a:camera prst="orthographicFront"/>
+      <a:lightRig rig="threePt" dir="t"/>
+    </dgm:scene3d>
+    <dgm:sp3d/>
+    <dgm:txPr/>
+    <dgm:style>
+      <a:lnRef idx="2">
+        <a:scrgbClr r="0" g="0" b="0"/>
+      </a:lnRef>
+      <a:fillRef idx="1">
+        <a:scrgbClr r="0" g="0" b="0"/>
+      </a:fillRef>
+      <a:effectRef idx="0">
+        <a:scrgbClr r="0" g="0" b="0"/>
+      </a:effectRef>
+      <a:fontRef idx="minor"/>
+    </dgm:style>
+  </dgm:styleLbl>
+  <dgm:styleLbl name="bgAccFollowNode1">
+    <dgm:scene3d>
+      <a:camera prst="orthographicFront"/>
+      <a:lightRig rig="threePt" dir="t"/>
+    </dgm:scene3d>
+    <dgm:sp3d/>
+    <dgm:txPr/>
+    <dgm:style>
+      <a:lnRef idx="2">
+        <a:scrgbClr r="0" g="0" b="0"/>
+      </a:lnRef>
+      <a:fillRef idx="1">
+        <a:scrgbClr r="0" g="0" b="0"/>
+      </a:fillRef>
+      <a:effectRef idx="0">
+        <a:scrgbClr r="0" g="0" b="0"/>
+      </a:effectRef>
+      <a:fontRef idx="minor"/>
+    </dgm:style>
+  </dgm:styleLbl>
+  <dgm:styleLbl name="fgAcc0">
+    <dgm:scene3d>
+      <a:camera prst="orthographicFront"/>
+      <a:lightRig rig="threePt" dir="t"/>
+    </dgm:scene3d>
+    <dgm:sp3d/>
+    <dgm:txPr/>
+    <dgm:style>
+      <a:lnRef idx="2">
+        <a:scrgbClr r="0" g="0" b="0"/>
+      </a:lnRef>
+      <a:fillRef idx="1">
+        <a:scrgbClr r="0" g="0" b="0"/>
+      </a:fillRef>
+      <a:effectRef idx="0">
+        <a:scrgbClr r="0" g="0" b="0"/>
+      </a:effectRef>
+      <a:fontRef idx="minor"/>
+    </dgm:style>
+  </dgm:styleLbl>
+  <dgm:styleLbl name="fgAcc2">
+    <dgm:scene3d>
+      <a:camera prst="orthographicFront"/>
+      <a:lightRig rig="threePt" dir="t"/>
+    </dgm:scene3d>
+    <dgm:sp3d/>
+    <dgm:txPr/>
+    <dgm:style>
+      <a:lnRef idx="2">
+        <a:scrgbClr r="0" g="0" b="0"/>
+      </a:lnRef>
+      <a:fillRef idx="1">
+        <a:scrgbClr r="0" g="0" b="0"/>
+      </a:fillRef>
+      <a:effectRef idx="0">
+        <a:scrgbClr r="0" g="0" b="0"/>
+      </a:effectRef>
+      <a:fontRef idx="minor"/>
+    </dgm:style>
+  </dgm:styleLbl>
+  <dgm:styleLbl name="fgAcc3">
+    <dgm:scene3d>
+      <a:camera prst="orthographicFront"/>
+      <a:lightRig rig="threePt" dir="t"/>
+    </dgm:scene3d>
+    <dgm:sp3d/>
+    <dgm:txPr/>
+    <dgm:style>
+      <a:lnRef idx="2">
+        <a:scrgbClr r="0" g="0" b="0"/>
+      </a:lnRef>
+      <a:fillRef idx="1">
+        <a:scrgbClr r="0" g="0" b="0"/>
+      </a:fillRef>
+      <a:effectRef idx="0">
+        <a:scrgbClr r="0" g="0" b="0"/>
+      </a:effectRef>
+      <a:fontRef idx="minor"/>
+    </dgm:style>
+  </dgm:styleLbl>
+  <dgm:styleLbl name="fgAcc4">
+    <dgm:scene3d>
+      <a:camera prst="orthographicFront"/>
+      <a:lightRig rig="threePt" dir="t"/>
+    </dgm:scene3d>
+    <dgm:sp3d/>
+    <dgm:txPr/>
+    <dgm:style>
+      <a:lnRef idx="2">
+        <a:scrgbClr r="0" g="0" b="0"/>
+      </a:lnRef>
+      <a:fillRef idx="1">
+        <a:scrgbClr r="0" g="0" b="0"/>
+      </a:fillRef>
+      <a:effectRef idx="0">
+        <a:scrgbClr r="0" g="0" b="0"/>
+      </a:effectRef>
+      <a:fontRef idx="minor"/>
+    </dgm:style>
+  </dgm:styleLbl>
+  <dgm:styleLbl name="bgShp">
+    <dgm:scene3d>
+      <a:camera prst="orthographicFront"/>
+      <a:lightRig rig="threePt" dir="t"/>
+    </dgm:scene3d>
+    <dgm:sp3d/>
+    <dgm:txPr/>
+    <dgm:style>
+      <a:lnRef idx="0">
+        <a:scrgbClr r="0" g="0" b="0"/>
+      </a:lnRef>
+      <a:fillRef idx="1">
+        <a:scrgbClr r="0" g="0" b="0"/>
+      </a:fillRef>
+      <a:effectRef idx="0">
+        <a:scrgbClr r="0" g="0" b="0"/>
+      </a:effectRef>
+      <a:fontRef idx="minor"/>
+    </dgm:style>
+  </dgm:styleLbl>
+  <dgm:styleLbl name="dkBgShp">
+    <dgm:scene3d>
+      <a:camera prst="orthographicFront"/>
+      <a:lightRig rig="threePt" dir="t"/>
+    </dgm:scene3d>
+    <dgm:sp3d/>
+    <dgm:txPr/>
+    <dgm:style>
+      <a:lnRef idx="0">
+        <a:scrgbClr r="0" g="0" b="0"/>
+      </a:lnRef>
+      <a:fillRef idx="1">
+        <a:scrgbClr r="0" g="0" b="0"/>
+      </a:fillRef>
+      <a:effectRef idx="0">
+        <a:scrgbClr r="0" g="0" b="0"/>
+      </a:effectRef>
+      <a:fontRef idx="minor"/>
+    </dgm:style>
+  </dgm:styleLbl>
+  <dgm:styleLbl name="trBgShp">
+    <dgm:scene3d>
+      <a:camera prst="orthographicFront"/>
+      <a:lightRig rig="threePt" dir="t"/>
+    </dgm:scene3d>
+    <dgm:sp3d/>
+    <dgm:txPr/>
+    <dgm:style>
+      <a:lnRef idx="0">
+        <a:scrgbClr r="0" g="0" b="0"/>
+      </a:lnRef>
+      <a:fillRef idx="1">
+        <a:scrgbClr r="0" g="0" b="0"/>
+      </a:fillRef>
+      <a:effectRef idx="0">
+        <a:scrgbClr r="0" g="0" b="0"/>
+      </a:effectRef>
+      <a:fontRef idx="minor"/>
+    </dgm:style>
+  </dgm:styleLbl>
+  <dgm:styleLbl name="fgShp">
+    <dgm:scene3d>
+      <a:camera prst="orthographicFront"/>
+      <a:lightRig rig="threePt" dir="t"/>
+    </dgm:scene3d>
+    <dgm:sp3d/>
+    <dgm:txPr/>
+    <dgm:style>
+      <a:lnRef idx="2">
+        <a:scrgbClr r="0" g="0" b="0"/>
+      </a:lnRef>
+      <a:fillRef idx="1">
+        <a:scrgbClr r="0" g="0" b="0"/>
+      </a:fillRef>
+      <a:effectRef idx="0">
+        <a:scrgbClr r="0" g="0" b="0"/>
+      </a:effectRef>
+      <a:fontRef idx="minor"/>
+    </dgm:style>
+  </dgm:styleLbl>
+  <dgm:styleLbl name="revTx">
+    <dgm:scene3d>
+      <a:camera prst="orthographicFront"/>
+      <a:lightRig rig="threePt" dir="t"/>
+    </dgm:scene3d>
+    <dgm:sp3d/>
+    <dgm:txPr/>
+    <dgm:style>
+      <a:lnRef idx="0">
+        <a:scrgbClr r="0" g="0" b="0"/>
+      </a:lnRef>
+      <a:fillRef idx="0">
+        <a:scrgbClr r="0" g="0" b="0"/>
+      </a:fillRef>
+      <a:effectRef idx="0">
+        <a:scrgbClr r="0" g="0" b="0"/>
+      </a:effectRef>
+      <a:fontRef idx="minor"/>
+    </dgm:style>
+  </dgm:styleLbl>
+</dgm:styleDef>
+</file>
+
+<file path=ppt/diagrams/quickStyle2.xml><?xml version="1.0" encoding="utf-8"?>
 <dgm:styleDef xmlns:dgm="http://schemas.openxmlformats.org/drawingml/2006/diagram" xmlns:a="http://schemas.openxmlformats.org/drawingml/2006/main" uniqueId="urn:microsoft.com/office/officeart/2005/8/quickstyle/simple1">
   <dgm:title val=""/>
   <dgm:desc val=""/>
@@ -9625,6 +13474,140 @@
 </p:sld>
 </file>
 
+<file path=ppt/slides/slide6.xml><?xml version="1.0" encoding="utf-8"?>
+<p:sld xmlns:a="http://schemas.openxmlformats.org/drawingml/2006/main" xmlns:r="http://schemas.openxmlformats.org/officeDocument/2006/relationships" xmlns:p="http://schemas.openxmlformats.org/presentationml/2006/main">
+  <p:cSld>
+    <p:spTree>
+      <p:nvGrpSpPr>
+        <p:cNvPr id="1" name=""/>
+        <p:cNvGrpSpPr/>
+        <p:nvPr/>
+      </p:nvGrpSpPr>
+      <p:grpSpPr>
+        <a:xfrm>
+          <a:off x="0" y="0"/>
+          <a:ext cx="0" cy="0"/>
+          <a:chOff x="0" y="0"/>
+          <a:chExt cx="0" cy="0"/>
+        </a:xfrm>
+      </p:grpSpPr>
+      <p:sp>
+        <p:nvSpPr>
+          <p:cNvPr id="2" name="Title 1">
+            <a:extLst>
+              <a:ext uri="{FF2B5EF4-FFF2-40B4-BE49-F238E27FC236}">
+                <a16:creationId xmlns:a16="http://schemas.microsoft.com/office/drawing/2014/main" id="{ABF7FD2A-61A6-EE48-9B09-499EA299ACB3}"/>
+              </a:ext>
+            </a:extLst>
+          </p:cNvPr>
+          <p:cNvSpPr>
+            <a:spLocks noGrp="1"/>
+          </p:cNvSpPr>
+          <p:nvPr>
+            <p:ph type="title"/>
+          </p:nvPr>
+        </p:nvSpPr>
+        <p:spPr>
+          <a:xfrm>
+            <a:off x="422149" y="575950"/>
+            <a:ext cx="8299701" cy="635400"/>
+          </a:xfrm>
+        </p:spPr>
+        <p:txBody>
+          <a:bodyPr/>
+          <a:lstStyle/>
+          <a:p>
+            <a:r>
+              <a:rPr lang="en-US" dirty="0"/>
+              <a:t>First Day on GitHub</a:t>
+            </a:r>
+          </a:p>
+        </p:txBody>
+      </p:sp>
+      <p:sp>
+        <p:nvSpPr>
+          <p:cNvPr id="3" name="Text Placeholder 2">
+            <a:extLst>
+              <a:ext uri="{FF2B5EF4-FFF2-40B4-BE49-F238E27FC236}">
+                <a16:creationId xmlns:a16="http://schemas.microsoft.com/office/drawing/2014/main" id="{AB5909AE-9F07-344C-9D0E-13266F22845B}"/>
+              </a:ext>
+            </a:extLst>
+          </p:cNvPr>
+          <p:cNvSpPr>
+            <a:spLocks noGrp="1"/>
+          </p:cNvSpPr>
+          <p:nvPr>
+            <p:ph type="body" idx="1"/>
+          </p:nvPr>
+        </p:nvSpPr>
+        <p:spPr>
+          <a:xfrm>
+            <a:off x="0" y="4735613"/>
+            <a:ext cx="6321600" cy="398835"/>
+          </a:xfrm>
+        </p:spPr>
+        <p:txBody>
+          <a:bodyPr/>
+          <a:lstStyle/>
+          <a:p>
+            <a:pPr marL="139700" indent="0">
+              <a:buNone/>
+            </a:pPr>
+            <a:r>
+              <a:rPr lang="en-US" sz="1200" dirty="0"/>
+              <a:t>Link: </a:t>
+            </a:r>
+            <a:r>
+              <a:rPr lang="en-US" sz="1200" dirty="0">
+                <a:hlinkClick r:id="rId2"/>
+              </a:rPr>
+              <a:t>https://lab.github.com/githubtraining/paths/first-day-on-github</a:t>
+            </a:r>
+            <a:endParaRPr lang="en-US" sz="1200" dirty="0"/>
+          </a:p>
+        </p:txBody>
+      </p:sp>
+      <p:graphicFrame>
+        <p:nvGraphicFramePr>
+          <p:cNvPr id="6" name="Diagram 5">
+            <a:extLst>
+              <a:ext uri="{FF2B5EF4-FFF2-40B4-BE49-F238E27FC236}">
+                <a16:creationId xmlns:a16="http://schemas.microsoft.com/office/drawing/2014/main" id="{04A93FBD-C8F0-F74D-8A70-A74FD8216F82}"/>
+              </a:ext>
+            </a:extLst>
+          </p:cNvPr>
+          <p:cNvGraphicFramePr/>
+          <p:nvPr>
+            <p:extLst>
+              <p:ext uri="{D42A27DB-BD31-4B8C-83A1-F6EECF244321}">
+                <p14:modId xmlns:p14="http://schemas.microsoft.com/office/powerpoint/2010/main" val="1932593276"/>
+              </p:ext>
+            </p:extLst>
+          </p:nvPr>
+        </p:nvGraphicFramePr>
+        <p:xfrm>
+          <a:off x="422151" y="0"/>
+          <a:ext cx="8299700" cy="5134448"/>
+        </p:xfrm>
+        <a:graphic>
+          <a:graphicData uri="http://schemas.openxmlformats.org/drawingml/2006/diagram">
+            <dgm:relIds xmlns:dgm="http://schemas.openxmlformats.org/drawingml/2006/diagram" xmlns:r="http://schemas.openxmlformats.org/officeDocument/2006/relationships" r:dm="rId3" r:lo="rId4" r:qs="rId5" r:cs="rId6"/>
+          </a:graphicData>
+        </a:graphic>
+      </p:graphicFrame>
+    </p:spTree>
+    <p:extLst>
+      <p:ext uri="{BB962C8B-B14F-4D97-AF65-F5344CB8AC3E}">
+        <p14:creationId xmlns:p14="http://schemas.microsoft.com/office/powerpoint/2010/main" val="324023580"/>
+      </p:ext>
+    </p:extLst>
+  </p:cSld>
+  <p:clrMapOvr>
+    <a:masterClrMapping/>
+  </p:clrMapOvr>
+</p:sld>
+</file>
+
 <file path=ppt/theme/theme1.xml><?xml version="1.0" encoding="utf-8"?>
 <a:theme xmlns:a="http://schemas.openxmlformats.org/drawingml/2006/main" name="Swiss">
   <a:themeElements>

--- a/2 - Gitting Started/GittingStarted.pptx
+++ b/2 - Gitting Started/GittingStarted.pptx
@@ -33,7 +33,7 @@
       <p:boldItalic r:id="rId16"/>
     </p:embeddedFont>
     <p:embeddedFont>
-      <p:font typeface="Raleway" pitchFamily="2" charset="77"/>
+      <p:font typeface="Raleway" panose="020B0503030101060003" pitchFamily="34" charset="0"/>
       <p:regular r:id="rId17"/>
       <p:bold r:id="rId18"/>
       <p:italic r:id="rId19"/>
@@ -2752,10 +2752,10 @@
     <dgm:cxn modelId="{C9730F30-0CC6-44AB-9210-B28177E5E784}" srcId="{FF691525-3BA8-4440-8D42-2A04FF5CBDC8}" destId="{342F6C1D-DA72-44FB-8C24-0AB254B4B953}" srcOrd="0" destOrd="0" parTransId="{F3E89010-4DE4-4821-B8FA-928FC7E12050}" sibTransId="{5C65D5A6-7F0C-49F6-A1DC-7C4E7E6E8EA1}"/>
     <dgm:cxn modelId="{6F1BEC31-8B18-440B-913F-10DE1A196281}" type="presOf" srcId="{BC7EFEF1-2A2B-4AFE-9B89-BD266864E592}" destId="{84E058B7-D423-41F9-99E3-C76472626B91}" srcOrd="0" destOrd="0" presId="urn:microsoft.com/office/officeart/2005/8/layout/vList5"/>
     <dgm:cxn modelId="{EC9A1133-2F96-40CE-8E71-F92939B9EEAE}" type="presOf" srcId="{6774D6CC-D08F-41B6-8C1F-C020AB656E97}" destId="{A120AF14-FB27-49E6-BD56-F96DF1C2F478}" srcOrd="0" destOrd="0" presId="urn:microsoft.com/office/officeart/2005/8/layout/vList5"/>
+    <dgm:cxn modelId="{5035E261-2D62-4F8D-B6C0-762ECF411F1C}" type="presOf" srcId="{6698A7A3-3D51-41A2-9FFB-336CF5F184C7}" destId="{1A1533F1-B6EF-4DC4-9804-99FECDE4497E}" srcOrd="0" destOrd="0" presId="urn:microsoft.com/office/officeart/2005/8/layout/vList5"/>
     <dgm:cxn modelId="{5FE50347-7661-4684-BF8B-B54F8558F059}" srcId="{6774D6CC-D08F-41B6-8C1F-C020AB656E97}" destId="{6698A7A3-3D51-41A2-9FFB-336CF5F184C7}" srcOrd="2" destOrd="0" parTransId="{3E0BC0A8-E014-4465-AF26-73E5456A92B7}" sibTransId="{17F197BF-B87E-4B31-B30F-B9F5D979179E}"/>
     <dgm:cxn modelId="{2E7C8C49-A5B6-4420-B0C5-461235E1951D}" srcId="{01610EED-88B6-448D-BD26-8C8B7D10E964}" destId="{F38FDD3D-7F03-4077-ADF8-580BBEB61C52}" srcOrd="0" destOrd="0" parTransId="{AC2E7939-4D1F-46FC-9EEE-91E6400DD3F0}" sibTransId="{D06A0D9D-0198-4BD7-9880-C5672D7218D3}"/>
     <dgm:cxn modelId="{F391274C-1DCA-4A17-AD61-EBCE8994BB90}" type="presOf" srcId="{FF691525-3BA8-4440-8D42-2A04FF5CBDC8}" destId="{7894D1E9-801C-467A-B853-11CE2E29E21E}" srcOrd="0" destOrd="0" presId="urn:microsoft.com/office/officeart/2005/8/layout/vList5"/>
-    <dgm:cxn modelId="{5035E261-2D62-4F8D-B6C0-762ECF411F1C}" type="presOf" srcId="{6698A7A3-3D51-41A2-9FFB-336CF5F184C7}" destId="{1A1533F1-B6EF-4DC4-9804-99FECDE4497E}" srcOrd="0" destOrd="0" presId="urn:microsoft.com/office/officeart/2005/8/layout/vList5"/>
     <dgm:cxn modelId="{BC39356C-3D05-4B22-840D-A6AE856C27B2}" type="presOf" srcId="{3E913E07-91EF-4934-B184-8101BA92CA17}" destId="{E7FECA51-2E31-4BB2-BA21-598AA0635CFE}" srcOrd="0" destOrd="0" presId="urn:microsoft.com/office/officeart/2005/8/layout/vList5"/>
     <dgm:cxn modelId="{D254F971-676B-429B-80ED-1EAC8737A243}" type="presOf" srcId="{D2048CD0-C784-4B90-A0BD-73DF3C1F7D69}" destId="{7D7181C3-79D2-42C9-BE6D-B368A3308A35}" srcOrd="0" destOrd="0" presId="urn:microsoft.com/office/officeart/2005/8/layout/vList5"/>
     <dgm:cxn modelId="{27F5DB7A-AFBC-454F-BDB3-C94355CC1DE6}" srcId="{6774D6CC-D08F-41B6-8C1F-C020AB656E97}" destId="{01610EED-88B6-448D-BD26-8C8B7D10E964}" srcOrd="7" destOrd="0" parTransId="{F7558672-D1AB-425B-B1FA-456358430C0B}" sibTransId="{D50611C8-8559-4AFB-A653-AF522565E8B7}"/>
@@ -3557,8 +3557,8 @@
     <dgm:cxn modelId="{EACBF831-9D9B-D540-B327-FF9F99AB9435}" srcId="{79C09E05-0E21-544C-84EB-6FEA59ACB7FC}" destId="{ACAD5A3E-AC7E-DB4B-9617-0F3F3CD87009}" srcOrd="2" destOrd="0" parTransId="{91667E41-31FD-B344-8940-5BDD44B330E3}" sibTransId="{B499DA69-0D24-2C42-A69D-86E427536E23}"/>
     <dgm:cxn modelId="{24948838-A2DC-734A-8313-E247682E22C1}" srcId="{3FE1F584-69B6-0A4B-B86C-BE3EA492F679}" destId="{3A8C5C0C-422B-C647-8CC9-ADA926633962}" srcOrd="0" destOrd="0" parTransId="{43B66224-EBB5-1D4D-B0A2-A49AFE1B1F3D}" sibTransId="{E625DF66-343B-7444-822A-102EA2399089}"/>
     <dgm:cxn modelId="{91FD6E39-AB46-7A40-B2D5-1194E7EFB97C}" srcId="{79C09E05-0E21-544C-84EB-6FEA59ACB7FC}" destId="{A0E1F74A-6668-3B4F-8A5D-C1861ABCA842}" srcOrd="0" destOrd="0" parTransId="{F5F8D579-73EF-E448-B956-42AE444FD539}" sibTransId="{39D89BA2-2589-9A4A-A7CC-34AA5C18FFD4}"/>
+    <dgm:cxn modelId="{9DB4CE5F-F471-A146-8593-E968839D8C69}" srcId="{A0E1F74A-6668-3B4F-8A5D-C1861ABCA842}" destId="{4FC43B00-13D7-F04F-B34C-059689C8D4C4}" srcOrd="0" destOrd="0" parTransId="{7538C1F3-4458-5E4A-BD63-9681C324E845}" sibTransId="{20BDC820-E249-2F4B-946C-09B5214B5333}"/>
     <dgm:cxn modelId="{938A2647-F5E6-904E-8923-D06F906C8F00}" srcId="{79C09E05-0E21-544C-84EB-6FEA59ACB7FC}" destId="{3FE1F584-69B6-0A4B-B86C-BE3EA492F679}" srcOrd="4" destOrd="0" parTransId="{CAEBF328-67C1-E544-B678-DC46FE7F40DB}" sibTransId="{F7665A07-C5C9-934B-A1F6-FB6F09F2A3E5}"/>
-    <dgm:cxn modelId="{9DB4CE5F-F471-A146-8593-E968839D8C69}" srcId="{A0E1F74A-6668-3B4F-8A5D-C1861ABCA842}" destId="{4FC43B00-13D7-F04F-B34C-059689C8D4C4}" srcOrd="0" destOrd="0" parTransId="{7538C1F3-4458-5E4A-BD63-9681C324E845}" sibTransId="{20BDC820-E249-2F4B-946C-09B5214B5333}"/>
     <dgm:cxn modelId="{B5F9976E-D815-7645-B6B9-84015BA8A733}" type="presOf" srcId="{79C09E05-0E21-544C-84EB-6FEA59ACB7FC}" destId="{B9CFA725-922F-154B-942D-C3C2EC9EA669}" srcOrd="0" destOrd="0" presId="urn:microsoft.com/office/officeart/2009/3/layout/StepUpProcess"/>
     <dgm:cxn modelId="{8783F76F-FC39-1349-86FF-20894746EFCF}" type="presOf" srcId="{4FC43B00-13D7-F04F-B34C-059689C8D4C4}" destId="{F495E8FC-70CC-8E46-B195-24F97D8758C6}" srcOrd="0" destOrd="1" presId="urn:microsoft.com/office/officeart/2009/3/layout/StepUpProcess"/>
     <dgm:cxn modelId="{B8414271-98E5-0C47-8DC1-A209661197A2}" srcId="{79C09E05-0E21-544C-84EB-6FEA59ACB7FC}" destId="{CE578F1E-F804-EB47-B4BF-E12F8560CA94}" srcOrd="3" destOrd="0" parTransId="{B10512AC-825B-B14C-AAAC-7C022050CE2B}" sibTransId="{1A90DAD0-F65B-8541-AE80-91253B518D5F}"/>

--- a/2 - Gitting Started/GittingStarted.pptx
+++ b/2 - Gitting Started/GittingStarted.pptx
@@ -5,7 +5,7 @@
     <p:sldMasterId id="2147483659" r:id="rId1"/>
   </p:sldMasterIdLst>
   <p:notesMasterIdLst>
-    <p:notesMasterId r:id="rId8"/>
+    <p:notesMasterId r:id="rId9"/>
   </p:notesMasterIdLst>
   <p:sldIdLst>
     <p:sldId id="256" r:id="rId2"/>
@@ -14,30 +14,31 @@
     <p:sldId id="282" r:id="rId5"/>
     <p:sldId id="283" r:id="rId6"/>
     <p:sldId id="284" r:id="rId7"/>
+    <p:sldId id="285" r:id="rId8"/>
   </p:sldIdLst>
   <p:sldSz cx="9144000" cy="5143500" type="screen16x9"/>
   <p:notesSz cx="6858000" cy="9144000"/>
   <p:embeddedFontLst>
     <p:embeddedFont>
       <p:font typeface="Consolas" panose="020B0609020204030204" pitchFamily="49" charset="0"/>
-      <p:regular r:id="rId9"/>
-      <p:bold r:id="rId10"/>
-      <p:italic r:id="rId11"/>
-      <p:boldItalic r:id="rId12"/>
+      <p:regular r:id="rId10"/>
+      <p:bold r:id="rId11"/>
+      <p:italic r:id="rId12"/>
+      <p:boldItalic r:id="rId13"/>
     </p:embeddedFont>
     <p:embeddedFont>
       <p:font typeface="Lato" panose="020F0502020204030203" pitchFamily="34" charset="0"/>
-      <p:regular r:id="rId13"/>
-      <p:bold r:id="rId14"/>
-      <p:italic r:id="rId15"/>
-      <p:boldItalic r:id="rId16"/>
+      <p:regular r:id="rId14"/>
+      <p:bold r:id="rId15"/>
+      <p:italic r:id="rId16"/>
+      <p:boldItalic r:id="rId17"/>
     </p:embeddedFont>
     <p:embeddedFont>
-      <p:font typeface="Raleway" panose="020B0503030101060003" pitchFamily="34" charset="0"/>
-      <p:regular r:id="rId17"/>
-      <p:bold r:id="rId18"/>
-      <p:italic r:id="rId19"/>
-      <p:boldItalic r:id="rId20"/>
+      <p:font typeface="Raleway" pitchFamily="2" charset="77"/>
+      <p:regular r:id="rId18"/>
+      <p:bold r:id="rId19"/>
+      <p:italic r:id="rId20"/>
+      <p:boldItalic r:id="rId21"/>
     </p:embeddedFont>
   </p:embeddedFontLst>
   <p:defaultTextStyle>
@@ -2752,10 +2753,10 @@
     <dgm:cxn modelId="{C9730F30-0CC6-44AB-9210-B28177E5E784}" srcId="{FF691525-3BA8-4440-8D42-2A04FF5CBDC8}" destId="{342F6C1D-DA72-44FB-8C24-0AB254B4B953}" srcOrd="0" destOrd="0" parTransId="{F3E89010-4DE4-4821-B8FA-928FC7E12050}" sibTransId="{5C65D5A6-7F0C-49F6-A1DC-7C4E7E6E8EA1}"/>
     <dgm:cxn modelId="{6F1BEC31-8B18-440B-913F-10DE1A196281}" type="presOf" srcId="{BC7EFEF1-2A2B-4AFE-9B89-BD266864E592}" destId="{84E058B7-D423-41F9-99E3-C76472626B91}" srcOrd="0" destOrd="0" presId="urn:microsoft.com/office/officeart/2005/8/layout/vList5"/>
     <dgm:cxn modelId="{EC9A1133-2F96-40CE-8E71-F92939B9EEAE}" type="presOf" srcId="{6774D6CC-D08F-41B6-8C1F-C020AB656E97}" destId="{A120AF14-FB27-49E6-BD56-F96DF1C2F478}" srcOrd="0" destOrd="0" presId="urn:microsoft.com/office/officeart/2005/8/layout/vList5"/>
-    <dgm:cxn modelId="{5035E261-2D62-4F8D-B6C0-762ECF411F1C}" type="presOf" srcId="{6698A7A3-3D51-41A2-9FFB-336CF5F184C7}" destId="{1A1533F1-B6EF-4DC4-9804-99FECDE4497E}" srcOrd="0" destOrd="0" presId="urn:microsoft.com/office/officeart/2005/8/layout/vList5"/>
     <dgm:cxn modelId="{5FE50347-7661-4684-BF8B-B54F8558F059}" srcId="{6774D6CC-D08F-41B6-8C1F-C020AB656E97}" destId="{6698A7A3-3D51-41A2-9FFB-336CF5F184C7}" srcOrd="2" destOrd="0" parTransId="{3E0BC0A8-E014-4465-AF26-73E5456A92B7}" sibTransId="{17F197BF-B87E-4B31-B30F-B9F5D979179E}"/>
     <dgm:cxn modelId="{2E7C8C49-A5B6-4420-B0C5-461235E1951D}" srcId="{01610EED-88B6-448D-BD26-8C8B7D10E964}" destId="{F38FDD3D-7F03-4077-ADF8-580BBEB61C52}" srcOrd="0" destOrd="0" parTransId="{AC2E7939-4D1F-46FC-9EEE-91E6400DD3F0}" sibTransId="{D06A0D9D-0198-4BD7-9880-C5672D7218D3}"/>
     <dgm:cxn modelId="{F391274C-1DCA-4A17-AD61-EBCE8994BB90}" type="presOf" srcId="{FF691525-3BA8-4440-8D42-2A04FF5CBDC8}" destId="{7894D1E9-801C-467A-B853-11CE2E29E21E}" srcOrd="0" destOrd="0" presId="urn:microsoft.com/office/officeart/2005/8/layout/vList5"/>
+    <dgm:cxn modelId="{5035E261-2D62-4F8D-B6C0-762ECF411F1C}" type="presOf" srcId="{6698A7A3-3D51-41A2-9FFB-336CF5F184C7}" destId="{1A1533F1-B6EF-4DC4-9804-99FECDE4497E}" srcOrd="0" destOrd="0" presId="urn:microsoft.com/office/officeart/2005/8/layout/vList5"/>
     <dgm:cxn modelId="{BC39356C-3D05-4B22-840D-A6AE856C27B2}" type="presOf" srcId="{3E913E07-91EF-4934-B184-8101BA92CA17}" destId="{E7FECA51-2E31-4BB2-BA21-598AA0635CFE}" srcOrd="0" destOrd="0" presId="urn:microsoft.com/office/officeart/2005/8/layout/vList5"/>
     <dgm:cxn modelId="{D254F971-676B-429B-80ED-1EAC8737A243}" type="presOf" srcId="{D2048CD0-C784-4B90-A0BD-73DF3C1F7D69}" destId="{7D7181C3-79D2-42C9-BE6D-B368A3308A35}" srcOrd="0" destOrd="0" presId="urn:microsoft.com/office/officeart/2005/8/layout/vList5"/>
     <dgm:cxn modelId="{27F5DB7A-AFBC-454F-BDB3-C94355CC1DE6}" srcId="{6774D6CC-D08F-41B6-8C1F-C020AB656E97}" destId="{01610EED-88B6-448D-BD26-8C8B7D10E964}" srcOrd="7" destOrd="0" parTransId="{F7558672-D1AB-425B-B1FA-456358430C0B}" sibTransId="{D50611C8-8559-4AFB-A653-AF522565E8B7}"/>
@@ -3557,8 +3558,8 @@
     <dgm:cxn modelId="{EACBF831-9D9B-D540-B327-FF9F99AB9435}" srcId="{79C09E05-0E21-544C-84EB-6FEA59ACB7FC}" destId="{ACAD5A3E-AC7E-DB4B-9617-0F3F3CD87009}" srcOrd="2" destOrd="0" parTransId="{91667E41-31FD-B344-8940-5BDD44B330E3}" sibTransId="{B499DA69-0D24-2C42-A69D-86E427536E23}"/>
     <dgm:cxn modelId="{24948838-A2DC-734A-8313-E247682E22C1}" srcId="{3FE1F584-69B6-0A4B-B86C-BE3EA492F679}" destId="{3A8C5C0C-422B-C647-8CC9-ADA926633962}" srcOrd="0" destOrd="0" parTransId="{43B66224-EBB5-1D4D-B0A2-A49AFE1B1F3D}" sibTransId="{E625DF66-343B-7444-822A-102EA2399089}"/>
     <dgm:cxn modelId="{91FD6E39-AB46-7A40-B2D5-1194E7EFB97C}" srcId="{79C09E05-0E21-544C-84EB-6FEA59ACB7FC}" destId="{A0E1F74A-6668-3B4F-8A5D-C1861ABCA842}" srcOrd="0" destOrd="0" parTransId="{F5F8D579-73EF-E448-B956-42AE444FD539}" sibTransId="{39D89BA2-2589-9A4A-A7CC-34AA5C18FFD4}"/>
+    <dgm:cxn modelId="{938A2647-F5E6-904E-8923-D06F906C8F00}" srcId="{79C09E05-0E21-544C-84EB-6FEA59ACB7FC}" destId="{3FE1F584-69B6-0A4B-B86C-BE3EA492F679}" srcOrd="4" destOrd="0" parTransId="{CAEBF328-67C1-E544-B678-DC46FE7F40DB}" sibTransId="{F7665A07-C5C9-934B-A1F6-FB6F09F2A3E5}"/>
     <dgm:cxn modelId="{9DB4CE5F-F471-A146-8593-E968839D8C69}" srcId="{A0E1F74A-6668-3B4F-8A5D-C1861ABCA842}" destId="{4FC43B00-13D7-F04F-B34C-059689C8D4C4}" srcOrd="0" destOrd="0" parTransId="{7538C1F3-4458-5E4A-BD63-9681C324E845}" sibTransId="{20BDC820-E249-2F4B-946C-09B5214B5333}"/>
-    <dgm:cxn modelId="{938A2647-F5E6-904E-8923-D06F906C8F00}" srcId="{79C09E05-0E21-544C-84EB-6FEA59ACB7FC}" destId="{3FE1F584-69B6-0A4B-B86C-BE3EA492F679}" srcOrd="4" destOrd="0" parTransId="{CAEBF328-67C1-E544-B678-DC46FE7F40DB}" sibTransId="{F7665A07-C5C9-934B-A1F6-FB6F09F2A3E5}"/>
     <dgm:cxn modelId="{B5F9976E-D815-7645-B6B9-84015BA8A733}" type="presOf" srcId="{79C09E05-0E21-544C-84EB-6FEA59ACB7FC}" destId="{B9CFA725-922F-154B-942D-C3C2EC9EA669}" srcOrd="0" destOrd="0" presId="urn:microsoft.com/office/officeart/2009/3/layout/StepUpProcess"/>
     <dgm:cxn modelId="{8783F76F-FC39-1349-86FF-20894746EFCF}" type="presOf" srcId="{4FC43B00-13D7-F04F-B34C-059689C8D4C4}" destId="{F495E8FC-70CC-8E46-B195-24F97D8758C6}" srcOrd="0" destOrd="1" presId="urn:microsoft.com/office/officeart/2009/3/layout/StepUpProcess"/>
     <dgm:cxn modelId="{B8414271-98E5-0C47-8DC1-A209661197A2}" srcId="{79C09E05-0E21-544C-84EB-6FEA59ACB7FC}" destId="{CE578F1E-F804-EB47-B4BF-E12F8560CA94}" srcOrd="3" destOrd="0" parTransId="{B10512AC-825B-B14C-AAAC-7C022050CE2B}" sibTransId="{1A90DAD0-F65B-8541-AE80-91253B518D5F}"/>
@@ -12197,10 +12198,10 @@
       </p:sp>
       <p:pic>
         <p:nvPicPr>
-          <p:cNvPr id="3" name="Picture 2" descr="A close up of a sign&#10;&#10;Description automatically generated">
+          <p:cNvPr id="2" name="Picture 1" descr="Logo&#10;&#10;Description automatically generated">
             <a:extLst>
               <a:ext uri="{FF2B5EF4-FFF2-40B4-BE49-F238E27FC236}">
-                <a16:creationId xmlns:a16="http://schemas.microsoft.com/office/drawing/2014/main" id="{DBB79DA9-E528-4E11-A659-9FECE294BE36}"/>
+                <a16:creationId xmlns:a16="http://schemas.microsoft.com/office/drawing/2014/main" id="{9A93E59E-B258-3750-F4D9-8851FBA50C37}"/>
               </a:ext>
             </a:extLst>
           </p:cNvPr>
@@ -12211,7 +12212,16 @@
         </p:nvPicPr>
         <p:blipFill>
           <a:blip r:embed="rId3">
-            <a:biLevel thresh="25000"/>
+            <a:clrChange>
+              <a:clrFrom>
+                <a:srgbClr val="040707"/>
+              </a:clrFrom>
+              <a:clrTo>
+                <a:srgbClr val="040707">
+                  <a:alpha val="0"/>
+                </a:srgbClr>
+              </a:clrTo>
+            </a:clrChange>
           </a:blip>
           <a:stretch>
             <a:fillRect/>
@@ -12219,8 +12229,8 @@
         </p:blipFill>
         <p:spPr>
           <a:xfrm>
-            <a:off x="422233" y="3151559"/>
-            <a:ext cx="1728167" cy="1328591"/>
+            <a:off x="422233" y="2776566"/>
+            <a:ext cx="3386755" cy="1905050"/>
           </a:xfrm>
           <a:prstGeom prst="rect">
             <a:avLst/>
@@ -13299,94 +13309,6 @@
           </a:p>
         </p:txBody>
       </p:sp>
-      <p:pic>
-        <p:nvPicPr>
-          <p:cNvPr id="7" name="Picture 6">
-            <a:extLst>
-              <a:ext uri="{FF2B5EF4-FFF2-40B4-BE49-F238E27FC236}">
-                <a16:creationId xmlns:a16="http://schemas.microsoft.com/office/drawing/2014/main" id="{61914790-ACD0-BE4B-B7FA-F54732AB5750}"/>
-              </a:ext>
-            </a:extLst>
-          </p:cNvPr>
-          <p:cNvPicPr>
-            <a:picLocks noChangeAspect="1"/>
-          </p:cNvPicPr>
-          <p:nvPr/>
-        </p:nvPicPr>
-        <p:blipFill rotWithShape="1">
-          <a:blip r:embed="rId2"/>
-          <a:srcRect t="44081"/>
-          <a:stretch/>
-        </p:blipFill>
-        <p:spPr>
-          <a:xfrm>
-            <a:off x="894618" y="2485016"/>
-            <a:ext cx="3301998" cy="1805099"/>
-          </a:xfrm>
-          <a:prstGeom prst="rect">
-            <a:avLst/>
-          </a:prstGeom>
-        </p:spPr>
-      </p:pic>
-      <p:pic>
-        <p:nvPicPr>
-          <p:cNvPr id="9" name="Picture 8">
-            <a:extLst>
-              <a:ext uri="{FF2B5EF4-FFF2-40B4-BE49-F238E27FC236}">
-                <a16:creationId xmlns:a16="http://schemas.microsoft.com/office/drawing/2014/main" id="{B54E795A-8F51-C446-8363-E45B86217301}"/>
-              </a:ext>
-            </a:extLst>
-          </p:cNvPr>
-          <p:cNvPicPr>
-            <a:picLocks noChangeAspect="1"/>
-          </p:cNvPicPr>
-          <p:nvPr/>
-        </p:nvPicPr>
-        <p:blipFill>
-          <a:blip r:embed="rId3"/>
-          <a:stretch>
-            <a:fillRect/>
-          </a:stretch>
-        </p:blipFill>
-        <p:spPr>
-          <a:xfrm>
-            <a:off x="4726003" y="1928124"/>
-            <a:ext cx="3828321" cy="1287252"/>
-          </a:xfrm>
-          <a:prstGeom prst="rect">
-            <a:avLst/>
-          </a:prstGeom>
-        </p:spPr>
-      </p:pic>
-      <p:pic>
-        <p:nvPicPr>
-          <p:cNvPr id="10" name="Picture 9">
-            <a:extLst>
-              <a:ext uri="{FF2B5EF4-FFF2-40B4-BE49-F238E27FC236}">
-                <a16:creationId xmlns:a16="http://schemas.microsoft.com/office/drawing/2014/main" id="{BD01F1B6-5A70-3243-91AC-E076625BC4A0}"/>
-              </a:ext>
-            </a:extLst>
-          </p:cNvPr>
-          <p:cNvPicPr>
-            <a:picLocks noChangeAspect="1"/>
-          </p:cNvPicPr>
-          <p:nvPr/>
-        </p:nvPicPr>
-        <p:blipFill rotWithShape="1">
-          <a:blip r:embed="rId2"/>
-          <a:srcRect b="69287"/>
-          <a:stretch/>
-        </p:blipFill>
-        <p:spPr>
-          <a:xfrm>
-            <a:off x="894618" y="1493575"/>
-            <a:ext cx="3301998" cy="991441"/>
-          </a:xfrm>
-          <a:prstGeom prst="rect">
-            <a:avLst/>
-          </a:prstGeom>
-        </p:spPr>
-      </p:pic>
       <p:sp>
         <p:nvSpPr>
           <p:cNvPr id="11" name="Rectangle 10">
@@ -13401,8 +13323,8 @@
         </p:nvSpPr>
         <p:spPr>
           <a:xfrm>
-            <a:off x="1587467" y="4259773"/>
-            <a:ext cx="1935145" cy="307777"/>
+            <a:off x="1240958" y="4126706"/>
+            <a:ext cx="2085827" cy="523220"/>
           </a:xfrm>
           <a:prstGeom prst="rect">
             <a:avLst/>
@@ -13416,10 +13338,13 @@
           <a:p>
             <a:r>
               <a:rPr lang="en-US" dirty="0">
-                <a:hlinkClick r:id="rId4"/>
+                <a:hlinkClick r:id="rId2"/>
               </a:rPr>
-              <a:t>https://lab.github.com/</a:t>
+              <a:t>https://skills.github.com/</a:t>
             </a:r>
+            <a:endParaRPr lang="en-US" dirty="0"/>
+          </a:p>
+          <a:p>
             <a:endParaRPr lang="en-US" dirty="0"/>
           </a:p>
         </p:txBody>
@@ -13438,8 +13363,8 @@
         </p:nvSpPr>
         <p:spPr>
           <a:xfrm>
-            <a:off x="4499192" y="3215376"/>
-            <a:ext cx="4281941" cy="307777"/>
+            <a:off x="4377059" y="2856107"/>
+            <a:ext cx="4649030" cy="523220"/>
           </a:xfrm>
           <a:prstGeom prst="rect">
             <a:avLst/>
@@ -13453,14 +13378,113 @@
           <a:p>
             <a:r>
               <a:rPr lang="en-US" dirty="0">
-                <a:hlinkClick r:id="rId5"/>
+                <a:hlinkClick r:id="rId3"/>
               </a:rPr>
-              <a:t>https://guides.github.com/introduction/git-handbook/</a:t>
+              <a:t>https://docs.github.com/en/get-started/using-git/about-git</a:t>
             </a:r>
+            <a:endParaRPr lang="en-US" dirty="0"/>
+          </a:p>
+          <a:p>
             <a:endParaRPr lang="en-US" dirty="0"/>
           </a:p>
         </p:txBody>
       </p:sp>
+      <p:pic>
+        <p:nvPicPr>
+          <p:cNvPr id="3" name="Picture 2">
+            <a:extLst>
+              <a:ext uri="{FF2B5EF4-FFF2-40B4-BE49-F238E27FC236}">
+                <a16:creationId xmlns:a16="http://schemas.microsoft.com/office/drawing/2014/main" id="{7F32EAB5-F2AC-6F36-9BDF-C4A2FE9AE234}"/>
+              </a:ext>
+            </a:extLst>
+          </p:cNvPr>
+          <p:cNvPicPr>
+            <a:picLocks noChangeAspect="1"/>
+          </p:cNvPicPr>
+          <p:nvPr/>
+        </p:nvPicPr>
+        <p:blipFill>
+          <a:blip r:embed="rId4"/>
+          <a:stretch>
+            <a:fillRect/>
+          </a:stretch>
+        </p:blipFill>
+        <p:spPr>
+          <a:xfrm>
+            <a:off x="4361184" y="1989295"/>
+            <a:ext cx="4664905" cy="866812"/>
+          </a:xfrm>
+          <a:prstGeom prst="rect">
+            <a:avLst/>
+          </a:prstGeom>
+        </p:spPr>
+      </p:pic>
+      <p:pic>
+        <p:nvPicPr>
+          <p:cNvPr id="4" name="Picture 3">
+            <a:extLst>
+              <a:ext uri="{FF2B5EF4-FFF2-40B4-BE49-F238E27FC236}">
+                <a16:creationId xmlns:a16="http://schemas.microsoft.com/office/drawing/2014/main" id="{2DB394F0-D11B-22BA-F8F3-6A8003EDAC0C}"/>
+              </a:ext>
+            </a:extLst>
+          </p:cNvPr>
+          <p:cNvPicPr>
+            <a:picLocks noChangeAspect="1"/>
+          </p:cNvPicPr>
+          <p:nvPr/>
+        </p:nvPicPr>
+        <p:blipFill>
+          <a:blip r:embed="rId5"/>
+          <a:stretch>
+            <a:fillRect/>
+          </a:stretch>
+        </p:blipFill>
+        <p:spPr>
+          <a:xfrm>
+            <a:off x="262288" y="2856107"/>
+            <a:ext cx="3886202" cy="1270599"/>
+          </a:xfrm>
+          <a:prstGeom prst="rect">
+            <a:avLst/>
+          </a:prstGeom>
+        </p:spPr>
+      </p:pic>
+      <p:pic>
+        <p:nvPicPr>
+          <p:cNvPr id="8" name="Graphic 7">
+            <a:extLst>
+              <a:ext uri="{FF2B5EF4-FFF2-40B4-BE49-F238E27FC236}">
+                <a16:creationId xmlns:a16="http://schemas.microsoft.com/office/drawing/2014/main" id="{079D777C-EFB6-60B8-FBFB-8688691011E9}"/>
+              </a:ext>
+            </a:extLst>
+          </p:cNvPr>
+          <p:cNvPicPr>
+            <a:picLocks noChangeAspect="1"/>
+          </p:cNvPicPr>
+          <p:nvPr/>
+        </p:nvPicPr>
+        <p:blipFill>
+          <a:blip r:embed="rId6">
+            <a:extLst>
+              <a:ext uri="{96DAC541-7B7A-43D3-8B79-37D633B846F1}">
+                <asvg:svgBlip xmlns:asvg="http://schemas.microsoft.com/office/drawing/2016/SVG/main" r:embed="rId7"/>
+              </a:ext>
+            </a:extLst>
+          </a:blip>
+          <a:stretch>
+            <a:fillRect/>
+          </a:stretch>
+        </p:blipFill>
+        <p:spPr>
+          <a:xfrm>
+            <a:off x="421970" y="600632"/>
+            <a:ext cx="1978280" cy="2014086"/>
+          </a:xfrm>
+          <a:prstGeom prst="rect">
+            <a:avLst/>
+          </a:prstGeom>
+        </p:spPr>
+      </p:pic>
     </p:spTree>
     <p:extLst>
       <p:ext uri="{BB962C8B-B14F-4D97-AF65-F5344CB8AC3E}">
@@ -13475,7 +13499,7 @@
 </file>
 
 <file path=ppt/slides/slide6.xml><?xml version="1.0" encoding="utf-8"?>
-<p:sld xmlns:a="http://schemas.openxmlformats.org/drawingml/2006/main" xmlns:r="http://schemas.openxmlformats.org/officeDocument/2006/relationships" xmlns:p="http://schemas.openxmlformats.org/presentationml/2006/main">
+<p:sld xmlns:a="http://schemas.openxmlformats.org/drawingml/2006/main" xmlns:r="http://schemas.openxmlformats.org/officeDocument/2006/relationships" xmlns:p="http://schemas.openxmlformats.org/presentationml/2006/main" show="0">
   <p:cSld>
     <p:spTree>
       <p:nvGrpSpPr>
@@ -13599,6 +13623,229 @@
     <p:extLst>
       <p:ext uri="{BB962C8B-B14F-4D97-AF65-F5344CB8AC3E}">
         <p14:creationId xmlns:p14="http://schemas.microsoft.com/office/powerpoint/2010/main" val="324023580"/>
+      </p:ext>
+    </p:extLst>
+  </p:cSld>
+  <p:clrMapOvr>
+    <a:masterClrMapping/>
+  </p:clrMapOvr>
+</p:sld>
+</file>
+
+<file path=ppt/slides/slide7.xml><?xml version="1.0" encoding="utf-8"?>
+<p:sld xmlns:a="http://schemas.openxmlformats.org/drawingml/2006/main" xmlns:r="http://schemas.openxmlformats.org/officeDocument/2006/relationships" xmlns:p="http://schemas.openxmlformats.org/presentationml/2006/main">
+  <p:cSld>
+    <p:spTree>
+      <p:nvGrpSpPr>
+        <p:cNvPr id="1" name=""/>
+        <p:cNvGrpSpPr/>
+        <p:nvPr/>
+      </p:nvGrpSpPr>
+      <p:grpSpPr>
+        <a:xfrm>
+          <a:off x="0" y="0"/>
+          <a:ext cx="0" cy="0"/>
+          <a:chOff x="0" y="0"/>
+          <a:chExt cx="0" cy="0"/>
+        </a:xfrm>
+      </p:grpSpPr>
+      <p:sp>
+        <p:nvSpPr>
+          <p:cNvPr id="2" name="Title 1">
+            <a:extLst>
+              <a:ext uri="{FF2B5EF4-FFF2-40B4-BE49-F238E27FC236}">
+                <a16:creationId xmlns:a16="http://schemas.microsoft.com/office/drawing/2014/main" id="{D39BA855-C5B3-0E37-64AD-77E44EEEE28F}"/>
+              </a:ext>
+            </a:extLst>
+          </p:cNvPr>
+          <p:cNvSpPr>
+            <a:spLocks noGrp="1"/>
+          </p:cNvSpPr>
+          <p:nvPr>
+            <p:ph type="title"/>
+          </p:nvPr>
+        </p:nvSpPr>
+        <p:spPr>
+          <a:xfrm>
+            <a:off x="319500" y="936600"/>
+            <a:ext cx="3097468" cy="755700"/>
+          </a:xfrm>
+        </p:spPr>
+        <p:txBody>
+          <a:bodyPr/>
+          <a:lstStyle/>
+          <a:p>
+            <a:r>
+              <a:rPr lang="en-US" dirty="0"/>
+              <a:t>Install GitHub Desktop</a:t>
+            </a:r>
+          </a:p>
+        </p:txBody>
+      </p:sp>
+      <p:sp>
+        <p:nvSpPr>
+          <p:cNvPr id="3" name="Text Placeholder 2">
+            <a:extLst>
+              <a:ext uri="{FF2B5EF4-FFF2-40B4-BE49-F238E27FC236}">
+                <a16:creationId xmlns:a16="http://schemas.microsoft.com/office/drawing/2014/main" id="{286E178D-FC63-517A-1C3D-EE7B009AB66D}"/>
+              </a:ext>
+            </a:extLst>
+          </p:cNvPr>
+          <p:cNvSpPr>
+            <a:spLocks noGrp="1"/>
+          </p:cNvSpPr>
+          <p:nvPr>
+            <p:ph type="body" idx="1"/>
+          </p:nvPr>
+        </p:nvSpPr>
+        <p:spPr/>
+        <p:txBody>
+          <a:bodyPr/>
+          <a:lstStyle/>
+          <a:p>
+            <a:pPr marL="152400" indent="0">
+              <a:buNone/>
+            </a:pPr>
+            <a:r>
+              <a:rPr lang="en-US" b="0" i="0" dirty="0">
+                <a:effectLst/>
+                <a:latin typeface="-apple-system"/>
+              </a:rPr>
+              <a:t>GitHub Desktop is a GUI wrapper for Git on your local machine. It makes the Git workflow much easier and allows for visual review of code before committing. </a:t>
+            </a:r>
+          </a:p>
+          <a:p>
+            <a:pPr marL="152400" indent="0">
+              <a:buNone/>
+            </a:pPr>
+            <a:endParaRPr lang="en-US" dirty="0">
+              <a:latin typeface="-apple-system"/>
+            </a:endParaRPr>
+          </a:p>
+          <a:p>
+            <a:pPr marL="152400" indent="0" algn="ctr">
+              <a:buNone/>
+            </a:pPr>
+            <a:r>
+              <a:rPr lang="en-US" b="0" i="0" dirty="0">
+                <a:effectLst/>
+                <a:latin typeface="-apple-system"/>
+              </a:rPr>
+              <a:t>“Focus on what matters instead of fighting with Git. Whether you're new to Git or a seasoned user, GitHub Desktop simplifies your development workflow.”</a:t>
+            </a:r>
+          </a:p>
+          <a:p>
+            <a:pPr marL="152400" indent="0">
+              <a:buNone/>
+            </a:pPr>
+            <a:endParaRPr lang="en-US" dirty="0">
+              <a:hlinkClick r:id="rId2"/>
+            </a:endParaRPr>
+          </a:p>
+          <a:p>
+            <a:pPr marL="152400" indent="0" algn="ctr">
+              <a:buNone/>
+            </a:pPr>
+            <a:r>
+              <a:rPr lang="en-US" dirty="0">
+                <a:hlinkClick r:id="rId2"/>
+              </a:rPr>
+              <a:t>https://desktop.github.com/</a:t>
+            </a:r>
+            <a:endParaRPr lang="en-US" dirty="0"/>
+          </a:p>
+          <a:p>
+            <a:endParaRPr lang="en-US" dirty="0"/>
+          </a:p>
+        </p:txBody>
+      </p:sp>
+      <p:pic>
+        <p:nvPicPr>
+          <p:cNvPr id="2052" name="Picture 4" descr="Screenshot of GitHub Desktop running on macOS">
+            <a:extLst>
+              <a:ext uri="{FF2B5EF4-FFF2-40B4-BE49-F238E27FC236}">
+                <a16:creationId xmlns:a16="http://schemas.microsoft.com/office/drawing/2014/main" id="{F9D0B4FC-013C-1A71-3101-7D0E8BF37C68}"/>
+              </a:ext>
+            </a:extLst>
+          </p:cNvPr>
+          <p:cNvPicPr>
+            <a:picLocks noChangeAspect="1" noChangeArrowheads="1"/>
+          </p:cNvPicPr>
+          <p:nvPr/>
+        </p:nvPicPr>
+        <p:blipFill>
+          <a:blip r:embed="rId3">
+            <a:extLst>
+              <a:ext uri="{28A0092B-C50C-407E-A947-70E740481C1C}">
+                <a14:useLocalDpi xmlns:a14="http://schemas.microsoft.com/office/drawing/2010/main" val="0"/>
+              </a:ext>
+            </a:extLst>
+          </a:blip>
+          <a:srcRect/>
+          <a:stretch>
+            <a:fillRect/>
+          </a:stretch>
+        </p:blipFill>
+        <p:spPr bwMode="auto">
+          <a:xfrm>
+            <a:off x="3804283" y="846150"/>
+            <a:ext cx="5020217" cy="3451200"/>
+          </a:xfrm>
+          <a:prstGeom prst="rect">
+            <a:avLst/>
+          </a:prstGeom>
+          <a:noFill/>
+          <a:extLst>
+            <a:ext uri="{909E8E84-426E-40DD-AFC4-6F175D3DCCD1}">
+              <a14:hiddenFill xmlns:a14="http://schemas.microsoft.com/office/drawing/2010/main">
+                <a:solidFill>
+                  <a:srgbClr val="FFFFFF"/>
+                </a:solidFill>
+              </a14:hiddenFill>
+            </a:ext>
+          </a:extLst>
+        </p:spPr>
+      </p:pic>
+      <p:pic>
+        <p:nvPicPr>
+          <p:cNvPr id="6" name="Graphic 5">
+            <a:extLst>
+              <a:ext uri="{FF2B5EF4-FFF2-40B4-BE49-F238E27FC236}">
+                <a16:creationId xmlns:a16="http://schemas.microsoft.com/office/drawing/2014/main" id="{44AB443E-605C-583D-1BB0-D9E798E2B7FF}"/>
+              </a:ext>
+            </a:extLst>
+          </p:cNvPr>
+          <p:cNvPicPr>
+            <a:picLocks noChangeAspect="1"/>
+          </p:cNvPicPr>
+          <p:nvPr/>
+        </p:nvPicPr>
+        <p:blipFill>
+          <a:blip r:embed="rId4">
+            <a:extLst>
+              <a:ext uri="{96DAC541-7B7A-43D3-8B79-37D633B846F1}">
+                <asvg:svgBlip xmlns:asvg="http://schemas.microsoft.com/office/drawing/2016/SVG/main" r:embed="rId5"/>
+              </a:ext>
+            </a:extLst>
+          </a:blip>
+          <a:stretch>
+            <a:fillRect/>
+          </a:stretch>
+        </p:blipFill>
+        <p:spPr>
+          <a:xfrm>
+            <a:off x="1113900" y="-46414"/>
+            <a:ext cx="1219200" cy="1219200"/>
+          </a:xfrm>
+          <a:prstGeom prst="rect">
+            <a:avLst/>
+          </a:prstGeom>
+        </p:spPr>
+      </p:pic>
+    </p:spTree>
+    <p:extLst>
+      <p:ext uri="{BB962C8B-B14F-4D97-AF65-F5344CB8AC3E}">
+        <p14:creationId xmlns:p14="http://schemas.microsoft.com/office/powerpoint/2010/main" val="276775492"/>
       </p:ext>
     </p:extLst>
   </p:cSld>

--- a/2 - Gitting Started/GittingStarted.pptx
+++ b/2 - Gitting Started/GittingStarted.pptx
@@ -34,7 +34,7 @@
       <p:boldItalic r:id="rId17"/>
     </p:embeddedFont>
     <p:embeddedFont>
-      <p:font typeface="Raleway" pitchFamily="2" charset="77"/>
+      <p:font typeface="Raleway" pitchFamily="2" charset="0"/>
       <p:regular r:id="rId18"/>
       <p:bold r:id="rId19"/>
       <p:italic r:id="rId20"/>
@@ -2753,10 +2753,10 @@
     <dgm:cxn modelId="{C9730F30-0CC6-44AB-9210-B28177E5E784}" srcId="{FF691525-3BA8-4440-8D42-2A04FF5CBDC8}" destId="{342F6C1D-DA72-44FB-8C24-0AB254B4B953}" srcOrd="0" destOrd="0" parTransId="{F3E89010-4DE4-4821-B8FA-928FC7E12050}" sibTransId="{5C65D5A6-7F0C-49F6-A1DC-7C4E7E6E8EA1}"/>
     <dgm:cxn modelId="{6F1BEC31-8B18-440B-913F-10DE1A196281}" type="presOf" srcId="{BC7EFEF1-2A2B-4AFE-9B89-BD266864E592}" destId="{84E058B7-D423-41F9-99E3-C76472626B91}" srcOrd="0" destOrd="0" presId="urn:microsoft.com/office/officeart/2005/8/layout/vList5"/>
     <dgm:cxn modelId="{EC9A1133-2F96-40CE-8E71-F92939B9EEAE}" type="presOf" srcId="{6774D6CC-D08F-41B6-8C1F-C020AB656E97}" destId="{A120AF14-FB27-49E6-BD56-F96DF1C2F478}" srcOrd="0" destOrd="0" presId="urn:microsoft.com/office/officeart/2005/8/layout/vList5"/>
+    <dgm:cxn modelId="{5035E261-2D62-4F8D-B6C0-762ECF411F1C}" type="presOf" srcId="{6698A7A3-3D51-41A2-9FFB-336CF5F184C7}" destId="{1A1533F1-B6EF-4DC4-9804-99FECDE4497E}" srcOrd="0" destOrd="0" presId="urn:microsoft.com/office/officeart/2005/8/layout/vList5"/>
     <dgm:cxn modelId="{5FE50347-7661-4684-BF8B-B54F8558F059}" srcId="{6774D6CC-D08F-41B6-8C1F-C020AB656E97}" destId="{6698A7A3-3D51-41A2-9FFB-336CF5F184C7}" srcOrd="2" destOrd="0" parTransId="{3E0BC0A8-E014-4465-AF26-73E5456A92B7}" sibTransId="{17F197BF-B87E-4B31-B30F-B9F5D979179E}"/>
     <dgm:cxn modelId="{2E7C8C49-A5B6-4420-B0C5-461235E1951D}" srcId="{01610EED-88B6-448D-BD26-8C8B7D10E964}" destId="{F38FDD3D-7F03-4077-ADF8-580BBEB61C52}" srcOrd="0" destOrd="0" parTransId="{AC2E7939-4D1F-46FC-9EEE-91E6400DD3F0}" sibTransId="{D06A0D9D-0198-4BD7-9880-C5672D7218D3}"/>
     <dgm:cxn modelId="{F391274C-1DCA-4A17-AD61-EBCE8994BB90}" type="presOf" srcId="{FF691525-3BA8-4440-8D42-2A04FF5CBDC8}" destId="{7894D1E9-801C-467A-B853-11CE2E29E21E}" srcOrd="0" destOrd="0" presId="urn:microsoft.com/office/officeart/2005/8/layout/vList5"/>
-    <dgm:cxn modelId="{5035E261-2D62-4F8D-B6C0-762ECF411F1C}" type="presOf" srcId="{6698A7A3-3D51-41A2-9FFB-336CF5F184C7}" destId="{1A1533F1-B6EF-4DC4-9804-99FECDE4497E}" srcOrd="0" destOrd="0" presId="urn:microsoft.com/office/officeart/2005/8/layout/vList5"/>
     <dgm:cxn modelId="{BC39356C-3D05-4B22-840D-A6AE856C27B2}" type="presOf" srcId="{3E913E07-91EF-4934-B184-8101BA92CA17}" destId="{E7FECA51-2E31-4BB2-BA21-598AA0635CFE}" srcOrd="0" destOrd="0" presId="urn:microsoft.com/office/officeart/2005/8/layout/vList5"/>
     <dgm:cxn modelId="{D254F971-676B-429B-80ED-1EAC8737A243}" type="presOf" srcId="{D2048CD0-C784-4B90-A0BD-73DF3C1F7D69}" destId="{7D7181C3-79D2-42C9-BE6D-B368A3308A35}" srcOrd="0" destOrd="0" presId="urn:microsoft.com/office/officeart/2005/8/layout/vList5"/>
     <dgm:cxn modelId="{27F5DB7A-AFBC-454F-BDB3-C94355CC1DE6}" srcId="{6774D6CC-D08F-41B6-8C1F-C020AB656E97}" destId="{01610EED-88B6-448D-BD26-8C8B7D10E964}" srcOrd="7" destOrd="0" parTransId="{F7558672-D1AB-425B-B1FA-456358430C0B}" sibTransId="{D50611C8-8559-4AFB-A653-AF522565E8B7}"/>
@@ -2825,7 +2825,7 @@
 <dgm:dataModel xmlns:dgm="http://schemas.openxmlformats.org/drawingml/2006/diagram" xmlns:a="http://schemas.openxmlformats.org/drawingml/2006/main">
   <dgm:ptLst>
     <dgm:pt modelId="{79C09E05-0E21-544C-84EB-6FEA59ACB7FC}" type="doc">
-      <dgm:prSet loTypeId="urn:microsoft.com/office/officeart/2009/3/layout/StepUpProcess" loCatId="" qsTypeId="urn:microsoft.com/office/officeart/2005/8/quickstyle/simple1" qsCatId="simple" csTypeId="urn:microsoft.com/office/officeart/2005/8/colors/colorful2" csCatId="colorful" phldr="1"/>
+      <dgm:prSet loTypeId="urn:microsoft.com/office/officeart/2005/8/layout/process1" loCatId="process" qsTypeId="urn:microsoft.com/office/officeart/2005/8/quickstyle/simple1" qsCatId="simple" csTypeId="urn:microsoft.com/office/officeart/2005/8/colors/colorful2" csCatId="colorful" phldr="1"/>
       <dgm:spPr/>
       <dgm:t>
         <a:bodyPr/>
@@ -2845,7 +2845,7 @@
           <a:r>
             <a:rPr lang="en-US" b="1" i="0" dirty="0">
               <a:solidFill>
-                <a:schemeClr val="bg2"/>
+                <a:schemeClr val="bg1"/>
               </a:solidFill>
               <a:hlinkClick xmlns:r="http://schemas.openxmlformats.org/officeDocument/2006/relationships" r:id="rId1">
                 <a:extLst>
@@ -2859,7 +2859,7 @@
           </a:r>
           <a:endParaRPr lang="en-US" dirty="0">
             <a:solidFill>
-              <a:schemeClr val="bg2"/>
+              <a:schemeClr val="bg1"/>
             </a:solidFill>
           </a:endParaRPr>
         </a:p>
@@ -2874,7 +2874,7 @@
         <a:p>
           <a:endParaRPr lang="en-US">
             <a:solidFill>
-              <a:schemeClr val="bg2"/>
+              <a:schemeClr val="bg1"/>
             </a:solidFill>
           </a:endParaRPr>
         </a:p>
@@ -2889,7 +2889,7 @@
         <a:p>
           <a:endParaRPr lang="en-US">
             <a:solidFill>
-              <a:schemeClr val="bg2"/>
+              <a:schemeClr val="bg1"/>
             </a:solidFill>
           </a:endParaRPr>
         </a:p>
@@ -2905,14 +2905,14 @@
           <a:r>
             <a:rPr lang="en-US" b="0" i="0" dirty="0">
               <a:solidFill>
-                <a:schemeClr val="bg2"/>
+                <a:schemeClr val="bg1"/>
               </a:solidFill>
             </a:rPr>
             <a:t>Hey, it's your first time here, so let's not take any chances. Check out this short video to understand why people use GitHub.</a:t>
           </a:r>
           <a:endParaRPr lang="en-US" dirty="0">
             <a:solidFill>
-              <a:schemeClr val="bg2"/>
+              <a:schemeClr val="bg1"/>
             </a:solidFill>
           </a:endParaRPr>
         </a:p>
@@ -2927,7 +2927,7 @@
         <a:p>
           <a:endParaRPr lang="en-US">
             <a:solidFill>
-              <a:schemeClr val="bg2"/>
+              <a:schemeClr val="bg1"/>
             </a:solidFill>
           </a:endParaRPr>
         </a:p>
@@ -2942,7 +2942,7 @@
         <a:p>
           <a:endParaRPr lang="en-US">
             <a:solidFill>
-              <a:schemeClr val="bg2"/>
+              <a:schemeClr val="bg1"/>
             </a:solidFill>
           </a:endParaRPr>
         </a:p>
@@ -2958,7 +2958,7 @@
           <a:r>
             <a:rPr lang="en-US" b="1" i="0" dirty="0">
               <a:solidFill>
-                <a:schemeClr val="bg2"/>
+                <a:schemeClr val="bg1"/>
               </a:solidFill>
               <a:hlinkClick xmlns:r="http://schemas.openxmlformats.org/officeDocument/2006/relationships" r:id="rId2">
                 <a:extLst>
@@ -2972,7 +2972,7 @@
           </a:r>
           <a:endParaRPr lang="en-US" dirty="0">
             <a:solidFill>
-              <a:schemeClr val="bg2"/>
+              <a:schemeClr val="bg1"/>
             </a:solidFill>
           </a:endParaRPr>
         </a:p>
@@ -2987,7 +2987,7 @@
         <a:p>
           <a:endParaRPr lang="en-US">
             <a:solidFill>
-              <a:schemeClr val="bg2"/>
+              <a:schemeClr val="bg1"/>
             </a:solidFill>
           </a:endParaRPr>
         </a:p>
@@ -3002,7 +3002,7 @@
         <a:p>
           <a:endParaRPr lang="en-US">
             <a:solidFill>
-              <a:schemeClr val="bg2"/>
+              <a:schemeClr val="bg1"/>
             </a:solidFill>
           </a:endParaRPr>
         </a:p>
@@ -3018,14 +3018,14 @@
           <a:r>
             <a:rPr lang="en-US" b="0" i="0" dirty="0">
               <a:solidFill>
-                <a:schemeClr val="bg2"/>
+                <a:schemeClr val="bg1"/>
               </a:solidFill>
             </a:rPr>
             <a:t>That video is pretty cool, right? If you want to learn how to use the workflow described in that video, take this course.</a:t>
           </a:r>
           <a:endParaRPr lang="en-US" dirty="0">
             <a:solidFill>
-              <a:schemeClr val="bg2"/>
+              <a:schemeClr val="bg1"/>
             </a:solidFill>
           </a:endParaRPr>
         </a:p>
@@ -3040,7 +3040,7 @@
         <a:p>
           <a:endParaRPr lang="en-US">
             <a:solidFill>
-              <a:schemeClr val="bg2"/>
+              <a:schemeClr val="bg1"/>
             </a:solidFill>
           </a:endParaRPr>
         </a:p>
@@ -3055,7 +3055,7 @@
         <a:p>
           <a:endParaRPr lang="en-US">
             <a:solidFill>
-              <a:schemeClr val="bg2"/>
+              <a:schemeClr val="bg1"/>
             </a:solidFill>
           </a:endParaRPr>
         </a:p>
@@ -3071,7 +3071,7 @@
           <a:r>
             <a:rPr lang="en-US" b="1" i="0" dirty="0">
               <a:solidFill>
-                <a:schemeClr val="bg2"/>
+                <a:schemeClr val="bg1"/>
               </a:solidFill>
               <a:hlinkClick xmlns:r="http://schemas.openxmlformats.org/officeDocument/2006/relationships" r:id="rId3">
                 <a:extLst>
@@ -3085,7 +3085,7 @@
           </a:r>
           <a:endParaRPr lang="en-US" dirty="0">
             <a:solidFill>
-              <a:schemeClr val="bg2"/>
+              <a:schemeClr val="bg1"/>
             </a:solidFill>
           </a:endParaRPr>
         </a:p>
@@ -3100,7 +3100,7 @@
         <a:p>
           <a:endParaRPr lang="en-US">
             <a:solidFill>
-              <a:schemeClr val="bg2"/>
+              <a:schemeClr val="bg1"/>
             </a:solidFill>
           </a:endParaRPr>
         </a:p>
@@ -3115,7 +3115,7 @@
         <a:p>
           <a:endParaRPr lang="en-US">
             <a:solidFill>
-              <a:schemeClr val="bg2"/>
+              <a:schemeClr val="bg1"/>
             </a:solidFill>
           </a:endParaRPr>
         </a:p>
@@ -3131,14 +3131,14 @@
           <a:r>
             <a:rPr lang="en-US" b="0" i="0" dirty="0">
               <a:solidFill>
-                <a:schemeClr val="bg2"/>
+                <a:schemeClr val="bg1"/>
               </a:solidFill>
             </a:rPr>
             <a:t>By now you are probably wondering what a Git is and why it is important in writing code. We have you covered with this short article on version control with Git.</a:t>
           </a:r>
           <a:endParaRPr lang="en-US" dirty="0">
             <a:solidFill>
-              <a:schemeClr val="bg2"/>
+              <a:schemeClr val="bg1"/>
             </a:solidFill>
           </a:endParaRPr>
         </a:p>
@@ -3153,7 +3153,7 @@
         <a:p>
           <a:endParaRPr lang="en-US">
             <a:solidFill>
-              <a:schemeClr val="bg2"/>
+              <a:schemeClr val="bg1"/>
             </a:solidFill>
           </a:endParaRPr>
         </a:p>
@@ -3168,7 +3168,7 @@
         <a:p>
           <a:endParaRPr lang="en-US">
             <a:solidFill>
-              <a:schemeClr val="bg2"/>
+              <a:schemeClr val="bg1"/>
             </a:solidFill>
           </a:endParaRPr>
         </a:p>
@@ -3184,7 +3184,7 @@
           <a:r>
             <a:rPr lang="en-US" b="1" i="0" dirty="0">
               <a:solidFill>
-                <a:schemeClr val="bg2"/>
+                <a:schemeClr val="bg1"/>
               </a:solidFill>
               <a:hlinkClick xmlns:r="http://schemas.openxmlformats.org/officeDocument/2006/relationships" r:id="rId4">
                 <a:extLst>
@@ -3198,7 +3198,7 @@
           </a:r>
           <a:endParaRPr lang="en-US" dirty="0">
             <a:solidFill>
-              <a:schemeClr val="bg2"/>
+              <a:schemeClr val="bg1"/>
             </a:solidFill>
           </a:endParaRPr>
         </a:p>
@@ -3213,7 +3213,7 @@
         <a:p>
           <a:endParaRPr lang="en-US">
             <a:solidFill>
-              <a:schemeClr val="bg2"/>
+              <a:schemeClr val="bg1"/>
             </a:solidFill>
           </a:endParaRPr>
         </a:p>
@@ -3228,7 +3228,7 @@
         <a:p>
           <a:endParaRPr lang="en-US">
             <a:solidFill>
-              <a:schemeClr val="bg2"/>
+              <a:schemeClr val="bg1"/>
             </a:solidFill>
           </a:endParaRPr>
         </a:p>
@@ -3244,7 +3244,7 @@
           <a:r>
             <a:rPr lang="en-US" b="1" i="0" dirty="0">
               <a:solidFill>
-                <a:schemeClr val="bg2"/>
+                <a:schemeClr val="bg1"/>
               </a:solidFill>
               <a:hlinkClick xmlns:r="http://schemas.openxmlformats.org/officeDocument/2006/relationships" r:id="rId5">
                 <a:extLst>
@@ -3258,7 +3258,7 @@
           </a:r>
           <a:endParaRPr lang="en-US" dirty="0">
             <a:solidFill>
-              <a:schemeClr val="bg2"/>
+              <a:schemeClr val="bg1"/>
             </a:solidFill>
           </a:endParaRPr>
         </a:p>
@@ -3273,7 +3273,7 @@
         <a:p>
           <a:endParaRPr lang="en-US">
             <a:solidFill>
-              <a:schemeClr val="bg2"/>
+              <a:schemeClr val="bg1"/>
             </a:solidFill>
           </a:endParaRPr>
         </a:p>
@@ -3288,7 +3288,7 @@
         <a:p>
           <a:endParaRPr lang="en-US">
             <a:solidFill>
-              <a:schemeClr val="bg2"/>
+              <a:schemeClr val="bg1"/>
             </a:solidFill>
           </a:endParaRPr>
         </a:p>
@@ -3304,14 +3304,14 @@
           <a:r>
             <a:rPr lang="en-US" b="0" i="0" dirty="0">
               <a:solidFill>
-                <a:schemeClr val="bg2"/>
+                <a:schemeClr val="bg1"/>
               </a:solidFill>
             </a:rPr>
             <a:t>GitHub is all about collaboration and we collaborate in issues in pull requests. Learn how to get your point across with the worlds easiest text formatting syntax.</a:t>
           </a:r>
           <a:endParaRPr lang="en-US" dirty="0">
             <a:solidFill>
-              <a:schemeClr val="bg2"/>
+              <a:schemeClr val="bg1"/>
             </a:solidFill>
           </a:endParaRPr>
         </a:p>
@@ -3326,7 +3326,7 @@
         <a:p>
           <a:endParaRPr lang="en-US">
             <a:solidFill>
-              <a:schemeClr val="bg2"/>
+              <a:schemeClr val="bg1"/>
             </a:solidFill>
           </a:endParaRPr>
         </a:p>
@@ -3341,7 +3341,7 @@
         <a:p>
           <a:endParaRPr lang="en-US">
             <a:solidFill>
-              <a:schemeClr val="bg2"/>
+              <a:schemeClr val="bg1"/>
             </a:solidFill>
           </a:endParaRPr>
         </a:p>
@@ -3357,14 +3357,14 @@
           <a:r>
             <a:rPr lang="en-US" b="0" i="0" dirty="0">
               <a:solidFill>
-                <a:schemeClr val="bg2"/>
+                <a:schemeClr val="bg1"/>
               </a:solidFill>
             </a:rPr>
             <a:t>Now that you know what GitHub does, I bet you're ready to move all of those projects off your local machine. This course will show you how.</a:t>
           </a:r>
           <a:endParaRPr lang="en-US" dirty="0">
             <a:solidFill>
-              <a:schemeClr val="bg2"/>
+              <a:schemeClr val="bg1"/>
             </a:solidFill>
           </a:endParaRPr>
         </a:p>
@@ -3379,7 +3379,7 @@
         <a:p>
           <a:endParaRPr lang="en-US">
             <a:solidFill>
-              <a:schemeClr val="bg2"/>
+              <a:schemeClr val="bg1"/>
             </a:solidFill>
           </a:endParaRPr>
         </a:p>
@@ -3394,156 +3394,88 @@
         <a:p>
           <a:endParaRPr lang="en-US">
             <a:solidFill>
-              <a:schemeClr val="bg2"/>
+              <a:schemeClr val="bg1"/>
             </a:solidFill>
           </a:endParaRPr>
         </a:p>
       </dgm:t>
     </dgm:pt>
-    <dgm:pt modelId="{B9CFA725-922F-154B-942D-C3C2EC9EA669}" type="pres">
-      <dgm:prSet presAssocID="{79C09E05-0E21-544C-84EB-6FEA59ACB7FC}" presName="rootnode" presStyleCnt="0">
+    <dgm:pt modelId="{78B249BD-9AE3-4E1B-9EF2-9CF055759B92}" type="pres">
+      <dgm:prSet presAssocID="{79C09E05-0E21-544C-84EB-6FEA59ACB7FC}" presName="Name0" presStyleCnt="0">
         <dgm:presLayoutVars>
-          <dgm:chMax/>
-          <dgm:chPref/>
           <dgm:dir/>
-          <dgm:animLvl val="lvl"/>
+          <dgm:resizeHandles val="exact"/>
         </dgm:presLayoutVars>
       </dgm:prSet>
       <dgm:spPr/>
     </dgm:pt>
-    <dgm:pt modelId="{7FE6FF6E-27B3-0341-9A3C-58BD82835870}" type="pres">
-      <dgm:prSet presAssocID="{A0E1F74A-6668-3B4F-8A5D-C1861ABCA842}" presName="composite" presStyleCnt="0"/>
-      <dgm:spPr/>
-    </dgm:pt>
-    <dgm:pt modelId="{AE593A00-9863-D845-8E14-4A8E8F25673A}" type="pres">
-      <dgm:prSet presAssocID="{A0E1F74A-6668-3B4F-8A5D-C1861ABCA842}" presName="LShape" presStyleLbl="alignNode1" presStyleIdx="0" presStyleCnt="9"/>
-      <dgm:spPr/>
-    </dgm:pt>
-    <dgm:pt modelId="{F495E8FC-70CC-8E46-B195-24F97D8758C6}" type="pres">
-      <dgm:prSet presAssocID="{A0E1F74A-6668-3B4F-8A5D-C1861ABCA842}" presName="ParentText" presStyleLbl="revTx" presStyleIdx="0" presStyleCnt="5">
+    <dgm:pt modelId="{2F30134D-1CFA-431E-913A-634B865A89C4}" type="pres">
+      <dgm:prSet presAssocID="{A0E1F74A-6668-3B4F-8A5D-C1861ABCA842}" presName="node" presStyleLbl="node1" presStyleIdx="0" presStyleCnt="5">
         <dgm:presLayoutVars>
-          <dgm:chMax val="0"/>
-          <dgm:chPref val="0"/>
           <dgm:bulletEnabled val="1"/>
         </dgm:presLayoutVars>
       </dgm:prSet>
       <dgm:spPr/>
     </dgm:pt>
-    <dgm:pt modelId="{D59135BF-54FF-D840-A127-7A17213CB97F}" type="pres">
-      <dgm:prSet presAssocID="{A0E1F74A-6668-3B4F-8A5D-C1861ABCA842}" presName="Triangle" presStyleLbl="alignNode1" presStyleIdx="1" presStyleCnt="9"/>
+    <dgm:pt modelId="{22FA8192-1AC9-4121-B50C-139C46908D78}" type="pres">
+      <dgm:prSet presAssocID="{39D89BA2-2589-9A4A-A7CC-34AA5C18FFD4}" presName="sibTrans" presStyleLbl="sibTrans2D1" presStyleIdx="0" presStyleCnt="4"/>
       <dgm:spPr/>
     </dgm:pt>
-    <dgm:pt modelId="{8387E364-38E6-104E-8324-B340FA036BAE}" type="pres">
-      <dgm:prSet presAssocID="{39D89BA2-2589-9A4A-A7CC-34AA5C18FFD4}" presName="sibTrans" presStyleCnt="0"/>
+    <dgm:pt modelId="{7BD1C909-4BCF-4D56-9FD1-ECA24CC14B94}" type="pres">
+      <dgm:prSet presAssocID="{39D89BA2-2589-9A4A-A7CC-34AA5C18FFD4}" presName="connectorText" presStyleLbl="sibTrans2D1" presStyleIdx="0" presStyleCnt="4"/>
       <dgm:spPr/>
     </dgm:pt>
-    <dgm:pt modelId="{27A4459B-122D-1F41-B0E9-81CB6366F8D1}" type="pres">
-      <dgm:prSet presAssocID="{39D89BA2-2589-9A4A-A7CC-34AA5C18FFD4}" presName="space" presStyleCnt="0"/>
-      <dgm:spPr/>
-    </dgm:pt>
-    <dgm:pt modelId="{F273808A-7CC3-A348-84C5-0E1CFD6E225E}" type="pres">
-      <dgm:prSet presAssocID="{6CA8D880-DB2F-BA4D-B070-2C960E2267ED}" presName="composite" presStyleCnt="0"/>
-      <dgm:spPr/>
-    </dgm:pt>
-    <dgm:pt modelId="{64C8D96F-8A51-DF4B-9816-B1A3270AF3CF}" type="pres">
-      <dgm:prSet presAssocID="{6CA8D880-DB2F-BA4D-B070-2C960E2267ED}" presName="LShape" presStyleLbl="alignNode1" presStyleIdx="2" presStyleCnt="9"/>
-      <dgm:spPr/>
-    </dgm:pt>
-    <dgm:pt modelId="{36A1AF03-4FAB-264D-8333-8BDD489C7585}" type="pres">
-      <dgm:prSet presAssocID="{6CA8D880-DB2F-BA4D-B070-2C960E2267ED}" presName="ParentText" presStyleLbl="revTx" presStyleIdx="1" presStyleCnt="5">
+    <dgm:pt modelId="{CBC3B99A-828D-4F15-A737-F7B7A5A98E74}" type="pres">
+      <dgm:prSet presAssocID="{6CA8D880-DB2F-BA4D-B070-2C960E2267ED}" presName="node" presStyleLbl="node1" presStyleIdx="1" presStyleCnt="5">
         <dgm:presLayoutVars>
-          <dgm:chMax val="0"/>
-          <dgm:chPref val="0"/>
           <dgm:bulletEnabled val="1"/>
         </dgm:presLayoutVars>
       </dgm:prSet>
       <dgm:spPr/>
     </dgm:pt>
-    <dgm:pt modelId="{4CD20873-2BEE-7F4C-B71E-1B93D6724220}" type="pres">
-      <dgm:prSet presAssocID="{6CA8D880-DB2F-BA4D-B070-2C960E2267ED}" presName="Triangle" presStyleLbl="alignNode1" presStyleIdx="3" presStyleCnt="9"/>
+    <dgm:pt modelId="{49E01A24-6D2F-45A9-8B54-22B3429D8F40}" type="pres">
+      <dgm:prSet presAssocID="{68C645CA-0791-9B4B-A25A-0BFB3015FE61}" presName="sibTrans" presStyleLbl="sibTrans2D1" presStyleIdx="1" presStyleCnt="4"/>
       <dgm:spPr/>
     </dgm:pt>
-    <dgm:pt modelId="{DB93F7A7-F31A-6C44-8FD5-D9C92007DA4C}" type="pres">
-      <dgm:prSet presAssocID="{68C645CA-0791-9B4B-A25A-0BFB3015FE61}" presName="sibTrans" presStyleCnt="0"/>
+    <dgm:pt modelId="{EFAE15CE-6191-4853-8A89-994E0FC9D8C2}" type="pres">
+      <dgm:prSet presAssocID="{68C645CA-0791-9B4B-A25A-0BFB3015FE61}" presName="connectorText" presStyleLbl="sibTrans2D1" presStyleIdx="1" presStyleCnt="4"/>
       <dgm:spPr/>
     </dgm:pt>
-    <dgm:pt modelId="{10AE44F9-EC3F-5844-81DF-0C86AA4BF46A}" type="pres">
-      <dgm:prSet presAssocID="{68C645CA-0791-9B4B-A25A-0BFB3015FE61}" presName="space" presStyleCnt="0"/>
-      <dgm:spPr/>
-    </dgm:pt>
-    <dgm:pt modelId="{E6B06850-4458-9844-BA01-9CE524AB2BAC}" type="pres">
-      <dgm:prSet presAssocID="{ACAD5A3E-AC7E-DB4B-9617-0F3F3CD87009}" presName="composite" presStyleCnt="0"/>
-      <dgm:spPr/>
-    </dgm:pt>
-    <dgm:pt modelId="{BE759972-BA44-AC4D-9CF3-9887388F6D2A}" type="pres">
-      <dgm:prSet presAssocID="{ACAD5A3E-AC7E-DB4B-9617-0F3F3CD87009}" presName="LShape" presStyleLbl="alignNode1" presStyleIdx="4" presStyleCnt="9"/>
-      <dgm:spPr/>
-    </dgm:pt>
-    <dgm:pt modelId="{ACC645DF-7DDC-CC43-ACA3-C9ED9DFB3DE9}" type="pres">
-      <dgm:prSet presAssocID="{ACAD5A3E-AC7E-DB4B-9617-0F3F3CD87009}" presName="ParentText" presStyleLbl="revTx" presStyleIdx="2" presStyleCnt="5">
+    <dgm:pt modelId="{885C206C-34C7-422D-AB81-EFA6E04C4F5F}" type="pres">
+      <dgm:prSet presAssocID="{ACAD5A3E-AC7E-DB4B-9617-0F3F3CD87009}" presName="node" presStyleLbl="node1" presStyleIdx="2" presStyleCnt="5">
         <dgm:presLayoutVars>
-          <dgm:chMax val="0"/>
-          <dgm:chPref val="0"/>
           <dgm:bulletEnabled val="1"/>
         </dgm:presLayoutVars>
       </dgm:prSet>
       <dgm:spPr/>
     </dgm:pt>
-    <dgm:pt modelId="{9FE8374F-D9A2-F344-8DE6-ED4EF4C8C9D5}" type="pres">
-      <dgm:prSet presAssocID="{ACAD5A3E-AC7E-DB4B-9617-0F3F3CD87009}" presName="Triangle" presStyleLbl="alignNode1" presStyleIdx="5" presStyleCnt="9"/>
+    <dgm:pt modelId="{F694CFE9-EF02-47EE-ADE0-319FADF70E56}" type="pres">
+      <dgm:prSet presAssocID="{B499DA69-0D24-2C42-A69D-86E427536E23}" presName="sibTrans" presStyleLbl="sibTrans2D1" presStyleIdx="2" presStyleCnt="4"/>
       <dgm:spPr/>
     </dgm:pt>
-    <dgm:pt modelId="{2F494793-2C2D-2C48-B71A-82A37BFA8869}" type="pres">
-      <dgm:prSet presAssocID="{B499DA69-0D24-2C42-A69D-86E427536E23}" presName="sibTrans" presStyleCnt="0"/>
+    <dgm:pt modelId="{BE6D2D74-57A6-4EB3-A78D-80796018C5A6}" type="pres">
+      <dgm:prSet presAssocID="{B499DA69-0D24-2C42-A69D-86E427536E23}" presName="connectorText" presStyleLbl="sibTrans2D1" presStyleIdx="2" presStyleCnt="4"/>
       <dgm:spPr/>
     </dgm:pt>
-    <dgm:pt modelId="{389051DE-94CD-A340-A7FB-38489A8A8BDD}" type="pres">
-      <dgm:prSet presAssocID="{B499DA69-0D24-2C42-A69D-86E427536E23}" presName="space" presStyleCnt="0"/>
-      <dgm:spPr/>
-    </dgm:pt>
-    <dgm:pt modelId="{9095CE74-9678-9E49-A6D8-002834653848}" type="pres">
-      <dgm:prSet presAssocID="{CE578F1E-F804-EB47-B4BF-E12F8560CA94}" presName="composite" presStyleCnt="0"/>
-      <dgm:spPr/>
-    </dgm:pt>
-    <dgm:pt modelId="{19E29F38-2029-6C4B-B3A0-7FED39B18E63}" type="pres">
-      <dgm:prSet presAssocID="{CE578F1E-F804-EB47-B4BF-E12F8560CA94}" presName="LShape" presStyleLbl="alignNode1" presStyleIdx="6" presStyleCnt="9"/>
-      <dgm:spPr/>
-    </dgm:pt>
-    <dgm:pt modelId="{8E24C747-9ECF-C54F-9BA4-B9EC1C73F63F}" type="pres">
-      <dgm:prSet presAssocID="{CE578F1E-F804-EB47-B4BF-E12F8560CA94}" presName="ParentText" presStyleLbl="revTx" presStyleIdx="3" presStyleCnt="5">
+    <dgm:pt modelId="{16D13A45-4008-47F9-B6BB-230C9221DE28}" type="pres">
+      <dgm:prSet presAssocID="{CE578F1E-F804-EB47-B4BF-E12F8560CA94}" presName="node" presStyleLbl="node1" presStyleIdx="3" presStyleCnt="5">
         <dgm:presLayoutVars>
-          <dgm:chMax val="0"/>
-          <dgm:chPref val="0"/>
           <dgm:bulletEnabled val="1"/>
         </dgm:presLayoutVars>
       </dgm:prSet>
       <dgm:spPr/>
     </dgm:pt>
-    <dgm:pt modelId="{00C23FED-AB4F-2D48-8653-F8699985A14A}" type="pres">
-      <dgm:prSet presAssocID="{CE578F1E-F804-EB47-B4BF-E12F8560CA94}" presName="Triangle" presStyleLbl="alignNode1" presStyleIdx="7" presStyleCnt="9"/>
+    <dgm:pt modelId="{EFDF1370-804B-4D9D-932C-834F9E7EA4E1}" type="pres">
+      <dgm:prSet presAssocID="{1A90DAD0-F65B-8541-AE80-91253B518D5F}" presName="sibTrans" presStyleLbl="sibTrans2D1" presStyleIdx="3" presStyleCnt="4"/>
       <dgm:spPr/>
     </dgm:pt>
-    <dgm:pt modelId="{4257A00D-1CB4-7246-BC65-5EC1E407E8BA}" type="pres">
-      <dgm:prSet presAssocID="{1A90DAD0-F65B-8541-AE80-91253B518D5F}" presName="sibTrans" presStyleCnt="0"/>
+    <dgm:pt modelId="{8C16C4A0-4AB6-4EEC-BB6C-57B2739FE2A4}" type="pres">
+      <dgm:prSet presAssocID="{1A90DAD0-F65B-8541-AE80-91253B518D5F}" presName="connectorText" presStyleLbl="sibTrans2D1" presStyleIdx="3" presStyleCnt="4"/>
       <dgm:spPr/>
     </dgm:pt>
-    <dgm:pt modelId="{EB26F24E-50CC-184D-8B18-7549D76B4173}" type="pres">
-      <dgm:prSet presAssocID="{1A90DAD0-F65B-8541-AE80-91253B518D5F}" presName="space" presStyleCnt="0"/>
-      <dgm:spPr/>
-    </dgm:pt>
-    <dgm:pt modelId="{1240480D-B9B3-C740-A1C9-B0A7D602BDBD}" type="pres">
-      <dgm:prSet presAssocID="{3FE1F584-69B6-0A4B-B86C-BE3EA492F679}" presName="composite" presStyleCnt="0"/>
-      <dgm:spPr/>
-    </dgm:pt>
-    <dgm:pt modelId="{BE652F3C-E77B-8F42-B0E7-0DDA40DE354C}" type="pres">
-      <dgm:prSet presAssocID="{3FE1F584-69B6-0A4B-B86C-BE3EA492F679}" presName="LShape" presStyleLbl="alignNode1" presStyleIdx="8" presStyleCnt="9"/>
-      <dgm:spPr/>
-    </dgm:pt>
-    <dgm:pt modelId="{91BA60E9-D855-9D49-BA87-B52E4F4D1DB0}" type="pres">
-      <dgm:prSet presAssocID="{3FE1F584-69B6-0A4B-B86C-BE3EA492F679}" presName="ParentText" presStyleLbl="revTx" presStyleIdx="4" presStyleCnt="5">
+    <dgm:pt modelId="{9E0BF2B3-892A-462A-8D91-B2A32155D267}" type="pres">
+      <dgm:prSet presAssocID="{3FE1F584-69B6-0A4B-B86C-BE3EA492F679}" presName="node" presStyleLbl="node1" presStyleIdx="4" presStyleCnt="5">
         <dgm:presLayoutVars>
-          <dgm:chMax val="0"/>
-          <dgm:chPref val="0"/>
           <dgm:bulletEnabled val="1"/>
         </dgm:presLayoutVars>
       </dgm:prSet>
@@ -3553,58 +3485,52 @@
   <dgm:cxnLst>
     <dgm:cxn modelId="{C56F2B00-F3CC-DD43-9988-54DE11128F4A}" srcId="{79C09E05-0E21-544C-84EB-6FEA59ACB7FC}" destId="{6CA8D880-DB2F-BA4D-B070-2C960E2267ED}" srcOrd="1" destOrd="0" parTransId="{CF85FE1B-B9F7-824F-AC0C-4A9484C0C65F}" sibTransId="{68C645CA-0791-9B4B-A25A-0BFB3015FE61}"/>
     <dgm:cxn modelId="{AD39F601-5EF2-EF45-9B51-4B26D0FBD869}" srcId="{CE578F1E-F804-EB47-B4BF-E12F8560CA94}" destId="{50A95A80-7D4A-3F45-B864-88DA88B89A92}" srcOrd="0" destOrd="0" parTransId="{83D57DAB-801E-9245-A528-99799AE5DED0}" sibTransId="{A59A275E-A5F8-AF42-B738-795833CC5D86}"/>
-    <dgm:cxn modelId="{FD705C05-B4EE-C843-9859-436079B3CE06}" type="presOf" srcId="{6CA8D880-DB2F-BA4D-B070-2C960E2267ED}" destId="{36A1AF03-4FAB-264D-8333-8BDD489C7585}" srcOrd="0" destOrd="0" presId="urn:microsoft.com/office/officeart/2009/3/layout/StepUpProcess"/>
+    <dgm:cxn modelId="{F8622905-F4F8-4443-A301-A20372763AB3}" type="presOf" srcId="{50A95A80-7D4A-3F45-B864-88DA88B89A92}" destId="{16D13A45-4008-47F9-B6BB-230C9221DE28}" srcOrd="0" destOrd="1" presId="urn:microsoft.com/office/officeart/2005/8/layout/process1"/>
     <dgm:cxn modelId="{DCD3FF2E-8DAF-7843-BB88-94208546899D}" srcId="{6CA8D880-DB2F-BA4D-B070-2C960E2267ED}" destId="{A6164380-DD13-A04D-989B-ED0C1D98869B}" srcOrd="0" destOrd="0" parTransId="{BAB88857-ABFC-DF4C-B6D1-FD463BB999B9}" sibTransId="{6FB8F6C7-8330-A84F-87F9-B2D53A104293}"/>
     <dgm:cxn modelId="{EACBF831-9D9B-D540-B327-FF9F99AB9435}" srcId="{79C09E05-0E21-544C-84EB-6FEA59ACB7FC}" destId="{ACAD5A3E-AC7E-DB4B-9617-0F3F3CD87009}" srcOrd="2" destOrd="0" parTransId="{91667E41-31FD-B344-8940-5BDD44B330E3}" sibTransId="{B499DA69-0D24-2C42-A69D-86E427536E23}"/>
+    <dgm:cxn modelId="{85FE6537-5418-412E-A213-6745839ABF20}" type="presOf" srcId="{39D89BA2-2589-9A4A-A7CC-34AA5C18FFD4}" destId="{22FA8192-1AC9-4121-B50C-139C46908D78}" srcOrd="0" destOrd="0" presId="urn:microsoft.com/office/officeart/2005/8/layout/process1"/>
     <dgm:cxn modelId="{24948838-A2DC-734A-8313-E247682E22C1}" srcId="{3FE1F584-69B6-0A4B-B86C-BE3EA492F679}" destId="{3A8C5C0C-422B-C647-8CC9-ADA926633962}" srcOrd="0" destOrd="0" parTransId="{43B66224-EBB5-1D4D-B0A2-A49AFE1B1F3D}" sibTransId="{E625DF66-343B-7444-822A-102EA2399089}"/>
     <dgm:cxn modelId="{91FD6E39-AB46-7A40-B2D5-1194E7EFB97C}" srcId="{79C09E05-0E21-544C-84EB-6FEA59ACB7FC}" destId="{A0E1F74A-6668-3B4F-8A5D-C1861ABCA842}" srcOrd="0" destOrd="0" parTransId="{F5F8D579-73EF-E448-B956-42AE444FD539}" sibTransId="{39D89BA2-2589-9A4A-A7CC-34AA5C18FFD4}"/>
+    <dgm:cxn modelId="{3D3EEA3C-3D23-4DD6-8627-F128F04EFD86}" type="presOf" srcId="{CE578F1E-F804-EB47-B4BF-E12F8560CA94}" destId="{16D13A45-4008-47F9-B6BB-230C9221DE28}" srcOrd="0" destOrd="0" presId="urn:microsoft.com/office/officeart/2005/8/layout/process1"/>
+    <dgm:cxn modelId="{D394EB3F-5AC5-4689-B2E1-F98A3DFAB789}" type="presOf" srcId="{ACAD5A3E-AC7E-DB4B-9617-0F3F3CD87009}" destId="{885C206C-34C7-422D-AB81-EFA6E04C4F5F}" srcOrd="0" destOrd="0" presId="urn:microsoft.com/office/officeart/2005/8/layout/process1"/>
+    <dgm:cxn modelId="{9DB4CE5F-F471-A146-8593-E968839D8C69}" srcId="{A0E1F74A-6668-3B4F-8A5D-C1861ABCA842}" destId="{4FC43B00-13D7-F04F-B34C-059689C8D4C4}" srcOrd="0" destOrd="0" parTransId="{7538C1F3-4458-5E4A-BD63-9681C324E845}" sibTransId="{20BDC820-E249-2F4B-946C-09B5214B5333}"/>
+    <dgm:cxn modelId="{EEEB5E62-8E48-4628-B9F6-7E54358D9C9A}" type="presOf" srcId="{1A90DAD0-F65B-8541-AE80-91253B518D5F}" destId="{8C16C4A0-4AB6-4EEC-BB6C-57B2739FE2A4}" srcOrd="1" destOrd="0" presId="urn:microsoft.com/office/officeart/2005/8/layout/process1"/>
+    <dgm:cxn modelId="{A70A8265-1A08-49BA-B04E-9C921F60B140}" type="presOf" srcId="{4FC43B00-13D7-F04F-B34C-059689C8D4C4}" destId="{2F30134D-1CFA-431E-913A-634B865A89C4}" srcOrd="0" destOrd="1" presId="urn:microsoft.com/office/officeart/2005/8/layout/process1"/>
     <dgm:cxn modelId="{938A2647-F5E6-904E-8923-D06F906C8F00}" srcId="{79C09E05-0E21-544C-84EB-6FEA59ACB7FC}" destId="{3FE1F584-69B6-0A4B-B86C-BE3EA492F679}" srcOrd="4" destOrd="0" parTransId="{CAEBF328-67C1-E544-B678-DC46FE7F40DB}" sibTransId="{F7665A07-C5C9-934B-A1F6-FB6F09F2A3E5}"/>
-    <dgm:cxn modelId="{9DB4CE5F-F471-A146-8593-E968839D8C69}" srcId="{A0E1F74A-6668-3B4F-8A5D-C1861ABCA842}" destId="{4FC43B00-13D7-F04F-B34C-059689C8D4C4}" srcOrd="0" destOrd="0" parTransId="{7538C1F3-4458-5E4A-BD63-9681C324E845}" sibTransId="{20BDC820-E249-2F4B-946C-09B5214B5333}"/>
-    <dgm:cxn modelId="{B5F9976E-D815-7645-B6B9-84015BA8A733}" type="presOf" srcId="{79C09E05-0E21-544C-84EB-6FEA59ACB7FC}" destId="{B9CFA725-922F-154B-942D-C3C2EC9EA669}" srcOrd="0" destOrd="0" presId="urn:microsoft.com/office/officeart/2009/3/layout/StepUpProcess"/>
-    <dgm:cxn modelId="{8783F76F-FC39-1349-86FF-20894746EFCF}" type="presOf" srcId="{4FC43B00-13D7-F04F-B34C-059689C8D4C4}" destId="{F495E8FC-70CC-8E46-B195-24F97D8758C6}" srcOrd="0" destOrd="1" presId="urn:microsoft.com/office/officeart/2009/3/layout/StepUpProcess"/>
+    <dgm:cxn modelId="{03F97467-C114-4EE8-BAA2-BABBB093F36A}" type="presOf" srcId="{A2E0878F-6C6B-5B45-BEEB-1000AC22F905}" destId="{885C206C-34C7-422D-AB81-EFA6E04C4F5F}" srcOrd="0" destOrd="1" presId="urn:microsoft.com/office/officeart/2005/8/layout/process1"/>
+    <dgm:cxn modelId="{786EEF47-9675-4E9B-A3BD-65ED340A394A}" type="presOf" srcId="{6CA8D880-DB2F-BA4D-B070-2C960E2267ED}" destId="{CBC3B99A-828D-4F15-A737-F7B7A5A98E74}" srcOrd="0" destOrd="0" presId="urn:microsoft.com/office/officeart/2005/8/layout/process1"/>
+    <dgm:cxn modelId="{99897B6B-AB58-49D1-BC99-42BF023E09B3}" type="presOf" srcId="{B499DA69-0D24-2C42-A69D-86E427536E23}" destId="{BE6D2D74-57A6-4EB3-A78D-80796018C5A6}" srcOrd="1" destOrd="0" presId="urn:microsoft.com/office/officeart/2005/8/layout/process1"/>
+    <dgm:cxn modelId="{2693EC4C-FB64-4C9F-B64C-B77B24521D9D}" type="presOf" srcId="{3A8C5C0C-422B-C647-8CC9-ADA926633962}" destId="{9E0BF2B3-892A-462A-8D91-B2A32155D267}" srcOrd="0" destOrd="1" presId="urn:microsoft.com/office/officeart/2005/8/layout/process1"/>
     <dgm:cxn modelId="{B8414271-98E5-0C47-8DC1-A209661197A2}" srcId="{79C09E05-0E21-544C-84EB-6FEA59ACB7FC}" destId="{CE578F1E-F804-EB47-B4BF-E12F8560CA94}" srcOrd="3" destOrd="0" parTransId="{B10512AC-825B-B14C-AAAC-7C022050CE2B}" sibTransId="{1A90DAD0-F65B-8541-AE80-91253B518D5F}"/>
-    <dgm:cxn modelId="{FC0E7F71-D641-9246-8123-190E5A5A3324}" type="presOf" srcId="{3FE1F584-69B6-0A4B-B86C-BE3EA492F679}" destId="{91BA60E9-D855-9D49-BA87-B52E4F4D1DB0}" srcOrd="0" destOrd="0" presId="urn:microsoft.com/office/officeart/2009/3/layout/StepUpProcess"/>
-    <dgm:cxn modelId="{CC35E676-2673-664A-AAB5-682939F88680}" type="presOf" srcId="{A2E0878F-6C6B-5B45-BEEB-1000AC22F905}" destId="{ACC645DF-7DDC-CC43-ACA3-C9ED9DFB3DE9}" srcOrd="0" destOrd="1" presId="urn:microsoft.com/office/officeart/2009/3/layout/StepUpProcess"/>
-    <dgm:cxn modelId="{D9E1E48D-B734-5E41-BDAE-E6568BDA8C1D}" type="presOf" srcId="{CE578F1E-F804-EB47-B4BF-E12F8560CA94}" destId="{8E24C747-9ECF-C54F-9BA4-B9EC1C73F63F}" srcOrd="0" destOrd="0" presId="urn:microsoft.com/office/officeart/2009/3/layout/StepUpProcess"/>
-    <dgm:cxn modelId="{90D89493-1AA1-5743-B01E-6B7494C56E08}" type="presOf" srcId="{ACAD5A3E-AC7E-DB4B-9617-0F3F3CD87009}" destId="{ACC645DF-7DDC-CC43-ACA3-C9ED9DFB3DE9}" srcOrd="0" destOrd="0" presId="urn:microsoft.com/office/officeart/2009/3/layout/StepUpProcess"/>
-    <dgm:cxn modelId="{81E66194-2525-6541-8648-0F194497B513}" type="presOf" srcId="{A6164380-DD13-A04D-989B-ED0C1D98869B}" destId="{36A1AF03-4FAB-264D-8333-8BDD489C7585}" srcOrd="0" destOrd="1" presId="urn:microsoft.com/office/officeart/2009/3/layout/StepUpProcess"/>
+    <dgm:cxn modelId="{4F0B1356-AD81-491B-8BF8-056FFC2664C8}" type="presOf" srcId="{39D89BA2-2589-9A4A-A7CC-34AA5C18FFD4}" destId="{7BD1C909-4BCF-4D56-9FD1-ECA24CC14B94}" srcOrd="1" destOrd="0" presId="urn:microsoft.com/office/officeart/2005/8/layout/process1"/>
+    <dgm:cxn modelId="{600F2777-6DA6-4383-BF28-7D9C3BDCCD0D}" type="presOf" srcId="{B499DA69-0D24-2C42-A69D-86E427536E23}" destId="{F694CFE9-EF02-47EE-ADE0-319FADF70E56}" srcOrd="0" destOrd="0" presId="urn:microsoft.com/office/officeart/2005/8/layout/process1"/>
+    <dgm:cxn modelId="{B2116379-B705-4376-BA7C-22F5F156DD33}" type="presOf" srcId="{1A90DAD0-F65B-8541-AE80-91253B518D5F}" destId="{EFDF1370-804B-4D9D-932C-834F9E7EA4E1}" srcOrd="0" destOrd="0" presId="urn:microsoft.com/office/officeart/2005/8/layout/process1"/>
+    <dgm:cxn modelId="{C8752081-9566-4BDF-ABB0-D26C22C2CF53}" type="presOf" srcId="{68C645CA-0791-9B4B-A25A-0BFB3015FE61}" destId="{49E01A24-6D2F-45A9-8B54-22B3429D8F40}" srcOrd="0" destOrd="0" presId="urn:microsoft.com/office/officeart/2005/8/layout/process1"/>
+    <dgm:cxn modelId="{9A7AB682-B8B7-4CB5-96B6-07BE80F18124}" type="presOf" srcId="{3FE1F584-69B6-0A4B-B86C-BE3EA492F679}" destId="{9E0BF2B3-892A-462A-8D91-B2A32155D267}" srcOrd="0" destOrd="0" presId="urn:microsoft.com/office/officeart/2005/8/layout/process1"/>
     <dgm:cxn modelId="{0719EB9E-3097-0A4A-B13E-8547F6CEF0B5}" srcId="{ACAD5A3E-AC7E-DB4B-9617-0F3F3CD87009}" destId="{A2E0878F-6C6B-5B45-BEEB-1000AC22F905}" srcOrd="0" destOrd="0" parTransId="{019E0664-B0D3-A242-9A71-FF534CB254A0}" sibTransId="{EF4F5C87-EA39-8441-A6F8-E77C9251949B}"/>
-    <dgm:cxn modelId="{D609DBA5-D175-FC4E-A647-E2EB20E1CD98}" type="presOf" srcId="{3A8C5C0C-422B-C647-8CC9-ADA926633962}" destId="{91BA60E9-D855-9D49-BA87-B52E4F4D1DB0}" srcOrd="0" destOrd="1" presId="urn:microsoft.com/office/officeart/2009/3/layout/StepUpProcess"/>
-    <dgm:cxn modelId="{28DF89BA-BAB5-A54B-A976-9521125A6E44}" type="presOf" srcId="{A0E1F74A-6668-3B4F-8A5D-C1861ABCA842}" destId="{F495E8FC-70CC-8E46-B195-24F97D8758C6}" srcOrd="0" destOrd="0" presId="urn:microsoft.com/office/officeart/2009/3/layout/StepUpProcess"/>
-    <dgm:cxn modelId="{24E4F9EF-FF0C-D64B-BA77-A727B0789857}" type="presOf" srcId="{50A95A80-7D4A-3F45-B864-88DA88B89A92}" destId="{8E24C747-9ECF-C54F-9BA4-B9EC1C73F63F}" srcOrd="0" destOrd="1" presId="urn:microsoft.com/office/officeart/2009/3/layout/StepUpProcess"/>
-    <dgm:cxn modelId="{539A1A0F-3237-F448-91AF-89ED05B2F658}" type="presParOf" srcId="{B9CFA725-922F-154B-942D-C3C2EC9EA669}" destId="{7FE6FF6E-27B3-0341-9A3C-58BD82835870}" srcOrd="0" destOrd="0" presId="urn:microsoft.com/office/officeart/2009/3/layout/StepUpProcess"/>
-    <dgm:cxn modelId="{A0976F95-C346-C14D-8F41-A24EC4147E6A}" type="presParOf" srcId="{7FE6FF6E-27B3-0341-9A3C-58BD82835870}" destId="{AE593A00-9863-D845-8E14-4A8E8F25673A}" srcOrd="0" destOrd="0" presId="urn:microsoft.com/office/officeart/2009/3/layout/StepUpProcess"/>
-    <dgm:cxn modelId="{24C68B95-55F6-8846-B6E2-4E11217930C1}" type="presParOf" srcId="{7FE6FF6E-27B3-0341-9A3C-58BD82835870}" destId="{F495E8FC-70CC-8E46-B195-24F97D8758C6}" srcOrd="1" destOrd="0" presId="urn:microsoft.com/office/officeart/2009/3/layout/StepUpProcess"/>
-    <dgm:cxn modelId="{D789F503-952B-4F45-901A-6608B548655E}" type="presParOf" srcId="{7FE6FF6E-27B3-0341-9A3C-58BD82835870}" destId="{D59135BF-54FF-D840-A127-7A17213CB97F}" srcOrd="2" destOrd="0" presId="urn:microsoft.com/office/officeart/2009/3/layout/StepUpProcess"/>
-    <dgm:cxn modelId="{D261C021-903E-964C-A0F3-17BDB2010A2A}" type="presParOf" srcId="{B9CFA725-922F-154B-942D-C3C2EC9EA669}" destId="{8387E364-38E6-104E-8324-B340FA036BAE}" srcOrd="1" destOrd="0" presId="urn:microsoft.com/office/officeart/2009/3/layout/StepUpProcess"/>
-    <dgm:cxn modelId="{5477A032-8EA1-BC4B-B9D7-F7C64E34B8F5}" type="presParOf" srcId="{8387E364-38E6-104E-8324-B340FA036BAE}" destId="{27A4459B-122D-1F41-B0E9-81CB6366F8D1}" srcOrd="0" destOrd="0" presId="urn:microsoft.com/office/officeart/2009/3/layout/StepUpProcess"/>
-    <dgm:cxn modelId="{D5ACB313-E72D-0D46-B1EC-CC6ABA821C6A}" type="presParOf" srcId="{B9CFA725-922F-154B-942D-C3C2EC9EA669}" destId="{F273808A-7CC3-A348-84C5-0E1CFD6E225E}" srcOrd="2" destOrd="0" presId="urn:microsoft.com/office/officeart/2009/3/layout/StepUpProcess"/>
-    <dgm:cxn modelId="{E59E8031-1316-BA48-8B48-8A7F624DE13A}" type="presParOf" srcId="{F273808A-7CC3-A348-84C5-0E1CFD6E225E}" destId="{64C8D96F-8A51-DF4B-9816-B1A3270AF3CF}" srcOrd="0" destOrd="0" presId="urn:microsoft.com/office/officeart/2009/3/layout/StepUpProcess"/>
-    <dgm:cxn modelId="{C3D7FBA1-9609-B34D-A4CE-9FDDE69B6EE2}" type="presParOf" srcId="{F273808A-7CC3-A348-84C5-0E1CFD6E225E}" destId="{36A1AF03-4FAB-264D-8333-8BDD489C7585}" srcOrd="1" destOrd="0" presId="urn:microsoft.com/office/officeart/2009/3/layout/StepUpProcess"/>
-    <dgm:cxn modelId="{17F02CB0-2117-694A-8CDC-6BF74A6CF648}" type="presParOf" srcId="{F273808A-7CC3-A348-84C5-0E1CFD6E225E}" destId="{4CD20873-2BEE-7F4C-B71E-1B93D6724220}" srcOrd="2" destOrd="0" presId="urn:microsoft.com/office/officeart/2009/3/layout/StepUpProcess"/>
-    <dgm:cxn modelId="{4B16CFD8-CAF8-9D4E-B6ED-9711927246D9}" type="presParOf" srcId="{B9CFA725-922F-154B-942D-C3C2EC9EA669}" destId="{DB93F7A7-F31A-6C44-8FD5-D9C92007DA4C}" srcOrd="3" destOrd="0" presId="urn:microsoft.com/office/officeart/2009/3/layout/StepUpProcess"/>
-    <dgm:cxn modelId="{3D31AF1B-2937-8D45-B6A7-C017E92E5CBD}" type="presParOf" srcId="{DB93F7A7-F31A-6C44-8FD5-D9C92007DA4C}" destId="{10AE44F9-EC3F-5844-81DF-0C86AA4BF46A}" srcOrd="0" destOrd="0" presId="urn:microsoft.com/office/officeart/2009/3/layout/StepUpProcess"/>
-    <dgm:cxn modelId="{42956DE8-7E55-4844-8F6D-AF6CCB3F8EC7}" type="presParOf" srcId="{B9CFA725-922F-154B-942D-C3C2EC9EA669}" destId="{E6B06850-4458-9844-BA01-9CE524AB2BAC}" srcOrd="4" destOrd="0" presId="urn:microsoft.com/office/officeart/2009/3/layout/StepUpProcess"/>
-    <dgm:cxn modelId="{81F21172-DB92-8A4A-8BAF-461EEACB9790}" type="presParOf" srcId="{E6B06850-4458-9844-BA01-9CE524AB2BAC}" destId="{BE759972-BA44-AC4D-9CF3-9887388F6D2A}" srcOrd="0" destOrd="0" presId="urn:microsoft.com/office/officeart/2009/3/layout/StepUpProcess"/>
-    <dgm:cxn modelId="{622D4219-C869-C44E-BA50-748814E17780}" type="presParOf" srcId="{E6B06850-4458-9844-BA01-9CE524AB2BAC}" destId="{ACC645DF-7DDC-CC43-ACA3-C9ED9DFB3DE9}" srcOrd="1" destOrd="0" presId="urn:microsoft.com/office/officeart/2009/3/layout/StepUpProcess"/>
-    <dgm:cxn modelId="{A85FDE2E-8DBB-0C4C-891E-8082E0F2268A}" type="presParOf" srcId="{E6B06850-4458-9844-BA01-9CE524AB2BAC}" destId="{9FE8374F-D9A2-F344-8DE6-ED4EF4C8C9D5}" srcOrd="2" destOrd="0" presId="urn:microsoft.com/office/officeart/2009/3/layout/StepUpProcess"/>
-    <dgm:cxn modelId="{1EC64A1E-1078-B74A-82D6-E8D01D0F13F7}" type="presParOf" srcId="{B9CFA725-922F-154B-942D-C3C2EC9EA669}" destId="{2F494793-2C2D-2C48-B71A-82A37BFA8869}" srcOrd="5" destOrd="0" presId="urn:microsoft.com/office/officeart/2009/3/layout/StepUpProcess"/>
-    <dgm:cxn modelId="{796B4D6E-0C6F-CC44-8A11-E3BA06C37804}" type="presParOf" srcId="{2F494793-2C2D-2C48-B71A-82A37BFA8869}" destId="{389051DE-94CD-A340-A7FB-38489A8A8BDD}" srcOrd="0" destOrd="0" presId="urn:microsoft.com/office/officeart/2009/3/layout/StepUpProcess"/>
-    <dgm:cxn modelId="{C1273E06-9756-3749-8CBA-AF14CD67CB52}" type="presParOf" srcId="{B9CFA725-922F-154B-942D-C3C2EC9EA669}" destId="{9095CE74-9678-9E49-A6D8-002834653848}" srcOrd="6" destOrd="0" presId="urn:microsoft.com/office/officeart/2009/3/layout/StepUpProcess"/>
-    <dgm:cxn modelId="{3B9F6AF5-8A01-6D4D-B7E3-CE8ADA5FF66B}" type="presParOf" srcId="{9095CE74-9678-9E49-A6D8-002834653848}" destId="{19E29F38-2029-6C4B-B3A0-7FED39B18E63}" srcOrd="0" destOrd="0" presId="urn:microsoft.com/office/officeart/2009/3/layout/StepUpProcess"/>
-    <dgm:cxn modelId="{08811C88-3A59-5046-8F82-B7B7B0808EC4}" type="presParOf" srcId="{9095CE74-9678-9E49-A6D8-002834653848}" destId="{8E24C747-9ECF-C54F-9BA4-B9EC1C73F63F}" srcOrd="1" destOrd="0" presId="urn:microsoft.com/office/officeart/2009/3/layout/StepUpProcess"/>
-    <dgm:cxn modelId="{B51B816F-4A78-2647-8714-79FF32D34226}" type="presParOf" srcId="{9095CE74-9678-9E49-A6D8-002834653848}" destId="{00C23FED-AB4F-2D48-8653-F8699985A14A}" srcOrd="2" destOrd="0" presId="urn:microsoft.com/office/officeart/2009/3/layout/StepUpProcess"/>
-    <dgm:cxn modelId="{DDE33B7C-144C-2245-AB2F-326DA1AA27E1}" type="presParOf" srcId="{B9CFA725-922F-154B-942D-C3C2EC9EA669}" destId="{4257A00D-1CB4-7246-BC65-5EC1E407E8BA}" srcOrd="7" destOrd="0" presId="urn:microsoft.com/office/officeart/2009/3/layout/StepUpProcess"/>
-    <dgm:cxn modelId="{3B55EBC5-F5A0-F949-8C1A-B1DACDE04C37}" type="presParOf" srcId="{4257A00D-1CB4-7246-BC65-5EC1E407E8BA}" destId="{EB26F24E-50CC-184D-8B18-7549D76B4173}" srcOrd="0" destOrd="0" presId="urn:microsoft.com/office/officeart/2009/3/layout/StepUpProcess"/>
-    <dgm:cxn modelId="{4EAA18E3-76D0-5943-B360-0D71438454FF}" type="presParOf" srcId="{B9CFA725-922F-154B-942D-C3C2EC9EA669}" destId="{1240480D-B9B3-C740-A1C9-B0A7D602BDBD}" srcOrd="8" destOrd="0" presId="urn:microsoft.com/office/officeart/2009/3/layout/StepUpProcess"/>
-    <dgm:cxn modelId="{A280B137-0AAF-3E48-8A98-743D07A842C8}" type="presParOf" srcId="{1240480D-B9B3-C740-A1C9-B0A7D602BDBD}" destId="{BE652F3C-E77B-8F42-B0E7-0DDA40DE354C}" srcOrd="0" destOrd="0" presId="urn:microsoft.com/office/officeart/2009/3/layout/StepUpProcess"/>
-    <dgm:cxn modelId="{5AB3BC52-96A8-4E4E-B17F-86035E1394B4}" type="presParOf" srcId="{1240480D-B9B3-C740-A1C9-B0A7D602BDBD}" destId="{91BA60E9-D855-9D49-BA87-B52E4F4D1DB0}" srcOrd="1" destOrd="0" presId="urn:microsoft.com/office/officeart/2009/3/layout/StepUpProcess"/>
+    <dgm:cxn modelId="{E5B48DA8-111A-48E4-87BB-770DA6877B91}" type="presOf" srcId="{A6164380-DD13-A04D-989B-ED0C1D98869B}" destId="{CBC3B99A-828D-4F15-A737-F7B7A5A98E74}" srcOrd="0" destOrd="1" presId="urn:microsoft.com/office/officeart/2005/8/layout/process1"/>
+    <dgm:cxn modelId="{71F1A6C7-EC75-4483-826F-FD3BC62B2508}" type="presOf" srcId="{A0E1F74A-6668-3B4F-8A5D-C1861ABCA842}" destId="{2F30134D-1CFA-431E-913A-634B865A89C4}" srcOrd="0" destOrd="0" presId="urn:microsoft.com/office/officeart/2005/8/layout/process1"/>
+    <dgm:cxn modelId="{8B2CA6EA-6615-4707-A426-82193819D8A9}" type="presOf" srcId="{68C645CA-0791-9B4B-A25A-0BFB3015FE61}" destId="{EFAE15CE-6191-4853-8A89-994E0FC9D8C2}" srcOrd="1" destOrd="0" presId="urn:microsoft.com/office/officeart/2005/8/layout/process1"/>
+    <dgm:cxn modelId="{34C143F4-BE06-4553-BC79-C1DA36631233}" type="presOf" srcId="{79C09E05-0E21-544C-84EB-6FEA59ACB7FC}" destId="{78B249BD-9AE3-4E1B-9EF2-9CF055759B92}" srcOrd="0" destOrd="0" presId="urn:microsoft.com/office/officeart/2005/8/layout/process1"/>
+    <dgm:cxn modelId="{5BC60B83-72C2-4EA8-9946-36D660CDEFC0}" type="presParOf" srcId="{78B249BD-9AE3-4E1B-9EF2-9CF055759B92}" destId="{2F30134D-1CFA-431E-913A-634B865A89C4}" srcOrd="0" destOrd="0" presId="urn:microsoft.com/office/officeart/2005/8/layout/process1"/>
+    <dgm:cxn modelId="{1DA94A08-5C9E-4BC8-9EEF-ADEACA41B283}" type="presParOf" srcId="{78B249BD-9AE3-4E1B-9EF2-9CF055759B92}" destId="{22FA8192-1AC9-4121-B50C-139C46908D78}" srcOrd="1" destOrd="0" presId="urn:microsoft.com/office/officeart/2005/8/layout/process1"/>
+    <dgm:cxn modelId="{4949C80B-56EC-40CB-A0AB-6C716DD3433D}" type="presParOf" srcId="{22FA8192-1AC9-4121-B50C-139C46908D78}" destId="{7BD1C909-4BCF-4D56-9FD1-ECA24CC14B94}" srcOrd="0" destOrd="0" presId="urn:microsoft.com/office/officeart/2005/8/layout/process1"/>
+    <dgm:cxn modelId="{4C3D853E-8260-44A0-BEAA-DE1615FF1D11}" type="presParOf" srcId="{78B249BD-9AE3-4E1B-9EF2-9CF055759B92}" destId="{CBC3B99A-828D-4F15-A737-F7B7A5A98E74}" srcOrd="2" destOrd="0" presId="urn:microsoft.com/office/officeart/2005/8/layout/process1"/>
+    <dgm:cxn modelId="{32443198-A773-4EF7-9958-7210C9875EAF}" type="presParOf" srcId="{78B249BD-9AE3-4E1B-9EF2-9CF055759B92}" destId="{49E01A24-6D2F-45A9-8B54-22B3429D8F40}" srcOrd="3" destOrd="0" presId="urn:microsoft.com/office/officeart/2005/8/layout/process1"/>
+    <dgm:cxn modelId="{9F954174-AA8C-448E-90EF-6263D0CA6CCD}" type="presParOf" srcId="{49E01A24-6D2F-45A9-8B54-22B3429D8F40}" destId="{EFAE15CE-6191-4853-8A89-994E0FC9D8C2}" srcOrd="0" destOrd="0" presId="urn:microsoft.com/office/officeart/2005/8/layout/process1"/>
+    <dgm:cxn modelId="{2889261D-9492-46D2-9BDA-D33B15E137BB}" type="presParOf" srcId="{78B249BD-9AE3-4E1B-9EF2-9CF055759B92}" destId="{885C206C-34C7-422D-AB81-EFA6E04C4F5F}" srcOrd="4" destOrd="0" presId="urn:microsoft.com/office/officeart/2005/8/layout/process1"/>
+    <dgm:cxn modelId="{AB3901EC-2A9C-4A57-97FB-647D9CE9C08C}" type="presParOf" srcId="{78B249BD-9AE3-4E1B-9EF2-9CF055759B92}" destId="{F694CFE9-EF02-47EE-ADE0-319FADF70E56}" srcOrd="5" destOrd="0" presId="urn:microsoft.com/office/officeart/2005/8/layout/process1"/>
+    <dgm:cxn modelId="{D45D920E-AA9F-4AB7-9844-20DF39C9CA1E}" type="presParOf" srcId="{F694CFE9-EF02-47EE-ADE0-319FADF70E56}" destId="{BE6D2D74-57A6-4EB3-A78D-80796018C5A6}" srcOrd="0" destOrd="0" presId="urn:microsoft.com/office/officeart/2005/8/layout/process1"/>
+    <dgm:cxn modelId="{1328B40C-A746-4650-81FD-DDBB7D4822BA}" type="presParOf" srcId="{78B249BD-9AE3-4E1B-9EF2-9CF055759B92}" destId="{16D13A45-4008-47F9-B6BB-230C9221DE28}" srcOrd="6" destOrd="0" presId="urn:microsoft.com/office/officeart/2005/8/layout/process1"/>
+    <dgm:cxn modelId="{BC9F934C-6800-4297-AA22-995F7981A789}" type="presParOf" srcId="{78B249BD-9AE3-4E1B-9EF2-9CF055759B92}" destId="{EFDF1370-804B-4D9D-932C-834F9E7EA4E1}" srcOrd="7" destOrd="0" presId="urn:microsoft.com/office/officeart/2005/8/layout/process1"/>
+    <dgm:cxn modelId="{73A647D9-6689-4B5B-B61A-CCB72EFFEC21}" type="presParOf" srcId="{EFDF1370-804B-4D9D-932C-834F9E7EA4E1}" destId="{8C16C4A0-4AB6-4EEC-BB6C-57B2739FE2A4}" srcOrd="0" destOrd="0" presId="urn:microsoft.com/office/officeart/2005/8/layout/process1"/>
+    <dgm:cxn modelId="{01F45ABF-4850-43D1-A500-3C59413B641E}" type="presParOf" srcId="{78B249BD-9AE3-4E1B-9EF2-9CF055759B92}" destId="{9E0BF2B3-892A-462A-8D91-B2A32155D267}" srcOrd="8" destOrd="0" presId="urn:microsoft.com/office/officeart/2005/8/layout/process1"/>
   </dgm:cxnLst>
   <dgm:bg/>
   <dgm:whole/>
   <dgm:extLst>
     <a:ext uri="http://schemas.microsoft.com/office/drawing/2008/diagram">
-      <dsp:dataModelExt xmlns:dsp="http://schemas.microsoft.com/office/drawing/2008/diagram" relId="rId7" minVer="http://schemas.openxmlformats.org/drawingml/2006/diagram"/>
+      <dsp:dataModelExt xmlns:dsp="http://schemas.microsoft.com/office/drawing/2008/diagram" relId="rId8" minVer="http://schemas.openxmlformats.org/drawingml/2006/diagram"/>
     </a:ext>
   </dgm:extLst>
 </dgm:dataModel>
@@ -4936,20 +4862,19 @@
       <dsp:cNvGrpSpPr/>
     </dsp:nvGrpSpPr>
     <dsp:grpSpPr/>
-    <dsp:sp modelId="{AE593A00-9863-D845-8E14-4A8E8F25673A}">
+    <dsp:sp modelId="{2F30134D-1CFA-431E-913A-634B865A89C4}">
       <dsp:nvSpPr>
         <dsp:cNvPr id="0" name=""/>
         <dsp:cNvSpPr/>
       </dsp:nvSpPr>
       <dsp:spPr>
-        <a:xfrm rot="5400000">
-          <a:off x="307830" y="2417544"/>
-          <a:ext cx="919196" cy="1529522"/>
+        <a:xfrm>
+          <a:off x="4052" y="1715816"/>
+          <a:ext cx="1256302" cy="1711866"/>
         </a:xfrm>
-        <a:prstGeom prst="corner">
+        <a:prstGeom prst="roundRect">
           <a:avLst>
-            <a:gd name="adj1" fmla="val 16120"/>
-            <a:gd name="adj2" fmla="val 16110"/>
+            <a:gd name="adj" fmla="val 10000"/>
           </a:avLst>
         </a:prstGeom>
         <a:solidFill>
@@ -4962,7 +4887,7 @@
         </a:solidFill>
         <a:ln w="25400" cap="flat" cmpd="sng" algn="ctr">
           <a:solidFill>
-            <a:schemeClr val="accent2">
+            <a:schemeClr val="lt1">
               <a:hueOff val="0"/>
               <a:satOff val="0"/>
               <a:lumOff val="0"/>
@@ -4987,45 +4912,13 @@
           <a:schemeClr val="lt1"/>
         </a:fontRef>
       </dsp:style>
-    </dsp:sp>
-    <dsp:sp modelId="{F495E8FC-70CC-8E46-B195-24F97D8758C6}">
-      <dsp:nvSpPr>
-        <dsp:cNvPr id="0" name=""/>
-        <dsp:cNvSpPr/>
-      </dsp:nvSpPr>
-      <dsp:spPr>
-        <a:xfrm>
-          <a:off x="154394" y="2874542"/>
-          <a:ext cx="1380861" cy="1210406"/>
-        </a:xfrm>
-        <a:prstGeom prst="rect">
-          <a:avLst/>
-        </a:prstGeom>
-        <a:noFill/>
-        <a:ln>
-          <a:noFill/>
-        </a:ln>
-        <a:effectLst/>
-      </dsp:spPr>
-      <dsp:style>
-        <a:lnRef idx="0">
-          <a:scrgbClr r="0" g="0" b="0"/>
-        </a:lnRef>
-        <a:fillRef idx="0">
-          <a:scrgbClr r="0" g="0" b="0"/>
-        </a:fillRef>
-        <a:effectRef idx="0">
-          <a:scrgbClr r="0" g="0" b="0"/>
-        </a:effectRef>
-        <a:fontRef idx="minor"/>
-      </dsp:style>
       <dsp:txBody>
-        <a:bodyPr spcFirstLastPara="0" vert="horz" wrap="square" lIns="38100" tIns="38100" rIns="38100" bIns="38100" numCol="1" spcCol="1270" anchor="t" anchorCtr="0">
+        <a:bodyPr spcFirstLastPara="0" vert="horz" wrap="square" lIns="41910" tIns="41910" rIns="41910" bIns="41910" numCol="1" spcCol="1270" anchor="t" anchorCtr="0">
           <a:noAutofit/>
         </a:bodyPr>
         <a:lstStyle/>
         <a:p>
-          <a:pPr marL="0" lvl="0" indent="0" algn="l" defTabSz="444500">
+          <a:pPr marL="0" lvl="0" indent="0" algn="l" defTabSz="488950">
             <a:lnSpc>
               <a:spcPct val="90000"/>
             </a:lnSpc>
@@ -5038,9 +4931,9 @@
             <a:buNone/>
           </a:pPr>
           <a:r>
-            <a:rPr lang="en-US" sz="1000" b="1" i="0" kern="1200" dirty="0">
+            <a:rPr lang="en-US" sz="1100" b="1" i="0" kern="1200" dirty="0">
               <a:solidFill>
-                <a:schemeClr val="bg2"/>
+                <a:schemeClr val="bg1"/>
               </a:solidFill>
               <a:hlinkClick xmlns:r="http://schemas.openxmlformats.org/officeDocument/2006/relationships" r:id="rId1">
                 <a:extLst>
@@ -5052,14 +4945,14 @@
             </a:rPr>
             <a:t>What is GitHub?</a:t>
           </a:r>
-          <a:endParaRPr lang="en-US" sz="1000" kern="1200" dirty="0">
+          <a:endParaRPr lang="en-US" sz="1100" kern="1200" dirty="0">
             <a:solidFill>
-              <a:schemeClr val="bg2"/>
+              <a:schemeClr val="bg1"/>
             </a:solidFill>
           </a:endParaRPr>
         </a:p>
         <a:p>
-          <a:pPr marL="57150" lvl="1" indent="-57150" algn="l" defTabSz="355600">
+          <a:pPr marL="57150" lvl="1" indent="-57150" algn="l" defTabSz="400050">
             <a:lnSpc>
               <a:spcPct val="90000"/>
             </a:lnSpc>
@@ -5072,54 +4965,127 @@
             <a:buChar char="•"/>
           </a:pPr>
           <a:r>
-            <a:rPr lang="en-US" sz="800" b="0" i="0" kern="1200" dirty="0">
+            <a:rPr lang="en-US" sz="900" b="0" i="0" kern="1200" dirty="0">
               <a:solidFill>
-                <a:schemeClr val="bg2"/>
+                <a:schemeClr val="bg1"/>
               </a:solidFill>
             </a:rPr>
             <a:t>Hey, it's your first time here, so let's not take any chances. Check out this short video to understand why people use GitHub.</a:t>
           </a:r>
-          <a:endParaRPr lang="en-US" sz="800" kern="1200" dirty="0">
+          <a:endParaRPr lang="en-US" sz="900" kern="1200" dirty="0">
             <a:solidFill>
-              <a:schemeClr val="bg2"/>
+              <a:schemeClr val="bg1"/>
             </a:solidFill>
           </a:endParaRPr>
         </a:p>
       </dsp:txBody>
       <dsp:txXfrm>
-        <a:off x="154394" y="2874542"/>
-        <a:ext cx="1380861" cy="1210406"/>
+        <a:off x="40848" y="1752612"/>
+        <a:ext cx="1182710" cy="1638274"/>
       </dsp:txXfrm>
     </dsp:sp>
-    <dsp:sp modelId="{D59135BF-54FF-D840-A127-7A17213CB97F}">
+    <dsp:sp modelId="{22FA8192-1AC9-4121-B50C-139C46908D78}">
       <dsp:nvSpPr>
         <dsp:cNvPr id="0" name=""/>
         <dsp:cNvSpPr/>
       </dsp:nvSpPr>
       <dsp:spPr>
         <a:xfrm>
-          <a:off x="1274715" y="2304939"/>
-          <a:ext cx="260539" cy="260539"/>
+          <a:off x="1385985" y="2415968"/>
+          <a:ext cx="266336" cy="311562"/>
         </a:xfrm>
-        <a:prstGeom prst="triangle">
+        <a:prstGeom prst="rightArrow">
           <a:avLst>
-            <a:gd name="adj" fmla="val 100000"/>
+            <a:gd name="adj1" fmla="val 60000"/>
+            <a:gd name="adj2" fmla="val 50000"/>
           </a:avLst>
         </a:prstGeom>
         <a:solidFill>
           <a:schemeClr val="accent2">
-            <a:hueOff val="368443"/>
-            <a:satOff val="1691"/>
-            <a:lumOff val="2426"/>
+            <a:hueOff val="0"/>
+            <a:satOff val="0"/>
+            <a:lumOff val="0"/>
+            <a:alphaOff val="0"/>
+          </a:schemeClr>
+        </a:solidFill>
+        <a:ln>
+          <a:noFill/>
+        </a:ln>
+        <a:effectLst/>
+      </dsp:spPr>
+      <dsp:style>
+        <a:lnRef idx="0">
+          <a:scrgbClr r="0" g="0" b="0"/>
+        </a:lnRef>
+        <a:fillRef idx="1">
+          <a:scrgbClr r="0" g="0" b="0"/>
+        </a:fillRef>
+        <a:effectRef idx="0">
+          <a:scrgbClr r="0" g="0" b="0"/>
+        </a:effectRef>
+        <a:fontRef idx="minor">
+          <a:schemeClr val="lt1"/>
+        </a:fontRef>
+      </dsp:style>
+      <dsp:txBody>
+        <a:bodyPr spcFirstLastPara="0" vert="horz" wrap="square" lIns="0" tIns="0" rIns="0" bIns="0" numCol="1" spcCol="1270" anchor="ctr" anchorCtr="0">
+          <a:noAutofit/>
+        </a:bodyPr>
+        <a:lstStyle/>
+        <a:p>
+          <a:pPr marL="0" lvl="0" indent="0" algn="ctr" defTabSz="400050">
+            <a:lnSpc>
+              <a:spcPct val="90000"/>
+            </a:lnSpc>
+            <a:spcBef>
+              <a:spcPct val="0"/>
+            </a:spcBef>
+            <a:spcAft>
+              <a:spcPct val="35000"/>
+            </a:spcAft>
+            <a:buNone/>
+          </a:pPr>
+          <a:endParaRPr lang="en-US" sz="900" kern="1200">
+            <a:solidFill>
+              <a:schemeClr val="bg1"/>
+            </a:solidFill>
+          </a:endParaRPr>
+        </a:p>
+      </dsp:txBody>
+      <dsp:txXfrm>
+        <a:off x="1385985" y="2478280"/>
+        <a:ext cx="186435" cy="186938"/>
+      </dsp:txXfrm>
+    </dsp:sp>
+    <dsp:sp modelId="{CBC3B99A-828D-4F15-A737-F7B7A5A98E74}">
+      <dsp:nvSpPr>
+        <dsp:cNvPr id="0" name=""/>
+        <dsp:cNvSpPr/>
+      </dsp:nvSpPr>
+      <dsp:spPr>
+        <a:xfrm>
+          <a:off x="1762875" y="1715816"/>
+          <a:ext cx="1256302" cy="1711866"/>
+        </a:xfrm>
+        <a:prstGeom prst="roundRect">
+          <a:avLst>
+            <a:gd name="adj" fmla="val 10000"/>
+          </a:avLst>
+        </a:prstGeom>
+        <a:solidFill>
+          <a:schemeClr val="accent2">
+            <a:hueOff val="736886"/>
+            <a:satOff val="3381"/>
+            <a:lumOff val="4853"/>
             <a:alphaOff val="0"/>
           </a:schemeClr>
         </a:solidFill>
         <a:ln w="25400" cap="flat" cmpd="sng" algn="ctr">
           <a:solidFill>
-            <a:schemeClr val="accent2">
-              <a:hueOff val="368443"/>
-              <a:satOff val="1691"/>
-              <a:lumOff val="2426"/>
+            <a:schemeClr val="lt1">
+              <a:hueOff val="0"/>
+              <a:satOff val="0"/>
+              <a:lumOff val="0"/>
               <a:alphaOff val="0"/>
             </a:schemeClr>
           </a:solidFill>
@@ -5141,37 +5107,180 @@
           <a:schemeClr val="lt1"/>
         </a:fontRef>
       </dsp:style>
+      <dsp:txBody>
+        <a:bodyPr spcFirstLastPara="0" vert="horz" wrap="square" lIns="41910" tIns="41910" rIns="41910" bIns="41910" numCol="1" spcCol="1270" anchor="t" anchorCtr="0">
+          <a:noAutofit/>
+        </a:bodyPr>
+        <a:lstStyle/>
+        <a:p>
+          <a:pPr marL="0" lvl="0" indent="0" algn="l" defTabSz="488950">
+            <a:lnSpc>
+              <a:spcPct val="90000"/>
+            </a:lnSpc>
+            <a:spcBef>
+              <a:spcPct val="0"/>
+            </a:spcBef>
+            <a:spcAft>
+              <a:spcPct val="35000"/>
+            </a:spcAft>
+            <a:buNone/>
+          </a:pPr>
+          <a:r>
+            <a:rPr lang="en-US" sz="1100" b="1" i="0" kern="1200" dirty="0">
+              <a:solidFill>
+                <a:schemeClr val="bg1"/>
+              </a:solidFill>
+              <a:hlinkClick xmlns:r="http://schemas.openxmlformats.org/officeDocument/2006/relationships" r:id="rId2">
+                <a:extLst>
+                  <a:ext uri="{A12FA001-AC4F-418D-AE19-62706E023703}">
+                    <ahyp:hlinkClr xmlns:ahyp="http://schemas.microsoft.com/office/drawing/2018/hyperlinkcolor" val="tx"/>
+                  </a:ext>
+                </a:extLst>
+              </a:hlinkClick>
+            </a:rPr>
+            <a:t>Introduction to GitHub</a:t>
+          </a:r>
+          <a:endParaRPr lang="en-US" sz="1100" kern="1200" dirty="0">
+            <a:solidFill>
+              <a:schemeClr val="bg1"/>
+            </a:solidFill>
+          </a:endParaRPr>
+        </a:p>
+        <a:p>
+          <a:pPr marL="57150" lvl="1" indent="-57150" algn="l" defTabSz="400050">
+            <a:lnSpc>
+              <a:spcPct val="90000"/>
+            </a:lnSpc>
+            <a:spcBef>
+              <a:spcPct val="0"/>
+            </a:spcBef>
+            <a:spcAft>
+              <a:spcPct val="15000"/>
+            </a:spcAft>
+            <a:buChar char="•"/>
+          </a:pPr>
+          <a:r>
+            <a:rPr lang="en-US" sz="900" b="0" i="0" kern="1200" dirty="0">
+              <a:solidFill>
+                <a:schemeClr val="bg1"/>
+              </a:solidFill>
+            </a:rPr>
+            <a:t>That video is pretty cool, right? If you want to learn how to use the workflow described in that video, take this course.</a:t>
+          </a:r>
+          <a:endParaRPr lang="en-US" sz="900" kern="1200" dirty="0">
+            <a:solidFill>
+              <a:schemeClr val="bg1"/>
+            </a:solidFill>
+          </a:endParaRPr>
+        </a:p>
+      </dsp:txBody>
+      <dsp:txXfrm>
+        <a:off x="1799671" y="1752612"/>
+        <a:ext cx="1182710" cy="1638274"/>
+      </dsp:txXfrm>
     </dsp:sp>
-    <dsp:sp modelId="{64C8D96F-8A51-DF4B-9816-B1A3270AF3CF}">
+    <dsp:sp modelId="{49E01A24-6D2F-45A9-8B54-22B3429D8F40}">
       <dsp:nvSpPr>
         <dsp:cNvPr id="0" name=""/>
         <dsp:cNvSpPr/>
       </dsp:nvSpPr>
       <dsp:spPr>
-        <a:xfrm rot="5400000">
-          <a:off x="1998275" y="1999242"/>
-          <a:ext cx="919196" cy="1529522"/>
+        <a:xfrm>
+          <a:off x="3144808" y="2415968"/>
+          <a:ext cx="266336" cy="311562"/>
         </a:xfrm>
-        <a:prstGeom prst="corner">
+        <a:prstGeom prst="rightArrow">
           <a:avLst>
-            <a:gd name="adj1" fmla="val 16120"/>
-            <a:gd name="adj2" fmla="val 16110"/>
+            <a:gd name="adj1" fmla="val 60000"/>
+            <a:gd name="adj2" fmla="val 50000"/>
           </a:avLst>
         </a:prstGeom>
         <a:solidFill>
           <a:schemeClr val="accent2">
-            <a:hueOff val="736886"/>
-            <a:satOff val="3381"/>
-            <a:lumOff val="4853"/>
+            <a:hueOff val="982514"/>
+            <a:satOff val="4509"/>
+            <a:lumOff val="6471"/>
+            <a:alphaOff val="0"/>
+          </a:schemeClr>
+        </a:solidFill>
+        <a:ln>
+          <a:noFill/>
+        </a:ln>
+        <a:effectLst/>
+      </dsp:spPr>
+      <dsp:style>
+        <a:lnRef idx="0">
+          <a:scrgbClr r="0" g="0" b="0"/>
+        </a:lnRef>
+        <a:fillRef idx="1">
+          <a:scrgbClr r="0" g="0" b="0"/>
+        </a:fillRef>
+        <a:effectRef idx="0">
+          <a:scrgbClr r="0" g="0" b="0"/>
+        </a:effectRef>
+        <a:fontRef idx="minor">
+          <a:schemeClr val="lt1"/>
+        </a:fontRef>
+      </dsp:style>
+      <dsp:txBody>
+        <a:bodyPr spcFirstLastPara="0" vert="horz" wrap="square" lIns="0" tIns="0" rIns="0" bIns="0" numCol="1" spcCol="1270" anchor="ctr" anchorCtr="0">
+          <a:noAutofit/>
+        </a:bodyPr>
+        <a:lstStyle/>
+        <a:p>
+          <a:pPr marL="0" lvl="0" indent="0" algn="ctr" defTabSz="400050">
+            <a:lnSpc>
+              <a:spcPct val="90000"/>
+            </a:lnSpc>
+            <a:spcBef>
+              <a:spcPct val="0"/>
+            </a:spcBef>
+            <a:spcAft>
+              <a:spcPct val="35000"/>
+            </a:spcAft>
+            <a:buNone/>
+          </a:pPr>
+          <a:endParaRPr lang="en-US" sz="900" kern="1200">
+            <a:solidFill>
+              <a:schemeClr val="bg1"/>
+            </a:solidFill>
+          </a:endParaRPr>
+        </a:p>
+      </dsp:txBody>
+      <dsp:txXfrm>
+        <a:off x="3144808" y="2478280"/>
+        <a:ext cx="186435" cy="186938"/>
+      </dsp:txXfrm>
+    </dsp:sp>
+    <dsp:sp modelId="{885C206C-34C7-422D-AB81-EFA6E04C4F5F}">
+      <dsp:nvSpPr>
+        <dsp:cNvPr id="0" name=""/>
+        <dsp:cNvSpPr/>
+      </dsp:nvSpPr>
+      <dsp:spPr>
+        <a:xfrm>
+          <a:off x="3521698" y="1715816"/>
+          <a:ext cx="1256302" cy="1711866"/>
+        </a:xfrm>
+        <a:prstGeom prst="roundRect">
+          <a:avLst>
+            <a:gd name="adj" fmla="val 10000"/>
+          </a:avLst>
+        </a:prstGeom>
+        <a:solidFill>
+          <a:schemeClr val="accent2">
+            <a:hueOff val="1473771"/>
+            <a:satOff val="6763"/>
+            <a:lumOff val="9706"/>
             <a:alphaOff val="0"/>
           </a:schemeClr>
         </a:solidFill>
         <a:ln w="25400" cap="flat" cmpd="sng" algn="ctr">
           <a:solidFill>
-            <a:schemeClr val="accent2">
-              <a:hueOff val="736886"/>
-              <a:satOff val="3381"/>
-              <a:lumOff val="4853"/>
+            <a:schemeClr val="lt1">
+              <a:hueOff val="0"/>
+              <a:satOff val="0"/>
+              <a:lumOff val="0"/>
               <a:alphaOff val="0"/>
             </a:schemeClr>
           </a:solidFill>
@@ -5193,45 +5302,13 @@
           <a:schemeClr val="lt1"/>
         </a:fontRef>
       </dsp:style>
-    </dsp:sp>
-    <dsp:sp modelId="{36A1AF03-4FAB-264D-8333-8BDD489C7585}">
-      <dsp:nvSpPr>
-        <dsp:cNvPr id="0" name=""/>
-        <dsp:cNvSpPr/>
-      </dsp:nvSpPr>
-      <dsp:spPr>
-        <a:xfrm>
-          <a:off x="1844838" y="2456240"/>
-          <a:ext cx="1380861" cy="1210406"/>
-        </a:xfrm>
-        <a:prstGeom prst="rect">
-          <a:avLst/>
-        </a:prstGeom>
-        <a:noFill/>
-        <a:ln>
-          <a:noFill/>
-        </a:ln>
-        <a:effectLst/>
-      </dsp:spPr>
-      <dsp:style>
-        <a:lnRef idx="0">
-          <a:scrgbClr r="0" g="0" b="0"/>
-        </a:lnRef>
-        <a:fillRef idx="0">
-          <a:scrgbClr r="0" g="0" b="0"/>
-        </a:fillRef>
-        <a:effectRef idx="0">
-          <a:scrgbClr r="0" g="0" b="0"/>
-        </a:effectRef>
-        <a:fontRef idx="minor"/>
-      </dsp:style>
       <dsp:txBody>
-        <a:bodyPr spcFirstLastPara="0" vert="horz" wrap="square" lIns="38100" tIns="38100" rIns="38100" bIns="38100" numCol="1" spcCol="1270" anchor="t" anchorCtr="0">
+        <a:bodyPr spcFirstLastPara="0" vert="horz" wrap="square" lIns="41910" tIns="41910" rIns="41910" bIns="41910" numCol="1" spcCol="1270" anchor="t" anchorCtr="0">
           <a:noAutofit/>
         </a:bodyPr>
         <a:lstStyle/>
         <a:p>
-          <a:pPr marL="0" lvl="0" indent="0" algn="l" defTabSz="444500">
+          <a:pPr marL="0" lvl="0" indent="0" algn="l" defTabSz="488950">
             <a:lnSpc>
               <a:spcPct val="90000"/>
             </a:lnSpc>
@@ -5244,11 +5321,11 @@
             <a:buNone/>
           </a:pPr>
           <a:r>
-            <a:rPr lang="en-US" sz="1000" b="1" i="0" kern="1200" dirty="0">
+            <a:rPr lang="en-US" sz="1100" b="1" i="0" kern="1200" dirty="0">
               <a:solidFill>
-                <a:schemeClr val="bg2"/>
+                <a:schemeClr val="bg1"/>
               </a:solidFill>
-              <a:hlinkClick xmlns:r="http://schemas.openxmlformats.org/officeDocument/2006/relationships" r:id="rId2">
+              <a:hlinkClick xmlns:r="http://schemas.openxmlformats.org/officeDocument/2006/relationships" r:id="rId3">
                 <a:extLst>
                   <a:ext uri="{A12FA001-AC4F-418D-AE19-62706E023703}">
                     <ahyp:hlinkClr xmlns:ahyp="http://schemas.microsoft.com/office/drawing/2018/hyperlinkcolor" val="tx"/>
@@ -5256,16 +5333,16 @@
                 </a:extLst>
               </a:hlinkClick>
             </a:rPr>
-            <a:t>Introduction to GitHub</a:t>
+            <a:t>Git Handbook</a:t>
           </a:r>
-          <a:endParaRPr lang="en-US" sz="1000" kern="1200" dirty="0">
+          <a:endParaRPr lang="en-US" sz="1100" kern="1200" dirty="0">
             <a:solidFill>
-              <a:schemeClr val="bg2"/>
+              <a:schemeClr val="bg1"/>
             </a:solidFill>
           </a:endParaRPr>
         </a:p>
         <a:p>
-          <a:pPr marL="57150" lvl="1" indent="-57150" algn="l" defTabSz="355600">
+          <a:pPr marL="57150" lvl="1" indent="-57150" algn="l" defTabSz="400050">
             <a:lnSpc>
               <a:spcPct val="90000"/>
             </a:lnSpc>
@@ -5278,54 +5355,127 @@
             <a:buChar char="•"/>
           </a:pPr>
           <a:r>
-            <a:rPr lang="en-US" sz="800" b="0" i="0" kern="1200" dirty="0">
+            <a:rPr lang="en-US" sz="900" b="0" i="0" kern="1200" dirty="0">
               <a:solidFill>
-                <a:schemeClr val="bg2"/>
+                <a:schemeClr val="bg1"/>
               </a:solidFill>
             </a:rPr>
-            <a:t>That video is pretty cool, right? If you want to learn how to use the workflow described in that video, take this course.</a:t>
+            <a:t>By now you are probably wondering what a Git is and why it is important in writing code. We have you covered with this short article on version control with Git.</a:t>
           </a:r>
-          <a:endParaRPr lang="en-US" sz="800" kern="1200" dirty="0">
+          <a:endParaRPr lang="en-US" sz="900" kern="1200" dirty="0">
             <a:solidFill>
-              <a:schemeClr val="bg2"/>
+              <a:schemeClr val="bg1"/>
             </a:solidFill>
           </a:endParaRPr>
         </a:p>
       </dsp:txBody>
       <dsp:txXfrm>
-        <a:off x="1844838" y="2456240"/>
-        <a:ext cx="1380861" cy="1210406"/>
+        <a:off x="3558494" y="1752612"/>
+        <a:ext cx="1182710" cy="1638274"/>
       </dsp:txXfrm>
     </dsp:sp>
-    <dsp:sp modelId="{4CD20873-2BEE-7F4C-B71E-1B93D6724220}">
+    <dsp:sp modelId="{F694CFE9-EF02-47EE-ADE0-319FADF70E56}">
       <dsp:nvSpPr>
         <dsp:cNvPr id="0" name=""/>
         <dsp:cNvSpPr/>
       </dsp:nvSpPr>
       <dsp:spPr>
         <a:xfrm>
-          <a:off x="2965159" y="1886637"/>
-          <a:ext cx="260539" cy="260539"/>
+          <a:off x="4903631" y="2415968"/>
+          <a:ext cx="266336" cy="311562"/>
         </a:xfrm>
-        <a:prstGeom prst="triangle">
+        <a:prstGeom prst="rightArrow">
           <a:avLst>
-            <a:gd name="adj" fmla="val 100000"/>
+            <a:gd name="adj1" fmla="val 60000"/>
+            <a:gd name="adj2" fmla="val 50000"/>
           </a:avLst>
         </a:prstGeom>
         <a:solidFill>
           <a:schemeClr val="accent2">
-            <a:hueOff val="1105328"/>
-            <a:satOff val="5072"/>
-            <a:lumOff val="7279"/>
+            <a:hueOff val="1965028"/>
+            <a:satOff val="9017"/>
+            <a:lumOff val="12941"/>
+            <a:alphaOff val="0"/>
+          </a:schemeClr>
+        </a:solidFill>
+        <a:ln>
+          <a:noFill/>
+        </a:ln>
+        <a:effectLst/>
+      </dsp:spPr>
+      <dsp:style>
+        <a:lnRef idx="0">
+          <a:scrgbClr r="0" g="0" b="0"/>
+        </a:lnRef>
+        <a:fillRef idx="1">
+          <a:scrgbClr r="0" g="0" b="0"/>
+        </a:fillRef>
+        <a:effectRef idx="0">
+          <a:scrgbClr r="0" g="0" b="0"/>
+        </a:effectRef>
+        <a:fontRef idx="minor">
+          <a:schemeClr val="lt1"/>
+        </a:fontRef>
+      </dsp:style>
+      <dsp:txBody>
+        <a:bodyPr spcFirstLastPara="0" vert="horz" wrap="square" lIns="0" tIns="0" rIns="0" bIns="0" numCol="1" spcCol="1270" anchor="ctr" anchorCtr="0">
+          <a:noAutofit/>
+        </a:bodyPr>
+        <a:lstStyle/>
+        <a:p>
+          <a:pPr marL="0" lvl="0" indent="0" algn="ctr" defTabSz="400050">
+            <a:lnSpc>
+              <a:spcPct val="90000"/>
+            </a:lnSpc>
+            <a:spcBef>
+              <a:spcPct val="0"/>
+            </a:spcBef>
+            <a:spcAft>
+              <a:spcPct val="35000"/>
+            </a:spcAft>
+            <a:buNone/>
+          </a:pPr>
+          <a:endParaRPr lang="en-US" sz="900" kern="1200">
+            <a:solidFill>
+              <a:schemeClr val="bg1"/>
+            </a:solidFill>
+          </a:endParaRPr>
+        </a:p>
+      </dsp:txBody>
+      <dsp:txXfrm>
+        <a:off x="4903631" y="2478280"/>
+        <a:ext cx="186435" cy="186938"/>
+      </dsp:txXfrm>
+    </dsp:sp>
+    <dsp:sp modelId="{16D13A45-4008-47F9-B6BB-230C9221DE28}">
+      <dsp:nvSpPr>
+        <dsp:cNvPr id="0" name=""/>
+        <dsp:cNvSpPr/>
+      </dsp:nvSpPr>
+      <dsp:spPr>
+        <a:xfrm>
+          <a:off x="5280522" y="1715816"/>
+          <a:ext cx="1256302" cy="1711866"/>
+        </a:xfrm>
+        <a:prstGeom prst="roundRect">
+          <a:avLst>
+            <a:gd name="adj" fmla="val 10000"/>
+          </a:avLst>
+        </a:prstGeom>
+        <a:solidFill>
+          <a:schemeClr val="accent2">
+            <a:hueOff val="2210657"/>
+            <a:satOff val="10144"/>
+            <a:lumOff val="14559"/>
             <a:alphaOff val="0"/>
           </a:schemeClr>
         </a:solidFill>
         <a:ln w="25400" cap="flat" cmpd="sng" algn="ctr">
           <a:solidFill>
-            <a:schemeClr val="accent2">
-              <a:hueOff val="1105328"/>
-              <a:satOff val="5072"/>
-              <a:lumOff val="7279"/>
+            <a:schemeClr val="lt1">
+              <a:hueOff val="0"/>
+              <a:satOff val="0"/>
+              <a:lumOff val="0"/>
               <a:alphaOff val="0"/>
             </a:schemeClr>
           </a:solidFill>
@@ -5347,37 +5497,180 @@
           <a:schemeClr val="lt1"/>
         </a:fontRef>
       </dsp:style>
+      <dsp:txBody>
+        <a:bodyPr spcFirstLastPara="0" vert="horz" wrap="square" lIns="41910" tIns="41910" rIns="41910" bIns="41910" numCol="1" spcCol="1270" anchor="t" anchorCtr="0">
+          <a:noAutofit/>
+        </a:bodyPr>
+        <a:lstStyle/>
+        <a:p>
+          <a:pPr marL="0" lvl="0" indent="0" algn="l" defTabSz="488950">
+            <a:lnSpc>
+              <a:spcPct val="90000"/>
+            </a:lnSpc>
+            <a:spcBef>
+              <a:spcPct val="0"/>
+            </a:spcBef>
+            <a:spcAft>
+              <a:spcPct val="35000"/>
+            </a:spcAft>
+            <a:buNone/>
+          </a:pPr>
+          <a:r>
+            <a:rPr lang="en-US" sz="1100" b="1" i="0" kern="1200" dirty="0">
+              <a:solidFill>
+                <a:schemeClr val="bg1"/>
+              </a:solidFill>
+              <a:hlinkClick xmlns:r="http://schemas.openxmlformats.org/officeDocument/2006/relationships" r:id="rId4">
+                <a:extLst>
+                  <a:ext uri="{A12FA001-AC4F-418D-AE19-62706E023703}">
+                    <ahyp:hlinkClr xmlns:ahyp="http://schemas.microsoft.com/office/drawing/2018/hyperlinkcolor" val="tx"/>
+                  </a:ext>
+                </a:extLst>
+              </a:hlinkClick>
+            </a:rPr>
+            <a:t>Communicating using Markdown</a:t>
+          </a:r>
+          <a:endParaRPr lang="en-US" sz="1100" kern="1200" dirty="0">
+            <a:solidFill>
+              <a:schemeClr val="bg1"/>
+            </a:solidFill>
+          </a:endParaRPr>
+        </a:p>
+        <a:p>
+          <a:pPr marL="57150" lvl="1" indent="-57150" algn="l" defTabSz="400050">
+            <a:lnSpc>
+              <a:spcPct val="90000"/>
+            </a:lnSpc>
+            <a:spcBef>
+              <a:spcPct val="0"/>
+            </a:spcBef>
+            <a:spcAft>
+              <a:spcPct val="15000"/>
+            </a:spcAft>
+            <a:buChar char="•"/>
+          </a:pPr>
+          <a:r>
+            <a:rPr lang="en-US" sz="900" b="0" i="0" kern="1200" dirty="0">
+              <a:solidFill>
+                <a:schemeClr val="bg1"/>
+              </a:solidFill>
+            </a:rPr>
+            <a:t>GitHub is all about collaboration and we collaborate in issues in pull requests. Learn how to get your point across with the worlds easiest text formatting syntax.</a:t>
+          </a:r>
+          <a:endParaRPr lang="en-US" sz="900" kern="1200" dirty="0">
+            <a:solidFill>
+              <a:schemeClr val="bg1"/>
+            </a:solidFill>
+          </a:endParaRPr>
+        </a:p>
+      </dsp:txBody>
+      <dsp:txXfrm>
+        <a:off x="5317318" y="1752612"/>
+        <a:ext cx="1182710" cy="1638274"/>
+      </dsp:txXfrm>
     </dsp:sp>
-    <dsp:sp modelId="{BE759972-BA44-AC4D-9CF3-9887388F6D2A}">
+    <dsp:sp modelId="{EFDF1370-804B-4D9D-932C-834F9E7EA4E1}">
       <dsp:nvSpPr>
         <dsp:cNvPr id="0" name=""/>
         <dsp:cNvSpPr/>
       </dsp:nvSpPr>
       <dsp:spPr>
-        <a:xfrm rot="5400000">
-          <a:off x="3688719" y="1580940"/>
-          <a:ext cx="919196" cy="1529522"/>
+        <a:xfrm>
+          <a:off x="6662454" y="2415968"/>
+          <a:ext cx="266336" cy="311562"/>
         </a:xfrm>
-        <a:prstGeom prst="corner">
+        <a:prstGeom prst="rightArrow">
           <a:avLst>
-            <a:gd name="adj1" fmla="val 16120"/>
-            <a:gd name="adj2" fmla="val 16110"/>
+            <a:gd name="adj1" fmla="val 60000"/>
+            <a:gd name="adj2" fmla="val 50000"/>
           </a:avLst>
         </a:prstGeom>
         <a:solidFill>
           <a:schemeClr val="accent2">
-            <a:hueOff val="1473771"/>
-            <a:satOff val="6763"/>
-            <a:lumOff val="9706"/>
+            <a:hueOff val="2947542"/>
+            <a:satOff val="13526"/>
+            <a:lumOff val="19412"/>
+            <a:alphaOff val="0"/>
+          </a:schemeClr>
+        </a:solidFill>
+        <a:ln>
+          <a:noFill/>
+        </a:ln>
+        <a:effectLst/>
+      </dsp:spPr>
+      <dsp:style>
+        <a:lnRef idx="0">
+          <a:scrgbClr r="0" g="0" b="0"/>
+        </a:lnRef>
+        <a:fillRef idx="1">
+          <a:scrgbClr r="0" g="0" b="0"/>
+        </a:fillRef>
+        <a:effectRef idx="0">
+          <a:scrgbClr r="0" g="0" b="0"/>
+        </a:effectRef>
+        <a:fontRef idx="minor">
+          <a:schemeClr val="lt1"/>
+        </a:fontRef>
+      </dsp:style>
+      <dsp:txBody>
+        <a:bodyPr spcFirstLastPara="0" vert="horz" wrap="square" lIns="0" tIns="0" rIns="0" bIns="0" numCol="1" spcCol="1270" anchor="ctr" anchorCtr="0">
+          <a:noAutofit/>
+        </a:bodyPr>
+        <a:lstStyle/>
+        <a:p>
+          <a:pPr marL="0" lvl="0" indent="0" algn="ctr" defTabSz="400050">
+            <a:lnSpc>
+              <a:spcPct val="90000"/>
+            </a:lnSpc>
+            <a:spcBef>
+              <a:spcPct val="0"/>
+            </a:spcBef>
+            <a:spcAft>
+              <a:spcPct val="35000"/>
+            </a:spcAft>
+            <a:buNone/>
+          </a:pPr>
+          <a:endParaRPr lang="en-US" sz="900" kern="1200">
+            <a:solidFill>
+              <a:schemeClr val="bg1"/>
+            </a:solidFill>
+          </a:endParaRPr>
+        </a:p>
+      </dsp:txBody>
+      <dsp:txXfrm>
+        <a:off x="6662454" y="2478280"/>
+        <a:ext cx="186435" cy="186938"/>
+      </dsp:txXfrm>
+    </dsp:sp>
+    <dsp:sp modelId="{9E0BF2B3-892A-462A-8D91-B2A32155D267}">
+      <dsp:nvSpPr>
+        <dsp:cNvPr id="0" name=""/>
+        <dsp:cNvSpPr/>
+      </dsp:nvSpPr>
+      <dsp:spPr>
+        <a:xfrm>
+          <a:off x="7039345" y="1715816"/>
+          <a:ext cx="1256302" cy="1711866"/>
+        </a:xfrm>
+        <a:prstGeom prst="roundRect">
+          <a:avLst>
+            <a:gd name="adj" fmla="val 10000"/>
+          </a:avLst>
+        </a:prstGeom>
+        <a:solidFill>
+          <a:schemeClr val="accent2">
+            <a:hueOff val="2947542"/>
+            <a:satOff val="13526"/>
+            <a:lumOff val="19412"/>
             <a:alphaOff val="0"/>
           </a:schemeClr>
         </a:solidFill>
         <a:ln w="25400" cap="flat" cmpd="sng" algn="ctr">
           <a:solidFill>
-            <a:schemeClr val="accent2">
-              <a:hueOff val="1473771"/>
-              <a:satOff val="6763"/>
-              <a:lumOff val="9706"/>
+            <a:schemeClr val="lt1">
+              <a:hueOff val="0"/>
+              <a:satOff val="0"/>
+              <a:lumOff val="0"/>
               <a:alphaOff val="0"/>
             </a:schemeClr>
           </a:solidFill>
@@ -5399,45 +5692,13 @@
           <a:schemeClr val="lt1"/>
         </a:fontRef>
       </dsp:style>
-    </dsp:sp>
-    <dsp:sp modelId="{ACC645DF-7DDC-CC43-ACA3-C9ED9DFB3DE9}">
-      <dsp:nvSpPr>
-        <dsp:cNvPr id="0" name=""/>
-        <dsp:cNvSpPr/>
-      </dsp:nvSpPr>
-      <dsp:spPr>
-        <a:xfrm>
-          <a:off x="3535282" y="2037938"/>
-          <a:ext cx="1380861" cy="1210406"/>
-        </a:xfrm>
-        <a:prstGeom prst="rect">
-          <a:avLst/>
-        </a:prstGeom>
-        <a:noFill/>
-        <a:ln>
-          <a:noFill/>
-        </a:ln>
-        <a:effectLst/>
-      </dsp:spPr>
-      <dsp:style>
-        <a:lnRef idx="0">
-          <a:scrgbClr r="0" g="0" b="0"/>
-        </a:lnRef>
-        <a:fillRef idx="0">
-          <a:scrgbClr r="0" g="0" b="0"/>
-        </a:fillRef>
-        <a:effectRef idx="0">
-          <a:scrgbClr r="0" g="0" b="0"/>
-        </a:effectRef>
-        <a:fontRef idx="minor"/>
-      </dsp:style>
       <dsp:txBody>
-        <a:bodyPr spcFirstLastPara="0" vert="horz" wrap="square" lIns="38100" tIns="38100" rIns="38100" bIns="38100" numCol="1" spcCol="1270" anchor="t" anchorCtr="0">
+        <a:bodyPr spcFirstLastPara="0" vert="horz" wrap="square" lIns="41910" tIns="41910" rIns="41910" bIns="41910" numCol="1" spcCol="1270" anchor="t" anchorCtr="0">
           <a:noAutofit/>
         </a:bodyPr>
         <a:lstStyle/>
         <a:p>
-          <a:pPr marL="0" lvl="0" indent="0" algn="l" defTabSz="444500">
+          <a:pPr marL="0" lvl="0" indent="0" algn="l" defTabSz="488950">
             <a:lnSpc>
               <a:spcPct val="90000"/>
             </a:lnSpc>
@@ -5450,11 +5711,11 @@
             <a:buNone/>
           </a:pPr>
           <a:r>
-            <a:rPr lang="en-US" sz="1000" b="1" i="0" kern="1200" dirty="0">
+            <a:rPr lang="en-US" sz="1100" b="1" i="0" kern="1200" dirty="0">
               <a:solidFill>
-                <a:schemeClr val="bg2"/>
+                <a:schemeClr val="bg1"/>
               </a:solidFill>
-              <a:hlinkClick xmlns:r="http://schemas.openxmlformats.org/officeDocument/2006/relationships" r:id="rId3">
+              <a:hlinkClick xmlns:r="http://schemas.openxmlformats.org/officeDocument/2006/relationships" r:id="rId5">
                 <a:extLst>
                   <a:ext uri="{A12FA001-AC4F-418D-AE19-62706E023703}">
                     <ahyp:hlinkClr xmlns:ahyp="http://schemas.microsoft.com/office/drawing/2018/hyperlinkcolor" val="tx"/>
@@ -5462,16 +5723,16 @@
                 </a:extLst>
               </a:hlinkClick>
             </a:rPr>
-            <a:t>Git Handbook</a:t>
+            <a:t>Uploading your project to GitHub</a:t>
           </a:r>
-          <a:endParaRPr lang="en-US" sz="1000" kern="1200" dirty="0">
+          <a:endParaRPr lang="en-US" sz="1100" kern="1200" dirty="0">
             <a:solidFill>
-              <a:schemeClr val="bg2"/>
+              <a:schemeClr val="bg1"/>
             </a:solidFill>
           </a:endParaRPr>
         </a:p>
         <a:p>
-          <a:pPr marL="57150" lvl="1" indent="-57150" algn="l" defTabSz="355600">
+          <a:pPr marL="57150" lvl="1" indent="-57150" algn="l" defTabSz="400050">
             <a:lnSpc>
               <a:spcPct val="90000"/>
             </a:lnSpc>
@@ -5484,435 +5745,23 @@
             <a:buChar char="•"/>
           </a:pPr>
           <a:r>
-            <a:rPr lang="en-US" sz="800" b="0" i="0" kern="1200" dirty="0">
+            <a:rPr lang="en-US" sz="900" b="0" i="0" kern="1200" dirty="0">
               <a:solidFill>
-                <a:schemeClr val="bg2"/>
+                <a:schemeClr val="bg1"/>
               </a:solidFill>
             </a:rPr>
-            <a:t>By now you are probably wondering what a Git is and why it is important in writing code. We have you covered with this short article on version control with Git.</a:t>
+            <a:t>Now that you know what GitHub does, I bet you're ready to move all of those projects off your local machine. This course will show you how.</a:t>
           </a:r>
-          <a:endParaRPr lang="en-US" sz="800" kern="1200" dirty="0">
+          <a:endParaRPr lang="en-US" sz="900" kern="1200" dirty="0">
             <a:solidFill>
-              <a:schemeClr val="bg2"/>
+              <a:schemeClr val="bg1"/>
             </a:solidFill>
           </a:endParaRPr>
         </a:p>
       </dsp:txBody>
       <dsp:txXfrm>
-        <a:off x="3535282" y="2037938"/>
-        <a:ext cx="1380861" cy="1210406"/>
-      </dsp:txXfrm>
-    </dsp:sp>
-    <dsp:sp modelId="{9FE8374F-D9A2-F344-8DE6-ED4EF4C8C9D5}">
-      <dsp:nvSpPr>
-        <dsp:cNvPr id="0" name=""/>
-        <dsp:cNvSpPr/>
-      </dsp:nvSpPr>
-      <dsp:spPr>
-        <a:xfrm>
-          <a:off x="4655603" y="1468335"/>
-          <a:ext cx="260539" cy="260539"/>
-        </a:xfrm>
-        <a:prstGeom prst="triangle">
-          <a:avLst>
-            <a:gd name="adj" fmla="val 100000"/>
-          </a:avLst>
-        </a:prstGeom>
-        <a:solidFill>
-          <a:schemeClr val="accent2">
-            <a:hueOff val="1842214"/>
-            <a:satOff val="8454"/>
-            <a:lumOff val="12132"/>
-            <a:alphaOff val="0"/>
-          </a:schemeClr>
-        </a:solidFill>
-        <a:ln w="25400" cap="flat" cmpd="sng" algn="ctr">
-          <a:solidFill>
-            <a:schemeClr val="accent2">
-              <a:hueOff val="1842214"/>
-              <a:satOff val="8454"/>
-              <a:lumOff val="12132"/>
-              <a:alphaOff val="0"/>
-            </a:schemeClr>
-          </a:solidFill>
-          <a:prstDash val="solid"/>
-        </a:ln>
-        <a:effectLst/>
-      </dsp:spPr>
-      <dsp:style>
-        <a:lnRef idx="2">
-          <a:scrgbClr r="0" g="0" b="0"/>
-        </a:lnRef>
-        <a:fillRef idx="1">
-          <a:scrgbClr r="0" g="0" b="0"/>
-        </a:fillRef>
-        <a:effectRef idx="0">
-          <a:scrgbClr r="0" g="0" b="0"/>
-        </a:effectRef>
-        <a:fontRef idx="minor">
-          <a:schemeClr val="lt1"/>
-        </a:fontRef>
-      </dsp:style>
-    </dsp:sp>
-    <dsp:sp modelId="{19E29F38-2029-6C4B-B3A0-7FED39B18E63}">
-      <dsp:nvSpPr>
-        <dsp:cNvPr id="0" name=""/>
-        <dsp:cNvSpPr/>
-      </dsp:nvSpPr>
-      <dsp:spPr>
-        <a:xfrm rot="5400000">
-          <a:off x="5379163" y="1162638"/>
-          <a:ext cx="919196" cy="1529522"/>
-        </a:xfrm>
-        <a:prstGeom prst="corner">
-          <a:avLst>
-            <a:gd name="adj1" fmla="val 16120"/>
-            <a:gd name="adj2" fmla="val 16110"/>
-          </a:avLst>
-        </a:prstGeom>
-        <a:solidFill>
-          <a:schemeClr val="accent2">
-            <a:hueOff val="2210657"/>
-            <a:satOff val="10144"/>
-            <a:lumOff val="14559"/>
-            <a:alphaOff val="0"/>
-          </a:schemeClr>
-        </a:solidFill>
-        <a:ln w="25400" cap="flat" cmpd="sng" algn="ctr">
-          <a:solidFill>
-            <a:schemeClr val="accent2">
-              <a:hueOff val="2210657"/>
-              <a:satOff val="10144"/>
-              <a:lumOff val="14559"/>
-              <a:alphaOff val="0"/>
-            </a:schemeClr>
-          </a:solidFill>
-          <a:prstDash val="solid"/>
-        </a:ln>
-        <a:effectLst/>
-      </dsp:spPr>
-      <dsp:style>
-        <a:lnRef idx="2">
-          <a:scrgbClr r="0" g="0" b="0"/>
-        </a:lnRef>
-        <a:fillRef idx="1">
-          <a:scrgbClr r="0" g="0" b="0"/>
-        </a:fillRef>
-        <a:effectRef idx="0">
-          <a:scrgbClr r="0" g="0" b="0"/>
-        </a:effectRef>
-        <a:fontRef idx="minor">
-          <a:schemeClr val="lt1"/>
-        </a:fontRef>
-      </dsp:style>
-    </dsp:sp>
-    <dsp:sp modelId="{8E24C747-9ECF-C54F-9BA4-B9EC1C73F63F}">
-      <dsp:nvSpPr>
-        <dsp:cNvPr id="0" name=""/>
-        <dsp:cNvSpPr/>
-      </dsp:nvSpPr>
-      <dsp:spPr>
-        <a:xfrm>
-          <a:off x="5225726" y="1619636"/>
-          <a:ext cx="1380861" cy="1210406"/>
-        </a:xfrm>
-        <a:prstGeom prst="rect">
-          <a:avLst/>
-        </a:prstGeom>
-        <a:noFill/>
-        <a:ln>
-          <a:noFill/>
-        </a:ln>
-        <a:effectLst/>
-      </dsp:spPr>
-      <dsp:style>
-        <a:lnRef idx="0">
-          <a:scrgbClr r="0" g="0" b="0"/>
-        </a:lnRef>
-        <a:fillRef idx="0">
-          <a:scrgbClr r="0" g="0" b="0"/>
-        </a:fillRef>
-        <a:effectRef idx="0">
-          <a:scrgbClr r="0" g="0" b="0"/>
-        </a:effectRef>
-        <a:fontRef idx="minor"/>
-      </dsp:style>
-      <dsp:txBody>
-        <a:bodyPr spcFirstLastPara="0" vert="horz" wrap="square" lIns="38100" tIns="38100" rIns="38100" bIns="38100" numCol="1" spcCol="1270" anchor="t" anchorCtr="0">
-          <a:noAutofit/>
-        </a:bodyPr>
-        <a:lstStyle/>
-        <a:p>
-          <a:pPr marL="0" lvl="0" indent="0" algn="l" defTabSz="444500">
-            <a:lnSpc>
-              <a:spcPct val="90000"/>
-            </a:lnSpc>
-            <a:spcBef>
-              <a:spcPct val="0"/>
-            </a:spcBef>
-            <a:spcAft>
-              <a:spcPct val="35000"/>
-            </a:spcAft>
-            <a:buNone/>
-          </a:pPr>
-          <a:r>
-            <a:rPr lang="en-US" sz="1000" b="1" i="0" kern="1200" dirty="0">
-              <a:solidFill>
-                <a:schemeClr val="bg2"/>
-              </a:solidFill>
-              <a:hlinkClick xmlns:r="http://schemas.openxmlformats.org/officeDocument/2006/relationships" r:id="rId4">
-                <a:extLst>
-                  <a:ext uri="{A12FA001-AC4F-418D-AE19-62706E023703}">
-                    <ahyp:hlinkClr xmlns:ahyp="http://schemas.microsoft.com/office/drawing/2018/hyperlinkcolor" val="tx"/>
-                  </a:ext>
-                </a:extLst>
-              </a:hlinkClick>
-            </a:rPr>
-            <a:t>Communicating using Markdown</a:t>
-          </a:r>
-          <a:endParaRPr lang="en-US" sz="1000" kern="1200" dirty="0">
-            <a:solidFill>
-              <a:schemeClr val="bg2"/>
-            </a:solidFill>
-          </a:endParaRPr>
-        </a:p>
-        <a:p>
-          <a:pPr marL="57150" lvl="1" indent="-57150" algn="l" defTabSz="355600">
-            <a:lnSpc>
-              <a:spcPct val="90000"/>
-            </a:lnSpc>
-            <a:spcBef>
-              <a:spcPct val="0"/>
-            </a:spcBef>
-            <a:spcAft>
-              <a:spcPct val="15000"/>
-            </a:spcAft>
-            <a:buChar char="•"/>
-          </a:pPr>
-          <a:r>
-            <a:rPr lang="en-US" sz="800" b="0" i="0" kern="1200" dirty="0">
-              <a:solidFill>
-                <a:schemeClr val="bg2"/>
-              </a:solidFill>
-            </a:rPr>
-            <a:t>GitHub is all about collaboration and we collaborate in issues in pull requests. Learn how to get your point across with the worlds easiest text formatting syntax.</a:t>
-          </a:r>
-          <a:endParaRPr lang="en-US" sz="800" kern="1200" dirty="0">
-            <a:solidFill>
-              <a:schemeClr val="bg2"/>
-            </a:solidFill>
-          </a:endParaRPr>
-        </a:p>
-      </dsp:txBody>
-      <dsp:txXfrm>
-        <a:off x="5225726" y="1619636"/>
-        <a:ext cx="1380861" cy="1210406"/>
-      </dsp:txXfrm>
-    </dsp:sp>
-    <dsp:sp modelId="{00C23FED-AB4F-2D48-8653-F8699985A14A}">
-      <dsp:nvSpPr>
-        <dsp:cNvPr id="0" name=""/>
-        <dsp:cNvSpPr/>
-      </dsp:nvSpPr>
-      <dsp:spPr>
-        <a:xfrm>
-          <a:off x="6346048" y="1050033"/>
-          <a:ext cx="260539" cy="260539"/>
-        </a:xfrm>
-        <a:prstGeom prst="triangle">
-          <a:avLst>
-            <a:gd name="adj" fmla="val 100000"/>
-          </a:avLst>
-        </a:prstGeom>
-        <a:solidFill>
-          <a:schemeClr val="accent2">
-            <a:hueOff val="2579099"/>
-            <a:satOff val="11835"/>
-            <a:lumOff val="16985"/>
-            <a:alphaOff val="0"/>
-          </a:schemeClr>
-        </a:solidFill>
-        <a:ln w="25400" cap="flat" cmpd="sng" algn="ctr">
-          <a:solidFill>
-            <a:schemeClr val="accent2">
-              <a:hueOff val="2579099"/>
-              <a:satOff val="11835"/>
-              <a:lumOff val="16985"/>
-              <a:alphaOff val="0"/>
-            </a:schemeClr>
-          </a:solidFill>
-          <a:prstDash val="solid"/>
-        </a:ln>
-        <a:effectLst/>
-      </dsp:spPr>
-      <dsp:style>
-        <a:lnRef idx="2">
-          <a:scrgbClr r="0" g="0" b="0"/>
-        </a:lnRef>
-        <a:fillRef idx="1">
-          <a:scrgbClr r="0" g="0" b="0"/>
-        </a:fillRef>
-        <a:effectRef idx="0">
-          <a:scrgbClr r="0" g="0" b="0"/>
-        </a:effectRef>
-        <a:fontRef idx="minor">
-          <a:schemeClr val="lt1"/>
-        </a:fontRef>
-      </dsp:style>
-    </dsp:sp>
-    <dsp:sp modelId="{BE652F3C-E77B-8F42-B0E7-0DDA40DE354C}">
-      <dsp:nvSpPr>
-        <dsp:cNvPr id="0" name=""/>
-        <dsp:cNvSpPr/>
-      </dsp:nvSpPr>
-      <dsp:spPr>
-        <a:xfrm rot="5400000">
-          <a:off x="7069607" y="744336"/>
-          <a:ext cx="919196" cy="1529522"/>
-        </a:xfrm>
-        <a:prstGeom prst="corner">
-          <a:avLst>
-            <a:gd name="adj1" fmla="val 16120"/>
-            <a:gd name="adj2" fmla="val 16110"/>
-          </a:avLst>
-        </a:prstGeom>
-        <a:solidFill>
-          <a:schemeClr val="accent2">
-            <a:hueOff val="2947542"/>
-            <a:satOff val="13526"/>
-            <a:lumOff val="19412"/>
-            <a:alphaOff val="0"/>
-          </a:schemeClr>
-        </a:solidFill>
-        <a:ln w="25400" cap="flat" cmpd="sng" algn="ctr">
-          <a:solidFill>
-            <a:schemeClr val="accent2">
-              <a:hueOff val="2947542"/>
-              <a:satOff val="13526"/>
-              <a:lumOff val="19412"/>
-              <a:alphaOff val="0"/>
-            </a:schemeClr>
-          </a:solidFill>
-          <a:prstDash val="solid"/>
-        </a:ln>
-        <a:effectLst/>
-      </dsp:spPr>
-      <dsp:style>
-        <a:lnRef idx="2">
-          <a:scrgbClr r="0" g="0" b="0"/>
-        </a:lnRef>
-        <a:fillRef idx="1">
-          <a:scrgbClr r="0" g="0" b="0"/>
-        </a:fillRef>
-        <a:effectRef idx="0">
-          <a:scrgbClr r="0" g="0" b="0"/>
-        </a:effectRef>
-        <a:fontRef idx="minor">
-          <a:schemeClr val="lt1"/>
-        </a:fontRef>
-      </dsp:style>
-    </dsp:sp>
-    <dsp:sp modelId="{91BA60E9-D855-9D49-BA87-B52E4F4D1DB0}">
-      <dsp:nvSpPr>
-        <dsp:cNvPr id="0" name=""/>
-        <dsp:cNvSpPr/>
-      </dsp:nvSpPr>
-      <dsp:spPr>
-        <a:xfrm>
-          <a:off x="6916170" y="1201334"/>
-          <a:ext cx="1380861" cy="1210406"/>
-        </a:xfrm>
-        <a:prstGeom prst="rect">
-          <a:avLst/>
-        </a:prstGeom>
-        <a:noFill/>
-        <a:ln>
-          <a:noFill/>
-        </a:ln>
-        <a:effectLst/>
-      </dsp:spPr>
-      <dsp:style>
-        <a:lnRef idx="0">
-          <a:scrgbClr r="0" g="0" b="0"/>
-        </a:lnRef>
-        <a:fillRef idx="0">
-          <a:scrgbClr r="0" g="0" b="0"/>
-        </a:fillRef>
-        <a:effectRef idx="0">
-          <a:scrgbClr r="0" g="0" b="0"/>
-        </a:effectRef>
-        <a:fontRef idx="minor"/>
-      </dsp:style>
-      <dsp:txBody>
-        <a:bodyPr spcFirstLastPara="0" vert="horz" wrap="square" lIns="38100" tIns="38100" rIns="38100" bIns="38100" numCol="1" spcCol="1270" anchor="t" anchorCtr="0">
-          <a:noAutofit/>
-        </a:bodyPr>
-        <a:lstStyle/>
-        <a:p>
-          <a:pPr marL="0" lvl="0" indent="0" algn="l" defTabSz="444500">
-            <a:lnSpc>
-              <a:spcPct val="90000"/>
-            </a:lnSpc>
-            <a:spcBef>
-              <a:spcPct val="0"/>
-            </a:spcBef>
-            <a:spcAft>
-              <a:spcPct val="35000"/>
-            </a:spcAft>
-            <a:buNone/>
-          </a:pPr>
-          <a:r>
-            <a:rPr lang="en-US" sz="1000" b="1" i="0" kern="1200" dirty="0">
-              <a:solidFill>
-                <a:schemeClr val="bg2"/>
-              </a:solidFill>
-              <a:hlinkClick xmlns:r="http://schemas.openxmlformats.org/officeDocument/2006/relationships" r:id="rId5">
-                <a:extLst>
-                  <a:ext uri="{A12FA001-AC4F-418D-AE19-62706E023703}">
-                    <ahyp:hlinkClr xmlns:ahyp="http://schemas.microsoft.com/office/drawing/2018/hyperlinkcolor" val="tx"/>
-                  </a:ext>
-                </a:extLst>
-              </a:hlinkClick>
-            </a:rPr>
-            <a:t>Uploading your project to GitHub</a:t>
-          </a:r>
-          <a:endParaRPr lang="en-US" sz="1000" kern="1200" dirty="0">
-            <a:solidFill>
-              <a:schemeClr val="bg2"/>
-            </a:solidFill>
-          </a:endParaRPr>
-        </a:p>
-        <a:p>
-          <a:pPr marL="57150" lvl="1" indent="-57150" algn="l" defTabSz="355600">
-            <a:lnSpc>
-              <a:spcPct val="90000"/>
-            </a:lnSpc>
-            <a:spcBef>
-              <a:spcPct val="0"/>
-            </a:spcBef>
-            <a:spcAft>
-              <a:spcPct val="15000"/>
-            </a:spcAft>
-            <a:buChar char="•"/>
-          </a:pPr>
-          <a:r>
-            <a:rPr lang="en-US" sz="800" b="0" i="0" kern="1200" dirty="0">
-              <a:solidFill>
-                <a:schemeClr val="bg2"/>
-              </a:solidFill>
-            </a:rPr>
-            <a:t>Now that you know what GitHub does, I bet you're ready to move all of those projects off your local machine. This course will show you how.</a:t>
-          </a:r>
-          <a:endParaRPr lang="en-US" sz="800" kern="1200" dirty="0">
-            <a:solidFill>
-              <a:schemeClr val="bg2"/>
-            </a:solidFill>
-          </a:endParaRPr>
-        </a:p>
-      </dsp:txBody>
-      <dsp:txXfrm>
-        <a:off x="6916170" y="1201334"/>
-        <a:ext cx="1380861" cy="1210406"/>
+        <a:off x="7076141" y="1752612"/>
+        <a:ext cx="1182710" cy="1638274"/>
       </dsp:txXfrm>
     </dsp:sp>
   </dsp:spTree>
@@ -6153,31 +6002,16 @@
 </file>
 
 <file path=ppt/diagrams/layout2.xml><?xml version="1.0" encoding="utf-8"?>
-<dgm:layoutDef xmlns:dgm="http://schemas.openxmlformats.org/drawingml/2006/diagram" xmlns:a="http://schemas.openxmlformats.org/drawingml/2006/main" uniqueId="urn:microsoft.com/office/officeart/2009/3/layout/StepUpProcess">
+<dgm:layoutDef xmlns:dgm="http://schemas.openxmlformats.org/drawingml/2006/diagram" xmlns:a="http://schemas.openxmlformats.org/drawingml/2006/main" uniqueId="urn:microsoft.com/office/officeart/2005/8/layout/process1">
   <dgm:title val=""/>
   <dgm:desc val=""/>
   <dgm:catLst>
-    <dgm:cat type="process" pri="1300"/>
+    <dgm:cat type="process" pri="1000"/>
+    <dgm:cat type="convert" pri="15000"/>
   </dgm:catLst>
-  <dgm:sampData>
+  <dgm:sampData useDef="1">
     <dgm:dataModel>
-      <dgm:ptLst>
-        <dgm:pt modelId="0" type="doc"/>
-        <dgm:pt modelId="10">
-          <dgm:prSet phldr="1"/>
-        </dgm:pt>
-        <dgm:pt modelId="20">
-          <dgm:prSet phldr="1"/>
-        </dgm:pt>
-        <dgm:pt modelId="30">
-          <dgm:prSet phldr="1"/>
-        </dgm:pt>
-      </dgm:ptLst>
-      <dgm:cxnLst>
-        <dgm:cxn modelId="60" srcId="0" destId="10" srcOrd="0" destOrd="0"/>
-        <dgm:cxn modelId="70" srcId="0" destId="20" srcOrd="1" destOrd="0"/>
-        <dgm:cxn modelId="80" srcId="0" destId="30" srcOrd="2" destOrd="0"/>
-      </dgm:cxnLst>
+      <dgm:ptLst/>
       <dgm:bg/>
       <dgm:whole/>
     </dgm:dataModel>
@@ -6186,16 +6020,12 @@
     <dgm:dataModel>
       <dgm:ptLst>
         <dgm:pt modelId="0" type="doc"/>
-        <dgm:pt modelId="10">
-          <dgm:prSet phldr="1"/>
-        </dgm:pt>
-        <dgm:pt modelId="20">
-          <dgm:prSet phldr="1"/>
-        </dgm:pt>
+        <dgm:pt modelId="1"/>
+        <dgm:pt modelId="2"/>
       </dgm:ptLst>
       <dgm:cxnLst>
-        <dgm:cxn modelId="60" srcId="0" destId="10" srcOrd="0" destOrd="0"/>
-        <dgm:cxn modelId="70" srcId="0" destId="20" srcOrd="1" destOrd="0"/>
+        <dgm:cxn modelId="3" srcId="0" destId="1" srcOrd="0" destOrd="0"/>
+        <dgm:cxn modelId="4" srcId="0" destId="2" srcOrd="1" destOrd="0"/>
       </dgm:cxnLst>
       <dgm:bg/>
       <dgm:whole/>
@@ -6205,197 +6035,110 @@
     <dgm:dataModel>
       <dgm:ptLst>
         <dgm:pt modelId="0" type="doc"/>
-        <dgm:pt modelId="10">
-          <dgm:prSet phldr="1"/>
-        </dgm:pt>
-        <dgm:pt modelId="20">
-          <dgm:prSet phldr="1"/>
-        </dgm:pt>
-        <dgm:pt modelId="30">
-          <dgm:prSet phldr="1"/>
-        </dgm:pt>
-        <dgm:pt modelId="40">
-          <dgm:prSet phldr="1"/>
-        </dgm:pt>
+        <dgm:pt modelId="1"/>
+        <dgm:pt modelId="2"/>
+        <dgm:pt modelId="3"/>
+        <dgm:pt modelId="4"/>
       </dgm:ptLst>
       <dgm:cxnLst>
-        <dgm:cxn modelId="60" srcId="0" destId="10" srcOrd="0" destOrd="0"/>
-        <dgm:cxn modelId="70" srcId="0" destId="20" srcOrd="1" destOrd="0"/>
-        <dgm:cxn modelId="80" srcId="0" destId="30" srcOrd="2" destOrd="0"/>
-        <dgm:cxn modelId="90" srcId="0" destId="40" srcOrd="3" destOrd="0"/>
+        <dgm:cxn modelId="5" srcId="0" destId="1" srcOrd="0" destOrd="0"/>
+        <dgm:cxn modelId="6" srcId="0" destId="2" srcOrd="1" destOrd="0"/>
+        <dgm:cxn modelId="7" srcId="0" destId="3" srcOrd="2" destOrd="0"/>
+        <dgm:cxn modelId="8" srcId="0" destId="4" srcOrd="3" destOrd="0"/>
       </dgm:cxnLst>
       <dgm:bg/>
       <dgm:whole/>
     </dgm:dataModel>
   </dgm:clrData>
-  <dgm:layoutNode name="rootnode">
+  <dgm:layoutNode name="Name0">
     <dgm:varLst>
-      <dgm:chMax/>
-      <dgm:chPref/>
       <dgm:dir/>
-      <dgm:animLvl val="lvl"/>
+      <dgm:resizeHandles val="exact"/>
     </dgm:varLst>
-    <dgm:choose name="Name0">
-      <dgm:if name="Name1" func="var" arg="dir" op="equ" val="norm">
-        <dgm:alg type="snake">
-          <dgm:param type="grDir" val="bL"/>
-          <dgm:param type="flowDir" val="row"/>
-          <dgm:param type="off" val="off"/>
-          <dgm:param type="bkpt" val="fixed"/>
-          <dgm:param type="bkPtFixedVal" val="1"/>
-        </dgm:alg>
+    <dgm:choose name="Name1">
+      <dgm:if name="Name2" func="var" arg="dir" op="equ" val="norm">
+        <dgm:alg type="lin"/>
       </dgm:if>
-      <dgm:else name="Name2">
-        <dgm:alg type="snake">
-          <dgm:param type="grDir" val="bR"/>
-          <dgm:param type="flowDir" val="row"/>
-          <dgm:param type="off" val="off"/>
-          <dgm:param type="bkpt" val="fixed"/>
-          <dgm:param type="bkPtFixedVal" val="1"/>
+      <dgm:else name="Name3">
+        <dgm:alg type="lin">
+          <dgm:param type="linDir" val="fromR"/>
         </dgm:alg>
       </dgm:else>
     </dgm:choose>
     <dgm:shape xmlns:r="http://schemas.openxmlformats.org/officeDocument/2006/relationships" r:blip="">
       <dgm:adjLst/>
     </dgm:shape>
+    <dgm:presOf/>
     <dgm:constrLst>
-      <dgm:constr type="alignOff" forName="rootnode" val="1"/>
-      <dgm:constr type="primFontSz" for="des" ptType="node" op="equ" val="65"/>
-      <dgm:constr type="w" for="ch" forName="composite" refType="w"/>
-      <dgm:constr type="h" for="ch" forName="composite" refType="h"/>
-      <dgm:constr type="sp" refType="h" refFor="ch" refForName="composite" op="equ" fact="-0.765"/>
-      <dgm:constr type="w" for="ch" forName="sibTrans" refType="w" fact="0.103"/>
-      <dgm:constr type="h" for="ch" forName="sibTrans" refType="h" fact="0.103"/>
+      <dgm:constr type="w" for="ch" ptType="node" refType="w"/>
+      <dgm:constr type="h" for="ch" ptType="node" op="equ"/>
+      <dgm:constr type="primFontSz" for="ch" ptType="node" op="equ" val="65"/>
+      <dgm:constr type="w" for="ch" ptType="sibTrans" refType="w" refFor="ch" refPtType="node" op="equ" fact="0.4"/>
+      <dgm:constr type="h" for="ch" ptType="sibTrans" op="equ"/>
+      <dgm:constr type="primFontSz" for="des" forName="connectorText" op="equ" val="55"/>
+      <dgm:constr type="primFontSz" for="des" forName="connectorText" refType="primFontSz" refFor="ch" refPtType="node" op="lte" fact="0.8"/>
     </dgm:constrLst>
+    <dgm:ruleLst/>
     <dgm:forEach name="nodesForEach" axis="ch" ptType="node">
-      <dgm:layoutNode name="composite">
-        <dgm:alg type="composite">
-          <dgm:param type="ar" val="0.861"/>
-        </dgm:alg>
-        <dgm:shape xmlns:r="http://schemas.openxmlformats.org/officeDocument/2006/relationships" r:blip="">
-          <dgm:adjLst/>
+      <dgm:layoutNode name="node">
+        <dgm:varLst>
+          <dgm:bulletEnabled val="1"/>
+        </dgm:varLst>
+        <dgm:alg type="tx"/>
+        <dgm:shape xmlns:r="http://schemas.openxmlformats.org/officeDocument/2006/relationships" type="roundRect" r:blip="">
+          <dgm:adjLst>
+            <dgm:adj idx="1" val="0.1"/>
+          </dgm:adjLst>
         </dgm:shape>
-        <dgm:choose name="Name3">
-          <dgm:if name="Name4" func="var" arg="dir" op="equ" val="norm">
-            <dgm:constrLst>
-              <dgm:constr type="l" for="ch" forName="LShape" refType="w" fact="0"/>
-              <dgm:constr type="t" for="ch" forName="LShape" refType="h" fact="0.2347"/>
-              <dgm:constr type="w" for="ch" forName="LShape" refType="w" fact="0.998"/>
-              <dgm:constr type="h" for="ch" forName="LShape" refType="h" fact="0.5164"/>
-              <dgm:constr type="r" for="ch" forName="ParentText" refType="w"/>
-              <dgm:constr type="t" for="ch" forName="ParentText" refType="h" fact="0.32"/>
-              <dgm:constr type="w" for="ch" forName="ParentText" refType="w" fact="0.901"/>
-              <dgm:constr type="h" for="ch" forName="ParentText" refType="h" fact="0.68"/>
-              <dgm:constr type="l" for="ch" forName="Triangle" refType="w" fact="0.83"/>
-              <dgm:constr type="t" for="ch" forName="Triangle" refType="h" fact="0"/>
-              <dgm:constr type="w" for="ch" forName="Triangle" refType="w" fact="0.17"/>
-              <dgm:constr type="h" for="ch" forName="Triangle" refType="w" refFor="ch" refForName="Triangle"/>
-            </dgm:constrLst>
-          </dgm:if>
-          <dgm:else name="Name5">
-            <dgm:constrLst>
-              <dgm:constr type="l" for="ch" forName="LShape" refType="w" fact="0.002"/>
-              <dgm:constr type="t" for="ch" forName="LShape" refType="h" fact="0.2347"/>
-              <dgm:constr type="w" for="ch" forName="LShape" refType="w"/>
-              <dgm:constr type="h" for="ch" forName="LShape" refType="h" fact="0.5164"/>
-              <dgm:constr type="l" for="ch" forName="ParentText" refType="w" fact="0"/>
-              <dgm:constr type="t" for="ch" forName="ParentText" refType="h" fact="0.32"/>
-              <dgm:constr type="w" for="ch" forName="ParentText" refType="w" fact="0.902"/>
-              <dgm:constr type="h" for="ch" forName="ParentText" refType="h" fact="0.68"/>
-              <dgm:constr type="l" for="ch" forName="Triangle" refType="w" fact="0"/>
-              <dgm:constr type="t" for="ch" forName="Triangle" refType="h" fact="0"/>
-              <dgm:constr type="w" for="ch" forName="Triangle" refType="w" fact="0.17"/>
-              <dgm:constr type="h" for="ch" forName="Triangle" refType="w" refFor="ch" refForName="Triangle"/>
-            </dgm:constrLst>
-          </dgm:else>
-        </dgm:choose>
-        <dgm:layoutNode name="LShape" styleLbl="alignNode1">
-          <dgm:alg type="sp"/>
-          <dgm:choose name="Name6">
-            <dgm:if name="Name7" func="var" arg="dir" op="equ" val="norm">
-              <dgm:shape xmlns:r="http://schemas.openxmlformats.org/officeDocument/2006/relationships" rot="90" type="corner" r:blip="">
-                <dgm:adjLst>
-                  <dgm:adj idx="1" val="0.1612"/>
-                  <dgm:adj idx="2" val="0.1611"/>
-                </dgm:adjLst>
-              </dgm:shape>
-            </dgm:if>
-            <dgm:else name="Name8">
-              <dgm:shape xmlns:r="http://schemas.openxmlformats.org/officeDocument/2006/relationships" rot="180" type="corner" r:blip="">
-                <dgm:adjLst>
-                  <dgm:adj idx="1" val="0.1612"/>
-                  <dgm:adj idx="2" val="0.1611"/>
-                </dgm:adjLst>
-              </dgm:shape>
-            </dgm:else>
-          </dgm:choose>
-          <dgm:presOf/>
-        </dgm:layoutNode>
-        <dgm:layoutNode name="ParentText" styleLbl="revTx">
-          <dgm:varLst>
-            <dgm:chMax val="0"/>
-            <dgm:chPref val="0"/>
-            <dgm:bulletEnabled val="1"/>
-          </dgm:varLst>
-          <dgm:alg type="tx">
-            <dgm:param type="parTxLTRAlign" val="l"/>
-            <dgm:param type="txAnchorVert" val="t"/>
-          </dgm:alg>
-          <dgm:shape xmlns:r="http://schemas.openxmlformats.org/officeDocument/2006/relationships" type="rect" r:blip="">
-            <dgm:adjLst/>
-          </dgm:shape>
-          <dgm:presOf axis="desOrSelf" ptType="node"/>
-          <dgm:constrLst>
-            <dgm:constr type="lMarg" refType="primFontSz" fact="0.3"/>
-            <dgm:constr type="rMarg" refType="primFontSz" fact="0.3"/>
-            <dgm:constr type="tMarg" refType="primFontSz" fact="0.3"/>
-            <dgm:constr type="bMarg" refType="primFontSz" fact="0.3"/>
-          </dgm:constrLst>
-          <dgm:ruleLst>
-            <dgm:rule type="primFontSz" val="5" fact="NaN" max="NaN"/>
-          </dgm:ruleLst>
-        </dgm:layoutNode>
-        <dgm:choose name="Name9">
-          <dgm:if name="Name10" axis="followSib" ptType="node" func="cnt" op="gte" val="1">
-            <dgm:layoutNode name="Triangle" styleLbl="alignNode1">
-              <dgm:alg type="sp"/>
-              <dgm:choose name="Name11">
-                <dgm:if name="Name12" func="var" arg="dir" op="equ" val="norm">
-                  <dgm:shape xmlns:r="http://schemas.openxmlformats.org/officeDocument/2006/relationships" type="triangle" r:blip="">
-                    <dgm:adjLst>
-                      <dgm:adj idx="1" val="1"/>
-                    </dgm:adjLst>
-                  </dgm:shape>
-                </dgm:if>
-                <dgm:else name="Name13">
-                  <dgm:shape xmlns:r="http://schemas.openxmlformats.org/officeDocument/2006/relationships" rot="90" type="triangle" r:blip="">
-                    <dgm:adjLst>
-                      <dgm:adj idx="1" val="1"/>
-                    </dgm:adjLst>
-                  </dgm:shape>
-                </dgm:else>
-              </dgm:choose>
-              <dgm:presOf/>
-            </dgm:layoutNode>
-          </dgm:if>
-          <dgm:else name="Name14"/>
-        </dgm:choose>
+        <dgm:presOf axis="desOrSelf" ptType="node"/>
+        <dgm:constrLst>
+          <dgm:constr type="h" refType="w" fact="0.6"/>
+          <dgm:constr type="tMarg" refType="primFontSz" fact="0.3"/>
+          <dgm:constr type="bMarg" refType="primFontSz" fact="0.3"/>
+          <dgm:constr type="lMarg" refType="primFontSz" fact="0.3"/>
+          <dgm:constr type="rMarg" refType="primFontSz" fact="0.3"/>
+        </dgm:constrLst>
+        <dgm:ruleLst>
+          <dgm:rule type="primFontSz" val="18" fact="NaN" max="NaN"/>
+          <dgm:rule type="h" val="NaN" fact="1.5" max="NaN"/>
+          <dgm:rule type="primFontSz" val="5" fact="NaN" max="NaN"/>
+          <dgm:rule type="h" val="INF" fact="NaN" max="NaN"/>
+        </dgm:ruleLst>
       </dgm:layoutNode>
       <dgm:forEach name="sibTransForEach" axis="followSib" ptType="sibTrans" cnt="1">
         <dgm:layoutNode name="sibTrans">
-          <dgm:alg type="composite">
-            <dgm:param type="ar" val="0.861"/>
+          <dgm:alg type="conn">
+            <dgm:param type="begPts" val="auto"/>
+            <dgm:param type="endPts" val="auto"/>
           </dgm:alg>
+          <dgm:shape xmlns:r="http://schemas.openxmlformats.org/officeDocument/2006/relationships" type="conn" r:blip="">
+            <dgm:adjLst/>
+          </dgm:shape>
+          <dgm:presOf axis="self"/>
           <dgm:constrLst>
-            <dgm:constr type="w" for="ch" forName="space" refType="w"/>
-            <dgm:constr type="h" for="ch" forName="space" refType="w"/>
+            <dgm:constr type="h" refType="w" fact="0.62"/>
+            <dgm:constr type="connDist"/>
+            <dgm:constr type="begPad" refType="connDist" fact="0.25"/>
+            <dgm:constr type="endPad" refType="connDist" fact="0.22"/>
           </dgm:constrLst>
-          <dgm:layoutNode name="space" styleLbl="alignNode1">
-            <dgm:alg type="sp"/>
-            <dgm:shape xmlns:r="http://schemas.openxmlformats.org/officeDocument/2006/relationships" r:blip="">
+          <dgm:ruleLst/>
+          <dgm:layoutNode name="connectorText">
+            <dgm:alg type="tx">
+              <dgm:param type="autoTxRot" val="grav"/>
+            </dgm:alg>
+            <dgm:shape xmlns:r="http://schemas.openxmlformats.org/officeDocument/2006/relationships" type="conn" r:blip="" hideGeom="1">
               <dgm:adjLst/>
             </dgm:shape>
-            <dgm:presOf/>
+            <dgm:presOf axis="self"/>
+            <dgm:constrLst>
+              <dgm:constr type="lMarg"/>
+              <dgm:constr type="rMarg"/>
+              <dgm:constr type="tMarg"/>
+              <dgm:constr type="bMarg"/>
+            </dgm:constrLst>
+            <dgm:ruleLst>
+              <dgm:rule type="primFontSz" val="5" fact="NaN" max="NaN"/>
+            </dgm:ruleLst>
           </dgm:layoutNode>
         </dgm:layoutNode>
       </dgm:forEach>
@@ -9075,6 +8818,72 @@
     <p:extLst>
       <p:ext uri="{BB962C8B-B14F-4D97-AF65-F5344CB8AC3E}">
         <p14:creationId xmlns:p14="http://schemas.microsoft.com/office/powerpoint/2010/main" val="1627802074"/>
+      </p:ext>
+    </p:extLst>
+  </p:cSld>
+  <p:clrMapOvr>
+    <a:masterClrMapping/>
+  </p:clrMapOvr>
+</p:notes>
+</file>
+
+<file path=ppt/notesSlides/notesSlide3.xml><?xml version="1.0" encoding="utf-8"?>
+<p:notes xmlns:a="http://schemas.openxmlformats.org/drawingml/2006/main" xmlns:r="http://schemas.openxmlformats.org/officeDocument/2006/relationships" xmlns:p="http://schemas.openxmlformats.org/presentationml/2006/main">
+  <p:cSld>
+    <p:spTree>
+      <p:nvGrpSpPr>
+        <p:cNvPr id="1" name=""/>
+        <p:cNvGrpSpPr/>
+        <p:nvPr/>
+      </p:nvGrpSpPr>
+      <p:grpSpPr>
+        <a:xfrm>
+          <a:off x="0" y="0"/>
+          <a:ext cx="0" cy="0"/>
+          <a:chOff x="0" y="0"/>
+          <a:chExt cx="0" cy="0"/>
+        </a:xfrm>
+      </p:grpSpPr>
+      <p:sp>
+        <p:nvSpPr>
+          <p:cNvPr id="2" name="Slide Image Placeholder 1"/>
+          <p:cNvSpPr>
+            <a:spLocks noGrp="1" noRot="1" noChangeAspect="1"/>
+          </p:cNvSpPr>
+          <p:nvPr>
+            <p:ph type="sldImg"/>
+          </p:nvPr>
+        </p:nvSpPr>
+        <p:spPr>
+          <a:xfrm>
+            <a:off x="381000" y="685800"/>
+            <a:ext cx="6096000" cy="3429000"/>
+          </a:xfrm>
+        </p:spPr>
+      </p:sp>
+      <p:sp>
+        <p:nvSpPr>
+          <p:cNvPr id="3" name="Notes Placeholder 2"/>
+          <p:cNvSpPr>
+            <a:spLocks noGrp="1"/>
+          </p:cNvSpPr>
+          <p:nvPr>
+            <p:ph type="body" idx="1"/>
+          </p:nvPr>
+        </p:nvSpPr>
+        <p:spPr/>
+        <p:txBody>
+          <a:bodyPr/>
+          <a:lstStyle/>
+          <a:p>
+            <a:endParaRPr lang="en-US" dirty="0"/>
+          </a:p>
+        </p:txBody>
+      </p:sp>
+    </p:spTree>
+    <p:extLst>
+      <p:ext uri="{BB962C8B-B14F-4D97-AF65-F5344CB8AC3E}">
+        <p14:creationId xmlns:p14="http://schemas.microsoft.com/office/powerpoint/2010/main" val="996424324"/>
       </p:ext>
     </p:extLst>
   </p:cSld>
@@ -13583,9 +13392,9 @@
             </a:r>
             <a:r>
               <a:rPr lang="en-US" sz="1200" dirty="0">
-                <a:hlinkClick r:id="rId2"/>
+                <a:hlinkClick r:id="rId3"/>
               </a:rPr>
-              <a:t>https://lab.github.com/githubtraining/paths/first-day-on-github</a:t>
+              <a:t>https://skills.github.com/#first-day-on-github</a:t>
             </a:r>
             <a:endParaRPr lang="en-US" sz="1200" dirty="0"/>
           </a:p>
@@ -13604,18 +13413,18 @@
           <p:nvPr>
             <p:extLst>
               <p:ext uri="{D42A27DB-BD31-4B8C-83A1-F6EECF244321}">
-                <p14:modId xmlns:p14="http://schemas.microsoft.com/office/powerpoint/2010/main" val="1932593276"/>
+                <p14:modId xmlns:p14="http://schemas.microsoft.com/office/powerpoint/2010/main" val="2952204370"/>
               </p:ext>
             </p:extLst>
           </p:nvPr>
         </p:nvGraphicFramePr>
         <p:xfrm>
           <a:off x="422151" y="0"/>
-          <a:ext cx="8299700" cy="5134448"/>
+          <a:ext cx="8299700" cy="5143500"/>
         </p:xfrm>
         <a:graphic>
           <a:graphicData uri="http://schemas.openxmlformats.org/drawingml/2006/diagram">
-            <dgm:relIds xmlns:dgm="http://schemas.openxmlformats.org/drawingml/2006/diagram" xmlns:r="http://schemas.openxmlformats.org/officeDocument/2006/relationships" r:dm="rId3" r:lo="rId4" r:qs="rId5" r:cs="rId6"/>
+            <dgm:relIds xmlns:dgm="http://schemas.openxmlformats.org/drawingml/2006/diagram" xmlns:r="http://schemas.openxmlformats.org/officeDocument/2006/relationships" r:dm="rId4" r:lo="rId5" r:qs="rId6" r:cs="rId7"/>
           </a:graphicData>
         </a:graphic>
       </p:graphicFrame>
@@ -13834,7 +13643,7 @@
         </p:blipFill>
         <p:spPr>
           <a:xfrm>
-            <a:off x="1113900" y="-46414"/>
+            <a:off x="2517900" y="704850"/>
             <a:ext cx="1219200" cy="1219200"/>
           </a:xfrm>
           <a:prstGeom prst="rect">

--- a/2 - Gitting Started/GittingStarted.pptx
+++ b/2 - Gitting Started/GittingStarted.pptx
@@ -1941,166 +1941,6 @@
         </a:p>
       </dgm:t>
     </dgm:pt>
-    <dgm:pt modelId="{6698A7A3-3D51-41A2-9FFB-336CF5F184C7}">
-      <dgm:prSet/>
-      <dgm:spPr/>
-      <dgm:t>
-        <a:bodyPr/>
-        <a:lstStyle/>
-        <a:p>
-          <a:pPr>
-            <a:buFont typeface="Arial" panose="020B0604020202020204" pitchFamily="34" charset="0"/>
-            <a:buChar char="•"/>
-          </a:pPr>
-          <a:r>
-            <a:rPr lang="en-US" b="0" i="0" dirty="0"/>
-            <a:t>git commit</a:t>
-          </a:r>
-        </a:p>
-      </dgm:t>
-    </dgm:pt>
-    <dgm:pt modelId="{3E0BC0A8-E014-4465-AF26-73E5456A92B7}" type="parTrans" cxnId="{5FE50347-7661-4684-BF8B-B54F8558F059}">
-      <dgm:prSet/>
-      <dgm:spPr/>
-      <dgm:t>
-        <a:bodyPr/>
-        <a:lstStyle/>
-        <a:p>
-          <a:endParaRPr lang="en-US"/>
-        </a:p>
-      </dgm:t>
-    </dgm:pt>
-    <dgm:pt modelId="{17F197BF-B87E-4B31-B30F-B9F5D979179E}" type="sibTrans" cxnId="{5FE50347-7661-4684-BF8B-B54F8558F059}">
-      <dgm:prSet/>
-      <dgm:spPr/>
-      <dgm:t>
-        <a:bodyPr/>
-        <a:lstStyle/>
-        <a:p>
-          <a:endParaRPr lang="en-US"/>
-        </a:p>
-      </dgm:t>
-    </dgm:pt>
-    <dgm:pt modelId="{F165C66E-3B32-4FCC-BC63-C0E48E13773A}">
-      <dgm:prSet/>
-      <dgm:spPr/>
-      <dgm:t>
-        <a:bodyPr/>
-        <a:lstStyle/>
-        <a:p>
-          <a:pPr>
-            <a:buFont typeface="Arial" panose="020B0604020202020204" pitchFamily="34" charset="0"/>
-            <a:buChar char="•"/>
-          </a:pPr>
-          <a:r>
-            <a:rPr lang="en-US" b="0" i="0" dirty="0"/>
-            <a:t>git status</a:t>
-          </a:r>
-        </a:p>
-      </dgm:t>
-    </dgm:pt>
-    <dgm:pt modelId="{418B1B35-FCC1-4532-B2B2-27FACEC6C8E2}" type="parTrans" cxnId="{48956EB4-1CCC-49A2-86C4-EEC67E0E15F4}">
-      <dgm:prSet/>
-      <dgm:spPr/>
-      <dgm:t>
-        <a:bodyPr/>
-        <a:lstStyle/>
-        <a:p>
-          <a:endParaRPr lang="en-US"/>
-        </a:p>
-      </dgm:t>
-    </dgm:pt>
-    <dgm:pt modelId="{77873B4F-7345-4BD7-8002-73AF98AF0A93}" type="sibTrans" cxnId="{48956EB4-1CCC-49A2-86C4-EEC67E0E15F4}">
-      <dgm:prSet/>
-      <dgm:spPr/>
-      <dgm:t>
-        <a:bodyPr/>
-        <a:lstStyle/>
-        <a:p>
-          <a:endParaRPr lang="en-US"/>
-        </a:p>
-      </dgm:t>
-    </dgm:pt>
-    <dgm:pt modelId="{3E913E07-91EF-4934-B184-8101BA92CA17}">
-      <dgm:prSet/>
-      <dgm:spPr/>
-      <dgm:t>
-        <a:bodyPr/>
-        <a:lstStyle/>
-        <a:p>
-          <a:pPr>
-            <a:buFont typeface="Arial" panose="020B0604020202020204" pitchFamily="34" charset="0"/>
-            <a:buChar char="•"/>
-          </a:pPr>
-          <a:r>
-            <a:rPr lang="en-US" b="0" i="0" dirty="0"/>
-            <a:t>git branch</a:t>
-          </a:r>
-        </a:p>
-      </dgm:t>
-    </dgm:pt>
-    <dgm:pt modelId="{4B0233F5-E7BB-4173-B906-C55B1859C836}" type="parTrans" cxnId="{9B74DCC1-7526-482E-8735-48EC3F55CB31}">
-      <dgm:prSet/>
-      <dgm:spPr/>
-      <dgm:t>
-        <a:bodyPr/>
-        <a:lstStyle/>
-        <a:p>
-          <a:endParaRPr lang="en-US"/>
-        </a:p>
-      </dgm:t>
-    </dgm:pt>
-    <dgm:pt modelId="{5E3285F3-9C26-4DE4-8073-EDB8E696D9FC}" type="sibTrans" cxnId="{9B74DCC1-7526-482E-8735-48EC3F55CB31}">
-      <dgm:prSet/>
-      <dgm:spPr/>
-      <dgm:t>
-        <a:bodyPr/>
-        <a:lstStyle/>
-        <a:p>
-          <a:endParaRPr lang="en-US"/>
-        </a:p>
-      </dgm:t>
-    </dgm:pt>
-    <dgm:pt modelId="{AEB4C4E3-F5A6-493D-AA14-EA4DC4CFC3CC}">
-      <dgm:prSet/>
-      <dgm:spPr/>
-      <dgm:t>
-        <a:bodyPr/>
-        <a:lstStyle/>
-        <a:p>
-          <a:pPr>
-            <a:buFont typeface="Arial" panose="020B0604020202020204" pitchFamily="34" charset="0"/>
-            <a:buChar char="•"/>
-          </a:pPr>
-          <a:r>
-            <a:rPr lang="en-US" b="0" i="0" dirty="0"/>
-            <a:t>git merge</a:t>
-          </a:r>
-        </a:p>
-      </dgm:t>
-    </dgm:pt>
-    <dgm:pt modelId="{4818EC7B-99DD-4248-A326-4CF17ED8D1D5}" type="parTrans" cxnId="{E122E507-60FB-473D-89E4-DBF6F09CDB12}">
-      <dgm:prSet/>
-      <dgm:spPr/>
-      <dgm:t>
-        <a:bodyPr/>
-        <a:lstStyle/>
-        <a:p>
-          <a:endParaRPr lang="en-US"/>
-        </a:p>
-      </dgm:t>
-    </dgm:pt>
-    <dgm:pt modelId="{37648E05-CC60-4BBC-98A8-24E7289A36ED}" type="sibTrans" cxnId="{E122E507-60FB-473D-89E4-DBF6F09CDB12}">
-      <dgm:prSet/>
-      <dgm:spPr/>
-      <dgm:t>
-        <a:bodyPr/>
-        <a:lstStyle/>
-        <a:p>
-          <a:endParaRPr lang="en-US"/>
-        </a:p>
-      </dgm:t>
-    </dgm:pt>
     <dgm:pt modelId="{FF691525-3BA8-4440-8D42-2A04FF5CBDC8}">
       <dgm:prSet/>
       <dgm:spPr/>
@@ -2198,7 +2038,7 @@
                 <a:schemeClr val="bg2"/>
               </a:solidFill>
             </a:rPr>
-            <a:t>Initializes a brand new Git repository and begins tracking an existing directory </a:t>
+            <a:t>Initializes a new Git repository and begins tracking an existing directory locally </a:t>
           </a:r>
           <a:endParaRPr lang="en-US" dirty="0">
             <a:solidFill>
@@ -2264,182 +2104,6 @@
       </dgm:t>
     </dgm:pt>
     <dgm:pt modelId="{D22B024F-7BB6-4F4B-9FA7-3CC19EA3F972}" type="sibTrans" cxnId="{6E8F0E85-934C-4CE4-8F3C-F6F15CB8D75F}">
-      <dgm:prSet/>
-      <dgm:spPr/>
-      <dgm:t>
-        <a:bodyPr/>
-        <a:lstStyle/>
-        <a:p>
-          <a:endParaRPr lang="en-US"/>
-        </a:p>
-      </dgm:t>
-    </dgm:pt>
-    <dgm:pt modelId="{13BA7E33-7BA2-4436-BA85-90EB9EAC15C5}">
-      <dgm:prSet/>
-      <dgm:spPr/>
-      <dgm:t>
-        <a:bodyPr/>
-        <a:lstStyle/>
-        <a:p>
-          <a:pPr>
-            <a:buFont typeface="Arial" panose="020B0604020202020204" pitchFamily="34" charset="0"/>
-            <a:buNone/>
-          </a:pPr>
-          <a:r>
-            <a:rPr lang="en-US" b="0" i="0" dirty="0">
-              <a:solidFill>
-                <a:schemeClr val="bg2"/>
-              </a:solidFill>
-            </a:rPr>
-            <a:t>Saves the snapshot to the project history and completes the change-tracking process</a:t>
-          </a:r>
-        </a:p>
-      </dgm:t>
-    </dgm:pt>
-    <dgm:pt modelId="{EF7A75FE-CBCD-4D5B-AC7C-44C54B1A2EC2}" type="parTrans" cxnId="{470869C3-92FD-4C9B-AF1E-A988075AF64D}">
-      <dgm:prSet/>
-      <dgm:spPr/>
-      <dgm:t>
-        <a:bodyPr/>
-        <a:lstStyle/>
-        <a:p>
-          <a:endParaRPr lang="en-US"/>
-        </a:p>
-      </dgm:t>
-    </dgm:pt>
-    <dgm:pt modelId="{637ACBDB-92FD-495E-ABCC-8D6E830BB947}" type="sibTrans" cxnId="{470869C3-92FD-4C9B-AF1E-A988075AF64D}">
-      <dgm:prSet/>
-      <dgm:spPr/>
-      <dgm:t>
-        <a:bodyPr/>
-        <a:lstStyle/>
-        <a:p>
-          <a:endParaRPr lang="en-US"/>
-        </a:p>
-      </dgm:t>
-    </dgm:pt>
-    <dgm:pt modelId="{EFA20FB6-F653-4B68-9A6A-138133A6BDD8}">
-      <dgm:prSet/>
-      <dgm:spPr/>
-      <dgm:t>
-        <a:bodyPr/>
-        <a:lstStyle/>
-        <a:p>
-          <a:pPr>
-            <a:buFont typeface="Arial" panose="020B0604020202020204" pitchFamily="34" charset="0"/>
-            <a:buNone/>
-          </a:pPr>
-          <a:r>
-            <a:rPr lang="en-US" b="0" i="0" dirty="0">
-              <a:solidFill>
-                <a:schemeClr val="bg2"/>
-              </a:solidFill>
-            </a:rPr>
-            <a:t>Shows the status of changes as untracked, modified, or staged</a:t>
-          </a:r>
-        </a:p>
-      </dgm:t>
-    </dgm:pt>
-    <dgm:pt modelId="{56B5F53E-F803-43BD-9FCE-D6EB44F9C3D9}" type="parTrans" cxnId="{9740D38C-CFD4-4EA3-95C2-B16FF112A978}">
-      <dgm:prSet/>
-      <dgm:spPr/>
-      <dgm:t>
-        <a:bodyPr/>
-        <a:lstStyle/>
-        <a:p>
-          <a:endParaRPr lang="en-US"/>
-        </a:p>
-      </dgm:t>
-    </dgm:pt>
-    <dgm:pt modelId="{5C31A6B7-A0B3-44CE-B87A-53C8ED10F4B8}" type="sibTrans" cxnId="{9740D38C-CFD4-4EA3-95C2-B16FF112A978}">
-      <dgm:prSet/>
-      <dgm:spPr/>
-      <dgm:t>
-        <a:bodyPr/>
-        <a:lstStyle/>
-        <a:p>
-          <a:endParaRPr lang="en-US"/>
-        </a:p>
-      </dgm:t>
-    </dgm:pt>
-    <dgm:pt modelId="{1A30D4AA-4449-4769-82F9-3920099314C3}">
-      <dgm:prSet/>
-      <dgm:spPr/>
-      <dgm:t>
-        <a:bodyPr/>
-        <a:lstStyle/>
-        <a:p>
-          <a:pPr>
-            <a:buFont typeface="Arial" panose="020B0604020202020204" pitchFamily="34" charset="0"/>
-            <a:buNone/>
-          </a:pPr>
-          <a:r>
-            <a:rPr lang="en-US" b="0" i="0" dirty="0">
-              <a:solidFill>
-                <a:schemeClr val="bg2"/>
-              </a:solidFill>
-            </a:rPr>
-            <a:t>Shows the branches being worked on locally.</a:t>
-          </a:r>
-        </a:p>
-      </dgm:t>
-    </dgm:pt>
-    <dgm:pt modelId="{BFFB07A6-F762-4571-8009-1CB19429A3A3}" type="parTrans" cxnId="{5C50B7A8-880E-4B92-B7CE-1719BECC3322}">
-      <dgm:prSet/>
-      <dgm:spPr/>
-      <dgm:t>
-        <a:bodyPr/>
-        <a:lstStyle/>
-        <a:p>
-          <a:endParaRPr lang="en-US"/>
-        </a:p>
-      </dgm:t>
-    </dgm:pt>
-    <dgm:pt modelId="{D01E6C0C-8BF0-4743-BDFE-067C159551BE}" type="sibTrans" cxnId="{5C50B7A8-880E-4B92-B7CE-1719BECC3322}">
-      <dgm:prSet/>
-      <dgm:spPr/>
-      <dgm:t>
-        <a:bodyPr/>
-        <a:lstStyle/>
-        <a:p>
-          <a:endParaRPr lang="en-US"/>
-        </a:p>
-      </dgm:t>
-    </dgm:pt>
-    <dgm:pt modelId="{BC7EFEF1-2A2B-4AFE-9B89-BD266864E592}">
-      <dgm:prSet/>
-      <dgm:spPr/>
-      <dgm:t>
-        <a:bodyPr/>
-        <a:lstStyle/>
-        <a:p>
-          <a:pPr>
-            <a:buFont typeface="Arial" panose="020B0604020202020204" pitchFamily="34" charset="0"/>
-            <a:buNone/>
-          </a:pPr>
-          <a:r>
-            <a:rPr lang="en-US" b="0" i="0" dirty="0">
-              <a:solidFill>
-                <a:schemeClr val="bg2"/>
-              </a:solidFill>
-            </a:rPr>
-            <a:t>Merges lines of development together</a:t>
-          </a:r>
-        </a:p>
-      </dgm:t>
-    </dgm:pt>
-    <dgm:pt modelId="{E710D88E-1476-4849-863D-B5F4F9DE5EB3}" type="parTrans" cxnId="{5AE34417-9986-4C8C-8CAB-9FD58ED2F444}">
-      <dgm:prSet/>
-      <dgm:spPr/>
-      <dgm:t>
-        <a:bodyPr/>
-        <a:lstStyle/>
-        <a:p>
-          <a:endParaRPr lang="en-US"/>
-        </a:p>
-      </dgm:t>
-    </dgm:pt>
-    <dgm:pt modelId="{235DC329-8069-4100-8814-AD24855D1F98}" type="sibTrans" cxnId="{5AE34417-9986-4C8C-8CAB-9FD58ED2F444}">
       <dgm:prSet/>
       <dgm:spPr/>
       <dgm:t>
@@ -2538,6 +2202,450 @@
         </a:p>
       </dgm:t>
     </dgm:pt>
+    <dgm:pt modelId="{6C8DF5CB-196B-4E64-82B8-489310369D02}">
+      <dgm:prSet/>
+      <dgm:spPr/>
+      <dgm:t>
+        <a:bodyPr/>
+        <a:lstStyle/>
+        <a:p>
+          <a:pPr>
+            <a:buFont typeface="Arial" panose="020B0604020202020204" pitchFamily="34" charset="0"/>
+            <a:buChar char="•"/>
+          </a:pPr>
+          <a:r>
+            <a:rPr lang="en-US" b="0" i="0" dirty="0"/>
+            <a:t>git commit</a:t>
+          </a:r>
+          <a:endParaRPr lang="en-US" b="0" i="0" dirty="0">
+            <a:solidFill>
+              <a:schemeClr val="bg2"/>
+            </a:solidFill>
+          </a:endParaRPr>
+        </a:p>
+      </dgm:t>
+    </dgm:pt>
+    <dgm:pt modelId="{7224124B-75BE-4C96-8CD1-26BBDCFC2DF1}" type="parTrans" cxnId="{9DD75521-1CA7-4335-A6C7-E1E0EBDCD732}">
+      <dgm:prSet/>
+      <dgm:spPr/>
+      <dgm:t>
+        <a:bodyPr/>
+        <a:lstStyle/>
+        <a:p>
+          <a:endParaRPr lang="en-US"/>
+        </a:p>
+      </dgm:t>
+    </dgm:pt>
+    <dgm:pt modelId="{D3718AE2-C1D0-47DF-9876-F0A65B42DC3E}" type="sibTrans" cxnId="{9DD75521-1CA7-4335-A6C7-E1E0EBDCD732}">
+      <dgm:prSet/>
+      <dgm:spPr/>
+      <dgm:t>
+        <a:bodyPr/>
+        <a:lstStyle/>
+        <a:p>
+          <a:endParaRPr lang="en-US"/>
+        </a:p>
+      </dgm:t>
+    </dgm:pt>
+    <dgm:pt modelId="{4A7F5693-92D1-4906-88C8-68D6D53F5224}">
+      <dgm:prSet/>
+      <dgm:spPr/>
+      <dgm:t>
+        <a:bodyPr/>
+        <a:lstStyle/>
+        <a:p>
+          <a:pPr>
+            <a:buFont typeface="Arial" panose="020B0604020202020204" pitchFamily="34" charset="0"/>
+            <a:buNone/>
+          </a:pPr>
+          <a:r>
+            <a:rPr lang="en-US" b="0" i="0" dirty="0">
+              <a:solidFill>
+                <a:schemeClr val="bg2"/>
+              </a:solidFill>
+            </a:rPr>
+            <a:t>Saves the snapshot to the project history and completes the change-tracking process</a:t>
+          </a:r>
+        </a:p>
+      </dgm:t>
+    </dgm:pt>
+    <dgm:pt modelId="{9D8F0ED3-9DBB-4173-82D8-5334DDF3C65F}" type="parTrans" cxnId="{CA261B21-C3F5-4AF6-8794-1E8ED1FF21D8}">
+      <dgm:prSet/>
+      <dgm:spPr/>
+      <dgm:t>
+        <a:bodyPr/>
+        <a:lstStyle/>
+        <a:p>
+          <a:endParaRPr lang="en-US"/>
+        </a:p>
+      </dgm:t>
+    </dgm:pt>
+    <dgm:pt modelId="{58B9D1BD-ED2F-41BA-A97C-3218129E3983}" type="sibTrans" cxnId="{CA261B21-C3F5-4AF6-8794-1E8ED1FF21D8}">
+      <dgm:prSet/>
+      <dgm:spPr/>
+      <dgm:t>
+        <a:bodyPr/>
+        <a:lstStyle/>
+        <a:p>
+          <a:endParaRPr lang="en-US"/>
+        </a:p>
+      </dgm:t>
+    </dgm:pt>
+    <dgm:pt modelId="{76E1BC2B-5F82-44E9-A7C9-B2F172A03598}">
+      <dgm:prSet/>
+      <dgm:spPr/>
+      <dgm:t>
+        <a:bodyPr/>
+        <a:lstStyle/>
+        <a:p>
+          <a:pPr>
+            <a:buFont typeface="Arial" panose="020B0604020202020204" pitchFamily="34" charset="0"/>
+            <a:buNone/>
+          </a:pPr>
+          <a:r>
+            <a:rPr lang="en-US" b="0" i="0" dirty="0">
+              <a:solidFill>
+                <a:schemeClr val="bg1"/>
+              </a:solidFill>
+            </a:rPr>
+            <a:t>git fetch</a:t>
+          </a:r>
+        </a:p>
+      </dgm:t>
+    </dgm:pt>
+    <dgm:pt modelId="{C3F7D828-9503-4A84-AED7-3C12DFB72F0D}" type="parTrans" cxnId="{6C16E15D-2422-4833-9EDC-8320ED813346}">
+      <dgm:prSet/>
+      <dgm:spPr/>
+      <dgm:t>
+        <a:bodyPr/>
+        <a:lstStyle/>
+        <a:p>
+          <a:endParaRPr lang="en-US"/>
+        </a:p>
+      </dgm:t>
+    </dgm:pt>
+    <dgm:pt modelId="{B192E6BF-CE1A-4044-9307-26BB70CF2902}" type="sibTrans" cxnId="{6C16E15D-2422-4833-9EDC-8320ED813346}">
+      <dgm:prSet/>
+      <dgm:spPr/>
+      <dgm:t>
+        <a:bodyPr/>
+        <a:lstStyle/>
+        <a:p>
+          <a:endParaRPr lang="en-US"/>
+        </a:p>
+      </dgm:t>
+    </dgm:pt>
+    <dgm:pt modelId="{433EC22E-29B0-4D03-AC74-08503F83A7AF}">
+      <dgm:prSet/>
+      <dgm:spPr/>
+      <dgm:t>
+        <a:bodyPr/>
+        <a:lstStyle/>
+        <a:p>
+          <a:pPr>
+            <a:buFont typeface="Arial" panose="020B0604020202020204" pitchFamily="34" charset="0"/>
+            <a:buNone/>
+          </a:pPr>
+          <a:r>
+            <a:rPr lang="en-US" b="0" i="0" dirty="0">
+              <a:solidFill>
+                <a:schemeClr val="bg2"/>
+              </a:solidFill>
+            </a:rPr>
+            <a:t>Looks at the remote repo and sees what new changes can be pulled locally</a:t>
+          </a:r>
+        </a:p>
+      </dgm:t>
+    </dgm:pt>
+    <dgm:pt modelId="{B41613CB-9368-43F6-9DC0-C664AED4C5C6}" type="parTrans" cxnId="{C8DFFA4F-2612-4814-98CA-B96E82C55711}">
+      <dgm:prSet/>
+      <dgm:spPr/>
+      <dgm:t>
+        <a:bodyPr/>
+        <a:lstStyle/>
+        <a:p>
+          <a:endParaRPr lang="en-US"/>
+        </a:p>
+      </dgm:t>
+    </dgm:pt>
+    <dgm:pt modelId="{C5DA4CFE-B256-44C7-B5DC-3691BA5D3D30}" type="sibTrans" cxnId="{C8DFFA4F-2612-4814-98CA-B96E82C55711}">
+      <dgm:prSet/>
+      <dgm:spPr/>
+      <dgm:t>
+        <a:bodyPr/>
+        <a:lstStyle/>
+        <a:p>
+          <a:endParaRPr lang="en-US"/>
+        </a:p>
+      </dgm:t>
+    </dgm:pt>
+    <dgm:pt modelId="{AEF6D9D2-ED70-440E-9A6D-977043930C77}">
+      <dgm:prSet/>
+      <dgm:spPr/>
+      <dgm:t>
+        <a:bodyPr/>
+        <a:lstStyle/>
+        <a:p>
+          <a:pPr>
+            <a:buFont typeface="Arial" panose="020B0604020202020204" pitchFamily="34" charset="0"/>
+            <a:buChar char="•"/>
+          </a:pPr>
+          <a:r>
+            <a:rPr lang="en-US" b="0" i="0"/>
+            <a:t>git branch</a:t>
+          </a:r>
+          <a:endParaRPr lang="en-US" b="0" i="0" dirty="0">
+            <a:solidFill>
+              <a:schemeClr val="bg2"/>
+            </a:solidFill>
+          </a:endParaRPr>
+        </a:p>
+      </dgm:t>
+    </dgm:pt>
+    <dgm:pt modelId="{2F7BFC31-BB62-4136-8284-BAEFCB241C76}" type="parTrans" cxnId="{290859CF-AF15-431F-85B3-94F4FF5BBE3B}">
+      <dgm:prSet/>
+      <dgm:spPr/>
+      <dgm:t>
+        <a:bodyPr/>
+        <a:lstStyle/>
+        <a:p>
+          <a:endParaRPr lang="en-US"/>
+        </a:p>
+      </dgm:t>
+    </dgm:pt>
+    <dgm:pt modelId="{E63C94D3-D1E8-47DE-8518-71C15D55AFE8}" type="sibTrans" cxnId="{290859CF-AF15-431F-85B3-94F4FF5BBE3B}">
+      <dgm:prSet/>
+      <dgm:spPr/>
+      <dgm:t>
+        <a:bodyPr/>
+        <a:lstStyle/>
+        <a:p>
+          <a:endParaRPr lang="en-US"/>
+        </a:p>
+      </dgm:t>
+    </dgm:pt>
+    <dgm:pt modelId="{BC8A5DAD-9DD7-4AF3-B56F-12390ED1083B}">
+      <dgm:prSet/>
+      <dgm:spPr/>
+      <dgm:t>
+        <a:bodyPr/>
+        <a:lstStyle/>
+        <a:p>
+          <a:pPr>
+            <a:buFont typeface="Arial" panose="020B0604020202020204" pitchFamily="34" charset="0"/>
+            <a:buNone/>
+          </a:pPr>
+          <a:r>
+            <a:rPr lang="en-US" b="0" i="0" dirty="0">
+              <a:solidFill>
+                <a:schemeClr val="bg2"/>
+              </a:solidFill>
+            </a:rPr>
+            <a:t>Shows the branches being worked on locally.</a:t>
+          </a:r>
+        </a:p>
+      </dgm:t>
+    </dgm:pt>
+    <dgm:pt modelId="{AE961D86-CC4E-4F6C-B773-7592C0611AFA}" type="parTrans" cxnId="{9C743B73-CF0C-436D-B351-1DB4BA056D9F}">
+      <dgm:prSet/>
+      <dgm:spPr/>
+      <dgm:t>
+        <a:bodyPr/>
+        <a:lstStyle/>
+        <a:p>
+          <a:endParaRPr lang="en-US"/>
+        </a:p>
+      </dgm:t>
+    </dgm:pt>
+    <dgm:pt modelId="{F6C1292F-69E6-4710-8271-2F9A52EE60B9}" type="sibTrans" cxnId="{9C743B73-CF0C-436D-B351-1DB4BA056D9F}">
+      <dgm:prSet/>
+      <dgm:spPr/>
+      <dgm:t>
+        <a:bodyPr/>
+        <a:lstStyle/>
+        <a:p>
+          <a:endParaRPr lang="en-US"/>
+        </a:p>
+      </dgm:t>
+    </dgm:pt>
+    <dgm:pt modelId="{8F63567E-7A25-44B1-938B-128A650BC65F}">
+      <dgm:prSet/>
+      <dgm:spPr/>
+      <dgm:t>
+        <a:bodyPr/>
+        <a:lstStyle/>
+        <a:p>
+          <a:pPr>
+            <a:buFont typeface="Arial" panose="020B0604020202020204" pitchFamily="34" charset="0"/>
+            <a:buChar char="•"/>
+          </a:pPr>
+          <a:r>
+            <a:rPr lang="en-US" b="0" i="0"/>
+            <a:t>git merge</a:t>
+          </a:r>
+          <a:endParaRPr lang="en-US" b="0" i="0" dirty="0">
+            <a:solidFill>
+              <a:schemeClr val="bg2"/>
+            </a:solidFill>
+          </a:endParaRPr>
+        </a:p>
+      </dgm:t>
+    </dgm:pt>
+    <dgm:pt modelId="{1E1B2CF9-94A3-45D5-9E7B-666FBE789E29}" type="parTrans" cxnId="{95A4DE4E-9D32-4C61-BEEE-3B7FCE12066B}">
+      <dgm:prSet/>
+      <dgm:spPr/>
+      <dgm:t>
+        <a:bodyPr/>
+        <a:lstStyle/>
+        <a:p>
+          <a:endParaRPr lang="en-US"/>
+        </a:p>
+      </dgm:t>
+    </dgm:pt>
+    <dgm:pt modelId="{EEC7E7BC-D3D6-4BB0-ACA1-7B30AAE3423B}" type="sibTrans" cxnId="{95A4DE4E-9D32-4C61-BEEE-3B7FCE12066B}">
+      <dgm:prSet/>
+      <dgm:spPr/>
+      <dgm:t>
+        <a:bodyPr/>
+        <a:lstStyle/>
+        <a:p>
+          <a:endParaRPr lang="en-US"/>
+        </a:p>
+      </dgm:t>
+    </dgm:pt>
+    <dgm:pt modelId="{8CE038C3-3256-4416-9DD0-A53768A8B83E}">
+      <dgm:prSet/>
+      <dgm:spPr/>
+      <dgm:t>
+        <a:bodyPr/>
+        <a:lstStyle/>
+        <a:p>
+          <a:pPr>
+            <a:buFont typeface="Arial" panose="020B0604020202020204" pitchFamily="34" charset="0"/>
+            <a:buNone/>
+          </a:pPr>
+          <a:r>
+            <a:rPr lang="en-US" b="0" i="0" dirty="0">
+              <a:solidFill>
+                <a:schemeClr val="bg2"/>
+              </a:solidFill>
+            </a:rPr>
+            <a:t>Merges lines of development together</a:t>
+          </a:r>
+        </a:p>
+      </dgm:t>
+    </dgm:pt>
+    <dgm:pt modelId="{A86D6AF5-7997-42A0-AB4E-BFAE5F58511C}" type="parTrans" cxnId="{35C225EF-F0F7-411C-88D4-AC8987814249}">
+      <dgm:prSet/>
+      <dgm:spPr/>
+      <dgm:t>
+        <a:bodyPr/>
+        <a:lstStyle/>
+        <a:p>
+          <a:endParaRPr lang="en-US"/>
+        </a:p>
+      </dgm:t>
+    </dgm:pt>
+    <dgm:pt modelId="{83B867F7-1C04-481A-8834-43E09C43498B}" type="sibTrans" cxnId="{35C225EF-F0F7-411C-88D4-AC8987814249}">
+      <dgm:prSet/>
+      <dgm:spPr/>
+      <dgm:t>
+        <a:bodyPr/>
+        <a:lstStyle/>
+        <a:p>
+          <a:endParaRPr lang="en-US"/>
+        </a:p>
+      </dgm:t>
+    </dgm:pt>
+    <dgm:pt modelId="{B8F71674-37BD-488B-A83A-D3CBDEBB9E32}">
+      <dgm:prSet/>
+      <dgm:spPr/>
+      <dgm:t>
+        <a:bodyPr/>
+        <a:lstStyle/>
+        <a:p>
+          <a:pPr>
+            <a:buFont typeface="Arial" panose="020B0604020202020204" pitchFamily="34" charset="0"/>
+            <a:buChar char="•"/>
+          </a:pPr>
+          <a:r>
+            <a:rPr lang="en-US" b="0" i="0" dirty="0"/>
+            <a:t>git status</a:t>
+          </a:r>
+          <a:endParaRPr lang="en-US" b="0" i="0" dirty="0">
+            <a:solidFill>
+              <a:schemeClr val="bg2"/>
+            </a:solidFill>
+          </a:endParaRPr>
+        </a:p>
+      </dgm:t>
+    </dgm:pt>
+    <dgm:pt modelId="{0BCD33CD-D785-4081-8D6B-3E132387A885}" type="parTrans" cxnId="{9DA41812-483E-4BDD-87D4-578E12D77E21}">
+      <dgm:prSet/>
+      <dgm:spPr/>
+      <dgm:t>
+        <a:bodyPr/>
+        <a:lstStyle/>
+        <a:p>
+          <a:endParaRPr lang="en-US"/>
+        </a:p>
+      </dgm:t>
+    </dgm:pt>
+    <dgm:pt modelId="{712C3F0B-2EB8-4C31-B1D7-A24216A9D57B}" type="sibTrans" cxnId="{9DA41812-483E-4BDD-87D4-578E12D77E21}">
+      <dgm:prSet/>
+      <dgm:spPr/>
+      <dgm:t>
+        <a:bodyPr/>
+        <a:lstStyle/>
+        <a:p>
+          <a:endParaRPr lang="en-US"/>
+        </a:p>
+      </dgm:t>
+    </dgm:pt>
+    <dgm:pt modelId="{7075DC72-E876-415A-A593-21A88F8832EB}">
+      <dgm:prSet/>
+      <dgm:spPr/>
+      <dgm:t>
+        <a:bodyPr/>
+        <a:lstStyle/>
+        <a:p>
+          <a:pPr>
+            <a:buFont typeface="Arial" panose="020B0604020202020204" pitchFamily="34" charset="0"/>
+            <a:buNone/>
+          </a:pPr>
+          <a:r>
+            <a:rPr lang="en-US" b="0" i="0" dirty="0">
+              <a:solidFill>
+                <a:schemeClr val="bg2"/>
+              </a:solidFill>
+            </a:rPr>
+            <a:t>Shows the status of changes as untracked, modified, or staged</a:t>
+          </a:r>
+        </a:p>
+      </dgm:t>
+    </dgm:pt>
+    <dgm:pt modelId="{4EC8365A-0B91-4E1C-B73A-1CC699277773}" type="parTrans" cxnId="{82F9E3E0-0616-4BAC-BEB6-063BF5B658B9}">
+      <dgm:prSet/>
+      <dgm:spPr/>
+      <dgm:t>
+        <a:bodyPr/>
+        <a:lstStyle/>
+        <a:p>
+          <a:endParaRPr lang="en-US"/>
+        </a:p>
+      </dgm:t>
+    </dgm:pt>
+    <dgm:pt modelId="{E3380A5D-C7F3-4C02-BC3E-3C3B1732F72C}" type="sibTrans" cxnId="{82F9E3E0-0616-4BAC-BEB6-063BF5B658B9}">
+      <dgm:prSet/>
+      <dgm:spPr/>
+      <dgm:t>
+        <a:bodyPr/>
+        <a:lstStyle/>
+        <a:p>
+          <a:endParaRPr lang="en-US"/>
+        </a:p>
+      </dgm:t>
+    </dgm:pt>
     <dgm:pt modelId="{A120AF14-FB27-49E6-BD56-F96DF1C2F478}" type="pres">
       <dgm:prSet presAssocID="{6774D6CC-D08F-41B6-8C1F-C020AB656E97}" presName="Name0" presStyleCnt="0">
         <dgm:presLayoutVars>
@@ -2553,7 +2661,7 @@
       <dgm:spPr/>
     </dgm:pt>
     <dgm:pt modelId="{919F2EAC-EDA1-4008-9504-E9D3F26EA9D2}" type="pres">
-      <dgm:prSet presAssocID="{DE6CD148-2E3A-4413-AD4F-D8257F8841F7}" presName="parentText" presStyleLbl="node1" presStyleIdx="0" presStyleCnt="8">
+      <dgm:prSet presAssocID="{DE6CD148-2E3A-4413-AD4F-D8257F8841F7}" presName="parentText" presStyleLbl="node1" presStyleIdx="0" presStyleCnt="9">
         <dgm:presLayoutVars>
           <dgm:chMax val="1"/>
           <dgm:bulletEnabled val="1"/>
@@ -2562,7 +2670,7 @@
       <dgm:spPr/>
     </dgm:pt>
     <dgm:pt modelId="{CD3D2777-B0B3-48A8-A1A1-F46E09E658A8}" type="pres">
-      <dgm:prSet presAssocID="{DE6CD148-2E3A-4413-AD4F-D8257F8841F7}" presName="descendantText" presStyleLbl="alignAccFollowNode1" presStyleIdx="0" presStyleCnt="8">
+      <dgm:prSet presAssocID="{DE6CD148-2E3A-4413-AD4F-D8257F8841F7}" presName="descendantText" presStyleLbl="alignAccFollowNode1" presStyleIdx="0" presStyleCnt="9">
         <dgm:presLayoutVars>
           <dgm:bulletEnabled val="1"/>
         </dgm:presLayoutVars>
@@ -2578,7 +2686,7 @@
       <dgm:spPr/>
     </dgm:pt>
     <dgm:pt modelId="{7D7181C3-79D2-42C9-BE6D-B368A3308A35}" type="pres">
-      <dgm:prSet presAssocID="{D2048CD0-C784-4B90-A0BD-73DF3C1F7D69}" presName="parentText" presStyleLbl="node1" presStyleIdx="1" presStyleCnt="8">
+      <dgm:prSet presAssocID="{D2048CD0-C784-4B90-A0BD-73DF3C1F7D69}" presName="parentText" presStyleLbl="node1" presStyleIdx="1" presStyleCnt="9">
         <dgm:presLayoutVars>
           <dgm:chMax val="1"/>
           <dgm:bulletEnabled val="1"/>
@@ -2587,7 +2695,7 @@
       <dgm:spPr/>
     </dgm:pt>
     <dgm:pt modelId="{9F511821-30C7-44EE-BE15-ED30B4A1A90E}" type="pres">
-      <dgm:prSet presAssocID="{D2048CD0-C784-4B90-A0BD-73DF3C1F7D69}" presName="descendantText" presStyleLbl="alignAccFollowNode1" presStyleIdx="1" presStyleCnt="8">
+      <dgm:prSet presAssocID="{D2048CD0-C784-4B90-A0BD-73DF3C1F7D69}" presName="descendantText" presStyleLbl="alignAccFollowNode1" presStyleIdx="1" presStyleCnt="9">
         <dgm:presLayoutVars>
           <dgm:bulletEnabled val="1"/>
         </dgm:presLayoutVars>
@@ -2598,12 +2706,12 @@
       <dgm:prSet presAssocID="{E371AD46-7DDB-43BC-A7C5-3ACB5419E478}" presName="sp" presStyleCnt="0"/>
       <dgm:spPr/>
     </dgm:pt>
-    <dgm:pt modelId="{5E3941E5-5AD2-45BD-9029-8534FB502307}" type="pres">
-      <dgm:prSet presAssocID="{6698A7A3-3D51-41A2-9FFB-336CF5F184C7}" presName="linNode" presStyleCnt="0"/>
+    <dgm:pt modelId="{11E86269-A53F-4187-9463-8AC02AC3F94A}" type="pres">
+      <dgm:prSet presAssocID="{76E1BC2B-5F82-44E9-A7C9-B2F172A03598}" presName="linNode" presStyleCnt="0"/>
       <dgm:spPr/>
     </dgm:pt>
-    <dgm:pt modelId="{1A1533F1-B6EF-4DC4-9804-99FECDE4497E}" type="pres">
-      <dgm:prSet presAssocID="{6698A7A3-3D51-41A2-9FFB-336CF5F184C7}" presName="parentText" presStyleLbl="node1" presStyleIdx="2" presStyleCnt="8">
+    <dgm:pt modelId="{74680435-31A8-4884-9187-3CD0E3BCD098}" type="pres">
+      <dgm:prSet presAssocID="{76E1BC2B-5F82-44E9-A7C9-B2F172A03598}" presName="parentText" presStyleLbl="node1" presStyleIdx="2" presStyleCnt="9">
         <dgm:presLayoutVars>
           <dgm:chMax val="1"/>
           <dgm:bulletEnabled val="1"/>
@@ -2611,91 +2719,16 @@
       </dgm:prSet>
       <dgm:spPr/>
     </dgm:pt>
-    <dgm:pt modelId="{05ACDEAE-5449-40F8-9816-9F0D5866E996}" type="pres">
-      <dgm:prSet presAssocID="{6698A7A3-3D51-41A2-9FFB-336CF5F184C7}" presName="descendantText" presStyleLbl="alignAccFollowNode1" presStyleIdx="2" presStyleCnt="8">
+    <dgm:pt modelId="{42C02E4A-651A-4B59-B23B-FD46640D2CB5}" type="pres">
+      <dgm:prSet presAssocID="{76E1BC2B-5F82-44E9-A7C9-B2F172A03598}" presName="descendantText" presStyleLbl="alignAccFollowNode1" presStyleIdx="2" presStyleCnt="9">
         <dgm:presLayoutVars>
           <dgm:bulletEnabled val="1"/>
         </dgm:presLayoutVars>
       </dgm:prSet>
       <dgm:spPr/>
     </dgm:pt>
-    <dgm:pt modelId="{88B9FE75-18D0-4C86-871B-BBF2B6643EFA}" type="pres">
-      <dgm:prSet presAssocID="{17F197BF-B87E-4B31-B30F-B9F5D979179E}" presName="sp" presStyleCnt="0"/>
-      <dgm:spPr/>
-    </dgm:pt>
-    <dgm:pt modelId="{610C21CD-24AD-489E-8210-42FC92901E4F}" type="pres">
-      <dgm:prSet presAssocID="{F165C66E-3B32-4FCC-BC63-C0E48E13773A}" presName="linNode" presStyleCnt="0"/>
-      <dgm:spPr/>
-    </dgm:pt>
-    <dgm:pt modelId="{87379221-2FD2-42BB-B976-D3FDFD2DE368}" type="pres">
-      <dgm:prSet presAssocID="{F165C66E-3B32-4FCC-BC63-C0E48E13773A}" presName="parentText" presStyleLbl="node1" presStyleIdx="3" presStyleCnt="8">
-        <dgm:presLayoutVars>
-          <dgm:chMax val="1"/>
-          <dgm:bulletEnabled val="1"/>
-        </dgm:presLayoutVars>
-      </dgm:prSet>
-      <dgm:spPr/>
-    </dgm:pt>
-    <dgm:pt modelId="{96B234E1-B1F6-4AD4-9F1E-2A2986D08063}" type="pres">
-      <dgm:prSet presAssocID="{F165C66E-3B32-4FCC-BC63-C0E48E13773A}" presName="descendantText" presStyleLbl="alignAccFollowNode1" presStyleIdx="3" presStyleCnt="8">
-        <dgm:presLayoutVars>
-          <dgm:bulletEnabled val="1"/>
-        </dgm:presLayoutVars>
-      </dgm:prSet>
-      <dgm:spPr/>
-    </dgm:pt>
-    <dgm:pt modelId="{028E148D-65D8-4879-8AEF-C9E04A8B1986}" type="pres">
-      <dgm:prSet presAssocID="{77873B4F-7345-4BD7-8002-73AF98AF0A93}" presName="sp" presStyleCnt="0"/>
-      <dgm:spPr/>
-    </dgm:pt>
-    <dgm:pt modelId="{7EBF948B-79BF-4160-B1A0-C2F387C82103}" type="pres">
-      <dgm:prSet presAssocID="{3E913E07-91EF-4934-B184-8101BA92CA17}" presName="linNode" presStyleCnt="0"/>
-      <dgm:spPr/>
-    </dgm:pt>
-    <dgm:pt modelId="{E7FECA51-2E31-4BB2-BA21-598AA0635CFE}" type="pres">
-      <dgm:prSet presAssocID="{3E913E07-91EF-4934-B184-8101BA92CA17}" presName="parentText" presStyleLbl="node1" presStyleIdx="4" presStyleCnt="8">
-        <dgm:presLayoutVars>
-          <dgm:chMax val="1"/>
-          <dgm:bulletEnabled val="1"/>
-        </dgm:presLayoutVars>
-      </dgm:prSet>
-      <dgm:spPr/>
-    </dgm:pt>
-    <dgm:pt modelId="{627BD9A2-87AC-4DAE-8453-676C5AFB0A4B}" type="pres">
-      <dgm:prSet presAssocID="{3E913E07-91EF-4934-B184-8101BA92CA17}" presName="descendantText" presStyleLbl="alignAccFollowNode1" presStyleIdx="4" presStyleCnt="8">
-        <dgm:presLayoutVars>
-          <dgm:bulletEnabled val="1"/>
-        </dgm:presLayoutVars>
-      </dgm:prSet>
-      <dgm:spPr/>
-    </dgm:pt>
-    <dgm:pt modelId="{0997640B-897A-4591-95BA-B9F0D67D0090}" type="pres">
-      <dgm:prSet presAssocID="{5E3285F3-9C26-4DE4-8073-EDB8E696D9FC}" presName="sp" presStyleCnt="0"/>
-      <dgm:spPr/>
-    </dgm:pt>
-    <dgm:pt modelId="{7C3FA2BB-A945-4C58-87F5-DFED482515CF}" type="pres">
-      <dgm:prSet presAssocID="{AEB4C4E3-F5A6-493D-AA14-EA4DC4CFC3CC}" presName="linNode" presStyleCnt="0"/>
-      <dgm:spPr/>
-    </dgm:pt>
-    <dgm:pt modelId="{8531C7E9-197D-4211-9839-213C003C25E9}" type="pres">
-      <dgm:prSet presAssocID="{AEB4C4E3-F5A6-493D-AA14-EA4DC4CFC3CC}" presName="parentText" presStyleLbl="node1" presStyleIdx="5" presStyleCnt="8">
-        <dgm:presLayoutVars>
-          <dgm:chMax val="1"/>
-          <dgm:bulletEnabled val="1"/>
-        </dgm:presLayoutVars>
-      </dgm:prSet>
-      <dgm:spPr/>
-    </dgm:pt>
-    <dgm:pt modelId="{84E058B7-D423-41F9-99E3-C76472626B91}" type="pres">
-      <dgm:prSet presAssocID="{AEB4C4E3-F5A6-493D-AA14-EA4DC4CFC3CC}" presName="descendantText" presStyleLbl="alignAccFollowNode1" presStyleIdx="5" presStyleCnt="8">
-        <dgm:presLayoutVars>
-          <dgm:bulletEnabled val="1"/>
-        </dgm:presLayoutVars>
-      </dgm:prSet>
-      <dgm:spPr/>
-    </dgm:pt>
-    <dgm:pt modelId="{F000714E-4E8A-4B19-A19B-4F31AF28A952}" type="pres">
-      <dgm:prSet presAssocID="{37648E05-CC60-4BBC-98A8-24E7289A36ED}" presName="sp" presStyleCnt="0"/>
+    <dgm:pt modelId="{B9724DB9-D737-4D1C-9579-8F92CCDF13CE}" type="pres">
+      <dgm:prSet presAssocID="{B192E6BF-CE1A-4044-9307-26BB70CF2902}" presName="sp" presStyleCnt="0"/>
       <dgm:spPr/>
     </dgm:pt>
     <dgm:pt modelId="{0BEB466F-2654-443C-A51D-440E4A28EA01}" type="pres">
@@ -2703,7 +2736,7 @@
       <dgm:spPr/>
     </dgm:pt>
     <dgm:pt modelId="{7894D1E9-801C-467A-B853-11CE2E29E21E}" type="pres">
-      <dgm:prSet presAssocID="{FF691525-3BA8-4440-8D42-2A04FF5CBDC8}" presName="parentText" presStyleLbl="node1" presStyleIdx="6" presStyleCnt="8">
+      <dgm:prSet presAssocID="{FF691525-3BA8-4440-8D42-2A04FF5CBDC8}" presName="parentText" presStyleLbl="node1" presStyleIdx="3" presStyleCnt="9">
         <dgm:presLayoutVars>
           <dgm:chMax val="1"/>
           <dgm:bulletEnabled val="1"/>
@@ -2712,7 +2745,7 @@
       <dgm:spPr/>
     </dgm:pt>
     <dgm:pt modelId="{0CBE881E-0DA8-49FE-9580-33DDDFDDD596}" type="pres">
-      <dgm:prSet presAssocID="{FF691525-3BA8-4440-8D42-2A04FF5CBDC8}" presName="descendantText" presStyleLbl="alignAccFollowNode1" presStyleIdx="6" presStyleCnt="8">
+      <dgm:prSet presAssocID="{FF691525-3BA8-4440-8D42-2A04FF5CBDC8}" presName="descendantText" presStyleLbl="alignAccFollowNode1" presStyleIdx="3" presStyleCnt="9">
         <dgm:presLayoutVars>
           <dgm:bulletEnabled val="1"/>
         </dgm:presLayoutVars>
@@ -2723,12 +2756,112 @@
       <dgm:prSet presAssocID="{B908D5CC-8419-433E-B865-352FEAC60105}" presName="sp" presStyleCnt="0"/>
       <dgm:spPr/>
     </dgm:pt>
+    <dgm:pt modelId="{C504AEB3-B45A-40AC-B56E-E7134977B874}" type="pres">
+      <dgm:prSet presAssocID="{B8F71674-37BD-488B-A83A-D3CBDEBB9E32}" presName="linNode" presStyleCnt="0"/>
+      <dgm:spPr/>
+    </dgm:pt>
+    <dgm:pt modelId="{7C5CCB8A-B572-4397-B4D7-5131ACEFC885}" type="pres">
+      <dgm:prSet presAssocID="{B8F71674-37BD-488B-A83A-D3CBDEBB9E32}" presName="parentText" presStyleLbl="node1" presStyleIdx="4" presStyleCnt="9">
+        <dgm:presLayoutVars>
+          <dgm:chMax val="1"/>
+          <dgm:bulletEnabled val="1"/>
+        </dgm:presLayoutVars>
+      </dgm:prSet>
+      <dgm:spPr/>
+    </dgm:pt>
+    <dgm:pt modelId="{CB6D2F15-EFA1-4371-9E98-54CB666936F2}" type="pres">
+      <dgm:prSet presAssocID="{B8F71674-37BD-488B-A83A-D3CBDEBB9E32}" presName="descendantText" presStyleLbl="alignAccFollowNode1" presStyleIdx="4" presStyleCnt="9">
+        <dgm:presLayoutVars>
+          <dgm:bulletEnabled val="1"/>
+        </dgm:presLayoutVars>
+      </dgm:prSet>
+      <dgm:spPr/>
+    </dgm:pt>
+    <dgm:pt modelId="{40143A94-396A-4DB0-A35B-6175A8EADAD9}" type="pres">
+      <dgm:prSet presAssocID="{712C3F0B-2EB8-4C31-B1D7-A24216A9D57B}" presName="sp" presStyleCnt="0"/>
+      <dgm:spPr/>
+    </dgm:pt>
+    <dgm:pt modelId="{62AF3FEE-BE5B-462D-B132-27BB6C7E4731}" type="pres">
+      <dgm:prSet presAssocID="{AEF6D9D2-ED70-440E-9A6D-977043930C77}" presName="linNode" presStyleCnt="0"/>
+      <dgm:spPr/>
+    </dgm:pt>
+    <dgm:pt modelId="{76A7C67B-CBFE-4FF1-8620-28F96A2341B6}" type="pres">
+      <dgm:prSet presAssocID="{AEF6D9D2-ED70-440E-9A6D-977043930C77}" presName="parentText" presStyleLbl="node1" presStyleIdx="5" presStyleCnt="9">
+        <dgm:presLayoutVars>
+          <dgm:chMax val="1"/>
+          <dgm:bulletEnabled val="1"/>
+        </dgm:presLayoutVars>
+      </dgm:prSet>
+      <dgm:spPr/>
+    </dgm:pt>
+    <dgm:pt modelId="{161DCC45-A570-4E42-BA15-7D89480A06E8}" type="pres">
+      <dgm:prSet presAssocID="{AEF6D9D2-ED70-440E-9A6D-977043930C77}" presName="descendantText" presStyleLbl="alignAccFollowNode1" presStyleIdx="5" presStyleCnt="9">
+        <dgm:presLayoutVars>
+          <dgm:bulletEnabled val="1"/>
+        </dgm:presLayoutVars>
+      </dgm:prSet>
+      <dgm:spPr/>
+    </dgm:pt>
+    <dgm:pt modelId="{1953631A-6FAE-44DD-8DA4-AC5C1E8FCEDE}" type="pres">
+      <dgm:prSet presAssocID="{E63C94D3-D1E8-47DE-8518-71C15D55AFE8}" presName="sp" presStyleCnt="0"/>
+      <dgm:spPr/>
+    </dgm:pt>
+    <dgm:pt modelId="{AAEEBCA7-39E7-4BC5-B455-75DF91C590FF}" type="pres">
+      <dgm:prSet presAssocID="{8F63567E-7A25-44B1-938B-128A650BC65F}" presName="linNode" presStyleCnt="0"/>
+      <dgm:spPr/>
+    </dgm:pt>
+    <dgm:pt modelId="{7D7CB8F7-239B-40DB-809B-1FBB27934893}" type="pres">
+      <dgm:prSet presAssocID="{8F63567E-7A25-44B1-938B-128A650BC65F}" presName="parentText" presStyleLbl="node1" presStyleIdx="6" presStyleCnt="9">
+        <dgm:presLayoutVars>
+          <dgm:chMax val="1"/>
+          <dgm:bulletEnabled val="1"/>
+        </dgm:presLayoutVars>
+      </dgm:prSet>
+      <dgm:spPr/>
+    </dgm:pt>
+    <dgm:pt modelId="{A3A2A46D-0527-4018-B602-F5DD31800C0C}" type="pres">
+      <dgm:prSet presAssocID="{8F63567E-7A25-44B1-938B-128A650BC65F}" presName="descendantText" presStyleLbl="alignAccFollowNode1" presStyleIdx="6" presStyleCnt="9">
+        <dgm:presLayoutVars>
+          <dgm:bulletEnabled val="1"/>
+        </dgm:presLayoutVars>
+      </dgm:prSet>
+      <dgm:spPr/>
+    </dgm:pt>
+    <dgm:pt modelId="{3C920710-B9FC-4248-99F7-4B54427AA39F}" type="pres">
+      <dgm:prSet presAssocID="{EEC7E7BC-D3D6-4BB0-ACA1-7B30AAE3423B}" presName="sp" presStyleCnt="0"/>
+      <dgm:spPr/>
+    </dgm:pt>
+    <dgm:pt modelId="{F1606CA9-6B04-4970-AEE5-047E873A4EDB}" type="pres">
+      <dgm:prSet presAssocID="{6C8DF5CB-196B-4E64-82B8-489310369D02}" presName="linNode" presStyleCnt="0"/>
+      <dgm:spPr/>
+    </dgm:pt>
+    <dgm:pt modelId="{973EF3D5-1A47-455B-BF75-22F9FF496173}" type="pres">
+      <dgm:prSet presAssocID="{6C8DF5CB-196B-4E64-82B8-489310369D02}" presName="parentText" presStyleLbl="node1" presStyleIdx="7" presStyleCnt="9">
+        <dgm:presLayoutVars>
+          <dgm:chMax val="1"/>
+          <dgm:bulletEnabled val="1"/>
+        </dgm:presLayoutVars>
+      </dgm:prSet>
+      <dgm:spPr/>
+    </dgm:pt>
+    <dgm:pt modelId="{55F2F6D1-BDD1-4632-B98C-7267E8FEC60E}" type="pres">
+      <dgm:prSet presAssocID="{6C8DF5CB-196B-4E64-82B8-489310369D02}" presName="descendantText" presStyleLbl="alignAccFollowNode1" presStyleIdx="7" presStyleCnt="9">
+        <dgm:presLayoutVars>
+          <dgm:bulletEnabled val="1"/>
+        </dgm:presLayoutVars>
+      </dgm:prSet>
+      <dgm:spPr/>
+    </dgm:pt>
+    <dgm:pt modelId="{85E1BF6F-3280-47A6-A860-E5E5AB168427}" type="pres">
+      <dgm:prSet presAssocID="{D3718AE2-C1D0-47DF-9876-F0A65B42DC3E}" presName="sp" presStyleCnt="0"/>
+      <dgm:spPr/>
+    </dgm:pt>
     <dgm:pt modelId="{6CEAC5A1-D4D5-4E3E-AFF4-FE5AF1173671}" type="pres">
       <dgm:prSet presAssocID="{01610EED-88B6-448D-BD26-8C8B7D10E964}" presName="linNode" presStyleCnt="0"/>
       <dgm:spPr/>
     </dgm:pt>
     <dgm:pt modelId="{8A43D587-55EA-4489-BABB-D21F00D0B445}" type="pres">
-      <dgm:prSet presAssocID="{01610EED-88B6-448D-BD26-8C8B7D10E964}" presName="parentText" presStyleLbl="node1" presStyleIdx="7" presStyleCnt="8">
+      <dgm:prSet presAssocID="{01610EED-88B6-448D-BD26-8C8B7D10E964}" presName="parentText" presStyleLbl="node1" presStyleIdx="8" presStyleCnt="9">
         <dgm:presLayoutVars>
           <dgm:chMax val="1"/>
           <dgm:bulletEnabled val="1"/>
@@ -2737,7 +2870,7 @@
       <dgm:spPr/>
     </dgm:pt>
     <dgm:pt modelId="{A718F9D1-B626-4505-BC3C-72F1A58196B3}" type="pres">
-      <dgm:prSet presAssocID="{01610EED-88B6-448D-BD26-8C8B7D10E964}" presName="descendantText" presStyleLbl="alignAccFollowNode1" presStyleIdx="7" presStyleCnt="8">
+      <dgm:prSet presAssocID="{01610EED-88B6-448D-BD26-8C8B7D10E964}" presName="descendantText" presStyleLbl="alignAccFollowNode1" presStyleIdx="8" presStyleCnt="9">
         <dgm:presLayoutVars>
           <dgm:bulletEnabled val="1"/>
         </dgm:presLayoutVars>
@@ -2746,39 +2879,43 @@
     </dgm:pt>
   </dgm:ptLst>
   <dgm:cxnLst>
-    <dgm:cxn modelId="{E122E507-60FB-473D-89E4-DBF6F09CDB12}" srcId="{6774D6CC-D08F-41B6-8C1F-C020AB656E97}" destId="{AEB4C4E3-F5A6-493D-AA14-EA4DC4CFC3CC}" srcOrd="5" destOrd="0" parTransId="{4818EC7B-99DD-4248-A326-4CF17ED8D1D5}" sibTransId="{37648E05-CC60-4BBC-98A8-24E7289A36ED}"/>
-    <dgm:cxn modelId="{5AE34417-9986-4C8C-8CAB-9FD58ED2F444}" srcId="{AEB4C4E3-F5A6-493D-AA14-EA4DC4CFC3CC}" destId="{BC7EFEF1-2A2B-4AFE-9B89-BD266864E592}" srcOrd="0" destOrd="0" parTransId="{E710D88E-1476-4849-863D-B5F4F9DE5EB3}" sibTransId="{235DC329-8069-4100-8814-AD24855D1F98}"/>
+    <dgm:cxn modelId="{5F029B05-8AE6-40A7-99C8-32F45CE4C200}" type="presOf" srcId="{B8F71674-37BD-488B-A83A-D3CBDEBB9E32}" destId="{7C5CCB8A-B572-4397-B4D7-5131ACEFC885}" srcOrd="0" destOrd="0" presId="urn:microsoft.com/office/officeart/2005/8/layout/vList5"/>
+    <dgm:cxn modelId="{9DA41812-483E-4BDD-87D4-578E12D77E21}" srcId="{6774D6CC-D08F-41B6-8C1F-C020AB656E97}" destId="{B8F71674-37BD-488B-A83A-D3CBDEBB9E32}" srcOrd="4" destOrd="0" parTransId="{0BCD33CD-D785-4081-8D6B-3E132387A885}" sibTransId="{712C3F0B-2EB8-4C31-B1D7-A24216A9D57B}"/>
+    <dgm:cxn modelId="{A922B11B-D69A-4A38-91D1-25584BED7397}" type="presOf" srcId="{433EC22E-29B0-4D03-AC74-08503F83A7AF}" destId="{42C02E4A-651A-4B59-B23B-FD46640D2CB5}" srcOrd="0" destOrd="0" presId="urn:microsoft.com/office/officeart/2005/8/layout/vList5"/>
     <dgm:cxn modelId="{B3A9FC1F-A401-4BDA-8969-1106656400D0}" type="presOf" srcId="{4411F618-3A4E-4724-BF34-75C5F00742FB}" destId="{9F511821-30C7-44EE-BE15-ED30B4A1A90E}" srcOrd="0" destOrd="0" presId="urn:microsoft.com/office/officeart/2005/8/layout/vList5"/>
+    <dgm:cxn modelId="{CA261B21-C3F5-4AF6-8794-1E8ED1FF21D8}" srcId="{6C8DF5CB-196B-4E64-82B8-489310369D02}" destId="{4A7F5693-92D1-4906-88C8-68D6D53F5224}" srcOrd="0" destOrd="0" parTransId="{9D8F0ED3-9DBB-4173-82D8-5334DDF3C65F}" sibTransId="{58B9D1BD-ED2F-41BA-A97C-3218129E3983}"/>
+    <dgm:cxn modelId="{9DD75521-1CA7-4335-A6C7-E1E0EBDCD732}" srcId="{6774D6CC-D08F-41B6-8C1F-C020AB656E97}" destId="{6C8DF5CB-196B-4E64-82B8-489310369D02}" srcOrd="7" destOrd="0" parTransId="{7224124B-75BE-4C96-8CD1-26BBDCFC2DF1}" sibTransId="{D3718AE2-C1D0-47DF-9876-F0A65B42DC3E}"/>
     <dgm:cxn modelId="{EA7C4B23-A3BC-446D-B869-E2CA7C280780}" srcId="{6774D6CC-D08F-41B6-8C1F-C020AB656E97}" destId="{DE6CD148-2E3A-4413-AD4F-D8257F8841F7}" srcOrd="0" destOrd="0" parTransId="{ACA59575-89F9-4C21-BD54-4A4F3F2895F0}" sibTransId="{6DD79B66-3596-463E-9D79-483CB6D8401E}"/>
     <dgm:cxn modelId="{C9730F30-0CC6-44AB-9210-B28177E5E784}" srcId="{FF691525-3BA8-4440-8D42-2A04FF5CBDC8}" destId="{342F6C1D-DA72-44FB-8C24-0AB254B4B953}" srcOrd="0" destOrd="0" parTransId="{F3E89010-4DE4-4821-B8FA-928FC7E12050}" sibTransId="{5C65D5A6-7F0C-49F6-A1DC-7C4E7E6E8EA1}"/>
-    <dgm:cxn modelId="{6F1BEC31-8B18-440B-913F-10DE1A196281}" type="presOf" srcId="{BC7EFEF1-2A2B-4AFE-9B89-BD266864E592}" destId="{84E058B7-D423-41F9-99E3-C76472626B91}" srcOrd="0" destOrd="0" presId="urn:microsoft.com/office/officeart/2005/8/layout/vList5"/>
     <dgm:cxn modelId="{EC9A1133-2F96-40CE-8E71-F92939B9EEAE}" type="presOf" srcId="{6774D6CC-D08F-41B6-8C1F-C020AB656E97}" destId="{A120AF14-FB27-49E6-BD56-F96DF1C2F478}" srcOrd="0" destOrd="0" presId="urn:microsoft.com/office/officeart/2005/8/layout/vList5"/>
-    <dgm:cxn modelId="{5035E261-2D62-4F8D-B6C0-762ECF411F1C}" type="presOf" srcId="{6698A7A3-3D51-41A2-9FFB-336CF5F184C7}" destId="{1A1533F1-B6EF-4DC4-9804-99FECDE4497E}" srcOrd="0" destOrd="0" presId="urn:microsoft.com/office/officeart/2005/8/layout/vList5"/>
-    <dgm:cxn modelId="{5FE50347-7661-4684-BF8B-B54F8558F059}" srcId="{6774D6CC-D08F-41B6-8C1F-C020AB656E97}" destId="{6698A7A3-3D51-41A2-9FFB-336CF5F184C7}" srcOrd="2" destOrd="0" parTransId="{3E0BC0A8-E014-4465-AF26-73E5456A92B7}" sibTransId="{17F197BF-B87E-4B31-B30F-B9F5D979179E}"/>
+    <dgm:cxn modelId="{6C16E15D-2422-4833-9EDC-8320ED813346}" srcId="{6774D6CC-D08F-41B6-8C1F-C020AB656E97}" destId="{76E1BC2B-5F82-44E9-A7C9-B2F172A03598}" srcOrd="2" destOrd="0" parTransId="{C3F7D828-9503-4A84-AED7-3C12DFB72F0D}" sibTransId="{B192E6BF-CE1A-4044-9307-26BB70CF2902}"/>
+    <dgm:cxn modelId="{849ACB41-C433-4C00-9775-524B375997C2}" type="presOf" srcId="{8CE038C3-3256-4416-9DD0-A53768A8B83E}" destId="{A3A2A46D-0527-4018-B602-F5DD31800C0C}" srcOrd="0" destOrd="0" presId="urn:microsoft.com/office/officeart/2005/8/layout/vList5"/>
+    <dgm:cxn modelId="{35979A48-144C-4283-BD50-B9492D190DF9}" type="presOf" srcId="{6C8DF5CB-196B-4E64-82B8-489310369D02}" destId="{973EF3D5-1A47-455B-BF75-22F9FF496173}" srcOrd="0" destOrd="0" presId="urn:microsoft.com/office/officeart/2005/8/layout/vList5"/>
     <dgm:cxn modelId="{2E7C8C49-A5B6-4420-B0C5-461235E1951D}" srcId="{01610EED-88B6-448D-BD26-8C8B7D10E964}" destId="{F38FDD3D-7F03-4077-ADF8-580BBEB61C52}" srcOrd="0" destOrd="0" parTransId="{AC2E7939-4D1F-46FC-9EEE-91E6400DD3F0}" sibTransId="{D06A0D9D-0198-4BD7-9880-C5672D7218D3}"/>
     <dgm:cxn modelId="{F391274C-1DCA-4A17-AD61-EBCE8994BB90}" type="presOf" srcId="{FF691525-3BA8-4440-8D42-2A04FF5CBDC8}" destId="{7894D1E9-801C-467A-B853-11CE2E29E21E}" srcOrd="0" destOrd="0" presId="urn:microsoft.com/office/officeart/2005/8/layout/vList5"/>
-    <dgm:cxn modelId="{BC39356C-3D05-4B22-840D-A6AE856C27B2}" type="presOf" srcId="{3E913E07-91EF-4934-B184-8101BA92CA17}" destId="{E7FECA51-2E31-4BB2-BA21-598AA0635CFE}" srcOrd="0" destOrd="0" presId="urn:microsoft.com/office/officeart/2005/8/layout/vList5"/>
+    <dgm:cxn modelId="{95A4DE4E-9D32-4C61-BEEE-3B7FCE12066B}" srcId="{6774D6CC-D08F-41B6-8C1F-C020AB656E97}" destId="{8F63567E-7A25-44B1-938B-128A650BC65F}" srcOrd="6" destOrd="0" parTransId="{1E1B2CF9-94A3-45D5-9E7B-666FBE789E29}" sibTransId="{EEC7E7BC-D3D6-4BB0-ACA1-7B30AAE3423B}"/>
+    <dgm:cxn modelId="{08AE966F-97FC-47F9-824B-6A6813104A0D}" type="presOf" srcId="{7075DC72-E876-415A-A593-21A88F8832EB}" destId="{CB6D2F15-EFA1-4371-9E98-54CB666936F2}" srcOrd="0" destOrd="0" presId="urn:microsoft.com/office/officeart/2005/8/layout/vList5"/>
+    <dgm:cxn modelId="{C8DFFA4F-2612-4814-98CA-B96E82C55711}" srcId="{76E1BC2B-5F82-44E9-A7C9-B2F172A03598}" destId="{433EC22E-29B0-4D03-AC74-08503F83A7AF}" srcOrd="0" destOrd="0" parTransId="{B41613CB-9368-43F6-9DC0-C664AED4C5C6}" sibTransId="{C5DA4CFE-B256-44C7-B5DC-3691BA5D3D30}"/>
     <dgm:cxn modelId="{D254F971-676B-429B-80ED-1EAC8737A243}" type="presOf" srcId="{D2048CD0-C784-4B90-A0BD-73DF3C1F7D69}" destId="{7D7181C3-79D2-42C9-BE6D-B368A3308A35}" srcOrd="0" destOrd="0" presId="urn:microsoft.com/office/officeart/2005/8/layout/vList5"/>
-    <dgm:cxn modelId="{27F5DB7A-AFBC-454F-BDB3-C94355CC1DE6}" srcId="{6774D6CC-D08F-41B6-8C1F-C020AB656E97}" destId="{01610EED-88B6-448D-BD26-8C8B7D10E964}" srcOrd="7" destOrd="0" parTransId="{F7558672-D1AB-425B-B1FA-456358430C0B}" sibTransId="{D50611C8-8559-4AFB-A653-AF522565E8B7}"/>
+    <dgm:cxn modelId="{9C743B73-CF0C-436D-B351-1DB4BA056D9F}" srcId="{AEF6D9D2-ED70-440E-9A6D-977043930C77}" destId="{BC8A5DAD-9DD7-4AF3-B56F-12390ED1083B}" srcOrd="0" destOrd="0" parTransId="{AE961D86-CC4E-4F6C-B773-7592C0611AFA}" sibTransId="{F6C1292F-69E6-4710-8271-2F9A52EE60B9}"/>
+    <dgm:cxn modelId="{454C2654-2202-46BE-AE09-C0B833CD417F}" type="presOf" srcId="{4A7F5693-92D1-4906-88C8-68D6D53F5224}" destId="{55F2F6D1-BDD1-4632-B98C-7267E8FEC60E}" srcOrd="0" destOrd="0" presId="urn:microsoft.com/office/officeart/2005/8/layout/vList5"/>
+    <dgm:cxn modelId="{9FEC1A59-B233-4CDB-87F4-C415A6A995E6}" type="presOf" srcId="{BC8A5DAD-9DD7-4AF3-B56F-12390ED1083B}" destId="{161DCC45-A570-4E42-BA15-7D89480A06E8}" srcOrd="0" destOrd="0" presId="urn:microsoft.com/office/officeart/2005/8/layout/vList5"/>
+    <dgm:cxn modelId="{27F5DB7A-AFBC-454F-BDB3-C94355CC1DE6}" srcId="{6774D6CC-D08F-41B6-8C1F-C020AB656E97}" destId="{01610EED-88B6-448D-BD26-8C8B7D10E964}" srcOrd="8" destOrd="0" parTransId="{F7558672-D1AB-425B-B1FA-456358430C0B}" sibTransId="{D50611C8-8559-4AFB-A653-AF522565E8B7}"/>
     <dgm:cxn modelId="{6E8F0E85-934C-4CE4-8F3C-F6F15CB8D75F}" srcId="{D2048CD0-C784-4B90-A0BD-73DF3C1F7D69}" destId="{4411F618-3A4E-4724-BF34-75C5F00742FB}" srcOrd="0" destOrd="0" parTransId="{4330342F-4E9F-471E-921B-3D8B4C26B3AF}" sibTransId="{D22B024F-7BB6-4F4B-9FA7-3CC19EA3F972}"/>
     <dgm:cxn modelId="{3EBBB486-33BE-49DB-8587-1CD73CBD53D0}" srcId="{DE6CD148-2E3A-4413-AD4F-D8257F8841F7}" destId="{50988750-42E8-43A4-83CA-D52BE1EF1588}" srcOrd="0" destOrd="0" parTransId="{FB942055-D93B-4E21-8CB6-E5A6D996D86B}" sibTransId="{37C8646B-4D56-4088-9A08-5443B9702681}"/>
-    <dgm:cxn modelId="{F9147B8A-8EC8-444D-A101-C3147665D825}" type="presOf" srcId="{F165C66E-3B32-4FCC-BC63-C0E48E13773A}" destId="{87379221-2FD2-42BB-B976-D3FDFD2DE368}" srcOrd="0" destOrd="0" presId="urn:microsoft.com/office/officeart/2005/8/layout/vList5"/>
-    <dgm:cxn modelId="{9740D38C-CFD4-4EA3-95C2-B16FF112A978}" srcId="{F165C66E-3B32-4FCC-BC63-C0E48E13773A}" destId="{EFA20FB6-F653-4B68-9A6A-138133A6BDD8}" srcOrd="0" destOrd="0" parTransId="{56B5F53E-F803-43BD-9FCE-D6EB44F9C3D9}" sibTransId="{5C31A6B7-A0B3-44CE-B87A-53C8ED10F4B8}"/>
     <dgm:cxn modelId="{C3AEBD99-8E1C-40D6-A981-8D4F8AB166C2}" type="presOf" srcId="{342F6C1D-DA72-44FB-8C24-0AB254B4B953}" destId="{0CBE881E-0DA8-49FE-9580-33DDDFDDD596}" srcOrd="0" destOrd="0" presId="urn:microsoft.com/office/officeart/2005/8/layout/vList5"/>
-    <dgm:cxn modelId="{5C50B7A8-880E-4B92-B7CE-1719BECC3322}" srcId="{3E913E07-91EF-4934-B184-8101BA92CA17}" destId="{1A30D4AA-4449-4769-82F9-3920099314C3}" srcOrd="0" destOrd="0" parTransId="{BFFB07A6-F762-4571-8009-1CB19429A3A3}" sibTransId="{D01E6C0C-8BF0-4743-BDFE-067C159551BE}"/>
-    <dgm:cxn modelId="{C225B7AF-3261-4A06-A694-C6B924E71CED}" type="presOf" srcId="{1A30D4AA-4449-4769-82F9-3920099314C3}" destId="{627BD9A2-87AC-4DAE-8453-676C5AFB0A4B}" srcOrd="0" destOrd="0" presId="urn:microsoft.com/office/officeart/2005/8/layout/vList5"/>
-    <dgm:cxn modelId="{FE3D63B2-875F-40FC-9A48-3F80D52C5293}" type="presOf" srcId="{EFA20FB6-F653-4B68-9A6A-138133A6BDD8}" destId="{96B234E1-B1F6-4AD4-9F1E-2A2986D08063}" srcOrd="0" destOrd="0" presId="urn:microsoft.com/office/officeart/2005/8/layout/vList5"/>
-    <dgm:cxn modelId="{48956EB4-1CCC-49A2-86C4-EEC67E0E15F4}" srcId="{6774D6CC-D08F-41B6-8C1F-C020AB656E97}" destId="{F165C66E-3B32-4FCC-BC63-C0E48E13773A}" srcOrd="3" destOrd="0" parTransId="{418B1B35-FCC1-4532-B2B2-27FACEC6C8E2}" sibTransId="{77873B4F-7345-4BD7-8002-73AF98AF0A93}"/>
-    <dgm:cxn modelId="{9B74DCC1-7526-482E-8735-48EC3F55CB31}" srcId="{6774D6CC-D08F-41B6-8C1F-C020AB656E97}" destId="{3E913E07-91EF-4934-B184-8101BA92CA17}" srcOrd="4" destOrd="0" parTransId="{4B0233F5-E7BB-4173-B906-C55B1859C836}" sibTransId="{5E3285F3-9C26-4DE4-8073-EDB8E696D9FC}"/>
-    <dgm:cxn modelId="{470869C3-92FD-4C9B-AF1E-A988075AF64D}" srcId="{6698A7A3-3D51-41A2-9FFB-336CF5F184C7}" destId="{13BA7E33-7BA2-4436-BA85-90EB9EAC15C5}" srcOrd="0" destOrd="0" parTransId="{EF7A75FE-CBCD-4D5B-AC7C-44C54B1A2EC2}" sibTransId="{637ACBDB-92FD-495E-ABCC-8D6E830BB947}"/>
-    <dgm:cxn modelId="{4A98E8C7-AA8E-4C7A-A1C6-725B3C4E40FD}" srcId="{6774D6CC-D08F-41B6-8C1F-C020AB656E97}" destId="{FF691525-3BA8-4440-8D42-2A04FF5CBDC8}" srcOrd="6" destOrd="0" parTransId="{A80E115C-92E2-419A-8875-84A9406C744E}" sibTransId="{B908D5CC-8419-433E-B865-352FEAC60105}"/>
+    <dgm:cxn modelId="{3D2A77A6-0A01-42AE-B262-BCF3CBBD63F8}" type="presOf" srcId="{AEF6D9D2-ED70-440E-9A6D-977043930C77}" destId="{76A7C67B-CBFE-4FF1-8620-28F96A2341B6}" srcOrd="0" destOrd="0" presId="urn:microsoft.com/office/officeart/2005/8/layout/vList5"/>
+    <dgm:cxn modelId="{D1F237BE-F79C-4970-ACCC-E9655F89C6DC}" type="presOf" srcId="{76E1BC2B-5F82-44E9-A7C9-B2F172A03598}" destId="{74680435-31A8-4884-9187-3CD0E3BCD098}" srcOrd="0" destOrd="0" presId="urn:microsoft.com/office/officeart/2005/8/layout/vList5"/>
+    <dgm:cxn modelId="{4A98E8C7-AA8E-4C7A-A1C6-725B3C4E40FD}" srcId="{6774D6CC-D08F-41B6-8C1F-C020AB656E97}" destId="{FF691525-3BA8-4440-8D42-2A04FF5CBDC8}" srcOrd="3" destOrd="0" parTransId="{A80E115C-92E2-419A-8875-84A9406C744E}" sibTransId="{B908D5CC-8419-433E-B865-352FEAC60105}"/>
     <dgm:cxn modelId="{A34760CE-16E4-4B9E-AF9D-75F294115E05}" type="presOf" srcId="{01610EED-88B6-448D-BD26-8C8B7D10E964}" destId="{8A43D587-55EA-4489-BABB-D21F00D0B445}" srcOrd="0" destOrd="0" presId="urn:microsoft.com/office/officeart/2005/8/layout/vList5"/>
+    <dgm:cxn modelId="{290859CF-AF15-431F-85B3-94F4FF5BBE3B}" srcId="{6774D6CC-D08F-41B6-8C1F-C020AB656E97}" destId="{AEF6D9D2-ED70-440E-9A6D-977043930C77}" srcOrd="5" destOrd="0" parTransId="{2F7BFC31-BB62-4136-8284-BAEFCB241C76}" sibTransId="{E63C94D3-D1E8-47DE-8518-71C15D55AFE8}"/>
     <dgm:cxn modelId="{ABF0DED1-CD8A-487E-9FDA-BEB634CDD434}" type="presOf" srcId="{50988750-42E8-43A4-83CA-D52BE1EF1588}" destId="{CD3D2777-B0B3-48A8-A1A1-F46E09E658A8}" srcOrd="0" destOrd="0" presId="urn:microsoft.com/office/officeart/2005/8/layout/vList5"/>
-    <dgm:cxn modelId="{BBDC62DB-A20E-4240-AAE1-4441B4F67943}" type="presOf" srcId="{AEB4C4E3-F5A6-493D-AA14-EA4DC4CFC3CC}" destId="{8531C7E9-197D-4211-9839-213C003C25E9}" srcOrd="0" destOrd="0" presId="urn:microsoft.com/office/officeart/2005/8/layout/vList5"/>
+    <dgm:cxn modelId="{82F9E3E0-0616-4BAC-BEB6-063BF5B658B9}" srcId="{B8F71674-37BD-488B-A83A-D3CBDEBB9E32}" destId="{7075DC72-E876-415A-A593-21A88F8832EB}" srcOrd="0" destOrd="0" parTransId="{4EC8365A-0B91-4E1C-B73A-1CC699277773}" sibTransId="{E3380A5D-C7F3-4C02-BC3E-3C3B1732F72C}"/>
     <dgm:cxn modelId="{E2F8A0E2-98C3-403F-8FC9-C3AC285FF60F}" srcId="{6774D6CC-D08F-41B6-8C1F-C020AB656E97}" destId="{D2048CD0-C784-4B90-A0BD-73DF3C1F7D69}" srcOrd="1" destOrd="0" parTransId="{80021E3A-3F89-43B7-80FC-4566027270CD}" sibTransId="{E371AD46-7DDB-43BC-A7C5-3ACB5419E478}"/>
+    <dgm:cxn modelId="{4212B1E2-4771-4BA4-8B87-91C8817B40F2}" type="presOf" srcId="{8F63567E-7A25-44B1-938B-128A650BC65F}" destId="{7D7CB8F7-239B-40DB-809B-1FBB27934893}" srcOrd="0" destOrd="0" presId="urn:microsoft.com/office/officeart/2005/8/layout/vList5"/>
     <dgm:cxn modelId="{8A767FE8-6826-4663-9BA4-283A2A3A6276}" type="presOf" srcId="{F38FDD3D-7F03-4077-ADF8-580BBEB61C52}" destId="{A718F9D1-B626-4505-BC3C-72F1A58196B3}" srcOrd="0" destOrd="0" presId="urn:microsoft.com/office/officeart/2005/8/layout/vList5"/>
+    <dgm:cxn modelId="{35C225EF-F0F7-411C-88D4-AC8987814249}" srcId="{8F63567E-7A25-44B1-938B-128A650BC65F}" destId="{8CE038C3-3256-4416-9DD0-A53768A8B83E}" srcOrd="0" destOrd="0" parTransId="{A86D6AF5-7997-42A0-AB4E-BFAE5F58511C}" sibTransId="{83B867F7-1C04-481A-8834-43E09C43498B}"/>
     <dgm:cxn modelId="{08D185F1-627E-4885-8390-4F83238DD92E}" type="presOf" srcId="{DE6CD148-2E3A-4413-AD4F-D8257F8841F7}" destId="{919F2EAC-EDA1-4008-9504-E9D3F26EA9D2}" srcOrd="0" destOrd="0" presId="urn:microsoft.com/office/officeart/2005/8/layout/vList5"/>
-    <dgm:cxn modelId="{DEF59DFF-0716-4D8A-91F8-434743B5B1A9}" type="presOf" srcId="{13BA7E33-7BA2-4436-BA85-90EB9EAC15C5}" destId="{05ACDEAE-5449-40F8-9816-9F0D5866E996}" srcOrd="0" destOrd="0" presId="urn:microsoft.com/office/officeart/2005/8/layout/vList5"/>
     <dgm:cxn modelId="{9256437A-5BBB-4624-ACD9-0A21C86C88E1}" type="presParOf" srcId="{A120AF14-FB27-49E6-BD56-F96DF1C2F478}" destId="{C0114734-F21A-4118-B6CC-7F9DF8942F5B}" srcOrd="0" destOrd="0" presId="urn:microsoft.com/office/officeart/2005/8/layout/vList5"/>
     <dgm:cxn modelId="{6B684A0F-DCD3-43E5-92EE-DDA4C899FE4F}" type="presParOf" srcId="{C0114734-F21A-4118-B6CC-7F9DF8942F5B}" destId="{919F2EAC-EDA1-4008-9504-E9D3F26EA9D2}" srcOrd="0" destOrd="0" presId="urn:microsoft.com/office/officeart/2005/8/layout/vList5"/>
     <dgm:cxn modelId="{C4D0BA93-1660-43E3-8E4F-CEFE356B2E90}" type="presParOf" srcId="{C0114734-F21A-4118-B6CC-7F9DF8942F5B}" destId="{CD3D2777-B0B3-48A8-A1A1-F46E09E658A8}" srcOrd="1" destOrd="0" presId="urn:microsoft.com/office/officeart/2005/8/layout/vList5"/>
@@ -2787,27 +2924,31 @@
     <dgm:cxn modelId="{3B041A07-1C75-46D8-84BA-8DB8FD6A77B5}" type="presParOf" srcId="{02D1B3B5-9E69-4E2B-8172-E7B456D1B88C}" destId="{7D7181C3-79D2-42C9-BE6D-B368A3308A35}" srcOrd="0" destOrd="0" presId="urn:microsoft.com/office/officeart/2005/8/layout/vList5"/>
     <dgm:cxn modelId="{7E4687EE-9A38-45B7-AD1B-D9C43E441009}" type="presParOf" srcId="{02D1B3B5-9E69-4E2B-8172-E7B456D1B88C}" destId="{9F511821-30C7-44EE-BE15-ED30B4A1A90E}" srcOrd="1" destOrd="0" presId="urn:microsoft.com/office/officeart/2005/8/layout/vList5"/>
     <dgm:cxn modelId="{2E549B43-276B-4F5C-8459-EBA5651C2499}" type="presParOf" srcId="{A120AF14-FB27-49E6-BD56-F96DF1C2F478}" destId="{A8AA40F3-5F4C-456F-9142-FAEACC416334}" srcOrd="3" destOrd="0" presId="urn:microsoft.com/office/officeart/2005/8/layout/vList5"/>
-    <dgm:cxn modelId="{6FE6518A-F736-475F-9857-826C66B04936}" type="presParOf" srcId="{A120AF14-FB27-49E6-BD56-F96DF1C2F478}" destId="{5E3941E5-5AD2-45BD-9029-8534FB502307}" srcOrd="4" destOrd="0" presId="urn:microsoft.com/office/officeart/2005/8/layout/vList5"/>
-    <dgm:cxn modelId="{43CC5DDD-857E-4DE1-87C9-1CC626773C95}" type="presParOf" srcId="{5E3941E5-5AD2-45BD-9029-8534FB502307}" destId="{1A1533F1-B6EF-4DC4-9804-99FECDE4497E}" srcOrd="0" destOrd="0" presId="urn:microsoft.com/office/officeart/2005/8/layout/vList5"/>
-    <dgm:cxn modelId="{C1C418D4-6425-4E70-973D-9A99F4D2FEFC}" type="presParOf" srcId="{5E3941E5-5AD2-45BD-9029-8534FB502307}" destId="{05ACDEAE-5449-40F8-9816-9F0D5866E996}" srcOrd="1" destOrd="0" presId="urn:microsoft.com/office/officeart/2005/8/layout/vList5"/>
-    <dgm:cxn modelId="{6C8AAE66-AAD5-41A0-A722-3A7C579849FD}" type="presParOf" srcId="{A120AF14-FB27-49E6-BD56-F96DF1C2F478}" destId="{88B9FE75-18D0-4C86-871B-BBF2B6643EFA}" srcOrd="5" destOrd="0" presId="urn:microsoft.com/office/officeart/2005/8/layout/vList5"/>
-    <dgm:cxn modelId="{AAC9021F-78D1-4EDF-BD7E-F61FDE5E76EB}" type="presParOf" srcId="{A120AF14-FB27-49E6-BD56-F96DF1C2F478}" destId="{610C21CD-24AD-489E-8210-42FC92901E4F}" srcOrd="6" destOrd="0" presId="urn:microsoft.com/office/officeart/2005/8/layout/vList5"/>
-    <dgm:cxn modelId="{EFC5D290-742C-45C0-8C83-1D88573BA76B}" type="presParOf" srcId="{610C21CD-24AD-489E-8210-42FC92901E4F}" destId="{87379221-2FD2-42BB-B976-D3FDFD2DE368}" srcOrd="0" destOrd="0" presId="urn:microsoft.com/office/officeart/2005/8/layout/vList5"/>
-    <dgm:cxn modelId="{ED54594D-C98B-4CA8-A41D-C38FC535F9A6}" type="presParOf" srcId="{610C21CD-24AD-489E-8210-42FC92901E4F}" destId="{96B234E1-B1F6-4AD4-9F1E-2A2986D08063}" srcOrd="1" destOrd="0" presId="urn:microsoft.com/office/officeart/2005/8/layout/vList5"/>
-    <dgm:cxn modelId="{6E7AEC6F-5091-48FF-A17A-87037BE479FA}" type="presParOf" srcId="{A120AF14-FB27-49E6-BD56-F96DF1C2F478}" destId="{028E148D-65D8-4879-8AEF-C9E04A8B1986}" srcOrd="7" destOrd="0" presId="urn:microsoft.com/office/officeart/2005/8/layout/vList5"/>
-    <dgm:cxn modelId="{1E7E95D3-EEDA-4AE0-AE01-16A51A232DD7}" type="presParOf" srcId="{A120AF14-FB27-49E6-BD56-F96DF1C2F478}" destId="{7EBF948B-79BF-4160-B1A0-C2F387C82103}" srcOrd="8" destOrd="0" presId="urn:microsoft.com/office/officeart/2005/8/layout/vList5"/>
-    <dgm:cxn modelId="{DDE37F66-E862-4294-B927-B2E0B6066265}" type="presParOf" srcId="{7EBF948B-79BF-4160-B1A0-C2F387C82103}" destId="{E7FECA51-2E31-4BB2-BA21-598AA0635CFE}" srcOrd="0" destOrd="0" presId="urn:microsoft.com/office/officeart/2005/8/layout/vList5"/>
-    <dgm:cxn modelId="{D1F0D37A-3388-4472-B9E5-1375AABC5382}" type="presParOf" srcId="{7EBF948B-79BF-4160-B1A0-C2F387C82103}" destId="{627BD9A2-87AC-4DAE-8453-676C5AFB0A4B}" srcOrd="1" destOrd="0" presId="urn:microsoft.com/office/officeart/2005/8/layout/vList5"/>
-    <dgm:cxn modelId="{B927E912-812E-4068-A33C-413469369746}" type="presParOf" srcId="{A120AF14-FB27-49E6-BD56-F96DF1C2F478}" destId="{0997640B-897A-4591-95BA-B9F0D67D0090}" srcOrd="9" destOrd="0" presId="urn:microsoft.com/office/officeart/2005/8/layout/vList5"/>
-    <dgm:cxn modelId="{ED2A7A3D-BD3D-480A-B0CB-8B6BBE1DDABA}" type="presParOf" srcId="{A120AF14-FB27-49E6-BD56-F96DF1C2F478}" destId="{7C3FA2BB-A945-4C58-87F5-DFED482515CF}" srcOrd="10" destOrd="0" presId="urn:microsoft.com/office/officeart/2005/8/layout/vList5"/>
-    <dgm:cxn modelId="{6D3AA190-3A29-40CD-8943-1AC53C944AA0}" type="presParOf" srcId="{7C3FA2BB-A945-4C58-87F5-DFED482515CF}" destId="{8531C7E9-197D-4211-9839-213C003C25E9}" srcOrd="0" destOrd="0" presId="urn:microsoft.com/office/officeart/2005/8/layout/vList5"/>
-    <dgm:cxn modelId="{60CC27F1-8B74-4C09-9474-8EDF955115FC}" type="presParOf" srcId="{7C3FA2BB-A945-4C58-87F5-DFED482515CF}" destId="{84E058B7-D423-41F9-99E3-C76472626B91}" srcOrd="1" destOrd="0" presId="urn:microsoft.com/office/officeart/2005/8/layout/vList5"/>
-    <dgm:cxn modelId="{3BC73334-0417-4859-BFE2-07A56F3FE034}" type="presParOf" srcId="{A120AF14-FB27-49E6-BD56-F96DF1C2F478}" destId="{F000714E-4E8A-4B19-A19B-4F31AF28A952}" srcOrd="11" destOrd="0" presId="urn:microsoft.com/office/officeart/2005/8/layout/vList5"/>
-    <dgm:cxn modelId="{B2D725D9-A4D1-445C-8398-6FE49762E029}" type="presParOf" srcId="{A120AF14-FB27-49E6-BD56-F96DF1C2F478}" destId="{0BEB466F-2654-443C-A51D-440E4A28EA01}" srcOrd="12" destOrd="0" presId="urn:microsoft.com/office/officeart/2005/8/layout/vList5"/>
+    <dgm:cxn modelId="{FA38DEBD-192F-4745-890A-9A22D688AC17}" type="presParOf" srcId="{A120AF14-FB27-49E6-BD56-F96DF1C2F478}" destId="{11E86269-A53F-4187-9463-8AC02AC3F94A}" srcOrd="4" destOrd="0" presId="urn:microsoft.com/office/officeart/2005/8/layout/vList5"/>
+    <dgm:cxn modelId="{6BFAE2B0-0051-4200-8911-0ADC67E13C3D}" type="presParOf" srcId="{11E86269-A53F-4187-9463-8AC02AC3F94A}" destId="{74680435-31A8-4884-9187-3CD0E3BCD098}" srcOrd="0" destOrd="0" presId="urn:microsoft.com/office/officeart/2005/8/layout/vList5"/>
+    <dgm:cxn modelId="{CBEB8981-4510-458E-B9C8-19F925B249C8}" type="presParOf" srcId="{11E86269-A53F-4187-9463-8AC02AC3F94A}" destId="{42C02E4A-651A-4B59-B23B-FD46640D2CB5}" srcOrd="1" destOrd="0" presId="urn:microsoft.com/office/officeart/2005/8/layout/vList5"/>
+    <dgm:cxn modelId="{FFBCCD87-2A3A-4FE7-AFDA-3887181900F5}" type="presParOf" srcId="{A120AF14-FB27-49E6-BD56-F96DF1C2F478}" destId="{B9724DB9-D737-4D1C-9579-8F92CCDF13CE}" srcOrd="5" destOrd="0" presId="urn:microsoft.com/office/officeart/2005/8/layout/vList5"/>
+    <dgm:cxn modelId="{B2D725D9-A4D1-445C-8398-6FE49762E029}" type="presParOf" srcId="{A120AF14-FB27-49E6-BD56-F96DF1C2F478}" destId="{0BEB466F-2654-443C-A51D-440E4A28EA01}" srcOrd="6" destOrd="0" presId="urn:microsoft.com/office/officeart/2005/8/layout/vList5"/>
     <dgm:cxn modelId="{1EFDD372-DE96-48E7-B535-5DFC3300AB30}" type="presParOf" srcId="{0BEB466F-2654-443C-A51D-440E4A28EA01}" destId="{7894D1E9-801C-467A-B853-11CE2E29E21E}" srcOrd="0" destOrd="0" presId="urn:microsoft.com/office/officeart/2005/8/layout/vList5"/>
     <dgm:cxn modelId="{B3AAB32F-B4C2-4748-9C50-B80F458501D7}" type="presParOf" srcId="{0BEB466F-2654-443C-A51D-440E4A28EA01}" destId="{0CBE881E-0DA8-49FE-9580-33DDDFDDD596}" srcOrd="1" destOrd="0" presId="urn:microsoft.com/office/officeart/2005/8/layout/vList5"/>
-    <dgm:cxn modelId="{34933CA1-D80B-4BF4-B784-45D294AE8517}" type="presParOf" srcId="{A120AF14-FB27-49E6-BD56-F96DF1C2F478}" destId="{8858AE01-CB04-4FAC-BFA4-9FAFEE72A8A3}" srcOrd="13" destOrd="0" presId="urn:microsoft.com/office/officeart/2005/8/layout/vList5"/>
-    <dgm:cxn modelId="{ECBCE226-FF6E-41AC-91ED-4038617F7EDC}" type="presParOf" srcId="{A120AF14-FB27-49E6-BD56-F96DF1C2F478}" destId="{6CEAC5A1-D4D5-4E3E-AFF4-FE5AF1173671}" srcOrd="14" destOrd="0" presId="urn:microsoft.com/office/officeart/2005/8/layout/vList5"/>
+    <dgm:cxn modelId="{34933CA1-D80B-4BF4-B784-45D294AE8517}" type="presParOf" srcId="{A120AF14-FB27-49E6-BD56-F96DF1C2F478}" destId="{8858AE01-CB04-4FAC-BFA4-9FAFEE72A8A3}" srcOrd="7" destOrd="0" presId="urn:microsoft.com/office/officeart/2005/8/layout/vList5"/>
+    <dgm:cxn modelId="{4E927561-DF80-4FAC-8CC9-8EC26D0C32EF}" type="presParOf" srcId="{A120AF14-FB27-49E6-BD56-F96DF1C2F478}" destId="{C504AEB3-B45A-40AC-B56E-E7134977B874}" srcOrd="8" destOrd="0" presId="urn:microsoft.com/office/officeart/2005/8/layout/vList5"/>
+    <dgm:cxn modelId="{C73EAEE2-F70E-4BDC-9A8D-AA15089B5371}" type="presParOf" srcId="{C504AEB3-B45A-40AC-B56E-E7134977B874}" destId="{7C5CCB8A-B572-4397-B4D7-5131ACEFC885}" srcOrd="0" destOrd="0" presId="urn:microsoft.com/office/officeart/2005/8/layout/vList5"/>
+    <dgm:cxn modelId="{30BCFB0A-A69F-4783-B96B-1D644B849A71}" type="presParOf" srcId="{C504AEB3-B45A-40AC-B56E-E7134977B874}" destId="{CB6D2F15-EFA1-4371-9E98-54CB666936F2}" srcOrd="1" destOrd="0" presId="urn:microsoft.com/office/officeart/2005/8/layout/vList5"/>
+    <dgm:cxn modelId="{6D4F6F41-4B07-44BE-9F2F-45B1F29F8892}" type="presParOf" srcId="{A120AF14-FB27-49E6-BD56-F96DF1C2F478}" destId="{40143A94-396A-4DB0-A35B-6175A8EADAD9}" srcOrd="9" destOrd="0" presId="urn:microsoft.com/office/officeart/2005/8/layout/vList5"/>
+    <dgm:cxn modelId="{BD750169-A764-40BB-80D0-8B6D73709E94}" type="presParOf" srcId="{A120AF14-FB27-49E6-BD56-F96DF1C2F478}" destId="{62AF3FEE-BE5B-462D-B132-27BB6C7E4731}" srcOrd="10" destOrd="0" presId="urn:microsoft.com/office/officeart/2005/8/layout/vList5"/>
+    <dgm:cxn modelId="{25BE5339-9433-495F-9083-6A8DAF624267}" type="presParOf" srcId="{62AF3FEE-BE5B-462D-B132-27BB6C7E4731}" destId="{76A7C67B-CBFE-4FF1-8620-28F96A2341B6}" srcOrd="0" destOrd="0" presId="urn:microsoft.com/office/officeart/2005/8/layout/vList5"/>
+    <dgm:cxn modelId="{C9E076E1-C968-42A0-BCF3-609CA57CD775}" type="presParOf" srcId="{62AF3FEE-BE5B-462D-B132-27BB6C7E4731}" destId="{161DCC45-A570-4E42-BA15-7D89480A06E8}" srcOrd="1" destOrd="0" presId="urn:microsoft.com/office/officeart/2005/8/layout/vList5"/>
+    <dgm:cxn modelId="{720264D3-12C4-4611-BBCC-8FBA78B868DF}" type="presParOf" srcId="{A120AF14-FB27-49E6-BD56-F96DF1C2F478}" destId="{1953631A-6FAE-44DD-8DA4-AC5C1E8FCEDE}" srcOrd="11" destOrd="0" presId="urn:microsoft.com/office/officeart/2005/8/layout/vList5"/>
+    <dgm:cxn modelId="{4450BF18-4577-4A61-BBBD-4D4560E2187C}" type="presParOf" srcId="{A120AF14-FB27-49E6-BD56-F96DF1C2F478}" destId="{AAEEBCA7-39E7-4BC5-B455-75DF91C590FF}" srcOrd="12" destOrd="0" presId="urn:microsoft.com/office/officeart/2005/8/layout/vList5"/>
+    <dgm:cxn modelId="{1D0A9375-1269-46EB-AD34-C85EBFE9B058}" type="presParOf" srcId="{AAEEBCA7-39E7-4BC5-B455-75DF91C590FF}" destId="{7D7CB8F7-239B-40DB-809B-1FBB27934893}" srcOrd="0" destOrd="0" presId="urn:microsoft.com/office/officeart/2005/8/layout/vList5"/>
+    <dgm:cxn modelId="{C90943F4-18DB-4B77-8048-3141E6C0CBFC}" type="presParOf" srcId="{AAEEBCA7-39E7-4BC5-B455-75DF91C590FF}" destId="{A3A2A46D-0527-4018-B602-F5DD31800C0C}" srcOrd="1" destOrd="0" presId="urn:microsoft.com/office/officeart/2005/8/layout/vList5"/>
+    <dgm:cxn modelId="{E2530661-8BFA-4212-9BC5-7BCC046EF70B}" type="presParOf" srcId="{A120AF14-FB27-49E6-BD56-F96DF1C2F478}" destId="{3C920710-B9FC-4248-99F7-4B54427AA39F}" srcOrd="13" destOrd="0" presId="urn:microsoft.com/office/officeart/2005/8/layout/vList5"/>
+    <dgm:cxn modelId="{7BA0AD5A-15AB-4E2C-9E47-B928BF3EDC19}" type="presParOf" srcId="{A120AF14-FB27-49E6-BD56-F96DF1C2F478}" destId="{F1606CA9-6B04-4970-AEE5-047E873A4EDB}" srcOrd="14" destOrd="0" presId="urn:microsoft.com/office/officeart/2005/8/layout/vList5"/>
+    <dgm:cxn modelId="{A8557D77-BD2F-49BE-8D96-B969305A219C}" type="presParOf" srcId="{F1606CA9-6B04-4970-AEE5-047E873A4EDB}" destId="{973EF3D5-1A47-455B-BF75-22F9FF496173}" srcOrd="0" destOrd="0" presId="urn:microsoft.com/office/officeart/2005/8/layout/vList5"/>
+    <dgm:cxn modelId="{4240D0CA-DBE9-4705-A92E-CD1336C108FF}" type="presParOf" srcId="{F1606CA9-6B04-4970-AEE5-047E873A4EDB}" destId="{55F2F6D1-BDD1-4632-B98C-7267E8FEC60E}" srcOrd="1" destOrd="0" presId="urn:microsoft.com/office/officeart/2005/8/layout/vList5"/>
+    <dgm:cxn modelId="{8B1490A5-EC27-4576-8B4C-3803CC1CABED}" type="presParOf" srcId="{A120AF14-FB27-49E6-BD56-F96DF1C2F478}" destId="{85E1BF6F-3280-47A6-A860-E5E5AB168427}" srcOrd="15" destOrd="0" presId="urn:microsoft.com/office/officeart/2005/8/layout/vList5"/>
+    <dgm:cxn modelId="{ECBCE226-FF6E-41AC-91ED-4038617F7EDC}" type="presParOf" srcId="{A120AF14-FB27-49E6-BD56-F96DF1C2F478}" destId="{6CEAC5A1-D4D5-4E3E-AFF4-FE5AF1173671}" srcOrd="16" destOrd="0" presId="urn:microsoft.com/office/officeart/2005/8/layout/vList5"/>
     <dgm:cxn modelId="{2A8389A6-A8D3-481C-9A24-7F833C868D0B}" type="presParOf" srcId="{6CEAC5A1-D4D5-4E3E-AFF4-FE5AF1173671}" destId="{8A43D587-55EA-4489-BABB-D21F00D0B445}" srcOrd="0" destOrd="0" presId="urn:microsoft.com/office/officeart/2005/8/layout/vList5"/>
     <dgm:cxn modelId="{9B00BDFD-E284-42CE-B41C-61706039CC01}" type="presParOf" srcId="{6CEAC5A1-D4D5-4E3E-AFF4-FE5AF1173671}" destId="{A718F9D1-B626-4505-BC3C-72F1A58196B3}" srcOrd="1" destOrd="0" presId="urn:microsoft.com/office/officeart/2005/8/layout/vList5"/>
   </dgm:cxnLst>
@@ -3551,8 +3692,8 @@
       </dsp:nvSpPr>
       <dsp:spPr>
         <a:xfrm rot="5400000">
-          <a:off x="5436004" y="-2406232"/>
-          <a:ext cx="389334" cy="5299456"/>
+          <a:off x="5452029" y="-2425245"/>
+          <a:ext cx="357284" cy="5299456"/>
         </a:xfrm>
         <a:prstGeom prst="round2SameRect">
           <a:avLst/>
@@ -3595,12 +3736,12 @@
         <a:fontRef idx="minor"/>
       </dsp:style>
       <dsp:txBody>
-        <a:bodyPr spcFirstLastPara="0" vert="horz" wrap="square" lIns="41910" tIns="20955" rIns="41910" bIns="20955" numCol="1" spcCol="1270" anchor="ctr" anchorCtr="0">
+        <a:bodyPr spcFirstLastPara="0" vert="horz" wrap="square" lIns="38100" tIns="19050" rIns="38100" bIns="19050" numCol="1" spcCol="1270" anchor="ctr" anchorCtr="0">
           <a:noAutofit/>
         </a:bodyPr>
         <a:lstStyle/>
         <a:p>
-          <a:pPr marL="57150" lvl="1" indent="-57150" algn="l" defTabSz="488950">
+          <a:pPr marL="57150" lvl="1" indent="-57150" algn="l" defTabSz="444500">
             <a:lnSpc>
               <a:spcPct val="90000"/>
             </a:lnSpc>
@@ -3614,14 +3755,14 @@
             <a:buNone/>
           </a:pPr>
           <a:r>
-            <a:rPr lang="en-US" sz="1100" b="0" i="0" kern="1200" dirty="0">
+            <a:rPr lang="en-US" sz="1000" b="0" i="0" kern="1200" dirty="0">
               <a:solidFill>
                 <a:schemeClr val="bg2"/>
               </a:solidFill>
             </a:rPr>
-            <a:t>Initializes a brand new Git repository and begins tracking an existing directory </a:t>
+            <a:t>Initializes a new Git repository and begins tracking an existing directory locally </a:t>
           </a:r>
-          <a:endParaRPr lang="en-US" sz="1100" kern="1200" dirty="0">
+          <a:endParaRPr lang="en-US" sz="1000" kern="1200" dirty="0">
             <a:solidFill>
               <a:schemeClr val="bg2"/>
             </a:solidFill>
@@ -3629,8 +3770,8 @@
         </a:p>
       </dsp:txBody>
       <dsp:txXfrm rot="-5400000">
-        <a:off x="2980943" y="67835"/>
-        <a:ext cx="5280450" cy="351322"/>
+        <a:off x="2980944" y="63281"/>
+        <a:ext cx="5282015" cy="322402"/>
       </dsp:txXfrm>
     </dsp:sp>
     <dsp:sp modelId="{919F2EAC-EDA1-4008-9504-E9D3F26EA9D2}">
@@ -3640,8 +3781,8 @@
       </dsp:nvSpPr>
       <dsp:spPr>
         <a:xfrm>
-          <a:off x="0" y="161"/>
-          <a:ext cx="2980944" cy="486667"/>
+          <a:off x="0" y="1179"/>
+          <a:ext cx="2980944" cy="446605"/>
         </a:xfrm>
         <a:prstGeom prst="roundRect">
           <a:avLst/>
@@ -3682,12 +3823,12 @@
         </a:fontRef>
       </dsp:style>
       <dsp:txBody>
-        <a:bodyPr spcFirstLastPara="0" vert="horz" wrap="square" lIns="95250" tIns="47625" rIns="95250" bIns="47625" numCol="1" spcCol="1270" anchor="ctr" anchorCtr="0">
+        <a:bodyPr spcFirstLastPara="0" vert="horz" wrap="square" lIns="87630" tIns="43815" rIns="87630" bIns="43815" numCol="1" spcCol="1270" anchor="ctr" anchorCtr="0">
           <a:noAutofit/>
         </a:bodyPr>
         <a:lstStyle/>
         <a:p>
-          <a:pPr marL="0" lvl="0" indent="0" algn="ctr" defTabSz="1111250">
+          <a:pPr marL="0" lvl="0" indent="0" algn="ctr" defTabSz="1022350">
             <a:lnSpc>
               <a:spcPct val="90000"/>
             </a:lnSpc>
@@ -3701,19 +3842,19 @@
             <a:buNone/>
           </a:pPr>
           <a:r>
-            <a:rPr lang="en-US" sz="2500" b="0" i="0" kern="1200" dirty="0"/>
+            <a:rPr lang="en-US" sz="2300" b="0" i="0" kern="1200" dirty="0"/>
             <a:t>git </a:t>
           </a:r>
           <a:r>
-            <a:rPr lang="en-US" sz="2500" b="0" i="0" kern="1200" dirty="0" err="1"/>
+            <a:rPr lang="en-US" sz="2300" b="0" i="0" kern="1200" dirty="0" err="1"/>
             <a:t>init</a:t>
           </a:r>
-          <a:endParaRPr lang="en-US" sz="2500" kern="1200" dirty="0"/>
+          <a:endParaRPr lang="en-US" sz="2300" kern="1200" dirty="0"/>
         </a:p>
       </dsp:txBody>
       <dsp:txXfrm>
-        <a:off x="23757" y="23918"/>
-        <a:ext cx="2933430" cy="439153"/>
+        <a:off x="21801" y="22980"/>
+        <a:ext cx="2937342" cy="403003"/>
       </dsp:txXfrm>
     </dsp:sp>
     <dsp:sp modelId="{9F511821-30C7-44EE-BE15-ED30B4A1A90E}">
@@ -3723,8 +3864,8 @@
       </dsp:nvSpPr>
       <dsp:spPr>
         <a:xfrm rot="5400000">
-          <a:off x="5436004" y="-1895231"/>
-          <a:ext cx="389334" cy="5299456"/>
+          <a:off x="5452029" y="-1956310"/>
+          <a:ext cx="357284" cy="5299456"/>
         </a:xfrm>
         <a:prstGeom prst="round2SameRect">
           <a:avLst/>
@@ -3733,9 +3874,9 @@
           <a:schemeClr val="accent3">
             <a:tint val="40000"/>
             <a:alpha val="90000"/>
-            <a:hueOff val="1135788"/>
-            <a:satOff val="-980"/>
-            <a:lumOff val="37"/>
+            <a:hueOff val="993815"/>
+            <a:satOff val="-857"/>
+            <a:lumOff val="33"/>
             <a:alphaOff val="0"/>
           </a:schemeClr>
         </a:solidFill>
@@ -3744,9 +3885,9 @@
             <a:schemeClr val="accent3">
               <a:tint val="40000"/>
               <a:alpha val="90000"/>
-              <a:hueOff val="1135788"/>
-              <a:satOff val="-980"/>
-              <a:lumOff val="37"/>
+              <a:hueOff val="993815"/>
+              <a:satOff val="-857"/>
+              <a:lumOff val="33"/>
               <a:alphaOff val="0"/>
             </a:schemeClr>
           </a:solidFill>
@@ -3767,12 +3908,12 @@
         <a:fontRef idx="minor"/>
       </dsp:style>
       <dsp:txBody>
-        <a:bodyPr spcFirstLastPara="0" vert="horz" wrap="square" lIns="41910" tIns="20955" rIns="41910" bIns="20955" numCol="1" spcCol="1270" anchor="ctr" anchorCtr="0">
+        <a:bodyPr spcFirstLastPara="0" vert="horz" wrap="square" lIns="38100" tIns="19050" rIns="38100" bIns="19050" numCol="1" spcCol="1270" anchor="ctr" anchorCtr="0">
           <a:noAutofit/>
         </a:bodyPr>
         <a:lstStyle/>
         <a:p>
-          <a:pPr marL="57150" lvl="1" indent="-57150" algn="l" defTabSz="488950">
+          <a:pPr marL="57150" lvl="1" indent="-57150" algn="l" defTabSz="444500">
             <a:lnSpc>
               <a:spcPct val="90000"/>
             </a:lnSpc>
@@ -3786,7 +3927,7 @@
             <a:buNone/>
           </a:pPr>
           <a:r>
-            <a:rPr lang="en-US" sz="1100" b="0" i="0" kern="1200" dirty="0">
+            <a:rPr lang="en-US" sz="1000" b="0" i="0" kern="1200" dirty="0">
               <a:solidFill>
                 <a:schemeClr val="bg2"/>
               </a:solidFill>
@@ -3796,8 +3937,8 @@
         </a:p>
       </dsp:txBody>
       <dsp:txXfrm rot="-5400000">
-        <a:off x="2980943" y="578836"/>
-        <a:ext cx="5280450" cy="351322"/>
+        <a:off x="2980944" y="532216"/>
+        <a:ext cx="5282015" cy="322402"/>
       </dsp:txXfrm>
     </dsp:sp>
     <dsp:sp modelId="{7D7181C3-79D2-42C9-BE6D-B368A3308A35}">
@@ -3807,17 +3948,17 @@
       </dsp:nvSpPr>
       <dsp:spPr>
         <a:xfrm>
-          <a:off x="0" y="511162"/>
-          <a:ext cx="2980944" cy="486667"/>
+          <a:off x="0" y="470115"/>
+          <a:ext cx="2980944" cy="446605"/>
         </a:xfrm>
         <a:prstGeom prst="roundRect">
           <a:avLst/>
         </a:prstGeom>
         <a:solidFill>
           <a:schemeClr val="accent3">
-            <a:hueOff val="1186780"/>
-            <a:satOff val="-3670"/>
-            <a:lumOff val="1681"/>
+            <a:hueOff val="1038433"/>
+            <a:satOff val="-3211"/>
+            <a:lumOff val="1471"/>
             <a:alphaOff val="0"/>
           </a:schemeClr>
         </a:solidFill>
@@ -3849,12 +3990,12 @@
         </a:fontRef>
       </dsp:style>
       <dsp:txBody>
-        <a:bodyPr spcFirstLastPara="0" vert="horz" wrap="square" lIns="95250" tIns="47625" rIns="95250" bIns="47625" numCol="1" spcCol="1270" anchor="ctr" anchorCtr="0">
+        <a:bodyPr spcFirstLastPara="0" vert="horz" wrap="square" lIns="87630" tIns="43815" rIns="87630" bIns="43815" numCol="1" spcCol="1270" anchor="ctr" anchorCtr="0">
           <a:noAutofit/>
         </a:bodyPr>
         <a:lstStyle/>
         <a:p>
-          <a:pPr marL="0" lvl="0" indent="0" algn="ctr" defTabSz="1111250">
+          <a:pPr marL="0" lvl="0" indent="0" algn="ctr" defTabSz="1022350">
             <a:lnSpc>
               <a:spcPct val="90000"/>
             </a:lnSpc>
@@ -3868,25 +4009,25 @@
             <a:buNone/>
           </a:pPr>
           <a:r>
-            <a:rPr lang="en-US" sz="2500" b="0" i="0" kern="1200" dirty="0"/>
+            <a:rPr lang="en-US" sz="2300" b="0" i="0" kern="1200" dirty="0"/>
             <a:t>git clone</a:t>
           </a:r>
         </a:p>
       </dsp:txBody>
       <dsp:txXfrm>
-        <a:off x="23757" y="534919"/>
-        <a:ext cx="2933430" cy="439153"/>
+        <a:off x="21801" y="491916"/>
+        <a:ext cx="2937342" cy="403003"/>
       </dsp:txXfrm>
     </dsp:sp>
-    <dsp:sp modelId="{05ACDEAE-5449-40F8-9816-9F0D5866E996}">
+    <dsp:sp modelId="{42C02E4A-651A-4B59-B23B-FD46640D2CB5}">
       <dsp:nvSpPr>
         <dsp:cNvPr id="0" name=""/>
         <dsp:cNvSpPr/>
       </dsp:nvSpPr>
       <dsp:spPr>
         <a:xfrm rot="5400000">
-          <a:off x="5436004" y="-1384230"/>
-          <a:ext cx="389334" cy="5299456"/>
+          <a:off x="5452029" y="-1487374"/>
+          <a:ext cx="357284" cy="5299456"/>
         </a:xfrm>
         <a:prstGeom prst="round2SameRect">
           <a:avLst/>
@@ -3895,9 +4036,9 @@
           <a:schemeClr val="accent3">
             <a:tint val="40000"/>
             <a:alpha val="90000"/>
-            <a:hueOff val="2271576"/>
-            <a:satOff val="-1959"/>
-            <a:lumOff val="74"/>
+            <a:hueOff val="1987629"/>
+            <a:satOff val="-1715"/>
+            <a:lumOff val="65"/>
             <a:alphaOff val="0"/>
           </a:schemeClr>
         </a:solidFill>
@@ -3906,9 +4047,9 @@
             <a:schemeClr val="accent3">
               <a:tint val="40000"/>
               <a:alpha val="90000"/>
-              <a:hueOff val="2271576"/>
-              <a:satOff val="-1959"/>
-              <a:lumOff val="74"/>
+              <a:hueOff val="1987629"/>
+              <a:satOff val="-1715"/>
+              <a:lumOff val="65"/>
               <a:alphaOff val="0"/>
             </a:schemeClr>
           </a:solidFill>
@@ -3929,12 +4070,12 @@
         <a:fontRef idx="minor"/>
       </dsp:style>
       <dsp:txBody>
-        <a:bodyPr spcFirstLastPara="0" vert="horz" wrap="square" lIns="41910" tIns="20955" rIns="41910" bIns="20955" numCol="1" spcCol="1270" anchor="ctr" anchorCtr="0">
+        <a:bodyPr spcFirstLastPara="0" vert="horz" wrap="square" lIns="38100" tIns="19050" rIns="38100" bIns="19050" numCol="1" spcCol="1270" anchor="ctr" anchorCtr="0">
           <a:noAutofit/>
         </a:bodyPr>
         <a:lstStyle/>
         <a:p>
-          <a:pPr marL="57150" lvl="1" indent="-57150" algn="l" defTabSz="488950">
+          <a:pPr marL="57150" lvl="1" indent="-57150" algn="l" defTabSz="444500">
             <a:lnSpc>
               <a:spcPct val="90000"/>
             </a:lnSpc>
@@ -3948,38 +4089,38 @@
             <a:buNone/>
           </a:pPr>
           <a:r>
-            <a:rPr lang="en-US" sz="1100" b="0" i="0" kern="1200" dirty="0">
+            <a:rPr lang="en-US" sz="1000" b="0" i="0" kern="1200" dirty="0">
               <a:solidFill>
                 <a:schemeClr val="bg2"/>
               </a:solidFill>
             </a:rPr>
-            <a:t>Saves the snapshot to the project history and completes the change-tracking process</a:t>
+            <a:t>Looks at the remote repo and sees what new changes can be pulled locally</a:t>
           </a:r>
         </a:p>
       </dsp:txBody>
       <dsp:txXfrm rot="-5400000">
-        <a:off x="2980943" y="1089837"/>
-        <a:ext cx="5280450" cy="351322"/>
+        <a:off x="2980944" y="1001152"/>
+        <a:ext cx="5282015" cy="322402"/>
       </dsp:txXfrm>
     </dsp:sp>
-    <dsp:sp modelId="{1A1533F1-B6EF-4DC4-9804-99FECDE4497E}">
+    <dsp:sp modelId="{74680435-31A8-4884-9187-3CD0E3BCD098}">
       <dsp:nvSpPr>
         <dsp:cNvPr id="0" name=""/>
         <dsp:cNvSpPr/>
       </dsp:nvSpPr>
       <dsp:spPr>
         <a:xfrm>
-          <a:off x="0" y="1022163"/>
-          <a:ext cx="2980944" cy="486667"/>
+          <a:off x="0" y="939051"/>
+          <a:ext cx="2980944" cy="446605"/>
         </a:xfrm>
         <a:prstGeom prst="roundRect">
           <a:avLst/>
         </a:prstGeom>
         <a:solidFill>
           <a:schemeClr val="accent3">
-            <a:hueOff val="2373561"/>
-            <a:satOff val="-7339"/>
-            <a:lumOff val="3361"/>
+            <a:hueOff val="2076866"/>
+            <a:satOff val="-6422"/>
+            <a:lumOff val="2941"/>
             <a:alphaOff val="0"/>
           </a:schemeClr>
         </a:solidFill>
@@ -4011,12 +4152,12 @@
         </a:fontRef>
       </dsp:style>
       <dsp:txBody>
-        <a:bodyPr spcFirstLastPara="0" vert="horz" wrap="square" lIns="95250" tIns="47625" rIns="95250" bIns="47625" numCol="1" spcCol="1270" anchor="ctr" anchorCtr="0">
+        <a:bodyPr spcFirstLastPara="0" vert="horz" wrap="square" lIns="87630" tIns="43815" rIns="87630" bIns="43815" numCol="1" spcCol="1270" anchor="ctr" anchorCtr="0">
           <a:noAutofit/>
         </a:bodyPr>
         <a:lstStyle/>
         <a:p>
-          <a:pPr marL="0" lvl="0" indent="0" algn="ctr" defTabSz="1111250">
+          <a:pPr marL="0" lvl="0" indent="0" algn="ctr" defTabSz="1022350">
             <a:lnSpc>
               <a:spcPct val="90000"/>
             </a:lnSpc>
@@ -4030,25 +4171,29 @@
             <a:buNone/>
           </a:pPr>
           <a:r>
-            <a:rPr lang="en-US" sz="2500" b="0" i="0" kern="1200" dirty="0"/>
-            <a:t>git commit</a:t>
+            <a:rPr lang="en-US" sz="2300" b="0" i="0" kern="1200" dirty="0">
+              <a:solidFill>
+                <a:schemeClr val="bg1"/>
+              </a:solidFill>
+            </a:rPr>
+            <a:t>git fetch</a:t>
           </a:r>
         </a:p>
       </dsp:txBody>
       <dsp:txXfrm>
-        <a:off x="23757" y="1045920"/>
-        <a:ext cx="2933430" cy="439153"/>
+        <a:off x="21801" y="960852"/>
+        <a:ext cx="2937342" cy="403003"/>
       </dsp:txXfrm>
     </dsp:sp>
-    <dsp:sp modelId="{96B234E1-B1F6-4AD4-9F1E-2A2986D08063}">
+    <dsp:sp modelId="{0CBE881E-0DA8-49FE-9580-33DDDFDDD596}">
       <dsp:nvSpPr>
         <dsp:cNvPr id="0" name=""/>
         <dsp:cNvSpPr/>
       </dsp:nvSpPr>
       <dsp:spPr>
         <a:xfrm rot="5400000">
-          <a:off x="5436004" y="-873228"/>
-          <a:ext cx="389334" cy="5299456"/>
+          <a:off x="5452029" y="-1018438"/>
+          <a:ext cx="357284" cy="5299456"/>
         </a:xfrm>
         <a:prstGeom prst="round2SameRect">
           <a:avLst/>
@@ -4057,9 +4202,9 @@
           <a:schemeClr val="accent3">
             <a:tint val="40000"/>
             <a:alpha val="90000"/>
-            <a:hueOff val="3407364"/>
-            <a:satOff val="-2939"/>
-            <a:lumOff val="111"/>
+            <a:hueOff val="2981444"/>
+            <a:satOff val="-2572"/>
+            <a:lumOff val="98"/>
             <a:alphaOff val="0"/>
           </a:schemeClr>
         </a:solidFill>
@@ -4068,9 +4213,9 @@
             <a:schemeClr val="accent3">
               <a:tint val="40000"/>
               <a:alpha val="90000"/>
-              <a:hueOff val="3407364"/>
-              <a:satOff val="-2939"/>
-              <a:lumOff val="111"/>
+              <a:hueOff val="2981444"/>
+              <a:satOff val="-2572"/>
+              <a:lumOff val="98"/>
               <a:alphaOff val="0"/>
             </a:schemeClr>
           </a:solidFill>
@@ -4091,12 +4236,12 @@
         <a:fontRef idx="minor"/>
       </dsp:style>
       <dsp:txBody>
-        <a:bodyPr spcFirstLastPara="0" vert="horz" wrap="square" lIns="41910" tIns="20955" rIns="41910" bIns="20955" numCol="1" spcCol="1270" anchor="ctr" anchorCtr="0">
+        <a:bodyPr spcFirstLastPara="0" vert="horz" wrap="square" lIns="38100" tIns="19050" rIns="38100" bIns="19050" numCol="1" spcCol="1270" anchor="ctr" anchorCtr="0">
           <a:noAutofit/>
         </a:bodyPr>
         <a:lstStyle/>
         <a:p>
-          <a:pPr marL="57150" lvl="1" indent="-57150" algn="l" defTabSz="488950">
+          <a:pPr marL="57150" lvl="1" indent="-57150" algn="l" defTabSz="444500">
             <a:lnSpc>
               <a:spcPct val="90000"/>
             </a:lnSpc>
@@ -4110,38 +4255,38 @@
             <a:buNone/>
           </a:pPr>
           <a:r>
-            <a:rPr lang="en-US" sz="1100" b="0" i="0" kern="1200" dirty="0">
+            <a:rPr lang="en-US" sz="1000" b="0" i="0" kern="1200" dirty="0">
               <a:solidFill>
                 <a:schemeClr val="bg2"/>
               </a:solidFill>
             </a:rPr>
-            <a:t>Shows the status of changes as untracked, modified, or staged</a:t>
+            <a:t>Updates the local line of development with updates from its remote counterpart</a:t>
           </a:r>
         </a:p>
       </dsp:txBody>
       <dsp:txXfrm rot="-5400000">
-        <a:off x="2980943" y="1600839"/>
-        <a:ext cx="5280450" cy="351322"/>
+        <a:off x="2980944" y="1470088"/>
+        <a:ext cx="5282015" cy="322402"/>
       </dsp:txXfrm>
     </dsp:sp>
-    <dsp:sp modelId="{87379221-2FD2-42BB-B976-D3FDFD2DE368}">
+    <dsp:sp modelId="{7894D1E9-801C-467A-B853-11CE2E29E21E}">
       <dsp:nvSpPr>
         <dsp:cNvPr id="0" name=""/>
         <dsp:cNvSpPr/>
       </dsp:nvSpPr>
       <dsp:spPr>
         <a:xfrm>
-          <a:off x="0" y="1533165"/>
-          <a:ext cx="2980944" cy="486667"/>
+          <a:off x="0" y="1407986"/>
+          <a:ext cx="2980944" cy="446605"/>
         </a:xfrm>
         <a:prstGeom prst="roundRect">
           <a:avLst/>
         </a:prstGeom>
         <a:solidFill>
           <a:schemeClr val="accent3">
-            <a:hueOff val="3560341"/>
-            <a:satOff val="-11009"/>
-            <a:lumOff val="5042"/>
+            <a:hueOff val="3115298"/>
+            <a:satOff val="-9633"/>
+            <a:lumOff val="4412"/>
             <a:alphaOff val="0"/>
           </a:schemeClr>
         </a:solidFill>
@@ -4173,12 +4318,12 @@
         </a:fontRef>
       </dsp:style>
       <dsp:txBody>
-        <a:bodyPr spcFirstLastPara="0" vert="horz" wrap="square" lIns="95250" tIns="47625" rIns="95250" bIns="47625" numCol="1" spcCol="1270" anchor="ctr" anchorCtr="0">
+        <a:bodyPr spcFirstLastPara="0" vert="horz" wrap="square" lIns="87630" tIns="43815" rIns="87630" bIns="43815" numCol="1" spcCol="1270" anchor="ctr" anchorCtr="0">
           <a:noAutofit/>
         </a:bodyPr>
         <a:lstStyle/>
         <a:p>
-          <a:pPr marL="0" lvl="0" indent="0" algn="ctr" defTabSz="1111250">
+          <a:pPr marL="0" lvl="0" indent="0" algn="ctr" defTabSz="1022350">
             <a:lnSpc>
               <a:spcPct val="90000"/>
             </a:lnSpc>
@@ -4192,25 +4337,25 @@
             <a:buNone/>
           </a:pPr>
           <a:r>
-            <a:rPr lang="en-US" sz="2500" b="0" i="0" kern="1200" dirty="0"/>
-            <a:t>git status</a:t>
+            <a:rPr lang="en-US" sz="2300" b="0" i="0" kern="1200" dirty="0"/>
+            <a:t>git pull</a:t>
           </a:r>
         </a:p>
       </dsp:txBody>
       <dsp:txXfrm>
-        <a:off x="23757" y="1556922"/>
-        <a:ext cx="2933430" cy="439153"/>
+        <a:off x="21801" y="1429787"/>
+        <a:ext cx="2937342" cy="403003"/>
       </dsp:txXfrm>
     </dsp:sp>
-    <dsp:sp modelId="{627BD9A2-87AC-4DAE-8453-676C5AFB0A4B}">
+    <dsp:sp modelId="{CB6D2F15-EFA1-4371-9E98-54CB666936F2}">
       <dsp:nvSpPr>
         <dsp:cNvPr id="0" name=""/>
         <dsp:cNvSpPr/>
       </dsp:nvSpPr>
       <dsp:spPr>
         <a:xfrm rot="5400000">
-          <a:off x="5436004" y="-362227"/>
-          <a:ext cx="389334" cy="5299456"/>
+          <a:off x="5452029" y="-549502"/>
+          <a:ext cx="357284" cy="5299456"/>
         </a:xfrm>
         <a:prstGeom prst="round2SameRect">
           <a:avLst/>
@@ -4219,9 +4364,9 @@
           <a:schemeClr val="accent3">
             <a:tint val="40000"/>
             <a:alpha val="90000"/>
-            <a:hueOff val="4543152"/>
-            <a:satOff val="-3919"/>
-            <a:lumOff val="149"/>
+            <a:hueOff val="3975258"/>
+            <a:satOff val="-3429"/>
+            <a:lumOff val="130"/>
             <a:alphaOff val="0"/>
           </a:schemeClr>
         </a:solidFill>
@@ -4230,9 +4375,9 @@
             <a:schemeClr val="accent3">
               <a:tint val="40000"/>
               <a:alpha val="90000"/>
-              <a:hueOff val="4543152"/>
-              <a:satOff val="-3919"/>
-              <a:lumOff val="149"/>
+              <a:hueOff val="3975258"/>
+              <a:satOff val="-3429"/>
+              <a:lumOff val="130"/>
               <a:alphaOff val="0"/>
             </a:schemeClr>
           </a:solidFill>
@@ -4253,12 +4398,12 @@
         <a:fontRef idx="minor"/>
       </dsp:style>
       <dsp:txBody>
-        <a:bodyPr spcFirstLastPara="0" vert="horz" wrap="square" lIns="41910" tIns="20955" rIns="41910" bIns="20955" numCol="1" spcCol="1270" anchor="ctr" anchorCtr="0">
+        <a:bodyPr spcFirstLastPara="0" vert="horz" wrap="square" lIns="38100" tIns="19050" rIns="38100" bIns="19050" numCol="1" spcCol="1270" anchor="ctr" anchorCtr="0">
           <a:noAutofit/>
         </a:bodyPr>
         <a:lstStyle/>
         <a:p>
-          <a:pPr marL="57150" lvl="1" indent="-57150" algn="l" defTabSz="488950">
+          <a:pPr marL="57150" lvl="1" indent="-57150" algn="l" defTabSz="444500">
             <a:lnSpc>
               <a:spcPct val="90000"/>
             </a:lnSpc>
@@ -4272,38 +4417,38 @@
             <a:buNone/>
           </a:pPr>
           <a:r>
-            <a:rPr lang="en-US" sz="1100" b="0" i="0" kern="1200" dirty="0">
+            <a:rPr lang="en-US" sz="1000" b="0" i="0" kern="1200" dirty="0">
               <a:solidFill>
                 <a:schemeClr val="bg2"/>
               </a:solidFill>
             </a:rPr>
-            <a:t>Shows the branches being worked on locally.</a:t>
+            <a:t>Shows the status of changes as untracked, modified, or staged</a:t>
           </a:r>
         </a:p>
       </dsp:txBody>
       <dsp:txXfrm rot="-5400000">
-        <a:off x="2980943" y="2111840"/>
-        <a:ext cx="5280450" cy="351322"/>
+        <a:off x="2980944" y="1939024"/>
+        <a:ext cx="5282015" cy="322402"/>
       </dsp:txXfrm>
     </dsp:sp>
-    <dsp:sp modelId="{E7FECA51-2E31-4BB2-BA21-598AA0635CFE}">
+    <dsp:sp modelId="{7C5CCB8A-B572-4397-B4D7-5131ACEFC885}">
       <dsp:nvSpPr>
         <dsp:cNvPr id="0" name=""/>
         <dsp:cNvSpPr/>
       </dsp:nvSpPr>
       <dsp:spPr>
         <a:xfrm>
-          <a:off x="0" y="2044166"/>
-          <a:ext cx="2980944" cy="486667"/>
+          <a:off x="0" y="1876922"/>
+          <a:ext cx="2980944" cy="446605"/>
         </a:xfrm>
         <a:prstGeom prst="roundRect">
           <a:avLst/>
         </a:prstGeom>
         <a:solidFill>
           <a:schemeClr val="accent3">
-            <a:hueOff val="4747121"/>
-            <a:satOff val="-14679"/>
-            <a:lumOff val="6723"/>
+            <a:hueOff val="4153731"/>
+            <a:satOff val="-12844"/>
+            <a:lumOff val="5883"/>
             <a:alphaOff val="0"/>
           </a:schemeClr>
         </a:solidFill>
@@ -4335,12 +4480,12 @@
         </a:fontRef>
       </dsp:style>
       <dsp:txBody>
-        <a:bodyPr spcFirstLastPara="0" vert="horz" wrap="square" lIns="95250" tIns="47625" rIns="95250" bIns="47625" numCol="1" spcCol="1270" anchor="ctr" anchorCtr="0">
+        <a:bodyPr spcFirstLastPara="0" vert="horz" wrap="square" lIns="87630" tIns="43815" rIns="87630" bIns="43815" numCol="1" spcCol="1270" anchor="ctr" anchorCtr="0">
           <a:noAutofit/>
         </a:bodyPr>
         <a:lstStyle/>
         <a:p>
-          <a:pPr marL="0" lvl="0" indent="0" algn="ctr" defTabSz="1111250">
+          <a:pPr marL="0" lvl="0" indent="0" algn="ctr" defTabSz="1022350">
             <a:lnSpc>
               <a:spcPct val="90000"/>
             </a:lnSpc>
@@ -4354,25 +4499,30 @@
             <a:buNone/>
           </a:pPr>
           <a:r>
-            <a:rPr lang="en-US" sz="2500" b="0" i="0" kern="1200" dirty="0"/>
-            <a:t>git branch</a:t>
+            <a:rPr lang="en-US" sz="2300" b="0" i="0" kern="1200" dirty="0"/>
+            <a:t>git status</a:t>
           </a:r>
+          <a:endParaRPr lang="en-US" sz="2300" b="0" i="0" kern="1200" dirty="0">
+            <a:solidFill>
+              <a:schemeClr val="bg2"/>
+            </a:solidFill>
+          </a:endParaRPr>
         </a:p>
       </dsp:txBody>
       <dsp:txXfrm>
-        <a:off x="23757" y="2067923"/>
-        <a:ext cx="2933430" cy="439153"/>
+        <a:off x="21801" y="1898723"/>
+        <a:ext cx="2937342" cy="403003"/>
       </dsp:txXfrm>
     </dsp:sp>
-    <dsp:sp modelId="{84E058B7-D423-41F9-99E3-C76472626B91}">
+    <dsp:sp modelId="{161DCC45-A570-4E42-BA15-7D89480A06E8}">
       <dsp:nvSpPr>
         <dsp:cNvPr id="0" name=""/>
         <dsp:cNvSpPr/>
       </dsp:nvSpPr>
       <dsp:spPr>
         <a:xfrm rot="5400000">
-          <a:off x="5436004" y="148774"/>
-          <a:ext cx="389334" cy="5299456"/>
+          <a:off x="5452029" y="-80566"/>
+          <a:ext cx="357284" cy="5299456"/>
         </a:xfrm>
         <a:prstGeom prst="round2SameRect">
           <a:avLst/>
@@ -4381,9 +4531,9 @@
           <a:schemeClr val="accent3">
             <a:tint val="40000"/>
             <a:alpha val="90000"/>
-            <a:hueOff val="5678941"/>
-            <a:satOff val="-4899"/>
-            <a:lumOff val="186"/>
+            <a:hueOff val="4969073"/>
+            <a:satOff val="-4286"/>
+            <a:lumOff val="163"/>
             <a:alphaOff val="0"/>
           </a:schemeClr>
         </a:solidFill>
@@ -4392,9 +4542,9 @@
             <a:schemeClr val="accent3">
               <a:tint val="40000"/>
               <a:alpha val="90000"/>
-              <a:hueOff val="5678941"/>
-              <a:satOff val="-4899"/>
-              <a:lumOff val="186"/>
+              <a:hueOff val="4969073"/>
+              <a:satOff val="-4286"/>
+              <a:lumOff val="163"/>
               <a:alphaOff val="0"/>
             </a:schemeClr>
           </a:solidFill>
@@ -4415,12 +4565,12 @@
         <a:fontRef idx="minor"/>
       </dsp:style>
       <dsp:txBody>
-        <a:bodyPr spcFirstLastPara="0" vert="horz" wrap="square" lIns="41910" tIns="20955" rIns="41910" bIns="20955" numCol="1" spcCol="1270" anchor="ctr" anchorCtr="0">
+        <a:bodyPr spcFirstLastPara="0" vert="horz" wrap="square" lIns="38100" tIns="19050" rIns="38100" bIns="19050" numCol="1" spcCol="1270" anchor="ctr" anchorCtr="0">
           <a:noAutofit/>
         </a:bodyPr>
         <a:lstStyle/>
         <a:p>
-          <a:pPr marL="57150" lvl="1" indent="-57150" algn="l" defTabSz="488950">
+          <a:pPr marL="57150" lvl="1" indent="-57150" algn="l" defTabSz="444500">
             <a:lnSpc>
               <a:spcPct val="90000"/>
             </a:lnSpc>
@@ -4434,38 +4584,38 @@
             <a:buNone/>
           </a:pPr>
           <a:r>
-            <a:rPr lang="en-US" sz="1100" b="0" i="0" kern="1200" dirty="0">
+            <a:rPr lang="en-US" sz="1000" b="0" i="0" kern="1200" dirty="0">
               <a:solidFill>
                 <a:schemeClr val="bg2"/>
               </a:solidFill>
             </a:rPr>
-            <a:t>Merges lines of development together</a:t>
+            <a:t>Shows the branches being worked on locally.</a:t>
           </a:r>
         </a:p>
       </dsp:txBody>
       <dsp:txXfrm rot="-5400000">
-        <a:off x="2980943" y="2622841"/>
-        <a:ext cx="5280450" cy="351322"/>
+        <a:off x="2980944" y="2407960"/>
+        <a:ext cx="5282015" cy="322402"/>
       </dsp:txXfrm>
     </dsp:sp>
-    <dsp:sp modelId="{8531C7E9-197D-4211-9839-213C003C25E9}">
+    <dsp:sp modelId="{76A7C67B-CBFE-4FF1-8620-28F96A2341B6}">
       <dsp:nvSpPr>
         <dsp:cNvPr id="0" name=""/>
         <dsp:cNvSpPr/>
       </dsp:nvSpPr>
       <dsp:spPr>
         <a:xfrm>
-          <a:off x="0" y="2555168"/>
-          <a:ext cx="2980944" cy="486667"/>
+          <a:off x="0" y="2345858"/>
+          <a:ext cx="2980944" cy="446605"/>
         </a:xfrm>
         <a:prstGeom prst="roundRect">
           <a:avLst/>
         </a:prstGeom>
         <a:solidFill>
           <a:schemeClr val="accent3">
-            <a:hueOff val="5933902"/>
-            <a:satOff val="-18349"/>
-            <a:lumOff val="8404"/>
+            <a:hueOff val="5192164"/>
+            <a:satOff val="-16055"/>
+            <a:lumOff val="7353"/>
             <a:alphaOff val="0"/>
           </a:schemeClr>
         </a:solidFill>
@@ -4497,12 +4647,12 @@
         </a:fontRef>
       </dsp:style>
       <dsp:txBody>
-        <a:bodyPr spcFirstLastPara="0" vert="horz" wrap="square" lIns="95250" tIns="47625" rIns="95250" bIns="47625" numCol="1" spcCol="1270" anchor="ctr" anchorCtr="0">
+        <a:bodyPr spcFirstLastPara="0" vert="horz" wrap="square" lIns="87630" tIns="43815" rIns="87630" bIns="43815" numCol="1" spcCol="1270" anchor="ctr" anchorCtr="0">
           <a:noAutofit/>
         </a:bodyPr>
         <a:lstStyle/>
         <a:p>
-          <a:pPr marL="0" lvl="0" indent="0" algn="ctr" defTabSz="1111250">
+          <a:pPr marL="0" lvl="0" indent="0" algn="ctr" defTabSz="1022350">
             <a:lnSpc>
               <a:spcPct val="90000"/>
             </a:lnSpc>
@@ -4516,25 +4666,30 @@
             <a:buNone/>
           </a:pPr>
           <a:r>
-            <a:rPr lang="en-US" sz="2500" b="0" i="0" kern="1200" dirty="0"/>
-            <a:t>git merge</a:t>
+            <a:rPr lang="en-US" sz="2300" b="0" i="0" kern="1200"/>
+            <a:t>git branch</a:t>
           </a:r>
+          <a:endParaRPr lang="en-US" sz="2300" b="0" i="0" kern="1200" dirty="0">
+            <a:solidFill>
+              <a:schemeClr val="bg2"/>
+            </a:solidFill>
+          </a:endParaRPr>
         </a:p>
       </dsp:txBody>
       <dsp:txXfrm>
-        <a:off x="23757" y="2578925"/>
-        <a:ext cx="2933430" cy="439153"/>
+        <a:off x="21801" y="2367659"/>
+        <a:ext cx="2937342" cy="403003"/>
       </dsp:txXfrm>
     </dsp:sp>
-    <dsp:sp modelId="{0CBE881E-0DA8-49FE-9580-33DDDFDDD596}">
+    <dsp:sp modelId="{A3A2A46D-0527-4018-B602-F5DD31800C0C}">
       <dsp:nvSpPr>
         <dsp:cNvPr id="0" name=""/>
         <dsp:cNvSpPr/>
       </dsp:nvSpPr>
       <dsp:spPr>
         <a:xfrm rot="5400000">
-          <a:off x="5436004" y="659775"/>
-          <a:ext cx="389334" cy="5299456"/>
+          <a:off x="5452029" y="388369"/>
+          <a:ext cx="357284" cy="5299456"/>
         </a:xfrm>
         <a:prstGeom prst="round2SameRect">
           <a:avLst/>
@@ -4543,9 +4698,9 @@
           <a:schemeClr val="accent3">
             <a:tint val="40000"/>
             <a:alpha val="90000"/>
-            <a:hueOff val="6814728"/>
-            <a:satOff val="-5878"/>
-            <a:lumOff val="223"/>
+            <a:hueOff val="5962887"/>
+            <a:satOff val="-5144"/>
+            <a:lumOff val="195"/>
             <a:alphaOff val="0"/>
           </a:schemeClr>
         </a:solidFill>
@@ -4554,9 +4709,9 @@
             <a:schemeClr val="accent3">
               <a:tint val="40000"/>
               <a:alpha val="90000"/>
-              <a:hueOff val="6814728"/>
-              <a:satOff val="-5878"/>
-              <a:lumOff val="223"/>
+              <a:hueOff val="5962887"/>
+              <a:satOff val="-5144"/>
+              <a:lumOff val="195"/>
               <a:alphaOff val="0"/>
             </a:schemeClr>
           </a:solidFill>
@@ -4577,12 +4732,12 @@
         <a:fontRef idx="minor"/>
       </dsp:style>
       <dsp:txBody>
-        <a:bodyPr spcFirstLastPara="0" vert="horz" wrap="square" lIns="41910" tIns="20955" rIns="41910" bIns="20955" numCol="1" spcCol="1270" anchor="ctr" anchorCtr="0">
+        <a:bodyPr spcFirstLastPara="0" vert="horz" wrap="square" lIns="38100" tIns="19050" rIns="38100" bIns="19050" numCol="1" spcCol="1270" anchor="ctr" anchorCtr="0">
           <a:noAutofit/>
         </a:bodyPr>
         <a:lstStyle/>
         <a:p>
-          <a:pPr marL="57150" lvl="1" indent="-57150" algn="l" defTabSz="488950">
+          <a:pPr marL="57150" lvl="1" indent="-57150" algn="l" defTabSz="444500">
             <a:lnSpc>
               <a:spcPct val="90000"/>
             </a:lnSpc>
@@ -4596,38 +4751,38 @@
             <a:buNone/>
           </a:pPr>
           <a:r>
-            <a:rPr lang="en-US" sz="1100" b="0" i="0" kern="1200" dirty="0">
+            <a:rPr lang="en-US" sz="1000" b="0" i="0" kern="1200" dirty="0">
               <a:solidFill>
                 <a:schemeClr val="bg2"/>
               </a:solidFill>
             </a:rPr>
-            <a:t>Updates the local line of development with updates from its remote counterpart</a:t>
+            <a:t>Merges lines of development together</a:t>
           </a:r>
         </a:p>
       </dsp:txBody>
       <dsp:txXfrm rot="-5400000">
-        <a:off x="2980943" y="3133842"/>
-        <a:ext cx="5280450" cy="351322"/>
+        <a:off x="2980944" y="2876896"/>
+        <a:ext cx="5282015" cy="322402"/>
       </dsp:txXfrm>
     </dsp:sp>
-    <dsp:sp modelId="{7894D1E9-801C-467A-B853-11CE2E29E21E}">
+    <dsp:sp modelId="{7D7CB8F7-239B-40DB-809B-1FBB27934893}">
       <dsp:nvSpPr>
         <dsp:cNvPr id="0" name=""/>
         <dsp:cNvSpPr/>
       </dsp:nvSpPr>
       <dsp:spPr>
         <a:xfrm>
-          <a:off x="0" y="3066169"/>
-          <a:ext cx="2980944" cy="486667"/>
+          <a:off x="0" y="2814794"/>
+          <a:ext cx="2980944" cy="446605"/>
         </a:xfrm>
         <a:prstGeom prst="roundRect">
           <a:avLst/>
         </a:prstGeom>
         <a:solidFill>
           <a:schemeClr val="accent3">
-            <a:hueOff val="7120682"/>
-            <a:satOff val="-22018"/>
-            <a:lumOff val="10084"/>
+            <a:hueOff val="6230597"/>
+            <a:satOff val="-19266"/>
+            <a:lumOff val="8824"/>
             <a:alphaOff val="0"/>
           </a:schemeClr>
         </a:solidFill>
@@ -4659,12 +4814,12 @@
         </a:fontRef>
       </dsp:style>
       <dsp:txBody>
-        <a:bodyPr spcFirstLastPara="0" vert="horz" wrap="square" lIns="95250" tIns="47625" rIns="95250" bIns="47625" numCol="1" spcCol="1270" anchor="ctr" anchorCtr="0">
+        <a:bodyPr spcFirstLastPara="0" vert="horz" wrap="square" lIns="87630" tIns="43815" rIns="87630" bIns="43815" numCol="1" spcCol="1270" anchor="ctr" anchorCtr="0">
           <a:noAutofit/>
         </a:bodyPr>
         <a:lstStyle/>
         <a:p>
-          <a:pPr marL="0" lvl="0" indent="0" algn="ctr" defTabSz="1111250">
+          <a:pPr marL="0" lvl="0" indent="0" algn="ctr" defTabSz="1022350">
             <a:lnSpc>
               <a:spcPct val="90000"/>
             </a:lnSpc>
@@ -4678,14 +4833,186 @@
             <a:buNone/>
           </a:pPr>
           <a:r>
-            <a:rPr lang="en-US" sz="2500" b="0" i="0" kern="1200" dirty="0"/>
-            <a:t>git pull</a:t>
+            <a:rPr lang="en-US" sz="2300" b="0" i="0" kern="1200"/>
+            <a:t>git merge</a:t>
+          </a:r>
+          <a:endParaRPr lang="en-US" sz="2300" b="0" i="0" kern="1200" dirty="0">
+            <a:solidFill>
+              <a:schemeClr val="bg2"/>
+            </a:solidFill>
+          </a:endParaRPr>
+        </a:p>
+      </dsp:txBody>
+      <dsp:txXfrm>
+        <a:off x="21801" y="2836595"/>
+        <a:ext cx="2937342" cy="403003"/>
+      </dsp:txXfrm>
+    </dsp:sp>
+    <dsp:sp modelId="{55F2F6D1-BDD1-4632-B98C-7267E8FEC60E}">
+      <dsp:nvSpPr>
+        <dsp:cNvPr id="0" name=""/>
+        <dsp:cNvSpPr/>
+      </dsp:nvSpPr>
+      <dsp:spPr>
+        <a:xfrm rot="5400000">
+          <a:off x="5452029" y="857305"/>
+          <a:ext cx="357284" cy="5299456"/>
+        </a:xfrm>
+        <a:prstGeom prst="round2SameRect">
+          <a:avLst/>
+        </a:prstGeom>
+        <a:solidFill>
+          <a:schemeClr val="accent3">
+            <a:tint val="40000"/>
+            <a:alpha val="90000"/>
+            <a:hueOff val="6956702"/>
+            <a:satOff val="-6001"/>
+            <a:lumOff val="228"/>
+            <a:alphaOff val="0"/>
+          </a:schemeClr>
+        </a:solidFill>
+        <a:ln w="25400" cap="flat" cmpd="sng" algn="ctr">
+          <a:solidFill>
+            <a:schemeClr val="accent3">
+              <a:tint val="40000"/>
+              <a:alpha val="90000"/>
+              <a:hueOff val="6956702"/>
+              <a:satOff val="-6001"/>
+              <a:lumOff val="228"/>
+              <a:alphaOff val="0"/>
+            </a:schemeClr>
+          </a:solidFill>
+          <a:prstDash val="solid"/>
+        </a:ln>
+        <a:effectLst/>
+      </dsp:spPr>
+      <dsp:style>
+        <a:lnRef idx="2">
+          <a:scrgbClr r="0" g="0" b="0"/>
+        </a:lnRef>
+        <a:fillRef idx="1">
+          <a:scrgbClr r="0" g="0" b="0"/>
+        </a:fillRef>
+        <a:effectRef idx="0">
+          <a:scrgbClr r="0" g="0" b="0"/>
+        </a:effectRef>
+        <a:fontRef idx="minor"/>
+      </dsp:style>
+      <dsp:txBody>
+        <a:bodyPr spcFirstLastPara="0" vert="horz" wrap="square" lIns="38100" tIns="19050" rIns="38100" bIns="19050" numCol="1" spcCol="1270" anchor="ctr" anchorCtr="0">
+          <a:noAutofit/>
+        </a:bodyPr>
+        <a:lstStyle/>
+        <a:p>
+          <a:pPr marL="57150" lvl="1" indent="-57150" algn="l" defTabSz="444500">
+            <a:lnSpc>
+              <a:spcPct val="90000"/>
+            </a:lnSpc>
+            <a:spcBef>
+              <a:spcPct val="0"/>
+            </a:spcBef>
+            <a:spcAft>
+              <a:spcPct val="15000"/>
+            </a:spcAft>
+            <a:buFont typeface="Arial" panose="020B0604020202020204" pitchFamily="34" charset="0"/>
+            <a:buNone/>
+          </a:pPr>
+          <a:r>
+            <a:rPr lang="en-US" sz="1000" b="0" i="0" kern="1200" dirty="0">
+              <a:solidFill>
+                <a:schemeClr val="bg2"/>
+              </a:solidFill>
+            </a:rPr>
+            <a:t>Saves the snapshot to the project history and completes the change-tracking process</a:t>
           </a:r>
         </a:p>
       </dsp:txBody>
+      <dsp:txXfrm rot="-5400000">
+        <a:off x="2980944" y="3345832"/>
+        <a:ext cx="5282015" cy="322402"/>
+      </dsp:txXfrm>
+    </dsp:sp>
+    <dsp:sp modelId="{973EF3D5-1A47-455B-BF75-22F9FF496173}">
+      <dsp:nvSpPr>
+        <dsp:cNvPr id="0" name=""/>
+        <dsp:cNvSpPr/>
+      </dsp:nvSpPr>
+      <dsp:spPr>
+        <a:xfrm>
+          <a:off x="0" y="3283730"/>
+          <a:ext cx="2980944" cy="446605"/>
+        </a:xfrm>
+        <a:prstGeom prst="roundRect">
+          <a:avLst/>
+        </a:prstGeom>
+        <a:solidFill>
+          <a:schemeClr val="accent3">
+            <a:hueOff val="7269029"/>
+            <a:satOff val="-22477"/>
+            <a:lumOff val="10294"/>
+            <a:alphaOff val="0"/>
+          </a:schemeClr>
+        </a:solidFill>
+        <a:ln w="25400" cap="flat" cmpd="sng" algn="ctr">
+          <a:solidFill>
+            <a:schemeClr val="lt1">
+              <a:hueOff val="0"/>
+              <a:satOff val="0"/>
+              <a:lumOff val="0"/>
+              <a:alphaOff val="0"/>
+            </a:schemeClr>
+          </a:solidFill>
+          <a:prstDash val="solid"/>
+        </a:ln>
+        <a:effectLst/>
+      </dsp:spPr>
+      <dsp:style>
+        <a:lnRef idx="2">
+          <a:scrgbClr r="0" g="0" b="0"/>
+        </a:lnRef>
+        <a:fillRef idx="1">
+          <a:scrgbClr r="0" g="0" b="0"/>
+        </a:fillRef>
+        <a:effectRef idx="0">
+          <a:scrgbClr r="0" g="0" b="0"/>
+        </a:effectRef>
+        <a:fontRef idx="minor">
+          <a:schemeClr val="lt1"/>
+        </a:fontRef>
+      </dsp:style>
+      <dsp:txBody>
+        <a:bodyPr spcFirstLastPara="0" vert="horz" wrap="square" lIns="87630" tIns="43815" rIns="87630" bIns="43815" numCol="1" spcCol="1270" anchor="ctr" anchorCtr="0">
+          <a:noAutofit/>
+        </a:bodyPr>
+        <a:lstStyle/>
+        <a:p>
+          <a:pPr marL="0" lvl="0" indent="0" algn="ctr" defTabSz="1022350">
+            <a:lnSpc>
+              <a:spcPct val="90000"/>
+            </a:lnSpc>
+            <a:spcBef>
+              <a:spcPct val="0"/>
+            </a:spcBef>
+            <a:spcAft>
+              <a:spcPct val="35000"/>
+            </a:spcAft>
+            <a:buFont typeface="Arial" panose="020B0604020202020204" pitchFamily="34" charset="0"/>
+            <a:buNone/>
+          </a:pPr>
+          <a:r>
+            <a:rPr lang="en-US" sz="2300" b="0" i="0" kern="1200" dirty="0"/>
+            <a:t>git commit</a:t>
+          </a:r>
+          <a:endParaRPr lang="en-US" sz="2300" b="0" i="0" kern="1200" dirty="0">
+            <a:solidFill>
+              <a:schemeClr val="bg2"/>
+            </a:solidFill>
+          </a:endParaRPr>
+        </a:p>
+      </dsp:txBody>
       <dsp:txXfrm>
-        <a:off x="23757" y="3089926"/>
-        <a:ext cx="2933430" cy="439153"/>
+        <a:off x="21801" y="3305531"/>
+        <a:ext cx="2937342" cy="403003"/>
       </dsp:txXfrm>
     </dsp:sp>
     <dsp:sp modelId="{A718F9D1-B626-4505-BC3C-72F1A58196B3}">
@@ -4695,8 +5022,8 @@
       </dsp:nvSpPr>
       <dsp:spPr>
         <a:xfrm rot="5400000">
-          <a:off x="5436004" y="1170776"/>
-          <a:ext cx="389334" cy="5299456"/>
+          <a:off x="5452029" y="1326240"/>
+          <a:ext cx="357284" cy="5299456"/>
         </a:xfrm>
         <a:prstGeom prst="round2SameRect">
           <a:avLst/>
@@ -4739,12 +5066,12 @@
         <a:fontRef idx="minor"/>
       </dsp:style>
       <dsp:txBody>
-        <a:bodyPr spcFirstLastPara="0" vert="horz" wrap="square" lIns="41910" tIns="20955" rIns="41910" bIns="20955" numCol="1" spcCol="1270" anchor="ctr" anchorCtr="0">
+        <a:bodyPr spcFirstLastPara="0" vert="horz" wrap="square" lIns="38100" tIns="19050" rIns="38100" bIns="19050" numCol="1" spcCol="1270" anchor="ctr" anchorCtr="0">
           <a:noAutofit/>
         </a:bodyPr>
         <a:lstStyle/>
         <a:p>
-          <a:pPr marL="57150" lvl="1" indent="-57150" algn="l" defTabSz="488950">
+          <a:pPr marL="57150" lvl="1" indent="-57150" algn="l" defTabSz="444500">
             <a:lnSpc>
               <a:spcPct val="90000"/>
             </a:lnSpc>
@@ -4758,7 +5085,7 @@
             <a:buNone/>
           </a:pPr>
           <a:r>
-            <a:rPr lang="en-US" sz="1100" b="0" i="0" kern="1200" dirty="0">
+            <a:rPr lang="en-US" sz="1000" b="0" i="0" kern="1200" dirty="0">
               <a:solidFill>
                 <a:schemeClr val="bg2"/>
               </a:solidFill>
@@ -4768,8 +5095,8 @@
         </a:p>
       </dsp:txBody>
       <dsp:txXfrm rot="-5400000">
-        <a:off x="2980943" y="3644843"/>
-        <a:ext cx="5280450" cy="351322"/>
+        <a:off x="2980944" y="3814767"/>
+        <a:ext cx="5282015" cy="322402"/>
       </dsp:txXfrm>
     </dsp:sp>
     <dsp:sp modelId="{8A43D587-55EA-4489-BABB-D21F00D0B445}">
@@ -4779,8 +5106,8 @@
       </dsp:nvSpPr>
       <dsp:spPr>
         <a:xfrm>
-          <a:off x="0" y="3577170"/>
-          <a:ext cx="2980944" cy="486667"/>
+          <a:off x="0" y="3752666"/>
+          <a:ext cx="2980944" cy="446605"/>
         </a:xfrm>
         <a:prstGeom prst="roundRect">
           <a:avLst/>
@@ -4821,12 +5148,12 @@
         </a:fontRef>
       </dsp:style>
       <dsp:txBody>
-        <a:bodyPr spcFirstLastPara="0" vert="horz" wrap="square" lIns="95250" tIns="47625" rIns="95250" bIns="47625" numCol="1" spcCol="1270" anchor="ctr" anchorCtr="0">
+        <a:bodyPr spcFirstLastPara="0" vert="horz" wrap="square" lIns="87630" tIns="43815" rIns="87630" bIns="43815" numCol="1" spcCol="1270" anchor="ctr" anchorCtr="0">
           <a:noAutofit/>
         </a:bodyPr>
         <a:lstStyle/>
         <a:p>
-          <a:pPr marL="0" lvl="0" indent="0" algn="ctr" defTabSz="1111250">
+          <a:pPr marL="0" lvl="0" indent="0" algn="ctr" defTabSz="1022350">
             <a:lnSpc>
               <a:spcPct val="90000"/>
             </a:lnSpc>
@@ -4840,14 +5167,14 @@
             <a:buNone/>
           </a:pPr>
           <a:r>
-            <a:rPr lang="en-US" sz="2500" b="0" i="0" kern="1200" dirty="0"/>
+            <a:rPr lang="en-US" sz="2300" b="0" i="0" kern="1200" dirty="0"/>
             <a:t>git push</a:t>
           </a:r>
         </a:p>
       </dsp:txBody>
       <dsp:txXfrm>
-        <a:off x="23757" y="3600927"/>
-        <a:ext cx="2933430" cy="439153"/>
+        <a:off x="21801" y="3774467"/>
+        <a:ext cx="2937342" cy="403003"/>
       </dsp:txXfrm>
     </dsp:sp>
   </dsp:spTree>
@@ -12472,14 +12799,14 @@
           <p:nvPr>
             <p:extLst>
               <p:ext uri="{D42A27DB-BD31-4B8C-83A1-F6EECF244321}">
-                <p14:modId xmlns:p14="http://schemas.microsoft.com/office/powerpoint/2010/main" val="131676799"/>
+                <p14:modId xmlns:p14="http://schemas.microsoft.com/office/powerpoint/2010/main" val="650592401"/>
               </p:ext>
             </p:extLst>
           </p:nvPr>
         </p:nvGraphicFramePr>
         <p:xfrm>
-          <a:off x="438150" y="838200"/>
-          <a:ext cx="8280400" cy="4064000"/>
+          <a:off x="438150" y="701749"/>
+          <a:ext cx="8280400" cy="4200451"/>
         </p:xfrm>
         <a:graphic>
           <a:graphicData uri="http://schemas.openxmlformats.org/drawingml/2006/diagram">
@@ -12501,7 +12828,7 @@
         </p:nvSpPr>
         <p:spPr>
           <a:xfrm>
-            <a:off x="5868744" y="70073"/>
+            <a:off x="5734065" y="203782"/>
             <a:ext cx="3275256" cy="253916"/>
           </a:xfrm>
           <a:prstGeom prst="rect">
@@ -12521,44 +12848,6 @@
               <a:t>https://guides.github.com/introduction/git-handbook/</a:t>
             </a:r>
             <a:endParaRPr lang="en-US" sz="1050" dirty="0"/>
-          </a:p>
-        </p:txBody>
-      </p:sp>
-      <p:sp>
-        <p:nvSpPr>
-          <p:cNvPr id="6" name="Rectangle 5">
-            <a:extLst>
-              <a:ext uri="{FF2B5EF4-FFF2-40B4-BE49-F238E27FC236}">
-                <a16:creationId xmlns:a16="http://schemas.microsoft.com/office/drawing/2014/main" id="{494A0319-B6CC-4F85-B8B4-CB9E89FD2365}"/>
-              </a:ext>
-            </a:extLst>
-          </p:cNvPr>
-          <p:cNvSpPr/>
-          <p:nvPr/>
-        </p:nvSpPr>
-        <p:spPr>
-          <a:xfrm>
-            <a:off x="5249934" y="247045"/>
-            <a:ext cx="3894066" cy="261610"/>
-          </a:xfrm>
-          <a:prstGeom prst="rect">
-            <a:avLst/>
-          </a:prstGeom>
-        </p:spPr>
-        <p:txBody>
-          <a:bodyPr wrap="square">
-            <a:spAutoFit/>
-          </a:bodyPr>
-          <a:lstStyle/>
-          <a:p>
-            <a:pPr algn="r"/>
-            <a:r>
-              <a:rPr lang="en-US" sz="1100" dirty="0">
-                <a:hlinkClick r:id="rId9"/>
-              </a:rPr>
-              <a:t>https://lab.github.com/githubtraining/introduction-to-github</a:t>
-            </a:r>
-            <a:endParaRPr lang="en-US" sz="1100" dirty="0"/>
           </a:p>
         </p:txBody>
       </p:sp>
